--- a/크로노오디세이_전투기획자/사전과제/[과제전형] [Chrono Odyssey] 캐릭터 전투 기획자 모집 _ 홍진선 과제 제출.pptx
+++ b/크로노오디세이_전투기획자/사전과제/[과제전형] [Chrono Odyssey] 캐릭터 전투 기획자 모집 _ 홍진선 과제 제출.pptx
@@ -4,10 +4,16 @@
   <p:sldMasterIdLst>
     <p:sldMasterId id="2147483648" r:id="rId1"/>
   </p:sldMasterIdLst>
+  <p:notesMasterIdLst>
+    <p:notesMasterId r:id="rId8"/>
+  </p:notesMasterIdLst>
   <p:sldIdLst>
-    <p:sldId id="257" r:id="rId2"/>
-    <p:sldId id="260" r:id="rId3"/>
-    <p:sldId id="259" r:id="rId4"/>
+    <p:sldId id="262" r:id="rId2"/>
+    <p:sldId id="263" r:id="rId3"/>
+    <p:sldId id="269" r:id="rId4"/>
+    <p:sldId id="270" r:id="rId5"/>
+    <p:sldId id="271" r:id="rId6"/>
+    <p:sldId id="266" r:id="rId7"/>
   </p:sldIdLst>
   <p:sldSz cx="12192000" cy="6858000"/>
   <p:notesSz cx="6858000" cy="9144000"/>
@@ -109,7 +115,7 @@
   <p:extLst>
     <p:ext uri="{EFAFB233-063F-42B5-8137-9DF3F51BA10A}">
       <p15:sldGuideLst xmlns:p15="http://schemas.microsoft.com/office/powerpoint/2012/main">
-        <p15:guide id="1" orient="horz" pos="2137" userDrawn="1">
+        <p15:guide id="1" orient="horz" pos="2160" userDrawn="1">
           <p15:clr>
             <a:srgbClr val="A4A3A4"/>
           </p15:clr>
@@ -119,10 +125,595 @@
             <a:srgbClr val="A4A3A4"/>
           </p15:clr>
         </p15:guide>
+        <p15:guide id="3" pos="279" userDrawn="1">
+          <p15:clr>
+            <a:srgbClr val="F26B43"/>
+          </p15:clr>
+        </p15:guide>
+        <p15:guide id="4" pos="7401" userDrawn="1">
+          <p15:clr>
+            <a:srgbClr val="F26B43"/>
+          </p15:clr>
+        </p15:guide>
+        <p15:guide id="5" orient="horz" pos="278" userDrawn="1">
+          <p15:clr>
+            <a:srgbClr val="F26B43"/>
+          </p15:clr>
+        </p15:guide>
+        <p15:guide id="6" orient="horz" pos="4156" userDrawn="1">
+          <p15:clr>
+            <a:srgbClr val="F26B43"/>
+          </p15:clr>
+        </p15:guide>
       </p15:sldGuideLst>
     </p:ext>
   </p:extLst>
 </p:presentation>
+</file>
+
+<file path=ppt/notesMasters/notesMaster1.xml><?xml version="1.0" encoding="utf-8"?>
+<p:notesMaster xmlns:a="http://schemas.openxmlformats.org/drawingml/2006/main" xmlns:r="http://schemas.openxmlformats.org/officeDocument/2006/relationships" xmlns:p="http://schemas.openxmlformats.org/presentationml/2006/main">
+  <p:cSld>
+    <p:bg>
+      <p:bgRef idx="1001">
+        <a:schemeClr val="bg1"/>
+      </p:bgRef>
+    </p:bg>
+    <p:spTree>
+      <p:nvGrpSpPr>
+        <p:cNvPr id="1" name=""/>
+        <p:cNvGrpSpPr/>
+        <p:nvPr/>
+      </p:nvGrpSpPr>
+      <p:grpSpPr>
+        <a:xfrm>
+          <a:off x="0" y="0"/>
+          <a:ext cx="0" cy="0"/>
+          <a:chOff x="0" y="0"/>
+          <a:chExt cx="0" cy="0"/>
+        </a:xfrm>
+      </p:grpSpPr>
+      <p:sp>
+        <p:nvSpPr>
+          <p:cNvPr id="2" name="머리글 개체 틀 1"/>
+          <p:cNvSpPr>
+            <a:spLocks noGrp="1"/>
+          </p:cNvSpPr>
+          <p:nvPr>
+            <p:ph type="hdr" sz="quarter"/>
+          </p:nvPr>
+        </p:nvSpPr>
+        <p:spPr>
+          <a:xfrm>
+            <a:off x="0" y="0"/>
+            <a:ext cx="2971800" cy="458788"/>
+          </a:xfrm>
+          <a:prstGeom prst="rect">
+            <a:avLst/>
+          </a:prstGeom>
+        </p:spPr>
+        <p:txBody>
+          <a:bodyPr vert="horz" lIns="91440" tIns="45720" rIns="91440" bIns="45720" rtlCol="0"/>
+          <a:lstStyle>
+            <a:lvl1pPr algn="l">
+              <a:defRPr sz="1200"/>
+            </a:lvl1pPr>
+          </a:lstStyle>
+          <a:p>
+            <a:endParaRPr lang="ko-KR" altLang="en-US"/>
+          </a:p>
+        </p:txBody>
+      </p:sp>
+      <p:sp>
+        <p:nvSpPr>
+          <p:cNvPr id="3" name="날짜 개체 틀 2"/>
+          <p:cNvSpPr>
+            <a:spLocks noGrp="1"/>
+          </p:cNvSpPr>
+          <p:nvPr>
+            <p:ph type="dt" idx="1"/>
+          </p:nvPr>
+        </p:nvSpPr>
+        <p:spPr>
+          <a:xfrm>
+            <a:off x="3884613" y="0"/>
+            <a:ext cx="2971800" cy="458788"/>
+          </a:xfrm>
+          <a:prstGeom prst="rect">
+            <a:avLst/>
+          </a:prstGeom>
+        </p:spPr>
+        <p:txBody>
+          <a:bodyPr vert="horz" lIns="91440" tIns="45720" rIns="91440" bIns="45720" rtlCol="0"/>
+          <a:lstStyle>
+            <a:lvl1pPr algn="r">
+              <a:defRPr sz="1200"/>
+            </a:lvl1pPr>
+          </a:lstStyle>
+          <a:p>
+            <a:fld id="{44858A5B-A4C5-42BA-89E9-10F55E5A3D46}" type="datetimeFigureOut">
+              <a:rPr lang="ko-KR" altLang="en-US" smtClean="0"/>
+              <a:t>2025-11-01</a:t>
+            </a:fld>
+            <a:endParaRPr lang="ko-KR" altLang="en-US"/>
+          </a:p>
+        </p:txBody>
+      </p:sp>
+      <p:sp>
+        <p:nvSpPr>
+          <p:cNvPr id="4" name="슬라이드 이미지 개체 틀 3"/>
+          <p:cNvSpPr>
+            <a:spLocks noGrp="1" noRot="1" noChangeAspect="1"/>
+          </p:cNvSpPr>
+          <p:nvPr>
+            <p:ph type="sldImg" idx="2"/>
+          </p:nvPr>
+        </p:nvSpPr>
+        <p:spPr>
+          <a:xfrm>
+            <a:off x="685800" y="1143000"/>
+            <a:ext cx="5486400" cy="3086100"/>
+          </a:xfrm>
+          <a:prstGeom prst="rect">
+            <a:avLst/>
+          </a:prstGeom>
+          <a:noFill/>
+          <a:ln w="12700">
+            <a:solidFill>
+              <a:prstClr val="black"/>
+            </a:solidFill>
+          </a:ln>
+        </p:spPr>
+        <p:txBody>
+          <a:bodyPr vert="horz" lIns="91440" tIns="45720" rIns="91440" bIns="45720" rtlCol="0" anchor="ctr"/>
+          <a:lstStyle/>
+          <a:p>
+            <a:endParaRPr lang="ko-KR" altLang="en-US"/>
+          </a:p>
+        </p:txBody>
+      </p:sp>
+      <p:sp>
+        <p:nvSpPr>
+          <p:cNvPr id="5" name="슬라이드 노트 개체 틀 4"/>
+          <p:cNvSpPr>
+            <a:spLocks noGrp="1"/>
+          </p:cNvSpPr>
+          <p:nvPr>
+            <p:ph type="body" sz="quarter" idx="3"/>
+          </p:nvPr>
+        </p:nvSpPr>
+        <p:spPr>
+          <a:xfrm>
+            <a:off x="685800" y="4400550"/>
+            <a:ext cx="5486400" cy="3600450"/>
+          </a:xfrm>
+          <a:prstGeom prst="rect">
+            <a:avLst/>
+          </a:prstGeom>
+        </p:spPr>
+        <p:txBody>
+          <a:bodyPr vert="horz" lIns="91440" tIns="45720" rIns="91440" bIns="45720" rtlCol="0"/>
+          <a:lstStyle/>
+          <a:p>
+            <a:pPr lvl="0"/>
+            <a:r>
+              <a:rPr lang="ko-KR" altLang="en-US"/>
+              <a:t>마스터 텍스트 스타일을 편집하려면 클릭</a:t>
+            </a:r>
+          </a:p>
+          <a:p>
+            <a:pPr lvl="1"/>
+            <a:r>
+              <a:rPr lang="ko-KR" altLang="en-US"/>
+              <a:t>두 번째 수준</a:t>
+            </a:r>
+          </a:p>
+          <a:p>
+            <a:pPr lvl="2"/>
+            <a:r>
+              <a:rPr lang="ko-KR" altLang="en-US"/>
+              <a:t>세 번째 수준</a:t>
+            </a:r>
+          </a:p>
+          <a:p>
+            <a:pPr lvl="3"/>
+            <a:r>
+              <a:rPr lang="ko-KR" altLang="en-US"/>
+              <a:t>네 번째 수준</a:t>
+            </a:r>
+          </a:p>
+          <a:p>
+            <a:pPr lvl="4"/>
+            <a:r>
+              <a:rPr lang="ko-KR" altLang="en-US"/>
+              <a:t>다섯 번째 수준</a:t>
+            </a:r>
+          </a:p>
+        </p:txBody>
+      </p:sp>
+      <p:sp>
+        <p:nvSpPr>
+          <p:cNvPr id="6" name="바닥글 개체 틀 5"/>
+          <p:cNvSpPr>
+            <a:spLocks noGrp="1"/>
+          </p:cNvSpPr>
+          <p:nvPr>
+            <p:ph type="ftr" sz="quarter" idx="4"/>
+          </p:nvPr>
+        </p:nvSpPr>
+        <p:spPr>
+          <a:xfrm>
+            <a:off x="0" y="8685213"/>
+            <a:ext cx="2971800" cy="458787"/>
+          </a:xfrm>
+          <a:prstGeom prst="rect">
+            <a:avLst/>
+          </a:prstGeom>
+        </p:spPr>
+        <p:txBody>
+          <a:bodyPr vert="horz" lIns="91440" tIns="45720" rIns="91440" bIns="45720" rtlCol="0" anchor="b"/>
+          <a:lstStyle>
+            <a:lvl1pPr algn="l">
+              <a:defRPr sz="1200"/>
+            </a:lvl1pPr>
+          </a:lstStyle>
+          <a:p>
+            <a:endParaRPr lang="ko-KR" altLang="en-US"/>
+          </a:p>
+        </p:txBody>
+      </p:sp>
+      <p:sp>
+        <p:nvSpPr>
+          <p:cNvPr id="7" name="슬라이드 번호 개체 틀 6"/>
+          <p:cNvSpPr>
+            <a:spLocks noGrp="1"/>
+          </p:cNvSpPr>
+          <p:nvPr>
+            <p:ph type="sldNum" sz="quarter" idx="5"/>
+          </p:nvPr>
+        </p:nvSpPr>
+        <p:spPr>
+          <a:xfrm>
+            <a:off x="3884613" y="8685213"/>
+            <a:ext cx="2971800" cy="458787"/>
+          </a:xfrm>
+          <a:prstGeom prst="rect">
+            <a:avLst/>
+          </a:prstGeom>
+        </p:spPr>
+        <p:txBody>
+          <a:bodyPr vert="horz" lIns="91440" tIns="45720" rIns="91440" bIns="45720" rtlCol="0" anchor="b"/>
+          <a:lstStyle>
+            <a:lvl1pPr algn="r">
+              <a:defRPr sz="1200"/>
+            </a:lvl1pPr>
+          </a:lstStyle>
+          <a:p>
+            <a:fld id="{40E134C8-DE01-4967-8504-92E88DCF6C0A}" type="slidenum">
+              <a:rPr lang="ko-KR" altLang="en-US" smtClean="0"/>
+              <a:t>‹#›</a:t>
+            </a:fld>
+            <a:endParaRPr lang="ko-KR" altLang="en-US"/>
+          </a:p>
+        </p:txBody>
+      </p:sp>
+    </p:spTree>
+    <p:extLst>
+      <p:ext uri="{BB962C8B-B14F-4D97-AF65-F5344CB8AC3E}">
+        <p14:creationId xmlns:p14="http://schemas.microsoft.com/office/powerpoint/2010/main" val="3234607454"/>
+      </p:ext>
+    </p:extLst>
+  </p:cSld>
+  <p:clrMap bg1="lt1" tx1="dk1" bg2="lt2" tx2="dk2" accent1="accent1" accent2="accent2" accent3="accent3" accent4="accent4" accent5="accent5" accent6="accent6" hlink="hlink" folHlink="folHlink"/>
+  <p:notesStyle>
+    <a:lvl1pPr marL="0" algn="l" defTabSz="914400" rtl="0" eaLnBrk="1" latinLnBrk="1" hangingPunct="1">
+      <a:defRPr sz="1200" kern="1200">
+        <a:solidFill>
+          <a:schemeClr val="tx1"/>
+        </a:solidFill>
+        <a:latin typeface="+mn-lt"/>
+        <a:ea typeface="+mn-ea"/>
+        <a:cs typeface="+mn-cs"/>
+      </a:defRPr>
+    </a:lvl1pPr>
+    <a:lvl2pPr marL="457200" algn="l" defTabSz="914400" rtl="0" eaLnBrk="1" latinLnBrk="1" hangingPunct="1">
+      <a:defRPr sz="1200" kern="1200">
+        <a:solidFill>
+          <a:schemeClr val="tx1"/>
+        </a:solidFill>
+        <a:latin typeface="+mn-lt"/>
+        <a:ea typeface="+mn-ea"/>
+        <a:cs typeface="+mn-cs"/>
+      </a:defRPr>
+    </a:lvl2pPr>
+    <a:lvl3pPr marL="914400" algn="l" defTabSz="914400" rtl="0" eaLnBrk="1" latinLnBrk="1" hangingPunct="1">
+      <a:defRPr sz="1200" kern="1200">
+        <a:solidFill>
+          <a:schemeClr val="tx1"/>
+        </a:solidFill>
+        <a:latin typeface="+mn-lt"/>
+        <a:ea typeface="+mn-ea"/>
+        <a:cs typeface="+mn-cs"/>
+      </a:defRPr>
+    </a:lvl3pPr>
+    <a:lvl4pPr marL="1371600" algn="l" defTabSz="914400" rtl="0" eaLnBrk="1" latinLnBrk="1" hangingPunct="1">
+      <a:defRPr sz="1200" kern="1200">
+        <a:solidFill>
+          <a:schemeClr val="tx1"/>
+        </a:solidFill>
+        <a:latin typeface="+mn-lt"/>
+        <a:ea typeface="+mn-ea"/>
+        <a:cs typeface="+mn-cs"/>
+      </a:defRPr>
+    </a:lvl4pPr>
+    <a:lvl5pPr marL="1828800" algn="l" defTabSz="914400" rtl="0" eaLnBrk="1" latinLnBrk="1" hangingPunct="1">
+      <a:defRPr sz="1200" kern="1200">
+        <a:solidFill>
+          <a:schemeClr val="tx1"/>
+        </a:solidFill>
+        <a:latin typeface="+mn-lt"/>
+        <a:ea typeface="+mn-ea"/>
+        <a:cs typeface="+mn-cs"/>
+      </a:defRPr>
+    </a:lvl5pPr>
+    <a:lvl6pPr marL="2286000" algn="l" defTabSz="914400" rtl="0" eaLnBrk="1" latinLnBrk="1" hangingPunct="1">
+      <a:defRPr sz="1200" kern="1200">
+        <a:solidFill>
+          <a:schemeClr val="tx1"/>
+        </a:solidFill>
+        <a:latin typeface="+mn-lt"/>
+        <a:ea typeface="+mn-ea"/>
+        <a:cs typeface="+mn-cs"/>
+      </a:defRPr>
+    </a:lvl6pPr>
+    <a:lvl7pPr marL="2743200" algn="l" defTabSz="914400" rtl="0" eaLnBrk="1" latinLnBrk="1" hangingPunct="1">
+      <a:defRPr sz="1200" kern="1200">
+        <a:solidFill>
+          <a:schemeClr val="tx1"/>
+        </a:solidFill>
+        <a:latin typeface="+mn-lt"/>
+        <a:ea typeface="+mn-ea"/>
+        <a:cs typeface="+mn-cs"/>
+      </a:defRPr>
+    </a:lvl7pPr>
+    <a:lvl8pPr marL="3200400" algn="l" defTabSz="914400" rtl="0" eaLnBrk="1" latinLnBrk="1" hangingPunct="1">
+      <a:defRPr sz="1200" kern="1200">
+        <a:solidFill>
+          <a:schemeClr val="tx1"/>
+        </a:solidFill>
+        <a:latin typeface="+mn-lt"/>
+        <a:ea typeface="+mn-ea"/>
+        <a:cs typeface="+mn-cs"/>
+      </a:defRPr>
+    </a:lvl8pPr>
+    <a:lvl9pPr marL="3657600" algn="l" defTabSz="914400" rtl="0" eaLnBrk="1" latinLnBrk="1" hangingPunct="1">
+      <a:defRPr sz="1200" kern="1200">
+        <a:solidFill>
+          <a:schemeClr val="tx1"/>
+        </a:solidFill>
+        <a:latin typeface="+mn-lt"/>
+        <a:ea typeface="+mn-ea"/>
+        <a:cs typeface="+mn-cs"/>
+      </a:defRPr>
+    </a:lvl9pPr>
+  </p:notesStyle>
+</p:notesMaster>
+</file>
+
+<file path=ppt/notesSlides/notesSlide1.xml><?xml version="1.0" encoding="utf-8"?>
+<p:notes xmlns:a="http://schemas.openxmlformats.org/drawingml/2006/main" xmlns:r="http://schemas.openxmlformats.org/officeDocument/2006/relationships" xmlns:p="http://schemas.openxmlformats.org/presentationml/2006/main">
+  <p:cSld>
+    <p:spTree>
+      <p:nvGrpSpPr>
+        <p:cNvPr id="1" name="">
+          <a:extLst>
+            <a:ext uri="{FF2B5EF4-FFF2-40B4-BE49-F238E27FC236}">
+              <a16:creationId xmlns:a16="http://schemas.microsoft.com/office/drawing/2014/main" id="{C1B02809-F843-F358-6A57-16D5C51F8065}"/>
+            </a:ext>
+          </a:extLst>
+        </p:cNvPr>
+        <p:cNvGrpSpPr/>
+        <p:nvPr/>
+      </p:nvGrpSpPr>
+      <p:grpSpPr>
+        <a:xfrm>
+          <a:off x="0" y="0"/>
+          <a:ext cx="0" cy="0"/>
+          <a:chOff x="0" y="0"/>
+          <a:chExt cx="0" cy="0"/>
+        </a:xfrm>
+      </p:grpSpPr>
+      <p:sp>
+        <p:nvSpPr>
+          <p:cNvPr id="2" name="슬라이드 이미지 개체 틀 1">
+            <a:extLst>
+              <a:ext uri="{FF2B5EF4-FFF2-40B4-BE49-F238E27FC236}">
+                <a16:creationId xmlns:a16="http://schemas.microsoft.com/office/drawing/2014/main" id="{1CC6B427-3ACA-D58B-5D36-132437C51457}"/>
+              </a:ext>
+            </a:extLst>
+          </p:cNvPr>
+          <p:cNvSpPr>
+            <a:spLocks noGrp="1" noRot="1" noChangeAspect="1"/>
+          </p:cNvSpPr>
+          <p:nvPr>
+            <p:ph type="sldImg"/>
+          </p:nvPr>
+        </p:nvSpPr>
+        <p:spPr/>
+      </p:sp>
+      <p:sp>
+        <p:nvSpPr>
+          <p:cNvPr id="3" name="슬라이드 노트 개체 틀 2">
+            <a:extLst>
+              <a:ext uri="{FF2B5EF4-FFF2-40B4-BE49-F238E27FC236}">
+                <a16:creationId xmlns:a16="http://schemas.microsoft.com/office/drawing/2014/main" id="{2A4D860E-B991-453E-D00A-32DCC0DECF87}"/>
+              </a:ext>
+            </a:extLst>
+          </p:cNvPr>
+          <p:cNvSpPr>
+            <a:spLocks noGrp="1"/>
+          </p:cNvSpPr>
+          <p:nvPr>
+            <p:ph type="body" idx="1"/>
+          </p:nvPr>
+        </p:nvSpPr>
+        <p:spPr/>
+        <p:txBody>
+          <a:bodyPr/>
+          <a:lstStyle/>
+          <a:p>
+            <a:endParaRPr lang="ko-KR" altLang="en-US" dirty="0"/>
+          </a:p>
+        </p:txBody>
+      </p:sp>
+      <p:sp>
+        <p:nvSpPr>
+          <p:cNvPr id="4" name="슬라이드 번호 개체 틀 3">
+            <a:extLst>
+              <a:ext uri="{FF2B5EF4-FFF2-40B4-BE49-F238E27FC236}">
+                <a16:creationId xmlns:a16="http://schemas.microsoft.com/office/drawing/2014/main" id="{173B6A86-25CC-E966-8E08-E11CC47260DD}"/>
+              </a:ext>
+            </a:extLst>
+          </p:cNvPr>
+          <p:cNvSpPr>
+            <a:spLocks noGrp="1"/>
+          </p:cNvSpPr>
+          <p:nvPr>
+            <p:ph type="sldNum" sz="quarter" idx="5"/>
+          </p:nvPr>
+        </p:nvSpPr>
+        <p:spPr/>
+        <p:txBody>
+          <a:bodyPr/>
+          <a:lstStyle/>
+          <a:p>
+            <a:fld id="{40E134C8-DE01-4967-8504-92E88DCF6C0A}" type="slidenum">
+              <a:rPr lang="ko-KR" altLang="en-US" smtClean="0"/>
+              <a:t>1</a:t>
+            </a:fld>
+            <a:endParaRPr lang="ko-KR" altLang="en-US"/>
+          </a:p>
+        </p:txBody>
+      </p:sp>
+    </p:spTree>
+    <p:extLst>
+      <p:ext uri="{BB962C8B-B14F-4D97-AF65-F5344CB8AC3E}">
+        <p14:creationId xmlns:p14="http://schemas.microsoft.com/office/powerpoint/2010/main" val="3105270198"/>
+      </p:ext>
+    </p:extLst>
+  </p:cSld>
+  <p:clrMapOvr>
+    <a:masterClrMapping/>
+  </p:clrMapOvr>
+</p:notes>
+</file>
+
+<file path=ppt/notesSlides/notesSlide2.xml><?xml version="1.0" encoding="utf-8"?>
+<p:notes xmlns:a="http://schemas.openxmlformats.org/drawingml/2006/main" xmlns:r="http://schemas.openxmlformats.org/officeDocument/2006/relationships" xmlns:p="http://schemas.openxmlformats.org/presentationml/2006/main">
+  <p:cSld>
+    <p:spTree>
+      <p:nvGrpSpPr>
+        <p:cNvPr id="1" name="">
+          <a:extLst>
+            <a:ext uri="{FF2B5EF4-FFF2-40B4-BE49-F238E27FC236}">
+              <a16:creationId xmlns:a16="http://schemas.microsoft.com/office/drawing/2014/main" id="{0C3B52DA-5191-2A3E-D1B1-C4CACD768583}"/>
+            </a:ext>
+          </a:extLst>
+        </p:cNvPr>
+        <p:cNvGrpSpPr/>
+        <p:nvPr/>
+      </p:nvGrpSpPr>
+      <p:grpSpPr>
+        <a:xfrm>
+          <a:off x="0" y="0"/>
+          <a:ext cx="0" cy="0"/>
+          <a:chOff x="0" y="0"/>
+          <a:chExt cx="0" cy="0"/>
+        </a:xfrm>
+      </p:grpSpPr>
+      <p:sp>
+        <p:nvSpPr>
+          <p:cNvPr id="2" name="슬라이드 이미지 개체 틀 1">
+            <a:extLst>
+              <a:ext uri="{FF2B5EF4-FFF2-40B4-BE49-F238E27FC236}">
+                <a16:creationId xmlns:a16="http://schemas.microsoft.com/office/drawing/2014/main" id="{A0E98269-36A0-67C7-0E30-B6BE4B733520}"/>
+              </a:ext>
+            </a:extLst>
+          </p:cNvPr>
+          <p:cNvSpPr>
+            <a:spLocks noGrp="1" noRot="1" noChangeAspect="1"/>
+          </p:cNvSpPr>
+          <p:nvPr>
+            <p:ph type="sldImg"/>
+          </p:nvPr>
+        </p:nvSpPr>
+        <p:spPr/>
+      </p:sp>
+      <p:sp>
+        <p:nvSpPr>
+          <p:cNvPr id="3" name="슬라이드 노트 개체 틀 2">
+            <a:extLst>
+              <a:ext uri="{FF2B5EF4-FFF2-40B4-BE49-F238E27FC236}">
+                <a16:creationId xmlns:a16="http://schemas.microsoft.com/office/drawing/2014/main" id="{A4A42B0D-EF35-A6AB-A21F-A330D00D0D7B}"/>
+              </a:ext>
+            </a:extLst>
+          </p:cNvPr>
+          <p:cNvSpPr>
+            <a:spLocks noGrp="1"/>
+          </p:cNvSpPr>
+          <p:nvPr>
+            <p:ph type="body" idx="1"/>
+          </p:nvPr>
+        </p:nvSpPr>
+        <p:spPr/>
+        <p:txBody>
+          <a:bodyPr/>
+          <a:lstStyle/>
+          <a:p>
+            <a:endParaRPr lang="ko-KR" altLang="en-US" dirty="0"/>
+          </a:p>
+        </p:txBody>
+      </p:sp>
+      <p:sp>
+        <p:nvSpPr>
+          <p:cNvPr id="4" name="슬라이드 번호 개체 틀 3">
+            <a:extLst>
+              <a:ext uri="{FF2B5EF4-FFF2-40B4-BE49-F238E27FC236}">
+                <a16:creationId xmlns:a16="http://schemas.microsoft.com/office/drawing/2014/main" id="{CB59A947-BC24-498C-154E-9DAC30D4F312}"/>
+              </a:ext>
+            </a:extLst>
+          </p:cNvPr>
+          <p:cNvSpPr>
+            <a:spLocks noGrp="1"/>
+          </p:cNvSpPr>
+          <p:nvPr>
+            <p:ph type="sldNum" sz="quarter" idx="5"/>
+          </p:nvPr>
+        </p:nvSpPr>
+        <p:spPr/>
+        <p:txBody>
+          <a:bodyPr/>
+          <a:lstStyle/>
+          <a:p>
+            <a:fld id="{40E134C8-DE01-4967-8504-92E88DCF6C0A}" type="slidenum">
+              <a:rPr lang="ko-KR" altLang="en-US" smtClean="0"/>
+              <a:t>6</a:t>
+            </a:fld>
+            <a:endParaRPr lang="ko-KR" altLang="en-US"/>
+          </a:p>
+        </p:txBody>
+      </p:sp>
+    </p:spTree>
+    <p:extLst>
+      <p:ext uri="{BB962C8B-B14F-4D97-AF65-F5344CB8AC3E}">
+        <p14:creationId xmlns:p14="http://schemas.microsoft.com/office/powerpoint/2010/main" val="1731149067"/>
+      </p:ext>
+    </p:extLst>
+  </p:cSld>
+  <p:clrMapOvr>
+    <a:masterClrMapping/>
+  </p:clrMapOvr>
+</p:notes>
 </file>
 
 <file path=ppt/slideLayouts/slideLayout1.xml><?xml version="1.0" encoding="utf-8"?>
@@ -272,7 +863,7 @@
           <a:p>
             <a:fld id="{EBBAD0F6-17A2-4FF3-829F-62ACF20E6C3D}" type="datetimeFigureOut">
               <a:rPr lang="ko-KR" altLang="en-US" smtClean="0"/>
-              <a:t>2025-10-31</a:t>
+              <a:t>2025-11-01</a:t>
             </a:fld>
             <a:endParaRPr lang="ko-KR" altLang="en-US"/>
           </a:p>
@@ -470,7 +1061,7 @@
           <a:p>
             <a:fld id="{EBBAD0F6-17A2-4FF3-829F-62ACF20E6C3D}" type="datetimeFigureOut">
               <a:rPr lang="ko-KR" altLang="en-US" smtClean="0"/>
-              <a:t>2025-10-31</a:t>
+              <a:t>2025-11-01</a:t>
             </a:fld>
             <a:endParaRPr lang="ko-KR" altLang="en-US"/>
           </a:p>
@@ -678,7 +1269,7 @@
           <a:p>
             <a:fld id="{EBBAD0F6-17A2-4FF3-829F-62ACF20E6C3D}" type="datetimeFigureOut">
               <a:rPr lang="ko-KR" altLang="en-US" smtClean="0"/>
-              <a:t>2025-10-31</a:t>
+              <a:t>2025-11-01</a:t>
             </a:fld>
             <a:endParaRPr lang="ko-KR" altLang="en-US"/>
           </a:p>
@@ -876,7 +1467,7 @@
           <a:p>
             <a:fld id="{EBBAD0F6-17A2-4FF3-829F-62ACF20E6C3D}" type="datetimeFigureOut">
               <a:rPr lang="ko-KR" altLang="en-US" smtClean="0"/>
-              <a:t>2025-10-31</a:t>
+              <a:t>2025-11-01</a:t>
             </a:fld>
             <a:endParaRPr lang="ko-KR" altLang="en-US"/>
           </a:p>
@@ -1151,7 +1742,7 @@
           <a:p>
             <a:fld id="{EBBAD0F6-17A2-4FF3-829F-62ACF20E6C3D}" type="datetimeFigureOut">
               <a:rPr lang="ko-KR" altLang="en-US" smtClean="0"/>
-              <a:t>2025-10-31</a:t>
+              <a:t>2025-11-01</a:t>
             </a:fld>
             <a:endParaRPr lang="ko-KR" altLang="en-US"/>
           </a:p>
@@ -1416,7 +2007,7 @@
           <a:p>
             <a:fld id="{EBBAD0F6-17A2-4FF3-829F-62ACF20E6C3D}" type="datetimeFigureOut">
               <a:rPr lang="ko-KR" altLang="en-US" smtClean="0"/>
-              <a:t>2025-10-31</a:t>
+              <a:t>2025-11-01</a:t>
             </a:fld>
             <a:endParaRPr lang="ko-KR" altLang="en-US"/>
           </a:p>
@@ -1828,7 +2419,7 @@
           <a:p>
             <a:fld id="{EBBAD0F6-17A2-4FF3-829F-62ACF20E6C3D}" type="datetimeFigureOut">
               <a:rPr lang="ko-KR" altLang="en-US" smtClean="0"/>
-              <a:t>2025-10-31</a:t>
+              <a:t>2025-11-01</a:t>
             </a:fld>
             <a:endParaRPr lang="ko-KR" altLang="en-US"/>
           </a:p>
@@ -1969,7 +2560,7 @@
           <a:p>
             <a:fld id="{EBBAD0F6-17A2-4FF3-829F-62ACF20E6C3D}" type="datetimeFigureOut">
               <a:rPr lang="ko-KR" altLang="en-US" smtClean="0"/>
-              <a:t>2025-10-31</a:t>
+              <a:t>2025-11-01</a:t>
             </a:fld>
             <a:endParaRPr lang="ko-KR" altLang="en-US"/>
           </a:p>
@@ -2082,7 +2673,7 @@
           <a:p>
             <a:fld id="{EBBAD0F6-17A2-4FF3-829F-62ACF20E6C3D}" type="datetimeFigureOut">
               <a:rPr lang="ko-KR" altLang="en-US" smtClean="0"/>
-              <a:t>2025-10-31</a:t>
+              <a:t>2025-11-01</a:t>
             </a:fld>
             <a:endParaRPr lang="ko-KR" altLang="en-US"/>
           </a:p>
@@ -2393,7 +2984,7 @@
           <a:p>
             <a:fld id="{EBBAD0F6-17A2-4FF3-829F-62ACF20E6C3D}" type="datetimeFigureOut">
               <a:rPr lang="ko-KR" altLang="en-US" smtClean="0"/>
-              <a:t>2025-10-31</a:t>
+              <a:t>2025-11-01</a:t>
             </a:fld>
             <a:endParaRPr lang="ko-KR" altLang="en-US"/>
           </a:p>
@@ -2681,7 +3272,7 @@
           <a:p>
             <a:fld id="{EBBAD0F6-17A2-4FF3-829F-62ACF20E6C3D}" type="datetimeFigureOut">
               <a:rPr lang="ko-KR" altLang="en-US" smtClean="0"/>
-              <a:t>2025-10-31</a:t>
+              <a:t>2025-11-01</a:t>
             </a:fld>
             <a:endParaRPr lang="ko-KR" altLang="en-US"/>
           </a:p>
@@ -2922,7 +3513,7 @@
           <a:p>
             <a:fld id="{EBBAD0F6-17A2-4FF3-829F-62ACF20E6C3D}" type="datetimeFigureOut">
               <a:rPr lang="ko-KR" altLang="en-US" smtClean="0"/>
-              <a:t>2025-10-31</a:t>
+              <a:t>2025-11-01</a:t>
             </a:fld>
             <a:endParaRPr lang="ko-KR" altLang="en-US"/>
           </a:p>
@@ -3325,9 +3916,448 @@
 <file path=ppt/slides/slide1.xml><?xml version="1.0" encoding="utf-8"?>
 <p:sld xmlns:a="http://schemas.openxmlformats.org/drawingml/2006/main" xmlns:r="http://schemas.openxmlformats.org/officeDocument/2006/relationships" xmlns:p="http://schemas.openxmlformats.org/presentationml/2006/main">
   <p:cSld>
+    <p:bg>
+      <p:bgPr>
+        <a:solidFill>
+          <a:srgbClr val="212227"/>
+        </a:solidFill>
+        <a:effectLst/>
+      </p:bgPr>
+    </p:bg>
     <p:spTree>
       <p:nvGrpSpPr>
-        <p:cNvPr id="1" name=""/>
+        <p:cNvPr id="1" name="">
+          <a:extLst>
+            <a:ext uri="{FF2B5EF4-FFF2-40B4-BE49-F238E27FC236}">
+              <a16:creationId xmlns:a16="http://schemas.microsoft.com/office/drawing/2014/main" id="{E77E35D5-E2D7-2D13-21B0-86BA7246D51A}"/>
+            </a:ext>
+          </a:extLst>
+        </p:cNvPr>
+        <p:cNvGrpSpPr/>
+        <p:nvPr/>
+      </p:nvGrpSpPr>
+      <p:grpSpPr>
+        <a:xfrm>
+          <a:off x="0" y="0"/>
+          <a:ext cx="0" cy="0"/>
+          <a:chOff x="0" y="0"/>
+          <a:chExt cx="0" cy="0"/>
+        </a:xfrm>
+      </p:grpSpPr>
+      <p:grpSp>
+        <p:nvGrpSpPr>
+          <p:cNvPr id="10" name="그룹 9">
+            <a:extLst>
+              <a:ext uri="{FF2B5EF4-FFF2-40B4-BE49-F238E27FC236}">
+                <a16:creationId xmlns:a16="http://schemas.microsoft.com/office/drawing/2014/main" id="{079C1924-9110-20D4-82DB-9FFA180458BE}"/>
+              </a:ext>
+            </a:extLst>
+          </p:cNvPr>
+          <p:cNvGrpSpPr/>
+          <p:nvPr/>
+        </p:nvGrpSpPr>
+        <p:grpSpPr>
+          <a:xfrm>
+            <a:off x="9405009" y="6088707"/>
+            <a:ext cx="2603598" cy="492442"/>
+            <a:chOff x="9405009" y="6057929"/>
+            <a:chExt cx="2603598" cy="492442"/>
+          </a:xfrm>
+        </p:grpSpPr>
+        <p:sp>
+          <p:nvSpPr>
+            <p:cNvPr id="6" name="TextBox 5">
+              <a:extLst>
+                <a:ext uri="{FF2B5EF4-FFF2-40B4-BE49-F238E27FC236}">
+                  <a16:creationId xmlns:a16="http://schemas.microsoft.com/office/drawing/2014/main" id="{BCB31545-BCE3-0547-7376-C869E9582A14}"/>
+                </a:ext>
+              </a:extLst>
+            </p:cNvPr>
+            <p:cNvSpPr txBox="1"/>
+            <p:nvPr/>
+          </p:nvSpPr>
+          <p:spPr>
+            <a:xfrm>
+              <a:off x="9405009" y="6057929"/>
+              <a:ext cx="2603598" cy="246221"/>
+            </a:xfrm>
+            <a:prstGeom prst="rect">
+              <a:avLst/>
+            </a:prstGeom>
+            <a:noFill/>
+          </p:spPr>
+          <p:txBody>
+            <a:bodyPr wrap="none" rtlCol="0">
+              <a:spAutoFit/>
+            </a:bodyPr>
+            <a:lstStyle/>
+            <a:p>
+              <a:pPr algn="r"/>
+              <a:r>
+                <a:rPr lang="en-US" altLang="ko-KR" sz="1000" dirty="0">
+                  <a:solidFill>
+                    <a:schemeClr val="bg1"/>
+                  </a:solidFill>
+                  <a:effectLst/>
+                  <a:latin typeface="Pretendard" panose="02000503000000020004" pitchFamily="2" charset="-127"/>
+                  <a:ea typeface="Pretendard" panose="02000503000000020004" pitchFamily="2" charset="-127"/>
+                  <a:cs typeface="Pretendard" panose="02000503000000020004" pitchFamily="2" charset="-127"/>
+                </a:rPr>
+                <a:t>[Chrono Odyssey] </a:t>
+              </a:r>
+              <a:r>
+                <a:rPr lang="ko-KR" altLang="en-US" sz="1000" dirty="0">
+                  <a:solidFill>
+                    <a:schemeClr val="bg1"/>
+                  </a:solidFill>
+                  <a:effectLst/>
+                  <a:latin typeface="Pretendard" panose="02000503000000020004" pitchFamily="2" charset="-127"/>
+                  <a:ea typeface="Pretendard" panose="02000503000000020004" pitchFamily="2" charset="-127"/>
+                  <a:cs typeface="Pretendard" panose="02000503000000020004" pitchFamily="2" charset="-127"/>
+                </a:rPr>
+                <a:t>캐릭터 전투 기획 사전 과제</a:t>
+              </a:r>
+            </a:p>
+          </p:txBody>
+        </p:sp>
+        <p:sp>
+          <p:nvSpPr>
+            <p:cNvPr id="7" name="TextBox 6">
+              <a:extLst>
+                <a:ext uri="{FF2B5EF4-FFF2-40B4-BE49-F238E27FC236}">
+                  <a16:creationId xmlns:a16="http://schemas.microsoft.com/office/drawing/2014/main" id="{87137DFF-AEB9-807E-B9B7-055B3C0382F8}"/>
+                </a:ext>
+              </a:extLst>
+            </p:cNvPr>
+            <p:cNvSpPr txBox="1"/>
+            <p:nvPr/>
+          </p:nvSpPr>
+          <p:spPr>
+            <a:xfrm>
+              <a:off x="11064118" y="6304150"/>
+              <a:ext cx="944489" cy="246221"/>
+            </a:xfrm>
+            <a:prstGeom prst="rect">
+              <a:avLst/>
+            </a:prstGeom>
+            <a:noFill/>
+          </p:spPr>
+          <p:txBody>
+            <a:bodyPr wrap="none" rtlCol="0">
+              <a:spAutoFit/>
+            </a:bodyPr>
+            <a:lstStyle/>
+            <a:p>
+              <a:pPr algn="r"/>
+              <a:r>
+                <a:rPr lang="ko-KR" altLang="en-US" sz="1000" dirty="0">
+                  <a:solidFill>
+                    <a:schemeClr val="bg1"/>
+                  </a:solidFill>
+                  <a:effectLst/>
+                  <a:latin typeface="Pretendard" panose="02000503000000020004" pitchFamily="2" charset="-127"/>
+                  <a:ea typeface="Pretendard" panose="02000503000000020004" pitchFamily="2" charset="-127"/>
+                  <a:cs typeface="Pretendard" panose="02000503000000020004" pitchFamily="2" charset="-127"/>
+                </a:rPr>
+                <a:t>작성자 </a:t>
+              </a:r>
+              <a:r>
+                <a:rPr lang="en-US" altLang="ko-KR" sz="1000" dirty="0">
+                  <a:solidFill>
+                    <a:schemeClr val="bg1"/>
+                  </a:solidFill>
+                  <a:effectLst/>
+                  <a:latin typeface="Pretendard" panose="02000503000000020004" pitchFamily="2" charset="-127"/>
+                  <a:ea typeface="Pretendard" panose="02000503000000020004" pitchFamily="2" charset="-127"/>
+                  <a:cs typeface="Pretendard" panose="02000503000000020004" pitchFamily="2" charset="-127"/>
+                </a:rPr>
+                <a:t>: </a:t>
+              </a:r>
+              <a:r>
+                <a:rPr lang="ko-KR" altLang="en-US" sz="1000" dirty="0">
+                  <a:solidFill>
+                    <a:schemeClr val="bg1"/>
+                  </a:solidFill>
+                  <a:effectLst/>
+                  <a:latin typeface="Pretendard" panose="02000503000000020004" pitchFamily="2" charset="-127"/>
+                  <a:ea typeface="Pretendard" panose="02000503000000020004" pitchFamily="2" charset="-127"/>
+                  <a:cs typeface="Pretendard" panose="02000503000000020004" pitchFamily="2" charset="-127"/>
+                </a:rPr>
+                <a:t>홍진선</a:t>
+              </a:r>
+            </a:p>
+          </p:txBody>
+        </p:sp>
+      </p:grpSp>
+      <p:pic>
+        <p:nvPicPr>
+          <p:cNvPr id="12" name="그림 11" descr="폰트, 타이포그래피, 텍스트, 그래픽이(가) 표시된 사진&#10;&#10;AI 생성 콘텐츠는 정확하지 않을 수 있습니다.">
+            <a:extLst>
+              <a:ext uri="{FF2B5EF4-FFF2-40B4-BE49-F238E27FC236}">
+                <a16:creationId xmlns:a16="http://schemas.microsoft.com/office/drawing/2014/main" id="{45CB7795-317E-0293-CFBA-83A351FCDC77}"/>
+              </a:ext>
+            </a:extLst>
+          </p:cNvPr>
+          <p:cNvPicPr>
+            <a:picLocks noChangeAspect="1"/>
+          </p:cNvPicPr>
+          <p:nvPr/>
+        </p:nvPicPr>
+        <p:blipFill>
+          <a:blip r:embed="rId3">
+            <a:extLst>
+              <a:ext uri="{28A0092B-C50C-407E-A947-70E740481C1C}">
+                <a14:useLocalDpi xmlns:a14="http://schemas.microsoft.com/office/drawing/2010/main" val="0"/>
+              </a:ext>
+            </a:extLst>
+          </a:blip>
+          <a:stretch>
+            <a:fillRect/>
+          </a:stretch>
+        </p:blipFill>
+        <p:spPr>
+          <a:xfrm>
+            <a:off x="5511945" y="6253641"/>
+            <a:ext cx="1168111" cy="327508"/>
+          </a:xfrm>
+          <a:prstGeom prst="rect">
+            <a:avLst/>
+          </a:prstGeom>
+          <a:effectLst/>
+        </p:spPr>
+      </p:pic>
+      <p:grpSp>
+        <p:nvGrpSpPr>
+          <p:cNvPr id="3" name="그룹 2">
+            <a:extLst>
+              <a:ext uri="{FF2B5EF4-FFF2-40B4-BE49-F238E27FC236}">
+                <a16:creationId xmlns:a16="http://schemas.microsoft.com/office/drawing/2014/main" id="{9E97DB71-C890-7B22-C799-7FA35A4B3301}"/>
+              </a:ext>
+            </a:extLst>
+          </p:cNvPr>
+          <p:cNvGrpSpPr/>
+          <p:nvPr/>
+        </p:nvGrpSpPr>
+        <p:grpSpPr>
+          <a:xfrm>
+            <a:off x="4723723" y="2425829"/>
+            <a:ext cx="2744554" cy="923330"/>
+            <a:chOff x="2132090" y="1052994"/>
+            <a:chExt cx="2744554" cy="923330"/>
+          </a:xfrm>
+        </p:grpSpPr>
+        <p:sp>
+          <p:nvSpPr>
+            <p:cNvPr id="5" name="TextBox 4">
+              <a:extLst>
+                <a:ext uri="{FF2B5EF4-FFF2-40B4-BE49-F238E27FC236}">
+                  <a16:creationId xmlns:a16="http://schemas.microsoft.com/office/drawing/2014/main" id="{F5BFBB1B-4795-E0EA-8435-DB9DBC57B892}"/>
+                </a:ext>
+              </a:extLst>
+            </p:cNvPr>
+            <p:cNvSpPr txBox="1"/>
+            <p:nvPr/>
+          </p:nvSpPr>
+          <p:spPr>
+            <a:xfrm>
+              <a:off x="2132090" y="1052994"/>
+              <a:ext cx="1662636" cy="923330"/>
+            </a:xfrm>
+            <a:prstGeom prst="rect">
+              <a:avLst/>
+            </a:prstGeom>
+            <a:noFill/>
+          </p:spPr>
+          <p:txBody>
+            <a:bodyPr wrap="none" rtlCol="0">
+              <a:spAutoFit/>
+            </a:bodyPr>
+            <a:lstStyle/>
+            <a:p>
+              <a:pPr algn="ctr"/>
+              <a:r>
+                <a:rPr lang="ko-KR" altLang="en-US" sz="5400" spc="400" dirty="0">
+                  <a:solidFill>
+                    <a:schemeClr val="bg1"/>
+                  </a:solidFill>
+                  <a:effectLst/>
+                  <a:latin typeface="빛의 계승자 Bold" panose="020B0600000101010101" pitchFamily="50" charset="-127"/>
+                  <a:ea typeface="빛의 계승자 Bold" panose="020B0600000101010101" pitchFamily="50" charset="-127"/>
+                </a:rPr>
+                <a:t>현자</a:t>
+              </a:r>
+            </a:p>
+          </p:txBody>
+        </p:sp>
+        <p:sp>
+          <p:nvSpPr>
+            <p:cNvPr id="14" name="TextBox 13">
+              <a:extLst>
+                <a:ext uri="{FF2B5EF4-FFF2-40B4-BE49-F238E27FC236}">
+                  <a16:creationId xmlns:a16="http://schemas.microsoft.com/office/drawing/2014/main" id="{171D1A03-4394-D3C6-8D9F-5A48D90812FB}"/>
+                </a:ext>
+              </a:extLst>
+            </p:cNvPr>
+            <p:cNvSpPr txBox="1"/>
+            <p:nvPr/>
+          </p:nvSpPr>
+          <p:spPr>
+            <a:xfrm>
+              <a:off x="3659644" y="1453104"/>
+              <a:ext cx="1217000" cy="523220"/>
+            </a:xfrm>
+            <a:prstGeom prst="rect">
+              <a:avLst/>
+            </a:prstGeom>
+            <a:noFill/>
+          </p:spPr>
+          <p:txBody>
+            <a:bodyPr wrap="none" rtlCol="0">
+              <a:spAutoFit/>
+            </a:bodyPr>
+            <a:lstStyle/>
+            <a:p>
+              <a:r>
+                <a:rPr lang="en-US" altLang="ko-KR" sz="2800" dirty="0">
+                  <a:solidFill>
+                    <a:schemeClr val="bg1"/>
+                  </a:solidFill>
+                  <a:effectLst/>
+                  <a:latin typeface="빛의 계승자 Bold" panose="020B0600000101010101" pitchFamily="50" charset="-127"/>
+                  <a:ea typeface="빛의 계승자 Bold" panose="020B0600000101010101" pitchFamily="50" charset="-127"/>
+                </a:rPr>
+                <a:t>(Sage)</a:t>
+              </a:r>
+              <a:endParaRPr lang="ko-KR" altLang="en-US" sz="2800" dirty="0">
+                <a:solidFill>
+                  <a:schemeClr val="bg1"/>
+                </a:solidFill>
+                <a:effectLst/>
+                <a:latin typeface="빛의 계승자 Bold" panose="020B0600000101010101" pitchFamily="50" charset="-127"/>
+                <a:ea typeface="빛의 계승자 Bold" panose="020B0600000101010101" pitchFamily="50" charset="-127"/>
+              </a:endParaRPr>
+            </a:p>
+          </p:txBody>
+        </p:sp>
+      </p:grpSp>
+      <p:sp>
+        <p:nvSpPr>
+          <p:cNvPr id="16" name="TextBox 15">
+            <a:extLst>
+              <a:ext uri="{FF2B5EF4-FFF2-40B4-BE49-F238E27FC236}">
+                <a16:creationId xmlns:a16="http://schemas.microsoft.com/office/drawing/2014/main" id="{D5C261B6-1ED9-C633-0ADB-A8DFD0EF0BD7}"/>
+              </a:ext>
+            </a:extLst>
+          </p:cNvPr>
+          <p:cNvSpPr txBox="1"/>
+          <p:nvPr/>
+        </p:nvSpPr>
+        <p:spPr>
+          <a:xfrm>
+            <a:off x="5055491" y="3472270"/>
+            <a:ext cx="2081019" cy="276999"/>
+          </a:xfrm>
+          <a:prstGeom prst="rect">
+            <a:avLst/>
+          </a:prstGeom>
+          <a:noFill/>
+        </p:spPr>
+        <p:txBody>
+          <a:bodyPr wrap="none" rtlCol="0">
+            <a:spAutoFit/>
+          </a:bodyPr>
+          <a:lstStyle/>
+          <a:p>
+            <a:pPr algn="ctr"/>
+            <a:r>
+              <a:rPr lang="en-US" altLang="ko-KR" sz="1200" dirty="0">
+                <a:solidFill>
+                  <a:schemeClr val="bg1">
+                    <a:lumMod val="85000"/>
+                  </a:schemeClr>
+                </a:solidFill>
+                <a:effectLst/>
+                <a:latin typeface="Pretendard SemiBold" panose="02000703000000020004" pitchFamily="2" charset="-127"/>
+                <a:ea typeface="Pretendard SemiBold" panose="02000703000000020004" pitchFamily="2" charset="-127"/>
+                <a:cs typeface="Pretendard SemiBold" panose="02000703000000020004" pitchFamily="2" charset="-127"/>
+              </a:rPr>
+              <a:t>- </a:t>
+            </a:r>
+            <a:r>
+              <a:rPr lang="ko-KR" altLang="en-US" sz="1200" dirty="0">
+                <a:solidFill>
+                  <a:schemeClr val="bg1">
+                    <a:lumMod val="85000"/>
+                  </a:schemeClr>
+                </a:solidFill>
+                <a:effectLst/>
+                <a:latin typeface="Pretendard SemiBold" panose="02000703000000020004" pitchFamily="2" charset="-127"/>
+                <a:ea typeface="Pretendard SemiBold" panose="02000703000000020004" pitchFamily="2" charset="-127"/>
+                <a:cs typeface="Pretendard SemiBold" panose="02000703000000020004" pitchFamily="2" charset="-127"/>
+              </a:rPr>
+              <a:t> 클래스 컨셉 및 스킬 디자인  </a:t>
+            </a:r>
+            <a:r>
+              <a:rPr lang="en-US" altLang="ko-KR" sz="1200" dirty="0">
+                <a:solidFill>
+                  <a:schemeClr val="bg1">
+                    <a:lumMod val="85000"/>
+                  </a:schemeClr>
+                </a:solidFill>
+                <a:effectLst/>
+                <a:latin typeface="Pretendard SemiBold" panose="02000703000000020004" pitchFamily="2" charset="-127"/>
+                <a:ea typeface="Pretendard SemiBold" panose="02000703000000020004" pitchFamily="2" charset="-127"/>
+                <a:cs typeface="Pretendard SemiBold" panose="02000703000000020004" pitchFamily="2" charset="-127"/>
+              </a:rPr>
+              <a:t>-</a:t>
+            </a:r>
+            <a:endParaRPr lang="ko-KR" altLang="en-US" sz="1200" dirty="0">
+              <a:solidFill>
+                <a:schemeClr val="bg1">
+                  <a:lumMod val="85000"/>
+                </a:schemeClr>
+              </a:solidFill>
+              <a:effectLst/>
+              <a:latin typeface="Pretendard SemiBold" panose="02000703000000020004" pitchFamily="2" charset="-127"/>
+              <a:ea typeface="Pretendard SemiBold" panose="02000703000000020004" pitchFamily="2" charset="-127"/>
+              <a:cs typeface="Pretendard SemiBold" panose="02000703000000020004" pitchFamily="2" charset="-127"/>
+            </a:endParaRPr>
+          </a:p>
+        </p:txBody>
+      </p:sp>
+    </p:spTree>
+    <p:extLst>
+      <p:ext uri="{BB962C8B-B14F-4D97-AF65-F5344CB8AC3E}">
+        <p14:creationId xmlns:p14="http://schemas.microsoft.com/office/powerpoint/2010/main" val="3869962835"/>
+      </p:ext>
+    </p:extLst>
+  </p:cSld>
+  <p:clrMapOvr>
+    <a:masterClrMapping/>
+  </p:clrMapOvr>
+</p:sld>
+</file>
+
+<file path=ppt/slides/slide2.xml><?xml version="1.0" encoding="utf-8"?>
+<p:sld xmlns:a="http://schemas.openxmlformats.org/drawingml/2006/main" xmlns:r="http://schemas.openxmlformats.org/officeDocument/2006/relationships" xmlns:p="http://schemas.openxmlformats.org/presentationml/2006/main">
+  <p:cSld>
+    <p:bg>
+      <p:bgPr>
+        <a:solidFill>
+          <a:srgbClr val="212227"/>
+        </a:solidFill>
+        <a:effectLst/>
+      </p:bgPr>
+    </p:bg>
+    <p:spTree>
+      <p:nvGrpSpPr>
+        <p:cNvPr id="1" name="">
+          <a:extLst>
+            <a:ext uri="{FF2B5EF4-FFF2-40B4-BE49-F238E27FC236}">
+              <a16:creationId xmlns:a16="http://schemas.microsoft.com/office/drawing/2014/main" id="{ECA23122-EA85-1787-4233-BABDB2C3862F}"/>
+            </a:ext>
+          </a:extLst>
+        </p:cNvPr>
         <p:cNvGrpSpPr/>
         <p:nvPr/>
       </p:nvGrpSpPr>
@@ -3341,10 +4371,10 @@
       </p:grpSpPr>
       <p:pic>
         <p:nvPicPr>
-          <p:cNvPr id="15" name="그림 14" descr="PC 게임, 액션 어드벤처 게임, 전략 비디오 게임, 어드벤처 게임이(가) 표시된 사진&#10;&#10;AI 생성 콘텐츠는 정확하지 않을 수 있습니다.">
-            <a:extLst>
-              <a:ext uri="{FF2B5EF4-FFF2-40B4-BE49-F238E27FC236}">
-                <a16:creationId xmlns:a16="http://schemas.microsoft.com/office/drawing/2014/main" id="{B86603F4-9C98-84D7-1218-47EC2770D038}"/>
+          <p:cNvPr id="9" name="그림 8" descr="의상 디자인, 덮개, 의류, 인간의 얼굴이(가) 표시된 사진&#10;&#10;AI 생성 콘텐츠는 정확하지 않을 수 있습니다.">
+            <a:extLst>
+              <a:ext uri="{FF2B5EF4-FFF2-40B4-BE49-F238E27FC236}">
+                <a16:creationId xmlns:a16="http://schemas.microsoft.com/office/drawing/2014/main" id="{3B497AD4-3A5C-8A1E-00E8-FF14482FB208}"/>
               </a:ext>
             </a:extLst>
           </p:cNvPr>
@@ -3356,15 +4386,6 @@
         <p:blipFill>
           <a:blip r:embed="rId2">
             <a:extLst>
-              <a:ext uri="{BEBA8EAE-BF5A-486C-A8C5-ECC9F3942E4B}">
-                <a14:imgProps xmlns:a14="http://schemas.microsoft.com/office/drawing/2010/main">
-                  <a14:imgLayer r:embed="rId3">
-                    <a14:imgEffect>
-                      <a14:brightnessContrast bright="-40000"/>
-                    </a14:imgEffect>
-                  </a14:imgLayer>
-                </a14:imgProps>
-              </a:ext>
               <a:ext uri="{28A0092B-C50C-407E-A947-70E740481C1C}">
                 <a14:useLocalDpi xmlns:a14="http://schemas.microsoft.com/office/drawing/2010/main" val="0"/>
               </a:ext>
@@ -3376,8 +4397,8 @@
         </p:blipFill>
         <p:spPr>
           <a:xfrm>
-            <a:off x="0" y="0"/>
-            <a:ext cx="12192000" cy="6858000"/>
+            <a:off x="1940559" y="481957"/>
+            <a:ext cx="3395538" cy="5828562"/>
           </a:xfrm>
           <a:prstGeom prst="rect">
             <a:avLst/>
@@ -3386,10 +4407,10 @@
       </p:pic>
       <p:sp>
         <p:nvSpPr>
-          <p:cNvPr id="5" name="TextBox 4">
-            <a:extLst>
-              <a:ext uri="{FF2B5EF4-FFF2-40B4-BE49-F238E27FC236}">
-                <a16:creationId xmlns:a16="http://schemas.microsoft.com/office/drawing/2014/main" id="{F894A4B0-ECA2-0F59-FEAA-19EB201BFD64}"/>
+          <p:cNvPr id="10" name="TextBox 9">
+            <a:extLst>
+              <a:ext uri="{FF2B5EF4-FFF2-40B4-BE49-F238E27FC236}">
+                <a16:creationId xmlns:a16="http://schemas.microsoft.com/office/drawing/2014/main" id="{2C25E8EE-8AD3-D10D-8F2D-E1DB1AA6880F}"/>
               </a:ext>
             </a:extLst>
           </p:cNvPr>
@@ -3398,8 +4419,8 @@
         </p:nvSpPr>
         <p:spPr>
           <a:xfrm>
-            <a:off x="4074293" y="2357516"/>
-            <a:ext cx="2021707" cy="523220"/>
+            <a:off x="6140519" y="1461246"/>
+            <a:ext cx="4286205" cy="1846468"/>
           </a:xfrm>
           <a:prstGeom prst="rect">
             <a:avLst/>
@@ -3407,62 +4428,147 @@
           <a:noFill/>
         </p:spPr>
         <p:txBody>
-          <a:bodyPr wrap="none" rtlCol="0">
+          <a:bodyPr wrap="square" lIns="18000" rIns="18000" rtlCol="0">
             <a:spAutoFit/>
           </a:bodyPr>
           <a:lstStyle/>
           <a:p>
-            <a:r>
-              <a:rPr lang="ko-KR" altLang="en-US" sz="2800" dirty="0">
+            <a:pPr latinLnBrk="0">
+              <a:lnSpc>
+                <a:spcPct val="120000"/>
+              </a:lnSpc>
+            </a:pPr>
+            <a:r>
+              <a:rPr lang="ko-KR" altLang="en-US" sz="1200" dirty="0">
                 <a:solidFill>
-                  <a:schemeClr val="bg1"/>
+                  <a:srgbClr val="D4CFC5"/>
                 </a:solidFill>
-                <a:effectLst>
-                  <a:glow rad="127000">
-                    <a:schemeClr val="tx1"/>
-                  </a:glow>
-                </a:effectLst>
-                <a:latin typeface="빛의 계승자 Bold" panose="020B0600000101010101" pitchFamily="50" charset="-127"/>
-                <a:ea typeface="빛의 계승자 Bold" panose="020B0600000101010101" pitchFamily="50" charset="-127"/>
+                <a:effectLst/>
+                <a:latin typeface="빛의 계승자 Regular" panose="020B0600000101010101" pitchFamily="50" charset="-127"/>
+                <a:ea typeface="빛의 계승자 Regular" panose="020B0600000101010101" pitchFamily="50" charset="-127"/>
+                <a:cs typeface="Pretendard Medium" panose="02000603000000020004" pitchFamily="2" charset="-127"/>
               </a:rPr>
-              <a:t>현자 </a:t>
-            </a:r>
-            <a:r>
-              <a:rPr lang="en-US" altLang="ko-KR" sz="2800" dirty="0">
+              <a:t>현자는 원리와 법칙을 파악하여 최소한의 움직임으로 최대의 결과를 만들어 내는 효율을 추구합니다</a:t>
+            </a:r>
+            <a:r>
+              <a:rPr lang="en-US" altLang="ko-KR" sz="1200" dirty="0">
                 <a:solidFill>
-                  <a:schemeClr val="bg1"/>
+                  <a:srgbClr val="D4CFC5"/>
                 </a:solidFill>
-                <a:effectLst>
-                  <a:glow rad="127000">
-                    <a:schemeClr val="tx1"/>
-                  </a:glow>
-                </a:effectLst>
-                <a:latin typeface="빛의 계승자 Bold" panose="020B0600000101010101" pitchFamily="50" charset="-127"/>
-                <a:ea typeface="빛의 계승자 Bold" panose="020B0600000101010101" pitchFamily="50" charset="-127"/>
+                <a:effectLst/>
+                <a:latin typeface="빛의 계승자 Regular" panose="020B0600000101010101" pitchFamily="50" charset="-127"/>
+                <a:ea typeface="빛의 계승자 Regular" panose="020B0600000101010101" pitchFamily="50" charset="-127"/>
+                <a:cs typeface="Pretendard Medium" panose="02000603000000020004" pitchFamily="2" charset="-127"/>
               </a:rPr>
-              <a:t>(Sage)</a:t>
-            </a:r>
-            <a:endParaRPr lang="ko-KR" altLang="en-US" sz="2800" dirty="0">
+              <a:t>. </a:t>
+            </a:r>
+          </a:p>
+          <a:p>
+            <a:pPr latinLnBrk="0">
+              <a:lnSpc>
+                <a:spcPct val="120000"/>
+              </a:lnSpc>
+            </a:pPr>
+            <a:endParaRPr lang="en-US" altLang="ko-KR" sz="1200" dirty="0">
               <a:solidFill>
-                <a:schemeClr val="bg1"/>
+                <a:srgbClr val="D4CFC5"/>
               </a:solidFill>
-              <a:effectLst>
-                <a:glow rad="127000">
-                  <a:schemeClr val="tx1"/>
-                </a:glow>
-              </a:effectLst>
-              <a:latin typeface="빛의 계승자 Bold" panose="020B0600000101010101" pitchFamily="50" charset="-127"/>
-              <a:ea typeface="빛의 계승자 Bold" panose="020B0600000101010101" pitchFamily="50" charset="-127"/>
+              <a:effectLst/>
+              <a:latin typeface="빛의 계승자 Regular" panose="020B0600000101010101" pitchFamily="50" charset="-127"/>
+              <a:ea typeface="빛의 계승자 Regular" panose="020B0600000101010101" pitchFamily="50" charset="-127"/>
+              <a:cs typeface="Pretendard Medium" panose="02000603000000020004" pitchFamily="2" charset="-127"/>
             </a:endParaRPr>
           </a:p>
-        </p:txBody>
-      </p:sp>
-      <p:sp>
-        <p:nvSpPr>
-          <p:cNvPr id="6" name="TextBox 5">
-            <a:extLst>
-              <a:ext uri="{FF2B5EF4-FFF2-40B4-BE49-F238E27FC236}">
-                <a16:creationId xmlns:a16="http://schemas.microsoft.com/office/drawing/2014/main" id="{EDB836E7-9516-B8CA-E1C4-E7000F7FC25C}"/>
+          <a:p>
+            <a:pPr latinLnBrk="0">
+              <a:lnSpc>
+                <a:spcPct val="120000"/>
+              </a:lnSpc>
+            </a:pPr>
+            <a:r>
+              <a:rPr lang="ko-KR" altLang="en-US" sz="1200" dirty="0">
+                <a:solidFill>
+                  <a:srgbClr val="D4CFC5"/>
+                </a:solidFill>
+                <a:latin typeface="빛의 계승자 Regular" panose="020B0600000101010101" pitchFamily="50" charset="-127"/>
+                <a:ea typeface="빛의 계승자 Regular" panose="020B0600000101010101" pitchFamily="50" charset="-127"/>
+                <a:cs typeface="Pretendard Medium" panose="02000603000000020004" pitchFamily="2" charset="-127"/>
+              </a:rPr>
+              <a:t>그들의 모든 기술은 인과에서 비롯되며 전장에서의 행위에 따라 쌓이는 인과는 행동을 멈추면 빠르게 소멸됩니다</a:t>
+            </a:r>
+            <a:r>
+              <a:rPr lang="en-US" altLang="ko-KR" sz="1200" dirty="0">
+                <a:solidFill>
+                  <a:srgbClr val="D4CFC5"/>
+                </a:solidFill>
+                <a:latin typeface="빛의 계승자 Regular" panose="020B0600000101010101" pitchFamily="50" charset="-127"/>
+                <a:ea typeface="빛의 계승자 Regular" panose="020B0600000101010101" pitchFamily="50" charset="-127"/>
+                <a:cs typeface="Pretendard Medium" panose="02000603000000020004" pitchFamily="2" charset="-127"/>
+              </a:rPr>
+              <a:t>.</a:t>
+            </a:r>
+          </a:p>
+          <a:p>
+            <a:pPr latinLnBrk="0">
+              <a:lnSpc>
+                <a:spcPct val="120000"/>
+              </a:lnSpc>
+            </a:pPr>
+            <a:endParaRPr lang="en-US" altLang="ko-KR" sz="1200" dirty="0">
+              <a:solidFill>
+                <a:srgbClr val="D4CFC5"/>
+              </a:solidFill>
+              <a:latin typeface="빛의 계승자 Regular" panose="020B0600000101010101" pitchFamily="50" charset="-127"/>
+              <a:ea typeface="빛의 계승자 Regular" panose="020B0600000101010101" pitchFamily="50" charset="-127"/>
+              <a:cs typeface="Pretendard Medium" panose="02000603000000020004" pitchFamily="2" charset="-127"/>
+            </a:endParaRPr>
+          </a:p>
+          <a:p>
+            <a:pPr latinLnBrk="0">
+              <a:lnSpc>
+                <a:spcPct val="120000"/>
+              </a:lnSpc>
+            </a:pPr>
+            <a:r>
+              <a:rPr lang="ko-KR" altLang="en-US" sz="1200" dirty="0">
+                <a:solidFill>
+                  <a:srgbClr val="D4CFC5"/>
+                </a:solidFill>
+                <a:latin typeface="빛의 계승자 Regular" panose="020B0600000101010101" pitchFamily="50" charset="-127"/>
+                <a:ea typeface="빛의 계승자 Regular" panose="020B0600000101010101" pitchFamily="50" charset="-127"/>
+                <a:cs typeface="Pretendard Medium" panose="02000603000000020004" pitchFamily="2" charset="-127"/>
+              </a:rPr>
+              <a:t>이 험난한 과정을 흔들림 없이 해낸 현자들은 전장의 위기를 극복하는 지침이 됩니다</a:t>
+            </a:r>
+            <a:r>
+              <a:rPr lang="en-US" altLang="ko-KR" sz="1200" dirty="0">
+                <a:solidFill>
+                  <a:srgbClr val="D4CFC5"/>
+                </a:solidFill>
+                <a:latin typeface="빛의 계승자 Regular" panose="020B0600000101010101" pitchFamily="50" charset="-127"/>
+                <a:ea typeface="빛의 계승자 Regular" panose="020B0600000101010101" pitchFamily="50" charset="-127"/>
+                <a:cs typeface="Pretendard Medium" panose="02000603000000020004" pitchFamily="2" charset="-127"/>
+              </a:rPr>
+              <a:t>.</a:t>
+            </a:r>
+            <a:endParaRPr lang="en-US" altLang="ko-KR" sz="1200" dirty="0">
+              <a:solidFill>
+                <a:srgbClr val="D4CFC5"/>
+              </a:solidFill>
+              <a:effectLst/>
+              <a:latin typeface="빛의 계승자 Regular" panose="020B0600000101010101" pitchFamily="50" charset="-127"/>
+              <a:ea typeface="빛의 계승자 Regular" panose="020B0600000101010101" pitchFamily="50" charset="-127"/>
+              <a:cs typeface="Pretendard Medium" panose="02000603000000020004" pitchFamily="2" charset="-127"/>
+            </a:endParaRPr>
+          </a:p>
+        </p:txBody>
+      </p:sp>
+      <p:sp>
+        <p:nvSpPr>
+          <p:cNvPr id="11" name="TextBox 10">
+            <a:extLst>
+              <a:ext uri="{FF2B5EF4-FFF2-40B4-BE49-F238E27FC236}">
+                <a16:creationId xmlns:a16="http://schemas.microsoft.com/office/drawing/2014/main" id="{128F2D00-8B9B-7ACF-1FD0-0233655A5D1A}"/>
               </a:ext>
             </a:extLst>
           </p:cNvPr>
@@ -3471,8 +4577,8 @@
         </p:nvSpPr>
         <p:spPr>
           <a:xfrm>
-            <a:off x="4491234" y="6165673"/>
-            <a:ext cx="3209533" cy="276999"/>
+            <a:off x="6140519" y="833484"/>
+            <a:ext cx="908385" cy="461665"/>
           </a:xfrm>
           <a:prstGeom prst="rect">
             <a:avLst/>
@@ -3480,203 +4586,1460 @@
           <a:noFill/>
         </p:spPr>
         <p:txBody>
-          <a:bodyPr wrap="none" rtlCol="0">
+          <a:bodyPr wrap="none" lIns="18000" rIns="18000" rtlCol="0">
             <a:spAutoFit/>
           </a:bodyPr>
           <a:lstStyle/>
           <a:p>
             <a:r>
-              <a:rPr lang="en-US" altLang="ko-KR" sz="1200" dirty="0">
+              <a:rPr lang="ko-KR" altLang="en-US" sz="2400" spc="200" dirty="0">
                 <a:solidFill>
-                  <a:schemeClr val="bg1"/>
+                  <a:srgbClr val="D4CFC5"/>
                 </a:solidFill>
-                <a:effectLst>
-                  <a:glow rad="88900">
-                    <a:schemeClr val="tx1"/>
-                  </a:glow>
-                </a:effectLst>
-                <a:latin typeface="Pretendard" panose="02000503000000020004" pitchFamily="2" charset="-127"/>
-                <a:ea typeface="Pretendard" panose="02000503000000020004" pitchFamily="2" charset="-127"/>
-                <a:cs typeface="Pretendard" panose="02000503000000020004" pitchFamily="2" charset="-127"/>
-              </a:rPr>
-              <a:t>[Chrono Odyssey] </a:t>
-            </a:r>
-            <a:r>
-              <a:rPr lang="ko-KR" altLang="en-US" sz="1200" dirty="0">
-                <a:solidFill>
-                  <a:schemeClr val="bg1"/>
-                </a:solidFill>
-                <a:effectLst>
-                  <a:glow rad="88900">
-                    <a:schemeClr val="tx1"/>
-                  </a:glow>
-                </a:effectLst>
-                <a:latin typeface="Pretendard" panose="02000503000000020004" pitchFamily="2" charset="-127"/>
-                <a:ea typeface="Pretendard" panose="02000503000000020004" pitchFamily="2" charset="-127"/>
-                <a:cs typeface="Pretendard" panose="02000503000000020004" pitchFamily="2" charset="-127"/>
-              </a:rPr>
-              <a:t>캐릭터 전투 기획 사전 과제</a:t>
-            </a:r>
-          </a:p>
-        </p:txBody>
-      </p:sp>
-      <p:sp>
-        <p:nvSpPr>
-          <p:cNvPr id="7" name="TextBox 6">
-            <a:extLst>
-              <a:ext uri="{FF2B5EF4-FFF2-40B4-BE49-F238E27FC236}">
-                <a16:creationId xmlns:a16="http://schemas.microsoft.com/office/drawing/2014/main" id="{ABA19209-1795-993C-8D51-CB6AFE2FFC25}"/>
-              </a:ext>
-            </a:extLst>
-          </p:cNvPr>
-          <p:cNvSpPr txBox="1"/>
-          <p:nvPr/>
-        </p:nvSpPr>
-        <p:spPr>
-          <a:xfrm>
-            <a:off x="5623756" y="6442672"/>
-            <a:ext cx="944489" cy="246221"/>
-          </a:xfrm>
-          <a:prstGeom prst="rect">
-            <a:avLst/>
-          </a:prstGeom>
-          <a:noFill/>
-        </p:spPr>
-        <p:txBody>
-          <a:bodyPr wrap="none" rtlCol="0">
-            <a:spAutoFit/>
-          </a:bodyPr>
-          <a:lstStyle/>
-          <a:p>
-            <a:pPr algn="ctr"/>
-            <a:r>
-              <a:rPr lang="ko-KR" altLang="en-US" sz="1000" dirty="0">
-                <a:solidFill>
-                  <a:schemeClr val="bg1"/>
-                </a:solidFill>
-                <a:effectLst>
-                  <a:glow rad="88900">
-                    <a:schemeClr val="tx1"/>
-                  </a:glow>
-                </a:effectLst>
-                <a:latin typeface="Pretendard" panose="02000503000000020004" pitchFamily="2" charset="-127"/>
-                <a:ea typeface="Pretendard" panose="02000503000000020004" pitchFamily="2" charset="-127"/>
-                <a:cs typeface="Pretendard" panose="02000503000000020004" pitchFamily="2" charset="-127"/>
-              </a:rPr>
-              <a:t>작성자 </a:t>
-            </a:r>
-            <a:r>
-              <a:rPr lang="en-US" altLang="ko-KR" sz="1000" dirty="0">
-                <a:solidFill>
-                  <a:schemeClr val="bg1"/>
-                </a:solidFill>
-                <a:effectLst>
-                  <a:glow rad="88900">
-                    <a:schemeClr val="tx1"/>
-                  </a:glow>
-                </a:effectLst>
-                <a:latin typeface="Pretendard" panose="02000503000000020004" pitchFamily="2" charset="-127"/>
-                <a:ea typeface="Pretendard" panose="02000503000000020004" pitchFamily="2" charset="-127"/>
-                <a:cs typeface="Pretendard" panose="02000503000000020004" pitchFamily="2" charset="-127"/>
-              </a:rPr>
-              <a:t>: </a:t>
-            </a:r>
-            <a:r>
-              <a:rPr lang="ko-KR" altLang="en-US" sz="1000" dirty="0">
-                <a:solidFill>
-                  <a:schemeClr val="bg1"/>
-                </a:solidFill>
-                <a:effectLst>
-                  <a:glow rad="88900">
-                    <a:schemeClr val="tx1"/>
-                  </a:glow>
-                </a:effectLst>
-                <a:latin typeface="Pretendard" panose="02000503000000020004" pitchFamily="2" charset="-127"/>
-                <a:ea typeface="Pretendard" panose="02000503000000020004" pitchFamily="2" charset="-127"/>
-                <a:cs typeface="Pretendard" panose="02000503000000020004" pitchFamily="2" charset="-127"/>
-              </a:rPr>
-              <a:t>홍진선</a:t>
-            </a:r>
-          </a:p>
-        </p:txBody>
-      </p:sp>
-      <p:sp>
-        <p:nvSpPr>
-          <p:cNvPr id="8" name="TextBox 7">
-            <a:extLst>
-              <a:ext uri="{FF2B5EF4-FFF2-40B4-BE49-F238E27FC236}">
-                <a16:creationId xmlns:a16="http://schemas.microsoft.com/office/drawing/2014/main" id="{D6642BA9-B4D0-298B-E657-222A837C65D4}"/>
-              </a:ext>
-            </a:extLst>
-          </p:cNvPr>
-          <p:cNvSpPr txBox="1"/>
-          <p:nvPr/>
-        </p:nvSpPr>
-        <p:spPr>
-          <a:xfrm>
-            <a:off x="4074293" y="3130878"/>
-            <a:ext cx="2021707" cy="523220"/>
-          </a:xfrm>
-          <a:prstGeom prst="rect">
-            <a:avLst/>
-          </a:prstGeom>
-          <a:noFill/>
-        </p:spPr>
-        <p:txBody>
-          <a:bodyPr wrap="none" rtlCol="0">
-            <a:spAutoFit/>
-          </a:bodyPr>
-          <a:lstStyle/>
-          <a:p>
-            <a:r>
-              <a:rPr lang="ko-KR" altLang="en-US" sz="2800" dirty="0">
-                <a:solidFill>
-                  <a:schemeClr val="bg1"/>
-                </a:solidFill>
-                <a:effectLst>
-                  <a:glow rad="127000">
-                    <a:schemeClr val="tx1"/>
-                  </a:glow>
-                </a:effectLst>
+                <a:effectLst/>
                 <a:latin typeface="빛의 계승자 Bold" panose="020B0600000101010101" pitchFamily="50" charset="-127"/>
                 <a:ea typeface="빛의 계승자 Bold" panose="020B0600000101010101" pitchFamily="50" charset="-127"/>
               </a:rPr>
-              <a:t>현자 </a:t>
-            </a:r>
-            <a:r>
-              <a:rPr lang="en-US" altLang="ko-KR" sz="2800" dirty="0">
-                <a:solidFill>
-                  <a:schemeClr val="bg1"/>
-                </a:solidFill>
-                <a:effectLst>
-                  <a:glow rad="127000">
-                    <a:schemeClr val="tx1"/>
-                  </a:glow>
-                </a:effectLst>
-                <a:latin typeface="빛의 계승자 Bold" panose="020B0600000101010101" pitchFamily="50" charset="-127"/>
-                <a:ea typeface="빛의 계승자 Bold" panose="020B0600000101010101" pitchFamily="50" charset="-127"/>
-              </a:rPr>
-              <a:t>(Sage)</a:t>
-            </a:r>
-            <a:endParaRPr lang="ko-KR" altLang="en-US" sz="2800" dirty="0">
-              <a:solidFill>
-                <a:schemeClr val="bg1"/>
-              </a:solidFill>
-              <a:effectLst>
-                <a:glow rad="127000">
-                  <a:schemeClr val="tx1"/>
-                </a:glow>
-              </a:effectLst>
-              <a:latin typeface="빛의 계승자 Bold" panose="020B0600000101010101" pitchFamily="50" charset="-127"/>
-              <a:ea typeface="빛의 계승자 Bold" panose="020B0600000101010101" pitchFamily="50" charset="-127"/>
-            </a:endParaRPr>
-          </a:p>
-        </p:txBody>
-      </p:sp>
+              <a:t>현자  </a:t>
+            </a:r>
+          </a:p>
+        </p:txBody>
+      </p:sp>
+      <p:cxnSp>
+        <p:nvCxnSpPr>
+          <p:cNvPr id="13" name="직선 연결선 12">
+            <a:extLst>
+              <a:ext uri="{FF2B5EF4-FFF2-40B4-BE49-F238E27FC236}">
+                <a16:creationId xmlns:a16="http://schemas.microsoft.com/office/drawing/2014/main" id="{DBE2CFC1-8DC6-6CF2-440B-39F20EE1449A}"/>
+              </a:ext>
+            </a:extLst>
+          </p:cNvPr>
+          <p:cNvCxnSpPr>
+            <a:cxnSpLocks/>
+          </p:cNvCxnSpPr>
+          <p:nvPr/>
+        </p:nvCxnSpPr>
+        <p:spPr>
+          <a:xfrm>
+            <a:off x="6140519" y="1295149"/>
+            <a:ext cx="4286205" cy="0"/>
+          </a:xfrm>
+          <a:prstGeom prst="line">
+            <a:avLst/>
+          </a:prstGeom>
+          <a:ln w="12700" cap="rnd">
+            <a:solidFill>
+              <a:srgbClr val="D4CFC5">
+                <a:alpha val="39000"/>
+              </a:srgbClr>
+            </a:solidFill>
+          </a:ln>
+        </p:spPr>
+        <p:style>
+          <a:lnRef idx="2">
+            <a:schemeClr val="accent1"/>
+          </a:lnRef>
+          <a:fillRef idx="0">
+            <a:schemeClr val="accent1"/>
+          </a:fillRef>
+          <a:effectRef idx="1">
+            <a:schemeClr val="accent1"/>
+          </a:effectRef>
+          <a:fontRef idx="minor">
+            <a:schemeClr val="tx1"/>
+          </a:fontRef>
+        </p:style>
+      </p:cxnSp>
+      <p:grpSp>
+        <p:nvGrpSpPr>
+          <p:cNvPr id="12" name="그룹 11">
+            <a:extLst>
+              <a:ext uri="{FF2B5EF4-FFF2-40B4-BE49-F238E27FC236}">
+                <a16:creationId xmlns:a16="http://schemas.microsoft.com/office/drawing/2014/main" id="{C81D8A40-FC57-A109-A7C4-71176E0E7258}"/>
+              </a:ext>
+            </a:extLst>
+          </p:cNvPr>
+          <p:cNvGrpSpPr/>
+          <p:nvPr/>
+        </p:nvGrpSpPr>
+        <p:grpSpPr>
+          <a:xfrm>
+            <a:off x="6140519" y="3704084"/>
+            <a:ext cx="4293285" cy="2606435"/>
+            <a:chOff x="6140519" y="3503929"/>
+            <a:chExt cx="4293285" cy="2606435"/>
+          </a:xfrm>
+        </p:grpSpPr>
+        <p:sp>
+          <p:nvSpPr>
+            <p:cNvPr id="15" name="TextBox 14">
+              <a:extLst>
+                <a:ext uri="{FF2B5EF4-FFF2-40B4-BE49-F238E27FC236}">
+                  <a16:creationId xmlns:a16="http://schemas.microsoft.com/office/drawing/2014/main" id="{155987F4-C543-F4A0-3A2B-2565849464A2}"/>
+                </a:ext>
+              </a:extLst>
+            </p:cNvPr>
+            <p:cNvSpPr txBox="1"/>
+            <p:nvPr/>
+          </p:nvSpPr>
+          <p:spPr>
+            <a:xfrm>
+              <a:off x="7944377" y="3503929"/>
+              <a:ext cx="685568" cy="276999"/>
+            </a:xfrm>
+            <a:prstGeom prst="rect">
+              <a:avLst/>
+            </a:prstGeom>
+            <a:noFill/>
+          </p:spPr>
+          <p:txBody>
+            <a:bodyPr wrap="none" lIns="18000" rIns="18000" rtlCol="0">
+              <a:spAutoFit/>
+            </a:bodyPr>
+            <a:lstStyle>
+              <a:defPPr>
+                <a:defRPr lang="ko-KR"/>
+              </a:defPPr>
+              <a:lvl1pPr>
+                <a:defRPr sz="2000">
+                  <a:solidFill>
+                    <a:srgbClr val="D4CFC5"/>
+                  </a:solidFill>
+                  <a:effectLst/>
+                  <a:latin typeface="빛의 계승자 Bold" panose="020B0600000101010101" pitchFamily="50" charset="-127"/>
+                  <a:ea typeface="빛의 계승자 Bold" panose="020B0600000101010101" pitchFamily="50" charset="-127"/>
+                </a:defRPr>
+              </a:lvl1pPr>
+            </a:lstStyle>
+            <a:p>
+              <a:r>
+                <a:rPr lang="ko-KR" altLang="en-US" sz="1200" dirty="0"/>
+                <a:t>무기 타입</a:t>
+              </a:r>
+              <a:endParaRPr lang="en-US" altLang="ko-KR" sz="1200" dirty="0"/>
+            </a:p>
+          </p:txBody>
+        </p:sp>
+        <p:grpSp>
+          <p:nvGrpSpPr>
+            <p:cNvPr id="8" name="그룹 7">
+              <a:extLst>
+                <a:ext uri="{FF2B5EF4-FFF2-40B4-BE49-F238E27FC236}">
+                  <a16:creationId xmlns:a16="http://schemas.microsoft.com/office/drawing/2014/main" id="{708AAC49-263F-ED1C-CF78-A031A63E8199}"/>
+                </a:ext>
+              </a:extLst>
+            </p:cNvPr>
+            <p:cNvGrpSpPr/>
+            <p:nvPr/>
+          </p:nvGrpSpPr>
+          <p:grpSpPr>
+            <a:xfrm>
+              <a:off x="6140519" y="3906660"/>
+              <a:ext cx="4293285" cy="2203704"/>
+              <a:chOff x="6140519" y="3769274"/>
+              <a:chExt cx="4293285" cy="2203704"/>
+            </a:xfrm>
+          </p:grpSpPr>
+          <p:grpSp>
+            <p:nvGrpSpPr>
+              <p:cNvPr id="6" name="그룹 5">
+                <a:extLst>
+                  <a:ext uri="{FF2B5EF4-FFF2-40B4-BE49-F238E27FC236}">
+                    <a16:creationId xmlns:a16="http://schemas.microsoft.com/office/drawing/2014/main" id="{D86091F0-7488-B49C-5D90-941EE85E72AB}"/>
+                  </a:ext>
+                </a:extLst>
+              </p:cNvPr>
+              <p:cNvGrpSpPr/>
+              <p:nvPr/>
+            </p:nvGrpSpPr>
+            <p:grpSpPr>
+              <a:xfrm>
+                <a:off x="7624761" y="3769274"/>
+                <a:ext cx="1324800" cy="2203704"/>
+                <a:chOff x="7624761" y="3769274"/>
+                <a:chExt cx="1324800" cy="2203704"/>
+              </a:xfrm>
+            </p:grpSpPr>
+            <p:sp>
+              <p:nvSpPr>
+                <p:cNvPr id="26" name="직사각형 25">
+                  <a:extLst>
+                    <a:ext uri="{FF2B5EF4-FFF2-40B4-BE49-F238E27FC236}">
+                      <a16:creationId xmlns:a16="http://schemas.microsoft.com/office/drawing/2014/main" id="{E3DDECA3-F748-5872-7FDE-F4438535EF26}"/>
+                    </a:ext>
+                  </a:extLst>
+                </p:cNvPr>
+                <p:cNvSpPr/>
+                <p:nvPr/>
+              </p:nvSpPr>
+              <p:spPr>
+                <a:xfrm>
+                  <a:off x="7631841" y="3769274"/>
+                  <a:ext cx="1310640" cy="2133600"/>
+                </a:xfrm>
+                <a:prstGeom prst="rect">
+                  <a:avLst/>
+                </a:prstGeom>
+                <a:gradFill flip="none" rotWithShape="1">
+                  <a:gsLst>
+                    <a:gs pos="0">
+                      <a:srgbClr val="545243">
+                        <a:lumMod val="99000"/>
+                      </a:srgbClr>
+                    </a:gs>
+                    <a:gs pos="74000">
+                      <a:srgbClr val="545243"/>
+                    </a:gs>
+                    <a:gs pos="83000">
+                      <a:srgbClr val="545243">
+                        <a:alpha val="40000"/>
+                      </a:srgbClr>
+                    </a:gs>
+                    <a:gs pos="100000">
+                      <a:srgbClr val="545243">
+                        <a:alpha val="0"/>
+                      </a:srgbClr>
+                    </a:gs>
+                  </a:gsLst>
+                  <a:lin ang="5400000" scaled="1"/>
+                  <a:tileRect/>
+                </a:gradFill>
+                <a:ln w="12700">
+                  <a:solidFill>
+                    <a:srgbClr val="616052">
+                      <a:alpha val="24000"/>
+                    </a:srgbClr>
+                  </a:solidFill>
+                </a:ln>
+              </p:spPr>
+              <p:style>
+                <a:lnRef idx="2">
+                  <a:schemeClr val="accent1">
+                    <a:shade val="15000"/>
+                  </a:schemeClr>
+                </a:lnRef>
+                <a:fillRef idx="1">
+                  <a:schemeClr val="accent1"/>
+                </a:fillRef>
+                <a:effectRef idx="0">
+                  <a:schemeClr val="accent1"/>
+                </a:effectRef>
+                <a:fontRef idx="minor">
+                  <a:schemeClr val="lt1"/>
+                </a:fontRef>
+              </p:style>
+              <p:txBody>
+                <a:bodyPr rtlCol="0" anchor="ctr"/>
+                <a:lstStyle/>
+                <a:p>
+                  <a:pPr algn="ctr"/>
+                  <a:endParaRPr lang="ko-KR" altLang="en-US"/>
+                </a:p>
+              </p:txBody>
+            </p:sp>
+            <p:sp>
+              <p:nvSpPr>
+                <p:cNvPr id="27" name="직사각형 26">
+                  <a:extLst>
+                    <a:ext uri="{FF2B5EF4-FFF2-40B4-BE49-F238E27FC236}">
+                      <a16:creationId xmlns:a16="http://schemas.microsoft.com/office/drawing/2014/main" id="{19D50509-583C-B82D-40B7-642101B2E43F}"/>
+                    </a:ext>
+                  </a:extLst>
+                </p:cNvPr>
+                <p:cNvSpPr/>
+                <p:nvPr/>
+              </p:nvSpPr>
+              <p:spPr>
+                <a:xfrm>
+                  <a:off x="7689740" y="3826423"/>
+                  <a:ext cx="1194842" cy="1950719"/>
+                </a:xfrm>
+                <a:prstGeom prst="rect">
+                  <a:avLst/>
+                </a:prstGeom>
+                <a:gradFill flip="none" rotWithShape="1">
+                  <a:gsLst>
+                    <a:gs pos="0">
+                      <a:srgbClr val="545243"/>
+                    </a:gs>
+                    <a:gs pos="74000">
+                      <a:srgbClr val="545243"/>
+                    </a:gs>
+                    <a:gs pos="83000">
+                      <a:srgbClr val="545243">
+                        <a:alpha val="40000"/>
+                      </a:srgbClr>
+                    </a:gs>
+                    <a:gs pos="100000">
+                      <a:srgbClr val="545243">
+                        <a:alpha val="0"/>
+                      </a:srgbClr>
+                    </a:gs>
+                  </a:gsLst>
+                  <a:lin ang="5400000" scaled="1"/>
+                  <a:tileRect/>
+                </a:gradFill>
+                <a:ln w="19050">
+                  <a:solidFill>
+                    <a:srgbClr val="616052"/>
+                  </a:solidFill>
+                </a:ln>
+              </p:spPr>
+              <p:style>
+                <a:lnRef idx="2">
+                  <a:schemeClr val="accent1">
+                    <a:shade val="15000"/>
+                  </a:schemeClr>
+                </a:lnRef>
+                <a:fillRef idx="1">
+                  <a:schemeClr val="accent1"/>
+                </a:fillRef>
+                <a:effectRef idx="0">
+                  <a:schemeClr val="accent1"/>
+                </a:effectRef>
+                <a:fontRef idx="minor">
+                  <a:schemeClr val="lt1"/>
+                </a:fontRef>
+              </p:style>
+              <p:txBody>
+                <a:bodyPr rtlCol="0" anchor="ctr"/>
+                <a:lstStyle/>
+                <a:p>
+                  <a:pPr algn="ctr"/>
+                  <a:endParaRPr lang="ko-KR" altLang="en-US"/>
+                </a:p>
+              </p:txBody>
+            </p:sp>
+            <p:sp>
+              <p:nvSpPr>
+                <p:cNvPr id="28" name="직사각형 27">
+                  <a:extLst>
+                    <a:ext uri="{FF2B5EF4-FFF2-40B4-BE49-F238E27FC236}">
+                      <a16:creationId xmlns:a16="http://schemas.microsoft.com/office/drawing/2014/main" id="{5DFD00D6-CB97-24B2-C2B5-446BF4D1E60C}"/>
+                    </a:ext>
+                  </a:extLst>
+                </p:cNvPr>
+                <p:cNvSpPr/>
+                <p:nvPr/>
+              </p:nvSpPr>
+              <p:spPr>
+                <a:xfrm>
+                  <a:off x="7624761" y="3769274"/>
+                  <a:ext cx="1324800" cy="2203704"/>
+                </a:xfrm>
+                <a:prstGeom prst="rect">
+                  <a:avLst/>
+                </a:prstGeom>
+                <a:gradFill flip="none" rotWithShape="1">
+                  <a:gsLst>
+                    <a:gs pos="38000">
+                      <a:srgbClr val="212227">
+                        <a:alpha val="70000"/>
+                      </a:srgbClr>
+                    </a:gs>
+                    <a:gs pos="55000">
+                      <a:srgbClr val="212227">
+                        <a:alpha val="40000"/>
+                      </a:srgbClr>
+                    </a:gs>
+                    <a:gs pos="0">
+                      <a:srgbClr val="212227"/>
+                    </a:gs>
+                    <a:gs pos="16000">
+                      <a:srgbClr val="212227"/>
+                    </a:gs>
+                    <a:gs pos="100000">
+                      <a:srgbClr val="545243">
+                        <a:alpha val="0"/>
+                      </a:srgbClr>
+                    </a:gs>
+                  </a:gsLst>
+                  <a:lin ang="16200000" scaled="1"/>
+                  <a:tileRect/>
+                </a:gradFill>
+                <a:ln w="12700">
+                  <a:noFill/>
+                </a:ln>
+              </p:spPr>
+              <p:style>
+                <a:lnRef idx="2">
+                  <a:schemeClr val="accent1">
+                    <a:shade val="15000"/>
+                  </a:schemeClr>
+                </a:lnRef>
+                <a:fillRef idx="1">
+                  <a:schemeClr val="accent1"/>
+                </a:fillRef>
+                <a:effectRef idx="0">
+                  <a:schemeClr val="accent1"/>
+                </a:effectRef>
+                <a:fontRef idx="minor">
+                  <a:schemeClr val="lt1"/>
+                </a:fontRef>
+              </p:style>
+              <p:txBody>
+                <a:bodyPr rtlCol="0" anchor="ctr"/>
+                <a:lstStyle/>
+                <a:p>
+                  <a:pPr algn="ctr"/>
+                  <a:endParaRPr lang="ko-KR" altLang="en-US"/>
+                </a:p>
+              </p:txBody>
+            </p:sp>
+            <p:grpSp>
+              <p:nvGrpSpPr>
+                <p:cNvPr id="4" name="그룹 3">
+                  <a:extLst>
+                    <a:ext uri="{FF2B5EF4-FFF2-40B4-BE49-F238E27FC236}">
+                      <a16:creationId xmlns:a16="http://schemas.microsoft.com/office/drawing/2014/main" id="{254786DB-0CBD-EDEE-053C-598431E4A368}"/>
+                    </a:ext>
+                  </a:extLst>
+                </p:cNvPr>
+                <p:cNvGrpSpPr/>
+                <p:nvPr/>
+              </p:nvGrpSpPr>
+              <p:grpSpPr>
+                <a:xfrm>
+                  <a:off x="7934134" y="4095739"/>
+                  <a:ext cx="706055" cy="1245064"/>
+                  <a:chOff x="7934134" y="4200817"/>
+                  <a:chExt cx="706055" cy="1245064"/>
+                </a:xfrm>
+              </p:grpSpPr>
+              <p:sp>
+                <p:nvSpPr>
+                  <p:cNvPr id="43" name="TextBox 42">
+                    <a:extLst>
+                      <a:ext uri="{FF2B5EF4-FFF2-40B4-BE49-F238E27FC236}">
+                        <a16:creationId xmlns:a16="http://schemas.microsoft.com/office/drawing/2014/main" id="{B65EC17E-420B-6053-8785-C09DAD0ECE57}"/>
+                      </a:ext>
+                    </a:extLst>
+                  </p:cNvPr>
+                  <p:cNvSpPr txBox="1"/>
+                  <p:nvPr/>
+                </p:nvSpPr>
+                <p:spPr>
+                  <a:xfrm>
+                    <a:off x="7934760" y="5215049"/>
+                    <a:ext cx="704804" cy="230832"/>
+                  </a:xfrm>
+                  <a:prstGeom prst="rect">
+                    <a:avLst/>
+                  </a:prstGeom>
+                  <a:noFill/>
+                </p:spPr>
+                <p:txBody>
+                  <a:bodyPr wrap="none" lIns="18000" rIns="18000" rtlCol="0">
+                    <a:spAutoFit/>
+                  </a:bodyPr>
+                  <a:lstStyle>
+                    <a:defPPr>
+                      <a:defRPr lang="ko-KR"/>
+                    </a:defPPr>
+                    <a:lvl1pPr>
+                      <a:defRPr sz="2000">
+                        <a:solidFill>
+                          <a:srgbClr val="D4CFC5"/>
+                        </a:solidFill>
+                        <a:effectLst/>
+                        <a:latin typeface="빛의 계승자 Bold" panose="020B0600000101010101" pitchFamily="50" charset="-127"/>
+                        <a:ea typeface="빛의 계승자 Bold" panose="020B0600000101010101" pitchFamily="50" charset="-127"/>
+                      </a:defRPr>
+                    </a:lvl1pPr>
+                  </a:lstStyle>
+                  <a:p>
+                    <a:pPr algn="ctr"/>
+                    <a:r>
+                      <a:rPr lang="en-US" altLang="ko-KR" sz="900" dirty="0">
+                        <a:solidFill>
+                          <a:schemeClr val="bg1">
+                            <a:lumMod val="50000"/>
+                          </a:schemeClr>
+                        </a:solidFill>
+                      </a:rPr>
+                      <a:t>(</a:t>
+                    </a:r>
+                    <a:r>
+                      <a:rPr lang="ko-KR" altLang="en-US" sz="900" dirty="0">
+                        <a:solidFill>
+                          <a:schemeClr val="bg1">
+                            <a:lumMod val="50000"/>
+                          </a:schemeClr>
+                        </a:solidFill>
+                      </a:rPr>
+                      <a:t>현자 무기 </a:t>
+                    </a:r>
+                    <a:r>
+                      <a:rPr lang="en-US" altLang="ko-KR" sz="900" dirty="0">
+                        <a:solidFill>
+                          <a:schemeClr val="bg1">
+                            <a:lumMod val="50000"/>
+                          </a:schemeClr>
+                        </a:solidFill>
+                      </a:rPr>
+                      <a:t>2)</a:t>
+                    </a:r>
+                  </a:p>
+                </p:txBody>
+              </p:sp>
+              <p:sp>
+                <p:nvSpPr>
+                  <p:cNvPr id="47" name="타원 46">
+                    <a:extLst>
+                      <a:ext uri="{FF2B5EF4-FFF2-40B4-BE49-F238E27FC236}">
+                        <a16:creationId xmlns:a16="http://schemas.microsoft.com/office/drawing/2014/main" id="{24D648C2-B2AA-7243-0699-40F19AF7C2DC}"/>
+                      </a:ext>
+                    </a:extLst>
+                  </p:cNvPr>
+                  <p:cNvSpPr/>
+                  <p:nvPr/>
+                </p:nvSpPr>
+                <p:spPr>
+                  <a:xfrm>
+                    <a:off x="7934134" y="4200817"/>
+                    <a:ext cx="706055" cy="706055"/>
+                  </a:xfrm>
+                  <a:prstGeom prst="ellipse">
+                    <a:avLst/>
+                  </a:prstGeom>
+                  <a:ln w="19050">
+                    <a:solidFill>
+                      <a:srgbClr val="616052"/>
+                    </a:solidFill>
+                  </a:ln>
+                  <a:effectLst>
+                    <a:glow rad="12700">
+                      <a:schemeClr val="tx1"/>
+                    </a:glow>
+                  </a:effectLst>
+                </p:spPr>
+                <p:style>
+                  <a:lnRef idx="2">
+                    <a:schemeClr val="dk1">
+                      <a:shade val="15000"/>
+                    </a:schemeClr>
+                  </a:lnRef>
+                  <a:fillRef idx="1">
+                    <a:schemeClr val="dk1"/>
+                  </a:fillRef>
+                  <a:effectRef idx="0">
+                    <a:schemeClr val="dk1"/>
+                  </a:effectRef>
+                  <a:fontRef idx="minor">
+                    <a:schemeClr val="lt1"/>
+                  </a:fontRef>
+                </p:style>
+                <p:txBody>
+                  <a:bodyPr rtlCol="0" anchor="ctr"/>
+                  <a:lstStyle/>
+                  <a:p>
+                    <a:pPr algn="ctr"/>
+                    <a:endParaRPr lang="ko-KR" altLang="en-US"/>
+                  </a:p>
+                </p:txBody>
+              </p:sp>
+            </p:grpSp>
+          </p:grpSp>
+          <p:grpSp>
+            <p:nvGrpSpPr>
+              <p:cNvPr id="7" name="그룹 6">
+                <a:extLst>
+                  <a:ext uri="{FF2B5EF4-FFF2-40B4-BE49-F238E27FC236}">
+                    <a16:creationId xmlns:a16="http://schemas.microsoft.com/office/drawing/2014/main" id="{009F8D00-B834-2012-0A7A-9F1F91EE0C5E}"/>
+                  </a:ext>
+                </a:extLst>
+              </p:cNvPr>
+              <p:cNvGrpSpPr/>
+              <p:nvPr/>
+            </p:nvGrpSpPr>
+            <p:grpSpPr>
+              <a:xfrm>
+                <a:off x="9109004" y="3769274"/>
+                <a:ext cx="1324800" cy="2203704"/>
+                <a:chOff x="9109004" y="3769274"/>
+                <a:chExt cx="1324800" cy="2203704"/>
+              </a:xfrm>
+            </p:grpSpPr>
+            <p:sp>
+              <p:nvSpPr>
+                <p:cNvPr id="30" name="직사각형 29">
+                  <a:extLst>
+                    <a:ext uri="{FF2B5EF4-FFF2-40B4-BE49-F238E27FC236}">
+                      <a16:creationId xmlns:a16="http://schemas.microsoft.com/office/drawing/2014/main" id="{0E1E0C7E-6751-4C55-B357-868F58F4E8ED}"/>
+                    </a:ext>
+                  </a:extLst>
+                </p:cNvPr>
+                <p:cNvSpPr/>
+                <p:nvPr/>
+              </p:nvSpPr>
+              <p:spPr>
+                <a:xfrm>
+                  <a:off x="9116084" y="3769274"/>
+                  <a:ext cx="1310640" cy="2133600"/>
+                </a:xfrm>
+                <a:prstGeom prst="rect">
+                  <a:avLst/>
+                </a:prstGeom>
+                <a:gradFill flip="none" rotWithShape="1">
+                  <a:gsLst>
+                    <a:gs pos="0">
+                      <a:srgbClr val="545243">
+                        <a:lumMod val="99000"/>
+                      </a:srgbClr>
+                    </a:gs>
+                    <a:gs pos="74000">
+                      <a:srgbClr val="545243"/>
+                    </a:gs>
+                    <a:gs pos="83000">
+                      <a:srgbClr val="545243">
+                        <a:alpha val="40000"/>
+                      </a:srgbClr>
+                    </a:gs>
+                    <a:gs pos="100000">
+                      <a:srgbClr val="545243">
+                        <a:alpha val="0"/>
+                      </a:srgbClr>
+                    </a:gs>
+                  </a:gsLst>
+                  <a:lin ang="5400000" scaled="1"/>
+                  <a:tileRect/>
+                </a:gradFill>
+                <a:ln w="12700">
+                  <a:solidFill>
+                    <a:srgbClr val="616052">
+                      <a:alpha val="24000"/>
+                    </a:srgbClr>
+                  </a:solidFill>
+                </a:ln>
+              </p:spPr>
+              <p:style>
+                <a:lnRef idx="2">
+                  <a:schemeClr val="accent1">
+                    <a:shade val="15000"/>
+                  </a:schemeClr>
+                </a:lnRef>
+                <a:fillRef idx="1">
+                  <a:schemeClr val="accent1"/>
+                </a:fillRef>
+                <a:effectRef idx="0">
+                  <a:schemeClr val="accent1"/>
+                </a:effectRef>
+                <a:fontRef idx="minor">
+                  <a:schemeClr val="lt1"/>
+                </a:fontRef>
+              </p:style>
+              <p:txBody>
+                <a:bodyPr rtlCol="0" anchor="ctr"/>
+                <a:lstStyle/>
+                <a:p>
+                  <a:pPr algn="ctr"/>
+                  <a:endParaRPr lang="ko-KR" altLang="en-US"/>
+                </a:p>
+              </p:txBody>
+            </p:sp>
+            <p:sp>
+              <p:nvSpPr>
+                <p:cNvPr id="31" name="직사각형 30">
+                  <a:extLst>
+                    <a:ext uri="{FF2B5EF4-FFF2-40B4-BE49-F238E27FC236}">
+                      <a16:creationId xmlns:a16="http://schemas.microsoft.com/office/drawing/2014/main" id="{F551C5A2-401F-8F48-A7A9-29B58DEF0864}"/>
+                    </a:ext>
+                  </a:extLst>
+                </p:cNvPr>
+                <p:cNvSpPr/>
+                <p:nvPr/>
+              </p:nvSpPr>
+              <p:spPr>
+                <a:xfrm>
+                  <a:off x="9173983" y="3826423"/>
+                  <a:ext cx="1194842" cy="1950719"/>
+                </a:xfrm>
+                <a:prstGeom prst="rect">
+                  <a:avLst/>
+                </a:prstGeom>
+                <a:gradFill flip="none" rotWithShape="1">
+                  <a:gsLst>
+                    <a:gs pos="0">
+                      <a:srgbClr val="545243"/>
+                    </a:gs>
+                    <a:gs pos="74000">
+                      <a:srgbClr val="545243"/>
+                    </a:gs>
+                    <a:gs pos="83000">
+                      <a:srgbClr val="545243">
+                        <a:alpha val="40000"/>
+                      </a:srgbClr>
+                    </a:gs>
+                    <a:gs pos="100000">
+                      <a:srgbClr val="545243">
+                        <a:alpha val="0"/>
+                      </a:srgbClr>
+                    </a:gs>
+                  </a:gsLst>
+                  <a:lin ang="5400000" scaled="1"/>
+                  <a:tileRect/>
+                </a:gradFill>
+                <a:ln w="19050">
+                  <a:solidFill>
+                    <a:srgbClr val="616052"/>
+                  </a:solidFill>
+                </a:ln>
+              </p:spPr>
+              <p:style>
+                <a:lnRef idx="2">
+                  <a:schemeClr val="accent1">
+                    <a:shade val="15000"/>
+                  </a:schemeClr>
+                </a:lnRef>
+                <a:fillRef idx="1">
+                  <a:schemeClr val="accent1"/>
+                </a:fillRef>
+                <a:effectRef idx="0">
+                  <a:schemeClr val="accent1"/>
+                </a:effectRef>
+                <a:fontRef idx="minor">
+                  <a:schemeClr val="lt1"/>
+                </a:fontRef>
+              </p:style>
+              <p:txBody>
+                <a:bodyPr rtlCol="0" anchor="ctr"/>
+                <a:lstStyle/>
+                <a:p>
+                  <a:pPr algn="ctr"/>
+                  <a:endParaRPr lang="ko-KR" altLang="en-US"/>
+                </a:p>
+              </p:txBody>
+            </p:sp>
+            <p:sp>
+              <p:nvSpPr>
+                <p:cNvPr id="32" name="직사각형 31">
+                  <a:extLst>
+                    <a:ext uri="{FF2B5EF4-FFF2-40B4-BE49-F238E27FC236}">
+                      <a16:creationId xmlns:a16="http://schemas.microsoft.com/office/drawing/2014/main" id="{AF0BE877-850D-8B5B-9FFE-B4407113C206}"/>
+                    </a:ext>
+                  </a:extLst>
+                </p:cNvPr>
+                <p:cNvSpPr/>
+                <p:nvPr/>
+              </p:nvSpPr>
+              <p:spPr>
+                <a:xfrm>
+                  <a:off x="9109004" y="3769274"/>
+                  <a:ext cx="1324800" cy="2203704"/>
+                </a:xfrm>
+                <a:prstGeom prst="rect">
+                  <a:avLst/>
+                </a:prstGeom>
+                <a:gradFill flip="none" rotWithShape="1">
+                  <a:gsLst>
+                    <a:gs pos="38000">
+                      <a:srgbClr val="212227">
+                        <a:alpha val="70000"/>
+                      </a:srgbClr>
+                    </a:gs>
+                    <a:gs pos="55000">
+                      <a:srgbClr val="212227">
+                        <a:alpha val="40000"/>
+                      </a:srgbClr>
+                    </a:gs>
+                    <a:gs pos="0">
+                      <a:srgbClr val="212227"/>
+                    </a:gs>
+                    <a:gs pos="16000">
+                      <a:srgbClr val="212227"/>
+                    </a:gs>
+                    <a:gs pos="100000">
+                      <a:srgbClr val="545243">
+                        <a:alpha val="0"/>
+                      </a:srgbClr>
+                    </a:gs>
+                  </a:gsLst>
+                  <a:lin ang="16200000" scaled="1"/>
+                  <a:tileRect/>
+                </a:gradFill>
+                <a:ln w="12700">
+                  <a:noFill/>
+                </a:ln>
+              </p:spPr>
+              <p:style>
+                <a:lnRef idx="2">
+                  <a:schemeClr val="accent1">
+                    <a:shade val="15000"/>
+                  </a:schemeClr>
+                </a:lnRef>
+                <a:fillRef idx="1">
+                  <a:schemeClr val="accent1"/>
+                </a:fillRef>
+                <a:effectRef idx="0">
+                  <a:schemeClr val="accent1"/>
+                </a:effectRef>
+                <a:fontRef idx="minor">
+                  <a:schemeClr val="lt1"/>
+                </a:fontRef>
+              </p:style>
+              <p:txBody>
+                <a:bodyPr rtlCol="0" anchor="ctr"/>
+                <a:lstStyle/>
+                <a:p>
+                  <a:pPr algn="ctr"/>
+                  <a:endParaRPr lang="ko-KR" altLang="en-US"/>
+                </a:p>
+              </p:txBody>
+            </p:sp>
+            <p:grpSp>
+              <p:nvGrpSpPr>
+                <p:cNvPr id="3" name="그룹 2">
+                  <a:extLst>
+                    <a:ext uri="{FF2B5EF4-FFF2-40B4-BE49-F238E27FC236}">
+                      <a16:creationId xmlns:a16="http://schemas.microsoft.com/office/drawing/2014/main" id="{2B645EDE-1EFB-8ECE-D969-DB591CD61670}"/>
+                    </a:ext>
+                  </a:extLst>
+                </p:cNvPr>
+                <p:cNvGrpSpPr/>
+                <p:nvPr/>
+              </p:nvGrpSpPr>
+              <p:grpSpPr>
+                <a:xfrm>
+                  <a:off x="9418377" y="4095739"/>
+                  <a:ext cx="706055" cy="1245064"/>
+                  <a:chOff x="9418377" y="4200817"/>
+                  <a:chExt cx="706055" cy="1245064"/>
+                </a:xfrm>
+              </p:grpSpPr>
+              <p:sp>
+                <p:nvSpPr>
+                  <p:cNvPr id="44" name="TextBox 43">
+                    <a:extLst>
+                      <a:ext uri="{FF2B5EF4-FFF2-40B4-BE49-F238E27FC236}">
+                        <a16:creationId xmlns:a16="http://schemas.microsoft.com/office/drawing/2014/main" id="{FAEB47A3-EABC-B9E4-B2C6-9BB13C9C2A23}"/>
+                      </a:ext>
+                    </a:extLst>
+                  </p:cNvPr>
+                  <p:cNvSpPr txBox="1"/>
+                  <p:nvPr/>
+                </p:nvSpPr>
+                <p:spPr>
+                  <a:xfrm>
+                    <a:off x="9419002" y="5215049"/>
+                    <a:ext cx="704804" cy="230832"/>
+                  </a:xfrm>
+                  <a:prstGeom prst="rect">
+                    <a:avLst/>
+                  </a:prstGeom>
+                  <a:noFill/>
+                </p:spPr>
+                <p:txBody>
+                  <a:bodyPr wrap="none" lIns="18000" rIns="18000" rtlCol="0">
+                    <a:spAutoFit/>
+                  </a:bodyPr>
+                  <a:lstStyle>
+                    <a:defPPr>
+                      <a:defRPr lang="ko-KR"/>
+                    </a:defPPr>
+                    <a:lvl1pPr>
+                      <a:defRPr sz="2000">
+                        <a:solidFill>
+                          <a:srgbClr val="D4CFC5"/>
+                        </a:solidFill>
+                        <a:effectLst/>
+                        <a:latin typeface="빛의 계승자 Bold" panose="020B0600000101010101" pitchFamily="50" charset="-127"/>
+                        <a:ea typeface="빛의 계승자 Bold" panose="020B0600000101010101" pitchFamily="50" charset="-127"/>
+                      </a:defRPr>
+                    </a:lvl1pPr>
+                  </a:lstStyle>
+                  <a:p>
+                    <a:pPr algn="ctr"/>
+                    <a:r>
+                      <a:rPr lang="en-US" altLang="ko-KR" sz="900" dirty="0">
+                        <a:solidFill>
+                          <a:schemeClr val="bg1">
+                            <a:lumMod val="50000"/>
+                          </a:schemeClr>
+                        </a:solidFill>
+                      </a:rPr>
+                      <a:t>(</a:t>
+                    </a:r>
+                    <a:r>
+                      <a:rPr lang="ko-KR" altLang="en-US" sz="900" dirty="0">
+                        <a:solidFill>
+                          <a:schemeClr val="bg1">
+                            <a:lumMod val="50000"/>
+                          </a:schemeClr>
+                        </a:solidFill>
+                      </a:rPr>
+                      <a:t>현자 무기 </a:t>
+                    </a:r>
+                    <a:r>
+                      <a:rPr lang="en-US" altLang="ko-KR" sz="900" dirty="0">
+                        <a:solidFill>
+                          <a:schemeClr val="bg1">
+                            <a:lumMod val="50000"/>
+                          </a:schemeClr>
+                        </a:solidFill>
+                      </a:rPr>
+                      <a:t>2)</a:t>
+                    </a:r>
+                  </a:p>
+                </p:txBody>
+              </p:sp>
+              <p:sp>
+                <p:nvSpPr>
+                  <p:cNvPr id="48" name="타원 47">
+                    <a:extLst>
+                      <a:ext uri="{FF2B5EF4-FFF2-40B4-BE49-F238E27FC236}">
+                        <a16:creationId xmlns:a16="http://schemas.microsoft.com/office/drawing/2014/main" id="{14F022A8-D685-CD4F-9995-C7590AF642C4}"/>
+                      </a:ext>
+                    </a:extLst>
+                  </p:cNvPr>
+                  <p:cNvSpPr/>
+                  <p:nvPr/>
+                </p:nvSpPr>
+                <p:spPr>
+                  <a:xfrm>
+                    <a:off x="9418377" y="4200817"/>
+                    <a:ext cx="706055" cy="706055"/>
+                  </a:xfrm>
+                  <a:prstGeom prst="ellipse">
+                    <a:avLst/>
+                  </a:prstGeom>
+                  <a:ln w="19050">
+                    <a:solidFill>
+                      <a:srgbClr val="616052"/>
+                    </a:solidFill>
+                  </a:ln>
+                  <a:effectLst>
+                    <a:glow rad="12700">
+                      <a:schemeClr val="tx1"/>
+                    </a:glow>
+                  </a:effectLst>
+                </p:spPr>
+                <p:style>
+                  <a:lnRef idx="2">
+                    <a:schemeClr val="dk1">
+                      <a:shade val="15000"/>
+                    </a:schemeClr>
+                  </a:lnRef>
+                  <a:fillRef idx="1">
+                    <a:schemeClr val="dk1"/>
+                  </a:fillRef>
+                  <a:effectRef idx="0">
+                    <a:schemeClr val="dk1"/>
+                  </a:effectRef>
+                  <a:fontRef idx="minor">
+                    <a:schemeClr val="lt1"/>
+                  </a:fontRef>
+                </p:style>
+                <p:txBody>
+                  <a:bodyPr rtlCol="0" anchor="ctr"/>
+                  <a:lstStyle/>
+                  <a:p>
+                    <a:pPr algn="ctr"/>
+                    <a:endParaRPr lang="ko-KR" altLang="en-US"/>
+                  </a:p>
+                </p:txBody>
+              </p:sp>
+            </p:grpSp>
+          </p:grpSp>
+          <p:grpSp>
+            <p:nvGrpSpPr>
+              <p:cNvPr id="5" name="그룹 4">
+                <a:extLst>
+                  <a:ext uri="{FF2B5EF4-FFF2-40B4-BE49-F238E27FC236}">
+                    <a16:creationId xmlns:a16="http://schemas.microsoft.com/office/drawing/2014/main" id="{86601C41-2439-88CF-27BE-94D653829036}"/>
+                  </a:ext>
+                </a:extLst>
+              </p:cNvPr>
+              <p:cNvGrpSpPr/>
+              <p:nvPr/>
+            </p:nvGrpSpPr>
+            <p:grpSpPr>
+              <a:xfrm>
+                <a:off x="6140519" y="3769274"/>
+                <a:ext cx="1324800" cy="2203704"/>
+                <a:chOff x="6140519" y="3769274"/>
+                <a:chExt cx="1324800" cy="2203704"/>
+              </a:xfrm>
+            </p:grpSpPr>
+            <p:sp>
+              <p:nvSpPr>
+                <p:cNvPr id="20" name="직사각형 19">
+                  <a:extLst>
+                    <a:ext uri="{FF2B5EF4-FFF2-40B4-BE49-F238E27FC236}">
+                      <a16:creationId xmlns:a16="http://schemas.microsoft.com/office/drawing/2014/main" id="{D76A319E-1E41-E882-F5E6-7463FAC18F51}"/>
+                    </a:ext>
+                  </a:extLst>
+                </p:cNvPr>
+                <p:cNvSpPr/>
+                <p:nvPr/>
+              </p:nvSpPr>
+              <p:spPr>
+                <a:xfrm>
+                  <a:off x="6147599" y="3769274"/>
+                  <a:ext cx="1310640" cy="2133600"/>
+                </a:xfrm>
+                <a:prstGeom prst="rect">
+                  <a:avLst/>
+                </a:prstGeom>
+                <a:gradFill flip="none" rotWithShape="1">
+                  <a:gsLst>
+                    <a:gs pos="0">
+                      <a:srgbClr val="545243">
+                        <a:lumMod val="99000"/>
+                      </a:srgbClr>
+                    </a:gs>
+                    <a:gs pos="74000">
+                      <a:srgbClr val="545243"/>
+                    </a:gs>
+                    <a:gs pos="83000">
+                      <a:srgbClr val="545243">
+                        <a:alpha val="40000"/>
+                      </a:srgbClr>
+                    </a:gs>
+                    <a:gs pos="100000">
+                      <a:srgbClr val="545243">
+                        <a:alpha val="0"/>
+                      </a:srgbClr>
+                    </a:gs>
+                  </a:gsLst>
+                  <a:lin ang="5400000" scaled="1"/>
+                  <a:tileRect/>
+                </a:gradFill>
+                <a:ln w="12700">
+                  <a:solidFill>
+                    <a:srgbClr val="616052">
+                      <a:alpha val="24000"/>
+                    </a:srgbClr>
+                  </a:solidFill>
+                </a:ln>
+              </p:spPr>
+              <p:style>
+                <a:lnRef idx="2">
+                  <a:schemeClr val="accent1">
+                    <a:shade val="15000"/>
+                  </a:schemeClr>
+                </a:lnRef>
+                <a:fillRef idx="1">
+                  <a:schemeClr val="accent1"/>
+                </a:fillRef>
+                <a:effectRef idx="0">
+                  <a:schemeClr val="accent1"/>
+                </a:effectRef>
+                <a:fontRef idx="minor">
+                  <a:schemeClr val="lt1"/>
+                </a:fontRef>
+              </p:style>
+              <p:txBody>
+                <a:bodyPr rtlCol="0" anchor="ctr"/>
+                <a:lstStyle/>
+                <a:p>
+                  <a:pPr algn="ctr"/>
+                  <a:endParaRPr lang="ko-KR" altLang="en-US"/>
+                </a:p>
+              </p:txBody>
+            </p:sp>
+            <p:sp>
+              <p:nvSpPr>
+                <p:cNvPr id="22" name="직사각형 21">
+                  <a:extLst>
+                    <a:ext uri="{FF2B5EF4-FFF2-40B4-BE49-F238E27FC236}">
+                      <a16:creationId xmlns:a16="http://schemas.microsoft.com/office/drawing/2014/main" id="{1D09ECB3-F75B-1908-9767-73560C1D320B}"/>
+                    </a:ext>
+                  </a:extLst>
+                </p:cNvPr>
+                <p:cNvSpPr/>
+                <p:nvPr/>
+              </p:nvSpPr>
+              <p:spPr>
+                <a:xfrm>
+                  <a:off x="6205498" y="3826423"/>
+                  <a:ext cx="1194842" cy="1950719"/>
+                </a:xfrm>
+                <a:prstGeom prst="rect">
+                  <a:avLst/>
+                </a:prstGeom>
+                <a:gradFill flip="none" rotWithShape="1">
+                  <a:gsLst>
+                    <a:gs pos="0">
+                      <a:srgbClr val="545243"/>
+                    </a:gs>
+                    <a:gs pos="74000">
+                      <a:srgbClr val="545243"/>
+                    </a:gs>
+                    <a:gs pos="83000">
+                      <a:srgbClr val="545243">
+                        <a:alpha val="40000"/>
+                      </a:srgbClr>
+                    </a:gs>
+                    <a:gs pos="100000">
+                      <a:srgbClr val="545243">
+                        <a:alpha val="0"/>
+                      </a:srgbClr>
+                    </a:gs>
+                  </a:gsLst>
+                  <a:lin ang="5400000" scaled="1"/>
+                  <a:tileRect/>
+                </a:gradFill>
+                <a:ln w="19050">
+                  <a:solidFill>
+                    <a:srgbClr val="616052"/>
+                  </a:solidFill>
+                </a:ln>
+              </p:spPr>
+              <p:style>
+                <a:lnRef idx="2">
+                  <a:schemeClr val="accent1">
+                    <a:shade val="15000"/>
+                  </a:schemeClr>
+                </a:lnRef>
+                <a:fillRef idx="1">
+                  <a:schemeClr val="accent1"/>
+                </a:fillRef>
+                <a:effectRef idx="0">
+                  <a:schemeClr val="accent1"/>
+                </a:effectRef>
+                <a:fontRef idx="minor">
+                  <a:schemeClr val="lt1"/>
+                </a:fontRef>
+              </p:style>
+              <p:txBody>
+                <a:bodyPr rtlCol="0" anchor="ctr"/>
+                <a:lstStyle/>
+                <a:p>
+                  <a:pPr algn="ctr"/>
+                  <a:endParaRPr lang="ko-KR" altLang="en-US"/>
+                </a:p>
+              </p:txBody>
+            </p:sp>
+            <p:sp>
+              <p:nvSpPr>
+                <p:cNvPr id="23" name="직사각형 22">
+                  <a:extLst>
+                    <a:ext uri="{FF2B5EF4-FFF2-40B4-BE49-F238E27FC236}">
+                      <a16:creationId xmlns:a16="http://schemas.microsoft.com/office/drawing/2014/main" id="{AD718E23-45DD-5F99-D98C-D0606E5C0CA0}"/>
+                    </a:ext>
+                  </a:extLst>
+                </p:cNvPr>
+                <p:cNvSpPr/>
+                <p:nvPr/>
+              </p:nvSpPr>
+              <p:spPr>
+                <a:xfrm>
+                  <a:off x="6140519" y="3769274"/>
+                  <a:ext cx="1324800" cy="2203704"/>
+                </a:xfrm>
+                <a:prstGeom prst="rect">
+                  <a:avLst/>
+                </a:prstGeom>
+                <a:gradFill flip="none" rotWithShape="1">
+                  <a:gsLst>
+                    <a:gs pos="38000">
+                      <a:srgbClr val="212227">
+                        <a:alpha val="70000"/>
+                      </a:srgbClr>
+                    </a:gs>
+                    <a:gs pos="55000">
+                      <a:srgbClr val="212227">
+                        <a:alpha val="40000"/>
+                      </a:srgbClr>
+                    </a:gs>
+                    <a:gs pos="0">
+                      <a:srgbClr val="212227"/>
+                    </a:gs>
+                    <a:gs pos="16000">
+                      <a:srgbClr val="212227"/>
+                    </a:gs>
+                    <a:gs pos="100000">
+                      <a:srgbClr val="545243">
+                        <a:alpha val="0"/>
+                      </a:srgbClr>
+                    </a:gs>
+                  </a:gsLst>
+                  <a:lin ang="16200000" scaled="1"/>
+                  <a:tileRect/>
+                </a:gradFill>
+                <a:ln w="12700">
+                  <a:noFill/>
+                </a:ln>
+              </p:spPr>
+              <p:style>
+                <a:lnRef idx="2">
+                  <a:schemeClr val="accent1">
+                    <a:shade val="15000"/>
+                  </a:schemeClr>
+                </a:lnRef>
+                <a:fillRef idx="1">
+                  <a:schemeClr val="accent1"/>
+                </a:fillRef>
+                <a:effectRef idx="0">
+                  <a:schemeClr val="accent1"/>
+                </a:effectRef>
+                <a:fontRef idx="minor">
+                  <a:schemeClr val="lt1"/>
+                </a:fontRef>
+              </p:style>
+              <p:txBody>
+                <a:bodyPr rtlCol="0" anchor="ctr"/>
+                <a:lstStyle/>
+                <a:p>
+                  <a:pPr algn="ctr"/>
+                  <a:endParaRPr lang="ko-KR" altLang="en-US"/>
+                </a:p>
+              </p:txBody>
+            </p:sp>
+            <p:grpSp>
+              <p:nvGrpSpPr>
+                <p:cNvPr id="2" name="그룹 1">
+                  <a:extLst>
+                    <a:ext uri="{FF2B5EF4-FFF2-40B4-BE49-F238E27FC236}">
+                      <a16:creationId xmlns:a16="http://schemas.microsoft.com/office/drawing/2014/main" id="{DD85AB60-B0E5-8146-82D4-4972EEA6A5EE}"/>
+                    </a:ext>
+                  </a:extLst>
+                </p:cNvPr>
+                <p:cNvGrpSpPr/>
+                <p:nvPr/>
+              </p:nvGrpSpPr>
+              <p:grpSpPr>
+                <a:xfrm>
+                  <a:off x="6381282" y="4029432"/>
+                  <a:ext cx="838667" cy="1334455"/>
+                  <a:chOff x="6381282" y="4134510"/>
+                  <a:chExt cx="838667" cy="1334455"/>
+                </a:xfrm>
+              </p:grpSpPr>
+              <p:sp>
+                <p:nvSpPr>
+                  <p:cNvPr id="36" name="타원 35">
+                    <a:extLst>
+                      <a:ext uri="{FF2B5EF4-FFF2-40B4-BE49-F238E27FC236}">
+                        <a16:creationId xmlns:a16="http://schemas.microsoft.com/office/drawing/2014/main" id="{2DDAF27A-C1E2-58A0-2E07-DBAC08656FFD}"/>
+                      </a:ext>
+                    </a:extLst>
+                  </p:cNvPr>
+                  <p:cNvSpPr/>
+                  <p:nvPr/>
+                </p:nvSpPr>
+                <p:spPr>
+                  <a:xfrm>
+                    <a:off x="6449892" y="4200817"/>
+                    <a:ext cx="706055" cy="706055"/>
+                  </a:xfrm>
+                  <a:prstGeom prst="ellipse">
+                    <a:avLst/>
+                  </a:prstGeom>
+                  <a:ln w="19050">
+                    <a:solidFill>
+                      <a:srgbClr val="616052"/>
+                    </a:solidFill>
+                  </a:ln>
+                  <a:effectLst>
+                    <a:glow rad="12700">
+                      <a:schemeClr val="tx1"/>
+                    </a:glow>
+                  </a:effectLst>
+                </p:spPr>
+                <p:style>
+                  <a:lnRef idx="2">
+                    <a:schemeClr val="dk1">
+                      <a:shade val="15000"/>
+                    </a:schemeClr>
+                  </a:lnRef>
+                  <a:fillRef idx="1">
+                    <a:schemeClr val="dk1"/>
+                  </a:fillRef>
+                  <a:effectRef idx="0">
+                    <a:schemeClr val="dk1"/>
+                  </a:effectRef>
+                  <a:fontRef idx="minor">
+                    <a:schemeClr val="lt1"/>
+                  </a:fontRef>
+                </p:style>
+                <p:txBody>
+                  <a:bodyPr rtlCol="0" anchor="ctr"/>
+                  <a:lstStyle/>
+                  <a:p>
+                    <a:pPr algn="ctr"/>
+                    <a:endParaRPr lang="ko-KR" altLang="en-US"/>
+                  </a:p>
+                </p:txBody>
+              </p:sp>
+              <p:sp>
+                <p:nvSpPr>
+                  <p:cNvPr id="42" name="TextBox 41">
+                    <a:extLst>
+                      <a:ext uri="{FF2B5EF4-FFF2-40B4-BE49-F238E27FC236}">
+                        <a16:creationId xmlns:a16="http://schemas.microsoft.com/office/drawing/2014/main" id="{87074945-AF08-A31A-7885-049CC90206DB}"/>
+                      </a:ext>
+                    </a:extLst>
+                  </p:cNvPr>
+                  <p:cNvSpPr txBox="1"/>
+                  <p:nvPr/>
+                </p:nvSpPr>
+                <p:spPr>
+                  <a:xfrm>
+                    <a:off x="6651694" y="5215049"/>
+                    <a:ext cx="302450" cy="253916"/>
+                  </a:xfrm>
+                  <a:prstGeom prst="rect">
+                    <a:avLst/>
+                  </a:prstGeom>
+                  <a:noFill/>
+                </p:spPr>
+                <p:txBody>
+                  <a:bodyPr wrap="none" lIns="18000" rIns="18000" rtlCol="0">
+                    <a:spAutoFit/>
+                  </a:bodyPr>
+                  <a:lstStyle>
+                    <a:defPPr>
+                      <a:defRPr lang="ko-KR"/>
+                    </a:defPPr>
+                    <a:lvl1pPr>
+                      <a:defRPr sz="2000">
+                        <a:solidFill>
+                          <a:srgbClr val="D4CFC5"/>
+                        </a:solidFill>
+                        <a:effectLst/>
+                        <a:latin typeface="빛의 계승자 Bold" panose="020B0600000101010101" pitchFamily="50" charset="-127"/>
+                        <a:ea typeface="빛의 계승자 Bold" panose="020B0600000101010101" pitchFamily="50" charset="-127"/>
+                      </a:defRPr>
+                    </a:lvl1pPr>
+                  </a:lstStyle>
+                  <a:p>
+                    <a:pPr algn="ctr"/>
+                    <a:r>
+                      <a:rPr lang="ko-KR" altLang="en-US" sz="1050" dirty="0" err="1"/>
+                      <a:t>성반</a:t>
+                    </a:r>
+                    <a:endParaRPr lang="en-US" altLang="ko-KR" sz="1050" dirty="0"/>
+                  </a:p>
+                </p:txBody>
+              </p:sp>
+              <p:grpSp>
+                <p:nvGrpSpPr>
+                  <p:cNvPr id="63" name="그룹 62">
+                    <a:extLst>
+                      <a:ext uri="{FF2B5EF4-FFF2-40B4-BE49-F238E27FC236}">
+                        <a16:creationId xmlns:a16="http://schemas.microsoft.com/office/drawing/2014/main" id="{0507E14C-ACA3-F75E-899E-9028DB79372B}"/>
+                      </a:ext>
+                    </a:extLst>
+                  </p:cNvPr>
+                  <p:cNvGrpSpPr/>
+                  <p:nvPr/>
+                </p:nvGrpSpPr>
+                <p:grpSpPr>
+                  <a:xfrm>
+                    <a:off x="6381282" y="4134510"/>
+                    <a:ext cx="838667" cy="838667"/>
+                    <a:chOff x="5173980" y="4061460"/>
+                    <a:chExt cx="1076960" cy="1076960"/>
+                  </a:xfrm>
+                </p:grpSpPr>
+                <p:sp>
+                  <p:nvSpPr>
+                    <p:cNvPr id="61" name="타원 60">
+                      <a:extLst>
+                        <a:ext uri="{FF2B5EF4-FFF2-40B4-BE49-F238E27FC236}">
+                          <a16:creationId xmlns:a16="http://schemas.microsoft.com/office/drawing/2014/main" id="{16044C70-EB94-7783-E31B-FFFB0B01C749}"/>
+                        </a:ext>
+                      </a:extLst>
+                    </p:cNvPr>
+                    <p:cNvSpPr/>
+                    <p:nvPr/>
+                  </p:nvSpPr>
+                  <p:spPr>
+                    <a:xfrm>
+                      <a:off x="5582920" y="4470400"/>
+                      <a:ext cx="259080" cy="259080"/>
+                    </a:xfrm>
+                    <a:prstGeom prst="ellipse">
+                      <a:avLst/>
+                    </a:prstGeom>
+                    <a:solidFill>
+                      <a:schemeClr val="bg1">
+                        <a:lumMod val="95000"/>
+                      </a:schemeClr>
+                    </a:solidFill>
+                    <a:ln>
+                      <a:noFill/>
+                    </a:ln>
+                  </p:spPr>
+                  <p:style>
+                    <a:lnRef idx="2">
+                      <a:schemeClr val="accent1">
+                        <a:shade val="15000"/>
+                      </a:schemeClr>
+                    </a:lnRef>
+                    <a:fillRef idx="1">
+                      <a:schemeClr val="accent1"/>
+                    </a:fillRef>
+                    <a:effectRef idx="0">
+                      <a:schemeClr val="accent1"/>
+                    </a:effectRef>
+                    <a:fontRef idx="minor">
+                      <a:schemeClr val="lt1"/>
+                    </a:fontRef>
+                  </p:style>
+                  <p:txBody>
+                    <a:bodyPr rtlCol="0" anchor="ctr"/>
+                    <a:lstStyle/>
+                    <a:p>
+                      <a:pPr algn="ctr"/>
+                      <a:endParaRPr lang="ko-KR" altLang="en-US"/>
+                    </a:p>
+                  </p:txBody>
+                </p:sp>
+                <p:pic>
+                  <p:nvPicPr>
+                    <p:cNvPr id="62" name="그림 61" descr="원, 예술, 상징, 디자인이(가) 표시된 사진&#10;&#10;AI 생성 콘텐츠는 정확하지 않을 수 있습니다.">
+                      <a:extLst>
+                        <a:ext uri="{FF2B5EF4-FFF2-40B4-BE49-F238E27FC236}">
+                          <a16:creationId xmlns:a16="http://schemas.microsoft.com/office/drawing/2014/main" id="{26C4D7C7-1573-833E-C666-D3F2B37A7E53}"/>
+                        </a:ext>
+                      </a:extLst>
+                    </p:cNvPr>
+                    <p:cNvPicPr>
+                      <a:picLocks noChangeAspect="1"/>
+                    </p:cNvPicPr>
+                    <p:nvPr/>
+                  </p:nvPicPr>
+                  <p:blipFill rotWithShape="1">
+                    <a:blip r:embed="rId3">
+                      <a:extLst>
+                        <a:ext uri="{28A0092B-C50C-407E-A947-70E740481C1C}">
+                          <a14:useLocalDpi xmlns:a14="http://schemas.microsoft.com/office/drawing/2010/main" val="0"/>
+                        </a:ext>
+                      </a:extLst>
+                    </a:blip>
+                    <a:srcRect l="5931" t="5451" r="6152" b="6631"/>
+                    <a:stretch>
+                      <a:fillRect/>
+                    </a:stretch>
+                  </p:blipFill>
+                  <p:spPr>
+                    <a:xfrm>
+                      <a:off x="5173980" y="4061460"/>
+                      <a:ext cx="1076960" cy="1076960"/>
+                    </a:xfrm>
+                    <a:prstGeom prst="rect">
+                      <a:avLst/>
+                    </a:prstGeom>
+                    <a:effectLst>
+                      <a:innerShdw blurRad="114300">
+                        <a:prstClr val="black">
+                          <a:alpha val="39000"/>
+                        </a:prstClr>
+                      </a:innerShdw>
+                    </a:effectLst>
+                  </p:spPr>
+                </p:pic>
+              </p:grpSp>
+            </p:grpSp>
+          </p:grpSp>
+        </p:grpSp>
+      </p:grpSp>
     </p:spTree>
     <p:extLst>
       <p:ext uri="{BB962C8B-B14F-4D97-AF65-F5344CB8AC3E}">
-        <p14:creationId xmlns:p14="http://schemas.microsoft.com/office/powerpoint/2010/main" val="1126703679"/>
+        <p14:creationId xmlns:p14="http://schemas.microsoft.com/office/powerpoint/2010/main" val="919625802"/>
       </p:ext>
     </p:extLst>
   </p:cSld>
@@ -3686,12 +6049,18 @@
 </p:sld>
 </file>
 
-<file path=ppt/slides/slide2.xml><?xml version="1.0" encoding="utf-8"?>
+<file path=ppt/slides/slide3.xml><?xml version="1.0" encoding="utf-8"?>
 <p:sld xmlns:a="http://schemas.openxmlformats.org/drawingml/2006/main" xmlns:r="http://schemas.openxmlformats.org/officeDocument/2006/relationships" xmlns:p="http://schemas.openxmlformats.org/presentationml/2006/main">
   <p:cSld>
     <p:spTree>
       <p:nvGrpSpPr>
-        <p:cNvPr id="1" name=""/>
+        <p:cNvPr id="1" name="">
+          <a:extLst>
+            <a:ext uri="{FF2B5EF4-FFF2-40B4-BE49-F238E27FC236}">
+              <a16:creationId xmlns:a16="http://schemas.microsoft.com/office/drawing/2014/main" id="{04A2E44A-18E9-938B-E346-AE8B30BC7D68}"/>
+            </a:ext>
+          </a:extLst>
+        </p:cNvPr>
         <p:cNvGrpSpPr/>
         <p:nvPr/>
       </p:nvGrpSpPr>
@@ -3703,12 +6072,906 @@
           <a:chExt cx="0" cy="0"/>
         </a:xfrm>
       </p:grpSpPr>
+      <p:sp>
+        <p:nvSpPr>
+          <p:cNvPr id="8" name="직사각형 7">
+            <a:extLst>
+              <a:ext uri="{FF2B5EF4-FFF2-40B4-BE49-F238E27FC236}">
+                <a16:creationId xmlns:a16="http://schemas.microsoft.com/office/drawing/2014/main" id="{366408E8-91B5-2EA9-B4AF-B6AD71F5FEB2}"/>
+              </a:ext>
+            </a:extLst>
+          </p:cNvPr>
+          <p:cNvSpPr/>
+          <p:nvPr/>
+        </p:nvSpPr>
+        <p:spPr>
+          <a:xfrm>
+            <a:off x="0" y="0"/>
+            <a:ext cx="4576941" cy="6858000"/>
+          </a:xfrm>
+          <a:prstGeom prst="rect">
+            <a:avLst/>
+          </a:prstGeom>
+          <a:solidFill>
+            <a:srgbClr val="212227"/>
+          </a:solidFill>
+          <a:ln>
+            <a:noFill/>
+          </a:ln>
+        </p:spPr>
+        <p:style>
+          <a:lnRef idx="2">
+            <a:schemeClr val="accent1">
+              <a:shade val="15000"/>
+            </a:schemeClr>
+          </a:lnRef>
+          <a:fillRef idx="1">
+            <a:schemeClr val="accent1"/>
+          </a:fillRef>
+          <a:effectRef idx="0">
+            <a:schemeClr val="accent1"/>
+          </a:effectRef>
+          <a:fontRef idx="minor">
+            <a:schemeClr val="lt1"/>
+          </a:fontRef>
+        </p:style>
+        <p:txBody>
+          <a:bodyPr rtlCol="0" anchor="ctr"/>
+          <a:lstStyle/>
+          <a:p>
+            <a:pPr algn="ctr"/>
+            <a:endParaRPr lang="ko-KR" altLang="en-US"/>
+          </a:p>
+        </p:txBody>
+      </p:sp>
+      <p:sp>
+        <p:nvSpPr>
+          <p:cNvPr id="3" name="TextBox 2">
+            <a:extLst>
+              <a:ext uri="{FF2B5EF4-FFF2-40B4-BE49-F238E27FC236}">
+                <a16:creationId xmlns:a16="http://schemas.microsoft.com/office/drawing/2014/main" id="{A5AF30B0-D0FF-28AC-0212-95C2CAD07848}"/>
+              </a:ext>
+            </a:extLst>
+          </p:cNvPr>
+          <p:cNvSpPr txBox="1"/>
+          <p:nvPr/>
+        </p:nvSpPr>
+        <p:spPr>
+          <a:xfrm>
+            <a:off x="1424451" y="942122"/>
+            <a:ext cx="1728037" cy="707886"/>
+          </a:xfrm>
+          <a:prstGeom prst="rect">
+            <a:avLst/>
+          </a:prstGeom>
+          <a:noFill/>
+        </p:spPr>
+        <p:txBody>
+          <a:bodyPr wrap="none" lIns="0" rIns="0" rtlCol="0">
+            <a:spAutoFit/>
+          </a:bodyPr>
+          <a:lstStyle/>
+          <a:p>
+            <a:pPr algn="ctr"/>
+            <a:r>
+              <a:rPr lang="en-US" altLang="ko-KR" sz="4000" spc="300" dirty="0">
+                <a:solidFill>
+                  <a:schemeClr val="bg1"/>
+                </a:solidFill>
+                <a:latin typeface="Pretendard ExtraBold" panose="02000903000000020004" pitchFamily="2" charset="-127"/>
+                <a:ea typeface="Pretendard ExtraBold" panose="02000903000000020004" pitchFamily="2" charset="-127"/>
+                <a:cs typeface="Pretendard ExtraBold" panose="02000903000000020004" pitchFamily="2" charset="-127"/>
+              </a:rPr>
+              <a:t>INDEX</a:t>
+            </a:r>
+            <a:endParaRPr lang="ko-KR" altLang="en-US" sz="4000" spc="300" dirty="0">
+              <a:solidFill>
+                <a:schemeClr val="bg1"/>
+              </a:solidFill>
+              <a:latin typeface="Pretendard ExtraBold" panose="02000903000000020004" pitchFamily="2" charset="-127"/>
+              <a:ea typeface="Pretendard ExtraBold" panose="02000903000000020004" pitchFamily="2" charset="-127"/>
+              <a:cs typeface="Pretendard ExtraBold" panose="02000903000000020004" pitchFamily="2" charset="-127"/>
+            </a:endParaRPr>
+          </a:p>
+        </p:txBody>
+      </p:sp>
+      <p:sp>
+        <p:nvSpPr>
+          <p:cNvPr id="2" name="TextBox 1">
+            <a:extLst>
+              <a:ext uri="{FF2B5EF4-FFF2-40B4-BE49-F238E27FC236}">
+                <a16:creationId xmlns:a16="http://schemas.microsoft.com/office/drawing/2014/main" id="{2A293BCB-F6AD-59DF-83F6-BCE33D3782D6}"/>
+              </a:ext>
+            </a:extLst>
+          </p:cNvPr>
+          <p:cNvSpPr txBox="1"/>
+          <p:nvPr/>
+        </p:nvSpPr>
+        <p:spPr>
+          <a:xfrm>
+            <a:off x="5471102" y="1539029"/>
+            <a:ext cx="1119515" cy="601497"/>
+          </a:xfrm>
+          <a:prstGeom prst="rect">
+            <a:avLst/>
+          </a:prstGeom>
+          <a:noFill/>
+        </p:spPr>
+        <p:txBody>
+          <a:bodyPr wrap="none" lIns="180000" tIns="108000" rIns="0" rtlCol="0">
+            <a:spAutoFit/>
+          </a:bodyPr>
+          <a:lstStyle>
+            <a:defPPr>
+              <a:defRPr lang="ko-KR"/>
+            </a:defPPr>
+            <a:lvl1pPr>
+              <a:spcAft>
+                <a:spcPts val="600"/>
+              </a:spcAft>
+              <a:defRPr sz="1200">
+                <a:latin typeface="Pretendard" panose="02000503000000020004" pitchFamily="2" charset="-127"/>
+                <a:ea typeface="Pretendard" panose="02000503000000020004" pitchFamily="2" charset="-127"/>
+                <a:cs typeface="Pretendard" panose="02000503000000020004" pitchFamily="2" charset="-127"/>
+              </a:defRPr>
+            </a:lvl1pPr>
+          </a:lstStyle>
+          <a:p>
+            <a:r>
+              <a:rPr lang="en-US" altLang="ko-KR" dirty="0"/>
+              <a:t>(1) </a:t>
+            </a:r>
+            <a:r>
+              <a:rPr lang="ko-KR" altLang="en-US" dirty="0"/>
+              <a:t>기획 의도</a:t>
+            </a:r>
+            <a:endParaRPr lang="en-US" altLang="ko-KR" dirty="0"/>
+          </a:p>
+          <a:p>
+            <a:r>
+              <a:rPr lang="en-US" altLang="ko-KR" dirty="0"/>
+              <a:t>(2) </a:t>
+            </a:r>
+            <a:r>
+              <a:rPr lang="ko-KR" altLang="en-US" dirty="0"/>
+              <a:t>클래스 소개</a:t>
+            </a:r>
+            <a:endParaRPr lang="en-US" altLang="ko-KR" dirty="0"/>
+          </a:p>
+        </p:txBody>
+      </p:sp>
+      <p:sp>
+        <p:nvSpPr>
+          <p:cNvPr id="7" name="TextBox 6">
+            <a:extLst>
+              <a:ext uri="{FF2B5EF4-FFF2-40B4-BE49-F238E27FC236}">
+                <a16:creationId xmlns:a16="http://schemas.microsoft.com/office/drawing/2014/main" id="{12E8EF5D-FC3B-4E89-9619-531AA8C4F7A2}"/>
+              </a:ext>
+            </a:extLst>
+          </p:cNvPr>
+          <p:cNvSpPr txBox="1"/>
+          <p:nvPr/>
+        </p:nvSpPr>
+        <p:spPr>
+          <a:xfrm>
+            <a:off x="4576941" y="1231252"/>
+            <a:ext cx="846071" cy="307777"/>
+          </a:xfrm>
+          <a:prstGeom prst="rect">
+            <a:avLst/>
+          </a:prstGeom>
+          <a:noFill/>
+        </p:spPr>
+        <p:txBody>
+          <a:bodyPr wrap="none" lIns="432000" tIns="0" rIns="36000" bIns="0" rtlCol="0">
+            <a:spAutoFit/>
+          </a:bodyPr>
+          <a:lstStyle>
+            <a:defPPr>
+              <a:defRPr lang="ko-KR"/>
+            </a:defPPr>
+            <a:lvl1pPr>
+              <a:defRPr sz="1400">
+                <a:latin typeface="Pretendard SemiBold" panose="02000703000000020004" pitchFamily="2" charset="-127"/>
+                <a:ea typeface="Pretendard SemiBold" panose="02000703000000020004" pitchFamily="2" charset="-127"/>
+                <a:cs typeface="Pretendard SemiBold" panose="02000703000000020004" pitchFamily="2" charset="-127"/>
+              </a:defRPr>
+            </a:lvl1pPr>
+          </a:lstStyle>
+          <a:p>
+            <a:r>
+              <a:rPr lang="en-US" altLang="ko-KR" sz="2000" dirty="0">
+                <a:solidFill>
+                  <a:srgbClr val="212227"/>
+                </a:solidFill>
+                <a:latin typeface="Pretendard ExtraBold" panose="02000903000000020004" pitchFamily="2" charset="-127"/>
+                <a:ea typeface="Pretendard ExtraBold" panose="02000903000000020004" pitchFamily="2" charset="-127"/>
+                <a:cs typeface="Pretendard ExtraBold" panose="02000903000000020004" pitchFamily="2" charset="-127"/>
+              </a:rPr>
+              <a:t>01.</a:t>
+            </a:r>
+          </a:p>
+        </p:txBody>
+      </p:sp>
+      <p:sp>
+        <p:nvSpPr>
+          <p:cNvPr id="9" name="TextBox 8">
+            <a:extLst>
+              <a:ext uri="{FF2B5EF4-FFF2-40B4-BE49-F238E27FC236}">
+                <a16:creationId xmlns:a16="http://schemas.microsoft.com/office/drawing/2014/main" id="{0218C57E-B9BD-9054-3AED-70A3F5E9A787}"/>
+              </a:ext>
+            </a:extLst>
+          </p:cNvPr>
+          <p:cNvSpPr txBox="1"/>
+          <p:nvPr/>
+        </p:nvSpPr>
+        <p:spPr>
+          <a:xfrm>
+            <a:off x="5471102" y="1296065"/>
+            <a:ext cx="456389" cy="215444"/>
+          </a:xfrm>
+          <a:prstGeom prst="rect">
+            <a:avLst/>
+          </a:prstGeom>
+          <a:noFill/>
+        </p:spPr>
+        <p:txBody>
+          <a:bodyPr wrap="none" lIns="144000" tIns="0" rIns="0" bIns="0" rtlCol="0">
+            <a:spAutoFit/>
+          </a:bodyPr>
+          <a:lstStyle>
+            <a:defPPr>
+              <a:defRPr lang="ko-KR"/>
+            </a:defPPr>
+            <a:lvl1pPr>
+              <a:defRPr sz="1400">
+                <a:latin typeface="Pretendard SemiBold" panose="02000703000000020004" pitchFamily="2" charset="-127"/>
+                <a:ea typeface="Pretendard SemiBold" panose="02000703000000020004" pitchFamily="2" charset="-127"/>
+                <a:cs typeface="Pretendard SemiBold" panose="02000703000000020004" pitchFamily="2" charset="-127"/>
+              </a:defRPr>
+            </a:lvl1pPr>
+          </a:lstStyle>
+          <a:p>
+            <a:r>
+              <a:rPr lang="ko-KR" altLang="en-US" dirty="0">
+                <a:solidFill>
+                  <a:srgbClr val="212227"/>
+                </a:solidFill>
+              </a:rPr>
+              <a:t>개요</a:t>
+            </a:r>
+            <a:endParaRPr lang="en-US" altLang="ko-KR" dirty="0">
+              <a:solidFill>
+                <a:srgbClr val="212227"/>
+              </a:solidFill>
+            </a:endParaRPr>
+          </a:p>
+        </p:txBody>
+      </p:sp>
+      <p:sp>
+        <p:nvSpPr>
+          <p:cNvPr id="4" name="TextBox 3">
+            <a:extLst>
+              <a:ext uri="{FF2B5EF4-FFF2-40B4-BE49-F238E27FC236}">
+                <a16:creationId xmlns:a16="http://schemas.microsoft.com/office/drawing/2014/main" id="{3B5B3704-3CFE-DEC2-7F76-85398F7CD0AD}"/>
+              </a:ext>
+            </a:extLst>
+          </p:cNvPr>
+          <p:cNvSpPr txBox="1"/>
+          <p:nvPr/>
+        </p:nvSpPr>
+        <p:spPr>
+          <a:xfrm>
+            <a:off x="5471102" y="2914006"/>
+            <a:ext cx="681895" cy="601497"/>
+          </a:xfrm>
+          <a:prstGeom prst="rect">
+            <a:avLst/>
+          </a:prstGeom>
+          <a:noFill/>
+        </p:spPr>
+        <p:txBody>
+          <a:bodyPr wrap="none" lIns="180000" tIns="108000" rIns="0" rtlCol="0">
+            <a:spAutoFit/>
+          </a:bodyPr>
+          <a:lstStyle>
+            <a:defPPr>
+              <a:defRPr lang="ko-KR"/>
+            </a:defPPr>
+            <a:lvl1pPr marL="285750" indent="-285750">
+              <a:spcAft>
+                <a:spcPts val="600"/>
+              </a:spcAft>
+              <a:buFont typeface="Arial" panose="020B0604020202020204" pitchFamily="34" charset="0"/>
+              <a:buChar char="•"/>
+              <a:defRPr sz="1200">
+                <a:latin typeface="Pretendard" panose="02000503000000020004" pitchFamily="2" charset="-127"/>
+                <a:ea typeface="Pretendard" panose="02000503000000020004" pitchFamily="2" charset="-127"/>
+                <a:cs typeface="Pretendard" panose="02000503000000020004" pitchFamily="2" charset="-127"/>
+              </a:defRPr>
+            </a:lvl1pPr>
+          </a:lstStyle>
+          <a:p>
+            <a:pPr marL="0" indent="0">
+              <a:buNone/>
+            </a:pPr>
+            <a:r>
+              <a:rPr lang="en-US" altLang="ko-KR" dirty="0"/>
+              <a:t>(1) </a:t>
+            </a:r>
+            <a:r>
+              <a:rPr lang="ko-KR" altLang="en-US" dirty="0"/>
+              <a:t>평타</a:t>
+            </a:r>
+            <a:endParaRPr lang="en-US" altLang="ko-KR" dirty="0"/>
+          </a:p>
+          <a:p>
+            <a:pPr marL="0" indent="0">
+              <a:buNone/>
+            </a:pPr>
+            <a:r>
+              <a:rPr lang="en-US" altLang="ko-KR" dirty="0"/>
+              <a:t>(2) </a:t>
+            </a:r>
+            <a:r>
+              <a:rPr lang="ko-KR" altLang="en-US" dirty="0"/>
+              <a:t>회피</a:t>
+            </a:r>
+            <a:endParaRPr lang="en-US" altLang="ko-KR" dirty="0"/>
+          </a:p>
+        </p:txBody>
+      </p:sp>
+      <p:sp>
+        <p:nvSpPr>
+          <p:cNvPr id="11" name="TextBox 10">
+            <a:extLst>
+              <a:ext uri="{FF2B5EF4-FFF2-40B4-BE49-F238E27FC236}">
+                <a16:creationId xmlns:a16="http://schemas.microsoft.com/office/drawing/2014/main" id="{7380702C-E409-CC3F-85FD-77CFC068BA90}"/>
+              </a:ext>
+            </a:extLst>
+          </p:cNvPr>
+          <p:cNvSpPr txBox="1"/>
+          <p:nvPr/>
+        </p:nvSpPr>
+        <p:spPr>
+          <a:xfrm>
+            <a:off x="4576941" y="2606229"/>
+            <a:ext cx="881337" cy="307777"/>
+          </a:xfrm>
+          <a:prstGeom prst="rect">
+            <a:avLst/>
+          </a:prstGeom>
+          <a:noFill/>
+        </p:spPr>
+        <p:txBody>
+          <a:bodyPr wrap="none" lIns="432000" tIns="0" rIns="36000" bIns="0" rtlCol="0">
+            <a:spAutoFit/>
+          </a:bodyPr>
+          <a:lstStyle>
+            <a:defPPr>
+              <a:defRPr lang="ko-KR"/>
+            </a:defPPr>
+            <a:lvl1pPr>
+              <a:defRPr sz="2000">
+                <a:solidFill>
+                  <a:srgbClr val="212227"/>
+                </a:solidFill>
+                <a:latin typeface="Pretendard ExtraBold" panose="02000903000000020004" pitchFamily="2" charset="-127"/>
+                <a:ea typeface="Pretendard ExtraBold" panose="02000903000000020004" pitchFamily="2" charset="-127"/>
+                <a:cs typeface="Pretendard ExtraBold" panose="02000903000000020004" pitchFamily="2" charset="-127"/>
+              </a:defRPr>
+            </a:lvl1pPr>
+          </a:lstStyle>
+          <a:p>
+            <a:r>
+              <a:rPr lang="en-US" altLang="ko-KR" dirty="0"/>
+              <a:t>02.</a:t>
+            </a:r>
+          </a:p>
+        </p:txBody>
+      </p:sp>
+      <p:sp>
+        <p:nvSpPr>
+          <p:cNvPr id="12" name="TextBox 11">
+            <a:extLst>
+              <a:ext uri="{FF2B5EF4-FFF2-40B4-BE49-F238E27FC236}">
+                <a16:creationId xmlns:a16="http://schemas.microsoft.com/office/drawing/2014/main" id="{B90F93CC-D877-9542-68AD-B8D862FC7B8A}"/>
+              </a:ext>
+            </a:extLst>
+          </p:cNvPr>
+          <p:cNvSpPr txBox="1"/>
+          <p:nvPr/>
+        </p:nvSpPr>
+        <p:spPr>
+          <a:xfrm>
+            <a:off x="5471102" y="2671042"/>
+            <a:ext cx="810653" cy="215444"/>
+          </a:xfrm>
+          <a:prstGeom prst="rect">
+            <a:avLst/>
+          </a:prstGeom>
+          <a:noFill/>
+        </p:spPr>
+        <p:txBody>
+          <a:bodyPr wrap="none" lIns="144000" tIns="0" rIns="0" bIns="0" rtlCol="0">
+            <a:spAutoFit/>
+          </a:bodyPr>
+          <a:lstStyle>
+            <a:defPPr>
+              <a:defRPr lang="ko-KR"/>
+            </a:defPPr>
+            <a:lvl1pPr>
+              <a:defRPr sz="1400">
+                <a:solidFill>
+                  <a:srgbClr val="212227"/>
+                </a:solidFill>
+                <a:latin typeface="Pretendard SemiBold" panose="02000703000000020004" pitchFamily="2" charset="-127"/>
+                <a:ea typeface="Pretendard SemiBold" panose="02000703000000020004" pitchFamily="2" charset="-127"/>
+                <a:cs typeface="Pretendard SemiBold" panose="02000703000000020004" pitchFamily="2" charset="-127"/>
+              </a:defRPr>
+            </a:lvl1pPr>
+          </a:lstStyle>
+          <a:p>
+            <a:r>
+              <a:rPr lang="ko-KR" altLang="en-US" dirty="0"/>
+              <a:t>기본 액션</a:t>
+            </a:r>
+            <a:endParaRPr lang="en-US" altLang="ko-KR" dirty="0"/>
+          </a:p>
+        </p:txBody>
+      </p:sp>
+      <p:sp>
+        <p:nvSpPr>
+          <p:cNvPr id="5" name="TextBox 4">
+            <a:extLst>
+              <a:ext uri="{FF2B5EF4-FFF2-40B4-BE49-F238E27FC236}">
+                <a16:creationId xmlns:a16="http://schemas.microsoft.com/office/drawing/2014/main" id="{5B042B08-AC0D-A5DC-59CD-8A40D8ECFD5B}"/>
+              </a:ext>
+            </a:extLst>
+          </p:cNvPr>
+          <p:cNvSpPr txBox="1"/>
+          <p:nvPr/>
+        </p:nvSpPr>
+        <p:spPr>
+          <a:xfrm>
+            <a:off x="5471102" y="4288983"/>
+            <a:ext cx="986465" cy="601497"/>
+          </a:xfrm>
+          <a:prstGeom prst="rect">
+            <a:avLst/>
+          </a:prstGeom>
+          <a:noFill/>
+        </p:spPr>
+        <p:txBody>
+          <a:bodyPr wrap="none" lIns="180000" tIns="108000" rIns="0" rtlCol="0">
+            <a:spAutoFit/>
+          </a:bodyPr>
+          <a:lstStyle>
+            <a:defPPr>
+              <a:defRPr lang="ko-KR"/>
+            </a:defPPr>
+            <a:lvl1pPr marL="285750" indent="-285750">
+              <a:spcAft>
+                <a:spcPts val="600"/>
+              </a:spcAft>
+              <a:buFont typeface="Arial" panose="020B0604020202020204" pitchFamily="34" charset="0"/>
+              <a:buChar char="•"/>
+              <a:defRPr sz="1200">
+                <a:latin typeface="Pretendard" panose="02000503000000020004" pitchFamily="2" charset="-127"/>
+                <a:ea typeface="Pretendard" panose="02000503000000020004" pitchFamily="2" charset="-127"/>
+                <a:cs typeface="Pretendard" panose="02000503000000020004" pitchFamily="2" charset="-127"/>
+              </a:defRPr>
+            </a:lvl1pPr>
+          </a:lstStyle>
+          <a:p>
+            <a:pPr marL="0" indent="0">
+              <a:buNone/>
+            </a:pPr>
+            <a:r>
+              <a:rPr lang="en-US" altLang="ko-KR" dirty="0"/>
+              <a:t>(1) </a:t>
+            </a:r>
+            <a:r>
+              <a:rPr lang="ko-KR" altLang="en-US" dirty="0"/>
+              <a:t>스킬 구성</a:t>
+            </a:r>
+            <a:endParaRPr lang="en-US" altLang="ko-KR" dirty="0"/>
+          </a:p>
+          <a:p>
+            <a:pPr marL="0" indent="0">
+              <a:buNone/>
+            </a:pPr>
+            <a:r>
+              <a:rPr lang="en-US" altLang="ko-KR" dirty="0"/>
+              <a:t>(2) </a:t>
+            </a:r>
+            <a:r>
+              <a:rPr lang="ko-KR" altLang="en-US" dirty="0"/>
+              <a:t>상세 설명</a:t>
+            </a:r>
+            <a:endParaRPr lang="en-US" altLang="ko-KR" dirty="0"/>
+          </a:p>
+        </p:txBody>
+      </p:sp>
+      <p:sp>
+        <p:nvSpPr>
+          <p:cNvPr id="14" name="TextBox 13">
+            <a:extLst>
+              <a:ext uri="{FF2B5EF4-FFF2-40B4-BE49-F238E27FC236}">
+                <a16:creationId xmlns:a16="http://schemas.microsoft.com/office/drawing/2014/main" id="{68E870C3-2069-184E-3F1C-F9AAB82D7064}"/>
+              </a:ext>
+            </a:extLst>
+          </p:cNvPr>
+          <p:cNvSpPr txBox="1"/>
+          <p:nvPr/>
+        </p:nvSpPr>
+        <p:spPr>
+          <a:xfrm>
+            <a:off x="4576941" y="3981206"/>
+            <a:ext cx="887749" cy="307777"/>
+          </a:xfrm>
+          <a:prstGeom prst="rect">
+            <a:avLst/>
+          </a:prstGeom>
+          <a:noFill/>
+        </p:spPr>
+        <p:txBody>
+          <a:bodyPr wrap="none" lIns="432000" tIns="0" rIns="36000" bIns="0" rtlCol="0">
+            <a:spAutoFit/>
+          </a:bodyPr>
+          <a:lstStyle>
+            <a:defPPr>
+              <a:defRPr lang="ko-KR"/>
+            </a:defPPr>
+            <a:lvl1pPr>
+              <a:defRPr sz="2000">
+                <a:solidFill>
+                  <a:srgbClr val="212227"/>
+                </a:solidFill>
+                <a:latin typeface="Pretendard ExtraBold" panose="02000903000000020004" pitchFamily="2" charset="-127"/>
+                <a:ea typeface="Pretendard ExtraBold" panose="02000903000000020004" pitchFamily="2" charset="-127"/>
+                <a:cs typeface="Pretendard ExtraBold" panose="02000903000000020004" pitchFamily="2" charset="-127"/>
+              </a:defRPr>
+            </a:lvl1pPr>
+          </a:lstStyle>
+          <a:p>
+            <a:r>
+              <a:rPr lang="en-US" altLang="ko-KR" dirty="0"/>
+              <a:t>03.</a:t>
+            </a:r>
+          </a:p>
+        </p:txBody>
+      </p:sp>
+      <p:sp>
+        <p:nvSpPr>
+          <p:cNvPr id="16" name="TextBox 15">
+            <a:extLst>
+              <a:ext uri="{FF2B5EF4-FFF2-40B4-BE49-F238E27FC236}">
+                <a16:creationId xmlns:a16="http://schemas.microsoft.com/office/drawing/2014/main" id="{52F1C9B0-1A33-22A7-3E45-5A45A794CDC6}"/>
+              </a:ext>
+            </a:extLst>
+          </p:cNvPr>
+          <p:cNvSpPr txBox="1"/>
+          <p:nvPr/>
+        </p:nvSpPr>
+        <p:spPr>
+          <a:xfrm>
+            <a:off x="5471102" y="4046019"/>
+            <a:ext cx="966144" cy="215444"/>
+          </a:xfrm>
+          <a:prstGeom prst="rect">
+            <a:avLst/>
+          </a:prstGeom>
+          <a:noFill/>
+        </p:spPr>
+        <p:txBody>
+          <a:bodyPr wrap="none" lIns="144000" tIns="0" rIns="0" bIns="0" rtlCol="0">
+            <a:spAutoFit/>
+          </a:bodyPr>
+          <a:lstStyle>
+            <a:defPPr>
+              <a:defRPr lang="ko-KR"/>
+            </a:defPPr>
+            <a:lvl1pPr>
+              <a:defRPr sz="1400">
+                <a:solidFill>
+                  <a:srgbClr val="212227"/>
+                </a:solidFill>
+                <a:latin typeface="Pretendard SemiBold" panose="02000703000000020004" pitchFamily="2" charset="-127"/>
+                <a:ea typeface="Pretendard SemiBold" panose="02000703000000020004" pitchFamily="2" charset="-127"/>
+                <a:cs typeface="Pretendard SemiBold" panose="02000703000000020004" pitchFamily="2" charset="-127"/>
+              </a:defRPr>
+            </a:lvl1pPr>
+          </a:lstStyle>
+          <a:p>
+            <a:r>
+              <a:rPr lang="ko-KR" altLang="en-US" dirty="0"/>
+              <a:t>액티브 스킬</a:t>
+            </a:r>
+            <a:endParaRPr lang="en-US" altLang="ko-KR" dirty="0"/>
+          </a:p>
+        </p:txBody>
+      </p:sp>
+      <p:sp>
+        <p:nvSpPr>
+          <p:cNvPr id="10" name="TextBox 9">
+            <a:extLst>
+              <a:ext uri="{FF2B5EF4-FFF2-40B4-BE49-F238E27FC236}">
+                <a16:creationId xmlns:a16="http://schemas.microsoft.com/office/drawing/2014/main" id="{C859B6CC-0098-F068-D875-B69A05D163CD}"/>
+              </a:ext>
+            </a:extLst>
+          </p:cNvPr>
+          <p:cNvSpPr txBox="1"/>
+          <p:nvPr/>
+        </p:nvSpPr>
+        <p:spPr>
+          <a:xfrm>
+            <a:off x="5471102" y="5663960"/>
+            <a:ext cx="1268594" cy="601497"/>
+          </a:xfrm>
+          <a:prstGeom prst="rect">
+            <a:avLst/>
+          </a:prstGeom>
+          <a:noFill/>
+        </p:spPr>
+        <p:txBody>
+          <a:bodyPr wrap="none" lIns="180000" tIns="108000" rIns="0" rtlCol="0">
+            <a:spAutoFit/>
+          </a:bodyPr>
+          <a:lstStyle>
+            <a:defPPr>
+              <a:defRPr lang="ko-KR"/>
+            </a:defPPr>
+            <a:lvl1pPr marL="285750" indent="-285750">
+              <a:spcAft>
+                <a:spcPts val="600"/>
+              </a:spcAft>
+              <a:buFont typeface="Arial" panose="020B0604020202020204" pitchFamily="34" charset="0"/>
+              <a:buChar char="•"/>
+              <a:defRPr sz="1200">
+                <a:latin typeface="Pretendard" panose="02000503000000020004" pitchFamily="2" charset="-127"/>
+                <a:ea typeface="Pretendard" panose="02000503000000020004" pitchFamily="2" charset="-127"/>
+                <a:cs typeface="Pretendard" panose="02000503000000020004" pitchFamily="2" charset="-127"/>
+              </a:defRPr>
+            </a:lvl1pPr>
+          </a:lstStyle>
+          <a:p>
+            <a:pPr marL="0" indent="0">
+              <a:buNone/>
+            </a:pPr>
+            <a:r>
+              <a:rPr lang="en-US" altLang="ko-KR" dirty="0"/>
+              <a:t>(1) </a:t>
+            </a:r>
+            <a:r>
+              <a:rPr lang="ko-KR" altLang="en-US" dirty="0"/>
+              <a:t>추천 스킬 조합</a:t>
+            </a:r>
+            <a:endParaRPr lang="en-US" altLang="ko-KR" dirty="0"/>
+          </a:p>
+          <a:p>
+            <a:pPr marL="0" indent="0">
+              <a:buNone/>
+            </a:pPr>
+            <a:r>
+              <a:rPr lang="en-US" altLang="ko-KR" dirty="0"/>
+              <a:t>(2) </a:t>
+            </a:r>
+            <a:r>
+              <a:rPr lang="ko-KR" altLang="en-US" dirty="0"/>
+              <a:t>플레이 예시</a:t>
+            </a:r>
+            <a:endParaRPr lang="en-US" altLang="ko-KR" dirty="0"/>
+          </a:p>
+        </p:txBody>
+      </p:sp>
+      <p:sp>
+        <p:nvSpPr>
+          <p:cNvPr id="15" name="TextBox 14">
+            <a:extLst>
+              <a:ext uri="{FF2B5EF4-FFF2-40B4-BE49-F238E27FC236}">
+                <a16:creationId xmlns:a16="http://schemas.microsoft.com/office/drawing/2014/main" id="{474E41F1-9BD9-71B3-C149-764AA449122D}"/>
+              </a:ext>
+            </a:extLst>
+          </p:cNvPr>
+          <p:cNvSpPr txBox="1"/>
+          <p:nvPr/>
+        </p:nvSpPr>
+        <p:spPr>
+          <a:xfrm>
+            <a:off x="4576941" y="5356183"/>
+            <a:ext cx="894161" cy="307777"/>
+          </a:xfrm>
+          <a:prstGeom prst="rect">
+            <a:avLst/>
+          </a:prstGeom>
+          <a:noFill/>
+        </p:spPr>
+        <p:txBody>
+          <a:bodyPr wrap="none" lIns="432000" tIns="0" rIns="36000" bIns="0" rtlCol="0">
+            <a:spAutoFit/>
+          </a:bodyPr>
+          <a:lstStyle>
+            <a:defPPr>
+              <a:defRPr lang="ko-KR"/>
+            </a:defPPr>
+            <a:lvl1pPr>
+              <a:defRPr sz="2000">
+                <a:solidFill>
+                  <a:srgbClr val="212227"/>
+                </a:solidFill>
+                <a:latin typeface="Pretendard ExtraBold" panose="02000903000000020004" pitchFamily="2" charset="-127"/>
+                <a:ea typeface="Pretendard ExtraBold" panose="02000903000000020004" pitchFamily="2" charset="-127"/>
+                <a:cs typeface="Pretendard ExtraBold" panose="02000903000000020004" pitchFamily="2" charset="-127"/>
+              </a:defRPr>
+            </a:lvl1pPr>
+          </a:lstStyle>
+          <a:p>
+            <a:r>
+              <a:rPr lang="en-US" altLang="ko-KR" dirty="0"/>
+              <a:t>04.</a:t>
+            </a:r>
+          </a:p>
+        </p:txBody>
+      </p:sp>
+      <p:sp>
+        <p:nvSpPr>
+          <p:cNvPr id="20" name="TextBox 19">
+            <a:extLst>
+              <a:ext uri="{FF2B5EF4-FFF2-40B4-BE49-F238E27FC236}">
+                <a16:creationId xmlns:a16="http://schemas.microsoft.com/office/drawing/2014/main" id="{8067EF92-6D30-4D75-422D-4BB867BC16E7}"/>
+              </a:ext>
+            </a:extLst>
+          </p:cNvPr>
+          <p:cNvSpPr txBox="1"/>
+          <p:nvPr/>
+        </p:nvSpPr>
+        <p:spPr>
+          <a:xfrm>
+            <a:off x="5471102" y="5420996"/>
+            <a:ext cx="966144" cy="215444"/>
+          </a:xfrm>
+          <a:prstGeom prst="rect">
+            <a:avLst/>
+          </a:prstGeom>
+          <a:noFill/>
+        </p:spPr>
+        <p:txBody>
+          <a:bodyPr wrap="none" lIns="144000" tIns="0" rIns="0" bIns="0" rtlCol="0">
+            <a:spAutoFit/>
+          </a:bodyPr>
+          <a:lstStyle>
+            <a:defPPr>
+              <a:defRPr lang="ko-KR"/>
+            </a:defPPr>
+            <a:lvl1pPr>
+              <a:defRPr sz="1400">
+                <a:solidFill>
+                  <a:srgbClr val="212227"/>
+                </a:solidFill>
+                <a:latin typeface="Pretendard SemiBold" panose="02000703000000020004" pitchFamily="2" charset="-127"/>
+                <a:ea typeface="Pretendard SemiBold" panose="02000703000000020004" pitchFamily="2" charset="-127"/>
+                <a:cs typeface="Pretendard SemiBold" panose="02000703000000020004" pitchFamily="2" charset="-127"/>
+              </a:defRPr>
+            </a:lvl1pPr>
+          </a:lstStyle>
+          <a:p>
+            <a:r>
+              <a:rPr lang="ko-KR" altLang="en-US" dirty="0"/>
+              <a:t>게임 플레이</a:t>
+            </a:r>
+            <a:endParaRPr lang="en-US" altLang="ko-KR" dirty="0"/>
+          </a:p>
+        </p:txBody>
+      </p:sp>
+    </p:spTree>
+    <p:extLst>
+      <p:ext uri="{BB962C8B-B14F-4D97-AF65-F5344CB8AC3E}">
+        <p14:creationId xmlns:p14="http://schemas.microsoft.com/office/powerpoint/2010/main" val="2388820557"/>
+      </p:ext>
+    </p:extLst>
+  </p:cSld>
+  <p:clrMapOvr>
+    <a:masterClrMapping/>
+  </p:clrMapOvr>
+</p:sld>
+</file>
+
+<file path=ppt/slides/slide4.xml><?xml version="1.0" encoding="utf-8"?>
+<p:sld xmlns:a="http://schemas.openxmlformats.org/drawingml/2006/main" xmlns:r="http://schemas.openxmlformats.org/officeDocument/2006/relationships" xmlns:p="http://schemas.openxmlformats.org/presentationml/2006/main">
+  <p:cSld>
+    <p:spTree>
+      <p:nvGrpSpPr>
+        <p:cNvPr id="1" name="">
+          <a:extLst>
+            <a:ext uri="{FF2B5EF4-FFF2-40B4-BE49-F238E27FC236}">
+              <a16:creationId xmlns:a16="http://schemas.microsoft.com/office/drawing/2014/main" id="{6401D294-1F8A-0E9D-E7D4-F8F6C525C0DD}"/>
+            </a:ext>
+          </a:extLst>
+        </p:cNvPr>
+        <p:cNvGrpSpPr/>
+        <p:nvPr/>
+      </p:nvGrpSpPr>
+      <p:grpSpPr>
+        <a:xfrm>
+          <a:off x="0" y="0"/>
+          <a:ext cx="0" cy="0"/>
+          <a:chOff x="0" y="0"/>
+          <a:chExt cx="0" cy="0"/>
+        </a:xfrm>
+      </p:grpSpPr>
+      <p:sp>
+        <p:nvSpPr>
+          <p:cNvPr id="30" name="직사각형 29">
+            <a:extLst>
+              <a:ext uri="{FF2B5EF4-FFF2-40B4-BE49-F238E27FC236}">
+                <a16:creationId xmlns:a16="http://schemas.microsoft.com/office/drawing/2014/main" id="{18364F1E-743D-50EA-59C0-BD25244B6644}"/>
+              </a:ext>
+            </a:extLst>
+          </p:cNvPr>
+          <p:cNvSpPr/>
+          <p:nvPr/>
+        </p:nvSpPr>
+        <p:spPr>
+          <a:xfrm>
+            <a:off x="4393898" y="1293613"/>
+            <a:ext cx="3404204" cy="4996256"/>
+          </a:xfrm>
+          <a:prstGeom prst="rect">
+            <a:avLst/>
+          </a:prstGeom>
+          <a:solidFill>
+            <a:schemeClr val="bg1">
+              <a:lumMod val="95000"/>
+            </a:schemeClr>
+          </a:solidFill>
+          <a:ln w="6350">
+            <a:solidFill>
+              <a:schemeClr val="bg1">
+                <a:lumMod val="75000"/>
+              </a:schemeClr>
+            </a:solidFill>
+            <a:prstDash val="solid"/>
+          </a:ln>
+          <a:effectLst>
+            <a:outerShdw blurRad="50800" dist="38100" dir="2700000" algn="tl" rotWithShape="0">
+              <a:prstClr val="black">
+                <a:alpha val="40000"/>
+              </a:prstClr>
+            </a:outerShdw>
+          </a:effectLst>
+        </p:spPr>
+        <p:style>
+          <a:lnRef idx="2">
+            <a:schemeClr val="accent1">
+              <a:shade val="15000"/>
+            </a:schemeClr>
+          </a:lnRef>
+          <a:fillRef idx="1">
+            <a:schemeClr val="accent1"/>
+          </a:fillRef>
+          <a:effectRef idx="0">
+            <a:schemeClr val="accent1"/>
+          </a:effectRef>
+          <a:fontRef idx="minor">
+            <a:schemeClr val="lt1"/>
+          </a:fontRef>
+        </p:style>
+        <p:txBody>
+          <a:bodyPr rtlCol="0" anchor="ctr"/>
+          <a:lstStyle/>
+          <a:p>
+            <a:pPr algn="ctr"/>
+            <a:endParaRPr lang="ko-KR" altLang="en-US"/>
+          </a:p>
+        </p:txBody>
+      </p:sp>
       <p:grpSp>
         <p:nvGrpSpPr>
-          <p:cNvPr id="14" name="그룹 13">
-            <a:extLst>
-              <a:ext uri="{FF2B5EF4-FFF2-40B4-BE49-F238E27FC236}">
-                <a16:creationId xmlns:a16="http://schemas.microsoft.com/office/drawing/2014/main" id="{CEEE7264-9A0E-E4B3-E96E-0CD8E3F2D426}"/>
+          <p:cNvPr id="46" name="그룹 45">
+            <a:extLst>
+              <a:ext uri="{FF2B5EF4-FFF2-40B4-BE49-F238E27FC236}">
+                <a16:creationId xmlns:a16="http://schemas.microsoft.com/office/drawing/2014/main" id="{25A541CF-7677-E531-FE39-4DE2AA3C73FA}"/>
               </a:ext>
             </a:extLst>
           </p:cNvPr>
@@ -3717,91 +6980,297 @@
         </p:nvGrpSpPr>
         <p:grpSpPr>
           <a:xfrm>
-            <a:off x="-2932198" y="-3893926"/>
-            <a:ext cx="8814483" cy="11720932"/>
-            <a:chOff x="-2721182" y="-3893926"/>
-            <a:chExt cx="8814483" cy="11720932"/>
+            <a:off x="172462" y="2664820"/>
+            <a:ext cx="68400" cy="1528360"/>
+            <a:chOff x="172462" y="2808076"/>
+            <a:chExt cx="68400" cy="1528360"/>
+          </a:xfrm>
+        </p:grpSpPr>
+        <p:sp>
+          <p:nvSpPr>
+            <p:cNvPr id="38" name="다이아몬드 37">
+              <a:extLst>
+                <a:ext uri="{FF2B5EF4-FFF2-40B4-BE49-F238E27FC236}">
+                  <a16:creationId xmlns:a16="http://schemas.microsoft.com/office/drawing/2014/main" id="{9C228E77-A91B-73B4-F050-250CE82D8959}"/>
+                </a:ext>
+              </a:extLst>
+            </p:cNvPr>
+            <p:cNvSpPr/>
+            <p:nvPr/>
+          </p:nvSpPr>
+          <p:spPr>
+            <a:xfrm>
+              <a:off x="172462" y="2808076"/>
+              <a:ext cx="68400" cy="68400"/>
+            </a:xfrm>
+            <a:prstGeom prst="diamond">
+              <a:avLst/>
+            </a:prstGeom>
+            <a:solidFill>
+              <a:srgbClr val="212227"/>
+            </a:solidFill>
+            <a:ln>
+              <a:noFill/>
+            </a:ln>
+          </p:spPr>
+          <p:style>
+            <a:lnRef idx="2">
+              <a:schemeClr val="accent1">
+                <a:shade val="15000"/>
+              </a:schemeClr>
+            </a:lnRef>
+            <a:fillRef idx="1">
+              <a:schemeClr val="accent1"/>
+            </a:fillRef>
+            <a:effectRef idx="0">
+              <a:schemeClr val="accent1"/>
+            </a:effectRef>
+            <a:fontRef idx="minor">
+              <a:schemeClr val="lt1"/>
+            </a:fontRef>
+          </p:style>
+          <p:txBody>
+            <a:bodyPr rtlCol="0" anchor="ctr"/>
+            <a:lstStyle/>
+            <a:p>
+              <a:pPr algn="ctr"/>
+              <a:endParaRPr lang="ko-KR" altLang="en-US"/>
+            </a:p>
+          </p:txBody>
+        </p:sp>
+        <p:sp>
+          <p:nvSpPr>
+            <p:cNvPr id="42" name="다이아몬드 41">
+              <a:extLst>
+                <a:ext uri="{FF2B5EF4-FFF2-40B4-BE49-F238E27FC236}">
+                  <a16:creationId xmlns:a16="http://schemas.microsoft.com/office/drawing/2014/main" id="{979CD68F-7975-0B3C-62CC-01B6C13E1FF9}"/>
+                </a:ext>
+              </a:extLst>
+            </p:cNvPr>
+            <p:cNvSpPr/>
+            <p:nvPr/>
+          </p:nvSpPr>
+          <p:spPr>
+            <a:xfrm>
+              <a:off x="172462" y="3294729"/>
+              <a:ext cx="68400" cy="68400"/>
+            </a:xfrm>
+            <a:prstGeom prst="diamond">
+              <a:avLst/>
+            </a:prstGeom>
+            <a:solidFill>
+              <a:srgbClr val="212227"/>
+            </a:solidFill>
+            <a:ln>
+              <a:noFill/>
+            </a:ln>
+          </p:spPr>
+          <p:style>
+            <a:lnRef idx="2">
+              <a:schemeClr val="accent1">
+                <a:shade val="15000"/>
+              </a:schemeClr>
+            </a:lnRef>
+            <a:fillRef idx="1">
+              <a:schemeClr val="accent1"/>
+            </a:fillRef>
+            <a:effectRef idx="0">
+              <a:schemeClr val="accent1"/>
+            </a:effectRef>
+            <a:fontRef idx="minor">
+              <a:schemeClr val="lt1"/>
+            </a:fontRef>
+          </p:style>
+          <p:txBody>
+            <a:bodyPr rtlCol="0" anchor="ctr"/>
+            <a:lstStyle/>
+            <a:p>
+              <a:pPr algn="ctr"/>
+              <a:endParaRPr lang="ko-KR" altLang="en-US"/>
+            </a:p>
+          </p:txBody>
+        </p:sp>
+        <p:sp>
+          <p:nvSpPr>
+            <p:cNvPr id="40" name="다이아몬드 39">
+              <a:extLst>
+                <a:ext uri="{FF2B5EF4-FFF2-40B4-BE49-F238E27FC236}">
+                  <a16:creationId xmlns:a16="http://schemas.microsoft.com/office/drawing/2014/main" id="{1C3E8C2C-16B7-44BB-3AC5-A3856C08FD2F}"/>
+                </a:ext>
+              </a:extLst>
+            </p:cNvPr>
+            <p:cNvSpPr/>
+            <p:nvPr/>
+          </p:nvSpPr>
+          <p:spPr>
+            <a:xfrm>
+              <a:off x="172462" y="3781382"/>
+              <a:ext cx="68400" cy="68400"/>
+            </a:xfrm>
+            <a:prstGeom prst="diamond">
+              <a:avLst/>
+            </a:prstGeom>
+            <a:solidFill>
+              <a:srgbClr val="212227"/>
+            </a:solidFill>
+            <a:ln>
+              <a:noFill/>
+            </a:ln>
+          </p:spPr>
+          <p:style>
+            <a:lnRef idx="2">
+              <a:schemeClr val="accent1">
+                <a:shade val="15000"/>
+              </a:schemeClr>
+            </a:lnRef>
+            <a:fillRef idx="1">
+              <a:schemeClr val="accent1"/>
+            </a:fillRef>
+            <a:effectRef idx="0">
+              <a:schemeClr val="accent1"/>
+            </a:effectRef>
+            <a:fontRef idx="minor">
+              <a:schemeClr val="lt1"/>
+            </a:fontRef>
+          </p:style>
+          <p:txBody>
+            <a:bodyPr rtlCol="0" anchor="ctr"/>
+            <a:lstStyle/>
+            <a:p>
+              <a:pPr algn="ctr"/>
+              <a:endParaRPr lang="ko-KR" altLang="en-US"/>
+            </a:p>
+          </p:txBody>
+        </p:sp>
+        <p:sp>
+          <p:nvSpPr>
+            <p:cNvPr id="41" name="다이아몬드 40">
+              <a:extLst>
+                <a:ext uri="{FF2B5EF4-FFF2-40B4-BE49-F238E27FC236}">
+                  <a16:creationId xmlns:a16="http://schemas.microsoft.com/office/drawing/2014/main" id="{538027B0-6C8F-68D7-AD5A-A0E16C1360D4}"/>
+                </a:ext>
+              </a:extLst>
+            </p:cNvPr>
+            <p:cNvSpPr/>
+            <p:nvPr/>
+          </p:nvSpPr>
+          <p:spPr>
+            <a:xfrm>
+              <a:off x="172462" y="4268036"/>
+              <a:ext cx="68400" cy="68400"/>
+            </a:xfrm>
+            <a:prstGeom prst="diamond">
+              <a:avLst/>
+            </a:prstGeom>
+            <a:solidFill>
+              <a:srgbClr val="212227"/>
+            </a:solidFill>
+            <a:ln>
+              <a:noFill/>
+            </a:ln>
+          </p:spPr>
+          <p:style>
+            <a:lnRef idx="2">
+              <a:schemeClr val="accent1">
+                <a:shade val="15000"/>
+              </a:schemeClr>
+            </a:lnRef>
+            <a:fillRef idx="1">
+              <a:schemeClr val="accent1"/>
+            </a:fillRef>
+            <a:effectRef idx="0">
+              <a:schemeClr val="accent1"/>
+            </a:effectRef>
+            <a:fontRef idx="minor">
+              <a:schemeClr val="lt1"/>
+            </a:fontRef>
+          </p:style>
+          <p:txBody>
+            <a:bodyPr rtlCol="0" anchor="ctr"/>
+            <a:lstStyle/>
+            <a:p>
+              <a:pPr algn="ctr"/>
+              <a:endParaRPr lang="ko-KR" altLang="en-US"/>
+            </a:p>
+          </p:txBody>
+        </p:sp>
+      </p:grpSp>
+      <p:pic>
+        <p:nvPicPr>
+          <p:cNvPr id="44" name="그림 43" descr="블랙, 상징, 램프, 빛이(가) 표시된 사진&#10;&#10;AI 생성 콘텐츠는 정확하지 않을 수 있습니다.">
+            <a:extLst>
+              <a:ext uri="{FF2B5EF4-FFF2-40B4-BE49-F238E27FC236}">
+                <a16:creationId xmlns:a16="http://schemas.microsoft.com/office/drawing/2014/main" id="{7FB9A146-BB57-F15E-6F21-6677FD258557}"/>
+              </a:ext>
+            </a:extLst>
+          </p:cNvPr>
+          <p:cNvPicPr>
+            <a:picLocks noChangeAspect="1"/>
+          </p:cNvPicPr>
+          <p:nvPr/>
+        </p:nvPicPr>
+        <p:blipFill>
+          <a:blip r:embed="rId2">
+            <a:extLst>
+              <a:ext uri="{BEBA8EAE-BF5A-486C-A8C5-ECC9F3942E4B}">
+                <a14:imgProps xmlns:a14="http://schemas.microsoft.com/office/drawing/2010/main">
+                  <a14:imgLayer r:embed="rId3">
+                    <a14:imgEffect>
+                      <a14:brightnessContrast bright="-40000" contrast="-40000"/>
+                    </a14:imgEffect>
+                  </a14:imgLayer>
+                </a14:imgProps>
+              </a:ext>
+              <a:ext uri="{28A0092B-C50C-407E-A947-70E740481C1C}">
+                <a14:useLocalDpi xmlns:a14="http://schemas.microsoft.com/office/drawing/2010/main" val="0"/>
+              </a:ext>
+            </a:extLst>
+          </a:blip>
+          <a:srcRect t="7859" b="9243"/>
+          <a:stretch>
+            <a:fillRect/>
+          </a:stretch>
+        </p:blipFill>
+        <p:spPr>
+          <a:xfrm>
+            <a:off x="109647" y="2550430"/>
+            <a:ext cx="228320" cy="293370"/>
+          </a:xfrm>
+          <a:prstGeom prst="rect">
+            <a:avLst/>
+          </a:prstGeom>
+          <a:noFill/>
+          <a:ln>
+            <a:noFill/>
+          </a:ln>
+        </p:spPr>
+      </p:pic>
+      <p:grpSp>
+        <p:nvGrpSpPr>
+          <p:cNvPr id="22" name="그룹 21">
+            <a:extLst>
+              <a:ext uri="{FF2B5EF4-FFF2-40B4-BE49-F238E27FC236}">
+                <a16:creationId xmlns:a16="http://schemas.microsoft.com/office/drawing/2014/main" id="{3A18AE0A-18A4-86AA-9693-68150D0A8233}"/>
+              </a:ext>
+            </a:extLst>
+          </p:cNvPr>
+          <p:cNvGrpSpPr/>
+          <p:nvPr/>
+        </p:nvGrpSpPr>
+        <p:grpSpPr>
+          <a:xfrm>
+            <a:off x="0" y="0"/>
+            <a:ext cx="12192000" cy="443346"/>
+            <a:chOff x="0" y="0"/>
+            <a:chExt cx="12192000" cy="443346"/>
           </a:xfrm>
         </p:grpSpPr>
         <p:pic>
           <p:nvPicPr>
-            <p:cNvPr id="7" name="그림 6" descr="원, 정물 사진, 병, 시계이(가) 표시된 사진&#10;&#10;AI 생성 콘텐츠는 정확하지 않을 수 있습니다.">
+            <p:cNvPr id="7" name="그림 6">
               <a:extLst>
                 <a:ext uri="{FF2B5EF4-FFF2-40B4-BE49-F238E27FC236}">
-                  <a16:creationId xmlns:a16="http://schemas.microsoft.com/office/drawing/2014/main" id="{67BEF2E6-4C26-AB18-D6CA-AD56D6C70D3F}"/>
-                </a:ext>
-              </a:extLst>
-            </p:cNvPr>
-            <p:cNvPicPr>
-              <a:picLocks noChangeAspect="1"/>
-            </p:cNvPicPr>
-            <p:nvPr/>
-          </p:nvPicPr>
-          <p:blipFill>
-            <a:blip r:embed="rId2">
-              <a:extLst>
-                <a:ext uri="{28A0092B-C50C-407E-A947-70E740481C1C}">
-                  <a14:useLocalDpi xmlns:a14="http://schemas.microsoft.com/office/drawing/2010/main" val="0"/>
-                </a:ext>
-              </a:extLst>
-            </a:blip>
-            <a:stretch>
-              <a:fillRect/>
-            </a:stretch>
-          </p:blipFill>
-          <p:spPr>
-            <a:xfrm>
-              <a:off x="-2721182" y="-3893926"/>
-              <a:ext cx="8814483" cy="11720932"/>
-            </a:xfrm>
-            <a:prstGeom prst="rect">
-              <a:avLst/>
-            </a:prstGeom>
-          </p:spPr>
-        </p:pic>
-        <p:pic>
-          <p:nvPicPr>
-            <p:cNvPr id="9" name="그림 8" descr="패션 액세서리, 액세서리, 보석류, 블링블링이(가) 표시된 사진&#10;&#10;AI 생성 콘텐츠는 정확하지 않을 수 있습니다.">
-              <a:extLst>
-                <a:ext uri="{FF2B5EF4-FFF2-40B4-BE49-F238E27FC236}">
-                  <a16:creationId xmlns:a16="http://schemas.microsoft.com/office/drawing/2014/main" id="{BD119D8B-D364-653D-95A2-A0DCE5B88E08}"/>
-                </a:ext>
-              </a:extLst>
-            </p:cNvPr>
-            <p:cNvPicPr>
-              <a:picLocks noChangeAspect="1"/>
-            </p:cNvPicPr>
-            <p:nvPr/>
-          </p:nvPicPr>
-          <p:blipFill>
-            <a:blip r:embed="rId3">
-              <a:extLst>
-                <a:ext uri="{28A0092B-C50C-407E-A947-70E740481C1C}">
-                  <a14:useLocalDpi xmlns:a14="http://schemas.microsoft.com/office/drawing/2010/main" val="0"/>
-                </a:ext>
-              </a:extLst>
-            </a:blip>
-            <a:srcRect l="25167" t="33778" b="34000"/>
-            <a:stretch>
-              <a:fillRect/>
-            </a:stretch>
-          </p:blipFill>
-          <p:spPr>
-            <a:xfrm>
-              <a:off x="393540" y="2568532"/>
-              <a:ext cx="3773347" cy="1624762"/>
-            </a:xfrm>
-            <a:prstGeom prst="rect">
-              <a:avLst/>
-            </a:prstGeom>
-          </p:spPr>
-        </p:pic>
-        <p:pic>
-          <p:nvPicPr>
-            <p:cNvPr id="11" name="그림 10" descr="어둠, 밤, 달이(가) 표시된 사진&#10;&#10;AI 생성 콘텐츠는 정확하지 않을 수 있습니다.">
-              <a:extLst>
-                <a:ext uri="{FF2B5EF4-FFF2-40B4-BE49-F238E27FC236}">
-                  <a16:creationId xmlns:a16="http://schemas.microsoft.com/office/drawing/2014/main" id="{52B8F78E-2BC9-5391-8480-EF658B82B3D6}"/>
+                  <a16:creationId xmlns:a16="http://schemas.microsoft.com/office/drawing/2014/main" id="{3A476256-51B3-46A3-53AF-6C72C1205497}"/>
                 </a:ext>
               </a:extLst>
             </p:cNvPr>
@@ -3818,27 +7287,2014 @@
                 </a:ext>
               </a:extLst>
             </a:blip>
-            <a:srcRect l="41806" t="36000" r="41972" b="42667"/>
             <a:stretch>
               <a:fillRect/>
             </a:stretch>
           </p:blipFill>
           <p:spPr>
             <a:xfrm>
-              <a:off x="1279868" y="2794050"/>
-              <a:ext cx="750949" cy="987550"/>
+              <a:off x="0" y="0"/>
+              <a:ext cx="12192000" cy="443346"/>
             </a:xfrm>
             <a:prstGeom prst="rect">
               <a:avLst/>
             </a:prstGeom>
           </p:spPr>
         </p:pic>
+        <p:grpSp>
+          <p:nvGrpSpPr>
+            <p:cNvPr id="21" name="그룹 20">
+              <a:extLst>
+                <a:ext uri="{FF2B5EF4-FFF2-40B4-BE49-F238E27FC236}">
+                  <a16:creationId xmlns:a16="http://schemas.microsoft.com/office/drawing/2014/main" id="{D31CEA63-3CA1-EA17-72DA-8EBB15FBA39D}"/>
+                </a:ext>
+              </a:extLst>
+            </p:cNvPr>
+            <p:cNvGrpSpPr/>
+            <p:nvPr/>
+          </p:nvGrpSpPr>
+          <p:grpSpPr>
+            <a:xfrm>
+              <a:off x="442913" y="83174"/>
+              <a:ext cx="1718521" cy="276999"/>
+              <a:chOff x="442913" y="83174"/>
+              <a:chExt cx="1718521" cy="276999"/>
+            </a:xfrm>
+          </p:grpSpPr>
+          <p:sp>
+            <p:nvSpPr>
+              <p:cNvPr id="3" name="TextBox 2">
+                <a:extLst>
+                  <a:ext uri="{FF2B5EF4-FFF2-40B4-BE49-F238E27FC236}">
+                    <a16:creationId xmlns:a16="http://schemas.microsoft.com/office/drawing/2014/main" id="{44730F50-C78A-D149-C620-9F8A8159C4F7}"/>
+                  </a:ext>
+                </a:extLst>
+              </p:cNvPr>
+              <p:cNvSpPr txBox="1"/>
+              <p:nvPr/>
+            </p:nvSpPr>
+            <p:spPr>
+              <a:xfrm>
+                <a:off x="1291470" y="98563"/>
+                <a:ext cx="869964" cy="261610"/>
+              </a:xfrm>
+              <a:prstGeom prst="rect">
+                <a:avLst/>
+              </a:prstGeom>
+              <a:noFill/>
+            </p:spPr>
+            <p:txBody>
+              <a:bodyPr wrap="none" lIns="144000" rIns="0" rtlCol="0" anchor="b">
+                <a:spAutoFit/>
+              </a:bodyPr>
+              <a:lstStyle/>
+              <a:p>
+                <a:r>
+                  <a:rPr lang="en-US" altLang="ko-KR" sz="1100" dirty="0">
+                    <a:solidFill>
+                      <a:schemeClr val="bg1">
+                        <a:lumMod val="85000"/>
+                      </a:schemeClr>
+                    </a:solidFill>
+                    <a:latin typeface="Pretendard SemiBold" panose="02000703000000020004" pitchFamily="2" charset="-127"/>
+                    <a:ea typeface="Pretendard SemiBold" panose="02000703000000020004" pitchFamily="2" charset="-127"/>
+                    <a:cs typeface="Pretendard SemiBold" panose="02000703000000020004" pitchFamily="2" charset="-127"/>
+                  </a:rPr>
+                  <a:t>(1) </a:t>
+                </a:r>
+                <a:r>
+                  <a:rPr lang="ko-KR" altLang="en-US" sz="1100" dirty="0">
+                    <a:solidFill>
+                      <a:schemeClr val="bg1">
+                        <a:lumMod val="85000"/>
+                      </a:schemeClr>
+                    </a:solidFill>
+                    <a:latin typeface="Pretendard SemiBold" panose="02000703000000020004" pitchFamily="2" charset="-127"/>
+                    <a:ea typeface="Pretendard SemiBold" panose="02000703000000020004" pitchFamily="2" charset="-127"/>
+                    <a:cs typeface="Pretendard SemiBold" panose="02000703000000020004" pitchFamily="2" charset="-127"/>
+                  </a:rPr>
+                  <a:t>기획 의도</a:t>
+                </a:r>
+                <a:endParaRPr lang="en-US" altLang="ko-KR" sz="1100" dirty="0">
+                  <a:solidFill>
+                    <a:schemeClr val="bg1">
+                      <a:lumMod val="85000"/>
+                    </a:schemeClr>
+                  </a:solidFill>
+                  <a:latin typeface="Pretendard SemiBold" panose="02000703000000020004" pitchFamily="2" charset="-127"/>
+                  <a:ea typeface="Pretendard SemiBold" panose="02000703000000020004" pitchFamily="2" charset="-127"/>
+                  <a:cs typeface="Pretendard SemiBold" panose="02000703000000020004" pitchFamily="2" charset="-127"/>
+                </a:endParaRPr>
+              </a:p>
+            </p:txBody>
+          </p:sp>
+          <p:grpSp>
+            <p:nvGrpSpPr>
+              <p:cNvPr id="18" name="그룹 17">
+                <a:extLst>
+                  <a:ext uri="{FF2B5EF4-FFF2-40B4-BE49-F238E27FC236}">
+                    <a16:creationId xmlns:a16="http://schemas.microsoft.com/office/drawing/2014/main" id="{B2C177BB-2C9E-F439-E432-9E1EC0A835E2}"/>
+                  </a:ext>
+                </a:extLst>
+              </p:cNvPr>
+              <p:cNvGrpSpPr/>
+              <p:nvPr/>
+            </p:nvGrpSpPr>
+            <p:grpSpPr>
+              <a:xfrm>
+                <a:off x="442913" y="83174"/>
+                <a:ext cx="848557" cy="276999"/>
+                <a:chOff x="442913" y="83174"/>
+                <a:chExt cx="848557" cy="276999"/>
+              </a:xfrm>
+            </p:grpSpPr>
+            <p:sp>
+              <p:nvSpPr>
+                <p:cNvPr id="2" name="TextBox 1">
+                  <a:extLst>
+                    <a:ext uri="{FF2B5EF4-FFF2-40B4-BE49-F238E27FC236}">
+                      <a16:creationId xmlns:a16="http://schemas.microsoft.com/office/drawing/2014/main" id="{F41DE954-D5A4-A2AC-4452-FA0AFA8B08E7}"/>
+                    </a:ext>
+                  </a:extLst>
+                </p:cNvPr>
+                <p:cNvSpPr txBox="1"/>
+                <p:nvPr/>
+              </p:nvSpPr>
+              <p:spPr>
+                <a:xfrm>
+                  <a:off x="442913" y="83174"/>
+                  <a:ext cx="335028" cy="276999"/>
+                </a:xfrm>
+                <a:prstGeom prst="rect">
+                  <a:avLst/>
+                </a:prstGeom>
+                <a:noFill/>
+              </p:spPr>
+              <p:txBody>
+                <a:bodyPr wrap="none" lIns="0" tIns="0" rIns="0" bIns="0" rtlCol="0">
+                  <a:spAutoFit/>
+                </a:bodyPr>
+                <a:lstStyle>
+                  <a:defPPr>
+                    <a:defRPr lang="ko-KR"/>
+                  </a:defPPr>
+                  <a:lvl1pPr>
+                    <a:defRPr sz="1400">
+                      <a:latin typeface="Pretendard SemiBold" panose="02000703000000020004" pitchFamily="2" charset="-127"/>
+                      <a:ea typeface="Pretendard SemiBold" panose="02000703000000020004" pitchFamily="2" charset="-127"/>
+                      <a:cs typeface="Pretendard SemiBold" panose="02000703000000020004" pitchFamily="2" charset="-127"/>
+                    </a:defRPr>
+                  </a:lvl1pPr>
+                </a:lstStyle>
+                <a:p>
+                  <a:r>
+                    <a:rPr lang="en-US" altLang="ko-KR" sz="1800" dirty="0">
+                      <a:solidFill>
+                        <a:schemeClr val="bg1"/>
+                      </a:solidFill>
+                      <a:latin typeface="Pretendard ExtraBold" panose="02000903000000020004" pitchFamily="2" charset="-127"/>
+                      <a:ea typeface="Pretendard ExtraBold" panose="02000903000000020004" pitchFamily="2" charset="-127"/>
+                      <a:cs typeface="Pretendard ExtraBold" panose="02000903000000020004" pitchFamily="2" charset="-127"/>
+                    </a:rPr>
+                    <a:t>01.</a:t>
+                  </a:r>
+                </a:p>
+              </p:txBody>
+            </p:sp>
+            <p:sp>
+              <p:nvSpPr>
+                <p:cNvPr id="9" name="TextBox 8">
+                  <a:extLst>
+                    <a:ext uri="{FF2B5EF4-FFF2-40B4-BE49-F238E27FC236}">
+                      <a16:creationId xmlns:a16="http://schemas.microsoft.com/office/drawing/2014/main" id="{BA8B7CC1-15B7-7693-7D1A-D5299452CEAF}"/>
+                    </a:ext>
+                  </a:extLst>
+                </p:cNvPr>
+                <p:cNvSpPr txBox="1"/>
+                <p:nvPr/>
+              </p:nvSpPr>
+              <p:spPr>
+                <a:xfrm>
+                  <a:off x="821222" y="83174"/>
+                  <a:ext cx="470248" cy="276999"/>
+                </a:xfrm>
+                <a:prstGeom prst="rect">
+                  <a:avLst/>
+                </a:prstGeom>
+                <a:noFill/>
+              </p:spPr>
+              <p:txBody>
+                <a:bodyPr wrap="none" lIns="72000" tIns="0" rIns="0" bIns="0" rtlCol="0">
+                  <a:spAutoFit/>
+                </a:bodyPr>
+                <a:lstStyle>
+                  <a:defPPr>
+                    <a:defRPr lang="ko-KR"/>
+                  </a:defPPr>
+                  <a:lvl1pPr>
+                    <a:defRPr sz="1400">
+                      <a:latin typeface="Pretendard SemiBold" panose="02000703000000020004" pitchFamily="2" charset="-127"/>
+                      <a:ea typeface="Pretendard SemiBold" panose="02000703000000020004" pitchFamily="2" charset="-127"/>
+                      <a:cs typeface="Pretendard SemiBold" panose="02000703000000020004" pitchFamily="2" charset="-127"/>
+                    </a:defRPr>
+                  </a:lvl1pPr>
+                </a:lstStyle>
+                <a:p>
+                  <a:r>
+                    <a:rPr lang="ko-KR" altLang="en-US" sz="1800" dirty="0">
+                      <a:solidFill>
+                        <a:schemeClr val="bg1"/>
+                      </a:solidFill>
+                    </a:rPr>
+                    <a:t>개요</a:t>
+                  </a:r>
+                  <a:endParaRPr lang="en-US" altLang="ko-KR" sz="1800" dirty="0">
+                    <a:solidFill>
+                      <a:schemeClr val="bg1"/>
+                    </a:solidFill>
+                  </a:endParaRPr>
+                </a:p>
+              </p:txBody>
+            </p:sp>
+          </p:grpSp>
+        </p:grpSp>
+      </p:grpSp>
+      <p:sp>
+        <p:nvSpPr>
+          <p:cNvPr id="33" name="TextBox 32">
+            <a:extLst>
+              <a:ext uri="{FF2B5EF4-FFF2-40B4-BE49-F238E27FC236}">
+                <a16:creationId xmlns:a16="http://schemas.microsoft.com/office/drawing/2014/main" id="{B50BC7BB-C9C9-C967-5942-F51B3B9BFD49}"/>
+              </a:ext>
+            </a:extLst>
+          </p:cNvPr>
+          <p:cNvSpPr txBox="1"/>
+          <p:nvPr/>
+        </p:nvSpPr>
+        <p:spPr>
+          <a:xfrm>
+            <a:off x="5005162" y="894618"/>
+            <a:ext cx="2181687" cy="253916"/>
+          </a:xfrm>
+          <a:prstGeom prst="rect">
+            <a:avLst/>
+          </a:prstGeom>
+          <a:noFill/>
+        </p:spPr>
+        <p:txBody>
+          <a:bodyPr wrap="none" lIns="0" rIns="0" rtlCol="0">
+            <a:spAutoFit/>
+          </a:bodyPr>
+          <a:lstStyle/>
+          <a:p>
+            <a:pPr algn="ctr"/>
+            <a:r>
+              <a:rPr lang="ko-KR" altLang="en-US" sz="1050" dirty="0">
+                <a:latin typeface="Pretendard SemiBold" panose="02000703000000020004" pitchFamily="2" charset="-127"/>
+                <a:ea typeface="Pretendard SemiBold" panose="02000703000000020004" pitchFamily="2" charset="-127"/>
+                <a:cs typeface="Pretendard SemiBold" panose="02000703000000020004" pitchFamily="2" charset="-127"/>
+              </a:rPr>
+              <a:t>숙련도 상승에 따른 성장 체감이 큰 클래스</a:t>
+            </a:r>
+            <a:endParaRPr lang="en-US" altLang="ko-KR" sz="1050" dirty="0">
+              <a:latin typeface="Pretendard SemiBold" panose="02000703000000020004" pitchFamily="2" charset="-127"/>
+              <a:ea typeface="Pretendard SemiBold" panose="02000703000000020004" pitchFamily="2" charset="-127"/>
+              <a:cs typeface="Pretendard SemiBold" panose="02000703000000020004" pitchFamily="2" charset="-127"/>
+            </a:endParaRPr>
+          </a:p>
+        </p:txBody>
+      </p:sp>
+      <p:sp>
+        <p:nvSpPr>
+          <p:cNvPr id="29" name="직사각형 28">
+            <a:extLst>
+              <a:ext uri="{FF2B5EF4-FFF2-40B4-BE49-F238E27FC236}">
+                <a16:creationId xmlns:a16="http://schemas.microsoft.com/office/drawing/2014/main" id="{287508D6-C4F0-8302-0648-63CDE572B5CB}"/>
+              </a:ext>
+            </a:extLst>
+          </p:cNvPr>
+          <p:cNvSpPr/>
+          <p:nvPr/>
+        </p:nvSpPr>
+        <p:spPr>
+          <a:xfrm>
+            <a:off x="8344883" y="1293613"/>
+            <a:ext cx="3404204" cy="4996256"/>
+          </a:xfrm>
+          <a:prstGeom prst="rect">
+            <a:avLst/>
+          </a:prstGeom>
+          <a:solidFill>
+            <a:schemeClr val="bg1">
+              <a:lumMod val="95000"/>
+            </a:schemeClr>
+          </a:solidFill>
+          <a:ln w="6350">
+            <a:solidFill>
+              <a:schemeClr val="bg1">
+                <a:lumMod val="75000"/>
+              </a:schemeClr>
+            </a:solidFill>
+            <a:prstDash val="solid"/>
+          </a:ln>
+          <a:effectLst>
+            <a:outerShdw blurRad="50800" dist="38100" dir="2700000" algn="tl" rotWithShape="0">
+              <a:prstClr val="black">
+                <a:alpha val="40000"/>
+              </a:prstClr>
+            </a:outerShdw>
+          </a:effectLst>
+        </p:spPr>
+        <p:style>
+          <a:lnRef idx="2">
+            <a:schemeClr val="accent1">
+              <a:shade val="15000"/>
+            </a:schemeClr>
+          </a:lnRef>
+          <a:fillRef idx="1">
+            <a:schemeClr val="accent1"/>
+          </a:fillRef>
+          <a:effectRef idx="0">
+            <a:schemeClr val="accent1"/>
+          </a:effectRef>
+          <a:fontRef idx="minor">
+            <a:schemeClr val="lt1"/>
+          </a:fontRef>
+        </p:style>
+        <p:txBody>
+          <a:bodyPr rtlCol="0" anchor="ctr"/>
+          <a:lstStyle/>
+          <a:p>
+            <a:pPr algn="ctr"/>
+            <a:endParaRPr lang="ko-KR" altLang="en-US"/>
+          </a:p>
+        </p:txBody>
+      </p:sp>
+      <p:sp>
+        <p:nvSpPr>
+          <p:cNvPr id="32" name="TextBox 31">
+            <a:extLst>
+              <a:ext uri="{FF2B5EF4-FFF2-40B4-BE49-F238E27FC236}">
+                <a16:creationId xmlns:a16="http://schemas.microsoft.com/office/drawing/2014/main" id="{73749113-F548-B746-893E-CAFED3D4BEFC}"/>
+              </a:ext>
+            </a:extLst>
+          </p:cNvPr>
+          <p:cNvSpPr txBox="1"/>
+          <p:nvPr/>
+        </p:nvSpPr>
+        <p:spPr>
+          <a:xfrm>
+            <a:off x="9429835" y="894618"/>
+            <a:ext cx="1234312" cy="253916"/>
+          </a:xfrm>
+          <a:prstGeom prst="rect">
+            <a:avLst/>
+          </a:prstGeom>
+          <a:noFill/>
+        </p:spPr>
+        <p:txBody>
+          <a:bodyPr wrap="none" lIns="0" rIns="0" rtlCol="0">
+            <a:spAutoFit/>
+          </a:bodyPr>
+          <a:lstStyle/>
+          <a:p>
+            <a:pPr algn="ctr"/>
+            <a:r>
+              <a:rPr lang="ko-KR" altLang="en-US" sz="1050" dirty="0">
+                <a:latin typeface="Pretendard SemiBold" panose="02000703000000020004" pitchFamily="2" charset="-127"/>
+                <a:ea typeface="Pretendard SemiBold" panose="02000703000000020004" pitchFamily="2" charset="-127"/>
+                <a:cs typeface="Pretendard SemiBold" panose="02000703000000020004" pitchFamily="2" charset="-127"/>
+              </a:rPr>
+              <a:t>마법을 사용하는 클래스</a:t>
+            </a:r>
+            <a:endParaRPr lang="en-US" altLang="ko-KR" sz="1050" dirty="0">
+              <a:latin typeface="Pretendard SemiBold" panose="02000703000000020004" pitchFamily="2" charset="-127"/>
+              <a:ea typeface="Pretendard SemiBold" panose="02000703000000020004" pitchFamily="2" charset="-127"/>
+              <a:cs typeface="Pretendard SemiBold" panose="02000703000000020004" pitchFamily="2" charset="-127"/>
+            </a:endParaRPr>
+          </a:p>
+        </p:txBody>
+      </p:sp>
+      <p:sp>
+        <p:nvSpPr>
+          <p:cNvPr id="36" name="TextBox 35">
+            <a:extLst>
+              <a:ext uri="{FF2B5EF4-FFF2-40B4-BE49-F238E27FC236}">
+                <a16:creationId xmlns:a16="http://schemas.microsoft.com/office/drawing/2014/main" id="{A879A847-EC67-D362-27CC-81F15EFB3A20}"/>
+              </a:ext>
+            </a:extLst>
+          </p:cNvPr>
+          <p:cNvSpPr txBox="1"/>
+          <p:nvPr/>
+        </p:nvSpPr>
+        <p:spPr>
+          <a:xfrm>
+            <a:off x="8784460" y="2267296"/>
+            <a:ext cx="389530" cy="246221"/>
+          </a:xfrm>
+          <a:prstGeom prst="rect">
+            <a:avLst/>
+          </a:prstGeom>
+          <a:noFill/>
+        </p:spPr>
+        <p:txBody>
+          <a:bodyPr wrap="none" lIns="0" rIns="0" rtlCol="0">
+            <a:spAutoFit/>
+          </a:bodyPr>
+          <a:lstStyle/>
+          <a:p>
+            <a:r>
+              <a:rPr lang="ko-KR" altLang="en-US" sz="1000" dirty="0">
+                <a:latin typeface="Pretendard" panose="02000503000000020004" pitchFamily="2" charset="-127"/>
+                <a:ea typeface="Pretendard" panose="02000503000000020004" pitchFamily="2" charset="-127"/>
+                <a:cs typeface="Pretendard" panose="02000503000000020004" pitchFamily="2" charset="-127"/>
+              </a:rPr>
+              <a:t>힘</a:t>
+            </a:r>
+            <a:r>
+              <a:rPr lang="en-US" altLang="ko-KR" sz="1000" dirty="0">
+                <a:latin typeface="Pretendard" panose="02000503000000020004" pitchFamily="2" charset="-127"/>
+                <a:ea typeface="Pretendard" panose="02000503000000020004" pitchFamily="2" charset="-127"/>
+                <a:cs typeface="Pretendard" panose="02000503000000020004" pitchFamily="2" charset="-127"/>
+              </a:rPr>
+              <a:t>/STR</a:t>
+            </a:r>
+          </a:p>
+        </p:txBody>
+      </p:sp>
+      <p:sp>
+        <p:nvSpPr>
+          <p:cNvPr id="37" name="TextBox 36">
+            <a:extLst>
+              <a:ext uri="{FF2B5EF4-FFF2-40B4-BE49-F238E27FC236}">
+                <a16:creationId xmlns:a16="http://schemas.microsoft.com/office/drawing/2014/main" id="{25C74773-730F-5E5D-1623-D5999C5F6100}"/>
+              </a:ext>
+            </a:extLst>
+          </p:cNvPr>
+          <p:cNvSpPr txBox="1"/>
+          <p:nvPr/>
+        </p:nvSpPr>
+        <p:spPr>
+          <a:xfrm>
+            <a:off x="9720771" y="2267296"/>
+            <a:ext cx="503343" cy="246221"/>
+          </a:xfrm>
+          <a:prstGeom prst="rect">
+            <a:avLst/>
+          </a:prstGeom>
+          <a:noFill/>
+        </p:spPr>
+        <p:txBody>
+          <a:bodyPr wrap="none" lIns="0" rIns="0" rtlCol="0">
+            <a:spAutoFit/>
+          </a:bodyPr>
+          <a:lstStyle/>
+          <a:p>
+            <a:r>
+              <a:rPr lang="ko-KR" altLang="en-US" sz="1000" dirty="0">
+                <a:latin typeface="Pretendard" panose="02000503000000020004" pitchFamily="2" charset="-127"/>
+                <a:ea typeface="Pretendard" panose="02000503000000020004" pitchFamily="2" charset="-127"/>
+                <a:cs typeface="Pretendard" panose="02000503000000020004" pitchFamily="2" charset="-127"/>
+              </a:rPr>
+              <a:t>민첩</a:t>
+            </a:r>
+            <a:r>
+              <a:rPr lang="en-US" altLang="ko-KR" sz="1000" dirty="0">
+                <a:latin typeface="Pretendard" panose="02000503000000020004" pitchFamily="2" charset="-127"/>
+                <a:ea typeface="Pretendard" panose="02000503000000020004" pitchFamily="2" charset="-127"/>
+                <a:cs typeface="Pretendard" panose="02000503000000020004" pitchFamily="2" charset="-127"/>
+              </a:rPr>
+              <a:t>/DEX</a:t>
+            </a:r>
+          </a:p>
+        </p:txBody>
+      </p:sp>
+      <p:sp>
+        <p:nvSpPr>
+          <p:cNvPr id="39" name="TextBox 38">
+            <a:extLst>
+              <a:ext uri="{FF2B5EF4-FFF2-40B4-BE49-F238E27FC236}">
+                <a16:creationId xmlns:a16="http://schemas.microsoft.com/office/drawing/2014/main" id="{49843D94-1E1D-88F9-8B94-2FBF987A799D}"/>
+              </a:ext>
+            </a:extLst>
+          </p:cNvPr>
+          <p:cNvSpPr txBox="1"/>
+          <p:nvPr/>
+        </p:nvSpPr>
+        <p:spPr>
+          <a:xfrm>
+            <a:off x="10787647" y="2267296"/>
+            <a:ext cx="466474" cy="246221"/>
+          </a:xfrm>
+          <a:prstGeom prst="rect">
+            <a:avLst/>
+          </a:prstGeom>
+          <a:noFill/>
+        </p:spPr>
+        <p:txBody>
+          <a:bodyPr wrap="none" lIns="0" rIns="0" rtlCol="0">
+            <a:spAutoFit/>
+          </a:bodyPr>
+          <a:lstStyle/>
+          <a:p>
+            <a:r>
+              <a:rPr lang="ko-KR" altLang="en-US" sz="1000" dirty="0">
+                <a:latin typeface="Pretendard" panose="02000503000000020004" pitchFamily="2" charset="-127"/>
+                <a:ea typeface="Pretendard" panose="02000503000000020004" pitchFamily="2" charset="-127"/>
+                <a:cs typeface="Pretendard" panose="02000503000000020004" pitchFamily="2" charset="-127"/>
+              </a:rPr>
+              <a:t>지능</a:t>
+            </a:r>
+            <a:r>
+              <a:rPr lang="en-US" altLang="ko-KR" sz="1000" dirty="0">
+                <a:latin typeface="Pretendard" panose="02000503000000020004" pitchFamily="2" charset="-127"/>
+                <a:ea typeface="Pretendard" panose="02000503000000020004" pitchFamily="2" charset="-127"/>
+                <a:cs typeface="Pretendard" panose="02000503000000020004" pitchFamily="2" charset="-127"/>
+              </a:rPr>
+              <a:t>/INT</a:t>
+            </a:r>
+          </a:p>
+        </p:txBody>
+      </p:sp>
+      <p:sp>
+        <p:nvSpPr>
+          <p:cNvPr id="43" name="TextBox 42">
+            <a:extLst>
+              <a:ext uri="{FF2B5EF4-FFF2-40B4-BE49-F238E27FC236}">
+                <a16:creationId xmlns:a16="http://schemas.microsoft.com/office/drawing/2014/main" id="{7D284213-5A16-9BAA-0144-87826547B68E}"/>
+              </a:ext>
+            </a:extLst>
+          </p:cNvPr>
+          <p:cNvSpPr txBox="1"/>
+          <p:nvPr/>
+        </p:nvSpPr>
+        <p:spPr>
+          <a:xfrm>
+            <a:off x="9059122" y="5374867"/>
+            <a:ext cx="2008563" cy="873637"/>
+          </a:xfrm>
+          <a:prstGeom prst="rect">
+            <a:avLst/>
+          </a:prstGeom>
+          <a:noFill/>
+        </p:spPr>
+        <p:txBody>
+          <a:bodyPr wrap="none" lIns="0" rIns="0" rtlCol="0">
+            <a:spAutoFit/>
+          </a:bodyPr>
+          <a:lstStyle/>
+          <a:p>
+            <a:pPr>
+              <a:lnSpc>
+                <a:spcPct val="130000"/>
+              </a:lnSpc>
+            </a:pPr>
+            <a:r>
+              <a:rPr lang="ko-KR" altLang="en-US" sz="1000" dirty="0">
+                <a:latin typeface="Pretendard" panose="02000503000000020004" pitchFamily="2" charset="-127"/>
+                <a:ea typeface="Pretendard" panose="02000503000000020004" pitchFamily="2" charset="-127"/>
+                <a:cs typeface="Pretendard" panose="02000503000000020004" pitchFamily="2" charset="-127"/>
+              </a:rPr>
+              <a:t>각각의 </a:t>
+            </a:r>
+            <a:r>
+              <a:rPr lang="ko-KR" altLang="en-US" sz="1000" dirty="0" err="1">
+                <a:latin typeface="Pretendard" panose="02000503000000020004" pitchFamily="2" charset="-127"/>
+                <a:ea typeface="Pretendard" panose="02000503000000020004" pitchFamily="2" charset="-127"/>
+                <a:cs typeface="Pretendard" panose="02000503000000020004" pitchFamily="2" charset="-127"/>
+              </a:rPr>
+              <a:t>스탯으로</a:t>
+            </a:r>
+            <a:r>
+              <a:rPr lang="ko-KR" altLang="en-US" sz="1000" dirty="0">
+                <a:latin typeface="Pretendard" panose="02000503000000020004" pitchFamily="2" charset="-127"/>
+                <a:ea typeface="Pretendard" panose="02000503000000020004" pitchFamily="2" charset="-127"/>
+                <a:cs typeface="Pretendard" panose="02000503000000020004" pitchFamily="2" charset="-127"/>
+              </a:rPr>
+              <a:t> 대표되는 형태의 클래스</a:t>
+            </a:r>
+            <a:endParaRPr lang="en-US" altLang="ko-KR" sz="1000" dirty="0">
+              <a:latin typeface="Pretendard" panose="02000503000000020004" pitchFamily="2" charset="-127"/>
+              <a:ea typeface="Pretendard" panose="02000503000000020004" pitchFamily="2" charset="-127"/>
+              <a:cs typeface="Pretendard" panose="02000503000000020004" pitchFamily="2" charset="-127"/>
+            </a:endParaRPr>
+          </a:p>
+          <a:p>
+            <a:pPr marL="171450" indent="-171450">
+              <a:lnSpc>
+                <a:spcPct val="130000"/>
+              </a:lnSpc>
+              <a:buFont typeface="Wingdings" panose="05000000000000000000" pitchFamily="2" charset="2"/>
+              <a:buChar char="Ø"/>
+            </a:pPr>
+            <a:r>
+              <a:rPr lang="ko-KR" altLang="en-US" sz="1000" dirty="0">
+                <a:latin typeface="Pretendard" panose="02000503000000020004" pitchFamily="2" charset="-127"/>
+                <a:ea typeface="Pretendard" panose="02000503000000020004" pitchFamily="2" charset="-127"/>
+                <a:cs typeface="Pretendard" panose="02000503000000020004" pitchFamily="2" charset="-127"/>
+              </a:rPr>
+              <a:t>전사 </a:t>
+            </a:r>
+            <a:r>
+              <a:rPr lang="en-US" altLang="ko-KR" sz="1000" dirty="0">
+                <a:latin typeface="Pretendard" panose="02000503000000020004" pitchFamily="2" charset="-127"/>
+                <a:ea typeface="Pretendard" panose="02000503000000020004" pitchFamily="2" charset="-127"/>
+                <a:cs typeface="Pretendard" panose="02000503000000020004" pitchFamily="2" charset="-127"/>
+              </a:rPr>
+              <a:t>: </a:t>
+            </a:r>
+            <a:r>
+              <a:rPr lang="ko-KR" altLang="en-US" sz="1000" dirty="0" err="1">
+                <a:latin typeface="Pretendard" panose="02000503000000020004" pitchFamily="2" charset="-127"/>
+                <a:ea typeface="Pretendard" panose="02000503000000020004" pitchFamily="2" charset="-127"/>
+                <a:cs typeface="Pretendard" panose="02000503000000020004" pitchFamily="2" charset="-127"/>
+              </a:rPr>
+              <a:t>버서커</a:t>
+            </a:r>
+            <a:r>
+              <a:rPr lang="ko-KR" altLang="en-US" sz="1000" dirty="0">
+                <a:latin typeface="Pretendard" panose="02000503000000020004" pitchFamily="2" charset="-127"/>
+                <a:ea typeface="Pretendard" panose="02000503000000020004" pitchFamily="2" charset="-127"/>
+                <a:cs typeface="Pretendard" panose="02000503000000020004" pitchFamily="2" charset="-127"/>
+              </a:rPr>
+              <a:t> </a:t>
+            </a:r>
+            <a:r>
+              <a:rPr lang="en-US" altLang="ko-KR" sz="1000" dirty="0">
+                <a:latin typeface="Pretendard" panose="02000503000000020004" pitchFamily="2" charset="-127"/>
+                <a:ea typeface="Pretendard" panose="02000503000000020004" pitchFamily="2" charset="-127"/>
+                <a:cs typeface="Pretendard" panose="02000503000000020004" pitchFamily="2" charset="-127"/>
+              </a:rPr>
+              <a:t>/ </a:t>
+            </a:r>
+            <a:r>
+              <a:rPr lang="ko-KR" altLang="en-US" sz="1000" dirty="0" err="1">
+                <a:latin typeface="Pretendard" panose="02000503000000020004" pitchFamily="2" charset="-127"/>
+                <a:ea typeface="Pretendard" panose="02000503000000020004" pitchFamily="2" charset="-127"/>
+                <a:cs typeface="Pretendard" panose="02000503000000020004" pitchFamily="2" charset="-127"/>
+              </a:rPr>
+              <a:t>팔라딘</a:t>
+            </a:r>
+            <a:r>
+              <a:rPr lang="en-US" altLang="ko-KR" sz="1000" dirty="0">
+                <a:latin typeface="Pretendard" panose="02000503000000020004" pitchFamily="2" charset="-127"/>
+                <a:ea typeface="Pretendard" panose="02000503000000020004" pitchFamily="2" charset="-127"/>
+                <a:cs typeface="Pretendard" panose="02000503000000020004" pitchFamily="2" charset="-127"/>
+              </a:rPr>
+              <a:t>/ </a:t>
+            </a:r>
+            <a:r>
+              <a:rPr lang="ko-KR" altLang="en-US" sz="1000" dirty="0" err="1">
+                <a:latin typeface="Pretendard" panose="02000503000000020004" pitchFamily="2" charset="-127"/>
+                <a:ea typeface="Pretendard" panose="02000503000000020004" pitchFamily="2" charset="-127"/>
+                <a:cs typeface="Pretendard" panose="02000503000000020004" pitchFamily="2" charset="-127"/>
+              </a:rPr>
+              <a:t>소드맨</a:t>
+            </a:r>
+            <a:endParaRPr lang="en-US" altLang="ko-KR" sz="1000" dirty="0">
+              <a:latin typeface="Pretendard" panose="02000503000000020004" pitchFamily="2" charset="-127"/>
+              <a:ea typeface="Pretendard" panose="02000503000000020004" pitchFamily="2" charset="-127"/>
+              <a:cs typeface="Pretendard" panose="02000503000000020004" pitchFamily="2" charset="-127"/>
+            </a:endParaRPr>
+          </a:p>
+          <a:p>
+            <a:pPr marL="171450" indent="-171450">
+              <a:lnSpc>
+                <a:spcPct val="130000"/>
+              </a:lnSpc>
+              <a:buFont typeface="Wingdings" panose="05000000000000000000" pitchFamily="2" charset="2"/>
+              <a:buChar char="Ø"/>
+            </a:pPr>
+            <a:r>
+              <a:rPr lang="ko-KR" altLang="en-US" sz="1000" dirty="0">
+                <a:latin typeface="Pretendard" panose="02000503000000020004" pitchFamily="2" charset="-127"/>
+                <a:ea typeface="Pretendard" panose="02000503000000020004" pitchFamily="2" charset="-127"/>
+                <a:cs typeface="Pretendard" panose="02000503000000020004" pitchFamily="2" charset="-127"/>
+              </a:rPr>
+              <a:t>암살자  </a:t>
+            </a:r>
+            <a:r>
+              <a:rPr lang="en-US" altLang="ko-KR" sz="1000" dirty="0">
+                <a:latin typeface="Pretendard" panose="02000503000000020004" pitchFamily="2" charset="-127"/>
+                <a:ea typeface="Pretendard" panose="02000503000000020004" pitchFamily="2" charset="-127"/>
+                <a:cs typeface="Pretendard" panose="02000503000000020004" pitchFamily="2" charset="-127"/>
+              </a:rPr>
+              <a:t>: </a:t>
+            </a:r>
+            <a:r>
+              <a:rPr lang="ko-KR" altLang="en-US" sz="1000" dirty="0" err="1">
+                <a:latin typeface="Pretendard" panose="02000503000000020004" pitchFamily="2" charset="-127"/>
+                <a:ea typeface="Pretendard" panose="02000503000000020004" pitchFamily="2" charset="-127"/>
+                <a:cs typeface="Pretendard" panose="02000503000000020004" pitchFamily="2" charset="-127"/>
+              </a:rPr>
+              <a:t>어쌔신</a:t>
+            </a:r>
+            <a:r>
+              <a:rPr lang="ko-KR" altLang="en-US" sz="1000" dirty="0">
+                <a:latin typeface="Pretendard" panose="02000503000000020004" pitchFamily="2" charset="-127"/>
+                <a:ea typeface="Pretendard" panose="02000503000000020004" pitchFamily="2" charset="-127"/>
+                <a:cs typeface="Pretendard" panose="02000503000000020004" pitchFamily="2" charset="-127"/>
+              </a:rPr>
+              <a:t> </a:t>
+            </a:r>
+            <a:r>
+              <a:rPr lang="en-US" altLang="ko-KR" sz="1000" dirty="0">
+                <a:latin typeface="Pretendard" panose="02000503000000020004" pitchFamily="2" charset="-127"/>
+                <a:ea typeface="Pretendard" panose="02000503000000020004" pitchFamily="2" charset="-127"/>
+                <a:cs typeface="Pretendard" panose="02000503000000020004" pitchFamily="2" charset="-127"/>
+              </a:rPr>
+              <a:t>/ </a:t>
+            </a:r>
+            <a:r>
+              <a:rPr lang="ko-KR" altLang="en-US" sz="1000" dirty="0" err="1">
+                <a:latin typeface="Pretendard" panose="02000503000000020004" pitchFamily="2" charset="-127"/>
+                <a:ea typeface="Pretendard" panose="02000503000000020004" pitchFamily="2" charset="-127"/>
+                <a:cs typeface="Pretendard" panose="02000503000000020004" pitchFamily="2" charset="-127"/>
+              </a:rPr>
+              <a:t>레인저</a:t>
+            </a:r>
+            <a:endParaRPr lang="en-US" altLang="ko-KR" sz="1000" dirty="0">
+              <a:latin typeface="Pretendard" panose="02000503000000020004" pitchFamily="2" charset="-127"/>
+              <a:ea typeface="Pretendard" panose="02000503000000020004" pitchFamily="2" charset="-127"/>
+              <a:cs typeface="Pretendard" panose="02000503000000020004" pitchFamily="2" charset="-127"/>
+            </a:endParaRPr>
+          </a:p>
+          <a:p>
+            <a:pPr marL="171450" indent="-171450">
+              <a:lnSpc>
+                <a:spcPct val="130000"/>
+              </a:lnSpc>
+              <a:buFont typeface="Wingdings" panose="05000000000000000000" pitchFamily="2" charset="2"/>
+              <a:buChar char="Ø"/>
+            </a:pPr>
+            <a:r>
+              <a:rPr lang="ko-KR" altLang="en-US" sz="1000" dirty="0">
+                <a:latin typeface="Pretendard" panose="02000503000000020004" pitchFamily="2" charset="-127"/>
+                <a:ea typeface="Pretendard" panose="02000503000000020004" pitchFamily="2" charset="-127"/>
+                <a:cs typeface="Pretendard" panose="02000503000000020004" pitchFamily="2" charset="-127"/>
+              </a:rPr>
+              <a:t>마법사 </a:t>
+            </a:r>
+            <a:r>
+              <a:rPr lang="en-US" altLang="ko-KR" sz="1000" dirty="0">
+                <a:latin typeface="Pretendard" panose="02000503000000020004" pitchFamily="2" charset="-127"/>
+                <a:ea typeface="Pretendard" panose="02000503000000020004" pitchFamily="2" charset="-127"/>
+                <a:cs typeface="Pretendard" panose="02000503000000020004" pitchFamily="2" charset="-127"/>
+              </a:rPr>
+              <a:t>: </a:t>
+            </a:r>
+            <a:r>
+              <a:rPr lang="ko-KR" altLang="en-US" sz="1000" dirty="0" err="1">
+                <a:latin typeface="Pretendard" panose="02000503000000020004" pitchFamily="2" charset="-127"/>
+                <a:ea typeface="Pretendard" panose="02000503000000020004" pitchFamily="2" charset="-127"/>
+                <a:cs typeface="Pretendard" panose="02000503000000020004" pitchFamily="2" charset="-127"/>
+              </a:rPr>
+              <a:t>소서러</a:t>
+            </a:r>
+            <a:r>
+              <a:rPr lang="ko-KR" altLang="en-US" sz="1000" dirty="0">
+                <a:latin typeface="Pretendard" panose="02000503000000020004" pitchFamily="2" charset="-127"/>
+                <a:ea typeface="Pretendard" panose="02000503000000020004" pitchFamily="2" charset="-127"/>
+                <a:cs typeface="Pretendard" panose="02000503000000020004" pitchFamily="2" charset="-127"/>
+              </a:rPr>
+              <a:t> </a:t>
+            </a:r>
+            <a:r>
+              <a:rPr lang="en-US" altLang="ko-KR" sz="1000" dirty="0">
+                <a:latin typeface="Pretendard" panose="02000503000000020004" pitchFamily="2" charset="-127"/>
+                <a:ea typeface="Pretendard" panose="02000503000000020004" pitchFamily="2" charset="-127"/>
+                <a:cs typeface="Pretendard" panose="02000503000000020004" pitchFamily="2" charset="-127"/>
+              </a:rPr>
+              <a:t>/ </a:t>
+            </a:r>
+            <a:r>
+              <a:rPr lang="ko-KR" altLang="en-US" sz="1000" b="1" dirty="0">
+                <a:latin typeface="Pretendard" panose="02000503000000020004" pitchFamily="2" charset="-127"/>
+                <a:ea typeface="Pretendard" panose="02000503000000020004" pitchFamily="2" charset="-127"/>
+                <a:cs typeface="Pretendard" panose="02000503000000020004" pitchFamily="2" charset="-127"/>
+              </a:rPr>
+              <a:t>현자</a:t>
+            </a:r>
+            <a:endParaRPr lang="en-US" altLang="ko-KR" sz="1000" b="1" dirty="0">
+              <a:latin typeface="Pretendard" panose="02000503000000020004" pitchFamily="2" charset="-127"/>
+              <a:ea typeface="Pretendard" panose="02000503000000020004" pitchFamily="2" charset="-127"/>
+              <a:cs typeface="Pretendard" panose="02000503000000020004" pitchFamily="2" charset="-127"/>
+            </a:endParaRPr>
+          </a:p>
+        </p:txBody>
+      </p:sp>
+      <p:sp>
+        <p:nvSpPr>
+          <p:cNvPr id="49" name="직사각형 48">
+            <a:extLst>
+              <a:ext uri="{FF2B5EF4-FFF2-40B4-BE49-F238E27FC236}">
+                <a16:creationId xmlns:a16="http://schemas.microsoft.com/office/drawing/2014/main" id="{33DBEB6D-73AF-B843-DA0D-9E9066F573D0}"/>
+              </a:ext>
+            </a:extLst>
+          </p:cNvPr>
+          <p:cNvSpPr/>
+          <p:nvPr/>
+        </p:nvSpPr>
+        <p:spPr>
+          <a:xfrm>
+            <a:off x="442913" y="1293613"/>
+            <a:ext cx="3404204" cy="4996256"/>
+          </a:xfrm>
+          <a:prstGeom prst="rect">
+            <a:avLst/>
+          </a:prstGeom>
+          <a:solidFill>
+            <a:schemeClr val="bg1">
+              <a:lumMod val="95000"/>
+            </a:schemeClr>
+          </a:solidFill>
+          <a:ln w="6350">
+            <a:solidFill>
+              <a:schemeClr val="bg1">
+                <a:lumMod val="75000"/>
+              </a:schemeClr>
+            </a:solidFill>
+            <a:prstDash val="solid"/>
+          </a:ln>
+          <a:effectLst>
+            <a:outerShdw blurRad="50800" dist="38100" dir="2700000" algn="tl" rotWithShape="0">
+              <a:prstClr val="black">
+                <a:alpha val="40000"/>
+              </a:prstClr>
+            </a:outerShdw>
+          </a:effectLst>
+        </p:spPr>
+        <p:style>
+          <a:lnRef idx="2">
+            <a:schemeClr val="accent1">
+              <a:shade val="15000"/>
+            </a:schemeClr>
+          </a:lnRef>
+          <a:fillRef idx="1">
+            <a:schemeClr val="accent1"/>
+          </a:fillRef>
+          <a:effectRef idx="0">
+            <a:schemeClr val="accent1"/>
+          </a:effectRef>
+          <a:fontRef idx="minor">
+            <a:schemeClr val="lt1"/>
+          </a:fontRef>
+        </p:style>
+        <p:txBody>
+          <a:bodyPr rtlCol="0" anchor="ctr"/>
+          <a:lstStyle/>
+          <a:p>
+            <a:pPr algn="ctr"/>
+            <a:endParaRPr lang="ko-KR" altLang="en-US"/>
+          </a:p>
+        </p:txBody>
+      </p:sp>
+      <p:sp>
+        <p:nvSpPr>
+          <p:cNvPr id="50" name="TextBox 49">
+            <a:extLst>
+              <a:ext uri="{FF2B5EF4-FFF2-40B4-BE49-F238E27FC236}">
+                <a16:creationId xmlns:a16="http://schemas.microsoft.com/office/drawing/2014/main" id="{B72C240C-16A6-3033-00F6-E5DF9B421923}"/>
+              </a:ext>
+            </a:extLst>
+          </p:cNvPr>
+          <p:cNvSpPr txBox="1"/>
+          <p:nvPr/>
+        </p:nvSpPr>
+        <p:spPr>
+          <a:xfrm>
+            <a:off x="442913" y="5009333"/>
+            <a:ext cx="3405600" cy="1073692"/>
+          </a:xfrm>
+          <a:prstGeom prst="rect">
+            <a:avLst/>
+          </a:prstGeom>
+          <a:noFill/>
+        </p:spPr>
+        <p:txBody>
+          <a:bodyPr wrap="square" lIns="144000" rIns="144000" rtlCol="0">
+            <a:spAutoFit/>
+          </a:bodyPr>
+          <a:lstStyle>
+            <a:defPPr>
+              <a:defRPr lang="ko-KR"/>
+            </a:defPPr>
+            <a:lvl1pPr>
+              <a:defRPr sz="1000">
+                <a:latin typeface="Pretendard" panose="02000503000000020004" pitchFamily="2" charset="-127"/>
+                <a:ea typeface="Pretendard" panose="02000503000000020004" pitchFamily="2" charset="-127"/>
+                <a:cs typeface="Pretendard" panose="02000503000000020004" pitchFamily="2" charset="-127"/>
+              </a:defRPr>
+            </a:lvl1pPr>
+          </a:lstStyle>
+          <a:p>
+            <a:pPr>
+              <a:lnSpc>
+                <a:spcPct val="130000"/>
+              </a:lnSpc>
+            </a:pPr>
+            <a:r>
+              <a:rPr lang="ko-KR" altLang="en-US" dirty="0"/>
+              <a:t>게임의 세계관에 어울리는 컨셉을 찾다가</a:t>
+            </a:r>
+            <a:r>
+              <a:rPr lang="en-US" altLang="ko-KR" dirty="0"/>
+              <a:t>, </a:t>
+            </a:r>
+            <a:r>
+              <a:rPr lang="ko-KR" altLang="en-US" dirty="0" err="1"/>
+              <a:t>크로노오디세이의</a:t>
+            </a:r>
+            <a:r>
+              <a:rPr lang="ko-KR" altLang="en-US" dirty="0"/>
+              <a:t> 중요한 요소인 </a:t>
+            </a:r>
+            <a:r>
+              <a:rPr lang="en-US" altLang="ko-KR" dirty="0"/>
+              <a:t>‘</a:t>
+            </a:r>
+            <a:r>
+              <a:rPr lang="ko-KR" altLang="en-US" dirty="0" err="1"/>
+              <a:t>크로노텍트</a:t>
+            </a:r>
+            <a:r>
+              <a:rPr lang="en-US" altLang="ko-KR" dirty="0"/>
+              <a:t>’</a:t>
+            </a:r>
+            <a:r>
+              <a:rPr lang="ko-KR" altLang="en-US" dirty="0"/>
+              <a:t>의 시계 모양에서</a:t>
+            </a:r>
+            <a:r>
+              <a:rPr lang="en-US" altLang="ko-KR" dirty="0"/>
+              <a:t> </a:t>
+            </a:r>
+            <a:r>
+              <a:rPr lang="ko-KR" altLang="en-US" dirty="0" err="1"/>
+              <a:t>성반</a:t>
+            </a:r>
+            <a:r>
+              <a:rPr lang="en-US" altLang="ko-KR" dirty="0"/>
+              <a:t>, </a:t>
+            </a:r>
+            <a:r>
+              <a:rPr lang="ko-KR" altLang="en-US" dirty="0"/>
+              <a:t>나침반의 형태가 떠올랐습니다</a:t>
+            </a:r>
+            <a:r>
+              <a:rPr lang="en-US" altLang="ko-KR" dirty="0"/>
+              <a:t>. </a:t>
+            </a:r>
+            <a:r>
+              <a:rPr lang="ko-KR" altLang="en-US" dirty="0"/>
+              <a:t>공개된 정보 안에서 클래스의 컨셉을 결정할 수 있는 중요한 요소 </a:t>
+            </a:r>
+            <a:endParaRPr lang="en-US" altLang="ko-KR" dirty="0"/>
+          </a:p>
+          <a:p>
+            <a:pPr>
+              <a:lnSpc>
+                <a:spcPct val="130000"/>
+              </a:lnSpc>
+            </a:pPr>
+            <a:endParaRPr lang="en-US" altLang="ko-KR" dirty="0"/>
+          </a:p>
+        </p:txBody>
+      </p:sp>
+      <p:sp>
+        <p:nvSpPr>
+          <p:cNvPr id="52" name="TextBox 51">
+            <a:extLst>
+              <a:ext uri="{FF2B5EF4-FFF2-40B4-BE49-F238E27FC236}">
+                <a16:creationId xmlns:a16="http://schemas.microsoft.com/office/drawing/2014/main" id="{3561BEBA-DF26-B1A4-446B-CC759A154606}"/>
+              </a:ext>
+            </a:extLst>
+          </p:cNvPr>
+          <p:cNvSpPr txBox="1"/>
+          <p:nvPr/>
+        </p:nvSpPr>
+        <p:spPr>
+          <a:xfrm>
+            <a:off x="985242" y="894618"/>
+            <a:ext cx="2319546" cy="253916"/>
+          </a:xfrm>
+          <a:prstGeom prst="rect">
+            <a:avLst/>
+          </a:prstGeom>
+          <a:noFill/>
+        </p:spPr>
+        <p:txBody>
+          <a:bodyPr wrap="none" lIns="0" rIns="0" rtlCol="0">
+            <a:spAutoFit/>
+          </a:bodyPr>
+          <a:lstStyle/>
+          <a:p>
+            <a:pPr algn="ctr"/>
+            <a:r>
+              <a:rPr lang="ko-KR" altLang="en-US" sz="1050" dirty="0" err="1">
+                <a:latin typeface="Pretendard SemiBold" panose="02000703000000020004" pitchFamily="2" charset="-127"/>
+                <a:ea typeface="Pretendard SemiBold" panose="02000703000000020004" pitchFamily="2" charset="-127"/>
+                <a:cs typeface="Pretendard SemiBold" panose="02000703000000020004" pitchFamily="2" charset="-127"/>
+              </a:rPr>
+              <a:t>크로노오디세이의</a:t>
+            </a:r>
+            <a:r>
+              <a:rPr lang="ko-KR" altLang="en-US" sz="1050" dirty="0">
+                <a:latin typeface="Pretendard SemiBold" panose="02000703000000020004" pitchFamily="2" charset="-127"/>
+                <a:ea typeface="Pretendard SemiBold" panose="02000703000000020004" pitchFamily="2" charset="-127"/>
+                <a:cs typeface="Pretendard SemiBold" panose="02000703000000020004" pitchFamily="2" charset="-127"/>
+              </a:rPr>
+              <a:t> 세계관에 어울리는 클래스</a:t>
+            </a:r>
+            <a:endParaRPr lang="en-US" altLang="ko-KR" sz="1050" dirty="0">
+              <a:latin typeface="Pretendard SemiBold" panose="02000703000000020004" pitchFamily="2" charset="-127"/>
+              <a:ea typeface="Pretendard SemiBold" panose="02000703000000020004" pitchFamily="2" charset="-127"/>
+              <a:cs typeface="Pretendard SemiBold" panose="02000703000000020004" pitchFamily="2" charset="-127"/>
+            </a:endParaRPr>
+          </a:p>
+        </p:txBody>
+      </p:sp>
+      <p:sp>
+        <p:nvSpPr>
+          <p:cNvPr id="10" name="TextBox 9">
+            <a:extLst>
+              <a:ext uri="{FF2B5EF4-FFF2-40B4-BE49-F238E27FC236}">
+                <a16:creationId xmlns:a16="http://schemas.microsoft.com/office/drawing/2014/main" id="{951BF6DA-D7D7-6EE4-5D9F-CA16B9CCAA6F}"/>
+              </a:ext>
+            </a:extLst>
+          </p:cNvPr>
+          <p:cNvSpPr txBox="1"/>
+          <p:nvPr/>
+        </p:nvSpPr>
+        <p:spPr>
+          <a:xfrm>
+            <a:off x="8344883" y="4524600"/>
+            <a:ext cx="3405600" cy="873637"/>
+          </a:xfrm>
+          <a:prstGeom prst="rect">
+            <a:avLst/>
+          </a:prstGeom>
+          <a:noFill/>
+        </p:spPr>
+        <p:txBody>
+          <a:bodyPr wrap="square" lIns="144000" rIns="144000" rtlCol="0">
+            <a:spAutoFit/>
+          </a:bodyPr>
+          <a:lstStyle>
+            <a:defPPr>
+              <a:defRPr lang="ko-KR"/>
+            </a:defPPr>
+            <a:lvl1pPr>
+              <a:defRPr sz="1000">
+                <a:latin typeface="Pretendard" panose="02000503000000020004" pitchFamily="2" charset="-127"/>
+                <a:ea typeface="Pretendard" panose="02000503000000020004" pitchFamily="2" charset="-127"/>
+                <a:cs typeface="Pretendard" panose="02000503000000020004" pitchFamily="2" charset="-127"/>
+              </a:defRPr>
+            </a:lvl1pPr>
+          </a:lstStyle>
+          <a:p>
+            <a:pPr>
+              <a:lnSpc>
+                <a:spcPct val="130000"/>
+              </a:lnSpc>
+            </a:pPr>
+            <a:r>
+              <a:rPr lang="en-US" altLang="ko-KR" dirty="0"/>
+              <a:t>CBT </a:t>
+            </a:r>
+            <a:r>
+              <a:rPr lang="ko-KR" altLang="en-US" dirty="0"/>
+              <a:t>에서 공개된 클래스는 총 </a:t>
+            </a:r>
+            <a:r>
+              <a:rPr lang="en-US" altLang="ko-KR" dirty="0"/>
+              <a:t>6</a:t>
+            </a:r>
+            <a:r>
+              <a:rPr lang="ko-KR" altLang="en-US" dirty="0"/>
+              <a:t>가지로 전사 컨셉</a:t>
+            </a:r>
+            <a:r>
+              <a:rPr lang="en-US" altLang="ko-KR" dirty="0"/>
+              <a:t>(</a:t>
+            </a:r>
+            <a:r>
+              <a:rPr lang="ko-KR" altLang="en-US" dirty="0" err="1"/>
+              <a:t>버서커</a:t>
+            </a:r>
+            <a:r>
+              <a:rPr lang="en-US" altLang="ko-KR" dirty="0"/>
+              <a:t>/</a:t>
+            </a:r>
+            <a:r>
+              <a:rPr lang="ko-KR" altLang="en-US" dirty="0" err="1"/>
+              <a:t>팔라딘</a:t>
+            </a:r>
+            <a:r>
+              <a:rPr lang="en-US" altLang="ko-KR" dirty="0"/>
+              <a:t>/</a:t>
+            </a:r>
+            <a:r>
+              <a:rPr lang="ko-KR" altLang="en-US" dirty="0" err="1"/>
+              <a:t>소드맨</a:t>
+            </a:r>
+            <a:r>
+              <a:rPr lang="en-US" altLang="ko-KR" dirty="0"/>
+              <a:t>), </a:t>
+            </a:r>
+            <a:r>
+              <a:rPr lang="ko-KR" altLang="en-US" dirty="0"/>
+              <a:t>암살자 컨셉</a:t>
+            </a:r>
+            <a:r>
+              <a:rPr lang="en-US" altLang="ko-KR" dirty="0"/>
+              <a:t>(</a:t>
+            </a:r>
+            <a:r>
+              <a:rPr lang="ko-KR" altLang="en-US" dirty="0" err="1"/>
+              <a:t>어쌔신</a:t>
+            </a:r>
+            <a:r>
+              <a:rPr lang="en-US" altLang="ko-KR" dirty="0"/>
+              <a:t>/</a:t>
+            </a:r>
+            <a:r>
+              <a:rPr lang="ko-KR" altLang="en-US" dirty="0" err="1"/>
+              <a:t>레인저</a:t>
+            </a:r>
+            <a:r>
+              <a:rPr lang="en-US" altLang="ko-KR" dirty="0"/>
+              <a:t>), </a:t>
+            </a:r>
+            <a:r>
+              <a:rPr lang="ko-KR" altLang="en-US" dirty="0"/>
+              <a:t>마법 컨셉</a:t>
+            </a:r>
+            <a:r>
+              <a:rPr lang="en-US" altLang="ko-KR" dirty="0"/>
+              <a:t>(</a:t>
+            </a:r>
+            <a:r>
+              <a:rPr lang="ko-KR" altLang="en-US" dirty="0" err="1"/>
+              <a:t>소서러</a:t>
+            </a:r>
+            <a:r>
+              <a:rPr lang="en-US" altLang="ko-KR" dirty="0"/>
+              <a:t>)</a:t>
+            </a:r>
+            <a:r>
+              <a:rPr lang="ko-KR" altLang="en-US" dirty="0"/>
+              <a:t>입니다</a:t>
+            </a:r>
+            <a:r>
+              <a:rPr lang="en-US" altLang="ko-KR" dirty="0"/>
+              <a:t>. </a:t>
+            </a:r>
+            <a:r>
+              <a:rPr lang="ko-KR" altLang="en-US" dirty="0"/>
+              <a:t>이 중 마법 컨셉의 캐릭터의 추가로 클래스간 균형을 맞출 수 있을 것 같아서</a:t>
+            </a:r>
+            <a:endParaRPr lang="en-US" altLang="ko-KR" dirty="0"/>
+          </a:p>
+        </p:txBody>
+      </p:sp>
+      <p:sp>
+        <p:nvSpPr>
+          <p:cNvPr id="57" name="TextBox 56">
+            <a:extLst>
+              <a:ext uri="{FF2B5EF4-FFF2-40B4-BE49-F238E27FC236}">
+                <a16:creationId xmlns:a16="http://schemas.microsoft.com/office/drawing/2014/main" id="{8DF1E9E2-4014-9F15-061A-89120FE521B0}"/>
+              </a:ext>
+            </a:extLst>
+          </p:cNvPr>
+          <p:cNvSpPr txBox="1"/>
+          <p:nvPr/>
+        </p:nvSpPr>
+        <p:spPr>
+          <a:xfrm>
+            <a:off x="4393897" y="4524600"/>
+            <a:ext cx="3404203" cy="873637"/>
+          </a:xfrm>
+          <a:prstGeom prst="rect">
+            <a:avLst/>
+          </a:prstGeom>
+          <a:noFill/>
+        </p:spPr>
+        <p:txBody>
+          <a:bodyPr wrap="square" lIns="144000" rIns="144000" rtlCol="0">
+            <a:spAutoFit/>
+          </a:bodyPr>
+          <a:lstStyle/>
+          <a:p>
+            <a:pPr>
+              <a:lnSpc>
+                <a:spcPct val="130000"/>
+              </a:lnSpc>
+            </a:pPr>
+            <a:r>
+              <a:rPr lang="en-US" altLang="ko-KR" sz="1000" dirty="0">
+                <a:latin typeface="Pretendard" panose="02000503000000020004" pitchFamily="2" charset="-127"/>
+                <a:ea typeface="Pretendard" panose="02000503000000020004" pitchFamily="2" charset="-127"/>
+                <a:cs typeface="Pretendard" panose="02000503000000020004" pitchFamily="2" charset="-127"/>
+              </a:rPr>
+              <a:t>CBT </a:t>
+            </a:r>
+            <a:r>
+              <a:rPr lang="ko-KR" altLang="en-US" sz="1000" dirty="0">
+                <a:latin typeface="Pretendard" panose="02000503000000020004" pitchFamily="2" charset="-127"/>
+                <a:ea typeface="Pretendard" panose="02000503000000020004" pitchFamily="2" charset="-127"/>
+                <a:cs typeface="Pretendard" panose="02000503000000020004" pitchFamily="2" charset="-127"/>
+              </a:rPr>
+              <a:t>에서 공개된 클래스는 총 </a:t>
+            </a:r>
+            <a:r>
+              <a:rPr lang="en-US" altLang="ko-KR" sz="1000" dirty="0">
+                <a:latin typeface="Pretendard" panose="02000503000000020004" pitchFamily="2" charset="-127"/>
+                <a:ea typeface="Pretendard" panose="02000503000000020004" pitchFamily="2" charset="-127"/>
+                <a:cs typeface="Pretendard" panose="02000503000000020004" pitchFamily="2" charset="-127"/>
+              </a:rPr>
+              <a:t>6</a:t>
+            </a:r>
+            <a:r>
+              <a:rPr lang="ko-KR" altLang="en-US" sz="1000" dirty="0">
+                <a:latin typeface="Pretendard" panose="02000503000000020004" pitchFamily="2" charset="-127"/>
+                <a:ea typeface="Pretendard" panose="02000503000000020004" pitchFamily="2" charset="-127"/>
+                <a:cs typeface="Pretendard" panose="02000503000000020004" pitchFamily="2" charset="-127"/>
+              </a:rPr>
+              <a:t>가지로 전사 컨셉</a:t>
+            </a:r>
+            <a:r>
+              <a:rPr lang="en-US" altLang="ko-KR" sz="1000" dirty="0">
+                <a:latin typeface="Pretendard" panose="02000503000000020004" pitchFamily="2" charset="-127"/>
+                <a:ea typeface="Pretendard" panose="02000503000000020004" pitchFamily="2" charset="-127"/>
+                <a:cs typeface="Pretendard" panose="02000503000000020004" pitchFamily="2" charset="-127"/>
+              </a:rPr>
+              <a:t>(</a:t>
+            </a:r>
+            <a:r>
+              <a:rPr lang="ko-KR" altLang="en-US" sz="1000" dirty="0" err="1">
+                <a:latin typeface="Pretendard" panose="02000503000000020004" pitchFamily="2" charset="-127"/>
+                <a:ea typeface="Pretendard" panose="02000503000000020004" pitchFamily="2" charset="-127"/>
+                <a:cs typeface="Pretendard" panose="02000503000000020004" pitchFamily="2" charset="-127"/>
+              </a:rPr>
+              <a:t>버서커</a:t>
+            </a:r>
+            <a:r>
+              <a:rPr lang="en-US" altLang="ko-KR" sz="1000" dirty="0">
+                <a:latin typeface="Pretendard" panose="02000503000000020004" pitchFamily="2" charset="-127"/>
+                <a:ea typeface="Pretendard" panose="02000503000000020004" pitchFamily="2" charset="-127"/>
+                <a:cs typeface="Pretendard" panose="02000503000000020004" pitchFamily="2" charset="-127"/>
+              </a:rPr>
+              <a:t>/</a:t>
+            </a:r>
+            <a:r>
+              <a:rPr lang="ko-KR" altLang="en-US" sz="1000" dirty="0" err="1">
+                <a:latin typeface="Pretendard" panose="02000503000000020004" pitchFamily="2" charset="-127"/>
+                <a:ea typeface="Pretendard" panose="02000503000000020004" pitchFamily="2" charset="-127"/>
+                <a:cs typeface="Pretendard" panose="02000503000000020004" pitchFamily="2" charset="-127"/>
+              </a:rPr>
+              <a:t>팔라딘</a:t>
+            </a:r>
+            <a:r>
+              <a:rPr lang="en-US" altLang="ko-KR" sz="1000" dirty="0">
+                <a:latin typeface="Pretendard" panose="02000503000000020004" pitchFamily="2" charset="-127"/>
+                <a:ea typeface="Pretendard" panose="02000503000000020004" pitchFamily="2" charset="-127"/>
+                <a:cs typeface="Pretendard" panose="02000503000000020004" pitchFamily="2" charset="-127"/>
+              </a:rPr>
+              <a:t>/</a:t>
+            </a:r>
+            <a:r>
+              <a:rPr lang="ko-KR" altLang="en-US" sz="1000" dirty="0" err="1">
+                <a:latin typeface="Pretendard" panose="02000503000000020004" pitchFamily="2" charset="-127"/>
+                <a:ea typeface="Pretendard" panose="02000503000000020004" pitchFamily="2" charset="-127"/>
+                <a:cs typeface="Pretendard" panose="02000503000000020004" pitchFamily="2" charset="-127"/>
+              </a:rPr>
+              <a:t>소드맨</a:t>
+            </a:r>
+            <a:r>
+              <a:rPr lang="en-US" altLang="ko-KR" sz="1000" dirty="0">
+                <a:latin typeface="Pretendard" panose="02000503000000020004" pitchFamily="2" charset="-127"/>
+                <a:ea typeface="Pretendard" panose="02000503000000020004" pitchFamily="2" charset="-127"/>
+                <a:cs typeface="Pretendard" panose="02000503000000020004" pitchFamily="2" charset="-127"/>
+              </a:rPr>
+              <a:t>), </a:t>
+            </a:r>
+            <a:r>
+              <a:rPr lang="ko-KR" altLang="en-US" sz="1000" dirty="0">
+                <a:latin typeface="Pretendard" panose="02000503000000020004" pitchFamily="2" charset="-127"/>
+                <a:ea typeface="Pretendard" panose="02000503000000020004" pitchFamily="2" charset="-127"/>
+                <a:cs typeface="Pretendard" panose="02000503000000020004" pitchFamily="2" charset="-127"/>
+              </a:rPr>
+              <a:t>암살자 컨셉</a:t>
+            </a:r>
+            <a:r>
+              <a:rPr lang="en-US" altLang="ko-KR" sz="1000" dirty="0">
+                <a:latin typeface="Pretendard" panose="02000503000000020004" pitchFamily="2" charset="-127"/>
+                <a:ea typeface="Pretendard" panose="02000503000000020004" pitchFamily="2" charset="-127"/>
+                <a:cs typeface="Pretendard" panose="02000503000000020004" pitchFamily="2" charset="-127"/>
+              </a:rPr>
+              <a:t>(</a:t>
+            </a:r>
+            <a:r>
+              <a:rPr lang="ko-KR" altLang="en-US" sz="1000" dirty="0" err="1">
+                <a:latin typeface="Pretendard" panose="02000503000000020004" pitchFamily="2" charset="-127"/>
+                <a:ea typeface="Pretendard" panose="02000503000000020004" pitchFamily="2" charset="-127"/>
+                <a:cs typeface="Pretendard" panose="02000503000000020004" pitchFamily="2" charset="-127"/>
+              </a:rPr>
+              <a:t>어쌔신</a:t>
+            </a:r>
+            <a:r>
+              <a:rPr lang="en-US" altLang="ko-KR" sz="1000" dirty="0">
+                <a:latin typeface="Pretendard" panose="02000503000000020004" pitchFamily="2" charset="-127"/>
+                <a:ea typeface="Pretendard" panose="02000503000000020004" pitchFamily="2" charset="-127"/>
+                <a:cs typeface="Pretendard" panose="02000503000000020004" pitchFamily="2" charset="-127"/>
+              </a:rPr>
+              <a:t>/</a:t>
+            </a:r>
+            <a:r>
+              <a:rPr lang="ko-KR" altLang="en-US" sz="1000" dirty="0" err="1">
+                <a:latin typeface="Pretendard" panose="02000503000000020004" pitchFamily="2" charset="-127"/>
+                <a:ea typeface="Pretendard" panose="02000503000000020004" pitchFamily="2" charset="-127"/>
+                <a:cs typeface="Pretendard" panose="02000503000000020004" pitchFamily="2" charset="-127"/>
+              </a:rPr>
+              <a:t>레인저</a:t>
+            </a:r>
+            <a:r>
+              <a:rPr lang="en-US" altLang="ko-KR" sz="1000" dirty="0">
+                <a:latin typeface="Pretendard" panose="02000503000000020004" pitchFamily="2" charset="-127"/>
+                <a:ea typeface="Pretendard" panose="02000503000000020004" pitchFamily="2" charset="-127"/>
+                <a:cs typeface="Pretendard" panose="02000503000000020004" pitchFamily="2" charset="-127"/>
+              </a:rPr>
+              <a:t>), </a:t>
+            </a:r>
+            <a:r>
+              <a:rPr lang="ko-KR" altLang="en-US" sz="1000" dirty="0">
+                <a:latin typeface="Pretendard" panose="02000503000000020004" pitchFamily="2" charset="-127"/>
+                <a:ea typeface="Pretendard" panose="02000503000000020004" pitchFamily="2" charset="-127"/>
+                <a:cs typeface="Pretendard" panose="02000503000000020004" pitchFamily="2" charset="-127"/>
+              </a:rPr>
+              <a:t>마법 컨셉</a:t>
+            </a:r>
+            <a:r>
+              <a:rPr lang="en-US" altLang="ko-KR" sz="1000" dirty="0">
+                <a:latin typeface="Pretendard" panose="02000503000000020004" pitchFamily="2" charset="-127"/>
+                <a:ea typeface="Pretendard" panose="02000503000000020004" pitchFamily="2" charset="-127"/>
+                <a:cs typeface="Pretendard" panose="02000503000000020004" pitchFamily="2" charset="-127"/>
+              </a:rPr>
+              <a:t>(</a:t>
+            </a:r>
+            <a:r>
+              <a:rPr lang="ko-KR" altLang="en-US" sz="1000" dirty="0" err="1">
+                <a:latin typeface="Pretendard" panose="02000503000000020004" pitchFamily="2" charset="-127"/>
+                <a:ea typeface="Pretendard" panose="02000503000000020004" pitchFamily="2" charset="-127"/>
+                <a:cs typeface="Pretendard" panose="02000503000000020004" pitchFamily="2" charset="-127"/>
+              </a:rPr>
+              <a:t>소서러</a:t>
+            </a:r>
+            <a:r>
+              <a:rPr lang="en-US" altLang="ko-KR" sz="1000" dirty="0">
+                <a:latin typeface="Pretendard" panose="02000503000000020004" pitchFamily="2" charset="-127"/>
+                <a:ea typeface="Pretendard" panose="02000503000000020004" pitchFamily="2" charset="-127"/>
+                <a:cs typeface="Pretendard" panose="02000503000000020004" pitchFamily="2" charset="-127"/>
+              </a:rPr>
+              <a:t>)</a:t>
+            </a:r>
+            <a:r>
+              <a:rPr lang="ko-KR" altLang="en-US" sz="1000" dirty="0">
+                <a:latin typeface="Pretendard" panose="02000503000000020004" pitchFamily="2" charset="-127"/>
+                <a:ea typeface="Pretendard" panose="02000503000000020004" pitchFamily="2" charset="-127"/>
+                <a:cs typeface="Pretendard" panose="02000503000000020004" pitchFamily="2" charset="-127"/>
+              </a:rPr>
+              <a:t>입니다</a:t>
+            </a:r>
+            <a:r>
+              <a:rPr lang="en-US" altLang="ko-KR" sz="1000" dirty="0">
+                <a:latin typeface="Pretendard" panose="02000503000000020004" pitchFamily="2" charset="-127"/>
+                <a:ea typeface="Pretendard" panose="02000503000000020004" pitchFamily="2" charset="-127"/>
+                <a:cs typeface="Pretendard" panose="02000503000000020004" pitchFamily="2" charset="-127"/>
+              </a:rPr>
+              <a:t>. </a:t>
+            </a:r>
+            <a:r>
+              <a:rPr lang="ko-KR" altLang="en-US" sz="1000" dirty="0">
+                <a:latin typeface="Pretendard" panose="02000503000000020004" pitchFamily="2" charset="-127"/>
+                <a:ea typeface="Pretendard" panose="02000503000000020004" pitchFamily="2" charset="-127"/>
+                <a:cs typeface="Pretendard" panose="02000503000000020004" pitchFamily="2" charset="-127"/>
+              </a:rPr>
+              <a:t>이 중 마법 컨셉의 캐릭터의 추가로 클래스간 균형을 맞출 수 있을 것 같아서</a:t>
+            </a:r>
+            <a:endParaRPr lang="en-US" altLang="ko-KR" sz="1000" dirty="0">
+              <a:latin typeface="Pretendard" panose="02000503000000020004" pitchFamily="2" charset="-127"/>
+              <a:ea typeface="Pretendard" panose="02000503000000020004" pitchFamily="2" charset="-127"/>
+              <a:cs typeface="Pretendard" panose="02000503000000020004" pitchFamily="2" charset="-127"/>
+            </a:endParaRPr>
+          </a:p>
+        </p:txBody>
+      </p:sp>
+      <p:pic>
+        <p:nvPicPr>
+          <p:cNvPr id="61" name="그림 60" descr="금속, 황동, 시계, 청동이(가) 표시된 사진&#10;&#10;AI 생성 콘텐츠는 정확하지 않을 수 있습니다.">
+            <a:extLst>
+              <a:ext uri="{FF2B5EF4-FFF2-40B4-BE49-F238E27FC236}">
+                <a16:creationId xmlns:a16="http://schemas.microsoft.com/office/drawing/2014/main" id="{3E2861D0-E6E1-5ABB-AFD3-0296CFC82BE0}"/>
+              </a:ext>
+            </a:extLst>
+          </p:cNvPr>
+          <p:cNvPicPr>
+            <a:picLocks noChangeAspect="1"/>
+          </p:cNvPicPr>
+          <p:nvPr/>
+        </p:nvPicPr>
+        <p:blipFill>
+          <a:blip r:embed="rId5">
+            <a:extLst>
+              <a:ext uri="{28A0092B-C50C-407E-A947-70E740481C1C}">
+                <a14:useLocalDpi xmlns:a14="http://schemas.microsoft.com/office/drawing/2010/main" val="0"/>
+              </a:ext>
+            </a:extLst>
+          </a:blip>
+          <a:srcRect t="21705"/>
+          <a:stretch>
+            <a:fillRect/>
+          </a:stretch>
+        </p:blipFill>
+        <p:spPr>
+          <a:xfrm>
+            <a:off x="1816320" y="1683194"/>
+            <a:ext cx="1886716" cy="2100051"/>
+          </a:xfrm>
+          <a:prstGeom prst="rect">
+            <a:avLst/>
+          </a:prstGeom>
+        </p:spPr>
+      </p:pic>
+      <p:sp>
+        <p:nvSpPr>
+          <p:cNvPr id="62" name="화살표: 오른쪽 61">
+            <a:extLst>
+              <a:ext uri="{FF2B5EF4-FFF2-40B4-BE49-F238E27FC236}">
+                <a16:creationId xmlns:a16="http://schemas.microsoft.com/office/drawing/2014/main" id="{3A4A0CD0-2B82-5232-CC55-1B32200858BF}"/>
+              </a:ext>
+            </a:extLst>
+          </p:cNvPr>
+          <p:cNvSpPr/>
+          <p:nvPr/>
+        </p:nvSpPr>
+        <p:spPr>
+          <a:xfrm rot="1117880">
+            <a:off x="1540511" y="2440587"/>
+            <a:ext cx="299207" cy="158427"/>
+          </a:xfrm>
+          <a:prstGeom prst="rightArrow">
+            <a:avLst/>
+          </a:prstGeom>
+          <a:ln w="12700"/>
+        </p:spPr>
+        <p:style>
+          <a:lnRef idx="2">
+            <a:schemeClr val="accent1">
+              <a:shade val="15000"/>
+            </a:schemeClr>
+          </a:lnRef>
+          <a:fillRef idx="1">
+            <a:schemeClr val="accent1"/>
+          </a:fillRef>
+          <a:effectRef idx="0">
+            <a:schemeClr val="accent1"/>
+          </a:effectRef>
+          <a:fontRef idx="minor">
+            <a:schemeClr val="lt1"/>
+          </a:fontRef>
+        </p:style>
+        <p:txBody>
+          <a:bodyPr rtlCol="0" anchor="ctr"/>
+          <a:lstStyle/>
+          <a:p>
+            <a:pPr algn="ctr"/>
+            <a:endParaRPr lang="ko-KR" altLang="en-US"/>
+          </a:p>
+        </p:txBody>
+      </p:sp>
+      <p:pic>
+        <p:nvPicPr>
+          <p:cNvPr id="64" name="그림 63" descr="시계, 병, 정물 사진, 손목시계이(가) 표시된 사진&#10;&#10;AI 생성 콘텐츠는 정확하지 않을 수 있습니다.">
+            <a:extLst>
+              <a:ext uri="{FF2B5EF4-FFF2-40B4-BE49-F238E27FC236}">
+                <a16:creationId xmlns:a16="http://schemas.microsoft.com/office/drawing/2014/main" id="{31E3418E-621B-46A3-A771-FE9F03D4795E}"/>
+              </a:ext>
+            </a:extLst>
+          </p:cNvPr>
+          <p:cNvPicPr>
+            <a:picLocks noChangeAspect="1"/>
+          </p:cNvPicPr>
+          <p:nvPr/>
+        </p:nvPicPr>
+        <p:blipFill>
+          <a:blip r:embed="rId6">
+            <a:extLst>
+              <a:ext uri="{28A0092B-C50C-407E-A947-70E740481C1C}">
+                <a14:useLocalDpi xmlns:a14="http://schemas.microsoft.com/office/drawing/2010/main" val="0"/>
+              </a:ext>
+            </a:extLst>
+          </a:blip>
+          <a:stretch>
+            <a:fillRect/>
+          </a:stretch>
+        </p:blipFill>
+        <p:spPr>
+          <a:xfrm>
+            <a:off x="581740" y="1574886"/>
+            <a:ext cx="845135" cy="1122229"/>
+          </a:xfrm>
+          <a:prstGeom prst="rect">
+            <a:avLst/>
+          </a:prstGeom>
+        </p:spPr>
+      </p:pic>
+      <p:sp>
+        <p:nvSpPr>
+          <p:cNvPr id="65" name="TextBox 64">
+            <a:extLst>
+              <a:ext uri="{FF2B5EF4-FFF2-40B4-BE49-F238E27FC236}">
+                <a16:creationId xmlns:a16="http://schemas.microsoft.com/office/drawing/2014/main" id="{3DBF89BF-A358-9794-195A-BE53CD6D5624}"/>
+              </a:ext>
+            </a:extLst>
+          </p:cNvPr>
+          <p:cNvSpPr txBox="1"/>
+          <p:nvPr/>
+        </p:nvSpPr>
+        <p:spPr>
+          <a:xfrm>
+            <a:off x="2075195" y="3855868"/>
+            <a:ext cx="1368965" cy="144911"/>
+          </a:xfrm>
+          <a:prstGeom prst="rect">
+            <a:avLst/>
+          </a:prstGeom>
+          <a:noFill/>
+        </p:spPr>
+        <p:txBody>
+          <a:bodyPr wrap="none" lIns="0" tIns="0" rIns="0" bIns="0" rtlCol="0">
+            <a:spAutoFit/>
+          </a:bodyPr>
+          <a:lstStyle>
+            <a:defPPr>
+              <a:defRPr lang="ko-KR"/>
+            </a:defPPr>
+            <a:lvl1pPr>
+              <a:defRPr sz="1000">
+                <a:latin typeface="Pretendard" panose="02000503000000020004" pitchFamily="2" charset="-127"/>
+                <a:ea typeface="Pretendard" panose="02000503000000020004" pitchFamily="2" charset="-127"/>
+                <a:cs typeface="Pretendard" panose="02000503000000020004" pitchFamily="2" charset="-127"/>
+              </a:defRPr>
+            </a:lvl1pPr>
+          </a:lstStyle>
+          <a:p>
+            <a:pPr>
+              <a:lnSpc>
+                <a:spcPct val="130000"/>
+              </a:lnSpc>
+            </a:pPr>
+            <a:r>
+              <a:rPr lang="ko-KR" altLang="en-US" sz="800" dirty="0" err="1">
+                <a:solidFill>
+                  <a:schemeClr val="tx1">
+                    <a:lumMod val="65000"/>
+                    <a:lumOff val="35000"/>
+                  </a:schemeClr>
+                </a:solidFill>
+              </a:rPr>
+              <a:t>성반</a:t>
+            </a:r>
+            <a:r>
+              <a:rPr lang="ko-KR" altLang="en-US" sz="800" dirty="0">
+                <a:solidFill>
+                  <a:schemeClr val="tx1">
+                    <a:lumMod val="65000"/>
+                    <a:lumOff val="35000"/>
+                  </a:schemeClr>
+                </a:solidFill>
+              </a:rPr>
+              <a:t> </a:t>
+            </a:r>
+            <a:r>
+              <a:rPr lang="en-US" altLang="ko-KR" sz="800" dirty="0">
+                <a:solidFill>
+                  <a:schemeClr val="tx1">
+                    <a:lumMod val="65000"/>
+                    <a:lumOff val="35000"/>
+                  </a:schemeClr>
+                </a:solidFill>
+              </a:rPr>
+              <a:t>(Astrolabe) : </a:t>
+            </a:r>
+            <a:r>
+              <a:rPr lang="ko-KR" altLang="en-US" sz="800" dirty="0">
+                <a:solidFill>
+                  <a:schemeClr val="tx1">
+                    <a:lumMod val="65000"/>
+                    <a:lumOff val="35000"/>
+                  </a:schemeClr>
+                </a:solidFill>
+              </a:rPr>
+              <a:t>천문 관측 도구</a:t>
+            </a:r>
+            <a:endParaRPr lang="en-US" altLang="ko-KR" sz="800" dirty="0">
+              <a:solidFill>
+                <a:schemeClr val="tx1">
+                  <a:lumMod val="65000"/>
+                  <a:lumOff val="35000"/>
+                </a:schemeClr>
+              </a:solidFill>
+            </a:endParaRPr>
+          </a:p>
+        </p:txBody>
+      </p:sp>
+    </p:spTree>
+    <p:extLst>
+      <p:ext uri="{BB962C8B-B14F-4D97-AF65-F5344CB8AC3E}">
+        <p14:creationId xmlns:p14="http://schemas.microsoft.com/office/powerpoint/2010/main" val="705751855"/>
+      </p:ext>
+    </p:extLst>
+  </p:cSld>
+  <p:clrMapOvr>
+    <a:masterClrMapping/>
+  </p:clrMapOvr>
+</p:sld>
+</file>
+
+<file path=ppt/slides/slide5.xml><?xml version="1.0" encoding="utf-8"?>
+<p:sld xmlns:a="http://schemas.openxmlformats.org/drawingml/2006/main" xmlns:r="http://schemas.openxmlformats.org/officeDocument/2006/relationships" xmlns:p="http://schemas.openxmlformats.org/presentationml/2006/main">
+  <p:cSld>
+    <p:spTree>
+      <p:nvGrpSpPr>
+        <p:cNvPr id="1" name="">
+          <a:extLst>
+            <a:ext uri="{FF2B5EF4-FFF2-40B4-BE49-F238E27FC236}">
+              <a16:creationId xmlns:a16="http://schemas.microsoft.com/office/drawing/2014/main" id="{31163C4C-DDBF-8632-EAE8-6E1CE1EB4ABA}"/>
+            </a:ext>
+          </a:extLst>
+        </p:cNvPr>
+        <p:cNvGrpSpPr/>
+        <p:nvPr/>
+      </p:nvGrpSpPr>
+      <p:grpSpPr>
+        <a:xfrm>
+          <a:off x="0" y="0"/>
+          <a:ext cx="0" cy="0"/>
+          <a:chOff x="0" y="0"/>
+          <a:chExt cx="0" cy="0"/>
+        </a:xfrm>
+      </p:grpSpPr>
+      <p:grpSp>
+        <p:nvGrpSpPr>
+          <p:cNvPr id="46" name="그룹 45">
+            <a:extLst>
+              <a:ext uri="{FF2B5EF4-FFF2-40B4-BE49-F238E27FC236}">
+                <a16:creationId xmlns:a16="http://schemas.microsoft.com/office/drawing/2014/main" id="{0FBB8613-4884-82E4-7C64-AA3C13FFF469}"/>
+              </a:ext>
+            </a:extLst>
+          </p:cNvPr>
+          <p:cNvGrpSpPr/>
+          <p:nvPr/>
+        </p:nvGrpSpPr>
+        <p:grpSpPr>
+          <a:xfrm>
+            <a:off x="172462" y="2664820"/>
+            <a:ext cx="68400" cy="1528360"/>
+            <a:chOff x="172462" y="2808076"/>
+            <a:chExt cx="68400" cy="1528360"/>
+          </a:xfrm>
+        </p:grpSpPr>
+        <p:sp>
+          <p:nvSpPr>
+            <p:cNvPr id="38" name="다이아몬드 37">
+              <a:extLst>
+                <a:ext uri="{FF2B5EF4-FFF2-40B4-BE49-F238E27FC236}">
+                  <a16:creationId xmlns:a16="http://schemas.microsoft.com/office/drawing/2014/main" id="{87181826-0D24-29F5-DDF3-C08F89FB2C96}"/>
+                </a:ext>
+              </a:extLst>
+            </p:cNvPr>
+            <p:cNvSpPr/>
+            <p:nvPr/>
+          </p:nvSpPr>
+          <p:spPr>
+            <a:xfrm>
+              <a:off x="172462" y="2808076"/>
+              <a:ext cx="68400" cy="68400"/>
+            </a:xfrm>
+            <a:prstGeom prst="diamond">
+              <a:avLst/>
+            </a:prstGeom>
+            <a:solidFill>
+              <a:srgbClr val="212227"/>
+            </a:solidFill>
+            <a:ln>
+              <a:noFill/>
+            </a:ln>
+          </p:spPr>
+          <p:style>
+            <a:lnRef idx="2">
+              <a:schemeClr val="accent1">
+                <a:shade val="15000"/>
+              </a:schemeClr>
+            </a:lnRef>
+            <a:fillRef idx="1">
+              <a:schemeClr val="accent1"/>
+            </a:fillRef>
+            <a:effectRef idx="0">
+              <a:schemeClr val="accent1"/>
+            </a:effectRef>
+            <a:fontRef idx="minor">
+              <a:schemeClr val="lt1"/>
+            </a:fontRef>
+          </p:style>
+          <p:txBody>
+            <a:bodyPr rtlCol="0" anchor="ctr"/>
+            <a:lstStyle/>
+            <a:p>
+              <a:pPr algn="ctr"/>
+              <a:endParaRPr lang="ko-KR" altLang="en-US"/>
+            </a:p>
+          </p:txBody>
+        </p:sp>
+        <p:sp>
+          <p:nvSpPr>
+            <p:cNvPr id="42" name="다이아몬드 41">
+              <a:extLst>
+                <a:ext uri="{FF2B5EF4-FFF2-40B4-BE49-F238E27FC236}">
+                  <a16:creationId xmlns:a16="http://schemas.microsoft.com/office/drawing/2014/main" id="{6A4398A1-F67C-2763-129D-EEB0CFDD257D}"/>
+                </a:ext>
+              </a:extLst>
+            </p:cNvPr>
+            <p:cNvSpPr/>
+            <p:nvPr/>
+          </p:nvSpPr>
+          <p:spPr>
+            <a:xfrm>
+              <a:off x="172462" y="3294729"/>
+              <a:ext cx="68400" cy="68400"/>
+            </a:xfrm>
+            <a:prstGeom prst="diamond">
+              <a:avLst/>
+            </a:prstGeom>
+            <a:solidFill>
+              <a:srgbClr val="212227"/>
+            </a:solidFill>
+            <a:ln>
+              <a:noFill/>
+            </a:ln>
+          </p:spPr>
+          <p:style>
+            <a:lnRef idx="2">
+              <a:schemeClr val="accent1">
+                <a:shade val="15000"/>
+              </a:schemeClr>
+            </a:lnRef>
+            <a:fillRef idx="1">
+              <a:schemeClr val="accent1"/>
+            </a:fillRef>
+            <a:effectRef idx="0">
+              <a:schemeClr val="accent1"/>
+            </a:effectRef>
+            <a:fontRef idx="minor">
+              <a:schemeClr val="lt1"/>
+            </a:fontRef>
+          </p:style>
+          <p:txBody>
+            <a:bodyPr rtlCol="0" anchor="ctr"/>
+            <a:lstStyle/>
+            <a:p>
+              <a:pPr algn="ctr"/>
+              <a:endParaRPr lang="ko-KR" altLang="en-US"/>
+            </a:p>
+          </p:txBody>
+        </p:sp>
+        <p:sp>
+          <p:nvSpPr>
+            <p:cNvPr id="40" name="다이아몬드 39">
+              <a:extLst>
+                <a:ext uri="{FF2B5EF4-FFF2-40B4-BE49-F238E27FC236}">
+                  <a16:creationId xmlns:a16="http://schemas.microsoft.com/office/drawing/2014/main" id="{272376FA-725E-481F-135A-CC84D7BB43D2}"/>
+                </a:ext>
+              </a:extLst>
+            </p:cNvPr>
+            <p:cNvSpPr/>
+            <p:nvPr/>
+          </p:nvSpPr>
+          <p:spPr>
+            <a:xfrm>
+              <a:off x="172462" y="3781382"/>
+              <a:ext cx="68400" cy="68400"/>
+            </a:xfrm>
+            <a:prstGeom prst="diamond">
+              <a:avLst/>
+            </a:prstGeom>
+            <a:solidFill>
+              <a:srgbClr val="212227"/>
+            </a:solidFill>
+            <a:ln>
+              <a:noFill/>
+            </a:ln>
+          </p:spPr>
+          <p:style>
+            <a:lnRef idx="2">
+              <a:schemeClr val="accent1">
+                <a:shade val="15000"/>
+              </a:schemeClr>
+            </a:lnRef>
+            <a:fillRef idx="1">
+              <a:schemeClr val="accent1"/>
+            </a:fillRef>
+            <a:effectRef idx="0">
+              <a:schemeClr val="accent1"/>
+            </a:effectRef>
+            <a:fontRef idx="minor">
+              <a:schemeClr val="lt1"/>
+            </a:fontRef>
+          </p:style>
+          <p:txBody>
+            <a:bodyPr rtlCol="0" anchor="ctr"/>
+            <a:lstStyle/>
+            <a:p>
+              <a:pPr algn="ctr"/>
+              <a:endParaRPr lang="ko-KR" altLang="en-US"/>
+            </a:p>
+          </p:txBody>
+        </p:sp>
+        <p:sp>
+          <p:nvSpPr>
+            <p:cNvPr id="41" name="다이아몬드 40">
+              <a:extLst>
+                <a:ext uri="{FF2B5EF4-FFF2-40B4-BE49-F238E27FC236}">
+                  <a16:creationId xmlns:a16="http://schemas.microsoft.com/office/drawing/2014/main" id="{E497170D-AA19-7C22-A3E4-D938811E4669}"/>
+                </a:ext>
+              </a:extLst>
+            </p:cNvPr>
+            <p:cNvSpPr/>
+            <p:nvPr/>
+          </p:nvSpPr>
+          <p:spPr>
+            <a:xfrm>
+              <a:off x="172462" y="4268036"/>
+              <a:ext cx="68400" cy="68400"/>
+            </a:xfrm>
+            <a:prstGeom prst="diamond">
+              <a:avLst/>
+            </a:prstGeom>
+            <a:solidFill>
+              <a:srgbClr val="212227"/>
+            </a:solidFill>
+            <a:ln>
+              <a:noFill/>
+            </a:ln>
+          </p:spPr>
+          <p:style>
+            <a:lnRef idx="2">
+              <a:schemeClr val="accent1">
+                <a:shade val="15000"/>
+              </a:schemeClr>
+            </a:lnRef>
+            <a:fillRef idx="1">
+              <a:schemeClr val="accent1"/>
+            </a:fillRef>
+            <a:effectRef idx="0">
+              <a:schemeClr val="accent1"/>
+            </a:effectRef>
+            <a:fontRef idx="minor">
+              <a:schemeClr val="lt1"/>
+            </a:fontRef>
+          </p:style>
+          <p:txBody>
+            <a:bodyPr rtlCol="0" anchor="ctr"/>
+            <a:lstStyle/>
+            <a:p>
+              <a:pPr algn="ctr"/>
+              <a:endParaRPr lang="ko-KR" altLang="en-US"/>
+            </a:p>
+          </p:txBody>
+        </p:sp>
+      </p:grpSp>
+      <p:pic>
+        <p:nvPicPr>
+          <p:cNvPr id="44" name="그림 43" descr="블랙, 상징, 램프, 빛이(가) 표시된 사진&#10;&#10;AI 생성 콘텐츠는 정확하지 않을 수 있습니다.">
+            <a:extLst>
+              <a:ext uri="{FF2B5EF4-FFF2-40B4-BE49-F238E27FC236}">
+                <a16:creationId xmlns:a16="http://schemas.microsoft.com/office/drawing/2014/main" id="{112F0791-DE00-8229-9773-CDE3FE6585F1}"/>
+              </a:ext>
+            </a:extLst>
+          </p:cNvPr>
+          <p:cNvPicPr>
+            <a:picLocks noChangeAspect="1"/>
+          </p:cNvPicPr>
+          <p:nvPr/>
+        </p:nvPicPr>
+        <p:blipFill>
+          <a:blip r:embed="rId2">
+            <a:extLst>
+              <a:ext uri="{BEBA8EAE-BF5A-486C-A8C5-ECC9F3942E4B}">
+                <a14:imgProps xmlns:a14="http://schemas.microsoft.com/office/drawing/2010/main">
+                  <a14:imgLayer r:embed="rId3">
+                    <a14:imgEffect>
+                      <a14:brightnessContrast bright="-40000" contrast="-40000"/>
+                    </a14:imgEffect>
+                  </a14:imgLayer>
+                </a14:imgProps>
+              </a:ext>
+              <a:ext uri="{28A0092B-C50C-407E-A947-70E740481C1C}">
+                <a14:useLocalDpi xmlns:a14="http://schemas.microsoft.com/office/drawing/2010/main" val="0"/>
+              </a:ext>
+            </a:extLst>
+          </a:blip>
+          <a:srcRect t="7859" b="9243"/>
+          <a:stretch>
+            <a:fillRect/>
+          </a:stretch>
+        </p:blipFill>
+        <p:spPr>
+          <a:xfrm>
+            <a:off x="109647" y="2550430"/>
+            <a:ext cx="228320" cy="293370"/>
+          </a:xfrm>
+          <a:prstGeom prst="rect">
+            <a:avLst/>
+          </a:prstGeom>
+          <a:noFill/>
+          <a:ln>
+            <a:noFill/>
+          </a:ln>
+        </p:spPr>
+      </p:pic>
+      <p:sp>
+        <p:nvSpPr>
+          <p:cNvPr id="14" name="TextBox 13">
+            <a:extLst>
+              <a:ext uri="{FF2B5EF4-FFF2-40B4-BE49-F238E27FC236}">
+                <a16:creationId xmlns:a16="http://schemas.microsoft.com/office/drawing/2014/main" id="{3BB3D017-FEAB-476D-6725-607A466B82B5}"/>
+              </a:ext>
+            </a:extLst>
+          </p:cNvPr>
+          <p:cNvSpPr txBox="1"/>
+          <p:nvPr/>
+        </p:nvSpPr>
+        <p:spPr>
+          <a:xfrm>
+            <a:off x="10123435" y="639622"/>
+            <a:ext cx="474489" cy="246221"/>
+          </a:xfrm>
+          <a:prstGeom prst="rect">
+            <a:avLst/>
+          </a:prstGeom>
+          <a:noFill/>
+        </p:spPr>
+        <p:txBody>
+          <a:bodyPr wrap="none" lIns="0" rIns="0" rtlCol="0">
+            <a:spAutoFit/>
+          </a:bodyPr>
+          <a:lstStyle/>
+          <a:p>
+            <a:r>
+              <a:rPr lang="ko-KR" altLang="en-US" sz="1000" dirty="0">
+                <a:latin typeface="Pretendard" panose="02000503000000020004" pitchFamily="2" charset="-127"/>
+                <a:ea typeface="Pretendard" panose="02000503000000020004" pitchFamily="2" charset="-127"/>
+                <a:cs typeface="Pretendard" panose="02000503000000020004" pitchFamily="2" charset="-127"/>
+              </a:rPr>
+              <a:t>숙련도가 </a:t>
+            </a:r>
+            <a:endParaRPr lang="en-US" altLang="ko-KR" sz="1000" dirty="0">
+              <a:latin typeface="Pretendard" panose="02000503000000020004" pitchFamily="2" charset="-127"/>
+              <a:ea typeface="Pretendard" panose="02000503000000020004" pitchFamily="2" charset="-127"/>
+              <a:cs typeface="Pretendard" panose="02000503000000020004" pitchFamily="2" charset="-127"/>
+            </a:endParaRPr>
+          </a:p>
+        </p:txBody>
+      </p:sp>
+      <p:grpSp>
+        <p:nvGrpSpPr>
+          <p:cNvPr id="4" name="그룹 3">
+            <a:extLst>
+              <a:ext uri="{FF2B5EF4-FFF2-40B4-BE49-F238E27FC236}">
+                <a16:creationId xmlns:a16="http://schemas.microsoft.com/office/drawing/2014/main" id="{960520BF-3D3F-3A7C-2E38-5D200F2C3228}"/>
+              </a:ext>
+            </a:extLst>
+          </p:cNvPr>
+          <p:cNvGrpSpPr/>
+          <p:nvPr/>
+        </p:nvGrpSpPr>
+        <p:grpSpPr>
+          <a:xfrm>
+            <a:off x="0" y="0"/>
+            <a:ext cx="12192000" cy="443346"/>
+            <a:chOff x="0" y="0"/>
+            <a:chExt cx="12192000" cy="443346"/>
+          </a:xfrm>
+        </p:grpSpPr>
         <p:pic>
           <p:nvPicPr>
-            <p:cNvPr id="5" name="그림 4" descr="블랙, 어둠, 흑백, 스크린샷이(가) 표시된 사진&#10;&#10;AI 생성 콘텐츠는 정확하지 않을 수 있습니다.">
+            <p:cNvPr id="5" name="그림 4">
               <a:extLst>
                 <a:ext uri="{FF2B5EF4-FFF2-40B4-BE49-F238E27FC236}">
-                  <a16:creationId xmlns:a16="http://schemas.microsoft.com/office/drawing/2014/main" id="{46EB8D58-3B89-7EC8-ACDD-86D9F42769BE}"/>
+                  <a16:creationId xmlns:a16="http://schemas.microsoft.com/office/drawing/2014/main" id="{4A65FCF8-3DA7-115F-F848-1E21031990E4}"/>
                 </a:ext>
               </a:extLst>
             </p:cNvPr>
@@ -3848,6 +9304,700 @@
             <p:nvPr/>
           </p:nvPicPr>
           <p:blipFill>
+            <a:blip r:embed="rId4">
+              <a:extLst>
+                <a:ext uri="{28A0092B-C50C-407E-A947-70E740481C1C}">
+                  <a14:useLocalDpi xmlns:a14="http://schemas.microsoft.com/office/drawing/2010/main" val="0"/>
+                </a:ext>
+              </a:extLst>
+            </a:blip>
+            <a:stretch>
+              <a:fillRect/>
+            </a:stretch>
+          </p:blipFill>
+          <p:spPr>
+            <a:xfrm>
+              <a:off x="0" y="0"/>
+              <a:ext cx="12192000" cy="443346"/>
+            </a:xfrm>
+            <a:prstGeom prst="rect">
+              <a:avLst/>
+            </a:prstGeom>
+          </p:spPr>
+        </p:pic>
+        <p:grpSp>
+          <p:nvGrpSpPr>
+            <p:cNvPr id="8" name="그룹 7">
+              <a:extLst>
+                <a:ext uri="{FF2B5EF4-FFF2-40B4-BE49-F238E27FC236}">
+                  <a16:creationId xmlns:a16="http://schemas.microsoft.com/office/drawing/2014/main" id="{3E65530E-4BD5-FFD6-CB27-102756BF9951}"/>
+                </a:ext>
+              </a:extLst>
+            </p:cNvPr>
+            <p:cNvGrpSpPr/>
+            <p:nvPr/>
+          </p:nvGrpSpPr>
+          <p:grpSpPr>
+            <a:xfrm>
+              <a:off x="442913" y="83174"/>
+              <a:ext cx="1861188" cy="276999"/>
+              <a:chOff x="442913" y="83174"/>
+              <a:chExt cx="1861188" cy="276999"/>
+            </a:xfrm>
+          </p:grpSpPr>
+          <p:sp>
+            <p:nvSpPr>
+              <p:cNvPr id="11" name="TextBox 10">
+                <a:extLst>
+                  <a:ext uri="{FF2B5EF4-FFF2-40B4-BE49-F238E27FC236}">
+                    <a16:creationId xmlns:a16="http://schemas.microsoft.com/office/drawing/2014/main" id="{7A8A4F36-E904-7E30-A274-75E140AD2772}"/>
+                  </a:ext>
+                </a:extLst>
+              </p:cNvPr>
+              <p:cNvSpPr txBox="1"/>
+              <p:nvPr/>
+            </p:nvSpPr>
+            <p:spPr>
+              <a:xfrm>
+                <a:off x="1291470" y="98563"/>
+                <a:ext cx="1012631" cy="261610"/>
+              </a:xfrm>
+              <a:prstGeom prst="rect">
+                <a:avLst/>
+              </a:prstGeom>
+              <a:noFill/>
+            </p:spPr>
+            <p:txBody>
+              <a:bodyPr wrap="none" lIns="144000" rIns="0" rtlCol="0" anchor="b">
+                <a:spAutoFit/>
+              </a:bodyPr>
+              <a:lstStyle/>
+              <a:p>
+                <a:r>
+                  <a:rPr lang="en-US" altLang="ko-KR" sz="1100" dirty="0">
+                    <a:solidFill>
+                      <a:schemeClr val="bg1">
+                        <a:lumMod val="85000"/>
+                      </a:schemeClr>
+                    </a:solidFill>
+                    <a:latin typeface="Pretendard SemiBold" panose="02000703000000020004" pitchFamily="2" charset="-127"/>
+                    <a:ea typeface="Pretendard SemiBold" panose="02000703000000020004" pitchFamily="2" charset="-127"/>
+                    <a:cs typeface="Pretendard SemiBold" panose="02000703000000020004" pitchFamily="2" charset="-127"/>
+                  </a:rPr>
+                  <a:t>(2) </a:t>
+                </a:r>
+                <a:r>
+                  <a:rPr lang="ko-KR" altLang="en-US" sz="1100" dirty="0">
+                    <a:solidFill>
+                      <a:schemeClr val="bg1">
+                        <a:lumMod val="85000"/>
+                      </a:schemeClr>
+                    </a:solidFill>
+                    <a:latin typeface="Pretendard SemiBold" panose="02000703000000020004" pitchFamily="2" charset="-127"/>
+                    <a:ea typeface="Pretendard SemiBold" panose="02000703000000020004" pitchFamily="2" charset="-127"/>
+                    <a:cs typeface="Pretendard SemiBold" panose="02000703000000020004" pitchFamily="2" charset="-127"/>
+                  </a:rPr>
+                  <a:t>클래스 소개</a:t>
+                </a:r>
+                <a:endParaRPr lang="en-US" altLang="ko-KR" sz="1100" dirty="0">
+                  <a:solidFill>
+                    <a:schemeClr val="bg1">
+                      <a:lumMod val="85000"/>
+                    </a:schemeClr>
+                  </a:solidFill>
+                  <a:latin typeface="Pretendard SemiBold" panose="02000703000000020004" pitchFamily="2" charset="-127"/>
+                  <a:ea typeface="Pretendard SemiBold" panose="02000703000000020004" pitchFamily="2" charset="-127"/>
+                  <a:cs typeface="Pretendard SemiBold" panose="02000703000000020004" pitchFamily="2" charset="-127"/>
+                </a:endParaRPr>
+              </a:p>
+            </p:txBody>
+          </p:sp>
+          <p:grpSp>
+            <p:nvGrpSpPr>
+              <p:cNvPr id="12" name="그룹 11">
+                <a:extLst>
+                  <a:ext uri="{FF2B5EF4-FFF2-40B4-BE49-F238E27FC236}">
+                    <a16:creationId xmlns:a16="http://schemas.microsoft.com/office/drawing/2014/main" id="{212703D4-9442-A261-39D8-43FE760D2209}"/>
+                  </a:ext>
+                </a:extLst>
+              </p:cNvPr>
+              <p:cNvGrpSpPr/>
+              <p:nvPr/>
+            </p:nvGrpSpPr>
+            <p:grpSpPr>
+              <a:xfrm>
+                <a:off x="442913" y="83174"/>
+                <a:ext cx="848557" cy="276999"/>
+                <a:chOff x="442913" y="83174"/>
+                <a:chExt cx="848557" cy="276999"/>
+              </a:xfrm>
+            </p:grpSpPr>
+            <p:sp>
+              <p:nvSpPr>
+                <p:cNvPr id="17" name="TextBox 16">
+                  <a:extLst>
+                    <a:ext uri="{FF2B5EF4-FFF2-40B4-BE49-F238E27FC236}">
+                      <a16:creationId xmlns:a16="http://schemas.microsoft.com/office/drawing/2014/main" id="{1B5FBB1D-7471-E167-C07D-512D141D09D3}"/>
+                    </a:ext>
+                  </a:extLst>
+                </p:cNvPr>
+                <p:cNvSpPr txBox="1"/>
+                <p:nvPr/>
+              </p:nvSpPr>
+              <p:spPr>
+                <a:xfrm>
+                  <a:off x="442913" y="83174"/>
+                  <a:ext cx="335028" cy="276999"/>
+                </a:xfrm>
+                <a:prstGeom prst="rect">
+                  <a:avLst/>
+                </a:prstGeom>
+                <a:noFill/>
+              </p:spPr>
+              <p:txBody>
+                <a:bodyPr wrap="none" lIns="0" tIns="0" rIns="0" bIns="0" rtlCol="0">
+                  <a:spAutoFit/>
+                </a:bodyPr>
+                <a:lstStyle>
+                  <a:defPPr>
+                    <a:defRPr lang="ko-KR"/>
+                  </a:defPPr>
+                  <a:lvl1pPr>
+                    <a:defRPr sz="1400">
+                      <a:latin typeface="Pretendard SemiBold" panose="02000703000000020004" pitchFamily="2" charset="-127"/>
+                      <a:ea typeface="Pretendard SemiBold" panose="02000703000000020004" pitchFamily="2" charset="-127"/>
+                      <a:cs typeface="Pretendard SemiBold" panose="02000703000000020004" pitchFamily="2" charset="-127"/>
+                    </a:defRPr>
+                  </a:lvl1pPr>
+                </a:lstStyle>
+                <a:p>
+                  <a:r>
+                    <a:rPr lang="en-US" altLang="ko-KR" sz="1800" dirty="0">
+                      <a:solidFill>
+                        <a:schemeClr val="bg1"/>
+                      </a:solidFill>
+                      <a:latin typeface="Pretendard ExtraBold" panose="02000903000000020004" pitchFamily="2" charset="-127"/>
+                      <a:ea typeface="Pretendard ExtraBold" panose="02000903000000020004" pitchFamily="2" charset="-127"/>
+                      <a:cs typeface="Pretendard ExtraBold" panose="02000903000000020004" pitchFamily="2" charset="-127"/>
+                    </a:rPr>
+                    <a:t>01.</a:t>
+                  </a:r>
+                </a:p>
+              </p:txBody>
+            </p:sp>
+            <p:sp>
+              <p:nvSpPr>
+                <p:cNvPr id="18" name="TextBox 17">
+                  <a:extLst>
+                    <a:ext uri="{FF2B5EF4-FFF2-40B4-BE49-F238E27FC236}">
+                      <a16:creationId xmlns:a16="http://schemas.microsoft.com/office/drawing/2014/main" id="{B849CB65-A379-50BF-D163-6037AD21915B}"/>
+                    </a:ext>
+                  </a:extLst>
+                </p:cNvPr>
+                <p:cNvSpPr txBox="1"/>
+                <p:nvPr/>
+              </p:nvSpPr>
+              <p:spPr>
+                <a:xfrm>
+                  <a:off x="821222" y="83174"/>
+                  <a:ext cx="470248" cy="276999"/>
+                </a:xfrm>
+                <a:prstGeom prst="rect">
+                  <a:avLst/>
+                </a:prstGeom>
+                <a:noFill/>
+              </p:spPr>
+              <p:txBody>
+                <a:bodyPr wrap="none" lIns="72000" tIns="0" rIns="0" bIns="0" rtlCol="0">
+                  <a:spAutoFit/>
+                </a:bodyPr>
+                <a:lstStyle>
+                  <a:defPPr>
+                    <a:defRPr lang="ko-KR"/>
+                  </a:defPPr>
+                  <a:lvl1pPr>
+                    <a:defRPr sz="1400">
+                      <a:latin typeface="Pretendard SemiBold" panose="02000703000000020004" pitchFamily="2" charset="-127"/>
+                      <a:ea typeface="Pretendard SemiBold" panose="02000703000000020004" pitchFamily="2" charset="-127"/>
+                      <a:cs typeface="Pretendard SemiBold" panose="02000703000000020004" pitchFamily="2" charset="-127"/>
+                    </a:defRPr>
+                  </a:lvl1pPr>
+                </a:lstStyle>
+                <a:p>
+                  <a:r>
+                    <a:rPr lang="ko-KR" altLang="en-US" sz="1800" dirty="0">
+                      <a:solidFill>
+                        <a:schemeClr val="bg1"/>
+                      </a:solidFill>
+                    </a:rPr>
+                    <a:t>개요</a:t>
+                  </a:r>
+                  <a:endParaRPr lang="en-US" altLang="ko-KR" sz="1800" dirty="0">
+                    <a:solidFill>
+                      <a:schemeClr val="bg1"/>
+                    </a:solidFill>
+                  </a:endParaRPr>
+                </a:p>
+              </p:txBody>
+            </p:sp>
+          </p:grpSp>
+        </p:grpSp>
+      </p:grpSp>
+      <p:sp>
+        <p:nvSpPr>
+          <p:cNvPr id="19" name="TextBox 18">
+            <a:extLst>
+              <a:ext uri="{FF2B5EF4-FFF2-40B4-BE49-F238E27FC236}">
+                <a16:creationId xmlns:a16="http://schemas.microsoft.com/office/drawing/2014/main" id="{EB8E7512-1CE9-8AB8-0ACB-B6C81FB7BC1A}"/>
+              </a:ext>
+            </a:extLst>
+          </p:cNvPr>
+          <p:cNvSpPr txBox="1"/>
+          <p:nvPr/>
+        </p:nvSpPr>
+        <p:spPr>
+          <a:xfrm>
+            <a:off x="442913" y="1117949"/>
+            <a:ext cx="9102096" cy="1000595"/>
+          </a:xfrm>
+          <a:prstGeom prst="rect">
+            <a:avLst/>
+          </a:prstGeom>
+          <a:noFill/>
+        </p:spPr>
+        <p:txBody>
+          <a:bodyPr wrap="square" lIns="18000" rIns="18000" rtlCol="0">
+            <a:spAutoFit/>
+          </a:bodyPr>
+          <a:lstStyle/>
+          <a:p>
+            <a:pPr latinLnBrk="0">
+              <a:lnSpc>
+                <a:spcPct val="120000"/>
+              </a:lnSpc>
+            </a:pPr>
+            <a:r>
+              <a:rPr lang="ko-KR" altLang="en-US" sz="1000" dirty="0">
+                <a:effectLst/>
+                <a:latin typeface="Pretendard" panose="02000503000000020004" pitchFamily="2" charset="-127"/>
+                <a:ea typeface="Pretendard" panose="02000503000000020004" pitchFamily="2" charset="-127"/>
+                <a:cs typeface="Pretendard" panose="02000503000000020004" pitchFamily="2" charset="-127"/>
+              </a:rPr>
+              <a:t>현자는 원리와 법칙을 파악하여 최소한의 움직임으로 최대의 결과를 만들어 내는 효율을 추구합니다</a:t>
+            </a:r>
+            <a:r>
+              <a:rPr lang="en-US" altLang="ko-KR" sz="1000" dirty="0">
+                <a:effectLst/>
+                <a:latin typeface="Pretendard" panose="02000503000000020004" pitchFamily="2" charset="-127"/>
+                <a:ea typeface="Pretendard" panose="02000503000000020004" pitchFamily="2" charset="-127"/>
+                <a:cs typeface="Pretendard" panose="02000503000000020004" pitchFamily="2" charset="-127"/>
+              </a:rPr>
+              <a:t>. </a:t>
+            </a:r>
+          </a:p>
+          <a:p>
+            <a:pPr latinLnBrk="0">
+              <a:lnSpc>
+                <a:spcPct val="120000"/>
+              </a:lnSpc>
+            </a:pPr>
+            <a:endParaRPr lang="en-US" altLang="ko-KR" sz="1000" dirty="0">
+              <a:effectLst/>
+              <a:latin typeface="Pretendard" panose="02000503000000020004" pitchFamily="2" charset="-127"/>
+              <a:ea typeface="Pretendard" panose="02000503000000020004" pitchFamily="2" charset="-127"/>
+              <a:cs typeface="Pretendard" panose="02000503000000020004" pitchFamily="2" charset="-127"/>
+            </a:endParaRPr>
+          </a:p>
+          <a:p>
+            <a:pPr latinLnBrk="0">
+              <a:lnSpc>
+                <a:spcPct val="120000"/>
+              </a:lnSpc>
+            </a:pPr>
+            <a:r>
+              <a:rPr lang="ko-KR" altLang="en-US" sz="1000" dirty="0">
+                <a:latin typeface="Pretendard" panose="02000503000000020004" pitchFamily="2" charset="-127"/>
+                <a:ea typeface="Pretendard" panose="02000503000000020004" pitchFamily="2" charset="-127"/>
+                <a:cs typeface="Pretendard" panose="02000503000000020004" pitchFamily="2" charset="-127"/>
+              </a:rPr>
+              <a:t>그들의 모든 기술은 인과에서 비롯되며 전장에서의 행위에 따라 쌓이는 인과는 행동을 멈추면 빠르게 소멸됩니다</a:t>
+            </a:r>
+            <a:r>
+              <a:rPr lang="en-US" altLang="ko-KR" sz="1000" dirty="0">
+                <a:latin typeface="Pretendard" panose="02000503000000020004" pitchFamily="2" charset="-127"/>
+                <a:ea typeface="Pretendard" panose="02000503000000020004" pitchFamily="2" charset="-127"/>
+                <a:cs typeface="Pretendard" panose="02000503000000020004" pitchFamily="2" charset="-127"/>
+              </a:rPr>
+              <a:t>.</a:t>
+            </a:r>
+          </a:p>
+          <a:p>
+            <a:pPr latinLnBrk="0">
+              <a:lnSpc>
+                <a:spcPct val="120000"/>
+              </a:lnSpc>
+            </a:pPr>
+            <a:endParaRPr lang="en-US" altLang="ko-KR" sz="1000" dirty="0">
+              <a:latin typeface="Pretendard" panose="02000503000000020004" pitchFamily="2" charset="-127"/>
+              <a:ea typeface="Pretendard" panose="02000503000000020004" pitchFamily="2" charset="-127"/>
+              <a:cs typeface="Pretendard" panose="02000503000000020004" pitchFamily="2" charset="-127"/>
+            </a:endParaRPr>
+          </a:p>
+          <a:p>
+            <a:pPr latinLnBrk="0">
+              <a:lnSpc>
+                <a:spcPct val="120000"/>
+              </a:lnSpc>
+            </a:pPr>
+            <a:r>
+              <a:rPr lang="ko-KR" altLang="en-US" sz="1000" dirty="0">
+                <a:latin typeface="Pretendard" panose="02000503000000020004" pitchFamily="2" charset="-127"/>
+                <a:ea typeface="Pretendard" panose="02000503000000020004" pitchFamily="2" charset="-127"/>
+                <a:cs typeface="Pretendard" panose="02000503000000020004" pitchFamily="2" charset="-127"/>
+              </a:rPr>
+              <a:t>이 험난한 과정을 흔들림 없이 해낸 현자들은 전장의 위기를 극복하는 지침이 됩니다</a:t>
+            </a:r>
+            <a:r>
+              <a:rPr lang="en-US" altLang="ko-KR" sz="1000" dirty="0">
+                <a:latin typeface="Pretendard" panose="02000503000000020004" pitchFamily="2" charset="-127"/>
+                <a:ea typeface="Pretendard" panose="02000503000000020004" pitchFamily="2" charset="-127"/>
+                <a:cs typeface="Pretendard" panose="02000503000000020004" pitchFamily="2" charset="-127"/>
+              </a:rPr>
+              <a:t>.</a:t>
+            </a:r>
+            <a:endParaRPr lang="en-US" altLang="ko-KR" sz="1000" dirty="0">
+              <a:effectLst/>
+              <a:latin typeface="Pretendard" panose="02000503000000020004" pitchFamily="2" charset="-127"/>
+              <a:ea typeface="Pretendard" panose="02000503000000020004" pitchFamily="2" charset="-127"/>
+              <a:cs typeface="Pretendard" panose="02000503000000020004" pitchFamily="2" charset="-127"/>
+            </a:endParaRPr>
+          </a:p>
+        </p:txBody>
+      </p:sp>
+      <p:sp>
+        <p:nvSpPr>
+          <p:cNvPr id="51" name="TextBox 50">
+            <a:extLst>
+              <a:ext uri="{FF2B5EF4-FFF2-40B4-BE49-F238E27FC236}">
+                <a16:creationId xmlns:a16="http://schemas.microsoft.com/office/drawing/2014/main" id="{6C5A9676-91C7-8E30-4040-986A58484042}"/>
+              </a:ext>
+            </a:extLst>
+          </p:cNvPr>
+          <p:cNvSpPr txBox="1"/>
+          <p:nvPr/>
+        </p:nvSpPr>
+        <p:spPr>
+          <a:xfrm>
+            <a:off x="2404668" y="4408248"/>
+            <a:ext cx="704804" cy="246221"/>
+          </a:xfrm>
+          <a:prstGeom prst="rect">
+            <a:avLst/>
+          </a:prstGeom>
+          <a:noFill/>
+        </p:spPr>
+        <p:txBody>
+          <a:bodyPr wrap="none" lIns="18000" rIns="18000" rtlCol="0">
+            <a:spAutoFit/>
+          </a:bodyPr>
+          <a:lstStyle>
+            <a:defPPr>
+              <a:defRPr lang="ko-KR"/>
+            </a:defPPr>
+            <a:lvl1pPr>
+              <a:defRPr sz="2000">
+                <a:solidFill>
+                  <a:srgbClr val="D4CFC5"/>
+                </a:solidFill>
+                <a:effectLst/>
+                <a:latin typeface="빛의 계승자 Bold" panose="020B0600000101010101" pitchFamily="50" charset="-127"/>
+                <a:ea typeface="빛의 계승자 Bold" panose="020B0600000101010101" pitchFamily="50" charset="-127"/>
+              </a:defRPr>
+            </a:lvl1pPr>
+          </a:lstStyle>
+          <a:p>
+            <a:pPr algn="ctr"/>
+            <a:r>
+              <a:rPr lang="en-US" altLang="ko-KR" sz="1000" dirty="0">
+                <a:solidFill>
+                  <a:schemeClr val="bg1">
+                    <a:lumMod val="50000"/>
+                  </a:schemeClr>
+                </a:solidFill>
+                <a:latin typeface="Pretendard" panose="02000503000000020004" pitchFamily="2" charset="-127"/>
+                <a:ea typeface="Pretendard" panose="02000503000000020004" pitchFamily="2" charset="-127"/>
+                <a:cs typeface="Pretendard" panose="02000503000000020004" pitchFamily="2" charset="-127"/>
+              </a:rPr>
+              <a:t>(</a:t>
+            </a:r>
+            <a:r>
+              <a:rPr lang="ko-KR" altLang="en-US" sz="1000" dirty="0">
+                <a:solidFill>
+                  <a:schemeClr val="bg1">
+                    <a:lumMod val="50000"/>
+                  </a:schemeClr>
+                </a:solidFill>
+                <a:latin typeface="Pretendard" panose="02000503000000020004" pitchFamily="2" charset="-127"/>
+                <a:ea typeface="Pretendard" panose="02000503000000020004" pitchFamily="2" charset="-127"/>
+                <a:cs typeface="Pretendard" panose="02000503000000020004" pitchFamily="2" charset="-127"/>
+              </a:rPr>
+              <a:t>현자 무기 </a:t>
+            </a:r>
+            <a:r>
+              <a:rPr lang="en-US" altLang="ko-KR" sz="1000" dirty="0">
+                <a:solidFill>
+                  <a:schemeClr val="bg1">
+                    <a:lumMod val="50000"/>
+                  </a:schemeClr>
+                </a:solidFill>
+                <a:latin typeface="Pretendard" panose="02000503000000020004" pitchFamily="2" charset="-127"/>
+                <a:ea typeface="Pretendard" panose="02000503000000020004" pitchFamily="2" charset="-127"/>
+                <a:cs typeface="Pretendard" panose="02000503000000020004" pitchFamily="2" charset="-127"/>
+              </a:rPr>
+              <a:t>2)</a:t>
+            </a:r>
+          </a:p>
+        </p:txBody>
+      </p:sp>
+      <p:sp>
+        <p:nvSpPr>
+          <p:cNvPr id="43" name="TextBox 42">
+            <a:extLst>
+              <a:ext uri="{FF2B5EF4-FFF2-40B4-BE49-F238E27FC236}">
+                <a16:creationId xmlns:a16="http://schemas.microsoft.com/office/drawing/2014/main" id="{2507C51B-CA45-6D01-BAB5-2049BB41495C}"/>
+              </a:ext>
+            </a:extLst>
+          </p:cNvPr>
+          <p:cNvSpPr txBox="1"/>
+          <p:nvPr/>
+        </p:nvSpPr>
+        <p:spPr>
+          <a:xfrm>
+            <a:off x="3888910" y="4408248"/>
+            <a:ext cx="704804" cy="246221"/>
+          </a:xfrm>
+          <a:prstGeom prst="rect">
+            <a:avLst/>
+          </a:prstGeom>
+          <a:noFill/>
+        </p:spPr>
+        <p:txBody>
+          <a:bodyPr wrap="none" lIns="18000" rIns="18000" rtlCol="0">
+            <a:spAutoFit/>
+          </a:bodyPr>
+          <a:lstStyle>
+            <a:defPPr>
+              <a:defRPr lang="ko-KR"/>
+            </a:defPPr>
+            <a:lvl1pPr>
+              <a:defRPr sz="2000">
+                <a:solidFill>
+                  <a:srgbClr val="D4CFC5"/>
+                </a:solidFill>
+                <a:effectLst/>
+                <a:latin typeface="빛의 계승자 Bold" panose="020B0600000101010101" pitchFamily="50" charset="-127"/>
+                <a:ea typeface="빛의 계승자 Bold" panose="020B0600000101010101" pitchFamily="50" charset="-127"/>
+              </a:defRPr>
+            </a:lvl1pPr>
+          </a:lstStyle>
+          <a:p>
+            <a:pPr algn="ctr"/>
+            <a:r>
+              <a:rPr lang="en-US" altLang="ko-KR" sz="1000" dirty="0">
+                <a:solidFill>
+                  <a:schemeClr val="bg1">
+                    <a:lumMod val="50000"/>
+                  </a:schemeClr>
+                </a:solidFill>
+                <a:latin typeface="Pretendard" panose="02000503000000020004" pitchFamily="2" charset="-127"/>
+                <a:ea typeface="Pretendard" panose="02000503000000020004" pitchFamily="2" charset="-127"/>
+                <a:cs typeface="Pretendard" panose="02000503000000020004" pitchFamily="2" charset="-127"/>
+              </a:rPr>
+              <a:t>(</a:t>
+            </a:r>
+            <a:r>
+              <a:rPr lang="ko-KR" altLang="en-US" sz="1000" dirty="0">
+                <a:solidFill>
+                  <a:schemeClr val="bg1">
+                    <a:lumMod val="50000"/>
+                  </a:schemeClr>
+                </a:solidFill>
+                <a:latin typeface="Pretendard" panose="02000503000000020004" pitchFamily="2" charset="-127"/>
+                <a:ea typeface="Pretendard" panose="02000503000000020004" pitchFamily="2" charset="-127"/>
+                <a:cs typeface="Pretendard" panose="02000503000000020004" pitchFamily="2" charset="-127"/>
+              </a:rPr>
+              <a:t>현자 무기 </a:t>
+            </a:r>
+            <a:r>
+              <a:rPr lang="en-US" altLang="ko-KR" sz="1000" dirty="0">
+                <a:solidFill>
+                  <a:schemeClr val="bg1">
+                    <a:lumMod val="50000"/>
+                  </a:schemeClr>
+                </a:solidFill>
+                <a:latin typeface="Pretendard" panose="02000503000000020004" pitchFamily="2" charset="-127"/>
+                <a:ea typeface="Pretendard" panose="02000503000000020004" pitchFamily="2" charset="-127"/>
+                <a:cs typeface="Pretendard" panose="02000503000000020004" pitchFamily="2" charset="-127"/>
+              </a:rPr>
+              <a:t>3)</a:t>
+            </a:r>
+          </a:p>
+        </p:txBody>
+      </p:sp>
+      <p:sp>
+        <p:nvSpPr>
+          <p:cNvPr id="31" name="TextBox 30">
+            <a:extLst>
+              <a:ext uri="{FF2B5EF4-FFF2-40B4-BE49-F238E27FC236}">
+                <a16:creationId xmlns:a16="http://schemas.microsoft.com/office/drawing/2014/main" id="{EAD4AE11-E221-B027-C38C-6A820DD4DE18}"/>
+              </a:ext>
+            </a:extLst>
+          </p:cNvPr>
+          <p:cNvSpPr txBox="1"/>
+          <p:nvPr/>
+        </p:nvSpPr>
+        <p:spPr>
+          <a:xfrm>
+            <a:off x="1162686" y="4408248"/>
+            <a:ext cx="257566" cy="246221"/>
+          </a:xfrm>
+          <a:prstGeom prst="rect">
+            <a:avLst/>
+          </a:prstGeom>
+          <a:noFill/>
+        </p:spPr>
+        <p:txBody>
+          <a:bodyPr wrap="none" lIns="18000" rIns="18000" rtlCol="0">
+            <a:spAutoFit/>
+          </a:bodyPr>
+          <a:lstStyle>
+            <a:defPPr>
+              <a:defRPr lang="ko-KR"/>
+            </a:defPPr>
+            <a:lvl1pPr>
+              <a:defRPr sz="2000">
+                <a:solidFill>
+                  <a:srgbClr val="D4CFC5"/>
+                </a:solidFill>
+                <a:effectLst/>
+                <a:latin typeface="빛의 계승자 Bold" panose="020B0600000101010101" pitchFamily="50" charset="-127"/>
+                <a:ea typeface="빛의 계승자 Bold" panose="020B0600000101010101" pitchFamily="50" charset="-127"/>
+              </a:defRPr>
+            </a:lvl1pPr>
+          </a:lstStyle>
+          <a:p>
+            <a:pPr algn="ctr"/>
+            <a:r>
+              <a:rPr lang="ko-KR" altLang="en-US" sz="1000" dirty="0" err="1">
+                <a:solidFill>
+                  <a:schemeClr val="tx1"/>
+                </a:solidFill>
+                <a:latin typeface="Pretendard" panose="02000503000000020004" pitchFamily="2" charset="-127"/>
+                <a:ea typeface="Pretendard" panose="02000503000000020004" pitchFamily="2" charset="-127"/>
+                <a:cs typeface="Pretendard" panose="02000503000000020004" pitchFamily="2" charset="-127"/>
+              </a:rPr>
+              <a:t>성반</a:t>
+            </a:r>
+            <a:endParaRPr lang="en-US" altLang="ko-KR" sz="1000" dirty="0">
+              <a:solidFill>
+                <a:schemeClr val="tx1"/>
+              </a:solidFill>
+              <a:latin typeface="Pretendard" panose="02000503000000020004" pitchFamily="2" charset="-127"/>
+              <a:ea typeface="Pretendard" panose="02000503000000020004" pitchFamily="2" charset="-127"/>
+              <a:cs typeface="Pretendard" panose="02000503000000020004" pitchFamily="2" charset="-127"/>
+            </a:endParaRPr>
+          </a:p>
+        </p:txBody>
+      </p:sp>
+      <p:grpSp>
+        <p:nvGrpSpPr>
+          <p:cNvPr id="32" name="그룹 31">
+            <a:extLst>
+              <a:ext uri="{FF2B5EF4-FFF2-40B4-BE49-F238E27FC236}">
+                <a16:creationId xmlns:a16="http://schemas.microsoft.com/office/drawing/2014/main" id="{C7F43EF0-2ACF-3296-FF72-CC867BF101AA}"/>
+              </a:ext>
+            </a:extLst>
+          </p:cNvPr>
+          <p:cNvGrpSpPr/>
+          <p:nvPr/>
+        </p:nvGrpSpPr>
+        <p:grpSpPr>
+          <a:xfrm>
+            <a:off x="872136" y="3354513"/>
+            <a:ext cx="838667" cy="838667"/>
+            <a:chOff x="5173980" y="4061460"/>
+            <a:chExt cx="1076960" cy="1076960"/>
+          </a:xfrm>
+        </p:grpSpPr>
+        <p:sp>
+          <p:nvSpPr>
+            <p:cNvPr id="33" name="타원 32">
+              <a:extLst>
+                <a:ext uri="{FF2B5EF4-FFF2-40B4-BE49-F238E27FC236}">
+                  <a16:creationId xmlns:a16="http://schemas.microsoft.com/office/drawing/2014/main" id="{8FBF445C-A2A5-BF32-AB32-0827352938B5}"/>
+                </a:ext>
+              </a:extLst>
+            </p:cNvPr>
+            <p:cNvSpPr/>
+            <p:nvPr/>
+          </p:nvSpPr>
+          <p:spPr>
+            <a:xfrm>
+              <a:off x="5582920" y="4470400"/>
+              <a:ext cx="259080" cy="259080"/>
+            </a:xfrm>
+            <a:prstGeom prst="ellipse">
+              <a:avLst/>
+            </a:prstGeom>
+            <a:solidFill>
+              <a:schemeClr val="bg1">
+                <a:lumMod val="95000"/>
+              </a:schemeClr>
+            </a:solidFill>
+            <a:ln>
+              <a:noFill/>
+            </a:ln>
+          </p:spPr>
+          <p:style>
+            <a:lnRef idx="2">
+              <a:schemeClr val="accent1">
+                <a:shade val="15000"/>
+              </a:schemeClr>
+            </a:lnRef>
+            <a:fillRef idx="1">
+              <a:schemeClr val="accent1"/>
+            </a:fillRef>
+            <a:effectRef idx="0">
+              <a:schemeClr val="accent1"/>
+            </a:effectRef>
+            <a:fontRef idx="minor">
+              <a:schemeClr val="lt1"/>
+            </a:fontRef>
+          </p:style>
+          <p:txBody>
+            <a:bodyPr rtlCol="0" anchor="ctr"/>
+            <a:lstStyle/>
+            <a:p>
+              <a:pPr algn="ctr"/>
+              <a:endParaRPr lang="ko-KR" altLang="en-US"/>
+            </a:p>
+          </p:txBody>
+        </p:sp>
+        <p:pic>
+          <p:nvPicPr>
+            <p:cNvPr id="34" name="그림 33" descr="원, 예술, 상징, 디자인이(가) 표시된 사진&#10;&#10;AI 생성 콘텐츠는 정확하지 않을 수 있습니다.">
+              <a:extLst>
+                <a:ext uri="{FF2B5EF4-FFF2-40B4-BE49-F238E27FC236}">
+                  <a16:creationId xmlns:a16="http://schemas.microsoft.com/office/drawing/2014/main" id="{B0376B27-FAE8-46CA-4D51-F524D52BCCF2}"/>
+                </a:ext>
+              </a:extLst>
+            </p:cNvPr>
+            <p:cNvPicPr>
+              <a:picLocks noChangeAspect="1"/>
+            </p:cNvPicPr>
+            <p:nvPr/>
+          </p:nvPicPr>
+          <p:blipFill rotWithShape="1">
             <a:blip r:embed="rId5">
               <a:extLst>
                 <a:ext uri="{28A0092B-C50C-407E-A947-70E740481C1C}">
@@ -3855,28 +10005,35 @@
                 </a:ext>
               </a:extLst>
             </a:blip>
-            <a:srcRect l="44889" t="16000" r="45111" b="71111"/>
+            <a:srcRect l="5931" t="5451" r="6152" b="6631"/>
             <a:stretch>
               <a:fillRect/>
             </a:stretch>
           </p:blipFill>
           <p:spPr>
             <a:xfrm>
-              <a:off x="1430258" y="1684740"/>
-              <a:ext cx="500005" cy="644451"/>
+              <a:off x="5173980" y="4061460"/>
+              <a:ext cx="1076960" cy="1076960"/>
             </a:xfrm>
             <a:prstGeom prst="rect">
               <a:avLst/>
             </a:prstGeom>
+            <a:effectLst>
+              <a:innerShdw blurRad="114300">
+                <a:prstClr val="black">
+                  <a:alpha val="39000"/>
+                </a:prstClr>
+              </a:innerShdw>
+            </a:effectLst>
           </p:spPr>
         </p:pic>
       </p:grpSp>
       <p:sp>
         <p:nvSpPr>
-          <p:cNvPr id="15" name="TextBox 14">
-            <a:extLst>
-              <a:ext uri="{FF2B5EF4-FFF2-40B4-BE49-F238E27FC236}">
-                <a16:creationId xmlns:a16="http://schemas.microsoft.com/office/drawing/2014/main" id="{91BBB087-A813-E9A2-2F49-D1743E8E2EAC}"/>
+          <p:cNvPr id="53" name="TextBox 52">
+            <a:extLst>
+              <a:ext uri="{FF2B5EF4-FFF2-40B4-BE49-F238E27FC236}">
+                <a16:creationId xmlns:a16="http://schemas.microsoft.com/office/drawing/2014/main" id="{CDC67830-9065-240D-9324-8433C52681BA}"/>
               </a:ext>
             </a:extLst>
           </p:cNvPr>
@@ -3885,8 +10042,8 @@
         </p:nvSpPr>
         <p:spPr>
           <a:xfrm>
-            <a:off x="6309717" y="794616"/>
-            <a:ext cx="495649" cy="307777"/>
+            <a:off x="442913" y="2564840"/>
+            <a:ext cx="9102096" cy="261931"/>
           </a:xfrm>
           <a:prstGeom prst="rect">
             <a:avLst/>
@@ -3894,18 +10051,33 @@
           <a:noFill/>
         </p:spPr>
         <p:txBody>
-          <a:bodyPr wrap="none" rtlCol="0">
+          <a:bodyPr wrap="square" lIns="18000" rIns="18000" rtlCol="0">
             <a:spAutoFit/>
           </a:bodyPr>
           <a:lstStyle/>
           <a:p>
-            <a:r>
-              <a:rPr lang="ko-KR" altLang="en-US" sz="1400" dirty="0">
-                <a:latin typeface="Pretendard SemiBold" panose="02000703000000020004" pitchFamily="2" charset="-127"/>
-                <a:ea typeface="Pretendard SemiBold" panose="02000703000000020004" pitchFamily="2" charset="-127"/>
-                <a:cs typeface="Pretendard SemiBold" panose="02000703000000020004" pitchFamily="2" charset="-127"/>
+            <a:pPr latinLnBrk="0">
+              <a:lnSpc>
+                <a:spcPct val="120000"/>
+              </a:lnSpc>
+            </a:pPr>
+            <a:r>
+              <a:rPr lang="ko-KR" altLang="en-US" sz="1000" dirty="0">
+                <a:effectLst/>
+                <a:latin typeface="Pretendard" panose="02000503000000020004" pitchFamily="2" charset="-127"/>
+                <a:ea typeface="Pretendard" panose="02000503000000020004" pitchFamily="2" charset="-127"/>
+                <a:cs typeface="Pretendard" panose="02000503000000020004" pitchFamily="2" charset="-127"/>
               </a:rPr>
-              <a:t>목차</a:t>
+              <a:t>무기 별 전투 스타일 </a:t>
+            </a:r>
+            <a:r>
+              <a:rPr lang="en-US" altLang="ko-KR" sz="1000" dirty="0">
+                <a:effectLst/>
+                <a:latin typeface="Pretendard" panose="02000503000000020004" pitchFamily="2" charset="-127"/>
+                <a:ea typeface="Pretendard" panose="02000503000000020004" pitchFamily="2" charset="-127"/>
+                <a:cs typeface="Pretendard" panose="02000503000000020004" pitchFamily="2" charset="-127"/>
+              </a:rPr>
+              <a:t>: </a:t>
             </a:r>
           </a:p>
         </p:txBody>
@@ -3913,7 +10085,7 @@
     </p:spTree>
     <p:extLst>
       <p:ext uri="{BB962C8B-B14F-4D97-AF65-F5344CB8AC3E}">
-        <p14:creationId xmlns:p14="http://schemas.microsoft.com/office/powerpoint/2010/main" val="1450333052"/>
+        <p14:creationId xmlns:p14="http://schemas.microsoft.com/office/powerpoint/2010/main" val="1631885949"/>
       </p:ext>
     </p:extLst>
   </p:cSld>
@@ -3923,12 +10095,26 @@
 </p:sld>
 </file>
 
-<file path=ppt/slides/slide3.xml><?xml version="1.0" encoding="utf-8"?>
+<file path=ppt/slides/slide6.xml><?xml version="1.0" encoding="utf-8"?>
 <p:sld xmlns:a="http://schemas.openxmlformats.org/drawingml/2006/main" xmlns:r="http://schemas.openxmlformats.org/officeDocument/2006/relationships" xmlns:p="http://schemas.openxmlformats.org/presentationml/2006/main">
   <p:cSld>
+    <p:bg>
+      <p:bgPr>
+        <a:solidFill>
+          <a:srgbClr val="212227"/>
+        </a:solidFill>
+        <a:effectLst/>
+      </p:bgPr>
+    </p:bg>
     <p:spTree>
       <p:nvGrpSpPr>
-        <p:cNvPr id="1" name=""/>
+        <p:cNvPr id="1" name="">
+          <a:extLst>
+            <a:ext uri="{FF2B5EF4-FFF2-40B4-BE49-F238E27FC236}">
+              <a16:creationId xmlns:a16="http://schemas.microsoft.com/office/drawing/2014/main" id="{15DF0197-B1A3-7F6D-7628-560394A7B730}"/>
+            </a:ext>
+          </a:extLst>
+        </p:cNvPr>
         <p:cNvGrpSpPr/>
         <p:nvPr/>
       </p:nvGrpSpPr>
@@ -3942,10 +10128,10 @@
       </p:grpSpPr>
       <p:pic>
         <p:nvPicPr>
-          <p:cNvPr id="7" name="그림 6">
-            <a:extLst>
-              <a:ext uri="{FF2B5EF4-FFF2-40B4-BE49-F238E27FC236}">
-                <a16:creationId xmlns:a16="http://schemas.microsoft.com/office/drawing/2014/main" id="{1B0FD6C0-598C-54C6-D22F-6722E4E26993}"/>
+          <p:cNvPr id="12" name="그림 11" descr="폰트, 타이포그래피, 텍스트, 그래픽이(가) 표시된 사진&#10;&#10;AI 생성 콘텐츠는 정확하지 않을 수 있습니다.">
+            <a:extLst>
+              <a:ext uri="{FF2B5EF4-FFF2-40B4-BE49-F238E27FC236}">
+                <a16:creationId xmlns:a16="http://schemas.microsoft.com/office/drawing/2014/main" id="{A8416A4B-E61A-521F-76BE-F92B8C0FE27D}"/>
               </a:ext>
             </a:extLst>
           </p:cNvPr>
@@ -3955,7 +10141,7 @@
           <p:nvPr/>
         </p:nvPicPr>
         <p:blipFill>
-          <a:blip r:embed="rId2">
+          <a:blip r:embed="rId3">
             <a:extLst>
               <a:ext uri="{28A0092B-C50C-407E-A947-70E740481C1C}">
                 <a14:useLocalDpi xmlns:a14="http://schemas.microsoft.com/office/drawing/2010/main" val="0"/>
@@ -3968,20 +10154,21 @@
         </p:blipFill>
         <p:spPr>
           <a:xfrm>
-            <a:off x="0" y="0"/>
-            <a:ext cx="12192000" cy="443346"/>
+            <a:off x="5511945" y="6253641"/>
+            <a:ext cx="1168111" cy="327508"/>
           </a:xfrm>
           <a:prstGeom prst="rect">
             <a:avLst/>
           </a:prstGeom>
+          <a:effectLst/>
         </p:spPr>
       </p:pic>
       <p:sp>
         <p:nvSpPr>
-          <p:cNvPr id="4" name="TextBox 3">
-            <a:extLst>
-              <a:ext uri="{FF2B5EF4-FFF2-40B4-BE49-F238E27FC236}">
-                <a16:creationId xmlns:a16="http://schemas.microsoft.com/office/drawing/2014/main" id="{6A190F32-2C04-496D-CD0E-B44F70E7CE3F}"/>
+          <p:cNvPr id="5" name="TextBox 4">
+            <a:extLst>
+              <a:ext uri="{FF2B5EF4-FFF2-40B4-BE49-F238E27FC236}">
+                <a16:creationId xmlns:a16="http://schemas.microsoft.com/office/drawing/2014/main" id="{A5B15EF4-E8E4-73D0-5310-4B25054C26EB}"/>
               </a:ext>
             </a:extLst>
           </p:cNvPr>
@@ -3990,8 +10177,8 @@
         </p:nvSpPr>
         <p:spPr>
           <a:xfrm>
-            <a:off x="539225" y="67785"/>
-            <a:ext cx="495649" cy="307777"/>
+            <a:off x="3557485" y="2659559"/>
+            <a:ext cx="5077031" cy="769441"/>
           </a:xfrm>
           <a:prstGeom prst="rect">
             <a:avLst/>
@@ -4005,23 +10192,31 @@
           <a:lstStyle/>
           <a:p>
             <a:r>
-              <a:rPr lang="ko-KR" altLang="en-US" sz="1400" dirty="0">
+              <a:rPr lang="en-US" altLang="ko-KR" sz="4400" dirty="0">
                 <a:solidFill>
-                  <a:srgbClr val="C7B388"/>
+                  <a:schemeClr val="bg1"/>
                 </a:solidFill>
-                <a:latin typeface="Pretendard SemiBold" panose="02000703000000020004" pitchFamily="2" charset="-127"/>
-                <a:ea typeface="Pretendard SemiBold" panose="02000703000000020004" pitchFamily="2" charset="-127"/>
-                <a:cs typeface="Pretendard SemiBold" panose="02000703000000020004" pitchFamily="2" charset="-127"/>
+                <a:effectLst/>
+                <a:latin typeface="빛의 계승자 Bold" panose="020B0600000101010101" pitchFamily="50" charset="-127"/>
+                <a:ea typeface="빛의 계승자 Bold" panose="020B0600000101010101" pitchFamily="50" charset="-127"/>
               </a:rPr>
-              <a:t>개요</a:t>
-            </a:r>
+              <a:t>End Of Document</a:t>
+            </a:r>
+            <a:endParaRPr lang="ko-KR" altLang="en-US" sz="4400" dirty="0">
+              <a:solidFill>
+                <a:schemeClr val="bg1"/>
+              </a:solidFill>
+              <a:effectLst/>
+              <a:latin typeface="빛의 계승자 Bold" panose="020B0600000101010101" pitchFamily="50" charset="-127"/>
+              <a:ea typeface="빛의 계승자 Bold" panose="020B0600000101010101" pitchFamily="50" charset="-127"/>
+            </a:endParaRPr>
           </a:p>
         </p:txBody>
       </p:sp>
     </p:spTree>
     <p:extLst>
       <p:ext uri="{BB962C8B-B14F-4D97-AF65-F5344CB8AC3E}">
-        <p14:creationId xmlns:p14="http://schemas.microsoft.com/office/powerpoint/2010/main" val="1033985967"/>
+        <p14:creationId xmlns:p14="http://schemas.microsoft.com/office/powerpoint/2010/main" val="2894142246"/>
       </p:ext>
     </p:extLst>
   </p:cSld>
@@ -4344,4 +10539,319 @@
     </a:ext>
   </a:extLst>
 </a:theme>
+</file>
+
+<file path=ppt/theme/theme2.xml><?xml version="1.0" encoding="utf-8"?>
+<a:theme xmlns:a="http://schemas.openxmlformats.org/drawingml/2006/main" name="Office 테마">
+  <a:themeElements>
+    <a:clrScheme name="Office">
+      <a:dk1>
+        <a:sysClr val="windowText" lastClr="000000"/>
+      </a:dk1>
+      <a:lt1>
+        <a:sysClr val="window" lastClr="FFFFFF"/>
+      </a:lt1>
+      <a:dk2>
+        <a:srgbClr val="0E2841"/>
+      </a:dk2>
+      <a:lt2>
+        <a:srgbClr val="E8E8E8"/>
+      </a:lt2>
+      <a:accent1>
+        <a:srgbClr val="156082"/>
+      </a:accent1>
+      <a:accent2>
+        <a:srgbClr val="E97132"/>
+      </a:accent2>
+      <a:accent3>
+        <a:srgbClr val="196B24"/>
+      </a:accent3>
+      <a:accent4>
+        <a:srgbClr val="0F9ED5"/>
+      </a:accent4>
+      <a:accent5>
+        <a:srgbClr val="A02B93"/>
+      </a:accent5>
+      <a:accent6>
+        <a:srgbClr val="4EA72E"/>
+      </a:accent6>
+      <a:hlink>
+        <a:srgbClr val="467886"/>
+      </a:hlink>
+      <a:folHlink>
+        <a:srgbClr val="96607D"/>
+      </a:folHlink>
+    </a:clrScheme>
+    <a:fontScheme name="Office">
+      <a:majorFont>
+        <a:latin typeface="맑은 고딕" panose="02110004020202020204"/>
+        <a:ea typeface=""/>
+        <a:cs typeface=""/>
+        <a:font script="Jpan" typeface="游ゴシック Light"/>
+        <a:font script="Hang" typeface="맑은 고딕"/>
+        <a:font script="Hans" typeface="等线 Light"/>
+        <a:font script="Hant" typeface="新細明體"/>
+        <a:font script="Arab" typeface="Times New Roman"/>
+        <a:font script="Hebr" typeface="Times New Roman"/>
+        <a:font script="Thai" typeface="Angsana New"/>
+        <a:font script="Ethi" typeface="Nyala"/>
+        <a:font script="Beng" typeface="Vrinda"/>
+        <a:font script="Gujr" typeface="Shruti"/>
+        <a:font script="Khmr" typeface="MoolBoran"/>
+        <a:font script="Knda" typeface="Tunga"/>
+        <a:font script="Guru" typeface="Raavi"/>
+        <a:font script="Cans" typeface="Euphemia"/>
+        <a:font script="Cher" typeface="Plantagenet Cherokee"/>
+        <a:font script="Yiii" typeface="Microsoft Yi Baiti"/>
+        <a:font script="Tibt" typeface="Microsoft Himalaya"/>
+        <a:font script="Thaa" typeface="MV Boli"/>
+        <a:font script="Deva" typeface="Mangal"/>
+        <a:font script="Telu" typeface="Gautami"/>
+        <a:font script="Taml" typeface="Latha"/>
+        <a:font script="Syrc" typeface="Estrangelo Edessa"/>
+        <a:font script="Orya" typeface="Kalinga"/>
+        <a:font script="Mlym" typeface="Kartika"/>
+        <a:font script="Laoo" typeface="DokChampa"/>
+        <a:font script="Sinh" typeface="Iskoola Pota"/>
+        <a:font script="Mong" typeface="Mongolian Baiti"/>
+        <a:font script="Viet" typeface="Times New Roman"/>
+        <a:font script="Uigh" typeface="Microsoft Uighur"/>
+        <a:font script="Geor" typeface="Sylfaen"/>
+        <a:font script="Armn" typeface="Arial"/>
+        <a:font script="Bugi" typeface="Leelawadee UI"/>
+        <a:font script="Bopo" typeface="Microsoft JhengHei"/>
+        <a:font script="Java" typeface="Javanese Text"/>
+        <a:font script="Lisu" typeface="Segoe UI"/>
+        <a:font script="Mymr" typeface="Myanmar Text"/>
+        <a:font script="Nkoo" typeface="Ebrima"/>
+        <a:font script="Olck" typeface="Nirmala UI"/>
+        <a:font script="Osma" typeface="Ebrima"/>
+        <a:font script="Phag" typeface="Phagspa"/>
+        <a:font script="Syrn" typeface="Estrangelo Edessa"/>
+        <a:font script="Syrj" typeface="Estrangelo Edessa"/>
+        <a:font script="Syre" typeface="Estrangelo Edessa"/>
+        <a:font script="Sora" typeface="Nirmala UI"/>
+        <a:font script="Tale" typeface="Microsoft Tai Le"/>
+        <a:font script="Talu" typeface="Microsoft New Tai Lue"/>
+        <a:font script="Tfng" typeface="Ebrima"/>
+      </a:majorFont>
+      <a:minorFont>
+        <a:latin typeface="맑은 고딕" panose="02110004020202020204"/>
+        <a:ea typeface=""/>
+        <a:cs typeface=""/>
+        <a:font script="Jpan" typeface="游ゴシック"/>
+        <a:font script="Hang" typeface="맑은 고딕"/>
+        <a:font script="Hans" typeface="等线"/>
+        <a:font script="Hant" typeface="新細明體"/>
+        <a:font script="Arab" typeface="Arial"/>
+        <a:font script="Hebr" typeface="Arial"/>
+        <a:font script="Thai" typeface="Cordia New"/>
+        <a:font script="Ethi" typeface="Nyala"/>
+        <a:font script="Beng" typeface="Vrinda"/>
+        <a:font script="Gujr" typeface="Shruti"/>
+        <a:font script="Khmr" typeface="DaunPenh"/>
+        <a:font script="Knda" typeface="Tunga"/>
+        <a:font script="Guru" typeface="Raavi"/>
+        <a:font script="Cans" typeface="Euphemia"/>
+        <a:font script="Cher" typeface="Plantagenet Cherokee"/>
+        <a:font script="Yiii" typeface="Microsoft Yi Baiti"/>
+        <a:font script="Tibt" typeface="Microsoft Himalaya"/>
+        <a:font script="Thaa" typeface="MV Boli"/>
+        <a:font script="Deva" typeface="Mangal"/>
+        <a:font script="Telu" typeface="Gautami"/>
+        <a:font script="Taml" typeface="Latha"/>
+        <a:font script="Syrc" typeface="Estrangelo Edessa"/>
+        <a:font script="Orya" typeface="Kalinga"/>
+        <a:font script="Mlym" typeface="Kartika"/>
+        <a:font script="Laoo" typeface="DokChampa"/>
+        <a:font script="Sinh" typeface="Iskoola Pota"/>
+        <a:font script="Mong" typeface="Mongolian Baiti"/>
+        <a:font script="Viet" typeface="Arial"/>
+        <a:font script="Uigh" typeface="Microsoft Uighur"/>
+        <a:font script="Geor" typeface="Sylfaen"/>
+        <a:font script="Armn" typeface="Arial"/>
+        <a:font script="Bugi" typeface="Leelawadee UI"/>
+        <a:font script="Bopo" typeface="Microsoft JhengHei"/>
+        <a:font script="Java" typeface="Javanese Text"/>
+        <a:font script="Lisu" typeface="Segoe UI"/>
+        <a:font script="Mymr" typeface="Myanmar Text"/>
+        <a:font script="Nkoo" typeface="Ebrima"/>
+        <a:font script="Olck" typeface="Nirmala UI"/>
+        <a:font script="Osma" typeface="Ebrima"/>
+        <a:font script="Phag" typeface="Phagspa"/>
+        <a:font script="Syrn" typeface="Estrangelo Edessa"/>
+        <a:font script="Syrj" typeface="Estrangelo Edessa"/>
+        <a:font script="Syre" typeface="Estrangelo Edessa"/>
+        <a:font script="Sora" typeface="Nirmala UI"/>
+        <a:font script="Tale" typeface="Microsoft Tai Le"/>
+        <a:font script="Talu" typeface="Microsoft New Tai Lue"/>
+        <a:font script="Tfng" typeface="Ebrima"/>
+      </a:minorFont>
+    </a:fontScheme>
+    <a:fmtScheme name="Office">
+      <a:fillStyleLst>
+        <a:solidFill>
+          <a:schemeClr val="phClr"/>
+        </a:solidFill>
+        <a:gradFill rotWithShape="1">
+          <a:gsLst>
+            <a:gs pos="0">
+              <a:schemeClr val="phClr">
+                <a:lumMod val="110000"/>
+                <a:satMod val="105000"/>
+                <a:tint val="67000"/>
+              </a:schemeClr>
+            </a:gs>
+            <a:gs pos="50000">
+              <a:schemeClr val="phClr">
+                <a:lumMod val="105000"/>
+                <a:satMod val="103000"/>
+                <a:tint val="73000"/>
+              </a:schemeClr>
+            </a:gs>
+            <a:gs pos="100000">
+              <a:schemeClr val="phClr">
+                <a:lumMod val="105000"/>
+                <a:satMod val="109000"/>
+                <a:tint val="81000"/>
+              </a:schemeClr>
+            </a:gs>
+          </a:gsLst>
+          <a:lin ang="5400000" scaled="0"/>
+        </a:gradFill>
+        <a:gradFill rotWithShape="1">
+          <a:gsLst>
+            <a:gs pos="0">
+              <a:schemeClr val="phClr">
+                <a:satMod val="103000"/>
+                <a:lumMod val="102000"/>
+                <a:tint val="94000"/>
+              </a:schemeClr>
+            </a:gs>
+            <a:gs pos="50000">
+              <a:schemeClr val="phClr">
+                <a:satMod val="110000"/>
+                <a:lumMod val="100000"/>
+                <a:shade val="100000"/>
+              </a:schemeClr>
+            </a:gs>
+            <a:gs pos="100000">
+              <a:schemeClr val="phClr">
+                <a:lumMod val="99000"/>
+                <a:satMod val="120000"/>
+                <a:shade val="78000"/>
+              </a:schemeClr>
+            </a:gs>
+          </a:gsLst>
+          <a:lin ang="5400000" scaled="0"/>
+        </a:gradFill>
+      </a:fillStyleLst>
+      <a:lnStyleLst>
+        <a:ln w="12700" cap="flat" cmpd="sng" algn="ctr">
+          <a:solidFill>
+            <a:schemeClr val="phClr"/>
+          </a:solidFill>
+          <a:prstDash val="solid"/>
+          <a:miter lim="800000"/>
+        </a:ln>
+        <a:ln w="19050" cap="flat" cmpd="sng" algn="ctr">
+          <a:solidFill>
+            <a:schemeClr val="phClr"/>
+          </a:solidFill>
+          <a:prstDash val="solid"/>
+          <a:miter lim="800000"/>
+        </a:ln>
+        <a:ln w="25400" cap="flat" cmpd="sng" algn="ctr">
+          <a:solidFill>
+            <a:schemeClr val="phClr"/>
+          </a:solidFill>
+          <a:prstDash val="solid"/>
+          <a:miter lim="800000"/>
+        </a:ln>
+      </a:lnStyleLst>
+      <a:effectStyleLst>
+        <a:effectStyle>
+          <a:effectLst/>
+        </a:effectStyle>
+        <a:effectStyle>
+          <a:effectLst/>
+        </a:effectStyle>
+        <a:effectStyle>
+          <a:effectLst>
+            <a:outerShdw blurRad="57150" dist="19050" dir="5400000" algn="ctr" rotWithShape="0">
+              <a:srgbClr val="000000">
+                <a:alpha val="63000"/>
+              </a:srgbClr>
+            </a:outerShdw>
+          </a:effectLst>
+        </a:effectStyle>
+      </a:effectStyleLst>
+      <a:bgFillStyleLst>
+        <a:solidFill>
+          <a:schemeClr val="phClr"/>
+        </a:solidFill>
+        <a:solidFill>
+          <a:schemeClr val="phClr">
+            <a:tint val="95000"/>
+            <a:satMod val="170000"/>
+          </a:schemeClr>
+        </a:solidFill>
+        <a:gradFill rotWithShape="1">
+          <a:gsLst>
+            <a:gs pos="0">
+              <a:schemeClr val="phClr">
+                <a:tint val="93000"/>
+                <a:satMod val="150000"/>
+                <a:shade val="98000"/>
+                <a:lumMod val="102000"/>
+              </a:schemeClr>
+            </a:gs>
+            <a:gs pos="50000">
+              <a:schemeClr val="phClr">
+                <a:tint val="98000"/>
+                <a:satMod val="130000"/>
+                <a:shade val="90000"/>
+                <a:lumMod val="103000"/>
+              </a:schemeClr>
+            </a:gs>
+            <a:gs pos="100000">
+              <a:schemeClr val="phClr">
+                <a:shade val="63000"/>
+                <a:satMod val="120000"/>
+              </a:schemeClr>
+            </a:gs>
+          </a:gsLst>
+          <a:lin ang="5400000" scaled="0"/>
+        </a:gradFill>
+      </a:bgFillStyleLst>
+    </a:fmtScheme>
+  </a:themeElements>
+  <a:objectDefaults>
+    <a:lnDef>
+      <a:spPr/>
+      <a:bodyPr/>
+      <a:lstStyle/>
+      <a:style>
+        <a:lnRef idx="2">
+          <a:schemeClr val="accent1"/>
+        </a:lnRef>
+        <a:fillRef idx="0">
+          <a:schemeClr val="accent1"/>
+        </a:fillRef>
+        <a:effectRef idx="1">
+          <a:schemeClr val="accent1"/>
+        </a:effectRef>
+        <a:fontRef idx="minor">
+          <a:schemeClr val="tx1"/>
+        </a:fontRef>
+      </a:style>
+    </a:lnDef>
+  </a:objectDefaults>
+  <a:extraClrSchemeLst/>
+  <a:extLst>
+    <a:ext uri="{05A4C25C-085E-4340-85A3-A5531E510DB2}">
+      <thm15:themeFamily xmlns:thm15="http://schemas.microsoft.com/office/thememl/2012/main" name="Office Theme" id="{2E142A2C-CD16-42D6-873A-C26D2A0506FA}" vid="{1BDDFF52-6CD6-40A5-AB3C-68EB2F1E4D0A}"/>
+    </a:ext>
+  </a:extLst>
+</a:theme>
 </file>
--- a/크로노오디세이_전투기획자/사전과제/[과제전형] [Chrono Odyssey] 캐릭터 전투 기획자 모집 _ 홍진선 과제 제출.pptx
+++ b/크로노오디세이_전투기획자/사전과제/[과제전형] [Chrono Odyssey] 캐릭터 전투 기획자 모집 _ 홍진선 과제 제출.pptx
@@ -5,7 +5,7 @@
     <p:sldMasterId id="2147483648" r:id="rId1"/>
   </p:sldMasterIdLst>
   <p:notesMasterIdLst>
-    <p:notesMasterId r:id="rId10"/>
+    <p:notesMasterId r:id="rId11"/>
   </p:notesMasterIdLst>
   <p:sldIdLst>
     <p:sldId id="262" r:id="rId2"/>
@@ -13,9 +13,10 @@
     <p:sldId id="271" r:id="rId4"/>
     <p:sldId id="275" r:id="rId5"/>
     <p:sldId id="276" r:id="rId6"/>
-    <p:sldId id="278" r:id="rId7"/>
-    <p:sldId id="263" r:id="rId8"/>
-    <p:sldId id="266" r:id="rId9"/>
+    <p:sldId id="279" r:id="rId7"/>
+    <p:sldId id="278" r:id="rId8"/>
+    <p:sldId id="263" r:id="rId9"/>
+    <p:sldId id="266" r:id="rId10"/>
   </p:sldIdLst>
   <p:sldSz cx="12192000" cy="6858000"/>
   <p:notesSz cx="6858000" cy="9144000"/>
@@ -699,7 +700,7 @@
           <a:p>
             <a:fld id="{40E134C8-DE01-4967-8504-92E88DCF6C0A}" type="slidenum">
               <a:rPr lang="ko-KR" altLang="en-US" smtClean="0"/>
-              <a:t>8</a:t>
+              <a:t>9</a:t>
             </a:fld>
             <a:endParaRPr lang="ko-KR" altLang="en-US"/>
           </a:p>
@@ -3543,7 +3544,7 @@
                 </a:r>
                 <a:r>
                   <a:rPr lang="ko-KR" altLang="en-US" dirty="0"/>
-                  <a:t>클래스 소개</a:t>
+                  <a:t>기획 의도</a:t>
                 </a:r>
                 <a:endParaRPr lang="en-US" altLang="ko-KR" dirty="0"/>
               </a:p>
@@ -3554,7 +3555,7 @@
                 </a:r>
                 <a:r>
                   <a:rPr lang="ko-KR" altLang="en-US" dirty="0"/>
-                  <a:t>기획 의도</a:t>
+                  <a:t>클래스 소개</a:t>
                 </a:r>
                 <a:endParaRPr lang="en-US" altLang="ko-KR" dirty="0"/>
               </a:p>
@@ -4287,10 +4288,10 @@
       </p:grpSpPr>
       <p:sp>
         <p:nvSpPr>
-          <p:cNvPr id="19" name="TextBox 18">
+          <p:cNvPr id="15" name="TextBox 14">
             <a:extLst>
               <a:ext uri="{FF2B5EF4-FFF2-40B4-BE49-F238E27FC236}">
-                <a16:creationId xmlns:a16="http://schemas.microsoft.com/office/drawing/2014/main" id="{EB8E7512-1CE9-8AB8-0ACB-B6C81FB7BC1A}"/>
+                <a16:creationId xmlns:a16="http://schemas.microsoft.com/office/drawing/2014/main" id="{92D76104-6419-1F67-0025-1AD7DBC9AB2F}"/>
               </a:ext>
             </a:extLst>
           </p:cNvPr>
@@ -4299,8 +4300,8 @@
         </p:nvSpPr>
         <p:spPr>
           <a:xfrm>
-            <a:off x="6126211" y="4850536"/>
-            <a:ext cx="6065789" cy="1000595"/>
+            <a:off x="1291470" y="98563"/>
+            <a:ext cx="869964" cy="261610"/>
           </a:xfrm>
           <a:prstGeom prst="rect">
             <a:avLst/>
@@ -4308,120 +4309,56 @@
           <a:noFill/>
         </p:spPr>
         <p:txBody>
-          <a:bodyPr wrap="square" lIns="18000" rIns="18000" rtlCol="0">
+          <a:bodyPr wrap="none" lIns="144000" rIns="0" rtlCol="0" anchor="b">
             <a:spAutoFit/>
           </a:bodyPr>
           <a:lstStyle/>
           <a:p>
-            <a:pPr latinLnBrk="0">
-              <a:lnSpc>
-                <a:spcPct val="120000"/>
-              </a:lnSpc>
-            </a:pPr>
-            <a:r>
-              <a:rPr lang="ko-KR" altLang="en-US" sz="1000" dirty="0">
-                <a:effectLst/>
-                <a:latin typeface="Pretendard" panose="02000503000000020004" pitchFamily="2" charset="-127"/>
-                <a:ea typeface="Pretendard" panose="02000503000000020004" pitchFamily="2" charset="-127"/>
-                <a:cs typeface="Pretendard" panose="02000503000000020004" pitchFamily="2" charset="-127"/>
+            <a:r>
+              <a:rPr lang="en-US" altLang="ko-KR" sz="1100" dirty="0">
+                <a:solidFill>
+                  <a:schemeClr val="bg1">
+                    <a:lumMod val="85000"/>
+                  </a:schemeClr>
+                </a:solidFill>
+                <a:latin typeface="Pretendard SemiBold" panose="02000703000000020004" pitchFamily="2" charset="-127"/>
+                <a:ea typeface="Pretendard SemiBold" panose="02000703000000020004" pitchFamily="2" charset="-127"/>
+                <a:cs typeface="Pretendard SemiBold" panose="02000703000000020004" pitchFamily="2" charset="-127"/>
               </a:rPr>
-              <a:t>현자는 원리와 법칙을 파악하여 최소한의 움직임으로 최대의 결과를 만들어 내는 효율을 추구합니다</a:t>
-            </a:r>
-            <a:r>
-              <a:rPr lang="en-US" altLang="ko-KR" sz="1000" dirty="0">
-                <a:effectLst/>
-                <a:latin typeface="Pretendard" panose="02000503000000020004" pitchFamily="2" charset="-127"/>
-                <a:ea typeface="Pretendard" panose="02000503000000020004" pitchFamily="2" charset="-127"/>
-                <a:cs typeface="Pretendard" panose="02000503000000020004" pitchFamily="2" charset="-127"/>
+              <a:t>(1) </a:t>
+            </a:r>
+            <a:r>
+              <a:rPr lang="ko-KR" altLang="en-US" sz="1100" dirty="0">
+                <a:solidFill>
+                  <a:schemeClr val="bg1">
+                    <a:lumMod val="85000"/>
+                  </a:schemeClr>
+                </a:solidFill>
+                <a:latin typeface="Pretendard SemiBold" panose="02000703000000020004" pitchFamily="2" charset="-127"/>
+                <a:ea typeface="Pretendard SemiBold" panose="02000703000000020004" pitchFamily="2" charset="-127"/>
+                <a:cs typeface="Pretendard SemiBold" panose="02000703000000020004" pitchFamily="2" charset="-127"/>
               </a:rPr>
-              <a:t>. </a:t>
-            </a:r>
-          </a:p>
-          <a:p>
-            <a:pPr latinLnBrk="0">
-              <a:lnSpc>
-                <a:spcPct val="120000"/>
-              </a:lnSpc>
-            </a:pPr>
-            <a:endParaRPr lang="en-US" altLang="ko-KR" sz="1000" dirty="0">
-              <a:effectLst/>
-              <a:latin typeface="Pretendard" panose="02000503000000020004" pitchFamily="2" charset="-127"/>
-              <a:ea typeface="Pretendard" panose="02000503000000020004" pitchFamily="2" charset="-127"/>
-              <a:cs typeface="Pretendard" panose="02000503000000020004" pitchFamily="2" charset="-127"/>
-            </a:endParaRPr>
-          </a:p>
-          <a:p>
-            <a:pPr latinLnBrk="0">
-              <a:lnSpc>
-                <a:spcPct val="120000"/>
-              </a:lnSpc>
-            </a:pPr>
-            <a:r>
-              <a:rPr lang="ko-KR" altLang="en-US" sz="1000" dirty="0">
-                <a:latin typeface="Pretendard" panose="02000503000000020004" pitchFamily="2" charset="-127"/>
-                <a:ea typeface="Pretendard" panose="02000503000000020004" pitchFamily="2" charset="-127"/>
-                <a:cs typeface="Pretendard" panose="02000503000000020004" pitchFamily="2" charset="-127"/>
-              </a:rPr>
-              <a:t>그들의 모든 기술은 인과에서 비롯되며 전장에서의 행위에 따라 쌓이는 인과는 행동을 멈추면 빠르게 소멸됩니다</a:t>
-            </a:r>
-            <a:r>
-              <a:rPr lang="en-US" altLang="ko-KR" sz="1000" dirty="0">
-                <a:latin typeface="Pretendard" panose="02000503000000020004" pitchFamily="2" charset="-127"/>
-                <a:ea typeface="Pretendard" panose="02000503000000020004" pitchFamily="2" charset="-127"/>
-                <a:cs typeface="Pretendard" panose="02000503000000020004" pitchFamily="2" charset="-127"/>
-              </a:rPr>
-              <a:t>.</a:t>
-            </a:r>
-          </a:p>
-          <a:p>
-            <a:pPr latinLnBrk="0">
-              <a:lnSpc>
-                <a:spcPct val="120000"/>
-              </a:lnSpc>
-            </a:pPr>
-            <a:endParaRPr lang="en-US" altLang="ko-KR" sz="1000" dirty="0">
-              <a:latin typeface="Pretendard" panose="02000503000000020004" pitchFamily="2" charset="-127"/>
-              <a:ea typeface="Pretendard" panose="02000503000000020004" pitchFamily="2" charset="-127"/>
-              <a:cs typeface="Pretendard" panose="02000503000000020004" pitchFamily="2" charset="-127"/>
-            </a:endParaRPr>
-          </a:p>
-          <a:p>
-            <a:pPr latinLnBrk="0">
-              <a:lnSpc>
-                <a:spcPct val="120000"/>
-              </a:lnSpc>
-            </a:pPr>
-            <a:r>
-              <a:rPr lang="ko-KR" altLang="en-US" sz="1000" dirty="0">
-                <a:latin typeface="Pretendard" panose="02000503000000020004" pitchFamily="2" charset="-127"/>
-                <a:ea typeface="Pretendard" panose="02000503000000020004" pitchFamily="2" charset="-127"/>
-                <a:cs typeface="Pretendard" panose="02000503000000020004" pitchFamily="2" charset="-127"/>
-              </a:rPr>
-              <a:t>이 험난한 과정을 흔들림 없이 해낸 현자들은 전장의 위기를 극복하는 지침이 됩니다</a:t>
-            </a:r>
-            <a:r>
-              <a:rPr lang="en-US" altLang="ko-KR" sz="1000" dirty="0">
-                <a:latin typeface="Pretendard" panose="02000503000000020004" pitchFamily="2" charset="-127"/>
-                <a:ea typeface="Pretendard" panose="02000503000000020004" pitchFamily="2" charset="-127"/>
-                <a:cs typeface="Pretendard" panose="02000503000000020004" pitchFamily="2" charset="-127"/>
-              </a:rPr>
-              <a:t>.</a:t>
-            </a:r>
-            <a:endParaRPr lang="en-US" altLang="ko-KR" sz="1000" dirty="0">
-              <a:effectLst/>
-              <a:latin typeface="Pretendard" panose="02000503000000020004" pitchFamily="2" charset="-127"/>
-              <a:ea typeface="Pretendard" panose="02000503000000020004" pitchFamily="2" charset="-127"/>
-              <a:cs typeface="Pretendard" panose="02000503000000020004" pitchFamily="2" charset="-127"/>
+              <a:t>기획 의도</a:t>
+            </a:r>
+            <a:endParaRPr lang="en-US" altLang="ko-KR" sz="1100" dirty="0">
+              <a:solidFill>
+                <a:schemeClr val="bg1">
+                  <a:lumMod val="85000"/>
+                </a:schemeClr>
+              </a:solidFill>
+              <a:latin typeface="Pretendard SemiBold" panose="02000703000000020004" pitchFamily="2" charset="-127"/>
+              <a:ea typeface="Pretendard SemiBold" panose="02000703000000020004" pitchFamily="2" charset="-127"/>
+              <a:cs typeface="Pretendard SemiBold" panose="02000703000000020004" pitchFamily="2" charset="-127"/>
             </a:endParaRPr>
           </a:p>
         </p:txBody>
       </p:sp>
       <p:pic>
         <p:nvPicPr>
-          <p:cNvPr id="3" name="그림 2" descr="의상 디자인, 덮개, 의류, 인간의 얼굴이(가) 표시된 사진&#10;&#10;AI 생성 콘텐츠는 정확하지 않을 수 있습니다.">
+          <p:cNvPr id="8" name="그림 7" descr="의류, 의상 디자인, 여성, 가상의 캐릭터이(가) 표시된 사진&#10;&#10;AI 생성 콘텐츠는 정확하지 않을 수 있습니다.">
             <a:extLst>
               <a:ext uri="{FF2B5EF4-FFF2-40B4-BE49-F238E27FC236}">
-                <a16:creationId xmlns:a16="http://schemas.microsoft.com/office/drawing/2014/main" id="{F0E604A7-DB65-7F63-6837-23DB93ED35B1}"/>
+                <a16:creationId xmlns:a16="http://schemas.microsoft.com/office/drawing/2014/main" id="{608B6A57-F702-47B9-136D-F19BECEE9195}"/>
               </a:ext>
             </a:extLst>
           </p:cNvPr>
@@ -4438,14 +4375,15 @@
               </a:ext>
             </a:extLst>
           </a:blip>
+          <a:srcRect t="10582" b="1378"/>
           <a:stretch>
             <a:fillRect/>
           </a:stretch>
         </p:blipFill>
         <p:spPr>
           <a:xfrm>
-            <a:off x="8842822" y="1151689"/>
-            <a:ext cx="1799107" cy="3088232"/>
+            <a:off x="4288803" y="1492722"/>
+            <a:ext cx="3150974" cy="5186080"/>
           </a:xfrm>
           <a:prstGeom prst="rect">
             <a:avLst/>
@@ -4454,10 +4392,10 @@
       </p:pic>
       <p:sp>
         <p:nvSpPr>
-          <p:cNvPr id="15" name="TextBox 14">
+          <p:cNvPr id="9" name="TextBox 8">
             <a:extLst>
               <a:ext uri="{FF2B5EF4-FFF2-40B4-BE49-F238E27FC236}">
-                <a16:creationId xmlns:a16="http://schemas.microsoft.com/office/drawing/2014/main" id="{92D76104-6419-1F67-0025-1AD7DBC9AB2F}"/>
+                <a16:creationId xmlns:a16="http://schemas.microsoft.com/office/drawing/2014/main" id="{31B2E87F-2D88-0300-1D26-E571089B5321}"/>
               </a:ext>
             </a:extLst>
           </p:cNvPr>
@@ -4466,127 +4404,8 @@
         </p:nvSpPr>
         <p:spPr>
           <a:xfrm>
-            <a:off x="1291470" y="98563"/>
-            <a:ext cx="1012631" cy="261610"/>
-          </a:xfrm>
-          <a:prstGeom prst="rect">
-            <a:avLst/>
-          </a:prstGeom>
-          <a:noFill/>
-        </p:spPr>
-        <p:txBody>
-          <a:bodyPr wrap="none" lIns="144000" rIns="0" rtlCol="0" anchor="b">
-            <a:spAutoFit/>
-          </a:bodyPr>
-          <a:lstStyle/>
-          <a:p>
-            <a:r>
-              <a:rPr lang="en-US" altLang="ko-KR" sz="1100" dirty="0">
-                <a:solidFill>
-                  <a:schemeClr val="bg1">
-                    <a:lumMod val="85000"/>
-                  </a:schemeClr>
-                </a:solidFill>
-                <a:latin typeface="Pretendard SemiBold" panose="02000703000000020004" pitchFamily="2" charset="-127"/>
-                <a:ea typeface="Pretendard SemiBold" panose="02000703000000020004" pitchFamily="2" charset="-127"/>
-                <a:cs typeface="Pretendard SemiBold" panose="02000703000000020004" pitchFamily="2" charset="-127"/>
-              </a:rPr>
-              <a:t>(1) </a:t>
-            </a:r>
-            <a:r>
-              <a:rPr lang="ko-KR" altLang="en-US" sz="1100" dirty="0">
-                <a:solidFill>
-                  <a:schemeClr val="bg1">
-                    <a:lumMod val="85000"/>
-                  </a:schemeClr>
-                </a:solidFill>
-                <a:latin typeface="Pretendard SemiBold" panose="02000703000000020004" pitchFamily="2" charset="-127"/>
-                <a:ea typeface="Pretendard SemiBold" panose="02000703000000020004" pitchFamily="2" charset="-127"/>
-                <a:cs typeface="Pretendard SemiBold" panose="02000703000000020004" pitchFamily="2" charset="-127"/>
-              </a:rPr>
-              <a:t>클래스 소개</a:t>
-            </a:r>
-            <a:endParaRPr lang="en-US" altLang="ko-KR" sz="1100" dirty="0">
-              <a:solidFill>
-                <a:schemeClr val="bg1">
-                  <a:lumMod val="85000"/>
-                </a:schemeClr>
-              </a:solidFill>
-              <a:latin typeface="Pretendard SemiBold" panose="02000703000000020004" pitchFamily="2" charset="-127"/>
-              <a:ea typeface="Pretendard SemiBold" panose="02000703000000020004" pitchFamily="2" charset="-127"/>
-              <a:cs typeface="Pretendard SemiBold" panose="02000703000000020004" pitchFamily="2" charset="-127"/>
-            </a:endParaRPr>
-          </a:p>
-        </p:txBody>
-      </p:sp>
-      <p:sp>
-        <p:nvSpPr>
-          <p:cNvPr id="20" name="직사각형 19">
-            <a:extLst>
-              <a:ext uri="{FF2B5EF4-FFF2-40B4-BE49-F238E27FC236}">
-                <a16:creationId xmlns:a16="http://schemas.microsoft.com/office/drawing/2014/main" id="{957090F5-F02C-743E-1D44-651CE4C22D3E}"/>
-              </a:ext>
-            </a:extLst>
-          </p:cNvPr>
-          <p:cNvSpPr/>
-          <p:nvPr/>
-        </p:nvSpPr>
-        <p:spPr>
-          <a:xfrm>
-            <a:off x="442913" y="441325"/>
-            <a:ext cx="11306175" cy="6156325"/>
-          </a:xfrm>
-          <a:prstGeom prst="rect">
-            <a:avLst/>
-          </a:prstGeom>
-          <a:noFill/>
-          <a:ln>
-            <a:solidFill>
-              <a:srgbClr val="FFFF00"/>
-            </a:solidFill>
-          </a:ln>
-        </p:spPr>
-        <p:style>
-          <a:lnRef idx="2">
-            <a:schemeClr val="accent1">
-              <a:shade val="15000"/>
-            </a:schemeClr>
-          </a:lnRef>
-          <a:fillRef idx="1">
-            <a:schemeClr val="accent1"/>
-          </a:fillRef>
-          <a:effectRef idx="0">
-            <a:schemeClr val="accent1"/>
-          </a:effectRef>
-          <a:fontRef idx="minor">
-            <a:schemeClr val="lt1"/>
-          </a:fontRef>
-        </p:style>
-        <p:txBody>
-          <a:bodyPr rtlCol="0" anchor="ctr"/>
-          <a:lstStyle/>
-          <a:p>
-            <a:pPr algn="ctr"/>
-            <a:endParaRPr lang="ko-KR" altLang="en-US"/>
-          </a:p>
-        </p:txBody>
-      </p:sp>
-      <p:sp>
-        <p:nvSpPr>
-          <p:cNvPr id="22" name="TextBox 21">
-            <a:extLst>
-              <a:ext uri="{FF2B5EF4-FFF2-40B4-BE49-F238E27FC236}">
-                <a16:creationId xmlns:a16="http://schemas.microsoft.com/office/drawing/2014/main" id="{31B2E87F-2D88-0300-1D26-E571089B5321}"/>
-              </a:ext>
-            </a:extLst>
-          </p:cNvPr>
-          <p:cNvSpPr txBox="1"/>
-          <p:nvPr/>
-        </p:nvSpPr>
-        <p:spPr>
-          <a:xfrm>
-            <a:off x="1107171" y="610816"/>
-            <a:ext cx="6065789" cy="631263"/>
+            <a:off x="3063106" y="772285"/>
+            <a:ext cx="6065789" cy="261931"/>
           </a:xfrm>
           <a:prstGeom prst="rect">
             <a:avLst/>
@@ -4599,7 +4418,7 @@
           </a:bodyPr>
           <a:lstStyle/>
           <a:p>
-            <a:pPr latinLnBrk="0">
+            <a:pPr algn="ctr" latinLnBrk="0">
               <a:lnSpc>
                 <a:spcPct val="120000"/>
               </a:lnSpc>
@@ -4611,7 +4430,7 @@
                 <a:ea typeface="Pretendard" panose="02000503000000020004" pitchFamily="2" charset="-127"/>
                 <a:cs typeface="Pretendard" panose="02000503000000020004" pitchFamily="2" charset="-127"/>
               </a:rPr>
-              <a:t>정리</a:t>
+              <a:t>혼천의의 고리가 스킬의 시전을 보조하여 </a:t>
             </a:r>
             <a:endParaRPr lang="en-US" altLang="ko-KR" sz="1000" dirty="0">
               <a:effectLst/>
@@ -4619,144 +4438,6 @@
               <a:ea typeface="Pretendard" panose="02000503000000020004" pitchFamily="2" charset="-127"/>
               <a:cs typeface="Pretendard" panose="02000503000000020004" pitchFamily="2" charset="-127"/>
             </a:endParaRPr>
-          </a:p>
-          <a:p>
-            <a:pPr latinLnBrk="0">
-              <a:lnSpc>
-                <a:spcPct val="120000"/>
-              </a:lnSpc>
-            </a:pPr>
-            <a:r>
-              <a:rPr lang="en-US" altLang="ko-KR" sz="1000" dirty="0">
-                <a:latin typeface="Pretendard" panose="02000503000000020004" pitchFamily="2" charset="-127"/>
-                <a:ea typeface="Pretendard" panose="02000503000000020004" pitchFamily="2" charset="-127"/>
-                <a:cs typeface="Pretendard" panose="02000503000000020004" pitchFamily="2" charset="-127"/>
-              </a:rPr>
-              <a:t>- </a:t>
-            </a:r>
-            <a:r>
-              <a:rPr lang="ko-KR" altLang="en-US" sz="1000" dirty="0">
-                <a:latin typeface="Pretendard" panose="02000503000000020004" pitchFamily="2" charset="-127"/>
-                <a:ea typeface="Pretendard" panose="02000503000000020004" pitchFamily="2" charset="-127"/>
-                <a:cs typeface="Pretendard" panose="02000503000000020004" pitchFamily="2" charset="-127"/>
-              </a:rPr>
-              <a:t>등 뒤에 </a:t>
-            </a:r>
-            <a:r>
-              <a:rPr lang="en-US" altLang="ko-KR" sz="1000" dirty="0">
-                <a:latin typeface="Pretendard" panose="02000503000000020004" pitchFamily="2" charset="-127"/>
-                <a:ea typeface="Pretendard" panose="02000503000000020004" pitchFamily="2" charset="-127"/>
-                <a:cs typeface="Pretendard" panose="02000503000000020004" pitchFamily="2" charset="-127"/>
-              </a:rPr>
-              <a:t>1</a:t>
-            </a:r>
-            <a:r>
-              <a:rPr lang="ko-KR" altLang="en-US" sz="1000" dirty="0">
-                <a:latin typeface="Pretendard" panose="02000503000000020004" pitchFamily="2" charset="-127"/>
-                <a:ea typeface="Pretendard" panose="02000503000000020004" pitchFamily="2" charset="-127"/>
-                <a:cs typeface="Pretendard" panose="02000503000000020004" pitchFamily="2" charset="-127"/>
-              </a:rPr>
-              <a:t>개</a:t>
-            </a:r>
-            <a:r>
-              <a:rPr lang="en-US" altLang="ko-KR" sz="1000" dirty="0">
-                <a:latin typeface="Pretendard" panose="02000503000000020004" pitchFamily="2" charset="-127"/>
-                <a:ea typeface="Pretendard" panose="02000503000000020004" pitchFamily="2" charset="-127"/>
-                <a:cs typeface="Pretendard" panose="02000503000000020004" pitchFamily="2" charset="-127"/>
-              </a:rPr>
-              <a:t>, </a:t>
-            </a:r>
-            <a:r>
-              <a:rPr lang="ko-KR" altLang="en-US" sz="1000" dirty="0">
-                <a:latin typeface="Pretendard" panose="02000503000000020004" pitchFamily="2" charset="-127"/>
-                <a:ea typeface="Pretendard" panose="02000503000000020004" pitchFamily="2" charset="-127"/>
-                <a:cs typeface="Pretendard" panose="02000503000000020004" pitchFamily="2" charset="-127"/>
-              </a:rPr>
-              <a:t>양 손에 </a:t>
-            </a:r>
-            <a:r>
-              <a:rPr lang="en-US" altLang="ko-KR" sz="1000" dirty="0">
-                <a:latin typeface="Pretendard" panose="02000503000000020004" pitchFamily="2" charset="-127"/>
-                <a:ea typeface="Pretendard" panose="02000503000000020004" pitchFamily="2" charset="-127"/>
-                <a:cs typeface="Pretendard" panose="02000503000000020004" pitchFamily="2" charset="-127"/>
-              </a:rPr>
-              <a:t>2</a:t>
-            </a:r>
-            <a:r>
-              <a:rPr lang="ko-KR" altLang="en-US" sz="1000" dirty="0">
-                <a:latin typeface="Pretendard" panose="02000503000000020004" pitchFamily="2" charset="-127"/>
-                <a:ea typeface="Pretendard" panose="02000503000000020004" pitchFamily="2" charset="-127"/>
-                <a:cs typeface="Pretendard" panose="02000503000000020004" pitchFamily="2" charset="-127"/>
-              </a:rPr>
-              <a:t>개씩 고리를 낀다</a:t>
-            </a:r>
-            <a:r>
-              <a:rPr lang="en-US" altLang="ko-KR" sz="1000" dirty="0">
-                <a:latin typeface="Pretendard" panose="02000503000000020004" pitchFamily="2" charset="-127"/>
-                <a:ea typeface="Pretendard" panose="02000503000000020004" pitchFamily="2" charset="-127"/>
-                <a:cs typeface="Pretendard" panose="02000503000000020004" pitchFamily="2" charset="-127"/>
-              </a:rPr>
-              <a:t>. (</a:t>
-            </a:r>
-            <a:r>
-              <a:rPr lang="ko-KR" altLang="en-US" sz="1000" dirty="0">
-                <a:latin typeface="Pretendard" panose="02000503000000020004" pitchFamily="2" charset="-127"/>
-                <a:ea typeface="Pretendard" panose="02000503000000020004" pitchFamily="2" charset="-127"/>
-                <a:cs typeface="Pretendard" panose="02000503000000020004" pitchFamily="2" charset="-127"/>
-              </a:rPr>
-              <a:t>이 팔찌들은 혼천의 처럼 맞물려 회전한다</a:t>
-            </a:r>
-            <a:r>
-              <a:rPr lang="en-US" altLang="ko-KR" sz="1000" dirty="0">
-                <a:latin typeface="Pretendard" panose="02000503000000020004" pitchFamily="2" charset="-127"/>
-                <a:ea typeface="Pretendard" panose="02000503000000020004" pitchFamily="2" charset="-127"/>
-                <a:cs typeface="Pretendard" panose="02000503000000020004" pitchFamily="2" charset="-127"/>
-              </a:rPr>
-              <a:t>.)</a:t>
-            </a:r>
-          </a:p>
-          <a:p>
-            <a:pPr latinLnBrk="0">
-              <a:lnSpc>
-                <a:spcPct val="120000"/>
-              </a:lnSpc>
-            </a:pPr>
-            <a:r>
-              <a:rPr lang="en-US" altLang="ko-KR" sz="1000" dirty="0">
-                <a:effectLst/>
-                <a:latin typeface="Pretendard" panose="02000503000000020004" pitchFamily="2" charset="-127"/>
-                <a:ea typeface="Pretendard" panose="02000503000000020004" pitchFamily="2" charset="-127"/>
-                <a:cs typeface="Pretendard" panose="02000503000000020004" pitchFamily="2" charset="-127"/>
-              </a:rPr>
-              <a:t>- </a:t>
-            </a:r>
-            <a:r>
-              <a:rPr lang="ko-KR" altLang="en-US" sz="1000" dirty="0" err="1">
-                <a:effectLst/>
-                <a:latin typeface="Pretendard" panose="02000503000000020004" pitchFamily="2" charset="-127"/>
-                <a:ea typeface="Pretendard" panose="02000503000000020004" pitchFamily="2" charset="-127"/>
-                <a:cs typeface="Pretendard" panose="02000503000000020004" pitchFamily="2" charset="-127"/>
-              </a:rPr>
-              <a:t>성반</a:t>
-            </a:r>
-            <a:r>
-              <a:rPr lang="ko-KR" altLang="en-US" sz="1000" dirty="0">
-                <a:effectLst/>
-                <a:latin typeface="Pretendard" panose="02000503000000020004" pitchFamily="2" charset="-127"/>
-                <a:ea typeface="Pretendard" panose="02000503000000020004" pitchFamily="2" charset="-127"/>
-                <a:cs typeface="Pretendard" panose="02000503000000020004" pitchFamily="2" charset="-127"/>
-              </a:rPr>
-              <a:t> </a:t>
-            </a:r>
-            <a:r>
-              <a:rPr lang="en-US" altLang="ko-KR" sz="1000" dirty="0">
-                <a:effectLst/>
-                <a:latin typeface="Pretendard" panose="02000503000000020004" pitchFamily="2" charset="-127"/>
-                <a:ea typeface="Pretendard" panose="02000503000000020004" pitchFamily="2" charset="-127"/>
-                <a:cs typeface="Pretendard" panose="02000503000000020004" pitchFamily="2" charset="-127"/>
-              </a:rPr>
-              <a:t>: </a:t>
-            </a:r>
           </a:p>
         </p:txBody>
       </p:sp>
@@ -7014,6 +6695,481 @@
   <p:cSld>
     <p:spTree>
       <p:nvGrpSpPr>
+        <p:cNvPr id="1" name="">
+          <a:extLst>
+            <a:ext uri="{FF2B5EF4-FFF2-40B4-BE49-F238E27FC236}">
+              <a16:creationId xmlns:a16="http://schemas.microsoft.com/office/drawing/2014/main" id="{46B793F1-E0B9-0497-DBE5-88973BFF6486}"/>
+            </a:ext>
+          </a:extLst>
+        </p:cNvPr>
+        <p:cNvGrpSpPr/>
+        <p:nvPr/>
+      </p:nvGrpSpPr>
+      <p:grpSpPr>
+        <a:xfrm>
+          <a:off x="0" y="0"/>
+          <a:ext cx="0" cy="0"/>
+          <a:chOff x="0" y="0"/>
+          <a:chExt cx="0" cy="0"/>
+        </a:xfrm>
+      </p:grpSpPr>
+      <p:sp>
+        <p:nvSpPr>
+          <p:cNvPr id="15" name="TextBox 14">
+            <a:extLst>
+              <a:ext uri="{FF2B5EF4-FFF2-40B4-BE49-F238E27FC236}">
+                <a16:creationId xmlns:a16="http://schemas.microsoft.com/office/drawing/2014/main" id="{69EE3F03-7E54-4A07-B024-B745C126BE41}"/>
+              </a:ext>
+            </a:extLst>
+          </p:cNvPr>
+          <p:cNvSpPr txBox="1"/>
+          <p:nvPr/>
+        </p:nvSpPr>
+        <p:spPr>
+          <a:xfrm>
+            <a:off x="1291470" y="98563"/>
+            <a:ext cx="1012631" cy="261610"/>
+          </a:xfrm>
+          <a:prstGeom prst="rect">
+            <a:avLst/>
+          </a:prstGeom>
+          <a:noFill/>
+        </p:spPr>
+        <p:txBody>
+          <a:bodyPr wrap="none" lIns="144000" rIns="0" rtlCol="0" anchor="b">
+            <a:spAutoFit/>
+          </a:bodyPr>
+          <a:lstStyle/>
+          <a:p>
+            <a:r>
+              <a:rPr lang="en-US" altLang="ko-KR" sz="1100" dirty="0">
+                <a:solidFill>
+                  <a:schemeClr val="bg1">
+                    <a:lumMod val="85000"/>
+                  </a:schemeClr>
+                </a:solidFill>
+                <a:latin typeface="Pretendard SemiBold" panose="02000703000000020004" pitchFamily="2" charset="-127"/>
+                <a:ea typeface="Pretendard SemiBold" panose="02000703000000020004" pitchFamily="2" charset="-127"/>
+                <a:cs typeface="Pretendard SemiBold" panose="02000703000000020004" pitchFamily="2" charset="-127"/>
+              </a:rPr>
+              <a:t>(2) </a:t>
+            </a:r>
+            <a:r>
+              <a:rPr lang="ko-KR" altLang="en-US" sz="1100" dirty="0">
+                <a:solidFill>
+                  <a:schemeClr val="bg1">
+                    <a:lumMod val="85000"/>
+                  </a:schemeClr>
+                </a:solidFill>
+                <a:latin typeface="Pretendard SemiBold" panose="02000703000000020004" pitchFamily="2" charset="-127"/>
+                <a:ea typeface="Pretendard SemiBold" panose="02000703000000020004" pitchFamily="2" charset="-127"/>
+                <a:cs typeface="Pretendard SemiBold" panose="02000703000000020004" pitchFamily="2" charset="-127"/>
+              </a:rPr>
+              <a:t>클래스 컨셉</a:t>
+            </a:r>
+            <a:endParaRPr lang="en-US" altLang="ko-KR" sz="1100" dirty="0">
+              <a:solidFill>
+                <a:schemeClr val="bg1">
+                  <a:lumMod val="85000"/>
+                </a:schemeClr>
+              </a:solidFill>
+              <a:latin typeface="Pretendard SemiBold" panose="02000703000000020004" pitchFamily="2" charset="-127"/>
+              <a:ea typeface="Pretendard SemiBold" panose="02000703000000020004" pitchFamily="2" charset="-127"/>
+              <a:cs typeface="Pretendard SemiBold" panose="02000703000000020004" pitchFamily="2" charset="-127"/>
+            </a:endParaRPr>
+          </a:p>
+        </p:txBody>
+      </p:sp>
+      <p:sp>
+        <p:nvSpPr>
+          <p:cNvPr id="20" name="직사각형 19">
+            <a:extLst>
+              <a:ext uri="{FF2B5EF4-FFF2-40B4-BE49-F238E27FC236}">
+                <a16:creationId xmlns:a16="http://schemas.microsoft.com/office/drawing/2014/main" id="{324E9D41-C137-446C-FE90-5F8F9A63ED15}"/>
+              </a:ext>
+            </a:extLst>
+          </p:cNvPr>
+          <p:cNvSpPr/>
+          <p:nvPr/>
+        </p:nvSpPr>
+        <p:spPr>
+          <a:xfrm>
+            <a:off x="442913" y="441325"/>
+            <a:ext cx="11306175" cy="6156325"/>
+          </a:xfrm>
+          <a:prstGeom prst="rect">
+            <a:avLst/>
+          </a:prstGeom>
+          <a:noFill/>
+          <a:ln>
+            <a:solidFill>
+              <a:srgbClr val="FFFF00"/>
+            </a:solidFill>
+          </a:ln>
+        </p:spPr>
+        <p:style>
+          <a:lnRef idx="2">
+            <a:schemeClr val="accent1">
+              <a:shade val="15000"/>
+            </a:schemeClr>
+          </a:lnRef>
+          <a:fillRef idx="1">
+            <a:schemeClr val="accent1"/>
+          </a:fillRef>
+          <a:effectRef idx="0">
+            <a:schemeClr val="accent1"/>
+          </a:effectRef>
+          <a:fontRef idx="minor">
+            <a:schemeClr val="lt1"/>
+          </a:fontRef>
+        </p:style>
+        <p:txBody>
+          <a:bodyPr rtlCol="0" anchor="ctr"/>
+          <a:lstStyle/>
+          <a:p>
+            <a:pPr algn="ctr"/>
+            <a:endParaRPr lang="ko-KR" altLang="en-US"/>
+          </a:p>
+        </p:txBody>
+      </p:sp>
+      <p:sp>
+        <p:nvSpPr>
+          <p:cNvPr id="22" name="TextBox 21">
+            <a:extLst>
+              <a:ext uri="{FF2B5EF4-FFF2-40B4-BE49-F238E27FC236}">
+                <a16:creationId xmlns:a16="http://schemas.microsoft.com/office/drawing/2014/main" id="{59E7C6AC-C013-0630-8BB5-4F0869DDC64D}"/>
+              </a:ext>
+            </a:extLst>
+          </p:cNvPr>
+          <p:cNvSpPr txBox="1"/>
+          <p:nvPr/>
+        </p:nvSpPr>
+        <p:spPr>
+          <a:xfrm>
+            <a:off x="1107171" y="610816"/>
+            <a:ext cx="6065789" cy="631263"/>
+          </a:xfrm>
+          <a:prstGeom prst="rect">
+            <a:avLst/>
+          </a:prstGeom>
+          <a:noFill/>
+        </p:spPr>
+        <p:txBody>
+          <a:bodyPr wrap="square" lIns="18000" rIns="18000" rtlCol="0">
+            <a:spAutoFit/>
+          </a:bodyPr>
+          <a:lstStyle/>
+          <a:p>
+            <a:pPr latinLnBrk="0">
+              <a:lnSpc>
+                <a:spcPct val="120000"/>
+              </a:lnSpc>
+            </a:pPr>
+            <a:r>
+              <a:rPr lang="ko-KR" altLang="en-US" sz="1000" dirty="0">
+                <a:effectLst/>
+                <a:latin typeface="Pretendard" panose="02000503000000020004" pitchFamily="2" charset="-127"/>
+                <a:ea typeface="Pretendard" panose="02000503000000020004" pitchFamily="2" charset="-127"/>
+                <a:cs typeface="Pretendard" panose="02000503000000020004" pitchFamily="2" charset="-127"/>
+              </a:rPr>
+              <a:t>정리</a:t>
+            </a:r>
+            <a:endParaRPr lang="en-US" altLang="ko-KR" sz="1000" dirty="0">
+              <a:effectLst/>
+              <a:latin typeface="Pretendard" panose="02000503000000020004" pitchFamily="2" charset="-127"/>
+              <a:ea typeface="Pretendard" panose="02000503000000020004" pitchFamily="2" charset="-127"/>
+              <a:cs typeface="Pretendard" panose="02000503000000020004" pitchFamily="2" charset="-127"/>
+            </a:endParaRPr>
+          </a:p>
+          <a:p>
+            <a:pPr latinLnBrk="0">
+              <a:lnSpc>
+                <a:spcPct val="120000"/>
+              </a:lnSpc>
+            </a:pPr>
+            <a:r>
+              <a:rPr lang="en-US" altLang="ko-KR" sz="1000" dirty="0">
+                <a:latin typeface="Pretendard" panose="02000503000000020004" pitchFamily="2" charset="-127"/>
+                <a:ea typeface="Pretendard" panose="02000503000000020004" pitchFamily="2" charset="-127"/>
+                <a:cs typeface="Pretendard" panose="02000503000000020004" pitchFamily="2" charset="-127"/>
+              </a:rPr>
+              <a:t>- </a:t>
+            </a:r>
+            <a:r>
+              <a:rPr lang="ko-KR" altLang="en-US" sz="1000" dirty="0">
+                <a:latin typeface="Pretendard" panose="02000503000000020004" pitchFamily="2" charset="-127"/>
+                <a:ea typeface="Pretendard" panose="02000503000000020004" pitchFamily="2" charset="-127"/>
+                <a:cs typeface="Pretendard" panose="02000503000000020004" pitchFamily="2" charset="-127"/>
+              </a:rPr>
+              <a:t>등 뒤에 </a:t>
+            </a:r>
+            <a:r>
+              <a:rPr lang="en-US" altLang="ko-KR" sz="1000" dirty="0">
+                <a:latin typeface="Pretendard" panose="02000503000000020004" pitchFamily="2" charset="-127"/>
+                <a:ea typeface="Pretendard" panose="02000503000000020004" pitchFamily="2" charset="-127"/>
+                <a:cs typeface="Pretendard" panose="02000503000000020004" pitchFamily="2" charset="-127"/>
+              </a:rPr>
+              <a:t>1</a:t>
+            </a:r>
+            <a:r>
+              <a:rPr lang="ko-KR" altLang="en-US" sz="1000" dirty="0">
+                <a:latin typeface="Pretendard" panose="02000503000000020004" pitchFamily="2" charset="-127"/>
+                <a:ea typeface="Pretendard" panose="02000503000000020004" pitchFamily="2" charset="-127"/>
+                <a:cs typeface="Pretendard" panose="02000503000000020004" pitchFamily="2" charset="-127"/>
+              </a:rPr>
+              <a:t>개</a:t>
+            </a:r>
+            <a:r>
+              <a:rPr lang="en-US" altLang="ko-KR" sz="1000" dirty="0">
+                <a:latin typeface="Pretendard" panose="02000503000000020004" pitchFamily="2" charset="-127"/>
+                <a:ea typeface="Pretendard" panose="02000503000000020004" pitchFamily="2" charset="-127"/>
+                <a:cs typeface="Pretendard" panose="02000503000000020004" pitchFamily="2" charset="-127"/>
+              </a:rPr>
+              <a:t>, </a:t>
+            </a:r>
+            <a:r>
+              <a:rPr lang="ko-KR" altLang="en-US" sz="1000" dirty="0">
+                <a:latin typeface="Pretendard" panose="02000503000000020004" pitchFamily="2" charset="-127"/>
+                <a:ea typeface="Pretendard" panose="02000503000000020004" pitchFamily="2" charset="-127"/>
+                <a:cs typeface="Pretendard" panose="02000503000000020004" pitchFamily="2" charset="-127"/>
+              </a:rPr>
+              <a:t>양 손에 </a:t>
+            </a:r>
+            <a:r>
+              <a:rPr lang="en-US" altLang="ko-KR" sz="1000" dirty="0">
+                <a:latin typeface="Pretendard" panose="02000503000000020004" pitchFamily="2" charset="-127"/>
+                <a:ea typeface="Pretendard" panose="02000503000000020004" pitchFamily="2" charset="-127"/>
+                <a:cs typeface="Pretendard" panose="02000503000000020004" pitchFamily="2" charset="-127"/>
+              </a:rPr>
+              <a:t>2</a:t>
+            </a:r>
+            <a:r>
+              <a:rPr lang="ko-KR" altLang="en-US" sz="1000" dirty="0">
+                <a:latin typeface="Pretendard" panose="02000503000000020004" pitchFamily="2" charset="-127"/>
+                <a:ea typeface="Pretendard" panose="02000503000000020004" pitchFamily="2" charset="-127"/>
+                <a:cs typeface="Pretendard" panose="02000503000000020004" pitchFamily="2" charset="-127"/>
+              </a:rPr>
+              <a:t>개씩 고리를 낀다</a:t>
+            </a:r>
+            <a:r>
+              <a:rPr lang="en-US" altLang="ko-KR" sz="1000" dirty="0">
+                <a:latin typeface="Pretendard" panose="02000503000000020004" pitchFamily="2" charset="-127"/>
+                <a:ea typeface="Pretendard" panose="02000503000000020004" pitchFamily="2" charset="-127"/>
+                <a:cs typeface="Pretendard" panose="02000503000000020004" pitchFamily="2" charset="-127"/>
+              </a:rPr>
+              <a:t>. (</a:t>
+            </a:r>
+            <a:r>
+              <a:rPr lang="ko-KR" altLang="en-US" sz="1000" dirty="0">
+                <a:latin typeface="Pretendard" panose="02000503000000020004" pitchFamily="2" charset="-127"/>
+                <a:ea typeface="Pretendard" panose="02000503000000020004" pitchFamily="2" charset="-127"/>
+                <a:cs typeface="Pretendard" panose="02000503000000020004" pitchFamily="2" charset="-127"/>
+              </a:rPr>
+              <a:t>이 팔찌들은 혼천의 처럼 맞물려 회전한다</a:t>
+            </a:r>
+            <a:r>
+              <a:rPr lang="en-US" altLang="ko-KR" sz="1000" dirty="0">
+                <a:latin typeface="Pretendard" panose="02000503000000020004" pitchFamily="2" charset="-127"/>
+                <a:ea typeface="Pretendard" panose="02000503000000020004" pitchFamily="2" charset="-127"/>
+                <a:cs typeface="Pretendard" panose="02000503000000020004" pitchFamily="2" charset="-127"/>
+              </a:rPr>
+              <a:t>.)</a:t>
+            </a:r>
+          </a:p>
+          <a:p>
+            <a:pPr latinLnBrk="0">
+              <a:lnSpc>
+                <a:spcPct val="120000"/>
+              </a:lnSpc>
+            </a:pPr>
+            <a:r>
+              <a:rPr lang="en-US" altLang="ko-KR" sz="1000" dirty="0">
+                <a:effectLst/>
+                <a:latin typeface="Pretendard" panose="02000503000000020004" pitchFamily="2" charset="-127"/>
+                <a:ea typeface="Pretendard" panose="02000503000000020004" pitchFamily="2" charset="-127"/>
+                <a:cs typeface="Pretendard" panose="02000503000000020004" pitchFamily="2" charset="-127"/>
+              </a:rPr>
+              <a:t>- </a:t>
+            </a:r>
+            <a:r>
+              <a:rPr lang="ko-KR" altLang="en-US" sz="1000" dirty="0" err="1">
+                <a:effectLst/>
+                <a:latin typeface="Pretendard" panose="02000503000000020004" pitchFamily="2" charset="-127"/>
+                <a:ea typeface="Pretendard" panose="02000503000000020004" pitchFamily="2" charset="-127"/>
+                <a:cs typeface="Pretendard" panose="02000503000000020004" pitchFamily="2" charset="-127"/>
+              </a:rPr>
+              <a:t>성반</a:t>
+            </a:r>
+            <a:r>
+              <a:rPr lang="ko-KR" altLang="en-US" sz="1000" dirty="0">
+                <a:effectLst/>
+                <a:latin typeface="Pretendard" panose="02000503000000020004" pitchFamily="2" charset="-127"/>
+                <a:ea typeface="Pretendard" panose="02000503000000020004" pitchFamily="2" charset="-127"/>
+                <a:cs typeface="Pretendard" panose="02000503000000020004" pitchFamily="2" charset="-127"/>
+              </a:rPr>
+              <a:t> </a:t>
+            </a:r>
+            <a:r>
+              <a:rPr lang="en-US" altLang="ko-KR" sz="1000" dirty="0">
+                <a:effectLst/>
+                <a:latin typeface="Pretendard" panose="02000503000000020004" pitchFamily="2" charset="-127"/>
+                <a:ea typeface="Pretendard" panose="02000503000000020004" pitchFamily="2" charset="-127"/>
+                <a:cs typeface="Pretendard" panose="02000503000000020004" pitchFamily="2" charset="-127"/>
+              </a:rPr>
+              <a:t>: </a:t>
+            </a:r>
+          </a:p>
+        </p:txBody>
+      </p:sp>
+      <p:sp>
+        <p:nvSpPr>
+          <p:cNvPr id="19" name="TextBox 18">
+            <a:extLst>
+              <a:ext uri="{FF2B5EF4-FFF2-40B4-BE49-F238E27FC236}">
+                <a16:creationId xmlns:a16="http://schemas.microsoft.com/office/drawing/2014/main" id="{DE062B43-9ADA-406D-2198-684E02F6D78C}"/>
+              </a:ext>
+            </a:extLst>
+          </p:cNvPr>
+          <p:cNvSpPr txBox="1"/>
+          <p:nvPr/>
+        </p:nvSpPr>
+        <p:spPr>
+          <a:xfrm>
+            <a:off x="7439777" y="911272"/>
+            <a:ext cx="6065789" cy="1000595"/>
+          </a:xfrm>
+          <a:prstGeom prst="rect">
+            <a:avLst/>
+          </a:prstGeom>
+          <a:noFill/>
+        </p:spPr>
+        <p:txBody>
+          <a:bodyPr wrap="square" lIns="18000" rIns="18000" rtlCol="0">
+            <a:spAutoFit/>
+          </a:bodyPr>
+          <a:lstStyle/>
+          <a:p>
+            <a:pPr latinLnBrk="0">
+              <a:lnSpc>
+                <a:spcPct val="120000"/>
+              </a:lnSpc>
+            </a:pPr>
+            <a:r>
+              <a:rPr lang="ko-KR" altLang="en-US" sz="1000" dirty="0">
+                <a:effectLst/>
+                <a:latin typeface="Pretendard" panose="02000503000000020004" pitchFamily="2" charset="-127"/>
+                <a:ea typeface="Pretendard" panose="02000503000000020004" pitchFamily="2" charset="-127"/>
+                <a:cs typeface="Pretendard" panose="02000503000000020004" pitchFamily="2" charset="-127"/>
+              </a:rPr>
+              <a:t>현자는 원리와 법칙을 파악하여 최소한의 움직임으로 최대의 결과를 만들어 내는 효율을 추구합니다</a:t>
+            </a:r>
+            <a:r>
+              <a:rPr lang="en-US" altLang="ko-KR" sz="1000" dirty="0">
+                <a:effectLst/>
+                <a:latin typeface="Pretendard" panose="02000503000000020004" pitchFamily="2" charset="-127"/>
+                <a:ea typeface="Pretendard" panose="02000503000000020004" pitchFamily="2" charset="-127"/>
+                <a:cs typeface="Pretendard" panose="02000503000000020004" pitchFamily="2" charset="-127"/>
+              </a:rPr>
+              <a:t>. </a:t>
+            </a:r>
+          </a:p>
+          <a:p>
+            <a:pPr latinLnBrk="0">
+              <a:lnSpc>
+                <a:spcPct val="120000"/>
+              </a:lnSpc>
+            </a:pPr>
+            <a:endParaRPr lang="en-US" altLang="ko-KR" sz="1000" dirty="0">
+              <a:effectLst/>
+              <a:latin typeface="Pretendard" panose="02000503000000020004" pitchFamily="2" charset="-127"/>
+              <a:ea typeface="Pretendard" panose="02000503000000020004" pitchFamily="2" charset="-127"/>
+              <a:cs typeface="Pretendard" panose="02000503000000020004" pitchFamily="2" charset="-127"/>
+            </a:endParaRPr>
+          </a:p>
+          <a:p>
+            <a:pPr latinLnBrk="0">
+              <a:lnSpc>
+                <a:spcPct val="120000"/>
+              </a:lnSpc>
+            </a:pPr>
+            <a:r>
+              <a:rPr lang="ko-KR" altLang="en-US" sz="1000" dirty="0">
+                <a:latin typeface="Pretendard" panose="02000503000000020004" pitchFamily="2" charset="-127"/>
+                <a:ea typeface="Pretendard" panose="02000503000000020004" pitchFamily="2" charset="-127"/>
+                <a:cs typeface="Pretendard" panose="02000503000000020004" pitchFamily="2" charset="-127"/>
+              </a:rPr>
+              <a:t>그들의 모든 기술은 인과에서 비롯되며 전장에서의 행위에 따라 쌓이는 인과는 행동을 멈추면 빠르게 소멸됩니다</a:t>
+            </a:r>
+            <a:r>
+              <a:rPr lang="en-US" altLang="ko-KR" sz="1000" dirty="0">
+                <a:latin typeface="Pretendard" panose="02000503000000020004" pitchFamily="2" charset="-127"/>
+                <a:ea typeface="Pretendard" panose="02000503000000020004" pitchFamily="2" charset="-127"/>
+                <a:cs typeface="Pretendard" panose="02000503000000020004" pitchFamily="2" charset="-127"/>
+              </a:rPr>
+              <a:t>.</a:t>
+            </a:r>
+          </a:p>
+          <a:p>
+            <a:pPr latinLnBrk="0">
+              <a:lnSpc>
+                <a:spcPct val="120000"/>
+              </a:lnSpc>
+            </a:pPr>
+            <a:endParaRPr lang="en-US" altLang="ko-KR" sz="1000" dirty="0">
+              <a:latin typeface="Pretendard" panose="02000503000000020004" pitchFamily="2" charset="-127"/>
+              <a:ea typeface="Pretendard" panose="02000503000000020004" pitchFamily="2" charset="-127"/>
+              <a:cs typeface="Pretendard" panose="02000503000000020004" pitchFamily="2" charset="-127"/>
+            </a:endParaRPr>
+          </a:p>
+          <a:p>
+            <a:pPr latinLnBrk="0">
+              <a:lnSpc>
+                <a:spcPct val="120000"/>
+              </a:lnSpc>
+            </a:pPr>
+            <a:r>
+              <a:rPr lang="ko-KR" altLang="en-US" sz="1000" dirty="0">
+                <a:latin typeface="Pretendard" panose="02000503000000020004" pitchFamily="2" charset="-127"/>
+                <a:ea typeface="Pretendard" panose="02000503000000020004" pitchFamily="2" charset="-127"/>
+                <a:cs typeface="Pretendard" panose="02000503000000020004" pitchFamily="2" charset="-127"/>
+              </a:rPr>
+              <a:t>이 험난한 과정을 흔들림 없이 해낸 현자들은 전장의 위기를 극복하는 지침이 됩니다</a:t>
+            </a:r>
+            <a:r>
+              <a:rPr lang="en-US" altLang="ko-KR" sz="1000" dirty="0">
+                <a:latin typeface="Pretendard" panose="02000503000000020004" pitchFamily="2" charset="-127"/>
+                <a:ea typeface="Pretendard" panose="02000503000000020004" pitchFamily="2" charset="-127"/>
+                <a:cs typeface="Pretendard" panose="02000503000000020004" pitchFamily="2" charset="-127"/>
+              </a:rPr>
+              <a:t>.</a:t>
+            </a:r>
+            <a:endParaRPr lang="en-US" altLang="ko-KR" sz="1000" dirty="0">
+              <a:effectLst/>
+              <a:latin typeface="Pretendard" panose="02000503000000020004" pitchFamily="2" charset="-127"/>
+              <a:ea typeface="Pretendard" panose="02000503000000020004" pitchFamily="2" charset="-127"/>
+              <a:cs typeface="Pretendard" panose="02000503000000020004" pitchFamily="2" charset="-127"/>
+            </a:endParaRPr>
+          </a:p>
+        </p:txBody>
+      </p:sp>
+    </p:spTree>
+    <p:extLst>
+      <p:ext uri="{BB962C8B-B14F-4D97-AF65-F5344CB8AC3E}">
+        <p14:creationId xmlns:p14="http://schemas.microsoft.com/office/powerpoint/2010/main" val="1249348822"/>
+      </p:ext>
+    </p:extLst>
+  </p:cSld>
+  <p:clrMapOvr>
+    <a:masterClrMapping/>
+  </p:clrMapOvr>
+</p:sld>
+</file>
+
+<file path=ppt/slides/slide7.xml><?xml version="1.0" encoding="utf-8"?>
+<p:sld xmlns:a="http://schemas.openxmlformats.org/drawingml/2006/main" xmlns:r="http://schemas.openxmlformats.org/officeDocument/2006/relationships" xmlns:p="http://schemas.openxmlformats.org/presentationml/2006/main">
+  <p:cSld>
+    <p:spTree>
+      <p:nvGrpSpPr>
         <p:cNvPr id="1" name=""/>
         <p:cNvGrpSpPr/>
         <p:nvPr/>
@@ -7106,7 +7262,7 @@
 </p:sld>
 </file>
 
-<file path=ppt/slides/slide7.xml><?xml version="1.0" encoding="utf-8"?>
+<file path=ppt/slides/slide8.xml><?xml version="1.0" encoding="utf-8"?>
 <p:sld xmlns:a="http://schemas.openxmlformats.org/drawingml/2006/main" xmlns:r="http://schemas.openxmlformats.org/officeDocument/2006/relationships" xmlns:p="http://schemas.openxmlformats.org/presentationml/2006/main">
   <p:cSld>
     <p:bg>
@@ -8802,8 +8958,8 @@
                     </p:nvSpPr>
                     <p:spPr>
                       <a:xfrm>
-                        <a:off x="6651694" y="5215049"/>
-                        <a:ext cx="302450" cy="253916"/>
+                        <a:off x="6585169" y="5215049"/>
+                        <a:ext cx="435500" cy="253916"/>
                       </a:xfrm>
                       <a:prstGeom prst="rect">
                         <a:avLst/>
@@ -8832,8 +8988,8 @@
                       <a:p>
                         <a:pPr algn="ctr"/>
                         <a:r>
-                          <a:rPr lang="ko-KR" altLang="en-US" sz="1050" dirty="0" err="1"/>
-                          <a:t>성반</a:t>
+                          <a:rPr lang="ko-KR" altLang="en-US" sz="1050" dirty="0"/>
+                          <a:t>혼천의</a:t>
                         </a:r>
                         <a:endParaRPr lang="en-US" altLang="ko-KR" sz="1050" dirty="0"/>
                       </a:p>
@@ -9161,7 +9317,7 @@
 </p:sld>
 </file>
 
-<file path=ppt/slides/slide8.xml><?xml version="1.0" encoding="utf-8"?>
+<file path=ppt/slides/slide9.xml><?xml version="1.0" encoding="utf-8"?>
 <p:sld xmlns:a="http://schemas.openxmlformats.org/drawingml/2006/main" xmlns:r="http://schemas.openxmlformats.org/officeDocument/2006/relationships" xmlns:p="http://schemas.openxmlformats.org/presentationml/2006/main">
   <p:cSld>
     <p:bg>

--- a/크로노오디세이_전투기획자/사전과제/[과제전형] [Chrono Odyssey] 캐릭터 전투 기획자 모집 _ 홍진선 과제 제출.pptx
+++ b/크로노오디세이_전투기획자/사전과제/[과제전형] [Chrono Odyssey] 캐릭터 전투 기획자 모집 _ 홍진선 과제 제출.pptx
@@ -236,7 +236,7 @@
           <a:p>
             <a:fld id="{44858A5B-A4C5-42BA-89E9-10F55E5A3D46}" type="datetimeFigureOut">
               <a:rPr lang="ko-KR" altLang="en-US" smtClean="0"/>
-              <a:t>2025-11-03</a:t>
+              <a:t>2025-11-04</a:t>
             </a:fld>
             <a:endParaRPr lang="ko-KR" altLang="en-US"/>
           </a:p>
@@ -616,6 +616,90 @@
   <p:cSld>
     <p:spTree>
       <p:nvGrpSpPr>
+        <p:cNvPr id="1" name=""/>
+        <p:cNvGrpSpPr/>
+        <p:nvPr/>
+      </p:nvGrpSpPr>
+      <p:grpSpPr>
+        <a:xfrm>
+          <a:off x="0" y="0"/>
+          <a:ext cx="0" cy="0"/>
+          <a:chOff x="0" y="0"/>
+          <a:chExt cx="0" cy="0"/>
+        </a:xfrm>
+      </p:grpSpPr>
+      <p:sp>
+        <p:nvSpPr>
+          <p:cNvPr id="2" name="슬라이드 이미지 개체 틀 1"/>
+          <p:cNvSpPr>
+            <a:spLocks noGrp="1" noRot="1" noChangeAspect="1"/>
+          </p:cNvSpPr>
+          <p:nvPr>
+            <p:ph type="sldImg"/>
+          </p:nvPr>
+        </p:nvSpPr>
+        <p:spPr/>
+      </p:sp>
+      <p:sp>
+        <p:nvSpPr>
+          <p:cNvPr id="3" name="슬라이드 노트 개체 틀 2"/>
+          <p:cNvSpPr>
+            <a:spLocks noGrp="1"/>
+          </p:cNvSpPr>
+          <p:nvPr>
+            <p:ph type="body" idx="1"/>
+          </p:nvPr>
+        </p:nvSpPr>
+        <p:spPr/>
+        <p:txBody>
+          <a:bodyPr/>
+          <a:lstStyle/>
+          <a:p>
+            <a:endParaRPr lang="ko-KR" altLang="en-US" dirty="0"/>
+          </a:p>
+        </p:txBody>
+      </p:sp>
+      <p:sp>
+        <p:nvSpPr>
+          <p:cNvPr id="4" name="슬라이드 번호 개체 틀 3"/>
+          <p:cNvSpPr>
+            <a:spLocks noGrp="1"/>
+          </p:cNvSpPr>
+          <p:nvPr>
+            <p:ph type="sldNum" sz="quarter" idx="5"/>
+          </p:nvPr>
+        </p:nvSpPr>
+        <p:spPr/>
+        <p:txBody>
+          <a:bodyPr/>
+          <a:lstStyle/>
+          <a:p>
+            <a:fld id="{40E134C8-DE01-4967-8504-92E88DCF6C0A}" type="slidenum">
+              <a:rPr lang="ko-KR" altLang="en-US" smtClean="0"/>
+              <a:t>3</a:t>
+            </a:fld>
+            <a:endParaRPr lang="ko-KR" altLang="en-US"/>
+          </a:p>
+        </p:txBody>
+      </p:sp>
+    </p:spTree>
+    <p:extLst>
+      <p:ext uri="{BB962C8B-B14F-4D97-AF65-F5344CB8AC3E}">
+        <p14:creationId xmlns:p14="http://schemas.microsoft.com/office/powerpoint/2010/main" val="1494408021"/>
+      </p:ext>
+    </p:extLst>
+  </p:cSld>
+  <p:clrMapOvr>
+    <a:masterClrMapping/>
+  </p:clrMapOvr>
+</p:notes>
+</file>
+
+<file path=ppt/notesSlides/notesSlide3.xml><?xml version="1.0" encoding="utf-8"?>
+<p:notes xmlns:a="http://schemas.openxmlformats.org/drawingml/2006/main" xmlns:r="http://schemas.openxmlformats.org/officeDocument/2006/relationships" xmlns:p="http://schemas.openxmlformats.org/presentationml/2006/main">
+  <p:cSld>
+    <p:spTree>
+      <p:nvGrpSpPr>
         <p:cNvPr id="1" name="">
           <a:extLst>
             <a:ext uri="{FF2B5EF4-FFF2-40B4-BE49-F238E27FC236}">
@@ -866,7 +950,7 @@
           <a:p>
             <a:fld id="{EBBAD0F6-17A2-4FF3-829F-62ACF20E6C3D}" type="datetimeFigureOut">
               <a:rPr lang="ko-KR" altLang="en-US" smtClean="0"/>
-              <a:t>2025-11-03</a:t>
+              <a:t>2025-11-04</a:t>
             </a:fld>
             <a:endParaRPr lang="ko-KR" altLang="en-US"/>
           </a:p>
@@ -1080,7 +1164,7 @@
           <a:p>
             <a:fld id="{EBBAD0F6-17A2-4FF3-829F-62ACF20E6C3D}" type="datetimeFigureOut">
               <a:rPr lang="ko-KR" altLang="en-US" smtClean="0"/>
-              <a:t>2025-11-03</a:t>
+              <a:t>2025-11-04</a:t>
             </a:fld>
             <a:endParaRPr lang="ko-KR" altLang="en-US"/>
           </a:p>
@@ -1209,7 +1293,7 @@
           <a:p>
             <a:fld id="{EBBAD0F6-17A2-4FF3-829F-62ACF20E6C3D}" type="datetimeFigureOut">
               <a:rPr lang="ko-KR" altLang="en-US" smtClean="0"/>
-              <a:t>2025-11-03</a:t>
+              <a:t>2025-11-04</a:t>
             </a:fld>
             <a:endParaRPr lang="ko-KR" altLang="en-US"/>
           </a:p>
@@ -1799,7 +1883,7 @@
           <a:p>
             <a:fld id="{EBBAD0F6-17A2-4FF3-829F-62ACF20E6C3D}" type="datetimeFigureOut">
               <a:rPr lang="ko-KR" altLang="en-US" smtClean="0"/>
-              <a:t>2025-11-03</a:t>
+              <a:t>2025-11-04</a:t>
             </a:fld>
             <a:endParaRPr lang="ko-KR" altLang="en-US"/>
           </a:p>
@@ -2496,7 +2580,7 @@
           <a:p>
             <a:fld id="{EBBAD0F6-17A2-4FF3-829F-62ACF20E6C3D}" type="datetimeFigureOut">
               <a:rPr lang="ko-KR" altLang="en-US" smtClean="0"/>
-              <a:t>2025-11-03</a:t>
+              <a:t>2025-11-04</a:t>
             </a:fld>
             <a:endParaRPr lang="ko-KR" altLang="en-US"/>
           </a:p>
@@ -4368,34 +4452,888 @@
           <p:nvPr/>
         </p:nvPicPr>
         <p:blipFill>
-          <a:blip r:embed="rId2">
+          <a:blip r:embed="rId3">
             <a:extLst>
               <a:ext uri="{28A0092B-C50C-407E-A947-70E740481C1C}">
                 <a14:useLocalDpi xmlns:a14="http://schemas.microsoft.com/office/drawing/2010/main" val="0"/>
               </a:ext>
             </a:extLst>
           </a:blip>
-          <a:srcRect t="10582" b="1378"/>
+          <a:srcRect t="2799" b="1378"/>
           <a:stretch>
             <a:fillRect/>
           </a:stretch>
         </p:blipFill>
         <p:spPr>
           <a:xfrm>
-            <a:off x="4288803" y="1492722"/>
-            <a:ext cx="3150974" cy="5186080"/>
+            <a:off x="4619065" y="1387306"/>
+            <a:ext cx="2953869" cy="5291496"/>
           </a:xfrm>
           <a:prstGeom prst="rect">
             <a:avLst/>
           </a:prstGeom>
         </p:spPr>
       </p:pic>
+      <p:grpSp>
+        <p:nvGrpSpPr>
+          <p:cNvPr id="2" name="그룹 1">
+            <a:extLst>
+              <a:ext uri="{FF2B5EF4-FFF2-40B4-BE49-F238E27FC236}">
+                <a16:creationId xmlns:a16="http://schemas.microsoft.com/office/drawing/2014/main" id="{5B918305-CCF4-5F7D-E846-CE444A979042}"/>
+              </a:ext>
+            </a:extLst>
+          </p:cNvPr>
+          <p:cNvGrpSpPr/>
+          <p:nvPr/>
+        </p:nvGrpSpPr>
+        <p:grpSpPr>
+          <a:xfrm>
+            <a:off x="1719123" y="833308"/>
+            <a:ext cx="8753754" cy="553998"/>
+            <a:chOff x="1719123" y="833308"/>
+            <a:chExt cx="8753754" cy="553998"/>
+          </a:xfrm>
+        </p:grpSpPr>
+        <p:sp>
+          <p:nvSpPr>
+            <p:cNvPr id="3" name="TextBox 2">
+              <a:extLst>
+                <a:ext uri="{FF2B5EF4-FFF2-40B4-BE49-F238E27FC236}">
+                  <a16:creationId xmlns:a16="http://schemas.microsoft.com/office/drawing/2014/main" id="{00C09691-24D1-61A7-A50B-10B8ADA8568A}"/>
+                </a:ext>
+              </a:extLst>
+            </p:cNvPr>
+            <p:cNvSpPr txBox="1"/>
+            <p:nvPr/>
+          </p:nvSpPr>
+          <p:spPr>
+            <a:xfrm>
+              <a:off x="2270433" y="987197"/>
+              <a:ext cx="7651132" cy="246221"/>
+            </a:xfrm>
+            <a:prstGeom prst="rect">
+              <a:avLst/>
+            </a:prstGeom>
+            <a:noFill/>
+          </p:spPr>
+          <p:txBody>
+            <a:bodyPr wrap="none" lIns="0" tIns="0" rIns="0" bIns="0" rtlCol="0" anchor="ctr">
+              <a:spAutoFit/>
+            </a:bodyPr>
+            <a:lstStyle/>
+            <a:p>
+              <a:pPr lvl="0" algn="ctr">
+                <a:defRPr/>
+              </a:pPr>
+              <a:r>
+                <a:rPr lang="ko-KR" altLang="en-US" sz="1400" dirty="0">
+                  <a:latin typeface="Pretendard" panose="02000503000000020004" pitchFamily="2" charset="-127"/>
+                  <a:ea typeface="Pretendard" panose="02000503000000020004" pitchFamily="2" charset="-127"/>
+                  <a:cs typeface="Pretendard" panose="02000503000000020004" pitchFamily="2" charset="-127"/>
+                </a:rPr>
+                <a:t>부챗살을 피뢰침 삼아 </a:t>
+              </a:r>
+              <a:r>
+                <a:rPr lang="ko-KR" altLang="en-US" sz="1600" dirty="0">
+                  <a:solidFill>
+                    <a:srgbClr val="FF0000"/>
+                  </a:solidFill>
+                  <a:latin typeface="Pretendard SemiBold" panose="02000703000000020004" pitchFamily="2" charset="-127"/>
+                  <a:ea typeface="Pretendard SemiBold" panose="02000703000000020004" pitchFamily="2" charset="-127"/>
+                  <a:cs typeface="Pretendard SemiBold" panose="02000703000000020004" pitchFamily="2" charset="-127"/>
+                </a:rPr>
+                <a:t>번개를 유도</a:t>
+              </a:r>
+              <a:r>
+                <a:rPr lang="ko-KR" altLang="en-US" sz="1400" dirty="0">
+                  <a:latin typeface="Pretendard" panose="02000503000000020004" pitchFamily="2" charset="-127"/>
+                  <a:ea typeface="Pretendard" panose="02000503000000020004" pitchFamily="2" charset="-127"/>
+                  <a:cs typeface="Pretendard" panose="02000503000000020004" pitchFamily="2" charset="-127"/>
+                </a:rPr>
+                <a:t>하고</a:t>
+              </a:r>
+              <a:r>
+                <a:rPr lang="en-US" altLang="ko-KR" sz="1400" dirty="0">
+                  <a:latin typeface="Pretendard" panose="02000503000000020004" pitchFamily="2" charset="-127"/>
+                  <a:ea typeface="Pretendard" panose="02000503000000020004" pitchFamily="2" charset="-127"/>
+                  <a:cs typeface="Pretendard" panose="02000503000000020004" pitchFamily="2" charset="-127"/>
+                </a:rPr>
+                <a:t>,</a:t>
+              </a:r>
+              <a:r>
+                <a:rPr lang="ko-KR" altLang="en-US" sz="1400" dirty="0">
+                  <a:latin typeface="Pretendard" panose="02000503000000020004" pitchFamily="2" charset="-127"/>
+                  <a:ea typeface="Pretendard" panose="02000503000000020004" pitchFamily="2" charset="-127"/>
+                  <a:cs typeface="Pretendard" panose="02000503000000020004" pitchFamily="2" charset="-127"/>
+                </a:rPr>
+                <a:t> </a:t>
+              </a:r>
+              <a:r>
+                <a:rPr lang="ko-KR" altLang="en-US" sz="1600" dirty="0">
+                  <a:solidFill>
+                    <a:srgbClr val="FF0000"/>
+                  </a:solidFill>
+                  <a:latin typeface="Pretendard SemiBold" panose="02000703000000020004" pitchFamily="2" charset="-127"/>
+                  <a:ea typeface="Pretendard SemiBold" panose="02000703000000020004" pitchFamily="2" charset="-127"/>
+                  <a:cs typeface="Pretendard SemiBold" panose="02000703000000020004" pitchFamily="2" charset="-127"/>
+                </a:rPr>
+                <a:t>방어를 무시</a:t>
+              </a:r>
+              <a:r>
+                <a:rPr lang="ko-KR" altLang="en-US" sz="1400" dirty="0">
+                  <a:latin typeface="Pretendard" panose="02000503000000020004" pitchFamily="2" charset="-127"/>
+                  <a:ea typeface="Pretendard" panose="02000503000000020004" pitchFamily="2" charset="-127"/>
+                  <a:cs typeface="Pretendard" panose="02000503000000020004" pitchFamily="2" charset="-127"/>
+                </a:rPr>
+                <a:t>하는 공격으로 </a:t>
+              </a:r>
+              <a:r>
+                <a:rPr lang="ko-KR" altLang="en-US" sz="1600" dirty="0">
+                  <a:solidFill>
+                    <a:srgbClr val="FF0000"/>
+                  </a:solidFill>
+                  <a:latin typeface="Pretendard SemiBold" panose="02000703000000020004" pitchFamily="2" charset="-127"/>
+                  <a:ea typeface="Pretendard SemiBold" panose="02000703000000020004" pitchFamily="2" charset="-127"/>
+                  <a:cs typeface="Pretendard SemiBold" panose="02000703000000020004" pitchFamily="2" charset="-127"/>
+                </a:rPr>
+                <a:t>단일 대상에게 높은 피해</a:t>
+              </a:r>
+              <a:r>
+                <a:rPr lang="ko-KR" altLang="en-US" sz="1400" dirty="0">
+                  <a:latin typeface="Pretendard" panose="02000503000000020004" pitchFamily="2" charset="-127"/>
+                  <a:ea typeface="Pretendard" panose="02000503000000020004" pitchFamily="2" charset="-127"/>
+                  <a:cs typeface="Pretendard" panose="02000503000000020004" pitchFamily="2" charset="-127"/>
+                </a:rPr>
+                <a:t>를 주는 </a:t>
+              </a:r>
+              <a:r>
+                <a:rPr lang="ko-KR" altLang="en-US" sz="1600" dirty="0">
+                  <a:solidFill>
+                    <a:srgbClr val="FF0000"/>
+                  </a:solidFill>
+                  <a:latin typeface="Pretendard SemiBold" panose="02000703000000020004" pitchFamily="2" charset="-127"/>
+                  <a:ea typeface="Pretendard SemiBold" panose="02000703000000020004" pitchFamily="2" charset="-127"/>
+                  <a:cs typeface="Pretendard SemiBold" panose="02000703000000020004" pitchFamily="2" charset="-127"/>
+                </a:rPr>
+                <a:t>딜러</a:t>
+              </a:r>
+              <a:endParaRPr lang="en-US" altLang="ko-KR" sz="1600" dirty="0">
+                <a:solidFill>
+                  <a:srgbClr val="FF0000"/>
+                </a:solidFill>
+                <a:latin typeface="Pretendard SemiBold" panose="02000703000000020004" pitchFamily="2" charset="-127"/>
+                <a:ea typeface="Pretendard SemiBold" panose="02000703000000020004" pitchFamily="2" charset="-127"/>
+                <a:cs typeface="Pretendard SemiBold" panose="02000703000000020004" pitchFamily="2" charset="-127"/>
+              </a:endParaRPr>
+            </a:p>
+          </p:txBody>
+        </p:sp>
+        <p:sp>
+          <p:nvSpPr>
+            <p:cNvPr id="4" name="TextBox 3">
+              <a:extLst>
+                <a:ext uri="{FF2B5EF4-FFF2-40B4-BE49-F238E27FC236}">
+                  <a16:creationId xmlns:a16="http://schemas.microsoft.com/office/drawing/2014/main" id="{E8FF181E-0DC4-3D3B-EA0B-8294D63DC3BD}"/>
+                </a:ext>
+              </a:extLst>
+            </p:cNvPr>
+            <p:cNvSpPr txBox="1"/>
+            <p:nvPr/>
+          </p:nvSpPr>
+          <p:spPr>
+            <a:xfrm>
+              <a:off x="1719123" y="833308"/>
+              <a:ext cx="230832" cy="553998"/>
+            </a:xfrm>
+            <a:prstGeom prst="rect">
+              <a:avLst/>
+            </a:prstGeom>
+            <a:noFill/>
+          </p:spPr>
+          <p:txBody>
+            <a:bodyPr wrap="none" lIns="0" tIns="0" rIns="0" bIns="0" rtlCol="0" anchor="ctr">
+              <a:spAutoFit/>
+            </a:bodyPr>
+            <a:lstStyle/>
+            <a:p>
+              <a:r>
+                <a:rPr lang="en-US" altLang="ko-KR" sz="3600" dirty="0">
+                  <a:latin typeface="EBS주시경 Bold" panose="02020603020101020101" pitchFamily="18" charset="-127"/>
+                  <a:ea typeface="EBS주시경 Bold" panose="02020603020101020101" pitchFamily="18" charset="-127"/>
+                  <a:cs typeface="Pretendard SemiBold" panose="02000703000000020004" pitchFamily="2" charset="-127"/>
+                </a:rPr>
+                <a:t>“</a:t>
+              </a:r>
+            </a:p>
+          </p:txBody>
+        </p:sp>
+        <p:sp>
+          <p:nvSpPr>
+            <p:cNvPr id="5" name="TextBox 4">
+              <a:extLst>
+                <a:ext uri="{FF2B5EF4-FFF2-40B4-BE49-F238E27FC236}">
+                  <a16:creationId xmlns:a16="http://schemas.microsoft.com/office/drawing/2014/main" id="{0CABCFE8-02A5-A0F1-7DCA-9F8565CAD3B1}"/>
+                </a:ext>
+              </a:extLst>
+            </p:cNvPr>
+            <p:cNvSpPr txBox="1"/>
+            <p:nvPr/>
+          </p:nvSpPr>
+          <p:spPr>
+            <a:xfrm>
+              <a:off x="10242045" y="833308"/>
+              <a:ext cx="230832" cy="553998"/>
+            </a:xfrm>
+            <a:prstGeom prst="rect">
+              <a:avLst/>
+            </a:prstGeom>
+            <a:noFill/>
+          </p:spPr>
+          <p:txBody>
+            <a:bodyPr wrap="none" lIns="0" tIns="0" rIns="0" bIns="0" rtlCol="0" anchor="ctr">
+              <a:spAutoFit/>
+            </a:bodyPr>
+            <a:lstStyle>
+              <a:defPPr>
+                <a:defRPr lang="ko-KR"/>
+              </a:defPPr>
+              <a:lvl1pPr>
+                <a:defRPr sz="3600">
+                  <a:latin typeface="EBS주시경 Bold" panose="02020603020101020101" pitchFamily="18" charset="-127"/>
+                  <a:ea typeface="EBS주시경 Bold" panose="02020603020101020101" pitchFamily="18" charset="-127"/>
+                  <a:cs typeface="Pretendard SemiBold" panose="02000703000000020004" pitchFamily="2" charset="-127"/>
+                </a:defRPr>
+              </a:lvl1pPr>
+            </a:lstStyle>
+            <a:p>
+              <a:r>
+                <a:rPr lang="en-US" altLang="ko-KR"/>
+                <a:t>”</a:t>
+              </a:r>
+              <a:endParaRPr lang="en-US" altLang="ko-KR" dirty="0"/>
+            </a:p>
+          </p:txBody>
+        </p:sp>
+      </p:grpSp>
+      <p:grpSp>
+        <p:nvGrpSpPr>
+          <p:cNvPr id="6" name="그룹 5">
+            <a:extLst>
+              <a:ext uri="{FF2B5EF4-FFF2-40B4-BE49-F238E27FC236}">
+                <a16:creationId xmlns:a16="http://schemas.microsoft.com/office/drawing/2014/main" id="{866DE08D-84C5-6EF2-C116-6AC0D255E7C7}"/>
+              </a:ext>
+            </a:extLst>
+          </p:cNvPr>
+          <p:cNvGrpSpPr/>
+          <p:nvPr/>
+        </p:nvGrpSpPr>
+        <p:grpSpPr>
+          <a:xfrm>
+            <a:off x="3780424" y="1513471"/>
+            <a:ext cx="4631153" cy="153888"/>
+            <a:chOff x="3717081" y="1513471"/>
+            <a:chExt cx="4631153" cy="153888"/>
+          </a:xfrm>
+        </p:grpSpPr>
+        <p:sp>
+          <p:nvSpPr>
+            <p:cNvPr id="7" name="TextBox 6">
+              <a:extLst>
+                <a:ext uri="{FF2B5EF4-FFF2-40B4-BE49-F238E27FC236}">
+                  <a16:creationId xmlns:a16="http://schemas.microsoft.com/office/drawing/2014/main" id="{C6C498CE-0D6D-01F1-8FDD-FC9D8BAAABD9}"/>
+                </a:ext>
+              </a:extLst>
+            </p:cNvPr>
+            <p:cNvSpPr txBox="1"/>
+            <p:nvPr/>
+          </p:nvSpPr>
+          <p:spPr>
+            <a:xfrm>
+              <a:off x="3717081" y="1513471"/>
+              <a:ext cx="662041" cy="153888"/>
+            </a:xfrm>
+            <a:prstGeom prst="rect">
+              <a:avLst/>
+            </a:prstGeom>
+            <a:noFill/>
+          </p:spPr>
+          <p:txBody>
+            <a:bodyPr wrap="none" lIns="0" tIns="0" rIns="0" bIns="0" rtlCol="0" anchor="ctr">
+              <a:spAutoFit/>
+            </a:bodyPr>
+            <a:lstStyle/>
+            <a:p>
+              <a:r>
+                <a:rPr lang="en-US" altLang="ko-KR" sz="1000" dirty="0">
+                  <a:latin typeface="Pretendard SemiBold" panose="02000703000000020004" pitchFamily="2" charset="-127"/>
+                  <a:ea typeface="Pretendard SemiBold" panose="02000703000000020004" pitchFamily="2" charset="-127"/>
+                  <a:cs typeface="Pretendard SemiBold" panose="02000703000000020004" pitchFamily="2" charset="-127"/>
+                </a:rPr>
+                <a:t>#</a:t>
+              </a:r>
+              <a:r>
+                <a:rPr lang="ko-KR" altLang="en-US" sz="1000" u="sng" dirty="0">
+                  <a:latin typeface="Pretendard SemiBold" panose="02000703000000020004" pitchFamily="2" charset="-127"/>
+                  <a:ea typeface="Pretendard SemiBold" panose="02000703000000020004" pitchFamily="2" charset="-127"/>
+                  <a:cs typeface="Pretendard SemiBold" panose="02000703000000020004" pitchFamily="2" charset="-127"/>
+                </a:rPr>
+                <a:t>동양풍 도사</a:t>
+              </a:r>
+              <a:endParaRPr lang="en-US" altLang="ko-KR" sz="1000" u="sng" dirty="0">
+                <a:latin typeface="Pretendard SemiBold" panose="02000703000000020004" pitchFamily="2" charset="-127"/>
+                <a:ea typeface="Pretendard SemiBold" panose="02000703000000020004" pitchFamily="2" charset="-127"/>
+                <a:cs typeface="Pretendard SemiBold" panose="02000703000000020004" pitchFamily="2" charset="-127"/>
+              </a:endParaRPr>
+            </a:p>
+          </p:txBody>
+        </p:sp>
+        <p:sp>
+          <p:nvSpPr>
+            <p:cNvPr id="10" name="TextBox 9">
+              <a:extLst>
+                <a:ext uri="{FF2B5EF4-FFF2-40B4-BE49-F238E27FC236}">
+                  <a16:creationId xmlns:a16="http://schemas.microsoft.com/office/drawing/2014/main" id="{27E6038E-483A-6995-2A65-139448F6E32F}"/>
+                </a:ext>
+              </a:extLst>
+            </p:cNvPr>
+            <p:cNvSpPr txBox="1"/>
+            <p:nvPr/>
+          </p:nvSpPr>
+          <p:spPr>
+            <a:xfrm>
+              <a:off x="4671845" y="1513471"/>
+              <a:ext cx="299762" cy="153888"/>
+            </a:xfrm>
+            <a:prstGeom prst="rect">
+              <a:avLst/>
+            </a:prstGeom>
+            <a:noFill/>
+          </p:spPr>
+          <p:txBody>
+            <a:bodyPr wrap="none" lIns="0" tIns="0" rIns="0" bIns="0" rtlCol="0" anchor="ctr">
+              <a:spAutoFit/>
+            </a:bodyPr>
+            <a:lstStyle/>
+            <a:p>
+              <a:r>
+                <a:rPr lang="en-US" altLang="ko-KR" sz="1000" dirty="0">
+                  <a:latin typeface="Pretendard SemiBold" panose="02000703000000020004" pitchFamily="2" charset="-127"/>
+                  <a:ea typeface="Pretendard SemiBold" panose="02000703000000020004" pitchFamily="2" charset="-127"/>
+                  <a:cs typeface="Pretendard SemiBold" panose="02000703000000020004" pitchFamily="2" charset="-127"/>
+                </a:rPr>
+                <a:t>#</a:t>
+              </a:r>
+              <a:r>
+                <a:rPr lang="ko-KR" altLang="en-US" sz="1000" u="sng" dirty="0">
+                  <a:latin typeface="Pretendard SemiBold" panose="02000703000000020004" pitchFamily="2" charset="-127"/>
+                  <a:ea typeface="Pretendard SemiBold" panose="02000703000000020004" pitchFamily="2" charset="-127"/>
+                  <a:cs typeface="Pretendard SemiBold" panose="02000703000000020004" pitchFamily="2" charset="-127"/>
+                </a:rPr>
+                <a:t>부채</a:t>
+              </a:r>
+              <a:endParaRPr lang="en-US" altLang="ko-KR" sz="1000" u="sng" dirty="0">
+                <a:latin typeface="Pretendard SemiBold" panose="02000703000000020004" pitchFamily="2" charset="-127"/>
+                <a:ea typeface="Pretendard SemiBold" panose="02000703000000020004" pitchFamily="2" charset="-127"/>
+                <a:cs typeface="Pretendard SemiBold" panose="02000703000000020004" pitchFamily="2" charset="-127"/>
+              </a:endParaRPr>
+            </a:p>
+          </p:txBody>
+        </p:sp>
+        <p:sp>
+          <p:nvSpPr>
+            <p:cNvPr id="11" name="TextBox 10">
+              <a:extLst>
+                <a:ext uri="{FF2B5EF4-FFF2-40B4-BE49-F238E27FC236}">
+                  <a16:creationId xmlns:a16="http://schemas.microsoft.com/office/drawing/2014/main" id="{540A38D6-14CF-B3E5-61AF-6928B751BAEF}"/>
+                </a:ext>
+              </a:extLst>
+            </p:cNvPr>
+            <p:cNvSpPr txBox="1"/>
+            <p:nvPr/>
+          </p:nvSpPr>
+          <p:spPr>
+            <a:xfrm>
+              <a:off x="5856815" y="1513471"/>
+              <a:ext cx="299762" cy="153888"/>
+            </a:xfrm>
+            <a:prstGeom prst="rect">
+              <a:avLst/>
+            </a:prstGeom>
+            <a:noFill/>
+          </p:spPr>
+          <p:txBody>
+            <a:bodyPr wrap="none" lIns="0" tIns="0" rIns="0" bIns="0" rtlCol="0" anchor="ctr">
+              <a:spAutoFit/>
+            </a:bodyPr>
+            <a:lstStyle/>
+            <a:p>
+              <a:r>
+                <a:rPr lang="en-US" altLang="ko-KR" sz="1000" dirty="0">
+                  <a:latin typeface="Pretendard SemiBold" panose="02000703000000020004" pitchFamily="2" charset="-127"/>
+                  <a:ea typeface="Pretendard SemiBold" panose="02000703000000020004" pitchFamily="2" charset="-127"/>
+                  <a:cs typeface="Pretendard SemiBold" panose="02000703000000020004" pitchFamily="2" charset="-127"/>
+                </a:rPr>
+                <a:t>#</a:t>
+              </a:r>
+              <a:r>
+                <a:rPr lang="ko-KR" altLang="en-US" sz="1000" u="sng" dirty="0">
+                  <a:latin typeface="Pretendard SemiBold" panose="02000703000000020004" pitchFamily="2" charset="-127"/>
+                  <a:ea typeface="Pretendard SemiBold" panose="02000703000000020004" pitchFamily="2" charset="-127"/>
+                  <a:cs typeface="Pretendard SemiBold" panose="02000703000000020004" pitchFamily="2" charset="-127"/>
+                </a:rPr>
+                <a:t>딜러</a:t>
+              </a:r>
+              <a:endParaRPr lang="en-US" altLang="ko-KR" sz="1000" u="sng" dirty="0">
+                <a:latin typeface="Pretendard SemiBold" panose="02000703000000020004" pitchFamily="2" charset="-127"/>
+                <a:ea typeface="Pretendard SemiBold" panose="02000703000000020004" pitchFamily="2" charset="-127"/>
+                <a:cs typeface="Pretendard SemiBold" panose="02000703000000020004" pitchFamily="2" charset="-127"/>
+              </a:endParaRPr>
+            </a:p>
+          </p:txBody>
+        </p:sp>
+        <p:sp>
+          <p:nvSpPr>
+            <p:cNvPr id="12" name="TextBox 11">
+              <a:extLst>
+                <a:ext uri="{FF2B5EF4-FFF2-40B4-BE49-F238E27FC236}">
+                  <a16:creationId xmlns:a16="http://schemas.microsoft.com/office/drawing/2014/main" id="{38A23009-A06B-6D98-45A5-CAF1184BF844}"/>
+                </a:ext>
+              </a:extLst>
+            </p:cNvPr>
+            <p:cNvSpPr txBox="1"/>
+            <p:nvPr/>
+          </p:nvSpPr>
+          <p:spPr>
+            <a:xfrm>
+              <a:off x="5264330" y="1513471"/>
+              <a:ext cx="299762" cy="153888"/>
+            </a:xfrm>
+            <a:prstGeom prst="rect">
+              <a:avLst/>
+            </a:prstGeom>
+            <a:noFill/>
+          </p:spPr>
+          <p:txBody>
+            <a:bodyPr wrap="none" lIns="0" tIns="0" rIns="0" bIns="0" rtlCol="0" anchor="ctr">
+              <a:spAutoFit/>
+            </a:bodyPr>
+            <a:lstStyle/>
+            <a:p>
+              <a:r>
+                <a:rPr lang="en-US" altLang="ko-KR" sz="1000" dirty="0">
+                  <a:latin typeface="Pretendard SemiBold" panose="02000703000000020004" pitchFamily="2" charset="-127"/>
+                  <a:ea typeface="Pretendard SemiBold" panose="02000703000000020004" pitchFamily="2" charset="-127"/>
+                  <a:cs typeface="Pretendard SemiBold" panose="02000703000000020004" pitchFamily="2" charset="-127"/>
+                </a:rPr>
+                <a:t>#</a:t>
+              </a:r>
+              <a:r>
+                <a:rPr lang="ko-KR" altLang="en-US" sz="1000" u="sng" dirty="0">
+                  <a:latin typeface="Pretendard SemiBold" panose="02000703000000020004" pitchFamily="2" charset="-127"/>
+                  <a:ea typeface="Pretendard SemiBold" panose="02000703000000020004" pitchFamily="2" charset="-127"/>
+                  <a:cs typeface="Pretendard SemiBold" panose="02000703000000020004" pitchFamily="2" charset="-127"/>
+                </a:rPr>
+                <a:t>번개</a:t>
+              </a:r>
+              <a:endParaRPr lang="en-US" altLang="ko-KR" sz="1000" u="sng" dirty="0">
+                <a:latin typeface="Pretendard SemiBold" panose="02000703000000020004" pitchFamily="2" charset="-127"/>
+                <a:ea typeface="Pretendard SemiBold" panose="02000703000000020004" pitchFamily="2" charset="-127"/>
+                <a:cs typeface="Pretendard SemiBold" panose="02000703000000020004" pitchFamily="2" charset="-127"/>
+              </a:endParaRPr>
+            </a:p>
+          </p:txBody>
+        </p:sp>
+        <p:sp>
+          <p:nvSpPr>
+            <p:cNvPr id="13" name="TextBox 12">
+              <a:extLst>
+                <a:ext uri="{FF2B5EF4-FFF2-40B4-BE49-F238E27FC236}">
+                  <a16:creationId xmlns:a16="http://schemas.microsoft.com/office/drawing/2014/main" id="{0B6D7418-7BE1-82FF-F577-559B02D0096C}"/>
+                </a:ext>
+              </a:extLst>
+            </p:cNvPr>
+            <p:cNvSpPr txBox="1"/>
+            <p:nvPr/>
+          </p:nvSpPr>
+          <p:spPr>
+            <a:xfrm>
+              <a:off x="7293458" y="1513471"/>
+              <a:ext cx="1054776" cy="153888"/>
+            </a:xfrm>
+            <a:prstGeom prst="rect">
+              <a:avLst/>
+            </a:prstGeom>
+            <a:noFill/>
+          </p:spPr>
+          <p:txBody>
+            <a:bodyPr wrap="none" lIns="0" tIns="0" rIns="0" bIns="0" rtlCol="0" anchor="ctr">
+              <a:spAutoFit/>
+            </a:bodyPr>
+            <a:lstStyle/>
+            <a:p>
+              <a:r>
+                <a:rPr lang="en-US" altLang="ko-KR" sz="1000" dirty="0">
+                  <a:latin typeface="Pretendard SemiBold" panose="02000703000000020004" pitchFamily="2" charset="-127"/>
+                  <a:ea typeface="Pretendard SemiBold" panose="02000703000000020004" pitchFamily="2" charset="-127"/>
+                  <a:cs typeface="Pretendard SemiBold" panose="02000703000000020004" pitchFamily="2" charset="-127"/>
+                </a:rPr>
+                <a:t>#</a:t>
+              </a:r>
+              <a:r>
+                <a:rPr lang="ko-KR" altLang="en-US" sz="1000" u="sng" dirty="0">
+                  <a:latin typeface="Pretendard SemiBold" panose="02000703000000020004" pitchFamily="2" charset="-127"/>
+                  <a:ea typeface="Pretendard SemiBold" panose="02000703000000020004" pitchFamily="2" charset="-127"/>
+                  <a:cs typeface="Pretendard SemiBold" panose="02000703000000020004" pitchFamily="2" charset="-127"/>
+                </a:rPr>
+                <a:t>단일 대상 높은 피해</a:t>
+              </a:r>
+              <a:endParaRPr lang="en-US" altLang="ko-KR" sz="1000" u="sng" dirty="0">
+                <a:latin typeface="Pretendard SemiBold" panose="02000703000000020004" pitchFamily="2" charset="-127"/>
+                <a:ea typeface="Pretendard SemiBold" panose="02000703000000020004" pitchFamily="2" charset="-127"/>
+                <a:cs typeface="Pretendard SemiBold" panose="02000703000000020004" pitchFamily="2" charset="-127"/>
+              </a:endParaRPr>
+            </a:p>
+          </p:txBody>
+        </p:sp>
+        <p:sp>
+          <p:nvSpPr>
+            <p:cNvPr id="14" name="TextBox 13">
+              <a:extLst>
+                <a:ext uri="{FF2B5EF4-FFF2-40B4-BE49-F238E27FC236}">
+                  <a16:creationId xmlns:a16="http://schemas.microsoft.com/office/drawing/2014/main" id="{B25ACF87-1CCD-48A2-BA80-C5EBAF5E1916}"/>
+                </a:ext>
+              </a:extLst>
+            </p:cNvPr>
+            <p:cNvSpPr txBox="1"/>
+            <p:nvPr/>
+          </p:nvSpPr>
+          <p:spPr>
+            <a:xfrm>
+              <a:off x="6449300" y="1513471"/>
+              <a:ext cx="551433" cy="153888"/>
+            </a:xfrm>
+            <a:prstGeom prst="rect">
+              <a:avLst/>
+            </a:prstGeom>
+            <a:noFill/>
+          </p:spPr>
+          <p:txBody>
+            <a:bodyPr wrap="none" lIns="0" tIns="0" rIns="0" bIns="0" rtlCol="0" anchor="ctr">
+              <a:spAutoFit/>
+            </a:bodyPr>
+            <a:lstStyle/>
+            <a:p>
+              <a:r>
+                <a:rPr lang="en-US" altLang="ko-KR" sz="1000" dirty="0">
+                  <a:latin typeface="Pretendard SemiBold" panose="02000703000000020004" pitchFamily="2" charset="-127"/>
+                  <a:ea typeface="Pretendard SemiBold" panose="02000703000000020004" pitchFamily="2" charset="-127"/>
+                  <a:cs typeface="Pretendard SemiBold" panose="02000703000000020004" pitchFamily="2" charset="-127"/>
+                </a:rPr>
+                <a:t>#</a:t>
+              </a:r>
+              <a:r>
+                <a:rPr lang="ko-KR" altLang="en-US" sz="1000" u="sng" dirty="0">
+                  <a:latin typeface="Pretendard SemiBold" panose="02000703000000020004" pitchFamily="2" charset="-127"/>
+                  <a:ea typeface="Pretendard SemiBold" panose="02000703000000020004" pitchFamily="2" charset="-127"/>
+                  <a:cs typeface="Pretendard SemiBold" panose="02000703000000020004" pitchFamily="2" charset="-127"/>
+                </a:rPr>
+                <a:t>방어 무시</a:t>
+              </a:r>
+              <a:endParaRPr lang="en-US" altLang="ko-KR" sz="1000" u="sng" dirty="0">
+                <a:latin typeface="Pretendard SemiBold" panose="02000703000000020004" pitchFamily="2" charset="-127"/>
+                <a:ea typeface="Pretendard SemiBold" panose="02000703000000020004" pitchFamily="2" charset="-127"/>
+                <a:cs typeface="Pretendard SemiBold" panose="02000703000000020004" pitchFamily="2" charset="-127"/>
+              </a:endParaRPr>
+            </a:p>
+          </p:txBody>
+        </p:sp>
+      </p:grpSp>
+      <p:grpSp>
+        <p:nvGrpSpPr>
+          <p:cNvPr id="16" name="그룹 15">
+            <a:extLst>
+              <a:ext uri="{FF2B5EF4-FFF2-40B4-BE49-F238E27FC236}">
+                <a16:creationId xmlns:a16="http://schemas.microsoft.com/office/drawing/2014/main" id="{F790681C-5E1E-5C99-C3FD-063140F9802B}"/>
+              </a:ext>
+            </a:extLst>
+          </p:cNvPr>
+          <p:cNvGrpSpPr/>
+          <p:nvPr/>
+        </p:nvGrpSpPr>
+        <p:grpSpPr>
+          <a:xfrm>
+            <a:off x="614301" y="2251399"/>
+            <a:ext cx="4172855" cy="662611"/>
+            <a:chOff x="915209" y="2508678"/>
+            <a:chExt cx="4172855" cy="662611"/>
+          </a:xfrm>
+        </p:grpSpPr>
+        <p:grpSp>
+          <p:nvGrpSpPr>
+            <p:cNvPr id="17" name="그룹 16">
+              <a:extLst>
+                <a:ext uri="{FF2B5EF4-FFF2-40B4-BE49-F238E27FC236}">
+                  <a16:creationId xmlns:a16="http://schemas.microsoft.com/office/drawing/2014/main" id="{B637BD0E-CF82-DCA4-7B3E-7E5F2EAEEEB6}"/>
+                </a:ext>
+              </a:extLst>
+            </p:cNvPr>
+            <p:cNvGrpSpPr/>
+            <p:nvPr/>
+          </p:nvGrpSpPr>
+          <p:grpSpPr>
+            <a:xfrm>
+              <a:off x="915209" y="2508678"/>
+              <a:ext cx="3486176" cy="662611"/>
+              <a:chOff x="379243" y="1752288"/>
+              <a:chExt cx="3486176" cy="662611"/>
+            </a:xfrm>
+          </p:grpSpPr>
+          <p:sp>
+            <p:nvSpPr>
+              <p:cNvPr id="20" name="직사각형 19">
+                <a:extLst>
+                  <a:ext uri="{FF2B5EF4-FFF2-40B4-BE49-F238E27FC236}">
+                    <a16:creationId xmlns:a16="http://schemas.microsoft.com/office/drawing/2014/main" id="{B22EB14E-7DAA-F5F2-D68B-D3D4AE99A5C4}"/>
+                  </a:ext>
+                </a:extLst>
+              </p:cNvPr>
+              <p:cNvSpPr/>
+              <p:nvPr/>
+            </p:nvSpPr>
+            <p:spPr>
+              <a:xfrm>
+                <a:off x="379243" y="1752288"/>
+                <a:ext cx="3486176" cy="662611"/>
+              </a:xfrm>
+              <a:prstGeom prst="rect">
+                <a:avLst/>
+              </a:prstGeom>
+              <a:solidFill>
+                <a:srgbClr val="EEFAFE"/>
+              </a:solidFill>
+              <a:ln w="12700">
+                <a:solidFill>
+                  <a:schemeClr val="accent4">
+                    <a:lumMod val="40000"/>
+                    <a:lumOff val="60000"/>
+                  </a:schemeClr>
+                </a:solidFill>
+              </a:ln>
+            </p:spPr>
+            <p:style>
+              <a:lnRef idx="2">
+                <a:schemeClr val="accent1">
+                  <a:shade val="15000"/>
+                </a:schemeClr>
+              </a:lnRef>
+              <a:fillRef idx="1">
+                <a:schemeClr val="accent1"/>
+              </a:fillRef>
+              <a:effectRef idx="0">
+                <a:schemeClr val="accent1"/>
+              </a:effectRef>
+              <a:fontRef idx="minor">
+                <a:schemeClr val="lt1"/>
+              </a:fontRef>
+            </p:style>
+            <p:txBody>
+              <a:bodyPr rtlCol="0" anchor="ctr"/>
+              <a:lstStyle/>
+              <a:p>
+                <a:pPr algn="ctr"/>
+                <a:endParaRPr lang="ko-KR" altLang="en-US" dirty="0"/>
+              </a:p>
+            </p:txBody>
+          </p:sp>
+          <p:sp>
+            <p:nvSpPr>
+              <p:cNvPr id="21" name="TextBox 20">
+                <a:extLst>
+                  <a:ext uri="{FF2B5EF4-FFF2-40B4-BE49-F238E27FC236}">
+                    <a16:creationId xmlns:a16="http://schemas.microsoft.com/office/drawing/2014/main" id="{A0E00BA2-9933-62D0-48A3-9ED70E11F9EC}"/>
+                  </a:ext>
+                </a:extLst>
+              </p:cNvPr>
+              <p:cNvSpPr txBox="1"/>
+              <p:nvPr/>
+            </p:nvSpPr>
+            <p:spPr>
+              <a:xfrm>
+                <a:off x="572245" y="2006649"/>
+                <a:ext cx="3100209" cy="153888"/>
+              </a:xfrm>
+              <a:prstGeom prst="rect">
+                <a:avLst/>
+              </a:prstGeom>
+              <a:noFill/>
+            </p:spPr>
+            <p:txBody>
+              <a:bodyPr wrap="none" lIns="0" tIns="0" rIns="0" bIns="0" rtlCol="0" anchor="ctr">
+                <a:spAutoFit/>
+              </a:bodyPr>
+              <a:lstStyle/>
+              <a:p>
+                <a:pPr algn="ctr">
+                  <a:spcAft>
+                    <a:spcPts val="600"/>
+                  </a:spcAft>
+                </a:pPr>
+                <a:r>
+                  <a:rPr lang="ko-KR" altLang="en-US" sz="1000" dirty="0">
+                    <a:latin typeface="Pretendard" panose="02000503000000020004" pitchFamily="2" charset="-127"/>
+                    <a:ea typeface="Pretendard" panose="02000503000000020004" pitchFamily="2" charset="-127"/>
+                    <a:cs typeface="Pretendard" panose="02000503000000020004" pitchFamily="2" charset="-127"/>
+                  </a:rPr>
+                  <a:t>점성술사 컨셉으로</a:t>
+                </a:r>
+                <a:r>
+                  <a:rPr lang="en-US" altLang="ko-KR" sz="1000" dirty="0">
+                    <a:latin typeface="Pretendard" panose="02000503000000020004" pitchFamily="2" charset="-127"/>
+                    <a:ea typeface="Pretendard" panose="02000503000000020004" pitchFamily="2" charset="-127"/>
+                    <a:cs typeface="Pretendard" panose="02000503000000020004" pitchFamily="2" charset="-127"/>
+                  </a:rPr>
+                  <a:t> </a:t>
+                </a:r>
+                <a:r>
+                  <a:rPr lang="ko-KR" altLang="en-US" sz="1000" dirty="0">
+                    <a:latin typeface="Pretendard" panose="02000503000000020004" pitchFamily="2" charset="-127"/>
+                    <a:ea typeface="Pretendard" panose="02000503000000020004" pitchFamily="2" charset="-127"/>
+                    <a:cs typeface="Pretendard" panose="02000503000000020004" pitchFamily="2" charset="-127"/>
+                  </a:rPr>
+                  <a:t>우주의 다양한 현상을 전장에 재구성합니다</a:t>
+                </a:r>
+                <a:r>
+                  <a:rPr lang="en-US" altLang="ko-KR" sz="1000" dirty="0">
+                    <a:latin typeface="Pretendard" panose="02000503000000020004" pitchFamily="2" charset="-127"/>
+                    <a:ea typeface="Pretendard" panose="02000503000000020004" pitchFamily="2" charset="-127"/>
+                    <a:cs typeface="Pretendard" panose="02000503000000020004" pitchFamily="2" charset="-127"/>
+                  </a:rPr>
+                  <a:t>.</a:t>
+                </a:r>
+              </a:p>
+            </p:txBody>
+          </p:sp>
+        </p:grpSp>
+        <p:sp>
+          <p:nvSpPr>
+            <p:cNvPr id="18" name="타원 17">
+              <a:extLst>
+                <a:ext uri="{FF2B5EF4-FFF2-40B4-BE49-F238E27FC236}">
+                  <a16:creationId xmlns:a16="http://schemas.microsoft.com/office/drawing/2014/main" id="{B009ECD9-2C3C-4AD0-080E-1E4464D196E4}"/>
+                </a:ext>
+              </a:extLst>
+            </p:cNvPr>
+            <p:cNvSpPr/>
+            <p:nvPr/>
+          </p:nvSpPr>
+          <p:spPr>
+            <a:xfrm>
+              <a:off x="4980064" y="2785984"/>
+              <a:ext cx="108000" cy="108000"/>
+            </a:xfrm>
+            <a:prstGeom prst="ellipse">
+              <a:avLst/>
+            </a:prstGeom>
+            <a:solidFill>
+              <a:schemeClr val="accent4">
+                <a:lumMod val="20000"/>
+                <a:lumOff val="80000"/>
+              </a:schemeClr>
+            </a:solidFill>
+            <a:ln w="12700">
+              <a:solidFill>
+                <a:schemeClr val="accent4">
+                  <a:lumMod val="60000"/>
+                  <a:lumOff val="40000"/>
+                </a:schemeClr>
+              </a:solidFill>
+            </a:ln>
+            <a:effectLst>
+              <a:glow rad="50800">
+                <a:srgbClr val="FAFCBC"/>
+              </a:glow>
+            </a:effectLst>
+          </p:spPr>
+          <p:style>
+            <a:lnRef idx="2">
+              <a:schemeClr val="accent1">
+                <a:shade val="15000"/>
+              </a:schemeClr>
+            </a:lnRef>
+            <a:fillRef idx="1">
+              <a:schemeClr val="accent1"/>
+            </a:fillRef>
+            <a:effectRef idx="0">
+              <a:schemeClr val="accent1"/>
+            </a:effectRef>
+            <a:fontRef idx="minor">
+              <a:schemeClr val="lt1"/>
+            </a:fontRef>
+          </p:style>
+          <p:txBody>
+            <a:bodyPr rtlCol="0" anchor="ctr"/>
+            <a:lstStyle/>
+            <a:p>
+              <a:pPr algn="ctr"/>
+              <a:endParaRPr lang="ko-KR" altLang="en-US" dirty="0"/>
+            </a:p>
+          </p:txBody>
+        </p:sp>
+        <p:cxnSp>
+          <p:nvCxnSpPr>
+            <p:cNvPr id="19" name="직선 연결선 18">
+              <a:extLst>
+                <a:ext uri="{FF2B5EF4-FFF2-40B4-BE49-F238E27FC236}">
+                  <a16:creationId xmlns:a16="http://schemas.microsoft.com/office/drawing/2014/main" id="{E96D6873-47B5-EDCC-AE39-6A3D2E145D43}"/>
+                </a:ext>
+              </a:extLst>
+            </p:cNvPr>
+            <p:cNvCxnSpPr>
+              <a:cxnSpLocks/>
+              <a:stCxn id="18" idx="2"/>
+              <a:endCxn id="20" idx="3"/>
+            </p:cNvCxnSpPr>
+            <p:nvPr/>
+          </p:nvCxnSpPr>
+          <p:spPr>
+            <a:xfrm flipH="1">
+              <a:off x="4401385" y="2839984"/>
+              <a:ext cx="578679" cy="0"/>
+            </a:xfrm>
+            <a:prstGeom prst="line">
+              <a:avLst/>
+            </a:prstGeom>
+            <a:ln w="12700">
+              <a:solidFill>
+                <a:schemeClr val="accent4">
+                  <a:lumMod val="40000"/>
+                  <a:lumOff val="60000"/>
+                </a:schemeClr>
+              </a:solidFill>
+            </a:ln>
+          </p:spPr>
+          <p:style>
+            <a:lnRef idx="2">
+              <a:schemeClr val="accent1"/>
+            </a:lnRef>
+            <a:fillRef idx="0">
+              <a:schemeClr val="accent1"/>
+            </a:fillRef>
+            <a:effectRef idx="1">
+              <a:schemeClr val="accent1"/>
+            </a:effectRef>
+            <a:fontRef idx="minor">
+              <a:schemeClr val="tx1"/>
+            </a:fontRef>
+          </p:style>
+        </p:cxnSp>
+      </p:grpSp>
       <p:sp>
         <p:nvSpPr>
-          <p:cNvPr id="9" name="TextBox 8">
+          <p:cNvPr id="22" name="TextBox 21">
             <a:extLst>
               <a:ext uri="{FF2B5EF4-FFF2-40B4-BE49-F238E27FC236}">
-                <a16:creationId xmlns:a16="http://schemas.microsoft.com/office/drawing/2014/main" id="{31B2E87F-2D88-0300-1D26-E571089B5321}"/>
+                <a16:creationId xmlns:a16="http://schemas.microsoft.com/office/drawing/2014/main" id="{00FD08CC-B13B-4C3D-422B-8AB8CC68BD5C}"/>
               </a:ext>
             </a:extLst>
           </p:cNvPr>
@@ -4404,8 +5342,8 @@
         </p:nvSpPr>
         <p:spPr>
           <a:xfrm>
-            <a:off x="3063106" y="772285"/>
-            <a:ext cx="6065789" cy="261931"/>
+            <a:off x="-274991" y="5375399"/>
+            <a:ext cx="4667945" cy="646331"/>
           </a:xfrm>
           <a:prstGeom prst="rect">
             <a:avLst/>
@@ -4413,27 +5351,97 @@
           <a:noFill/>
         </p:spPr>
         <p:txBody>
-          <a:bodyPr wrap="square" lIns="18000" rIns="18000" rtlCol="0">
+          <a:bodyPr wrap="none" lIns="0" tIns="0" rIns="0" bIns="0" rtlCol="0" anchor="ctr">
             <a:spAutoFit/>
           </a:bodyPr>
           <a:lstStyle/>
           <a:p>
-            <a:pPr algn="ctr" latinLnBrk="0">
-              <a:lnSpc>
-                <a:spcPct val="120000"/>
-              </a:lnSpc>
+            <a:pPr algn="ctr">
+              <a:defRPr/>
             </a:pPr>
             <a:r>
-              <a:rPr lang="ko-KR" altLang="en-US" sz="1000" dirty="0">
-                <a:effectLst/>
+              <a:rPr lang="ko-KR" altLang="en-US" sz="1400" dirty="0">
                 <a:latin typeface="Pretendard" panose="02000503000000020004" pitchFamily="2" charset="-127"/>
                 <a:ea typeface="Pretendard" panose="02000503000000020004" pitchFamily="2" charset="-127"/>
                 <a:cs typeface="Pretendard" panose="02000503000000020004" pitchFamily="2" charset="-127"/>
               </a:rPr>
-              <a:t>혼천의의 고리가 스킬의 시전을 보조하여 </a:t>
-            </a:r>
-            <a:endParaRPr lang="en-US" altLang="ko-KR" sz="1000" dirty="0">
-              <a:effectLst/>
+              <a:t>혼천의의 고리가 캐릭터를 보조하며 스킬의 </a:t>
+            </a:r>
+            <a:r>
+              <a:rPr lang="ko-KR" altLang="en-US" sz="1400" dirty="0" err="1">
+                <a:latin typeface="Pretendard" panose="02000503000000020004" pitchFamily="2" charset="-127"/>
+                <a:ea typeface="Pretendard" panose="02000503000000020004" pitchFamily="2" charset="-127"/>
+                <a:cs typeface="Pretendard" panose="02000503000000020004" pitchFamily="2" charset="-127"/>
+              </a:rPr>
+              <a:t>시전시간을</a:t>
+            </a:r>
+            <a:r>
+              <a:rPr lang="ko-KR" altLang="en-US" sz="1400" dirty="0">
+                <a:latin typeface="Pretendard" panose="02000503000000020004" pitchFamily="2" charset="-127"/>
+                <a:ea typeface="Pretendard" panose="02000503000000020004" pitchFamily="2" charset="-127"/>
+                <a:cs typeface="Pretendard" panose="02000503000000020004" pitchFamily="2" charset="-127"/>
+              </a:rPr>
+              <a:t> 줄여줍니다</a:t>
+            </a:r>
+            <a:r>
+              <a:rPr lang="en-US" altLang="ko-KR" sz="1400" dirty="0">
+                <a:latin typeface="Pretendard" panose="02000503000000020004" pitchFamily="2" charset="-127"/>
+                <a:ea typeface="Pretendard" panose="02000503000000020004" pitchFamily="2" charset="-127"/>
+                <a:cs typeface="Pretendard" panose="02000503000000020004" pitchFamily="2" charset="-127"/>
+              </a:rPr>
+              <a:t>.</a:t>
+            </a:r>
+          </a:p>
+          <a:p>
+            <a:pPr lvl="0" algn="ctr">
+              <a:defRPr/>
+            </a:pPr>
+            <a:r>
+              <a:rPr lang="ko-KR" altLang="en-US" sz="1400" dirty="0">
+                <a:latin typeface="Pretendard" panose="02000503000000020004" pitchFamily="2" charset="-127"/>
+                <a:ea typeface="Pretendard" panose="02000503000000020004" pitchFamily="2" charset="-127"/>
+                <a:cs typeface="Pretendard" panose="02000503000000020004" pitchFamily="2" charset="-127"/>
+              </a:rPr>
+              <a:t>적과의 거리를 유지하면서 공격적</a:t>
+            </a:r>
+            <a:r>
+              <a:rPr lang="en-US" altLang="ko-KR" sz="1400" dirty="0">
+                <a:latin typeface="Pretendard" panose="02000503000000020004" pitchFamily="2" charset="-127"/>
+                <a:ea typeface="Pretendard" panose="02000503000000020004" pitchFamily="2" charset="-127"/>
+                <a:cs typeface="Pretendard" panose="02000503000000020004" pitchFamily="2" charset="-127"/>
+              </a:rPr>
+              <a:t>/</a:t>
+            </a:r>
+            <a:r>
+              <a:rPr lang="ko-KR" altLang="en-US" sz="1400" dirty="0">
+                <a:latin typeface="Pretendard" panose="02000503000000020004" pitchFamily="2" charset="-127"/>
+                <a:ea typeface="Pretendard" panose="02000503000000020004" pitchFamily="2" charset="-127"/>
+                <a:cs typeface="Pretendard" panose="02000503000000020004" pitchFamily="2" charset="-127"/>
+              </a:rPr>
+              <a:t>능동적으로 전투를 이어갑니다</a:t>
+            </a:r>
+            <a:r>
+              <a:rPr lang="en-US" altLang="ko-KR" sz="1400" dirty="0">
+                <a:latin typeface="Pretendard" panose="02000503000000020004" pitchFamily="2" charset="-127"/>
+                <a:ea typeface="Pretendard" panose="02000503000000020004" pitchFamily="2" charset="-127"/>
+                <a:cs typeface="Pretendard" panose="02000503000000020004" pitchFamily="2" charset="-127"/>
+              </a:rPr>
+              <a:t>.</a:t>
+            </a:r>
+          </a:p>
+          <a:p>
+            <a:pPr lvl="0" algn="ctr">
+              <a:defRPr/>
+            </a:pPr>
+            <a:r>
+              <a:rPr lang="ko-KR" altLang="en-US" sz="1400" dirty="0">
+                <a:latin typeface="Pretendard" panose="02000503000000020004" pitchFamily="2" charset="-127"/>
+                <a:ea typeface="Pretendard" panose="02000503000000020004" pitchFamily="2" charset="-127"/>
+                <a:cs typeface="Pretendard" panose="02000503000000020004" pitchFamily="2" charset="-127"/>
+              </a:rPr>
+              <a:t>방어 능력이 낮으며 적과 일정한 거리 내로 유지해야 하지만 </a:t>
+            </a:r>
+            <a:endParaRPr lang="en-US" altLang="ko-KR" sz="1400" dirty="0">
               <a:latin typeface="Pretendard" panose="02000503000000020004" pitchFamily="2" charset="-127"/>
               <a:ea typeface="Pretendard" panose="02000503000000020004" pitchFamily="2" charset="-127"/>
               <a:cs typeface="Pretendard" panose="02000503000000020004" pitchFamily="2" charset="-127"/>
@@ -4441,6 +5449,1017 @@
           </a:p>
         </p:txBody>
       </p:sp>
+      <p:grpSp>
+        <p:nvGrpSpPr>
+          <p:cNvPr id="24" name="그룹 23">
+            <a:extLst>
+              <a:ext uri="{FF2B5EF4-FFF2-40B4-BE49-F238E27FC236}">
+                <a16:creationId xmlns:a16="http://schemas.microsoft.com/office/drawing/2014/main" id="{E41A008F-D0D2-08A2-C135-5AB8DCDBA123}"/>
+              </a:ext>
+            </a:extLst>
+          </p:cNvPr>
+          <p:cNvGrpSpPr/>
+          <p:nvPr/>
+        </p:nvGrpSpPr>
+        <p:grpSpPr>
+          <a:xfrm>
+            <a:off x="614301" y="4155300"/>
+            <a:ext cx="4917253" cy="662611"/>
+            <a:chOff x="915209" y="2508678"/>
+            <a:chExt cx="4917253" cy="662611"/>
+          </a:xfrm>
+        </p:grpSpPr>
+        <p:grpSp>
+          <p:nvGrpSpPr>
+            <p:cNvPr id="25" name="그룹 24">
+              <a:extLst>
+                <a:ext uri="{FF2B5EF4-FFF2-40B4-BE49-F238E27FC236}">
+                  <a16:creationId xmlns:a16="http://schemas.microsoft.com/office/drawing/2014/main" id="{0F52EFA9-7BC6-49CA-9841-12966EEAAF22}"/>
+                </a:ext>
+              </a:extLst>
+            </p:cNvPr>
+            <p:cNvGrpSpPr/>
+            <p:nvPr/>
+          </p:nvGrpSpPr>
+          <p:grpSpPr>
+            <a:xfrm>
+              <a:off x="915209" y="2508678"/>
+              <a:ext cx="3486176" cy="662611"/>
+              <a:chOff x="379243" y="1752288"/>
+              <a:chExt cx="3486176" cy="662611"/>
+            </a:xfrm>
+          </p:grpSpPr>
+          <p:sp>
+            <p:nvSpPr>
+              <p:cNvPr id="28" name="직사각형 27">
+                <a:extLst>
+                  <a:ext uri="{FF2B5EF4-FFF2-40B4-BE49-F238E27FC236}">
+                    <a16:creationId xmlns:a16="http://schemas.microsoft.com/office/drawing/2014/main" id="{1E7D37E0-7D8B-BA3F-88A1-0997DA972578}"/>
+                  </a:ext>
+                </a:extLst>
+              </p:cNvPr>
+              <p:cNvSpPr/>
+              <p:nvPr/>
+            </p:nvSpPr>
+            <p:spPr>
+              <a:xfrm>
+                <a:off x="379243" y="1752288"/>
+                <a:ext cx="3486176" cy="662611"/>
+              </a:xfrm>
+              <a:prstGeom prst="rect">
+                <a:avLst/>
+              </a:prstGeom>
+              <a:solidFill>
+                <a:srgbClr val="EEFAFE"/>
+              </a:solidFill>
+              <a:ln w="12700">
+                <a:solidFill>
+                  <a:schemeClr val="accent4">
+                    <a:lumMod val="40000"/>
+                    <a:lumOff val="60000"/>
+                  </a:schemeClr>
+                </a:solidFill>
+              </a:ln>
+            </p:spPr>
+            <p:style>
+              <a:lnRef idx="2">
+                <a:schemeClr val="accent1">
+                  <a:shade val="15000"/>
+                </a:schemeClr>
+              </a:lnRef>
+              <a:fillRef idx="1">
+                <a:schemeClr val="accent1"/>
+              </a:fillRef>
+              <a:effectRef idx="0">
+                <a:schemeClr val="accent1"/>
+              </a:effectRef>
+              <a:fontRef idx="minor">
+                <a:schemeClr val="lt1"/>
+              </a:fontRef>
+            </p:style>
+            <p:txBody>
+              <a:bodyPr rtlCol="0" anchor="ctr"/>
+              <a:lstStyle/>
+              <a:p>
+                <a:pPr algn="ctr"/>
+                <a:endParaRPr lang="ko-KR" altLang="en-US" dirty="0"/>
+              </a:p>
+            </p:txBody>
+          </p:sp>
+          <p:sp>
+            <p:nvSpPr>
+              <p:cNvPr id="29" name="TextBox 28">
+                <a:extLst>
+                  <a:ext uri="{FF2B5EF4-FFF2-40B4-BE49-F238E27FC236}">
+                    <a16:creationId xmlns:a16="http://schemas.microsoft.com/office/drawing/2014/main" id="{F79B2585-B772-D600-ABE6-CCE48EB4CD31}"/>
+                  </a:ext>
+                </a:extLst>
+              </p:cNvPr>
+              <p:cNvSpPr txBox="1"/>
+              <p:nvPr/>
+            </p:nvSpPr>
+            <p:spPr>
+              <a:xfrm>
+                <a:off x="700480" y="1891233"/>
+                <a:ext cx="2843728" cy="384721"/>
+              </a:xfrm>
+              <a:prstGeom prst="rect">
+                <a:avLst/>
+              </a:prstGeom>
+              <a:noFill/>
+            </p:spPr>
+            <p:txBody>
+              <a:bodyPr wrap="none" lIns="0" tIns="0" rIns="0" bIns="0" rtlCol="0" anchor="ctr">
+                <a:spAutoFit/>
+              </a:bodyPr>
+              <a:lstStyle/>
+              <a:p>
+                <a:pPr algn="ctr">
+                  <a:spcAft>
+                    <a:spcPts val="600"/>
+                  </a:spcAft>
+                </a:pPr>
+                <a:r>
+                  <a:rPr lang="ko-KR" altLang="en-US" sz="1000" dirty="0">
+                    <a:latin typeface="Pretendard" panose="02000503000000020004" pitchFamily="2" charset="-127"/>
+                    <a:ea typeface="Pretendard" panose="02000503000000020004" pitchFamily="2" charset="-127"/>
+                    <a:cs typeface="Pretendard" panose="02000503000000020004" pitchFamily="2" charset="-127"/>
+                  </a:rPr>
+                  <a:t>동양풍 선비</a:t>
+                </a:r>
+                <a:r>
+                  <a:rPr lang="en-US" altLang="ko-KR" sz="1000" dirty="0">
+                    <a:latin typeface="Pretendard" panose="02000503000000020004" pitchFamily="2" charset="-127"/>
+                    <a:ea typeface="Pretendard" panose="02000503000000020004" pitchFamily="2" charset="-127"/>
+                    <a:cs typeface="Pretendard" panose="02000503000000020004" pitchFamily="2" charset="-127"/>
+                  </a:rPr>
+                  <a:t>/</a:t>
+                </a:r>
+                <a:r>
+                  <a:rPr lang="ko-KR" altLang="en-US" sz="1000" dirty="0">
+                    <a:latin typeface="Pretendard" panose="02000503000000020004" pitchFamily="2" charset="-127"/>
+                    <a:ea typeface="Pretendard" panose="02000503000000020004" pitchFamily="2" charset="-127"/>
+                    <a:cs typeface="Pretendard" panose="02000503000000020004" pitchFamily="2" charset="-127"/>
+                  </a:rPr>
+                  <a:t>한량 컨셉의 </a:t>
+                </a:r>
+                <a:r>
+                  <a:rPr lang="ko-KR" altLang="en-US" sz="1000" dirty="0">
+                    <a:latin typeface="Pretendard SemiBold" panose="02000703000000020004" pitchFamily="2" charset="-127"/>
+                    <a:ea typeface="Pretendard SemiBold" panose="02000703000000020004" pitchFamily="2" charset="-127"/>
+                    <a:cs typeface="Pretendard SemiBold" panose="02000703000000020004" pitchFamily="2" charset="-127"/>
+                  </a:rPr>
+                  <a:t>여유롭고 절제된 동작</a:t>
+                </a:r>
+                <a:r>
+                  <a:rPr lang="ko-KR" altLang="en-US" sz="1000" dirty="0">
+                    <a:latin typeface="Pretendard" panose="02000503000000020004" pitchFamily="2" charset="-127"/>
+                    <a:ea typeface="Pretendard" panose="02000503000000020004" pitchFamily="2" charset="-127"/>
+                    <a:cs typeface="Pretendard" panose="02000503000000020004" pitchFamily="2" charset="-127"/>
+                  </a:rPr>
+                  <a:t>과 </a:t>
+                </a:r>
+                <a:endParaRPr lang="en-US" altLang="ko-KR" sz="1000" dirty="0">
+                  <a:latin typeface="Pretendard" panose="02000503000000020004" pitchFamily="2" charset="-127"/>
+                  <a:ea typeface="Pretendard" panose="02000503000000020004" pitchFamily="2" charset="-127"/>
+                  <a:cs typeface="Pretendard" panose="02000503000000020004" pitchFamily="2" charset="-127"/>
+                </a:endParaRPr>
+              </a:p>
+              <a:p>
+                <a:pPr algn="ctr">
+                  <a:spcAft>
+                    <a:spcPts val="600"/>
+                  </a:spcAft>
+                </a:pPr>
+                <a:r>
+                  <a:rPr lang="ko-KR" altLang="en-US" sz="1000" dirty="0">
+                    <a:latin typeface="Pretendard" panose="02000503000000020004" pitchFamily="2" charset="-127"/>
+                    <a:ea typeface="Pretendard" panose="02000503000000020004" pitchFamily="2" charset="-127"/>
+                    <a:cs typeface="Pretendard" panose="02000503000000020004" pitchFamily="2" charset="-127"/>
+                  </a:rPr>
+                  <a:t>이에 대비되는</a:t>
+                </a:r>
+                <a:r>
+                  <a:rPr lang="en-US" altLang="ko-KR" sz="1000" dirty="0">
+                    <a:latin typeface="Pretendard" panose="02000503000000020004" pitchFamily="2" charset="-127"/>
+                    <a:ea typeface="Pretendard" panose="02000503000000020004" pitchFamily="2" charset="-127"/>
+                    <a:cs typeface="Pretendard" panose="02000503000000020004" pitchFamily="2" charset="-127"/>
+                  </a:rPr>
+                  <a:t> </a:t>
+                </a:r>
+                <a:r>
+                  <a:rPr lang="ko-KR" altLang="en-US" sz="1000" dirty="0">
+                    <a:latin typeface="Pretendard SemiBold" panose="02000703000000020004" pitchFamily="2" charset="-127"/>
+                    <a:ea typeface="Pretendard SemiBold" panose="02000703000000020004" pitchFamily="2" charset="-127"/>
+                    <a:cs typeface="Pretendard SemiBold" panose="02000703000000020004" pitchFamily="2" charset="-127"/>
+                  </a:rPr>
+                  <a:t>강렬하고 파괴적인 전투</a:t>
+                </a:r>
+                <a:r>
+                  <a:rPr lang="ko-KR" altLang="en-US" sz="1000" dirty="0">
+                    <a:latin typeface="Pretendard" panose="02000503000000020004" pitchFamily="2" charset="-127"/>
+                    <a:ea typeface="Pretendard" panose="02000503000000020004" pitchFamily="2" charset="-127"/>
+                    <a:cs typeface="Pretendard" panose="02000503000000020004" pitchFamily="2" charset="-127"/>
+                  </a:rPr>
+                  <a:t>를 보여주는 캐릭터</a:t>
+                </a:r>
+                <a:endParaRPr lang="en-US" altLang="ko-KR" sz="1000" dirty="0">
+                  <a:latin typeface="Pretendard" panose="02000503000000020004" pitchFamily="2" charset="-127"/>
+                  <a:ea typeface="Pretendard" panose="02000503000000020004" pitchFamily="2" charset="-127"/>
+                  <a:cs typeface="Pretendard" panose="02000503000000020004" pitchFamily="2" charset="-127"/>
+                </a:endParaRPr>
+              </a:p>
+            </p:txBody>
+          </p:sp>
+        </p:grpSp>
+        <p:sp>
+          <p:nvSpPr>
+            <p:cNvPr id="26" name="타원 25">
+              <a:extLst>
+                <a:ext uri="{FF2B5EF4-FFF2-40B4-BE49-F238E27FC236}">
+                  <a16:creationId xmlns:a16="http://schemas.microsoft.com/office/drawing/2014/main" id="{FDBF6254-9699-BB26-E28F-6C8897E37125}"/>
+                </a:ext>
+              </a:extLst>
+            </p:cNvPr>
+            <p:cNvSpPr/>
+            <p:nvPr/>
+          </p:nvSpPr>
+          <p:spPr>
+            <a:xfrm>
+              <a:off x="5724462" y="2785984"/>
+              <a:ext cx="108000" cy="108000"/>
+            </a:xfrm>
+            <a:prstGeom prst="ellipse">
+              <a:avLst/>
+            </a:prstGeom>
+            <a:solidFill>
+              <a:schemeClr val="accent4">
+                <a:lumMod val="20000"/>
+                <a:lumOff val="80000"/>
+              </a:schemeClr>
+            </a:solidFill>
+            <a:ln w="12700">
+              <a:solidFill>
+                <a:schemeClr val="accent4">
+                  <a:lumMod val="60000"/>
+                  <a:lumOff val="40000"/>
+                </a:schemeClr>
+              </a:solidFill>
+            </a:ln>
+            <a:effectLst>
+              <a:glow rad="50800">
+                <a:srgbClr val="FAFCBC"/>
+              </a:glow>
+            </a:effectLst>
+          </p:spPr>
+          <p:style>
+            <a:lnRef idx="2">
+              <a:schemeClr val="accent1">
+                <a:shade val="15000"/>
+              </a:schemeClr>
+            </a:lnRef>
+            <a:fillRef idx="1">
+              <a:schemeClr val="accent1"/>
+            </a:fillRef>
+            <a:effectRef idx="0">
+              <a:schemeClr val="accent1"/>
+            </a:effectRef>
+            <a:fontRef idx="minor">
+              <a:schemeClr val="lt1"/>
+            </a:fontRef>
+          </p:style>
+          <p:txBody>
+            <a:bodyPr rtlCol="0" anchor="ctr"/>
+            <a:lstStyle/>
+            <a:p>
+              <a:pPr algn="ctr"/>
+              <a:endParaRPr lang="ko-KR" altLang="en-US" dirty="0"/>
+            </a:p>
+          </p:txBody>
+        </p:sp>
+        <p:cxnSp>
+          <p:nvCxnSpPr>
+            <p:cNvPr id="27" name="직선 연결선 26">
+              <a:extLst>
+                <a:ext uri="{FF2B5EF4-FFF2-40B4-BE49-F238E27FC236}">
+                  <a16:creationId xmlns:a16="http://schemas.microsoft.com/office/drawing/2014/main" id="{A8C29057-7A1D-A4E4-2CF9-3400DECC3BF5}"/>
+                </a:ext>
+              </a:extLst>
+            </p:cNvPr>
+            <p:cNvCxnSpPr>
+              <a:cxnSpLocks/>
+              <a:stCxn id="26" idx="2"/>
+              <a:endCxn id="28" idx="3"/>
+            </p:cNvCxnSpPr>
+            <p:nvPr/>
+          </p:nvCxnSpPr>
+          <p:spPr>
+            <a:xfrm flipH="1">
+              <a:off x="4401385" y="2839984"/>
+              <a:ext cx="1323077" cy="0"/>
+            </a:xfrm>
+            <a:prstGeom prst="line">
+              <a:avLst/>
+            </a:prstGeom>
+            <a:ln w="12700">
+              <a:solidFill>
+                <a:schemeClr val="accent4">
+                  <a:lumMod val="40000"/>
+                  <a:lumOff val="60000"/>
+                </a:schemeClr>
+              </a:solidFill>
+            </a:ln>
+          </p:spPr>
+          <p:style>
+            <a:lnRef idx="2">
+              <a:schemeClr val="accent1"/>
+            </a:lnRef>
+            <a:fillRef idx="0">
+              <a:schemeClr val="accent1"/>
+            </a:fillRef>
+            <a:effectRef idx="1">
+              <a:schemeClr val="accent1"/>
+            </a:effectRef>
+            <a:fontRef idx="minor">
+              <a:schemeClr val="tx1"/>
+            </a:fontRef>
+          </p:style>
+        </p:cxnSp>
+      </p:grpSp>
+      <p:grpSp>
+        <p:nvGrpSpPr>
+          <p:cNvPr id="45" name="그룹 44">
+            <a:extLst>
+              <a:ext uri="{FF2B5EF4-FFF2-40B4-BE49-F238E27FC236}">
+                <a16:creationId xmlns:a16="http://schemas.microsoft.com/office/drawing/2014/main" id="{AFFB9E7E-6F42-3B76-4E0E-3FE1D003F536}"/>
+              </a:ext>
+            </a:extLst>
+          </p:cNvPr>
+          <p:cNvGrpSpPr/>
+          <p:nvPr/>
+        </p:nvGrpSpPr>
+        <p:grpSpPr>
+          <a:xfrm>
+            <a:off x="6788359" y="5298784"/>
+            <a:ext cx="4754457" cy="662611"/>
+            <a:chOff x="6165920" y="5013223"/>
+            <a:chExt cx="4754457" cy="662611"/>
+          </a:xfrm>
+        </p:grpSpPr>
+        <p:grpSp>
+          <p:nvGrpSpPr>
+            <p:cNvPr id="37" name="그룹 36">
+              <a:extLst>
+                <a:ext uri="{FF2B5EF4-FFF2-40B4-BE49-F238E27FC236}">
+                  <a16:creationId xmlns:a16="http://schemas.microsoft.com/office/drawing/2014/main" id="{63CAA079-7AE3-83AD-34D5-4C96E6D84047}"/>
+                </a:ext>
+              </a:extLst>
+            </p:cNvPr>
+            <p:cNvGrpSpPr/>
+            <p:nvPr/>
+          </p:nvGrpSpPr>
+          <p:grpSpPr>
+            <a:xfrm>
+              <a:off x="7434201" y="5013223"/>
+              <a:ext cx="3486176" cy="662611"/>
+              <a:chOff x="379243" y="1752288"/>
+              <a:chExt cx="3486176" cy="662611"/>
+            </a:xfrm>
+          </p:grpSpPr>
+          <p:sp>
+            <p:nvSpPr>
+              <p:cNvPr id="40" name="직사각형 39">
+                <a:extLst>
+                  <a:ext uri="{FF2B5EF4-FFF2-40B4-BE49-F238E27FC236}">
+                    <a16:creationId xmlns:a16="http://schemas.microsoft.com/office/drawing/2014/main" id="{A78850CC-01CF-87E0-1308-84618A407A11}"/>
+                  </a:ext>
+                </a:extLst>
+              </p:cNvPr>
+              <p:cNvSpPr/>
+              <p:nvPr/>
+            </p:nvSpPr>
+            <p:spPr>
+              <a:xfrm>
+                <a:off x="379243" y="1752288"/>
+                <a:ext cx="3486176" cy="662611"/>
+              </a:xfrm>
+              <a:prstGeom prst="rect">
+                <a:avLst/>
+              </a:prstGeom>
+              <a:solidFill>
+                <a:srgbClr val="EEFAFE"/>
+              </a:solidFill>
+              <a:ln w="12700">
+                <a:solidFill>
+                  <a:schemeClr val="accent4">
+                    <a:lumMod val="40000"/>
+                    <a:lumOff val="60000"/>
+                  </a:schemeClr>
+                </a:solidFill>
+              </a:ln>
+            </p:spPr>
+            <p:style>
+              <a:lnRef idx="2">
+                <a:schemeClr val="accent1">
+                  <a:shade val="15000"/>
+                </a:schemeClr>
+              </a:lnRef>
+              <a:fillRef idx="1">
+                <a:schemeClr val="accent1"/>
+              </a:fillRef>
+              <a:effectRef idx="0">
+                <a:schemeClr val="accent1"/>
+              </a:effectRef>
+              <a:fontRef idx="minor">
+                <a:schemeClr val="lt1"/>
+              </a:fontRef>
+            </p:style>
+            <p:txBody>
+              <a:bodyPr rtlCol="0" anchor="ctr"/>
+              <a:lstStyle/>
+              <a:p>
+                <a:pPr algn="ctr"/>
+                <a:endParaRPr lang="ko-KR" altLang="en-US" dirty="0"/>
+              </a:p>
+            </p:txBody>
+          </p:sp>
+          <p:sp>
+            <p:nvSpPr>
+              <p:cNvPr id="41" name="TextBox 40">
+                <a:extLst>
+                  <a:ext uri="{FF2B5EF4-FFF2-40B4-BE49-F238E27FC236}">
+                    <a16:creationId xmlns:a16="http://schemas.microsoft.com/office/drawing/2014/main" id="{2BBB58F6-F3BF-6824-CB16-839FE59966A8}"/>
+                  </a:ext>
+                </a:extLst>
+              </p:cNvPr>
+              <p:cNvSpPr txBox="1"/>
+              <p:nvPr/>
+            </p:nvSpPr>
+            <p:spPr>
+              <a:xfrm>
+                <a:off x="700480" y="1891233"/>
+                <a:ext cx="2843728" cy="384721"/>
+              </a:xfrm>
+              <a:prstGeom prst="rect">
+                <a:avLst/>
+              </a:prstGeom>
+              <a:noFill/>
+            </p:spPr>
+            <p:txBody>
+              <a:bodyPr wrap="none" lIns="0" tIns="0" rIns="0" bIns="0" rtlCol="0" anchor="ctr">
+                <a:spAutoFit/>
+              </a:bodyPr>
+              <a:lstStyle/>
+              <a:p>
+                <a:pPr algn="ctr">
+                  <a:spcAft>
+                    <a:spcPts val="600"/>
+                  </a:spcAft>
+                </a:pPr>
+                <a:r>
+                  <a:rPr lang="ko-KR" altLang="en-US" sz="1000" dirty="0">
+                    <a:latin typeface="Pretendard" panose="02000503000000020004" pitchFamily="2" charset="-127"/>
+                    <a:ea typeface="Pretendard" panose="02000503000000020004" pitchFamily="2" charset="-127"/>
+                    <a:cs typeface="Pretendard" panose="02000503000000020004" pitchFamily="2" charset="-127"/>
+                  </a:rPr>
+                  <a:t>동양풍 선비</a:t>
+                </a:r>
+                <a:r>
+                  <a:rPr lang="en-US" altLang="ko-KR" sz="1000" dirty="0">
+                    <a:latin typeface="Pretendard" panose="02000503000000020004" pitchFamily="2" charset="-127"/>
+                    <a:ea typeface="Pretendard" panose="02000503000000020004" pitchFamily="2" charset="-127"/>
+                    <a:cs typeface="Pretendard" panose="02000503000000020004" pitchFamily="2" charset="-127"/>
+                  </a:rPr>
+                  <a:t>/</a:t>
+                </a:r>
+                <a:r>
+                  <a:rPr lang="ko-KR" altLang="en-US" sz="1000" dirty="0">
+                    <a:latin typeface="Pretendard" panose="02000503000000020004" pitchFamily="2" charset="-127"/>
+                    <a:ea typeface="Pretendard" panose="02000503000000020004" pitchFamily="2" charset="-127"/>
+                    <a:cs typeface="Pretendard" panose="02000503000000020004" pitchFamily="2" charset="-127"/>
+                  </a:rPr>
+                  <a:t>한량 컨셉의 </a:t>
+                </a:r>
+                <a:r>
+                  <a:rPr lang="ko-KR" altLang="en-US" sz="1000" dirty="0">
+                    <a:latin typeface="Pretendard SemiBold" panose="02000703000000020004" pitchFamily="2" charset="-127"/>
+                    <a:ea typeface="Pretendard SemiBold" panose="02000703000000020004" pitchFamily="2" charset="-127"/>
+                    <a:cs typeface="Pretendard SemiBold" panose="02000703000000020004" pitchFamily="2" charset="-127"/>
+                  </a:rPr>
+                  <a:t>여유롭고 절제된 동작</a:t>
+                </a:r>
+                <a:r>
+                  <a:rPr lang="ko-KR" altLang="en-US" sz="1000" dirty="0">
+                    <a:latin typeface="Pretendard" panose="02000503000000020004" pitchFamily="2" charset="-127"/>
+                    <a:ea typeface="Pretendard" panose="02000503000000020004" pitchFamily="2" charset="-127"/>
+                    <a:cs typeface="Pretendard" panose="02000503000000020004" pitchFamily="2" charset="-127"/>
+                  </a:rPr>
+                  <a:t>과 </a:t>
+                </a:r>
+                <a:endParaRPr lang="en-US" altLang="ko-KR" sz="1000" dirty="0">
+                  <a:latin typeface="Pretendard" panose="02000503000000020004" pitchFamily="2" charset="-127"/>
+                  <a:ea typeface="Pretendard" panose="02000503000000020004" pitchFamily="2" charset="-127"/>
+                  <a:cs typeface="Pretendard" panose="02000503000000020004" pitchFamily="2" charset="-127"/>
+                </a:endParaRPr>
+              </a:p>
+              <a:p>
+                <a:pPr algn="ctr">
+                  <a:spcAft>
+                    <a:spcPts val="600"/>
+                  </a:spcAft>
+                </a:pPr>
+                <a:r>
+                  <a:rPr lang="ko-KR" altLang="en-US" sz="1000" dirty="0">
+                    <a:latin typeface="Pretendard" panose="02000503000000020004" pitchFamily="2" charset="-127"/>
+                    <a:ea typeface="Pretendard" panose="02000503000000020004" pitchFamily="2" charset="-127"/>
+                    <a:cs typeface="Pretendard" panose="02000503000000020004" pitchFamily="2" charset="-127"/>
+                  </a:rPr>
+                  <a:t>이에 대비되는</a:t>
+                </a:r>
+                <a:r>
+                  <a:rPr lang="en-US" altLang="ko-KR" sz="1000" dirty="0">
+                    <a:latin typeface="Pretendard" panose="02000503000000020004" pitchFamily="2" charset="-127"/>
+                    <a:ea typeface="Pretendard" panose="02000503000000020004" pitchFamily="2" charset="-127"/>
+                    <a:cs typeface="Pretendard" panose="02000503000000020004" pitchFamily="2" charset="-127"/>
+                  </a:rPr>
+                  <a:t> </a:t>
+                </a:r>
+                <a:r>
+                  <a:rPr lang="ko-KR" altLang="en-US" sz="1000" dirty="0">
+                    <a:latin typeface="Pretendard SemiBold" panose="02000703000000020004" pitchFamily="2" charset="-127"/>
+                    <a:ea typeface="Pretendard SemiBold" panose="02000703000000020004" pitchFamily="2" charset="-127"/>
+                    <a:cs typeface="Pretendard SemiBold" panose="02000703000000020004" pitchFamily="2" charset="-127"/>
+                  </a:rPr>
+                  <a:t>강렬하고 파괴적인 전투</a:t>
+                </a:r>
+                <a:r>
+                  <a:rPr lang="ko-KR" altLang="en-US" sz="1000" dirty="0">
+                    <a:latin typeface="Pretendard" panose="02000503000000020004" pitchFamily="2" charset="-127"/>
+                    <a:ea typeface="Pretendard" panose="02000503000000020004" pitchFamily="2" charset="-127"/>
+                    <a:cs typeface="Pretendard" panose="02000503000000020004" pitchFamily="2" charset="-127"/>
+                  </a:rPr>
+                  <a:t>를 보여주는 캐릭터</a:t>
+                </a:r>
+                <a:endParaRPr lang="en-US" altLang="ko-KR" sz="1000" dirty="0">
+                  <a:latin typeface="Pretendard" panose="02000503000000020004" pitchFamily="2" charset="-127"/>
+                  <a:ea typeface="Pretendard" panose="02000503000000020004" pitchFamily="2" charset="-127"/>
+                  <a:cs typeface="Pretendard" panose="02000503000000020004" pitchFamily="2" charset="-127"/>
+                </a:endParaRPr>
+              </a:p>
+            </p:txBody>
+          </p:sp>
+        </p:grpSp>
+        <p:sp>
+          <p:nvSpPr>
+            <p:cNvPr id="38" name="타원 37">
+              <a:extLst>
+                <a:ext uri="{FF2B5EF4-FFF2-40B4-BE49-F238E27FC236}">
+                  <a16:creationId xmlns:a16="http://schemas.microsoft.com/office/drawing/2014/main" id="{09F3B6C8-06FA-3132-1050-666BDA3D4510}"/>
+                </a:ext>
+              </a:extLst>
+            </p:cNvPr>
+            <p:cNvSpPr/>
+            <p:nvPr/>
+          </p:nvSpPr>
+          <p:spPr>
+            <a:xfrm>
+              <a:off x="6165920" y="5290528"/>
+              <a:ext cx="108000" cy="108000"/>
+            </a:xfrm>
+            <a:prstGeom prst="ellipse">
+              <a:avLst/>
+            </a:prstGeom>
+            <a:solidFill>
+              <a:schemeClr val="accent4">
+                <a:lumMod val="20000"/>
+                <a:lumOff val="80000"/>
+              </a:schemeClr>
+            </a:solidFill>
+            <a:ln w="12700">
+              <a:solidFill>
+                <a:schemeClr val="accent4">
+                  <a:lumMod val="60000"/>
+                  <a:lumOff val="40000"/>
+                </a:schemeClr>
+              </a:solidFill>
+            </a:ln>
+            <a:effectLst>
+              <a:glow rad="50800">
+                <a:srgbClr val="FAFCBC"/>
+              </a:glow>
+            </a:effectLst>
+          </p:spPr>
+          <p:style>
+            <a:lnRef idx="2">
+              <a:schemeClr val="accent1">
+                <a:shade val="15000"/>
+              </a:schemeClr>
+            </a:lnRef>
+            <a:fillRef idx="1">
+              <a:schemeClr val="accent1"/>
+            </a:fillRef>
+            <a:effectRef idx="0">
+              <a:schemeClr val="accent1"/>
+            </a:effectRef>
+            <a:fontRef idx="minor">
+              <a:schemeClr val="lt1"/>
+            </a:fontRef>
+          </p:style>
+          <p:txBody>
+            <a:bodyPr rtlCol="0" anchor="ctr"/>
+            <a:lstStyle/>
+            <a:p>
+              <a:pPr algn="ctr"/>
+              <a:endParaRPr lang="ko-KR" altLang="en-US" dirty="0"/>
+            </a:p>
+          </p:txBody>
+        </p:sp>
+        <p:cxnSp>
+          <p:nvCxnSpPr>
+            <p:cNvPr id="39" name="직선 연결선 38">
+              <a:extLst>
+                <a:ext uri="{FF2B5EF4-FFF2-40B4-BE49-F238E27FC236}">
+                  <a16:creationId xmlns:a16="http://schemas.microsoft.com/office/drawing/2014/main" id="{9B7A9611-677E-457D-78F4-7E652159F50A}"/>
+                </a:ext>
+              </a:extLst>
+            </p:cNvPr>
+            <p:cNvCxnSpPr>
+              <a:cxnSpLocks/>
+              <a:stCxn id="38" idx="6"/>
+              <a:endCxn id="40" idx="1"/>
+            </p:cNvCxnSpPr>
+            <p:nvPr/>
+          </p:nvCxnSpPr>
+          <p:spPr>
+            <a:xfrm>
+              <a:off x="6273920" y="5344528"/>
+              <a:ext cx="1160281" cy="1"/>
+            </a:xfrm>
+            <a:prstGeom prst="line">
+              <a:avLst/>
+            </a:prstGeom>
+            <a:ln w="12700">
+              <a:solidFill>
+                <a:schemeClr val="accent4">
+                  <a:lumMod val="40000"/>
+                  <a:lumOff val="60000"/>
+                </a:schemeClr>
+              </a:solidFill>
+            </a:ln>
+          </p:spPr>
+          <p:style>
+            <a:lnRef idx="2">
+              <a:schemeClr val="accent1"/>
+            </a:lnRef>
+            <a:fillRef idx="0">
+              <a:schemeClr val="accent1"/>
+            </a:fillRef>
+            <a:effectRef idx="1">
+              <a:schemeClr val="accent1"/>
+            </a:effectRef>
+            <a:fontRef idx="minor">
+              <a:schemeClr val="tx1"/>
+            </a:fontRef>
+          </p:style>
+        </p:cxnSp>
+      </p:grpSp>
+      <p:grpSp>
+        <p:nvGrpSpPr>
+          <p:cNvPr id="46" name="그룹 45">
+            <a:extLst>
+              <a:ext uri="{FF2B5EF4-FFF2-40B4-BE49-F238E27FC236}">
+                <a16:creationId xmlns:a16="http://schemas.microsoft.com/office/drawing/2014/main" id="{2E5084A9-4D57-4800-A69D-2877554975CE}"/>
+              </a:ext>
+            </a:extLst>
+          </p:cNvPr>
+          <p:cNvGrpSpPr/>
+          <p:nvPr/>
+        </p:nvGrpSpPr>
+        <p:grpSpPr>
+          <a:xfrm>
+            <a:off x="6896359" y="3170014"/>
+            <a:ext cx="4754457" cy="662611"/>
+            <a:chOff x="6165920" y="5013223"/>
+            <a:chExt cx="4754457" cy="662611"/>
+          </a:xfrm>
+        </p:grpSpPr>
+        <p:grpSp>
+          <p:nvGrpSpPr>
+            <p:cNvPr id="47" name="그룹 46">
+              <a:extLst>
+                <a:ext uri="{FF2B5EF4-FFF2-40B4-BE49-F238E27FC236}">
+                  <a16:creationId xmlns:a16="http://schemas.microsoft.com/office/drawing/2014/main" id="{F2388E2D-464A-CB32-4AD0-5A84CD1A27BB}"/>
+                </a:ext>
+              </a:extLst>
+            </p:cNvPr>
+            <p:cNvGrpSpPr/>
+            <p:nvPr/>
+          </p:nvGrpSpPr>
+          <p:grpSpPr>
+            <a:xfrm>
+              <a:off x="7434201" y="5013223"/>
+              <a:ext cx="3486176" cy="662611"/>
+              <a:chOff x="379243" y="1752288"/>
+              <a:chExt cx="3486176" cy="662611"/>
+            </a:xfrm>
+          </p:grpSpPr>
+          <p:sp>
+            <p:nvSpPr>
+              <p:cNvPr id="50" name="직사각형 49">
+                <a:extLst>
+                  <a:ext uri="{FF2B5EF4-FFF2-40B4-BE49-F238E27FC236}">
+                    <a16:creationId xmlns:a16="http://schemas.microsoft.com/office/drawing/2014/main" id="{4970FD59-0D76-AF32-2413-3D1F133C4F2F}"/>
+                  </a:ext>
+                </a:extLst>
+              </p:cNvPr>
+              <p:cNvSpPr/>
+              <p:nvPr/>
+            </p:nvSpPr>
+            <p:spPr>
+              <a:xfrm>
+                <a:off x="379243" y="1752288"/>
+                <a:ext cx="3486176" cy="662611"/>
+              </a:xfrm>
+              <a:prstGeom prst="rect">
+                <a:avLst/>
+              </a:prstGeom>
+              <a:solidFill>
+                <a:srgbClr val="EEFAFE"/>
+              </a:solidFill>
+              <a:ln w="12700">
+                <a:solidFill>
+                  <a:schemeClr val="accent4">
+                    <a:lumMod val="40000"/>
+                    <a:lumOff val="60000"/>
+                  </a:schemeClr>
+                </a:solidFill>
+              </a:ln>
+            </p:spPr>
+            <p:style>
+              <a:lnRef idx="2">
+                <a:schemeClr val="accent1">
+                  <a:shade val="15000"/>
+                </a:schemeClr>
+              </a:lnRef>
+              <a:fillRef idx="1">
+                <a:schemeClr val="accent1"/>
+              </a:fillRef>
+              <a:effectRef idx="0">
+                <a:schemeClr val="accent1"/>
+              </a:effectRef>
+              <a:fontRef idx="minor">
+                <a:schemeClr val="lt1"/>
+              </a:fontRef>
+            </p:style>
+            <p:txBody>
+              <a:bodyPr rtlCol="0" anchor="ctr"/>
+              <a:lstStyle/>
+              <a:p>
+                <a:pPr algn="ctr"/>
+                <a:endParaRPr lang="ko-KR" altLang="en-US" dirty="0"/>
+              </a:p>
+            </p:txBody>
+          </p:sp>
+          <p:sp>
+            <p:nvSpPr>
+              <p:cNvPr id="51" name="TextBox 50">
+                <a:extLst>
+                  <a:ext uri="{FF2B5EF4-FFF2-40B4-BE49-F238E27FC236}">
+                    <a16:creationId xmlns:a16="http://schemas.microsoft.com/office/drawing/2014/main" id="{50457E94-75D0-1A1C-CB2E-00B525A6DC4F}"/>
+                  </a:ext>
+                </a:extLst>
+              </p:cNvPr>
+              <p:cNvSpPr txBox="1"/>
+              <p:nvPr/>
+            </p:nvSpPr>
+            <p:spPr>
+              <a:xfrm>
+                <a:off x="700480" y="1891233"/>
+                <a:ext cx="2843728" cy="384721"/>
+              </a:xfrm>
+              <a:prstGeom prst="rect">
+                <a:avLst/>
+              </a:prstGeom>
+              <a:noFill/>
+            </p:spPr>
+            <p:txBody>
+              <a:bodyPr wrap="none" lIns="0" tIns="0" rIns="0" bIns="0" rtlCol="0" anchor="ctr">
+                <a:spAutoFit/>
+              </a:bodyPr>
+              <a:lstStyle/>
+              <a:p>
+                <a:pPr algn="ctr">
+                  <a:spcAft>
+                    <a:spcPts val="600"/>
+                  </a:spcAft>
+                </a:pPr>
+                <a:r>
+                  <a:rPr lang="ko-KR" altLang="en-US" sz="1000" dirty="0">
+                    <a:latin typeface="Pretendard" panose="02000503000000020004" pitchFamily="2" charset="-127"/>
+                    <a:ea typeface="Pretendard" panose="02000503000000020004" pitchFamily="2" charset="-127"/>
+                    <a:cs typeface="Pretendard" panose="02000503000000020004" pitchFamily="2" charset="-127"/>
+                  </a:rPr>
+                  <a:t>동양풍 선비</a:t>
+                </a:r>
+                <a:r>
+                  <a:rPr lang="en-US" altLang="ko-KR" sz="1000" dirty="0">
+                    <a:latin typeface="Pretendard" panose="02000503000000020004" pitchFamily="2" charset="-127"/>
+                    <a:ea typeface="Pretendard" panose="02000503000000020004" pitchFamily="2" charset="-127"/>
+                    <a:cs typeface="Pretendard" panose="02000503000000020004" pitchFamily="2" charset="-127"/>
+                  </a:rPr>
+                  <a:t>/</a:t>
+                </a:r>
+                <a:r>
+                  <a:rPr lang="ko-KR" altLang="en-US" sz="1000" dirty="0">
+                    <a:latin typeface="Pretendard" panose="02000503000000020004" pitchFamily="2" charset="-127"/>
+                    <a:ea typeface="Pretendard" panose="02000503000000020004" pitchFamily="2" charset="-127"/>
+                    <a:cs typeface="Pretendard" panose="02000503000000020004" pitchFamily="2" charset="-127"/>
+                  </a:rPr>
+                  <a:t>한량 컨셉의 </a:t>
+                </a:r>
+                <a:r>
+                  <a:rPr lang="ko-KR" altLang="en-US" sz="1000" dirty="0">
+                    <a:latin typeface="Pretendard SemiBold" panose="02000703000000020004" pitchFamily="2" charset="-127"/>
+                    <a:ea typeface="Pretendard SemiBold" panose="02000703000000020004" pitchFamily="2" charset="-127"/>
+                    <a:cs typeface="Pretendard SemiBold" panose="02000703000000020004" pitchFamily="2" charset="-127"/>
+                  </a:rPr>
+                  <a:t>여유롭고 절제된 동작</a:t>
+                </a:r>
+                <a:r>
+                  <a:rPr lang="ko-KR" altLang="en-US" sz="1000" dirty="0">
+                    <a:latin typeface="Pretendard" panose="02000503000000020004" pitchFamily="2" charset="-127"/>
+                    <a:ea typeface="Pretendard" panose="02000503000000020004" pitchFamily="2" charset="-127"/>
+                    <a:cs typeface="Pretendard" panose="02000503000000020004" pitchFamily="2" charset="-127"/>
+                  </a:rPr>
+                  <a:t>과 </a:t>
+                </a:r>
+                <a:endParaRPr lang="en-US" altLang="ko-KR" sz="1000" dirty="0">
+                  <a:latin typeface="Pretendard" panose="02000503000000020004" pitchFamily="2" charset="-127"/>
+                  <a:ea typeface="Pretendard" panose="02000503000000020004" pitchFamily="2" charset="-127"/>
+                  <a:cs typeface="Pretendard" panose="02000503000000020004" pitchFamily="2" charset="-127"/>
+                </a:endParaRPr>
+              </a:p>
+              <a:p>
+                <a:pPr algn="ctr">
+                  <a:spcAft>
+                    <a:spcPts val="600"/>
+                  </a:spcAft>
+                </a:pPr>
+                <a:r>
+                  <a:rPr lang="ko-KR" altLang="en-US" sz="1000" dirty="0">
+                    <a:latin typeface="Pretendard" panose="02000503000000020004" pitchFamily="2" charset="-127"/>
+                    <a:ea typeface="Pretendard" panose="02000503000000020004" pitchFamily="2" charset="-127"/>
+                    <a:cs typeface="Pretendard" panose="02000503000000020004" pitchFamily="2" charset="-127"/>
+                  </a:rPr>
+                  <a:t>이에 대비되는</a:t>
+                </a:r>
+                <a:r>
+                  <a:rPr lang="en-US" altLang="ko-KR" sz="1000" dirty="0">
+                    <a:latin typeface="Pretendard" panose="02000503000000020004" pitchFamily="2" charset="-127"/>
+                    <a:ea typeface="Pretendard" panose="02000503000000020004" pitchFamily="2" charset="-127"/>
+                    <a:cs typeface="Pretendard" panose="02000503000000020004" pitchFamily="2" charset="-127"/>
+                  </a:rPr>
+                  <a:t> </a:t>
+                </a:r>
+                <a:r>
+                  <a:rPr lang="ko-KR" altLang="en-US" sz="1000" dirty="0">
+                    <a:latin typeface="Pretendard SemiBold" panose="02000703000000020004" pitchFamily="2" charset="-127"/>
+                    <a:ea typeface="Pretendard SemiBold" panose="02000703000000020004" pitchFamily="2" charset="-127"/>
+                    <a:cs typeface="Pretendard SemiBold" panose="02000703000000020004" pitchFamily="2" charset="-127"/>
+                  </a:rPr>
+                  <a:t>강렬하고 파괴적인 전투</a:t>
+                </a:r>
+                <a:r>
+                  <a:rPr lang="ko-KR" altLang="en-US" sz="1000" dirty="0">
+                    <a:latin typeface="Pretendard" panose="02000503000000020004" pitchFamily="2" charset="-127"/>
+                    <a:ea typeface="Pretendard" panose="02000503000000020004" pitchFamily="2" charset="-127"/>
+                    <a:cs typeface="Pretendard" panose="02000503000000020004" pitchFamily="2" charset="-127"/>
+                  </a:rPr>
+                  <a:t>를 보여주는 캐릭터</a:t>
+                </a:r>
+                <a:endParaRPr lang="en-US" altLang="ko-KR" sz="1000" dirty="0">
+                  <a:latin typeface="Pretendard" panose="02000503000000020004" pitchFamily="2" charset="-127"/>
+                  <a:ea typeface="Pretendard" panose="02000503000000020004" pitchFamily="2" charset="-127"/>
+                  <a:cs typeface="Pretendard" panose="02000503000000020004" pitchFamily="2" charset="-127"/>
+                </a:endParaRPr>
+              </a:p>
+            </p:txBody>
+          </p:sp>
+        </p:grpSp>
+        <p:sp>
+          <p:nvSpPr>
+            <p:cNvPr id="48" name="타원 47">
+              <a:extLst>
+                <a:ext uri="{FF2B5EF4-FFF2-40B4-BE49-F238E27FC236}">
+                  <a16:creationId xmlns:a16="http://schemas.microsoft.com/office/drawing/2014/main" id="{4D9C14C9-185B-3406-985A-53F104968315}"/>
+                </a:ext>
+              </a:extLst>
+            </p:cNvPr>
+            <p:cNvSpPr/>
+            <p:nvPr/>
+          </p:nvSpPr>
+          <p:spPr>
+            <a:xfrm>
+              <a:off x="6165920" y="5290528"/>
+              <a:ext cx="108000" cy="108000"/>
+            </a:xfrm>
+            <a:prstGeom prst="ellipse">
+              <a:avLst/>
+            </a:prstGeom>
+            <a:solidFill>
+              <a:schemeClr val="accent4">
+                <a:lumMod val="20000"/>
+                <a:lumOff val="80000"/>
+              </a:schemeClr>
+            </a:solidFill>
+            <a:ln w="12700">
+              <a:solidFill>
+                <a:schemeClr val="accent4">
+                  <a:lumMod val="60000"/>
+                  <a:lumOff val="40000"/>
+                </a:schemeClr>
+              </a:solidFill>
+            </a:ln>
+            <a:effectLst>
+              <a:glow rad="50800">
+                <a:srgbClr val="FAFCBC"/>
+              </a:glow>
+            </a:effectLst>
+          </p:spPr>
+          <p:style>
+            <a:lnRef idx="2">
+              <a:schemeClr val="accent1">
+                <a:shade val="15000"/>
+              </a:schemeClr>
+            </a:lnRef>
+            <a:fillRef idx="1">
+              <a:schemeClr val="accent1"/>
+            </a:fillRef>
+            <a:effectRef idx="0">
+              <a:schemeClr val="accent1"/>
+            </a:effectRef>
+            <a:fontRef idx="minor">
+              <a:schemeClr val="lt1"/>
+            </a:fontRef>
+          </p:style>
+          <p:txBody>
+            <a:bodyPr rtlCol="0" anchor="ctr"/>
+            <a:lstStyle/>
+            <a:p>
+              <a:pPr algn="ctr"/>
+              <a:endParaRPr lang="ko-KR" altLang="en-US" dirty="0"/>
+            </a:p>
+          </p:txBody>
+        </p:sp>
+        <p:cxnSp>
+          <p:nvCxnSpPr>
+            <p:cNvPr id="49" name="직선 연결선 48">
+              <a:extLst>
+                <a:ext uri="{FF2B5EF4-FFF2-40B4-BE49-F238E27FC236}">
+                  <a16:creationId xmlns:a16="http://schemas.microsoft.com/office/drawing/2014/main" id="{31E165CC-53E5-E6F4-E406-1F90F9C1CB00}"/>
+                </a:ext>
+              </a:extLst>
+            </p:cNvPr>
+            <p:cNvCxnSpPr>
+              <a:cxnSpLocks/>
+              <a:stCxn id="48" idx="6"/>
+              <a:endCxn id="50" idx="1"/>
+            </p:cNvCxnSpPr>
+            <p:nvPr/>
+          </p:nvCxnSpPr>
+          <p:spPr>
+            <a:xfrm>
+              <a:off x="6273920" y="5344528"/>
+              <a:ext cx="1160281" cy="1"/>
+            </a:xfrm>
+            <a:prstGeom prst="line">
+              <a:avLst/>
+            </a:prstGeom>
+            <a:ln w="12700">
+              <a:solidFill>
+                <a:schemeClr val="accent4">
+                  <a:lumMod val="40000"/>
+                  <a:lumOff val="60000"/>
+                </a:schemeClr>
+              </a:solidFill>
+            </a:ln>
+          </p:spPr>
+          <p:style>
+            <a:lnRef idx="2">
+              <a:schemeClr val="accent1"/>
+            </a:lnRef>
+            <a:fillRef idx="0">
+              <a:schemeClr val="accent1"/>
+            </a:fillRef>
+            <a:effectRef idx="1">
+              <a:schemeClr val="accent1"/>
+            </a:effectRef>
+            <a:fontRef idx="minor">
+              <a:schemeClr val="tx1"/>
+            </a:fontRef>
+          </p:style>
+        </p:cxnSp>
+      </p:grpSp>
     </p:spTree>
     <p:extLst>
       <p:ext uri="{BB962C8B-B14F-4D97-AF65-F5344CB8AC3E}">

--- a/크로노오디세이_전투기획자/사전과제/[과제전형] [Chrono Odyssey] 캐릭터 전투 기획자 모집 _ 홍진선 과제 제출.pptx
+++ b/크로노오디세이_전투기획자/사전과제/[과제전형] [Chrono Odyssey] 캐릭터 전투 기획자 모집 _ 홍진선 과제 제출.pptx
@@ -5,18 +5,16 @@
     <p:sldMasterId id="2147483648" r:id="rId1"/>
   </p:sldMasterIdLst>
   <p:notesMasterIdLst>
-    <p:notesMasterId r:id="rId11"/>
+    <p:notesMasterId r:id="rId9"/>
   </p:notesMasterIdLst>
   <p:sldIdLst>
     <p:sldId id="262" r:id="rId2"/>
     <p:sldId id="269" r:id="rId3"/>
-    <p:sldId id="271" r:id="rId4"/>
-    <p:sldId id="275" r:id="rId5"/>
-    <p:sldId id="276" r:id="rId6"/>
-    <p:sldId id="279" r:id="rId7"/>
-    <p:sldId id="278" r:id="rId8"/>
-    <p:sldId id="263" r:id="rId9"/>
-    <p:sldId id="266" r:id="rId10"/>
+    <p:sldId id="281" r:id="rId4"/>
+    <p:sldId id="279" r:id="rId5"/>
+    <p:sldId id="278" r:id="rId6"/>
+    <p:sldId id="263" r:id="rId7"/>
+    <p:sldId id="266" r:id="rId8"/>
   </p:sldIdLst>
   <p:sldSz cx="12192000" cy="6858000"/>
   <p:notesSz cx="6858000" cy="9144000"/>
@@ -616,7 +614,13 @@
   <p:cSld>
     <p:spTree>
       <p:nvGrpSpPr>
-        <p:cNvPr id="1" name=""/>
+        <p:cNvPr id="1" name="">
+          <a:extLst>
+            <a:ext uri="{FF2B5EF4-FFF2-40B4-BE49-F238E27FC236}">
+              <a16:creationId xmlns:a16="http://schemas.microsoft.com/office/drawing/2014/main" id="{BAA08A11-D6D2-45DD-4D89-A189736F7EED}"/>
+            </a:ext>
+          </a:extLst>
+        </p:cNvPr>
         <p:cNvGrpSpPr/>
         <p:nvPr/>
       </p:nvGrpSpPr>
@@ -630,7 +634,13 @@
       </p:grpSpPr>
       <p:sp>
         <p:nvSpPr>
-          <p:cNvPr id="2" name="슬라이드 이미지 개체 틀 1"/>
+          <p:cNvPr id="2" name="슬라이드 이미지 개체 틀 1">
+            <a:extLst>
+              <a:ext uri="{FF2B5EF4-FFF2-40B4-BE49-F238E27FC236}">
+                <a16:creationId xmlns:a16="http://schemas.microsoft.com/office/drawing/2014/main" id="{B1A9BA20-99EA-4CEA-3380-1B6C4F2246A8}"/>
+              </a:ext>
+            </a:extLst>
+          </p:cNvPr>
           <p:cNvSpPr>
             <a:spLocks noGrp="1" noRot="1" noChangeAspect="1"/>
           </p:cNvSpPr>
@@ -642,7 +652,13 @@
       </p:sp>
       <p:sp>
         <p:nvSpPr>
-          <p:cNvPr id="3" name="슬라이드 노트 개체 틀 2"/>
+          <p:cNvPr id="3" name="슬라이드 노트 개체 틀 2">
+            <a:extLst>
+              <a:ext uri="{FF2B5EF4-FFF2-40B4-BE49-F238E27FC236}">
+                <a16:creationId xmlns:a16="http://schemas.microsoft.com/office/drawing/2014/main" id="{921348E7-9064-28AB-70ED-5537A6CF8BB5}"/>
+              </a:ext>
+            </a:extLst>
+          </p:cNvPr>
           <p:cNvSpPr>
             <a:spLocks noGrp="1"/>
           </p:cNvSpPr>
@@ -661,7 +677,13 @@
       </p:sp>
       <p:sp>
         <p:nvSpPr>
-          <p:cNvPr id="4" name="슬라이드 번호 개체 틀 3"/>
+          <p:cNvPr id="4" name="슬라이드 번호 개체 틀 3">
+            <a:extLst>
+              <a:ext uri="{FF2B5EF4-FFF2-40B4-BE49-F238E27FC236}">
+                <a16:creationId xmlns:a16="http://schemas.microsoft.com/office/drawing/2014/main" id="{372F47DE-3DA6-DF0F-F775-5FB9AF961BBD}"/>
+              </a:ext>
+            </a:extLst>
+          </p:cNvPr>
           <p:cNvSpPr>
             <a:spLocks noGrp="1"/>
           </p:cNvSpPr>
@@ -685,7 +707,7 @@
     </p:spTree>
     <p:extLst>
       <p:ext uri="{BB962C8B-B14F-4D97-AF65-F5344CB8AC3E}">
-        <p14:creationId xmlns:p14="http://schemas.microsoft.com/office/powerpoint/2010/main" val="1494408021"/>
+        <p14:creationId xmlns:p14="http://schemas.microsoft.com/office/powerpoint/2010/main" val="4099464421"/>
       </p:ext>
     </p:extLst>
   </p:cSld>
@@ -784,7 +806,7 @@
           <a:p>
             <a:fld id="{40E134C8-DE01-4967-8504-92E88DCF6C0A}" type="slidenum">
               <a:rPr lang="ko-KR" altLang="en-US" smtClean="0"/>
-              <a:t>9</a:t>
+              <a:t>7</a:t>
             </a:fld>
             <a:endParaRPr lang="ko-KR" altLang="en-US"/>
           </a:p>
@@ -1597,6 +1619,7 @@
       <p:pic>
         <p:nvPicPr>
           <p:cNvPr id="11" name="그림 10" descr="블랙, 상징, 램프, 빛이(가) 표시된 사진&#10;&#10;AI 생성 콘텐츠는 정확하지 않을 수 있습니다.">
+            <a:hlinkClick r:id="rId2" action="ppaction://hlinksldjump"/>
             <a:extLst>
               <a:ext uri="{FF2B5EF4-FFF2-40B4-BE49-F238E27FC236}">
                 <a16:creationId xmlns:a16="http://schemas.microsoft.com/office/drawing/2014/main" id="{C04D069C-9F13-DCC5-B65B-2CD75D4FBA12}"/>
@@ -1609,11 +1632,11 @@
           <p:nvPr userDrawn="1"/>
         </p:nvPicPr>
         <p:blipFill>
-          <a:blip r:embed="rId2">
+          <a:blip r:embed="rId3">
             <a:extLst>
               <a:ext uri="{BEBA8EAE-BF5A-486C-A8C5-ECC9F3942E4B}">
                 <a14:imgProps xmlns:a14="http://schemas.microsoft.com/office/drawing/2010/main">
-                  <a14:imgLayer r:embed="rId3">
+                  <a14:imgLayer r:embed="rId4">
                     <a14:imgEffect>
                       <a14:brightnessContrast bright="-40000" contrast="-40000"/>
                     </a14:imgEffect>
@@ -1679,7 +1702,7 @@
             <p:nvPr/>
           </p:nvPicPr>
           <p:blipFill>
-            <a:blip r:embed="rId4">
+            <a:blip r:embed="rId5">
               <a:extLst>
                 <a:ext uri="{28A0092B-C50C-407E-A947-70E740481C1C}">
                   <a14:useLocalDpi xmlns:a14="http://schemas.microsoft.com/office/drawing/2010/main" val="0"/>
@@ -4355,7 +4378,7 @@
         <p:cNvPr id="1" name="">
           <a:extLst>
             <a:ext uri="{FF2B5EF4-FFF2-40B4-BE49-F238E27FC236}">
-              <a16:creationId xmlns:a16="http://schemas.microsoft.com/office/drawing/2014/main" id="{31163C4C-DDBF-8632-EAE8-6E1CE1EB4ABA}"/>
+              <a16:creationId xmlns:a16="http://schemas.microsoft.com/office/drawing/2014/main" id="{4CADF30C-4207-5360-ECE2-39ADC86B8FD6}"/>
             </a:ext>
           </a:extLst>
         </p:cNvPr>
@@ -4375,7 +4398,7 @@
           <p:cNvPr id="15" name="TextBox 14">
             <a:extLst>
               <a:ext uri="{FF2B5EF4-FFF2-40B4-BE49-F238E27FC236}">
-                <a16:creationId xmlns:a16="http://schemas.microsoft.com/office/drawing/2014/main" id="{92D76104-6419-1F67-0025-1AD7DBC9AB2F}"/>
+                <a16:creationId xmlns:a16="http://schemas.microsoft.com/office/drawing/2014/main" id="{51F915FE-8EC6-F222-AFE1-570A29EAD92B}"/>
               </a:ext>
             </a:extLst>
           </p:cNvPr>
@@ -4442,7 +4465,7 @@
           <p:cNvPr id="8" name="그림 7" descr="의류, 의상 디자인, 여성, 가상의 캐릭터이(가) 표시된 사진&#10;&#10;AI 생성 콘텐츠는 정확하지 않을 수 있습니다.">
             <a:extLst>
               <a:ext uri="{FF2B5EF4-FFF2-40B4-BE49-F238E27FC236}">
-                <a16:creationId xmlns:a16="http://schemas.microsoft.com/office/drawing/2014/main" id="{608B6A57-F702-47B9-136D-F19BECEE9195}"/>
+                <a16:creationId xmlns:a16="http://schemas.microsoft.com/office/drawing/2014/main" id="{80D5F5BA-BC6B-1956-6490-52B6FC330C53}"/>
               </a:ext>
             </a:extLst>
           </p:cNvPr>
@@ -4466,20 +4489,23 @@
         </p:blipFill>
         <p:spPr>
           <a:xfrm>
-            <a:off x="4619065" y="1387306"/>
+            <a:off x="4619064" y="1387306"/>
             <a:ext cx="2953869" cy="5291496"/>
           </a:xfrm>
           <a:prstGeom prst="rect">
             <a:avLst/>
           </a:prstGeom>
+          <a:effectLst>
+            <a:softEdge rad="0"/>
+          </a:effectLst>
         </p:spPr>
       </p:pic>
       <p:grpSp>
         <p:nvGrpSpPr>
-          <p:cNvPr id="2" name="그룹 1">
+          <p:cNvPr id="41" name="그룹 40">
             <a:extLst>
               <a:ext uri="{FF2B5EF4-FFF2-40B4-BE49-F238E27FC236}">
-                <a16:creationId xmlns:a16="http://schemas.microsoft.com/office/drawing/2014/main" id="{5B918305-CCF4-5F7D-E846-CE444A979042}"/>
+                <a16:creationId xmlns:a16="http://schemas.microsoft.com/office/drawing/2014/main" id="{04E8A582-1EB4-59EC-0CD7-AF656617F3E9}"/>
               </a:ext>
             </a:extLst>
           </p:cNvPr>
@@ -4488,18 +4514,18 @@
         </p:nvGrpSpPr>
         <p:grpSpPr>
           <a:xfrm>
-            <a:off x="1719123" y="833308"/>
-            <a:ext cx="8753754" cy="553998"/>
-            <a:chOff x="1719123" y="833308"/>
-            <a:chExt cx="8753754" cy="553998"/>
+            <a:off x="1759115" y="833308"/>
+            <a:ext cx="8673771" cy="553998"/>
+            <a:chOff x="1981189" y="833308"/>
+            <a:chExt cx="8673771" cy="553998"/>
           </a:xfrm>
         </p:grpSpPr>
         <p:sp>
           <p:nvSpPr>
-            <p:cNvPr id="3" name="TextBox 2">
+            <p:cNvPr id="9" name="TextBox 8">
               <a:extLst>
                 <a:ext uri="{FF2B5EF4-FFF2-40B4-BE49-F238E27FC236}">
-                  <a16:creationId xmlns:a16="http://schemas.microsoft.com/office/drawing/2014/main" id="{00C09691-24D1-61A7-A50B-10B8ADA8568A}"/>
+                  <a16:creationId xmlns:a16="http://schemas.microsoft.com/office/drawing/2014/main" id="{F31076E0-F810-1B46-376C-EB385B3B4A27}"/>
                 </a:ext>
               </a:extLst>
             </p:cNvPr>
@@ -4508,8 +4534,8 @@
           </p:nvSpPr>
           <p:spPr>
             <a:xfrm>
-              <a:off x="2270433" y="987197"/>
-              <a:ext cx="7651132" cy="246221"/>
+              <a:off x="2277706" y="987197"/>
+              <a:ext cx="8080738" cy="246221"/>
             </a:xfrm>
             <a:prstGeom prst="rect">
               <a:avLst/>
@@ -4526,12 +4552,20 @@
                 <a:defRPr/>
               </a:pPr>
               <a:r>
+                <a:rPr lang="ko-KR" altLang="en-US" sz="1400" dirty="0" err="1">
+                  <a:latin typeface="Pretendard" panose="02000503000000020004" pitchFamily="2" charset="-127"/>
+                  <a:ea typeface="Pretendard" panose="02000503000000020004" pitchFamily="2" charset="-127"/>
+                  <a:cs typeface="Pretendard" panose="02000503000000020004" pitchFamily="2" charset="-127"/>
+                </a:rPr>
+                <a:t>성반</a:t>
+              </a:r>
+              <a:r>
                 <a:rPr lang="ko-KR" altLang="en-US" sz="1400" dirty="0">
                   <a:latin typeface="Pretendard" panose="02000503000000020004" pitchFamily="2" charset="-127"/>
                   <a:ea typeface="Pretendard" panose="02000503000000020004" pitchFamily="2" charset="-127"/>
                   <a:cs typeface="Pretendard" panose="02000503000000020004" pitchFamily="2" charset="-127"/>
                 </a:rPr>
-                <a:t>부챗살을 피뢰침 삼아 </a:t>
+                <a:t> 고리를 통해 </a:t>
               </a:r>
               <a:r>
                 <a:rPr lang="ko-KR" altLang="en-US" sz="1600" dirty="0">
@@ -4542,7 +4576,7 @@
                   <a:ea typeface="Pretendard SemiBold" panose="02000703000000020004" pitchFamily="2" charset="-127"/>
                   <a:cs typeface="Pretendard SemiBold" panose="02000703000000020004" pitchFamily="2" charset="-127"/>
                 </a:rPr>
-                <a:t>번개를 유도</a:t>
+                <a:t>스킬의 시전을 보조</a:t>
               </a:r>
               <a:r>
                 <a:rPr lang="ko-KR" altLang="en-US" sz="1400" dirty="0">
@@ -4558,7 +4592,7 @@
                   <a:ea typeface="Pretendard" panose="02000503000000020004" pitchFamily="2" charset="-127"/>
                   <a:cs typeface="Pretendard" panose="02000503000000020004" pitchFamily="2" charset="-127"/>
                 </a:rPr>
-                <a:t>,</a:t>
+                <a:t>, </a:t>
               </a:r>
               <a:r>
                 <a:rPr lang="ko-KR" altLang="en-US" sz="1400" dirty="0">
@@ -4566,7 +4600,7 @@
                   <a:ea typeface="Pretendard" panose="02000503000000020004" pitchFamily="2" charset="-127"/>
                   <a:cs typeface="Pretendard" panose="02000503000000020004" pitchFamily="2" charset="-127"/>
                 </a:rPr>
-                <a:t> </a:t>
+                <a:t>인과의 전략적 활용으로 </a:t>
               </a:r>
               <a:r>
                 <a:rPr lang="ko-KR" altLang="en-US" sz="1600" dirty="0">
@@ -4577,7 +4611,7 @@
                   <a:ea typeface="Pretendard SemiBold" panose="02000703000000020004" pitchFamily="2" charset="-127"/>
                   <a:cs typeface="Pretendard SemiBold" panose="02000703000000020004" pitchFamily="2" charset="-127"/>
                 </a:rPr>
-                <a:t>방어를 무시</a:t>
+                <a:t>공격의 템포를 조절</a:t>
               </a:r>
               <a:r>
                 <a:rPr lang="ko-KR" altLang="en-US" sz="1400" dirty="0">
@@ -4585,7 +4619,7 @@
                   <a:ea typeface="Pretendard" panose="02000503000000020004" pitchFamily="2" charset="-127"/>
                   <a:cs typeface="Pretendard" panose="02000503000000020004" pitchFamily="2" charset="-127"/>
                 </a:rPr>
-                <a:t>하는 공격으로 </a:t>
+                <a:t>하는</a:t>
               </a:r>
               <a:r>
                 <a:rPr lang="ko-KR" altLang="en-US" sz="1600" dirty="0">
@@ -4596,15 +4630,18 @@
                   <a:ea typeface="Pretendard SemiBold" panose="02000703000000020004" pitchFamily="2" charset="-127"/>
                   <a:cs typeface="Pretendard SemiBold" panose="02000703000000020004" pitchFamily="2" charset="-127"/>
                 </a:rPr>
-                <a:t>단일 대상에게 높은 피해</a:t>
+                <a:t> 근</a:t>
               </a:r>
               <a:r>
-                <a:rPr lang="ko-KR" altLang="en-US" sz="1400" dirty="0">
-                  <a:latin typeface="Pretendard" panose="02000503000000020004" pitchFamily="2" charset="-127"/>
-                  <a:ea typeface="Pretendard" panose="02000503000000020004" pitchFamily="2" charset="-127"/>
-                  <a:cs typeface="Pretendard" panose="02000503000000020004" pitchFamily="2" charset="-127"/>
+                <a:rPr lang="en-US" altLang="ko-KR" sz="1600" dirty="0">
+                  <a:solidFill>
+                    <a:srgbClr val="FF0000"/>
+                  </a:solidFill>
+                  <a:latin typeface="Pretendard SemiBold" panose="02000703000000020004" pitchFamily="2" charset="-127"/>
+                  <a:ea typeface="Pretendard SemiBold" panose="02000703000000020004" pitchFamily="2" charset="-127"/>
+                  <a:cs typeface="Pretendard SemiBold" panose="02000703000000020004" pitchFamily="2" charset="-127"/>
                 </a:rPr>
-                <a:t>를 주는 </a:t>
+                <a:t>/</a:t>
               </a:r>
               <a:r>
                 <a:rPr lang="ko-KR" altLang="en-US" sz="1600" dirty="0">
@@ -4615,15 +4652,12 @@
                   <a:ea typeface="Pretendard SemiBold" panose="02000703000000020004" pitchFamily="2" charset="-127"/>
                   <a:cs typeface="Pretendard SemiBold" panose="02000703000000020004" pitchFamily="2" charset="-127"/>
                 </a:rPr>
-                <a:t>딜러</a:t>
+                <a:t>중거리 마법사</a:t>
               </a:r>
-              <a:endParaRPr lang="en-US" altLang="ko-KR" sz="1600" dirty="0">
-                <a:solidFill>
-                  <a:srgbClr val="FF0000"/>
-                </a:solidFill>
-                <a:latin typeface="Pretendard SemiBold" panose="02000703000000020004" pitchFamily="2" charset="-127"/>
-                <a:ea typeface="Pretendard SemiBold" panose="02000703000000020004" pitchFamily="2" charset="-127"/>
-                <a:cs typeface="Pretendard SemiBold" panose="02000703000000020004" pitchFamily="2" charset="-127"/>
+              <a:endParaRPr lang="en-US" altLang="ko-KR" sz="1400" dirty="0">
+                <a:latin typeface="Pretendard" panose="02000503000000020004" pitchFamily="2" charset="-127"/>
+                <a:ea typeface="Pretendard" panose="02000503000000020004" pitchFamily="2" charset="-127"/>
+                <a:cs typeface="Pretendard" panose="02000503000000020004" pitchFamily="2" charset="-127"/>
               </a:endParaRPr>
             </a:p>
           </p:txBody>
@@ -4633,7 +4667,7 @@
             <p:cNvPr id="4" name="TextBox 3">
               <a:extLst>
                 <a:ext uri="{FF2B5EF4-FFF2-40B4-BE49-F238E27FC236}">
-                  <a16:creationId xmlns:a16="http://schemas.microsoft.com/office/drawing/2014/main" id="{E8FF181E-0DC4-3D3B-EA0B-8294D63DC3BD}"/>
+                  <a16:creationId xmlns:a16="http://schemas.microsoft.com/office/drawing/2014/main" id="{B5202A1D-E8E8-AD33-F274-35EAD356307C}"/>
                 </a:ext>
               </a:extLst>
             </p:cNvPr>
@@ -4642,7 +4676,7 @@
           </p:nvSpPr>
           <p:spPr>
             <a:xfrm>
-              <a:off x="1719123" y="833308"/>
+              <a:off x="1981189" y="833308"/>
               <a:ext cx="230832" cy="553998"/>
             </a:xfrm>
             <a:prstGeom prst="rect">
@@ -4672,7 +4706,7 @@
             <p:cNvPr id="5" name="TextBox 4">
               <a:extLst>
                 <a:ext uri="{FF2B5EF4-FFF2-40B4-BE49-F238E27FC236}">
-                  <a16:creationId xmlns:a16="http://schemas.microsoft.com/office/drawing/2014/main" id="{0CABCFE8-02A5-A0F1-7DCA-9F8565CAD3B1}"/>
+                  <a16:creationId xmlns:a16="http://schemas.microsoft.com/office/drawing/2014/main" id="{596A50CF-980B-0E40-37C2-A6D98C248849}"/>
                 </a:ext>
               </a:extLst>
             </p:cNvPr>
@@ -4681,7 +4715,7 @@
           </p:nvSpPr>
           <p:spPr>
             <a:xfrm>
-              <a:off x="10242045" y="833308"/>
+              <a:off x="10424128" y="833308"/>
               <a:ext cx="230832" cy="553998"/>
             </a:xfrm>
             <a:prstGeom prst="rect">
@@ -4707,20 +4741,19 @@
             </a:lstStyle>
             <a:p>
               <a:r>
-                <a:rPr lang="en-US" altLang="ko-KR"/>
+                <a:rPr lang="en-US" altLang="ko-KR" dirty="0"/>
                 <a:t>”</a:t>
               </a:r>
-              <a:endParaRPr lang="en-US" altLang="ko-KR" dirty="0"/>
             </a:p>
           </p:txBody>
         </p:sp>
       </p:grpSp>
       <p:grpSp>
         <p:nvGrpSpPr>
-          <p:cNvPr id="6" name="그룹 5">
+          <p:cNvPr id="18" name="그룹 17">
             <a:extLst>
               <a:ext uri="{FF2B5EF4-FFF2-40B4-BE49-F238E27FC236}">
-                <a16:creationId xmlns:a16="http://schemas.microsoft.com/office/drawing/2014/main" id="{866DE08D-84C5-6EF2-C116-6AC0D255E7C7}"/>
+                <a16:creationId xmlns:a16="http://schemas.microsoft.com/office/drawing/2014/main" id="{0FD6794B-633E-908A-C534-21BE96CC5AA7}"/>
               </a:ext>
             </a:extLst>
           </p:cNvPr>
@@ -4729,351 +4762,18 @@
         </p:nvGrpSpPr>
         <p:grpSpPr>
           <a:xfrm>
-            <a:off x="3780424" y="1513471"/>
-            <a:ext cx="4631153" cy="153888"/>
-            <a:chOff x="3717081" y="1513471"/>
-            <a:chExt cx="4631153" cy="153888"/>
-          </a:xfrm>
-        </p:grpSpPr>
-        <p:sp>
-          <p:nvSpPr>
-            <p:cNvPr id="7" name="TextBox 6">
-              <a:extLst>
-                <a:ext uri="{FF2B5EF4-FFF2-40B4-BE49-F238E27FC236}">
-                  <a16:creationId xmlns:a16="http://schemas.microsoft.com/office/drawing/2014/main" id="{C6C498CE-0D6D-01F1-8FDD-FC9D8BAAABD9}"/>
-                </a:ext>
-              </a:extLst>
-            </p:cNvPr>
-            <p:cNvSpPr txBox="1"/>
-            <p:nvPr/>
-          </p:nvSpPr>
-          <p:spPr>
-            <a:xfrm>
-              <a:off x="3717081" y="1513471"/>
-              <a:ext cx="662041" cy="153888"/>
-            </a:xfrm>
-            <a:prstGeom prst="rect">
-              <a:avLst/>
-            </a:prstGeom>
-            <a:noFill/>
-          </p:spPr>
-          <p:txBody>
-            <a:bodyPr wrap="none" lIns="0" tIns="0" rIns="0" bIns="0" rtlCol="0" anchor="ctr">
-              <a:spAutoFit/>
-            </a:bodyPr>
-            <a:lstStyle/>
-            <a:p>
-              <a:r>
-                <a:rPr lang="en-US" altLang="ko-KR" sz="1000" dirty="0">
-                  <a:latin typeface="Pretendard SemiBold" panose="02000703000000020004" pitchFamily="2" charset="-127"/>
-                  <a:ea typeface="Pretendard SemiBold" panose="02000703000000020004" pitchFamily="2" charset="-127"/>
-                  <a:cs typeface="Pretendard SemiBold" panose="02000703000000020004" pitchFamily="2" charset="-127"/>
-                </a:rPr>
-                <a:t>#</a:t>
-              </a:r>
-              <a:r>
-                <a:rPr lang="ko-KR" altLang="en-US" sz="1000" u="sng" dirty="0">
-                  <a:latin typeface="Pretendard SemiBold" panose="02000703000000020004" pitchFamily="2" charset="-127"/>
-                  <a:ea typeface="Pretendard SemiBold" panose="02000703000000020004" pitchFamily="2" charset="-127"/>
-                  <a:cs typeface="Pretendard SemiBold" panose="02000703000000020004" pitchFamily="2" charset="-127"/>
-                </a:rPr>
-                <a:t>동양풍 도사</a:t>
-              </a:r>
-              <a:endParaRPr lang="en-US" altLang="ko-KR" sz="1000" u="sng" dirty="0">
-                <a:latin typeface="Pretendard SemiBold" panose="02000703000000020004" pitchFamily="2" charset="-127"/>
-                <a:ea typeface="Pretendard SemiBold" panose="02000703000000020004" pitchFamily="2" charset="-127"/>
-                <a:cs typeface="Pretendard SemiBold" panose="02000703000000020004" pitchFamily="2" charset="-127"/>
-              </a:endParaRPr>
-            </a:p>
-          </p:txBody>
-        </p:sp>
-        <p:sp>
-          <p:nvSpPr>
-            <p:cNvPr id="10" name="TextBox 9">
-              <a:extLst>
-                <a:ext uri="{FF2B5EF4-FFF2-40B4-BE49-F238E27FC236}">
-                  <a16:creationId xmlns:a16="http://schemas.microsoft.com/office/drawing/2014/main" id="{27E6038E-483A-6995-2A65-139448F6E32F}"/>
-                </a:ext>
-              </a:extLst>
-            </p:cNvPr>
-            <p:cNvSpPr txBox="1"/>
-            <p:nvPr/>
-          </p:nvSpPr>
-          <p:spPr>
-            <a:xfrm>
-              <a:off x="4671845" y="1513471"/>
-              <a:ext cx="299762" cy="153888"/>
-            </a:xfrm>
-            <a:prstGeom prst="rect">
-              <a:avLst/>
-            </a:prstGeom>
-            <a:noFill/>
-          </p:spPr>
-          <p:txBody>
-            <a:bodyPr wrap="none" lIns="0" tIns="0" rIns="0" bIns="0" rtlCol="0" anchor="ctr">
-              <a:spAutoFit/>
-            </a:bodyPr>
-            <a:lstStyle/>
-            <a:p>
-              <a:r>
-                <a:rPr lang="en-US" altLang="ko-KR" sz="1000" dirty="0">
-                  <a:latin typeface="Pretendard SemiBold" panose="02000703000000020004" pitchFamily="2" charset="-127"/>
-                  <a:ea typeface="Pretendard SemiBold" panose="02000703000000020004" pitchFamily="2" charset="-127"/>
-                  <a:cs typeface="Pretendard SemiBold" panose="02000703000000020004" pitchFamily="2" charset="-127"/>
-                </a:rPr>
-                <a:t>#</a:t>
-              </a:r>
-              <a:r>
-                <a:rPr lang="ko-KR" altLang="en-US" sz="1000" u="sng" dirty="0">
-                  <a:latin typeface="Pretendard SemiBold" panose="02000703000000020004" pitchFamily="2" charset="-127"/>
-                  <a:ea typeface="Pretendard SemiBold" panose="02000703000000020004" pitchFamily="2" charset="-127"/>
-                  <a:cs typeface="Pretendard SemiBold" panose="02000703000000020004" pitchFamily="2" charset="-127"/>
-                </a:rPr>
-                <a:t>부채</a:t>
-              </a:r>
-              <a:endParaRPr lang="en-US" altLang="ko-KR" sz="1000" u="sng" dirty="0">
-                <a:latin typeface="Pretendard SemiBold" panose="02000703000000020004" pitchFamily="2" charset="-127"/>
-                <a:ea typeface="Pretendard SemiBold" panose="02000703000000020004" pitchFamily="2" charset="-127"/>
-                <a:cs typeface="Pretendard SemiBold" panose="02000703000000020004" pitchFamily="2" charset="-127"/>
-              </a:endParaRPr>
-            </a:p>
-          </p:txBody>
-        </p:sp>
-        <p:sp>
-          <p:nvSpPr>
-            <p:cNvPr id="11" name="TextBox 10">
-              <a:extLst>
-                <a:ext uri="{FF2B5EF4-FFF2-40B4-BE49-F238E27FC236}">
-                  <a16:creationId xmlns:a16="http://schemas.microsoft.com/office/drawing/2014/main" id="{540A38D6-14CF-B3E5-61AF-6928B751BAEF}"/>
-                </a:ext>
-              </a:extLst>
-            </p:cNvPr>
-            <p:cNvSpPr txBox="1"/>
-            <p:nvPr/>
-          </p:nvSpPr>
-          <p:spPr>
-            <a:xfrm>
-              <a:off x="5856815" y="1513471"/>
-              <a:ext cx="299762" cy="153888"/>
-            </a:xfrm>
-            <a:prstGeom prst="rect">
-              <a:avLst/>
-            </a:prstGeom>
-            <a:noFill/>
-          </p:spPr>
-          <p:txBody>
-            <a:bodyPr wrap="none" lIns="0" tIns="0" rIns="0" bIns="0" rtlCol="0" anchor="ctr">
-              <a:spAutoFit/>
-            </a:bodyPr>
-            <a:lstStyle/>
-            <a:p>
-              <a:r>
-                <a:rPr lang="en-US" altLang="ko-KR" sz="1000" dirty="0">
-                  <a:latin typeface="Pretendard SemiBold" panose="02000703000000020004" pitchFamily="2" charset="-127"/>
-                  <a:ea typeface="Pretendard SemiBold" panose="02000703000000020004" pitchFamily="2" charset="-127"/>
-                  <a:cs typeface="Pretendard SemiBold" panose="02000703000000020004" pitchFamily="2" charset="-127"/>
-                </a:rPr>
-                <a:t>#</a:t>
-              </a:r>
-              <a:r>
-                <a:rPr lang="ko-KR" altLang="en-US" sz="1000" u="sng" dirty="0">
-                  <a:latin typeface="Pretendard SemiBold" panose="02000703000000020004" pitchFamily="2" charset="-127"/>
-                  <a:ea typeface="Pretendard SemiBold" panose="02000703000000020004" pitchFamily="2" charset="-127"/>
-                  <a:cs typeface="Pretendard SemiBold" panose="02000703000000020004" pitchFamily="2" charset="-127"/>
-                </a:rPr>
-                <a:t>딜러</a:t>
-              </a:r>
-              <a:endParaRPr lang="en-US" altLang="ko-KR" sz="1000" u="sng" dirty="0">
-                <a:latin typeface="Pretendard SemiBold" panose="02000703000000020004" pitchFamily="2" charset="-127"/>
-                <a:ea typeface="Pretendard SemiBold" panose="02000703000000020004" pitchFamily="2" charset="-127"/>
-                <a:cs typeface="Pretendard SemiBold" panose="02000703000000020004" pitchFamily="2" charset="-127"/>
-              </a:endParaRPr>
-            </a:p>
-          </p:txBody>
-        </p:sp>
-        <p:sp>
-          <p:nvSpPr>
-            <p:cNvPr id="12" name="TextBox 11">
-              <a:extLst>
-                <a:ext uri="{FF2B5EF4-FFF2-40B4-BE49-F238E27FC236}">
-                  <a16:creationId xmlns:a16="http://schemas.microsoft.com/office/drawing/2014/main" id="{38A23009-A06B-6D98-45A5-CAF1184BF844}"/>
-                </a:ext>
-              </a:extLst>
-            </p:cNvPr>
-            <p:cNvSpPr txBox="1"/>
-            <p:nvPr/>
-          </p:nvSpPr>
-          <p:spPr>
-            <a:xfrm>
-              <a:off x="5264330" y="1513471"/>
-              <a:ext cx="299762" cy="153888"/>
-            </a:xfrm>
-            <a:prstGeom prst="rect">
-              <a:avLst/>
-            </a:prstGeom>
-            <a:noFill/>
-          </p:spPr>
-          <p:txBody>
-            <a:bodyPr wrap="none" lIns="0" tIns="0" rIns="0" bIns="0" rtlCol="0" anchor="ctr">
-              <a:spAutoFit/>
-            </a:bodyPr>
-            <a:lstStyle/>
-            <a:p>
-              <a:r>
-                <a:rPr lang="en-US" altLang="ko-KR" sz="1000" dirty="0">
-                  <a:latin typeface="Pretendard SemiBold" panose="02000703000000020004" pitchFamily="2" charset="-127"/>
-                  <a:ea typeface="Pretendard SemiBold" panose="02000703000000020004" pitchFamily="2" charset="-127"/>
-                  <a:cs typeface="Pretendard SemiBold" panose="02000703000000020004" pitchFamily="2" charset="-127"/>
-                </a:rPr>
-                <a:t>#</a:t>
-              </a:r>
-              <a:r>
-                <a:rPr lang="ko-KR" altLang="en-US" sz="1000" u="sng" dirty="0">
-                  <a:latin typeface="Pretendard SemiBold" panose="02000703000000020004" pitchFamily="2" charset="-127"/>
-                  <a:ea typeface="Pretendard SemiBold" panose="02000703000000020004" pitchFamily="2" charset="-127"/>
-                  <a:cs typeface="Pretendard SemiBold" panose="02000703000000020004" pitchFamily="2" charset="-127"/>
-                </a:rPr>
-                <a:t>번개</a:t>
-              </a:r>
-              <a:endParaRPr lang="en-US" altLang="ko-KR" sz="1000" u="sng" dirty="0">
-                <a:latin typeface="Pretendard SemiBold" panose="02000703000000020004" pitchFamily="2" charset="-127"/>
-                <a:ea typeface="Pretendard SemiBold" panose="02000703000000020004" pitchFamily="2" charset="-127"/>
-                <a:cs typeface="Pretendard SemiBold" panose="02000703000000020004" pitchFamily="2" charset="-127"/>
-              </a:endParaRPr>
-            </a:p>
-          </p:txBody>
-        </p:sp>
-        <p:sp>
-          <p:nvSpPr>
-            <p:cNvPr id="13" name="TextBox 12">
-              <a:extLst>
-                <a:ext uri="{FF2B5EF4-FFF2-40B4-BE49-F238E27FC236}">
-                  <a16:creationId xmlns:a16="http://schemas.microsoft.com/office/drawing/2014/main" id="{0B6D7418-7BE1-82FF-F577-559B02D0096C}"/>
-                </a:ext>
-              </a:extLst>
-            </p:cNvPr>
-            <p:cNvSpPr txBox="1"/>
-            <p:nvPr/>
-          </p:nvSpPr>
-          <p:spPr>
-            <a:xfrm>
-              <a:off x="7293458" y="1513471"/>
-              <a:ext cx="1054776" cy="153888"/>
-            </a:xfrm>
-            <a:prstGeom prst="rect">
-              <a:avLst/>
-            </a:prstGeom>
-            <a:noFill/>
-          </p:spPr>
-          <p:txBody>
-            <a:bodyPr wrap="none" lIns="0" tIns="0" rIns="0" bIns="0" rtlCol="0" anchor="ctr">
-              <a:spAutoFit/>
-            </a:bodyPr>
-            <a:lstStyle/>
-            <a:p>
-              <a:r>
-                <a:rPr lang="en-US" altLang="ko-KR" sz="1000" dirty="0">
-                  <a:latin typeface="Pretendard SemiBold" panose="02000703000000020004" pitchFamily="2" charset="-127"/>
-                  <a:ea typeface="Pretendard SemiBold" panose="02000703000000020004" pitchFamily="2" charset="-127"/>
-                  <a:cs typeface="Pretendard SemiBold" panose="02000703000000020004" pitchFamily="2" charset="-127"/>
-                </a:rPr>
-                <a:t>#</a:t>
-              </a:r>
-              <a:r>
-                <a:rPr lang="ko-KR" altLang="en-US" sz="1000" u="sng" dirty="0">
-                  <a:latin typeface="Pretendard SemiBold" panose="02000703000000020004" pitchFamily="2" charset="-127"/>
-                  <a:ea typeface="Pretendard SemiBold" panose="02000703000000020004" pitchFamily="2" charset="-127"/>
-                  <a:cs typeface="Pretendard SemiBold" panose="02000703000000020004" pitchFamily="2" charset="-127"/>
-                </a:rPr>
-                <a:t>단일 대상 높은 피해</a:t>
-              </a:r>
-              <a:endParaRPr lang="en-US" altLang="ko-KR" sz="1000" u="sng" dirty="0">
-                <a:latin typeface="Pretendard SemiBold" panose="02000703000000020004" pitchFamily="2" charset="-127"/>
-                <a:ea typeface="Pretendard SemiBold" panose="02000703000000020004" pitchFamily="2" charset="-127"/>
-                <a:cs typeface="Pretendard SemiBold" panose="02000703000000020004" pitchFamily="2" charset="-127"/>
-              </a:endParaRPr>
-            </a:p>
-          </p:txBody>
-        </p:sp>
-        <p:sp>
-          <p:nvSpPr>
-            <p:cNvPr id="14" name="TextBox 13">
-              <a:extLst>
-                <a:ext uri="{FF2B5EF4-FFF2-40B4-BE49-F238E27FC236}">
-                  <a16:creationId xmlns:a16="http://schemas.microsoft.com/office/drawing/2014/main" id="{B25ACF87-1CCD-48A2-BA80-C5EBAF5E1916}"/>
-                </a:ext>
-              </a:extLst>
-            </p:cNvPr>
-            <p:cNvSpPr txBox="1"/>
-            <p:nvPr/>
-          </p:nvSpPr>
-          <p:spPr>
-            <a:xfrm>
-              <a:off x="6449300" y="1513471"/>
-              <a:ext cx="551433" cy="153888"/>
-            </a:xfrm>
-            <a:prstGeom prst="rect">
-              <a:avLst/>
-            </a:prstGeom>
-            <a:noFill/>
-          </p:spPr>
-          <p:txBody>
-            <a:bodyPr wrap="none" lIns="0" tIns="0" rIns="0" bIns="0" rtlCol="0" anchor="ctr">
-              <a:spAutoFit/>
-            </a:bodyPr>
-            <a:lstStyle/>
-            <a:p>
-              <a:r>
-                <a:rPr lang="en-US" altLang="ko-KR" sz="1000" dirty="0">
-                  <a:latin typeface="Pretendard SemiBold" panose="02000703000000020004" pitchFamily="2" charset="-127"/>
-                  <a:ea typeface="Pretendard SemiBold" panose="02000703000000020004" pitchFamily="2" charset="-127"/>
-                  <a:cs typeface="Pretendard SemiBold" panose="02000703000000020004" pitchFamily="2" charset="-127"/>
-                </a:rPr>
-                <a:t>#</a:t>
-              </a:r>
-              <a:r>
-                <a:rPr lang="ko-KR" altLang="en-US" sz="1000" u="sng" dirty="0">
-                  <a:latin typeface="Pretendard SemiBold" panose="02000703000000020004" pitchFamily="2" charset="-127"/>
-                  <a:ea typeface="Pretendard SemiBold" panose="02000703000000020004" pitchFamily="2" charset="-127"/>
-                  <a:cs typeface="Pretendard SemiBold" panose="02000703000000020004" pitchFamily="2" charset="-127"/>
-                </a:rPr>
-                <a:t>방어 무시</a:t>
-              </a:r>
-              <a:endParaRPr lang="en-US" altLang="ko-KR" sz="1000" u="sng" dirty="0">
-                <a:latin typeface="Pretendard SemiBold" panose="02000703000000020004" pitchFamily="2" charset="-127"/>
-                <a:ea typeface="Pretendard SemiBold" panose="02000703000000020004" pitchFamily="2" charset="-127"/>
-                <a:cs typeface="Pretendard SemiBold" panose="02000703000000020004" pitchFamily="2" charset="-127"/>
-              </a:endParaRPr>
-            </a:p>
-          </p:txBody>
-        </p:sp>
-      </p:grpSp>
-      <p:grpSp>
-        <p:nvGrpSpPr>
-          <p:cNvPr id="16" name="그룹 15">
-            <a:extLst>
-              <a:ext uri="{FF2B5EF4-FFF2-40B4-BE49-F238E27FC236}">
-                <a16:creationId xmlns:a16="http://schemas.microsoft.com/office/drawing/2014/main" id="{F790681C-5E1E-5C99-C3FD-063140F9802B}"/>
-              </a:ext>
-            </a:extLst>
-          </p:cNvPr>
-          <p:cNvGrpSpPr/>
-          <p:nvPr/>
-        </p:nvGrpSpPr>
-        <p:grpSpPr>
-          <a:xfrm>
-            <a:off x="614301" y="2251399"/>
-            <a:ext cx="4172855" cy="662611"/>
-            <a:chOff x="915209" y="2508678"/>
-            <a:chExt cx="4172855" cy="662611"/>
+            <a:off x="608532" y="2227678"/>
+            <a:ext cx="4234504" cy="925343"/>
+            <a:chOff x="608532" y="2105758"/>
+            <a:chExt cx="4234504" cy="925343"/>
           </a:xfrm>
         </p:grpSpPr>
         <p:grpSp>
           <p:nvGrpSpPr>
-            <p:cNvPr id="17" name="그룹 16">
+            <p:cNvPr id="53" name="그룹 52">
               <a:extLst>
                 <a:ext uri="{FF2B5EF4-FFF2-40B4-BE49-F238E27FC236}">
-                  <a16:creationId xmlns:a16="http://schemas.microsoft.com/office/drawing/2014/main" id="{B637BD0E-CF82-DCA4-7B3E-7E5F2EAEEEB6}"/>
+                  <a16:creationId xmlns:a16="http://schemas.microsoft.com/office/drawing/2014/main" id="{4717F1C0-9A97-CC12-BB99-647833339E53}"/>
                 </a:ext>
               </a:extLst>
             </p:cNvPr>
@@ -5082,18 +4782,295 @@
           </p:nvGrpSpPr>
           <p:grpSpPr>
             <a:xfrm>
-              <a:off x="915209" y="2508678"/>
-              <a:ext cx="3486176" cy="662611"/>
-              <a:chOff x="379243" y="1752288"/>
-              <a:chExt cx="3486176" cy="662611"/>
+              <a:off x="614301" y="2368701"/>
+              <a:ext cx="4228735" cy="662400"/>
+              <a:chOff x="915209" y="2508678"/>
+              <a:chExt cx="4228735" cy="662400"/>
             </a:xfrm>
           </p:grpSpPr>
+          <p:grpSp>
+            <p:nvGrpSpPr>
+              <p:cNvPr id="58" name="그룹 57">
+                <a:extLst>
+                  <a:ext uri="{FF2B5EF4-FFF2-40B4-BE49-F238E27FC236}">
+                    <a16:creationId xmlns:a16="http://schemas.microsoft.com/office/drawing/2014/main" id="{0236EAA8-BEFE-438E-CED2-DA54C2371CBE}"/>
+                  </a:ext>
+                </a:extLst>
+              </p:cNvPr>
+              <p:cNvGrpSpPr/>
+              <p:nvPr/>
+            </p:nvGrpSpPr>
+            <p:grpSpPr>
+              <a:xfrm>
+                <a:off x="915209" y="2508678"/>
+                <a:ext cx="3486176" cy="662400"/>
+                <a:chOff x="379243" y="1752288"/>
+                <a:chExt cx="3486176" cy="662400"/>
+              </a:xfrm>
+            </p:grpSpPr>
+            <p:sp>
+              <p:nvSpPr>
+                <p:cNvPr id="61" name="직사각형 60">
+                  <a:extLst>
+                    <a:ext uri="{FF2B5EF4-FFF2-40B4-BE49-F238E27FC236}">
+                      <a16:creationId xmlns:a16="http://schemas.microsoft.com/office/drawing/2014/main" id="{2055AA86-D550-BD3F-E7BD-5EE76B18244A}"/>
+                    </a:ext>
+                  </a:extLst>
+                </p:cNvPr>
+                <p:cNvSpPr/>
+                <p:nvPr/>
+              </p:nvSpPr>
+              <p:spPr>
+                <a:xfrm>
+                  <a:off x="379243" y="1752288"/>
+                  <a:ext cx="3486176" cy="662400"/>
+                </a:xfrm>
+                <a:prstGeom prst="rect">
+                  <a:avLst/>
+                </a:prstGeom>
+                <a:solidFill>
+                  <a:schemeClr val="bg1">
+                    <a:lumMod val="95000"/>
+                  </a:schemeClr>
+                </a:solidFill>
+                <a:ln w="12700">
+                  <a:solidFill>
+                    <a:schemeClr val="bg1">
+                      <a:lumMod val="50000"/>
+                    </a:schemeClr>
+                  </a:solidFill>
+                </a:ln>
+              </p:spPr>
+              <p:style>
+                <a:lnRef idx="2">
+                  <a:schemeClr val="accent1">
+                    <a:shade val="15000"/>
+                  </a:schemeClr>
+                </a:lnRef>
+                <a:fillRef idx="1">
+                  <a:schemeClr val="accent1"/>
+                </a:fillRef>
+                <a:effectRef idx="0">
+                  <a:schemeClr val="accent1"/>
+                </a:effectRef>
+                <a:fontRef idx="minor">
+                  <a:schemeClr val="lt1"/>
+                </a:fontRef>
+              </p:style>
+              <p:txBody>
+                <a:bodyPr rtlCol="0" anchor="ctr"/>
+                <a:lstStyle/>
+                <a:p>
+                  <a:pPr algn="ctr"/>
+                  <a:endParaRPr lang="ko-KR" altLang="en-US" dirty="0"/>
+                </a:p>
+              </p:txBody>
+            </p:sp>
+            <p:sp>
+              <p:nvSpPr>
+                <p:cNvPr id="62" name="TextBox 61">
+                  <a:extLst>
+                    <a:ext uri="{FF2B5EF4-FFF2-40B4-BE49-F238E27FC236}">
+                      <a16:creationId xmlns:a16="http://schemas.microsoft.com/office/drawing/2014/main" id="{8E6CEE75-E87F-5036-FDA2-805BC82D0B74}"/>
+                    </a:ext>
+                  </a:extLst>
+                </p:cNvPr>
+                <p:cNvSpPr txBox="1"/>
+                <p:nvPr/>
+              </p:nvSpPr>
+              <p:spPr>
+                <a:xfrm>
+                  <a:off x="379243" y="1838364"/>
+                  <a:ext cx="3486176" cy="490249"/>
+                </a:xfrm>
+                <a:prstGeom prst="rect">
+                  <a:avLst/>
+                </a:prstGeom>
+                <a:noFill/>
+              </p:spPr>
+              <p:txBody>
+                <a:bodyPr wrap="square" lIns="108000" tIns="54000" rIns="108000" bIns="54000" rtlCol="0" anchor="t">
+                  <a:spAutoFit/>
+                </a:bodyPr>
+                <a:lstStyle/>
+                <a:p>
+                  <a:pPr algn="ctr">
+                    <a:lnSpc>
+                      <a:spcPct val="130000"/>
+                    </a:lnSpc>
+                  </a:pPr>
+                  <a:r>
+                    <a:rPr lang="en-US" altLang="ko-KR" sz="1000" dirty="0">
+                      <a:latin typeface="Pretendard" panose="02000503000000020004" pitchFamily="2" charset="-127"/>
+                      <a:ea typeface="Pretendard" panose="02000503000000020004" pitchFamily="2" charset="-127"/>
+                      <a:cs typeface="Pretendard" panose="02000503000000020004" pitchFamily="2" charset="-127"/>
+                    </a:rPr>
+                    <a:t>‘</a:t>
+                  </a:r>
+                  <a:r>
+                    <a:rPr lang="ko-KR" altLang="en-US" sz="1000" dirty="0" err="1">
+                      <a:latin typeface="Pretendard SemiBold" panose="02000703000000020004" pitchFamily="2" charset="-127"/>
+                      <a:ea typeface="Pretendard SemiBold" panose="02000703000000020004" pitchFamily="2" charset="-127"/>
+                      <a:cs typeface="Pretendard SemiBold" panose="02000703000000020004" pitchFamily="2" charset="-127"/>
+                    </a:rPr>
+                    <a:t>성반</a:t>
+                  </a:r>
+                  <a:r>
+                    <a:rPr lang="en-US" altLang="ko-KR" sz="1000" dirty="0">
+                      <a:latin typeface="Pretendard" panose="02000503000000020004" pitchFamily="2" charset="-127"/>
+                      <a:ea typeface="Pretendard" panose="02000503000000020004" pitchFamily="2" charset="-127"/>
+                      <a:cs typeface="Pretendard" panose="02000503000000020004" pitchFamily="2" charset="-127"/>
+                    </a:rPr>
+                    <a:t>’</a:t>
+                  </a:r>
+                  <a:r>
+                    <a:rPr lang="ko-KR" altLang="en-US" sz="1000" dirty="0">
+                      <a:latin typeface="Pretendard" panose="02000503000000020004" pitchFamily="2" charset="-127"/>
+                      <a:ea typeface="Pretendard" panose="02000503000000020004" pitchFamily="2" charset="-127"/>
+                      <a:cs typeface="Pretendard" panose="02000503000000020004" pitchFamily="2" charset="-127"/>
+                    </a:rPr>
+                    <a:t>을 무기로 사용하며</a:t>
+                  </a:r>
+                  <a:r>
+                    <a:rPr lang="en-US" altLang="ko-KR" sz="1000" dirty="0">
+                      <a:latin typeface="Pretendard" panose="02000503000000020004" pitchFamily="2" charset="-127"/>
+                      <a:ea typeface="Pretendard" panose="02000503000000020004" pitchFamily="2" charset="-127"/>
+                      <a:cs typeface="Pretendard" panose="02000503000000020004" pitchFamily="2" charset="-127"/>
+                    </a:rPr>
+                    <a:t>,</a:t>
+                  </a:r>
+                  <a:r>
+                    <a:rPr lang="ko-KR" altLang="en-US" sz="1000" dirty="0">
+                      <a:latin typeface="Pretendard" panose="02000503000000020004" pitchFamily="2" charset="-127"/>
+                      <a:ea typeface="Pretendard" panose="02000503000000020004" pitchFamily="2" charset="-127"/>
+                      <a:cs typeface="Pretendard" panose="02000503000000020004" pitchFamily="2" charset="-127"/>
+                    </a:rPr>
+                    <a:t> </a:t>
+                  </a:r>
+                  <a:r>
+                    <a:rPr lang="en-US" altLang="ko-KR" sz="1000" dirty="0">
+                      <a:latin typeface="Pretendard" panose="02000503000000020004" pitchFamily="2" charset="-127"/>
+                      <a:ea typeface="Pretendard" panose="02000503000000020004" pitchFamily="2" charset="-127"/>
+                      <a:cs typeface="Pretendard" panose="02000503000000020004" pitchFamily="2" charset="-127"/>
+                    </a:rPr>
+                    <a:t>‘</a:t>
+                  </a:r>
+                  <a:r>
+                    <a:rPr lang="ko-KR" altLang="en-US" sz="1000" dirty="0" err="1">
+                      <a:latin typeface="Pretendard SemiBold" panose="02000703000000020004" pitchFamily="2" charset="-127"/>
+                      <a:ea typeface="Pretendard SemiBold" panose="02000703000000020004" pitchFamily="2" charset="-127"/>
+                      <a:cs typeface="Pretendard SemiBold" panose="02000703000000020004" pitchFamily="2" charset="-127"/>
+                    </a:rPr>
+                    <a:t>성반</a:t>
+                  </a:r>
+                  <a:r>
+                    <a:rPr lang="ko-KR" altLang="en-US" sz="1000" dirty="0">
+                      <a:latin typeface="Pretendard SemiBold" panose="02000703000000020004" pitchFamily="2" charset="-127"/>
+                      <a:ea typeface="Pretendard SemiBold" panose="02000703000000020004" pitchFamily="2" charset="-127"/>
+                      <a:cs typeface="Pretendard SemiBold" panose="02000703000000020004" pitchFamily="2" charset="-127"/>
+                    </a:rPr>
+                    <a:t> 고리</a:t>
+                  </a:r>
+                  <a:r>
+                    <a:rPr lang="en-US" altLang="ko-KR" sz="1000" dirty="0">
+                      <a:latin typeface="Pretendard" panose="02000503000000020004" pitchFamily="2" charset="-127"/>
+                      <a:ea typeface="Pretendard" panose="02000503000000020004" pitchFamily="2" charset="-127"/>
+                      <a:cs typeface="Pretendard" panose="02000503000000020004" pitchFamily="2" charset="-127"/>
+                    </a:rPr>
+                    <a:t>’</a:t>
+                  </a:r>
+                  <a:r>
+                    <a:rPr lang="ko-KR" altLang="en-US" sz="1000" dirty="0">
+                      <a:latin typeface="Pretendard" panose="02000503000000020004" pitchFamily="2" charset="-127"/>
+                      <a:ea typeface="Pretendard" panose="02000503000000020004" pitchFamily="2" charset="-127"/>
+                      <a:cs typeface="Pretendard" panose="02000503000000020004" pitchFamily="2" charset="-127"/>
+                    </a:rPr>
+                    <a:t>는</a:t>
+                  </a:r>
+                  <a:r>
+                    <a:rPr lang="en-US" altLang="ko-KR" sz="1000" dirty="0">
+                      <a:latin typeface="Pretendard" panose="02000503000000020004" pitchFamily="2" charset="-127"/>
+                      <a:ea typeface="Pretendard" panose="02000503000000020004" pitchFamily="2" charset="-127"/>
+                      <a:cs typeface="Pretendard" panose="02000503000000020004" pitchFamily="2" charset="-127"/>
+                    </a:rPr>
+                    <a:t> </a:t>
+                  </a:r>
+                  <a:r>
+                    <a:rPr lang="ko-KR" altLang="en-US" sz="1000" dirty="0">
+                      <a:latin typeface="Pretendard SemiBold" panose="02000703000000020004" pitchFamily="2" charset="-127"/>
+                      <a:ea typeface="Pretendard SemiBold" panose="02000703000000020004" pitchFamily="2" charset="-127"/>
+                      <a:cs typeface="Pretendard SemiBold" panose="02000703000000020004" pitchFamily="2" charset="-127"/>
+                    </a:rPr>
+                    <a:t>스킬의 시전을 보조</a:t>
+                  </a:r>
+                  <a:endParaRPr lang="en-US" altLang="ko-KR" sz="1000" dirty="0">
+                    <a:latin typeface="Pretendard SemiBold" panose="02000703000000020004" pitchFamily="2" charset="-127"/>
+                    <a:ea typeface="Pretendard SemiBold" panose="02000703000000020004" pitchFamily="2" charset="-127"/>
+                    <a:cs typeface="Pretendard SemiBold" panose="02000703000000020004" pitchFamily="2" charset="-127"/>
+                  </a:endParaRPr>
+                </a:p>
+                <a:p>
+                  <a:pPr algn="ctr">
+                    <a:lnSpc>
+                      <a:spcPct val="130000"/>
+                    </a:lnSpc>
+                  </a:pPr>
+                  <a:r>
+                    <a:rPr lang="en-US" altLang="ko-KR" sz="1000" dirty="0">
+                      <a:latin typeface="Pretendard" panose="02000503000000020004" pitchFamily="2" charset="-127"/>
+                      <a:ea typeface="Pretendard" panose="02000503000000020004" pitchFamily="2" charset="-127"/>
+                      <a:cs typeface="Pretendard" panose="02000503000000020004" pitchFamily="2" charset="-127"/>
+                    </a:rPr>
+                    <a:t>[ </a:t>
+                  </a:r>
+                  <a:r>
+                    <a:rPr lang="ko-KR" altLang="en-US" sz="1000" dirty="0">
+                      <a:solidFill>
+                        <a:srgbClr val="FF0000"/>
+                      </a:solidFill>
+                      <a:latin typeface="Pretendard SemiBold" panose="02000703000000020004" pitchFamily="2" charset="-127"/>
+                      <a:ea typeface="Pretendard SemiBold" panose="02000703000000020004" pitchFamily="2" charset="-127"/>
+                      <a:cs typeface="Pretendard SemiBold" panose="02000703000000020004" pitchFamily="2" charset="-127"/>
+                    </a:rPr>
+                    <a:t>시전 속도 증가 </a:t>
+                  </a:r>
+                  <a:r>
+                    <a:rPr lang="en-US" altLang="ko-KR" sz="1000" dirty="0">
+                      <a:latin typeface="Pretendard" panose="02000503000000020004" pitchFamily="2" charset="-127"/>
+                      <a:ea typeface="Pretendard" panose="02000503000000020004" pitchFamily="2" charset="-127"/>
+                      <a:cs typeface="Pretendard" panose="02000503000000020004" pitchFamily="2" charset="-127"/>
+                    </a:rPr>
+                    <a:t>or </a:t>
+                  </a:r>
+                  <a:r>
+                    <a:rPr lang="ko-KR" altLang="en-US" sz="1000" dirty="0">
+                      <a:solidFill>
+                        <a:srgbClr val="FF0000"/>
+                      </a:solidFill>
+                      <a:latin typeface="Pretendard SemiBold" panose="02000703000000020004" pitchFamily="2" charset="-127"/>
+                      <a:ea typeface="Pretendard SemiBold" panose="02000703000000020004" pitchFamily="2" charset="-127"/>
+                      <a:cs typeface="Pretendard SemiBold" panose="02000703000000020004" pitchFamily="2" charset="-127"/>
+                    </a:rPr>
+                    <a:t>스킬 대신 시전 </a:t>
+                  </a:r>
+                  <a:r>
+                    <a:rPr lang="en-US" altLang="ko-KR" sz="1000" dirty="0">
+                      <a:latin typeface="Pretendard" panose="02000503000000020004" pitchFamily="2" charset="-127"/>
+                      <a:ea typeface="Pretendard" panose="02000503000000020004" pitchFamily="2" charset="-127"/>
+                      <a:cs typeface="Pretendard" panose="02000503000000020004" pitchFamily="2" charset="-127"/>
+                    </a:rPr>
+                    <a:t>]</a:t>
+                  </a:r>
+                </a:p>
+              </p:txBody>
+            </p:sp>
+          </p:grpSp>
           <p:sp>
             <p:nvSpPr>
-              <p:cNvPr id="20" name="직사각형 19">
+              <p:cNvPr id="59" name="타원 58">
                 <a:extLst>
                   <a:ext uri="{FF2B5EF4-FFF2-40B4-BE49-F238E27FC236}">
-                    <a16:creationId xmlns:a16="http://schemas.microsoft.com/office/drawing/2014/main" id="{B22EB14E-7DAA-F5F2-D68B-D3D4AE99A5C4}"/>
+                    <a16:creationId xmlns:a16="http://schemas.microsoft.com/office/drawing/2014/main" id="{7CD09726-0015-348A-9836-E76D02313E0E}"/>
                   </a:ext>
                 </a:extLst>
               </p:cNvPr>
@@ -5102,23 +5079,31 @@
             </p:nvSpPr>
             <p:spPr>
               <a:xfrm>
-                <a:off x="379243" y="1752288"/>
-                <a:ext cx="3486176" cy="662611"/>
+                <a:off x="5035944" y="2785984"/>
+                <a:ext cx="108000" cy="108000"/>
               </a:xfrm>
-              <a:prstGeom prst="rect">
+              <a:prstGeom prst="ellipse">
                 <a:avLst/>
               </a:prstGeom>
               <a:solidFill>
-                <a:srgbClr val="EEFAFE"/>
+                <a:schemeClr val="bg1">
+                  <a:lumMod val="95000"/>
+                </a:schemeClr>
               </a:solidFill>
               <a:ln w="12700">
                 <a:solidFill>
-                  <a:schemeClr val="accent4">
-                    <a:lumMod val="40000"/>
-                    <a:lumOff val="60000"/>
+                  <a:schemeClr val="bg1">
+                    <a:lumMod val="50000"/>
                   </a:schemeClr>
                 </a:solidFill>
               </a:ln>
+              <a:effectLst>
+                <a:glow rad="38100">
+                  <a:schemeClr val="bg1">
+                    <a:alpha val="61000"/>
+                  </a:schemeClr>
+                </a:glow>
+              </a:effectLst>
             </p:spPr>
             <p:style>
               <a:lnRef idx="2">
@@ -5145,12 +5130,80 @@
               </a:p>
             </p:txBody>
           </p:sp>
+          <p:cxnSp>
+            <p:nvCxnSpPr>
+              <p:cNvPr id="60" name="직선 연결선 59">
+                <a:extLst>
+                  <a:ext uri="{FF2B5EF4-FFF2-40B4-BE49-F238E27FC236}">
+                    <a16:creationId xmlns:a16="http://schemas.microsoft.com/office/drawing/2014/main" id="{E85FBD99-6F5A-942E-1850-AD41B6A8B8C1}"/>
+                  </a:ext>
+                </a:extLst>
+              </p:cNvPr>
+              <p:cNvCxnSpPr>
+                <a:cxnSpLocks/>
+                <a:stCxn id="59" idx="2"/>
+                <a:endCxn id="61" idx="3"/>
+              </p:cNvCxnSpPr>
+              <p:nvPr/>
+            </p:nvCxnSpPr>
+            <p:spPr>
+              <a:xfrm flipH="1" flipV="1">
+                <a:off x="4401385" y="2839878"/>
+                <a:ext cx="634559" cy="106"/>
+              </a:xfrm>
+              <a:prstGeom prst="line">
+                <a:avLst/>
+              </a:prstGeom>
+              <a:ln w="12700">
+                <a:solidFill>
+                  <a:schemeClr val="bg1">
+                    <a:lumMod val="50000"/>
+                  </a:schemeClr>
+                </a:solidFill>
+              </a:ln>
+            </p:spPr>
+            <p:style>
+              <a:lnRef idx="2">
+                <a:schemeClr val="accent1"/>
+              </a:lnRef>
+              <a:fillRef idx="0">
+                <a:schemeClr val="accent1"/>
+              </a:fillRef>
+              <a:effectRef idx="1">
+                <a:schemeClr val="accent1"/>
+              </a:effectRef>
+              <a:fontRef idx="minor">
+                <a:schemeClr val="tx1"/>
+              </a:fontRef>
+            </p:style>
+          </p:cxnSp>
+        </p:grpSp>
+        <p:grpSp>
+          <p:nvGrpSpPr>
+            <p:cNvPr id="17" name="그룹 16">
+              <a:extLst>
+                <a:ext uri="{FF2B5EF4-FFF2-40B4-BE49-F238E27FC236}">
+                  <a16:creationId xmlns:a16="http://schemas.microsoft.com/office/drawing/2014/main" id="{194FCBE0-6600-2B28-757F-F0EA7B2468B0}"/>
+                </a:ext>
+              </a:extLst>
+            </p:cNvPr>
+            <p:cNvGrpSpPr/>
+            <p:nvPr/>
+          </p:nvGrpSpPr>
+          <p:grpSpPr>
+            <a:xfrm>
+              <a:off x="608532" y="2105758"/>
+              <a:ext cx="1962745" cy="262943"/>
+              <a:chOff x="608532" y="2105758"/>
+              <a:chExt cx="1962745" cy="262943"/>
+            </a:xfrm>
+          </p:grpSpPr>
           <p:sp>
             <p:nvSpPr>
-              <p:cNvPr id="21" name="TextBox 20">
+              <p:cNvPr id="56" name="TextBox 55">
                 <a:extLst>
                   <a:ext uri="{FF2B5EF4-FFF2-40B4-BE49-F238E27FC236}">
-                    <a16:creationId xmlns:a16="http://schemas.microsoft.com/office/drawing/2014/main" id="{A0E00BA2-9933-62D0-48A3-9ED70E11F9EC}"/>
+                    <a16:creationId xmlns:a16="http://schemas.microsoft.com/office/drawing/2014/main" id="{C42012B1-5B5B-643C-462E-6CE3280F418D}"/>
                   </a:ext>
                 </a:extLst>
               </p:cNvPr>
@@ -5159,8 +5212,8 @@
             </p:nvSpPr>
             <p:spPr>
               <a:xfrm>
-                <a:off x="572245" y="2006649"/>
-                <a:ext cx="3100209" cy="153888"/>
+                <a:off x="608532" y="2105758"/>
+                <a:ext cx="1014234" cy="262943"/>
               </a:xfrm>
               <a:prstGeom prst="rect">
                 <a:avLst/>
@@ -5168,293 +5221,125 @@
               <a:noFill/>
             </p:spPr>
             <p:txBody>
-              <a:bodyPr wrap="none" lIns="0" tIns="0" rIns="0" bIns="0" rtlCol="0" anchor="ctr">
+              <a:bodyPr wrap="none" lIns="72000" tIns="54000" rIns="72000" bIns="54000" rtlCol="0">
                 <a:spAutoFit/>
               </a:bodyPr>
               <a:lstStyle/>
               <a:p>
-                <a:pPr algn="ctr">
-                  <a:spcAft>
-                    <a:spcPts val="600"/>
-                  </a:spcAft>
-                </a:pPr>
                 <a:r>
-                  <a:rPr lang="ko-KR" altLang="en-US" sz="1000" dirty="0">
-                    <a:latin typeface="Pretendard" panose="02000503000000020004" pitchFamily="2" charset="-127"/>
-                    <a:ea typeface="Pretendard" panose="02000503000000020004" pitchFamily="2" charset="-127"/>
-                    <a:cs typeface="Pretendard" panose="02000503000000020004" pitchFamily="2" charset="-127"/>
+                  <a:rPr lang="en-US" altLang="ko-KR" sz="1000" dirty="0">
+                    <a:latin typeface="Pretendard SemiBold" panose="02000703000000020004" pitchFamily="2" charset="-127"/>
+                    <a:ea typeface="Pretendard SemiBold" panose="02000703000000020004" pitchFamily="2" charset="-127"/>
+                    <a:cs typeface="Pretendard SemiBold" panose="02000703000000020004" pitchFamily="2" charset="-127"/>
                   </a:rPr>
-                  <a:t>점성술사 컨셉으로</a:t>
+                  <a:t>#</a:t>
                 </a:r>
                 <a:r>
-                  <a:rPr lang="en-US" altLang="ko-KR" sz="1000" dirty="0">
-                    <a:latin typeface="Pretendard" panose="02000503000000020004" pitchFamily="2" charset="-127"/>
-                    <a:ea typeface="Pretendard" panose="02000503000000020004" pitchFamily="2" charset="-127"/>
-                    <a:cs typeface="Pretendard" panose="02000503000000020004" pitchFamily="2" charset="-127"/>
+                  <a:rPr lang="ko-KR" altLang="en-US" sz="1000" u="sng" dirty="0" err="1">
+                    <a:latin typeface="Pretendard SemiBold" panose="02000703000000020004" pitchFamily="2" charset="-127"/>
+                    <a:ea typeface="Pretendard SemiBold" panose="02000703000000020004" pitchFamily="2" charset="-127"/>
+                    <a:cs typeface="Pretendard SemiBold" panose="02000703000000020004" pitchFamily="2" charset="-127"/>
                   </a:rPr>
-                  <a:t> </a:t>
+                  <a:t>성반</a:t>
                 </a:r>
                 <a:r>
-                  <a:rPr lang="ko-KR" altLang="en-US" sz="1000" dirty="0">
-                    <a:latin typeface="Pretendard" panose="02000503000000020004" pitchFamily="2" charset="-127"/>
-                    <a:ea typeface="Pretendard" panose="02000503000000020004" pitchFamily="2" charset="-127"/>
-                    <a:cs typeface="Pretendard" panose="02000503000000020004" pitchFamily="2" charset="-127"/>
+                  <a:rPr lang="en-US" altLang="ko-KR" sz="1000" u="sng" dirty="0">
+                    <a:latin typeface="Pretendard SemiBold" panose="02000703000000020004" pitchFamily="2" charset="-127"/>
+                    <a:ea typeface="Pretendard SemiBold" panose="02000703000000020004" pitchFamily="2" charset="-127"/>
+                    <a:cs typeface="Pretendard SemiBold" panose="02000703000000020004" pitchFamily="2" charset="-127"/>
                   </a:rPr>
-                  <a:t>우주의 다양한 현상을 전장에 재구성합니다</a:t>
+                  <a:t>(</a:t>
                 </a:r>
                 <a:r>
+                  <a:rPr lang="ko-KR" altLang="en-US" sz="1000" u="sng" dirty="0">
+                    <a:latin typeface="Pretendard SemiBold" panose="02000703000000020004" pitchFamily="2" charset="-127"/>
+                    <a:ea typeface="Pretendard SemiBold" panose="02000703000000020004" pitchFamily="2" charset="-127"/>
+                    <a:cs typeface="Pretendard SemiBold" panose="02000703000000020004" pitchFamily="2" charset="-127"/>
+                  </a:rPr>
+                  <a:t>천문 도구</a:t>
+                </a:r>
+                <a:r>
+                  <a:rPr lang="en-US" altLang="ko-KR" sz="1000" u="sng" dirty="0">
+                    <a:latin typeface="Pretendard SemiBold" panose="02000703000000020004" pitchFamily="2" charset="-127"/>
+                    <a:ea typeface="Pretendard SemiBold" panose="02000703000000020004" pitchFamily="2" charset="-127"/>
+                    <a:cs typeface="Pretendard SemiBold" panose="02000703000000020004" pitchFamily="2" charset="-127"/>
+                  </a:rPr>
+                  <a:t>)</a:t>
+                </a:r>
+                <a:endParaRPr lang="en-US" altLang="ko-KR" sz="800" u="sng" dirty="0">
+                  <a:solidFill>
+                    <a:schemeClr val="tx1">
+                      <a:lumMod val="65000"/>
+                      <a:lumOff val="35000"/>
+                    </a:schemeClr>
+                  </a:solidFill>
+                  <a:latin typeface="Pretendard" panose="02000503000000020004" pitchFamily="2" charset="-127"/>
+                  <a:ea typeface="Pretendard" panose="02000503000000020004" pitchFamily="2" charset="-127"/>
+                  <a:cs typeface="Pretendard" panose="02000503000000020004" pitchFamily="2" charset="-127"/>
+                </a:endParaRPr>
+              </a:p>
+            </p:txBody>
+          </p:sp>
+          <p:sp>
+            <p:nvSpPr>
+              <p:cNvPr id="2" name="TextBox 1">
+                <a:extLst>
+                  <a:ext uri="{FF2B5EF4-FFF2-40B4-BE49-F238E27FC236}">
+                    <a16:creationId xmlns:a16="http://schemas.microsoft.com/office/drawing/2014/main" id="{37AF267D-1746-6C93-A200-7044BC7E17FA}"/>
+                  </a:ext>
+                </a:extLst>
+              </p:cNvPr>
+              <p:cNvSpPr txBox="1"/>
+              <p:nvPr/>
+            </p:nvSpPr>
+            <p:spPr>
+              <a:xfrm>
+                <a:off x="1622766" y="2105758"/>
+                <a:ext cx="948511" cy="262943"/>
+              </a:xfrm>
+              <a:prstGeom prst="rect">
+                <a:avLst/>
+              </a:prstGeom>
+              <a:noFill/>
+            </p:spPr>
+            <p:txBody>
+              <a:bodyPr wrap="none" lIns="72000" tIns="54000" rIns="72000" bIns="54000" rtlCol="0">
+                <a:spAutoFit/>
+              </a:bodyPr>
+              <a:lstStyle/>
+              <a:p>
+                <a:r>
                   <a:rPr lang="en-US" altLang="ko-KR" sz="1000" dirty="0">
-                    <a:latin typeface="Pretendard" panose="02000503000000020004" pitchFamily="2" charset="-127"/>
-                    <a:ea typeface="Pretendard" panose="02000503000000020004" pitchFamily="2" charset="-127"/>
-                    <a:cs typeface="Pretendard" panose="02000503000000020004" pitchFamily="2" charset="-127"/>
+                    <a:latin typeface="Pretendard SemiBold" panose="02000703000000020004" pitchFamily="2" charset="-127"/>
+                    <a:ea typeface="Pretendard SemiBold" panose="02000703000000020004" pitchFamily="2" charset="-127"/>
+                    <a:cs typeface="Pretendard SemiBold" panose="02000703000000020004" pitchFamily="2" charset="-127"/>
                   </a:rPr>
-                  <a:t>.</a:t>
+                  <a:t>#</a:t>
                 </a:r>
+                <a:r>
+                  <a:rPr lang="ko-KR" altLang="en-US" sz="1000" u="sng" dirty="0">
+                    <a:latin typeface="Pretendard SemiBold" panose="02000703000000020004" pitchFamily="2" charset="-127"/>
+                    <a:ea typeface="Pretendard SemiBold" panose="02000703000000020004" pitchFamily="2" charset="-127"/>
+                    <a:cs typeface="Pretendard SemiBold" panose="02000703000000020004" pitchFamily="2" charset="-127"/>
+                  </a:rPr>
+                  <a:t>스킬 시전 보조</a:t>
+                </a:r>
+                <a:endParaRPr lang="en-US" altLang="ko-KR" sz="1000" u="sng" dirty="0">
+                  <a:latin typeface="Pretendard SemiBold" panose="02000703000000020004" pitchFamily="2" charset="-127"/>
+                  <a:ea typeface="Pretendard SemiBold" panose="02000703000000020004" pitchFamily="2" charset="-127"/>
+                  <a:cs typeface="Pretendard SemiBold" panose="02000703000000020004" pitchFamily="2" charset="-127"/>
+                </a:endParaRPr>
               </a:p>
             </p:txBody>
           </p:sp>
         </p:grpSp>
-        <p:sp>
-          <p:nvSpPr>
-            <p:cNvPr id="18" name="타원 17">
-              <a:extLst>
-                <a:ext uri="{FF2B5EF4-FFF2-40B4-BE49-F238E27FC236}">
-                  <a16:creationId xmlns:a16="http://schemas.microsoft.com/office/drawing/2014/main" id="{B009ECD9-2C3C-4AD0-080E-1E4464D196E4}"/>
-                </a:ext>
-              </a:extLst>
-            </p:cNvPr>
-            <p:cNvSpPr/>
-            <p:nvPr/>
-          </p:nvSpPr>
-          <p:spPr>
-            <a:xfrm>
-              <a:off x="4980064" y="2785984"/>
-              <a:ext cx="108000" cy="108000"/>
-            </a:xfrm>
-            <a:prstGeom prst="ellipse">
-              <a:avLst/>
-            </a:prstGeom>
-            <a:solidFill>
-              <a:schemeClr val="accent4">
-                <a:lumMod val="20000"/>
-                <a:lumOff val="80000"/>
-              </a:schemeClr>
-            </a:solidFill>
-            <a:ln w="12700">
-              <a:solidFill>
-                <a:schemeClr val="accent4">
-                  <a:lumMod val="60000"/>
-                  <a:lumOff val="40000"/>
-                </a:schemeClr>
-              </a:solidFill>
-            </a:ln>
-            <a:effectLst>
-              <a:glow rad="50800">
-                <a:srgbClr val="FAFCBC"/>
-              </a:glow>
-            </a:effectLst>
-          </p:spPr>
-          <p:style>
-            <a:lnRef idx="2">
-              <a:schemeClr val="accent1">
-                <a:shade val="15000"/>
-              </a:schemeClr>
-            </a:lnRef>
-            <a:fillRef idx="1">
-              <a:schemeClr val="accent1"/>
-            </a:fillRef>
-            <a:effectRef idx="0">
-              <a:schemeClr val="accent1"/>
-            </a:effectRef>
-            <a:fontRef idx="minor">
-              <a:schemeClr val="lt1"/>
-            </a:fontRef>
-          </p:style>
-          <p:txBody>
-            <a:bodyPr rtlCol="0" anchor="ctr"/>
-            <a:lstStyle/>
-            <a:p>
-              <a:pPr algn="ctr"/>
-              <a:endParaRPr lang="ko-KR" altLang="en-US" dirty="0"/>
-            </a:p>
-          </p:txBody>
-        </p:sp>
-        <p:cxnSp>
-          <p:nvCxnSpPr>
-            <p:cNvPr id="19" name="직선 연결선 18">
-              <a:extLst>
-                <a:ext uri="{FF2B5EF4-FFF2-40B4-BE49-F238E27FC236}">
-                  <a16:creationId xmlns:a16="http://schemas.microsoft.com/office/drawing/2014/main" id="{E96D6873-47B5-EDCC-AE39-6A3D2E145D43}"/>
-                </a:ext>
-              </a:extLst>
-            </p:cNvPr>
-            <p:cNvCxnSpPr>
-              <a:cxnSpLocks/>
-              <a:stCxn id="18" idx="2"/>
-              <a:endCxn id="20" idx="3"/>
-            </p:cNvCxnSpPr>
-            <p:nvPr/>
-          </p:nvCxnSpPr>
-          <p:spPr>
-            <a:xfrm flipH="1">
-              <a:off x="4401385" y="2839984"/>
-              <a:ext cx="578679" cy="0"/>
-            </a:xfrm>
-            <a:prstGeom prst="line">
-              <a:avLst/>
-            </a:prstGeom>
-            <a:ln w="12700">
-              <a:solidFill>
-                <a:schemeClr val="accent4">
-                  <a:lumMod val="40000"/>
-                  <a:lumOff val="60000"/>
-                </a:schemeClr>
-              </a:solidFill>
-            </a:ln>
-          </p:spPr>
-          <p:style>
-            <a:lnRef idx="2">
-              <a:schemeClr val="accent1"/>
-            </a:lnRef>
-            <a:fillRef idx="0">
-              <a:schemeClr val="accent1"/>
-            </a:fillRef>
-            <a:effectRef idx="1">
-              <a:schemeClr val="accent1"/>
-            </a:effectRef>
-            <a:fontRef idx="minor">
-              <a:schemeClr val="tx1"/>
-            </a:fontRef>
-          </p:style>
-        </p:cxnSp>
       </p:grpSp>
-      <p:sp>
-        <p:nvSpPr>
-          <p:cNvPr id="22" name="TextBox 21">
+      <p:grpSp>
+        <p:nvGrpSpPr>
+          <p:cNvPr id="13" name="그룹 12">
             <a:extLst>
               <a:ext uri="{FF2B5EF4-FFF2-40B4-BE49-F238E27FC236}">
-                <a16:creationId xmlns:a16="http://schemas.microsoft.com/office/drawing/2014/main" id="{00FD08CC-B13B-4C3D-422B-8AB8CC68BD5C}"/>
-              </a:ext>
-            </a:extLst>
-          </p:cNvPr>
-          <p:cNvSpPr txBox="1"/>
-          <p:nvPr/>
-        </p:nvSpPr>
-        <p:spPr>
-          <a:xfrm>
-            <a:off x="-274991" y="5375399"/>
-            <a:ext cx="4667945" cy="646331"/>
-          </a:xfrm>
-          <a:prstGeom prst="rect">
-            <a:avLst/>
-          </a:prstGeom>
-          <a:noFill/>
-        </p:spPr>
-        <p:txBody>
-          <a:bodyPr wrap="none" lIns="0" tIns="0" rIns="0" bIns="0" rtlCol="0" anchor="ctr">
-            <a:spAutoFit/>
-          </a:bodyPr>
-          <a:lstStyle/>
-          <a:p>
-            <a:pPr algn="ctr">
-              <a:defRPr/>
-            </a:pPr>
-            <a:r>
-              <a:rPr lang="ko-KR" altLang="en-US" sz="1400" dirty="0">
-                <a:latin typeface="Pretendard" panose="02000503000000020004" pitchFamily="2" charset="-127"/>
-                <a:ea typeface="Pretendard" panose="02000503000000020004" pitchFamily="2" charset="-127"/>
-                <a:cs typeface="Pretendard" panose="02000503000000020004" pitchFamily="2" charset="-127"/>
-              </a:rPr>
-              <a:t>혼천의의 고리가 캐릭터를 보조하며 스킬의 </a:t>
-            </a:r>
-            <a:r>
-              <a:rPr lang="ko-KR" altLang="en-US" sz="1400" dirty="0" err="1">
-                <a:latin typeface="Pretendard" panose="02000503000000020004" pitchFamily="2" charset="-127"/>
-                <a:ea typeface="Pretendard" panose="02000503000000020004" pitchFamily="2" charset="-127"/>
-                <a:cs typeface="Pretendard" panose="02000503000000020004" pitchFamily="2" charset="-127"/>
-              </a:rPr>
-              <a:t>시전시간을</a:t>
-            </a:r>
-            <a:r>
-              <a:rPr lang="ko-KR" altLang="en-US" sz="1400" dirty="0">
-                <a:latin typeface="Pretendard" panose="02000503000000020004" pitchFamily="2" charset="-127"/>
-                <a:ea typeface="Pretendard" panose="02000503000000020004" pitchFamily="2" charset="-127"/>
-                <a:cs typeface="Pretendard" panose="02000503000000020004" pitchFamily="2" charset="-127"/>
-              </a:rPr>
-              <a:t> 줄여줍니다</a:t>
-            </a:r>
-            <a:r>
-              <a:rPr lang="en-US" altLang="ko-KR" sz="1400" dirty="0">
-                <a:latin typeface="Pretendard" panose="02000503000000020004" pitchFamily="2" charset="-127"/>
-                <a:ea typeface="Pretendard" panose="02000503000000020004" pitchFamily="2" charset="-127"/>
-                <a:cs typeface="Pretendard" panose="02000503000000020004" pitchFamily="2" charset="-127"/>
-              </a:rPr>
-              <a:t>.</a:t>
-            </a:r>
-          </a:p>
-          <a:p>
-            <a:pPr lvl="0" algn="ctr">
-              <a:defRPr/>
-            </a:pPr>
-            <a:r>
-              <a:rPr lang="ko-KR" altLang="en-US" sz="1400" dirty="0">
-                <a:latin typeface="Pretendard" panose="02000503000000020004" pitchFamily="2" charset="-127"/>
-                <a:ea typeface="Pretendard" panose="02000503000000020004" pitchFamily="2" charset="-127"/>
-                <a:cs typeface="Pretendard" panose="02000503000000020004" pitchFamily="2" charset="-127"/>
-              </a:rPr>
-              <a:t>적과의 거리를 유지하면서 공격적</a:t>
-            </a:r>
-            <a:r>
-              <a:rPr lang="en-US" altLang="ko-KR" sz="1400" dirty="0">
-                <a:latin typeface="Pretendard" panose="02000503000000020004" pitchFamily="2" charset="-127"/>
-                <a:ea typeface="Pretendard" panose="02000503000000020004" pitchFamily="2" charset="-127"/>
-                <a:cs typeface="Pretendard" panose="02000503000000020004" pitchFamily="2" charset="-127"/>
-              </a:rPr>
-              <a:t>/</a:t>
-            </a:r>
-            <a:r>
-              <a:rPr lang="ko-KR" altLang="en-US" sz="1400" dirty="0">
-                <a:latin typeface="Pretendard" panose="02000503000000020004" pitchFamily="2" charset="-127"/>
-                <a:ea typeface="Pretendard" panose="02000503000000020004" pitchFamily="2" charset="-127"/>
-                <a:cs typeface="Pretendard" panose="02000503000000020004" pitchFamily="2" charset="-127"/>
-              </a:rPr>
-              <a:t>능동적으로 전투를 이어갑니다</a:t>
-            </a:r>
-            <a:r>
-              <a:rPr lang="en-US" altLang="ko-KR" sz="1400" dirty="0">
-                <a:latin typeface="Pretendard" panose="02000503000000020004" pitchFamily="2" charset="-127"/>
-                <a:ea typeface="Pretendard" panose="02000503000000020004" pitchFamily="2" charset="-127"/>
-                <a:cs typeface="Pretendard" panose="02000503000000020004" pitchFamily="2" charset="-127"/>
-              </a:rPr>
-              <a:t>.</a:t>
-            </a:r>
-          </a:p>
-          <a:p>
-            <a:pPr lvl="0" algn="ctr">
-              <a:defRPr/>
-            </a:pPr>
-            <a:r>
-              <a:rPr lang="ko-KR" altLang="en-US" sz="1400" dirty="0">
-                <a:latin typeface="Pretendard" panose="02000503000000020004" pitchFamily="2" charset="-127"/>
-                <a:ea typeface="Pretendard" panose="02000503000000020004" pitchFamily="2" charset="-127"/>
-                <a:cs typeface="Pretendard" panose="02000503000000020004" pitchFamily="2" charset="-127"/>
-              </a:rPr>
-              <a:t>방어 능력이 낮으며 적과 일정한 거리 내로 유지해야 하지만 </a:t>
-            </a:r>
-            <a:endParaRPr lang="en-US" altLang="ko-KR" sz="1400" dirty="0">
-              <a:latin typeface="Pretendard" panose="02000503000000020004" pitchFamily="2" charset="-127"/>
-              <a:ea typeface="Pretendard" panose="02000503000000020004" pitchFamily="2" charset="-127"/>
-              <a:cs typeface="Pretendard" panose="02000503000000020004" pitchFamily="2" charset="-127"/>
-            </a:endParaRPr>
-          </a:p>
-        </p:txBody>
-      </p:sp>
-      <p:grpSp>
-        <p:nvGrpSpPr>
-          <p:cNvPr id="24" name="그룹 23">
-            <a:extLst>
-              <a:ext uri="{FF2B5EF4-FFF2-40B4-BE49-F238E27FC236}">
-                <a16:creationId xmlns:a16="http://schemas.microsoft.com/office/drawing/2014/main" id="{E41A008F-D0D2-08A2-C135-5AB8DCDBA123}"/>
+                <a16:creationId xmlns:a16="http://schemas.microsoft.com/office/drawing/2014/main" id="{4239EAB8-726B-4191-DCF7-45AF6838F3A5}"/>
               </a:ext>
             </a:extLst>
           </p:cNvPr>
@@ -5463,18 +5348,18 @@
         </p:nvGrpSpPr>
         <p:grpSpPr>
           <a:xfrm>
-            <a:off x="614301" y="4155300"/>
-            <a:ext cx="4917253" cy="662611"/>
-            <a:chOff x="915209" y="2508678"/>
-            <a:chExt cx="4917253" cy="662611"/>
+            <a:off x="608532" y="4156727"/>
+            <a:ext cx="4234504" cy="925554"/>
+            <a:chOff x="608532" y="3918497"/>
+            <a:chExt cx="4234504" cy="925554"/>
           </a:xfrm>
         </p:grpSpPr>
         <p:grpSp>
           <p:nvGrpSpPr>
-            <p:cNvPr id="25" name="그룹 24">
+            <p:cNvPr id="10" name="그룹 9">
               <a:extLst>
                 <a:ext uri="{FF2B5EF4-FFF2-40B4-BE49-F238E27FC236}">
-                  <a16:creationId xmlns:a16="http://schemas.microsoft.com/office/drawing/2014/main" id="{0F52EFA9-7BC6-49CA-9841-12966EEAAF22}"/>
+                  <a16:creationId xmlns:a16="http://schemas.microsoft.com/office/drawing/2014/main" id="{48281249-86C2-0BC7-793C-588D769BC1AB}"/>
                 </a:ext>
               </a:extLst>
             </p:cNvPr>
@@ -5483,18 +5368,246 @@
           </p:nvGrpSpPr>
           <p:grpSpPr>
             <a:xfrm>
-              <a:off x="915209" y="2508678"/>
-              <a:ext cx="3486176" cy="662611"/>
-              <a:chOff x="379243" y="1752288"/>
-              <a:chExt cx="3486176" cy="662611"/>
+              <a:off x="614301" y="4181440"/>
+              <a:ext cx="4228735" cy="662611"/>
+              <a:chOff x="614301" y="5586046"/>
+              <a:chExt cx="4228735" cy="662611"/>
             </a:xfrm>
           </p:grpSpPr>
+          <p:grpSp>
+            <p:nvGrpSpPr>
+              <p:cNvPr id="66" name="그룹 65">
+                <a:extLst>
+                  <a:ext uri="{FF2B5EF4-FFF2-40B4-BE49-F238E27FC236}">
+                    <a16:creationId xmlns:a16="http://schemas.microsoft.com/office/drawing/2014/main" id="{3974201D-E7A9-9FCF-35B7-92254CA3C861}"/>
+                  </a:ext>
+                </a:extLst>
+              </p:cNvPr>
+              <p:cNvGrpSpPr/>
+              <p:nvPr/>
+            </p:nvGrpSpPr>
+            <p:grpSpPr>
+              <a:xfrm>
+                <a:off x="614301" y="5586046"/>
+                <a:ext cx="3486176" cy="662611"/>
+                <a:chOff x="379243" y="1752288"/>
+                <a:chExt cx="3486176" cy="662611"/>
+              </a:xfrm>
+            </p:grpSpPr>
+            <p:sp>
+              <p:nvSpPr>
+                <p:cNvPr id="69" name="직사각형 68">
+                  <a:extLst>
+                    <a:ext uri="{FF2B5EF4-FFF2-40B4-BE49-F238E27FC236}">
+                      <a16:creationId xmlns:a16="http://schemas.microsoft.com/office/drawing/2014/main" id="{6D3076FD-0812-DF4D-1567-93609D5A3BD3}"/>
+                    </a:ext>
+                  </a:extLst>
+                </p:cNvPr>
+                <p:cNvSpPr/>
+                <p:nvPr/>
+              </p:nvSpPr>
+              <p:spPr>
+                <a:xfrm>
+                  <a:off x="379243" y="1752288"/>
+                  <a:ext cx="3486176" cy="662611"/>
+                </a:xfrm>
+                <a:prstGeom prst="rect">
+                  <a:avLst/>
+                </a:prstGeom>
+                <a:solidFill>
+                  <a:schemeClr val="bg1">
+                    <a:lumMod val="95000"/>
+                  </a:schemeClr>
+                </a:solidFill>
+                <a:ln w="12700">
+                  <a:solidFill>
+                    <a:schemeClr val="bg1">
+                      <a:lumMod val="50000"/>
+                    </a:schemeClr>
+                  </a:solidFill>
+                </a:ln>
+              </p:spPr>
+              <p:style>
+                <a:lnRef idx="2">
+                  <a:schemeClr val="accent1">
+                    <a:shade val="15000"/>
+                  </a:schemeClr>
+                </a:lnRef>
+                <a:fillRef idx="1">
+                  <a:schemeClr val="accent1"/>
+                </a:fillRef>
+                <a:effectRef idx="0">
+                  <a:schemeClr val="accent1"/>
+                </a:effectRef>
+                <a:fontRef idx="minor">
+                  <a:schemeClr val="lt1"/>
+                </a:fontRef>
+              </p:style>
+              <p:txBody>
+                <a:bodyPr rtlCol="0" anchor="ctr"/>
+                <a:lstStyle/>
+                <a:p>
+                  <a:pPr algn="ctr"/>
+                  <a:endParaRPr lang="ko-KR" altLang="en-US" dirty="0"/>
+                </a:p>
+              </p:txBody>
+            </p:sp>
+            <p:sp>
+              <p:nvSpPr>
+                <p:cNvPr id="70" name="TextBox 69">
+                  <a:extLst>
+                    <a:ext uri="{FF2B5EF4-FFF2-40B4-BE49-F238E27FC236}">
+                      <a16:creationId xmlns:a16="http://schemas.microsoft.com/office/drawing/2014/main" id="{F47710B3-1B6D-8D5A-8302-5F1184F10677}"/>
+                    </a:ext>
+                  </a:extLst>
+                </p:cNvPr>
+                <p:cNvSpPr txBox="1"/>
+                <p:nvPr/>
+              </p:nvSpPr>
+              <p:spPr>
+                <a:xfrm>
+                  <a:off x="379243" y="1838469"/>
+                  <a:ext cx="3486176" cy="490249"/>
+                </a:xfrm>
+                <a:prstGeom prst="rect">
+                  <a:avLst/>
+                </a:prstGeom>
+                <a:noFill/>
+              </p:spPr>
+              <p:txBody>
+                <a:bodyPr wrap="square" lIns="108000" tIns="54000" rIns="108000" bIns="54000" rtlCol="0" anchor="ctr">
+                  <a:spAutoFit/>
+                </a:bodyPr>
+                <a:lstStyle/>
+                <a:p>
+                  <a:pPr algn="ctr">
+                    <a:lnSpc>
+                      <a:spcPct val="130000"/>
+                    </a:lnSpc>
+                  </a:pPr>
+                  <a:r>
+                    <a:rPr lang="ko-KR" altLang="en-US" sz="1000" dirty="0">
+                      <a:latin typeface="Pretendard" panose="02000503000000020004" pitchFamily="2" charset="-127"/>
+                      <a:ea typeface="Pretendard" panose="02000503000000020004" pitchFamily="2" charset="-127"/>
+                      <a:cs typeface="Pretendard" panose="02000503000000020004" pitchFamily="2" charset="-127"/>
+                    </a:rPr>
+                    <a:t>우주의 다양한 </a:t>
+                  </a:r>
+                  <a:r>
+                    <a:rPr lang="ko-KR" altLang="en-US" sz="1000" dirty="0">
+                      <a:latin typeface="Pretendard SemiBold" panose="02000703000000020004" pitchFamily="2" charset="-127"/>
+                      <a:ea typeface="Pretendard SemiBold" panose="02000703000000020004" pitchFamily="2" charset="-127"/>
+                      <a:cs typeface="Pretendard SemiBold" panose="02000703000000020004" pitchFamily="2" charset="-127"/>
+                    </a:rPr>
+                    <a:t>천문 현상을 파악</a:t>
+                  </a:r>
+                  <a:r>
+                    <a:rPr lang="ko-KR" altLang="en-US" sz="1000" dirty="0">
+                      <a:latin typeface="Pretendard" panose="02000503000000020004" pitchFamily="2" charset="-127"/>
+                      <a:ea typeface="Pretendard" panose="02000503000000020004" pitchFamily="2" charset="-127"/>
+                      <a:cs typeface="Pretendard" panose="02000503000000020004" pitchFamily="2" charset="-127"/>
+                    </a:rPr>
+                    <a:t>한 후</a:t>
+                  </a:r>
+                  <a:r>
+                    <a:rPr lang="en-US" altLang="ko-KR" sz="1000" dirty="0">
+                      <a:latin typeface="Pretendard" panose="02000503000000020004" pitchFamily="2" charset="-127"/>
+                      <a:ea typeface="Pretendard" panose="02000503000000020004" pitchFamily="2" charset="-127"/>
+                      <a:cs typeface="Pretendard" panose="02000503000000020004" pitchFamily="2" charset="-127"/>
+                    </a:rPr>
+                    <a:t> </a:t>
+                  </a:r>
+                  <a:r>
+                    <a:rPr lang="ko-KR" altLang="en-US" sz="1000" dirty="0">
+                      <a:latin typeface="Pretendard" panose="02000503000000020004" pitchFamily="2" charset="-127"/>
+                      <a:ea typeface="Pretendard" panose="02000503000000020004" pitchFamily="2" charset="-127"/>
+                      <a:cs typeface="Pretendard" panose="02000503000000020004" pitchFamily="2" charset="-127"/>
+                    </a:rPr>
+                    <a:t>전장에 </a:t>
+                  </a:r>
+                  <a:r>
+                    <a:rPr lang="ko-KR" altLang="en-US" sz="1000" dirty="0">
+                      <a:latin typeface="Pretendard SemiBold" panose="02000703000000020004" pitchFamily="2" charset="-127"/>
+                      <a:ea typeface="Pretendard SemiBold" panose="02000703000000020004" pitchFamily="2" charset="-127"/>
+                      <a:cs typeface="Pretendard SemiBold" panose="02000703000000020004" pitchFamily="2" charset="-127"/>
+                    </a:rPr>
+                    <a:t>재구성</a:t>
+                  </a:r>
+                  <a:r>
+                    <a:rPr lang="ko-KR" altLang="en-US" sz="1000" dirty="0">
+                      <a:latin typeface="Pretendard" panose="02000503000000020004" pitchFamily="2" charset="-127"/>
+                      <a:ea typeface="Pretendard" panose="02000503000000020004" pitchFamily="2" charset="-127"/>
+                      <a:cs typeface="Pretendard" panose="02000503000000020004" pitchFamily="2" charset="-127"/>
+                    </a:rPr>
+                    <a:t>하는</a:t>
+                  </a:r>
+                  <a:endParaRPr lang="en-US" altLang="ko-KR" sz="1000" dirty="0">
+                    <a:latin typeface="Pretendard" panose="02000503000000020004" pitchFamily="2" charset="-127"/>
+                    <a:ea typeface="Pretendard" panose="02000503000000020004" pitchFamily="2" charset="-127"/>
+                    <a:cs typeface="Pretendard" panose="02000503000000020004" pitchFamily="2" charset="-127"/>
+                  </a:endParaRPr>
+                </a:p>
+                <a:p>
+                  <a:pPr algn="ctr">
+                    <a:lnSpc>
+                      <a:spcPct val="130000"/>
+                    </a:lnSpc>
+                  </a:pPr>
+                  <a:r>
+                    <a:rPr lang="ko-KR" altLang="en-US" sz="1000" dirty="0">
+                      <a:latin typeface="Pretendard SemiBold" panose="02000703000000020004" pitchFamily="2" charset="-127"/>
+                      <a:ea typeface="Pretendard SemiBold" panose="02000703000000020004" pitchFamily="2" charset="-127"/>
+                      <a:cs typeface="Pretendard SemiBold" panose="02000703000000020004" pitchFamily="2" charset="-127"/>
+                    </a:rPr>
+                    <a:t>점성술사</a:t>
+                  </a:r>
+                  <a:r>
+                    <a:rPr lang="en-US" altLang="ko-KR" sz="1000" dirty="0">
+                      <a:latin typeface="Pretendard" panose="02000503000000020004" pitchFamily="2" charset="-127"/>
+                      <a:ea typeface="Pretendard" panose="02000503000000020004" pitchFamily="2" charset="-127"/>
+                      <a:cs typeface="Pretendard" panose="02000503000000020004" pitchFamily="2" charset="-127"/>
+                    </a:rPr>
+                    <a:t> /</a:t>
+                  </a:r>
+                  <a:r>
+                    <a:rPr lang="en-US" altLang="ko-KR" sz="1000" dirty="0">
+                      <a:latin typeface="Pretendard SemiBold" panose="02000703000000020004" pitchFamily="2" charset="-127"/>
+                      <a:ea typeface="Pretendard SemiBold" panose="02000703000000020004" pitchFamily="2" charset="-127"/>
+                      <a:cs typeface="Pretendard SemiBold" panose="02000703000000020004" pitchFamily="2" charset="-127"/>
+                    </a:rPr>
+                    <a:t> </a:t>
+                  </a:r>
+                  <a:r>
+                    <a:rPr lang="ko-KR" altLang="en-US" sz="1000" dirty="0">
+                      <a:latin typeface="Pretendard SemiBold" panose="02000703000000020004" pitchFamily="2" charset="-127"/>
+                      <a:ea typeface="Pretendard SemiBold" panose="02000703000000020004" pitchFamily="2" charset="-127"/>
+                      <a:cs typeface="Pretendard SemiBold" panose="02000703000000020004" pitchFamily="2" charset="-127"/>
+                    </a:rPr>
+                    <a:t>천문학자</a:t>
+                  </a:r>
+                  <a:r>
+                    <a:rPr lang="ko-KR" altLang="en-US" sz="1000" dirty="0">
+                      <a:latin typeface="Pretendard" panose="02000503000000020004" pitchFamily="2" charset="-127"/>
+                      <a:ea typeface="Pretendard" panose="02000503000000020004" pitchFamily="2" charset="-127"/>
+                      <a:cs typeface="Pretendard" panose="02000503000000020004" pitchFamily="2" charset="-127"/>
+                    </a:rPr>
+                    <a:t> 컨셉의 클래스</a:t>
+                  </a:r>
+                  <a:endParaRPr lang="en-US" altLang="ko-KR" sz="1000" dirty="0">
+                    <a:latin typeface="Pretendard" panose="02000503000000020004" pitchFamily="2" charset="-127"/>
+                    <a:ea typeface="Pretendard" panose="02000503000000020004" pitchFamily="2" charset="-127"/>
+                    <a:cs typeface="Pretendard" panose="02000503000000020004" pitchFamily="2" charset="-127"/>
+                  </a:endParaRPr>
+                </a:p>
+              </p:txBody>
+            </p:sp>
+          </p:grpSp>
           <p:sp>
             <p:nvSpPr>
-              <p:cNvPr id="28" name="직사각형 27">
+              <p:cNvPr id="67" name="타원 66">
                 <a:extLst>
                   <a:ext uri="{FF2B5EF4-FFF2-40B4-BE49-F238E27FC236}">
-                    <a16:creationId xmlns:a16="http://schemas.microsoft.com/office/drawing/2014/main" id="{1E7D37E0-7D8B-BA3F-88A1-0997DA972578}"/>
+                    <a16:creationId xmlns:a16="http://schemas.microsoft.com/office/drawing/2014/main" id="{3BD0CE1F-D06C-F612-CE08-D39B4492E3D5}"/>
                   </a:ext>
                 </a:extLst>
               </p:cNvPr>
@@ -5503,23 +5616,31 @@
             </p:nvSpPr>
             <p:spPr>
               <a:xfrm>
-                <a:off x="379243" y="1752288"/>
-                <a:ext cx="3486176" cy="662611"/>
+                <a:off x="4735036" y="5863352"/>
+                <a:ext cx="108000" cy="108000"/>
               </a:xfrm>
-              <a:prstGeom prst="rect">
+              <a:prstGeom prst="ellipse">
                 <a:avLst/>
               </a:prstGeom>
               <a:solidFill>
-                <a:srgbClr val="EEFAFE"/>
+                <a:schemeClr val="bg1">
+                  <a:lumMod val="95000"/>
+                </a:schemeClr>
               </a:solidFill>
               <a:ln w="12700">
                 <a:solidFill>
-                  <a:schemeClr val="accent4">
-                    <a:lumMod val="40000"/>
-                    <a:lumOff val="60000"/>
+                  <a:schemeClr val="bg1">
+                    <a:lumMod val="50000"/>
                   </a:schemeClr>
                 </a:solidFill>
               </a:ln>
+              <a:effectLst>
+                <a:glow rad="38100">
+                  <a:schemeClr val="bg1">
+                    <a:alpha val="61000"/>
+                  </a:schemeClr>
+                </a:glow>
+              </a:effectLst>
             </p:spPr>
             <p:style>
               <a:lnRef idx="2">
@@ -5546,12 +5667,80 @@
               </a:p>
             </p:txBody>
           </p:sp>
+          <p:cxnSp>
+            <p:nvCxnSpPr>
+              <p:cNvPr id="68" name="직선 연결선 67">
+                <a:extLst>
+                  <a:ext uri="{FF2B5EF4-FFF2-40B4-BE49-F238E27FC236}">
+                    <a16:creationId xmlns:a16="http://schemas.microsoft.com/office/drawing/2014/main" id="{7070EB18-890D-840E-AF12-A16B3849023B}"/>
+                  </a:ext>
+                </a:extLst>
+              </p:cNvPr>
+              <p:cNvCxnSpPr>
+                <a:cxnSpLocks/>
+                <a:stCxn id="67" idx="2"/>
+                <a:endCxn id="69" idx="3"/>
+              </p:cNvCxnSpPr>
+              <p:nvPr/>
+            </p:nvCxnSpPr>
+            <p:spPr>
+              <a:xfrm flipH="1">
+                <a:off x="4100477" y="5917352"/>
+                <a:ext cx="634559" cy="0"/>
+              </a:xfrm>
+              <a:prstGeom prst="line">
+                <a:avLst/>
+              </a:prstGeom>
+              <a:ln w="12700">
+                <a:solidFill>
+                  <a:schemeClr val="bg1">
+                    <a:lumMod val="50000"/>
+                  </a:schemeClr>
+                </a:solidFill>
+              </a:ln>
+            </p:spPr>
+            <p:style>
+              <a:lnRef idx="2">
+                <a:schemeClr val="accent1"/>
+              </a:lnRef>
+              <a:fillRef idx="0">
+                <a:schemeClr val="accent1"/>
+              </a:fillRef>
+              <a:effectRef idx="1">
+                <a:schemeClr val="accent1"/>
+              </a:effectRef>
+              <a:fontRef idx="minor">
+                <a:schemeClr val="tx1"/>
+              </a:fontRef>
+            </p:style>
+          </p:cxnSp>
+        </p:grpSp>
+        <p:grpSp>
+          <p:nvGrpSpPr>
+            <p:cNvPr id="7" name="그룹 6">
+              <a:extLst>
+                <a:ext uri="{FF2B5EF4-FFF2-40B4-BE49-F238E27FC236}">
+                  <a16:creationId xmlns:a16="http://schemas.microsoft.com/office/drawing/2014/main" id="{89D39798-B6B4-C3A6-9EA3-762768846253}"/>
+                </a:ext>
+              </a:extLst>
+            </p:cNvPr>
+            <p:cNvGrpSpPr/>
+            <p:nvPr/>
+          </p:nvGrpSpPr>
+          <p:grpSpPr>
+            <a:xfrm>
+              <a:off x="608532" y="3918497"/>
+              <a:ext cx="1332766" cy="262943"/>
+              <a:chOff x="608532" y="5323103"/>
+              <a:chExt cx="1332766" cy="262943"/>
+            </a:xfrm>
+          </p:grpSpPr>
           <p:sp>
             <p:nvSpPr>
-              <p:cNvPr id="29" name="TextBox 28">
+              <p:cNvPr id="71" name="TextBox 70">
                 <a:extLst>
                   <a:ext uri="{FF2B5EF4-FFF2-40B4-BE49-F238E27FC236}">
-                    <a16:creationId xmlns:a16="http://schemas.microsoft.com/office/drawing/2014/main" id="{F79B2585-B772-D600-ABE6-CCE48EB4CD31}"/>
+                    <a16:creationId xmlns:a16="http://schemas.microsoft.com/office/drawing/2014/main" id="{20907C39-8584-A9D8-98CD-4089D5096C2F}"/>
                   </a:ext>
                 </a:extLst>
               </p:cNvPr>
@@ -5560,8 +5749,8 @@
             </p:nvSpPr>
             <p:spPr>
               <a:xfrm>
-                <a:off x="700480" y="1891233"/>
-                <a:ext cx="2843728" cy="384721"/>
+                <a:off x="608532" y="5323103"/>
+                <a:ext cx="666383" cy="262943"/>
               </a:xfrm>
               <a:prstGeom prst="rect">
                 <a:avLst/>
@@ -5569,101 +5758,92 @@
               <a:noFill/>
             </p:spPr>
             <p:txBody>
-              <a:bodyPr wrap="none" lIns="0" tIns="0" rIns="0" bIns="0" rtlCol="0" anchor="ctr">
+              <a:bodyPr wrap="none" lIns="72000" tIns="54000" rIns="72000" bIns="54000" rtlCol="0">
                 <a:spAutoFit/>
               </a:bodyPr>
               <a:lstStyle/>
               <a:p>
-                <a:pPr algn="ctr">
-                  <a:spcAft>
-                    <a:spcPts val="600"/>
-                  </a:spcAft>
-                </a:pPr>
-                <a:r>
-                  <a:rPr lang="ko-KR" altLang="en-US" sz="1000" dirty="0">
-                    <a:latin typeface="Pretendard" panose="02000503000000020004" pitchFamily="2" charset="-127"/>
-                    <a:ea typeface="Pretendard" panose="02000503000000020004" pitchFamily="2" charset="-127"/>
-                    <a:cs typeface="Pretendard" panose="02000503000000020004" pitchFamily="2" charset="-127"/>
-                  </a:rPr>
-                  <a:t>동양풍 선비</a:t>
-                </a:r>
                 <a:r>
                   <a:rPr lang="en-US" altLang="ko-KR" sz="1000" dirty="0">
-                    <a:latin typeface="Pretendard" panose="02000503000000020004" pitchFamily="2" charset="-127"/>
-                    <a:ea typeface="Pretendard" panose="02000503000000020004" pitchFamily="2" charset="-127"/>
-                    <a:cs typeface="Pretendard" panose="02000503000000020004" pitchFamily="2" charset="-127"/>
-                  </a:rPr>
-                  <a:t>/</a:t>
-                </a:r>
-                <a:r>
-                  <a:rPr lang="ko-KR" altLang="en-US" sz="1000" dirty="0">
-                    <a:latin typeface="Pretendard" panose="02000503000000020004" pitchFamily="2" charset="-127"/>
-                    <a:ea typeface="Pretendard" panose="02000503000000020004" pitchFamily="2" charset="-127"/>
-                    <a:cs typeface="Pretendard" panose="02000503000000020004" pitchFamily="2" charset="-127"/>
-                  </a:rPr>
-                  <a:t>한량 컨셉의 </a:t>
-                </a:r>
-                <a:r>
-                  <a:rPr lang="ko-KR" altLang="en-US" sz="1000" dirty="0">
                     <a:latin typeface="Pretendard SemiBold" panose="02000703000000020004" pitchFamily="2" charset="-127"/>
                     <a:ea typeface="Pretendard SemiBold" panose="02000703000000020004" pitchFamily="2" charset="-127"/>
                     <a:cs typeface="Pretendard SemiBold" panose="02000703000000020004" pitchFamily="2" charset="-127"/>
                   </a:rPr>
-                  <a:t>여유롭고 절제된 동작</a:t>
+                  <a:t>#</a:t>
                 </a:r>
                 <a:r>
-                  <a:rPr lang="ko-KR" altLang="en-US" sz="1000" dirty="0">
-                    <a:latin typeface="Pretendard" panose="02000503000000020004" pitchFamily="2" charset="-127"/>
-                    <a:ea typeface="Pretendard" panose="02000503000000020004" pitchFamily="2" charset="-127"/>
-                    <a:cs typeface="Pretendard" panose="02000503000000020004" pitchFamily="2" charset="-127"/>
+                  <a:rPr lang="ko-KR" altLang="en-US" sz="1000" u="sng" dirty="0">
+                    <a:latin typeface="Pretendard SemiBold" panose="02000703000000020004" pitchFamily="2" charset="-127"/>
+                    <a:ea typeface="Pretendard SemiBold" panose="02000703000000020004" pitchFamily="2" charset="-127"/>
+                    <a:cs typeface="Pretendard SemiBold" panose="02000703000000020004" pitchFamily="2" charset="-127"/>
                   </a:rPr>
-                  <a:t>과 </a:t>
+                  <a:t>점성술사</a:t>
                 </a:r>
-                <a:endParaRPr lang="en-US" altLang="ko-KR" sz="1000" dirty="0">
+                <a:endParaRPr lang="en-US" altLang="ko-KR" sz="800" dirty="0">
+                  <a:solidFill>
+                    <a:schemeClr val="tx1">
+                      <a:lumMod val="65000"/>
+                      <a:lumOff val="35000"/>
+                    </a:schemeClr>
+                  </a:solidFill>
                   <a:latin typeface="Pretendard" panose="02000503000000020004" pitchFamily="2" charset="-127"/>
                   <a:ea typeface="Pretendard" panose="02000503000000020004" pitchFamily="2" charset="-127"/>
                   <a:cs typeface="Pretendard" panose="02000503000000020004" pitchFamily="2" charset="-127"/>
                 </a:endParaRPr>
               </a:p>
+            </p:txBody>
+          </p:sp>
+          <p:sp>
+            <p:nvSpPr>
+              <p:cNvPr id="3" name="TextBox 2">
+                <a:extLst>
+                  <a:ext uri="{FF2B5EF4-FFF2-40B4-BE49-F238E27FC236}">
+                    <a16:creationId xmlns:a16="http://schemas.microsoft.com/office/drawing/2014/main" id="{8E2EB3D1-BF89-EEA0-C123-C6E8B59A1AF2}"/>
+                  </a:ext>
+                </a:extLst>
+              </p:cNvPr>
+              <p:cNvSpPr txBox="1"/>
+              <p:nvPr/>
+            </p:nvSpPr>
+            <p:spPr>
+              <a:xfrm>
+                <a:off x="1274915" y="5323103"/>
+                <a:ext cx="666383" cy="262943"/>
+              </a:xfrm>
+              <a:prstGeom prst="rect">
+                <a:avLst/>
+              </a:prstGeom>
+              <a:noFill/>
+            </p:spPr>
+            <p:txBody>
+              <a:bodyPr wrap="none" lIns="72000" tIns="54000" rIns="72000" bIns="54000" rtlCol="0">
+                <a:spAutoFit/>
+              </a:bodyPr>
+              <a:lstStyle/>
               <a:p>
-                <a:pPr algn="ctr">
-                  <a:spcAft>
-                    <a:spcPts val="600"/>
-                  </a:spcAft>
-                </a:pPr>
-                <a:r>
-                  <a:rPr lang="ko-KR" altLang="en-US" sz="1000" dirty="0">
-                    <a:latin typeface="Pretendard" panose="02000503000000020004" pitchFamily="2" charset="-127"/>
-                    <a:ea typeface="Pretendard" panose="02000503000000020004" pitchFamily="2" charset="-127"/>
-                    <a:cs typeface="Pretendard" panose="02000503000000020004" pitchFamily="2" charset="-127"/>
-                  </a:rPr>
-                  <a:t>이에 대비되는</a:t>
-                </a:r>
                 <a:r>
                   <a:rPr lang="en-US" altLang="ko-KR" sz="1000" dirty="0">
-                    <a:latin typeface="Pretendard" panose="02000503000000020004" pitchFamily="2" charset="-127"/>
-                    <a:ea typeface="Pretendard" panose="02000503000000020004" pitchFamily="2" charset="-127"/>
-                    <a:cs typeface="Pretendard" panose="02000503000000020004" pitchFamily="2" charset="-127"/>
-                  </a:rPr>
-                  <a:t> </a:t>
-                </a:r>
-                <a:r>
-                  <a:rPr lang="ko-KR" altLang="en-US" sz="1000" dirty="0">
                     <a:latin typeface="Pretendard SemiBold" panose="02000703000000020004" pitchFamily="2" charset="-127"/>
                     <a:ea typeface="Pretendard SemiBold" panose="02000703000000020004" pitchFamily="2" charset="-127"/>
                     <a:cs typeface="Pretendard SemiBold" panose="02000703000000020004" pitchFamily="2" charset="-127"/>
                   </a:rPr>
-                  <a:t>강렬하고 파괴적인 전투</a:t>
+                  <a:t>#</a:t>
                 </a:r>
                 <a:r>
-                  <a:rPr lang="ko-KR" altLang="en-US" sz="1000" dirty="0">
-                    <a:latin typeface="Pretendard" panose="02000503000000020004" pitchFamily="2" charset="-127"/>
-                    <a:ea typeface="Pretendard" panose="02000503000000020004" pitchFamily="2" charset="-127"/>
-                    <a:cs typeface="Pretendard" panose="02000503000000020004" pitchFamily="2" charset="-127"/>
+                  <a:rPr lang="ko-KR" altLang="en-US" sz="1000" u="sng" dirty="0">
+                    <a:latin typeface="Pretendard SemiBold" panose="02000703000000020004" pitchFamily="2" charset="-127"/>
+                    <a:ea typeface="Pretendard SemiBold" panose="02000703000000020004" pitchFamily="2" charset="-127"/>
+                    <a:cs typeface="Pretendard SemiBold" panose="02000703000000020004" pitchFamily="2" charset="-127"/>
                   </a:rPr>
-                  <a:t>를 보여주는 캐릭터</a:t>
+                  <a:t>천문학자</a:t>
                 </a:r>
-                <a:endParaRPr lang="en-US" altLang="ko-KR" sz="1000" dirty="0">
+                <a:endParaRPr lang="en-US" altLang="ko-KR" sz="800" u="sng" dirty="0">
+                  <a:solidFill>
+                    <a:schemeClr val="tx1">
+                      <a:lumMod val="65000"/>
+                      <a:lumOff val="35000"/>
+                    </a:schemeClr>
+                  </a:solidFill>
                   <a:latin typeface="Pretendard" panose="02000503000000020004" pitchFamily="2" charset="-127"/>
                   <a:ea typeface="Pretendard" panose="02000503000000020004" pitchFamily="2" charset="-127"/>
                   <a:cs typeface="Pretendard" panose="02000503000000020004" pitchFamily="2" charset="-127"/>
@@ -5672,126 +5852,13 @@
             </p:txBody>
           </p:sp>
         </p:grpSp>
-        <p:sp>
-          <p:nvSpPr>
-            <p:cNvPr id="26" name="타원 25">
-              <a:extLst>
-                <a:ext uri="{FF2B5EF4-FFF2-40B4-BE49-F238E27FC236}">
-                  <a16:creationId xmlns:a16="http://schemas.microsoft.com/office/drawing/2014/main" id="{FDBF6254-9699-BB26-E28F-6C8897E37125}"/>
-                </a:ext>
-              </a:extLst>
-            </p:cNvPr>
-            <p:cNvSpPr/>
-            <p:nvPr/>
-          </p:nvSpPr>
-          <p:spPr>
-            <a:xfrm>
-              <a:off x="5724462" y="2785984"/>
-              <a:ext cx="108000" cy="108000"/>
-            </a:xfrm>
-            <a:prstGeom prst="ellipse">
-              <a:avLst/>
-            </a:prstGeom>
-            <a:solidFill>
-              <a:schemeClr val="accent4">
-                <a:lumMod val="20000"/>
-                <a:lumOff val="80000"/>
-              </a:schemeClr>
-            </a:solidFill>
-            <a:ln w="12700">
-              <a:solidFill>
-                <a:schemeClr val="accent4">
-                  <a:lumMod val="60000"/>
-                  <a:lumOff val="40000"/>
-                </a:schemeClr>
-              </a:solidFill>
-            </a:ln>
-            <a:effectLst>
-              <a:glow rad="50800">
-                <a:srgbClr val="FAFCBC"/>
-              </a:glow>
-            </a:effectLst>
-          </p:spPr>
-          <p:style>
-            <a:lnRef idx="2">
-              <a:schemeClr val="accent1">
-                <a:shade val="15000"/>
-              </a:schemeClr>
-            </a:lnRef>
-            <a:fillRef idx="1">
-              <a:schemeClr val="accent1"/>
-            </a:fillRef>
-            <a:effectRef idx="0">
-              <a:schemeClr val="accent1"/>
-            </a:effectRef>
-            <a:fontRef idx="minor">
-              <a:schemeClr val="lt1"/>
-            </a:fontRef>
-          </p:style>
-          <p:txBody>
-            <a:bodyPr rtlCol="0" anchor="ctr"/>
-            <a:lstStyle/>
-            <a:p>
-              <a:pPr algn="ctr"/>
-              <a:endParaRPr lang="ko-KR" altLang="en-US" dirty="0"/>
-            </a:p>
-          </p:txBody>
-        </p:sp>
-        <p:cxnSp>
-          <p:nvCxnSpPr>
-            <p:cNvPr id="27" name="직선 연결선 26">
-              <a:extLst>
-                <a:ext uri="{FF2B5EF4-FFF2-40B4-BE49-F238E27FC236}">
-                  <a16:creationId xmlns:a16="http://schemas.microsoft.com/office/drawing/2014/main" id="{A8C29057-7A1D-A4E4-2CF9-3400DECC3BF5}"/>
-                </a:ext>
-              </a:extLst>
-            </p:cNvPr>
-            <p:cNvCxnSpPr>
-              <a:cxnSpLocks/>
-              <a:stCxn id="26" idx="2"/>
-              <a:endCxn id="28" idx="3"/>
-            </p:cNvCxnSpPr>
-            <p:nvPr/>
-          </p:nvCxnSpPr>
-          <p:spPr>
-            <a:xfrm flipH="1">
-              <a:off x="4401385" y="2839984"/>
-              <a:ext cx="1323077" cy="0"/>
-            </a:xfrm>
-            <a:prstGeom prst="line">
-              <a:avLst/>
-            </a:prstGeom>
-            <a:ln w="12700">
-              <a:solidFill>
-                <a:schemeClr val="accent4">
-                  <a:lumMod val="40000"/>
-                  <a:lumOff val="60000"/>
-                </a:schemeClr>
-              </a:solidFill>
-            </a:ln>
-          </p:spPr>
-          <p:style>
-            <a:lnRef idx="2">
-              <a:schemeClr val="accent1"/>
-            </a:lnRef>
-            <a:fillRef idx="0">
-              <a:schemeClr val="accent1"/>
-            </a:fillRef>
-            <a:effectRef idx="1">
-              <a:schemeClr val="accent1"/>
-            </a:effectRef>
-            <a:fontRef idx="minor">
-              <a:schemeClr val="tx1"/>
-            </a:fontRef>
-          </p:style>
-        </p:cxnSp>
       </p:grpSp>
       <p:grpSp>
         <p:nvGrpSpPr>
-          <p:cNvPr id="45" name="그룹 44">
+          <p:cNvPr id="12" name="그룹 11">
             <a:extLst>
               <a:ext uri="{FF2B5EF4-FFF2-40B4-BE49-F238E27FC236}">
-                <a16:creationId xmlns:a16="http://schemas.microsoft.com/office/drawing/2014/main" id="{AFFB9E7E-6F42-3B76-4E0E-3FE1D003F536}"/>
+                <a16:creationId xmlns:a16="http://schemas.microsoft.com/office/drawing/2014/main" id="{F66CC914-33F6-6E85-8F49-429405F92893}"/>
               </a:ext>
             </a:extLst>
           </p:cNvPr>
@@ -5800,18 +5867,18 @@
         </p:nvGrpSpPr>
         <p:grpSpPr>
           <a:xfrm>
-            <a:off x="6788359" y="5298784"/>
-            <a:ext cx="4754457" cy="662611"/>
-            <a:chOff x="6165920" y="5013223"/>
-            <a:chExt cx="4754457" cy="662611"/>
+            <a:off x="7328578" y="4873622"/>
+            <a:ext cx="4249121" cy="925554"/>
+            <a:chOff x="7328578" y="4876445"/>
+            <a:chExt cx="4249121" cy="925554"/>
           </a:xfrm>
         </p:grpSpPr>
         <p:grpSp>
           <p:nvGrpSpPr>
-            <p:cNvPr id="37" name="그룹 36">
+            <p:cNvPr id="28" name="그룹 27">
               <a:extLst>
                 <a:ext uri="{FF2B5EF4-FFF2-40B4-BE49-F238E27FC236}">
-                  <a16:creationId xmlns:a16="http://schemas.microsoft.com/office/drawing/2014/main" id="{63CAA079-7AE3-83AD-34D5-4C96E6D84047}"/>
+                  <a16:creationId xmlns:a16="http://schemas.microsoft.com/office/drawing/2014/main" id="{649B66C6-A5FA-5D73-3087-B2D6F9526844}"/>
                 </a:ext>
               </a:extLst>
             </p:cNvPr>
@@ -5820,18 +5887,166 @@
           </p:nvGrpSpPr>
           <p:grpSpPr>
             <a:xfrm>
-              <a:off x="7434201" y="5013223"/>
-              <a:ext cx="3486176" cy="662611"/>
-              <a:chOff x="379243" y="1752288"/>
-              <a:chExt cx="3486176" cy="662611"/>
+              <a:off x="7328578" y="5139388"/>
+              <a:ext cx="4249121" cy="662611"/>
+              <a:chOff x="7480184" y="3130560"/>
+              <a:chExt cx="4249121" cy="662611"/>
             </a:xfrm>
           </p:grpSpPr>
+          <p:grpSp>
+            <p:nvGrpSpPr>
+              <p:cNvPr id="29" name="그룹 28">
+                <a:extLst>
+                  <a:ext uri="{FF2B5EF4-FFF2-40B4-BE49-F238E27FC236}">
+                    <a16:creationId xmlns:a16="http://schemas.microsoft.com/office/drawing/2014/main" id="{D4D6D3C4-29BB-29DF-84A9-4914ABC34CAA}"/>
+                  </a:ext>
+                </a:extLst>
+              </p:cNvPr>
+              <p:cNvGrpSpPr/>
+              <p:nvPr/>
+            </p:nvGrpSpPr>
+            <p:grpSpPr>
+              <a:xfrm>
+                <a:off x="8243129" y="3130560"/>
+                <a:ext cx="3486176" cy="662611"/>
+                <a:chOff x="1305262" y="1752288"/>
+                <a:chExt cx="3486176" cy="662611"/>
+              </a:xfrm>
+            </p:grpSpPr>
+            <p:sp>
+              <p:nvSpPr>
+                <p:cNvPr id="32" name="직사각형 31">
+                  <a:extLst>
+                    <a:ext uri="{FF2B5EF4-FFF2-40B4-BE49-F238E27FC236}">
+                      <a16:creationId xmlns:a16="http://schemas.microsoft.com/office/drawing/2014/main" id="{40BD2F15-5233-D2F7-9E0C-F5BA2384395D}"/>
+                    </a:ext>
+                  </a:extLst>
+                </p:cNvPr>
+                <p:cNvSpPr/>
+                <p:nvPr/>
+              </p:nvSpPr>
+              <p:spPr>
+                <a:xfrm>
+                  <a:off x="1305262" y="1752288"/>
+                  <a:ext cx="3486176" cy="662611"/>
+                </a:xfrm>
+                <a:prstGeom prst="rect">
+                  <a:avLst/>
+                </a:prstGeom>
+                <a:solidFill>
+                  <a:schemeClr val="bg1">
+                    <a:lumMod val="95000"/>
+                  </a:schemeClr>
+                </a:solidFill>
+                <a:ln w="12700">
+                  <a:solidFill>
+                    <a:schemeClr val="bg1">
+                      <a:lumMod val="50000"/>
+                    </a:schemeClr>
+                  </a:solidFill>
+                </a:ln>
+              </p:spPr>
+              <p:style>
+                <a:lnRef idx="2">
+                  <a:schemeClr val="accent1">
+                    <a:shade val="15000"/>
+                  </a:schemeClr>
+                </a:lnRef>
+                <a:fillRef idx="1">
+                  <a:schemeClr val="accent1"/>
+                </a:fillRef>
+                <a:effectRef idx="0">
+                  <a:schemeClr val="accent1"/>
+                </a:effectRef>
+                <a:fontRef idx="minor">
+                  <a:schemeClr val="lt1"/>
+                </a:fontRef>
+              </p:style>
+              <p:txBody>
+                <a:bodyPr rtlCol="0" anchor="ctr"/>
+                <a:lstStyle/>
+                <a:p>
+                  <a:pPr algn="ctr"/>
+                  <a:endParaRPr lang="ko-KR" altLang="en-US" dirty="0"/>
+                </a:p>
+              </p:txBody>
+            </p:sp>
+            <p:sp>
+              <p:nvSpPr>
+                <p:cNvPr id="33" name="TextBox 32">
+                  <a:extLst>
+                    <a:ext uri="{FF2B5EF4-FFF2-40B4-BE49-F238E27FC236}">
+                      <a16:creationId xmlns:a16="http://schemas.microsoft.com/office/drawing/2014/main" id="{3CD2F1AD-5FA6-7304-F6D0-82CF680D2FBA}"/>
+                    </a:ext>
+                  </a:extLst>
+                </p:cNvPr>
+                <p:cNvSpPr txBox="1"/>
+                <p:nvPr/>
+              </p:nvSpPr>
+              <p:spPr>
+                <a:xfrm>
+                  <a:off x="1305262" y="1838469"/>
+                  <a:ext cx="3486176" cy="490249"/>
+                </a:xfrm>
+                <a:prstGeom prst="rect">
+                  <a:avLst/>
+                </a:prstGeom>
+                <a:noFill/>
+              </p:spPr>
+              <p:txBody>
+                <a:bodyPr wrap="square" lIns="108000" tIns="54000" rIns="108000" bIns="54000" rtlCol="0" anchor="ctr">
+                  <a:spAutoFit/>
+                </a:bodyPr>
+                <a:lstStyle/>
+                <a:p>
+                  <a:pPr algn="ctr">
+                    <a:lnSpc>
+                      <a:spcPct val="130000"/>
+                    </a:lnSpc>
+                  </a:pPr>
+                  <a:r>
+                    <a:rPr lang="ko-KR" altLang="en-US" sz="1000" dirty="0">
+                      <a:latin typeface="Pretendard" panose="02000503000000020004" pitchFamily="2" charset="-127"/>
+                      <a:ea typeface="Pretendard" panose="02000503000000020004" pitchFamily="2" charset="-127"/>
+                      <a:cs typeface="Pretendard" panose="02000503000000020004" pitchFamily="2" charset="-127"/>
+                    </a:rPr>
+                    <a:t>운용 난이도는 높지만 이에 걸맞는 확실한 리턴으로</a:t>
+                  </a:r>
+                  <a:endParaRPr lang="en-US" altLang="ko-KR" sz="1000" dirty="0">
+                    <a:latin typeface="Pretendard" panose="02000503000000020004" pitchFamily="2" charset="-127"/>
+                    <a:ea typeface="Pretendard" panose="02000503000000020004" pitchFamily="2" charset="-127"/>
+                    <a:cs typeface="Pretendard" panose="02000503000000020004" pitchFamily="2" charset="-127"/>
+                  </a:endParaRPr>
+                </a:p>
+                <a:p>
+                  <a:pPr algn="ctr">
+                    <a:lnSpc>
+                      <a:spcPct val="130000"/>
+                    </a:lnSpc>
+                  </a:pPr>
+                  <a:r>
+                    <a:rPr lang="ko-KR" altLang="en-US" sz="1000" dirty="0">
+                      <a:latin typeface="Pretendard" panose="02000503000000020004" pitchFamily="2" charset="-127"/>
+                      <a:ea typeface="Pretendard" panose="02000503000000020004" pitchFamily="2" charset="-127"/>
+                      <a:cs typeface="Pretendard" panose="02000503000000020004" pitchFamily="2" charset="-127"/>
+                    </a:rPr>
+                    <a:t>성장 동기 제공 및 지속 플레이 유도</a:t>
+                  </a:r>
+                  <a:endParaRPr lang="en-US" altLang="ko-KR" sz="1000" dirty="0">
+                    <a:latin typeface="Pretendard" panose="02000503000000020004" pitchFamily="2" charset="-127"/>
+                    <a:ea typeface="Pretendard" panose="02000503000000020004" pitchFamily="2" charset="-127"/>
+                    <a:cs typeface="Pretendard" panose="02000503000000020004" pitchFamily="2" charset="-127"/>
+                  </a:endParaRPr>
+                </a:p>
+              </p:txBody>
+            </p:sp>
+          </p:grpSp>
           <p:sp>
             <p:nvSpPr>
-              <p:cNvPr id="40" name="직사각형 39">
+              <p:cNvPr id="30" name="타원 29">
                 <a:extLst>
                   <a:ext uri="{FF2B5EF4-FFF2-40B4-BE49-F238E27FC236}">
-                    <a16:creationId xmlns:a16="http://schemas.microsoft.com/office/drawing/2014/main" id="{A78850CC-01CF-87E0-1308-84618A407A11}"/>
+                    <a16:creationId xmlns:a16="http://schemas.microsoft.com/office/drawing/2014/main" id="{2C3BE61A-2C22-FCB8-3798-AFD5DA4FA18F}"/>
                   </a:ext>
                 </a:extLst>
               </p:cNvPr>
@@ -5840,23 +6055,31 @@
             </p:nvSpPr>
             <p:spPr>
               <a:xfrm>
-                <a:off x="379243" y="1752288"/>
-                <a:ext cx="3486176" cy="662611"/>
+                <a:off x="7480184" y="3407866"/>
+                <a:ext cx="108000" cy="108000"/>
               </a:xfrm>
-              <a:prstGeom prst="rect">
+              <a:prstGeom prst="ellipse">
                 <a:avLst/>
               </a:prstGeom>
               <a:solidFill>
-                <a:srgbClr val="EEFAFE"/>
+                <a:schemeClr val="bg1">
+                  <a:lumMod val="95000"/>
+                </a:schemeClr>
               </a:solidFill>
               <a:ln w="12700">
                 <a:solidFill>
-                  <a:schemeClr val="accent4">
-                    <a:lumMod val="40000"/>
-                    <a:lumOff val="60000"/>
+                  <a:schemeClr val="bg1">
+                    <a:lumMod val="50000"/>
                   </a:schemeClr>
                 </a:solidFill>
               </a:ln>
+              <a:effectLst>
+                <a:glow rad="38100">
+                  <a:schemeClr val="bg1">
+                    <a:alpha val="61000"/>
+                  </a:schemeClr>
+                </a:glow>
+              </a:effectLst>
             </p:spPr>
             <p:style>
               <a:lnRef idx="2">
@@ -5883,12 +6106,80 @@
               </a:p>
             </p:txBody>
           </p:sp>
+          <p:cxnSp>
+            <p:nvCxnSpPr>
+              <p:cNvPr id="31" name="직선 연결선 30">
+                <a:extLst>
+                  <a:ext uri="{FF2B5EF4-FFF2-40B4-BE49-F238E27FC236}">
+                    <a16:creationId xmlns:a16="http://schemas.microsoft.com/office/drawing/2014/main" id="{CDC74B3D-666F-FD9D-959D-304A0E879556}"/>
+                  </a:ext>
+                </a:extLst>
+              </p:cNvPr>
+              <p:cNvCxnSpPr>
+                <a:cxnSpLocks/>
+                <a:stCxn id="30" idx="6"/>
+                <a:endCxn id="33" idx="1"/>
+              </p:cNvCxnSpPr>
+              <p:nvPr/>
+            </p:nvCxnSpPr>
+            <p:spPr>
+              <a:xfrm>
+                <a:off x="7588184" y="3461866"/>
+                <a:ext cx="654945" cy="0"/>
+              </a:xfrm>
+              <a:prstGeom prst="line">
+                <a:avLst/>
+              </a:prstGeom>
+              <a:ln w="12700">
+                <a:solidFill>
+                  <a:schemeClr val="bg1">
+                    <a:lumMod val="50000"/>
+                  </a:schemeClr>
+                </a:solidFill>
+              </a:ln>
+            </p:spPr>
+            <p:style>
+              <a:lnRef idx="2">
+                <a:schemeClr val="accent1"/>
+              </a:lnRef>
+              <a:fillRef idx="0">
+                <a:schemeClr val="accent1"/>
+              </a:fillRef>
+              <a:effectRef idx="1">
+                <a:schemeClr val="accent1"/>
+              </a:effectRef>
+              <a:fontRef idx="minor">
+                <a:schemeClr val="tx1"/>
+              </a:fontRef>
+            </p:style>
+          </p:cxnSp>
+        </p:grpSp>
+        <p:grpSp>
+          <p:nvGrpSpPr>
+            <p:cNvPr id="11" name="그룹 10">
+              <a:extLst>
+                <a:ext uri="{FF2B5EF4-FFF2-40B4-BE49-F238E27FC236}">
+                  <a16:creationId xmlns:a16="http://schemas.microsoft.com/office/drawing/2014/main" id="{E448F793-5AA1-D9E3-56F0-3DFCEFFF63EB}"/>
+                </a:ext>
+              </a:extLst>
+            </p:cNvPr>
+            <p:cNvGrpSpPr/>
+            <p:nvPr/>
+          </p:nvGrpSpPr>
+          <p:grpSpPr>
+            <a:xfrm>
+              <a:off x="8091523" y="4876445"/>
+              <a:ext cx="1725501" cy="262943"/>
+              <a:chOff x="8091523" y="4876445"/>
+              <a:chExt cx="1725501" cy="262943"/>
+            </a:xfrm>
+          </p:grpSpPr>
           <p:sp>
             <p:nvSpPr>
-              <p:cNvPr id="41" name="TextBox 40">
+              <p:cNvPr id="34" name="TextBox 33">
                 <a:extLst>
                   <a:ext uri="{FF2B5EF4-FFF2-40B4-BE49-F238E27FC236}">
-                    <a16:creationId xmlns:a16="http://schemas.microsoft.com/office/drawing/2014/main" id="{2BBB58F6-F3BF-6824-CB16-839FE59966A8}"/>
+                    <a16:creationId xmlns:a16="http://schemas.microsoft.com/office/drawing/2014/main" id="{1AE95ACB-0417-AA68-4408-35D4F09E85F7}"/>
                   </a:ext>
                 </a:extLst>
               </p:cNvPr>
@@ -5897,8 +6188,8 @@
             </p:nvSpPr>
             <p:spPr>
               <a:xfrm>
-                <a:off x="700480" y="1891233"/>
-                <a:ext cx="2843728" cy="384721"/>
+                <a:off x="8091523" y="4876445"/>
+                <a:ext cx="1059118" cy="262943"/>
               </a:xfrm>
               <a:prstGeom prst="rect">
                 <a:avLst/>
@@ -5906,101 +6197,92 @@
               <a:noFill/>
             </p:spPr>
             <p:txBody>
-              <a:bodyPr wrap="none" lIns="0" tIns="0" rIns="0" bIns="0" rtlCol="0" anchor="ctr">
+              <a:bodyPr wrap="none" lIns="72000" tIns="54000" rIns="72000" bIns="54000" rtlCol="0">
                 <a:spAutoFit/>
               </a:bodyPr>
               <a:lstStyle/>
               <a:p>
-                <a:pPr algn="ctr">
-                  <a:spcAft>
-                    <a:spcPts val="600"/>
-                  </a:spcAft>
-                </a:pPr>
-                <a:r>
-                  <a:rPr lang="ko-KR" altLang="en-US" sz="1000" dirty="0">
-                    <a:latin typeface="Pretendard" panose="02000503000000020004" pitchFamily="2" charset="-127"/>
-                    <a:ea typeface="Pretendard" panose="02000503000000020004" pitchFamily="2" charset="-127"/>
-                    <a:cs typeface="Pretendard" panose="02000503000000020004" pitchFamily="2" charset="-127"/>
-                  </a:rPr>
-                  <a:t>동양풍 선비</a:t>
-                </a:r>
                 <a:r>
                   <a:rPr lang="en-US" altLang="ko-KR" sz="1000" dirty="0">
-                    <a:latin typeface="Pretendard" panose="02000503000000020004" pitchFamily="2" charset="-127"/>
-                    <a:ea typeface="Pretendard" panose="02000503000000020004" pitchFamily="2" charset="-127"/>
-                    <a:cs typeface="Pretendard" panose="02000503000000020004" pitchFamily="2" charset="-127"/>
-                  </a:rPr>
-                  <a:t>/</a:t>
-                </a:r>
-                <a:r>
-                  <a:rPr lang="ko-KR" altLang="en-US" sz="1000" dirty="0">
-                    <a:latin typeface="Pretendard" panose="02000503000000020004" pitchFamily="2" charset="-127"/>
-                    <a:ea typeface="Pretendard" panose="02000503000000020004" pitchFamily="2" charset="-127"/>
-                    <a:cs typeface="Pretendard" panose="02000503000000020004" pitchFamily="2" charset="-127"/>
-                  </a:rPr>
-                  <a:t>한량 컨셉의 </a:t>
-                </a:r>
-                <a:r>
-                  <a:rPr lang="ko-KR" altLang="en-US" sz="1000" dirty="0">
                     <a:latin typeface="Pretendard SemiBold" panose="02000703000000020004" pitchFamily="2" charset="-127"/>
                     <a:ea typeface="Pretendard SemiBold" panose="02000703000000020004" pitchFamily="2" charset="-127"/>
                     <a:cs typeface="Pretendard SemiBold" panose="02000703000000020004" pitchFamily="2" charset="-127"/>
                   </a:rPr>
-                  <a:t>여유롭고 절제된 동작</a:t>
+                  <a:t>#</a:t>
                 </a:r>
                 <a:r>
-                  <a:rPr lang="ko-KR" altLang="en-US" sz="1000" dirty="0">
-                    <a:latin typeface="Pretendard" panose="02000503000000020004" pitchFamily="2" charset="-127"/>
-                    <a:ea typeface="Pretendard" panose="02000503000000020004" pitchFamily="2" charset="-127"/>
-                    <a:cs typeface="Pretendard" panose="02000503000000020004" pitchFamily="2" charset="-127"/>
+                  <a:rPr lang="ko-KR" altLang="en-US" sz="1000" u="sng" dirty="0">
+                    <a:latin typeface="Pretendard SemiBold" panose="02000703000000020004" pitchFamily="2" charset="-127"/>
+                    <a:ea typeface="Pretendard SemiBold" panose="02000703000000020004" pitchFamily="2" charset="-127"/>
+                    <a:cs typeface="Pretendard SemiBold" panose="02000703000000020004" pitchFamily="2" charset="-127"/>
                   </a:rPr>
-                  <a:t>과 </a:t>
+                  <a:t>높은 운용 난이도</a:t>
                 </a:r>
-                <a:endParaRPr lang="en-US" altLang="ko-KR" sz="1000" dirty="0">
+                <a:endParaRPr lang="en-US" altLang="ko-KR" sz="800" u="sng" dirty="0">
+                  <a:solidFill>
+                    <a:schemeClr val="tx1">
+                      <a:lumMod val="65000"/>
+                      <a:lumOff val="35000"/>
+                    </a:schemeClr>
+                  </a:solidFill>
                   <a:latin typeface="Pretendard" panose="02000503000000020004" pitchFamily="2" charset="-127"/>
                   <a:ea typeface="Pretendard" panose="02000503000000020004" pitchFamily="2" charset="-127"/>
                   <a:cs typeface="Pretendard" panose="02000503000000020004" pitchFamily="2" charset="-127"/>
                 </a:endParaRPr>
               </a:p>
+            </p:txBody>
+          </p:sp>
+          <p:sp>
+            <p:nvSpPr>
+              <p:cNvPr id="35" name="TextBox 34">
+                <a:extLst>
+                  <a:ext uri="{FF2B5EF4-FFF2-40B4-BE49-F238E27FC236}">
+                    <a16:creationId xmlns:a16="http://schemas.microsoft.com/office/drawing/2014/main" id="{D3C36077-5CE9-5F3F-D8C4-95F63A7CA1EE}"/>
+                  </a:ext>
+                </a:extLst>
+              </p:cNvPr>
+              <p:cNvSpPr txBox="1"/>
+              <p:nvPr/>
+            </p:nvSpPr>
+            <p:spPr>
+              <a:xfrm>
+                <a:off x="9150641" y="4876445"/>
+                <a:ext cx="666383" cy="262943"/>
+              </a:xfrm>
+              <a:prstGeom prst="rect">
+                <a:avLst/>
+              </a:prstGeom>
+              <a:noFill/>
+            </p:spPr>
+            <p:txBody>
+              <a:bodyPr wrap="none" lIns="72000" tIns="54000" rIns="72000" bIns="54000" rtlCol="0">
+                <a:spAutoFit/>
+              </a:bodyPr>
+              <a:lstStyle/>
               <a:p>
-                <a:pPr algn="ctr">
-                  <a:spcAft>
-                    <a:spcPts val="600"/>
-                  </a:spcAft>
-                </a:pPr>
-                <a:r>
-                  <a:rPr lang="ko-KR" altLang="en-US" sz="1000" dirty="0">
-                    <a:latin typeface="Pretendard" panose="02000503000000020004" pitchFamily="2" charset="-127"/>
-                    <a:ea typeface="Pretendard" panose="02000503000000020004" pitchFamily="2" charset="-127"/>
-                    <a:cs typeface="Pretendard" panose="02000503000000020004" pitchFamily="2" charset="-127"/>
-                  </a:rPr>
-                  <a:t>이에 대비되는</a:t>
-                </a:r>
                 <a:r>
                   <a:rPr lang="en-US" altLang="ko-KR" sz="1000" dirty="0">
-                    <a:latin typeface="Pretendard" panose="02000503000000020004" pitchFamily="2" charset="-127"/>
-                    <a:ea typeface="Pretendard" panose="02000503000000020004" pitchFamily="2" charset="-127"/>
-                    <a:cs typeface="Pretendard" panose="02000503000000020004" pitchFamily="2" charset="-127"/>
-                  </a:rPr>
-                  <a:t> </a:t>
-                </a:r>
-                <a:r>
-                  <a:rPr lang="ko-KR" altLang="en-US" sz="1000" dirty="0">
                     <a:latin typeface="Pretendard SemiBold" panose="02000703000000020004" pitchFamily="2" charset="-127"/>
                     <a:ea typeface="Pretendard SemiBold" panose="02000703000000020004" pitchFamily="2" charset="-127"/>
                     <a:cs typeface="Pretendard SemiBold" panose="02000703000000020004" pitchFamily="2" charset="-127"/>
                   </a:rPr>
-                  <a:t>강렬하고 파괴적인 전투</a:t>
+                  <a:t>#</a:t>
                 </a:r>
                 <a:r>
-                  <a:rPr lang="ko-KR" altLang="en-US" sz="1000" dirty="0">
-                    <a:latin typeface="Pretendard" panose="02000503000000020004" pitchFamily="2" charset="-127"/>
-                    <a:ea typeface="Pretendard" panose="02000503000000020004" pitchFamily="2" charset="-127"/>
-                    <a:cs typeface="Pretendard" panose="02000503000000020004" pitchFamily="2" charset="-127"/>
+                  <a:rPr lang="ko-KR" altLang="en-US" sz="1000" u="sng" dirty="0">
+                    <a:latin typeface="Pretendard SemiBold" panose="02000703000000020004" pitchFamily="2" charset="-127"/>
+                    <a:ea typeface="Pretendard SemiBold" panose="02000703000000020004" pitchFamily="2" charset="-127"/>
+                    <a:cs typeface="Pretendard SemiBold" panose="02000703000000020004" pitchFamily="2" charset="-127"/>
                   </a:rPr>
-                  <a:t>를 보여주는 캐릭터</a:t>
+                  <a:t>숙련자용</a:t>
                 </a:r>
-                <a:endParaRPr lang="en-US" altLang="ko-KR" sz="1000" dirty="0">
+                <a:endParaRPr lang="en-US" altLang="ko-KR" sz="800" u="sng" dirty="0">
+                  <a:solidFill>
+                    <a:schemeClr val="tx1">
+                      <a:lumMod val="65000"/>
+                      <a:lumOff val="35000"/>
+                    </a:schemeClr>
+                  </a:solidFill>
                   <a:latin typeface="Pretendard" panose="02000503000000020004" pitchFamily="2" charset="-127"/>
                   <a:ea typeface="Pretendard" panose="02000503000000020004" pitchFamily="2" charset="-127"/>
                   <a:cs typeface="Pretendard" panose="02000503000000020004" pitchFamily="2" charset="-127"/>
@@ -6009,126 +6291,13 @@
             </p:txBody>
           </p:sp>
         </p:grpSp>
-        <p:sp>
-          <p:nvSpPr>
-            <p:cNvPr id="38" name="타원 37">
-              <a:extLst>
-                <a:ext uri="{FF2B5EF4-FFF2-40B4-BE49-F238E27FC236}">
-                  <a16:creationId xmlns:a16="http://schemas.microsoft.com/office/drawing/2014/main" id="{09F3B6C8-06FA-3132-1050-666BDA3D4510}"/>
-                </a:ext>
-              </a:extLst>
-            </p:cNvPr>
-            <p:cNvSpPr/>
-            <p:nvPr/>
-          </p:nvSpPr>
-          <p:spPr>
-            <a:xfrm>
-              <a:off x="6165920" y="5290528"/>
-              <a:ext cx="108000" cy="108000"/>
-            </a:xfrm>
-            <a:prstGeom prst="ellipse">
-              <a:avLst/>
-            </a:prstGeom>
-            <a:solidFill>
-              <a:schemeClr val="accent4">
-                <a:lumMod val="20000"/>
-                <a:lumOff val="80000"/>
-              </a:schemeClr>
-            </a:solidFill>
-            <a:ln w="12700">
-              <a:solidFill>
-                <a:schemeClr val="accent4">
-                  <a:lumMod val="60000"/>
-                  <a:lumOff val="40000"/>
-                </a:schemeClr>
-              </a:solidFill>
-            </a:ln>
-            <a:effectLst>
-              <a:glow rad="50800">
-                <a:srgbClr val="FAFCBC"/>
-              </a:glow>
-            </a:effectLst>
-          </p:spPr>
-          <p:style>
-            <a:lnRef idx="2">
-              <a:schemeClr val="accent1">
-                <a:shade val="15000"/>
-              </a:schemeClr>
-            </a:lnRef>
-            <a:fillRef idx="1">
-              <a:schemeClr val="accent1"/>
-            </a:fillRef>
-            <a:effectRef idx="0">
-              <a:schemeClr val="accent1"/>
-            </a:effectRef>
-            <a:fontRef idx="minor">
-              <a:schemeClr val="lt1"/>
-            </a:fontRef>
-          </p:style>
-          <p:txBody>
-            <a:bodyPr rtlCol="0" anchor="ctr"/>
-            <a:lstStyle/>
-            <a:p>
-              <a:pPr algn="ctr"/>
-              <a:endParaRPr lang="ko-KR" altLang="en-US" dirty="0"/>
-            </a:p>
-          </p:txBody>
-        </p:sp>
-        <p:cxnSp>
-          <p:nvCxnSpPr>
-            <p:cNvPr id="39" name="직선 연결선 38">
-              <a:extLst>
-                <a:ext uri="{FF2B5EF4-FFF2-40B4-BE49-F238E27FC236}">
-                  <a16:creationId xmlns:a16="http://schemas.microsoft.com/office/drawing/2014/main" id="{9B7A9611-677E-457D-78F4-7E652159F50A}"/>
-                </a:ext>
-              </a:extLst>
-            </p:cNvPr>
-            <p:cNvCxnSpPr>
-              <a:cxnSpLocks/>
-              <a:stCxn id="38" idx="6"/>
-              <a:endCxn id="40" idx="1"/>
-            </p:cNvCxnSpPr>
-            <p:nvPr/>
-          </p:nvCxnSpPr>
-          <p:spPr>
-            <a:xfrm>
-              <a:off x="6273920" y="5344528"/>
-              <a:ext cx="1160281" cy="1"/>
-            </a:xfrm>
-            <a:prstGeom prst="line">
-              <a:avLst/>
-            </a:prstGeom>
-            <a:ln w="12700">
-              <a:solidFill>
-                <a:schemeClr val="accent4">
-                  <a:lumMod val="40000"/>
-                  <a:lumOff val="60000"/>
-                </a:schemeClr>
-              </a:solidFill>
-            </a:ln>
-          </p:spPr>
-          <p:style>
-            <a:lnRef idx="2">
-              <a:schemeClr val="accent1"/>
-            </a:lnRef>
-            <a:fillRef idx="0">
-              <a:schemeClr val="accent1"/>
-            </a:fillRef>
-            <a:effectRef idx="1">
-              <a:schemeClr val="accent1"/>
-            </a:effectRef>
-            <a:fontRef idx="minor">
-              <a:schemeClr val="tx1"/>
-            </a:fontRef>
-          </p:style>
-        </p:cxnSp>
       </p:grpSp>
       <p:grpSp>
         <p:nvGrpSpPr>
           <p:cNvPr id="46" name="그룹 45">
             <a:extLst>
               <a:ext uri="{FF2B5EF4-FFF2-40B4-BE49-F238E27FC236}">
-                <a16:creationId xmlns:a16="http://schemas.microsoft.com/office/drawing/2014/main" id="{2E5084A9-4D57-4800-A69D-2877554975CE}"/>
+                <a16:creationId xmlns:a16="http://schemas.microsoft.com/office/drawing/2014/main" id="{7CB448F0-2C63-0A61-B074-B2CF9036EAF0}"/>
               </a:ext>
             </a:extLst>
           </p:cNvPr>
@@ -6137,18 +6306,18 @@
         </p:nvGrpSpPr>
         <p:grpSpPr>
           <a:xfrm>
-            <a:off x="6896359" y="3170014"/>
-            <a:ext cx="4754457" cy="662611"/>
-            <a:chOff x="6165920" y="5013223"/>
-            <a:chExt cx="4754457" cy="662611"/>
+            <a:off x="7328578" y="2841580"/>
+            <a:ext cx="4249121" cy="925554"/>
+            <a:chOff x="7328578" y="2841580"/>
+            <a:chExt cx="4249121" cy="925554"/>
           </a:xfrm>
         </p:grpSpPr>
         <p:grpSp>
           <p:nvGrpSpPr>
-            <p:cNvPr id="47" name="그룹 46">
+            <p:cNvPr id="95" name="그룹 94">
               <a:extLst>
                 <a:ext uri="{FF2B5EF4-FFF2-40B4-BE49-F238E27FC236}">
-                  <a16:creationId xmlns:a16="http://schemas.microsoft.com/office/drawing/2014/main" id="{F2388E2D-464A-CB32-4AD0-5A84CD1A27BB}"/>
+                  <a16:creationId xmlns:a16="http://schemas.microsoft.com/office/drawing/2014/main" id="{AB99BD14-709D-24CC-1720-EE46E401FAB2}"/>
                 </a:ext>
               </a:extLst>
             </p:cNvPr>
@@ -6157,18 +6326,225 @@
           </p:nvGrpSpPr>
           <p:grpSpPr>
             <a:xfrm>
-              <a:off x="7434201" y="5013223"/>
-              <a:ext cx="3486176" cy="662611"/>
-              <a:chOff x="379243" y="1752288"/>
-              <a:chExt cx="3486176" cy="662611"/>
+              <a:off x="7328578" y="3104523"/>
+              <a:ext cx="4249121" cy="662611"/>
+              <a:chOff x="7480184" y="3130560"/>
+              <a:chExt cx="4249121" cy="662611"/>
             </a:xfrm>
           </p:grpSpPr>
+          <p:grpSp>
+            <p:nvGrpSpPr>
+              <p:cNvPr id="78" name="그룹 77">
+                <a:extLst>
+                  <a:ext uri="{FF2B5EF4-FFF2-40B4-BE49-F238E27FC236}">
+                    <a16:creationId xmlns:a16="http://schemas.microsoft.com/office/drawing/2014/main" id="{3B036B08-B39A-1376-7994-13C527798620}"/>
+                  </a:ext>
+                </a:extLst>
+              </p:cNvPr>
+              <p:cNvGrpSpPr/>
+              <p:nvPr/>
+            </p:nvGrpSpPr>
+            <p:grpSpPr>
+              <a:xfrm>
+                <a:off x="8243129" y="3130560"/>
+                <a:ext cx="3486176" cy="662611"/>
+                <a:chOff x="1305262" y="1752288"/>
+                <a:chExt cx="3486176" cy="662611"/>
+              </a:xfrm>
+            </p:grpSpPr>
+            <p:sp>
+              <p:nvSpPr>
+                <p:cNvPr id="81" name="직사각형 80">
+                  <a:extLst>
+                    <a:ext uri="{FF2B5EF4-FFF2-40B4-BE49-F238E27FC236}">
+                      <a16:creationId xmlns:a16="http://schemas.microsoft.com/office/drawing/2014/main" id="{6517F6DE-3279-26D0-8726-CC844FA9D426}"/>
+                    </a:ext>
+                  </a:extLst>
+                </p:cNvPr>
+                <p:cNvSpPr/>
+                <p:nvPr/>
+              </p:nvSpPr>
+              <p:spPr>
+                <a:xfrm>
+                  <a:off x="1305262" y="1752288"/>
+                  <a:ext cx="3486176" cy="662611"/>
+                </a:xfrm>
+                <a:prstGeom prst="rect">
+                  <a:avLst/>
+                </a:prstGeom>
+                <a:solidFill>
+                  <a:schemeClr val="bg1">
+                    <a:lumMod val="95000"/>
+                  </a:schemeClr>
+                </a:solidFill>
+                <a:ln w="12700">
+                  <a:solidFill>
+                    <a:schemeClr val="bg1">
+                      <a:lumMod val="50000"/>
+                    </a:schemeClr>
+                  </a:solidFill>
+                </a:ln>
+              </p:spPr>
+              <p:style>
+                <a:lnRef idx="2">
+                  <a:schemeClr val="accent1">
+                    <a:shade val="15000"/>
+                  </a:schemeClr>
+                </a:lnRef>
+                <a:fillRef idx="1">
+                  <a:schemeClr val="accent1"/>
+                </a:fillRef>
+                <a:effectRef idx="0">
+                  <a:schemeClr val="accent1"/>
+                </a:effectRef>
+                <a:fontRef idx="minor">
+                  <a:schemeClr val="lt1"/>
+                </a:fontRef>
+              </p:style>
+              <p:txBody>
+                <a:bodyPr rtlCol="0" anchor="ctr"/>
+                <a:lstStyle/>
+                <a:p>
+                  <a:pPr algn="ctr"/>
+                  <a:endParaRPr lang="ko-KR" altLang="en-US" dirty="0"/>
+                </a:p>
+              </p:txBody>
+            </p:sp>
+            <p:sp>
+              <p:nvSpPr>
+                <p:cNvPr id="82" name="TextBox 81">
+                  <a:extLst>
+                    <a:ext uri="{FF2B5EF4-FFF2-40B4-BE49-F238E27FC236}">
+                      <a16:creationId xmlns:a16="http://schemas.microsoft.com/office/drawing/2014/main" id="{2789B6E3-C2D9-FD99-2E58-3C32F4EF8A09}"/>
+                    </a:ext>
+                  </a:extLst>
+                </p:cNvPr>
+                <p:cNvSpPr txBox="1"/>
+                <p:nvPr/>
+              </p:nvSpPr>
+              <p:spPr>
+                <a:xfrm>
+                  <a:off x="1305262" y="1838469"/>
+                  <a:ext cx="3486176" cy="490249"/>
+                </a:xfrm>
+                <a:prstGeom prst="rect">
+                  <a:avLst/>
+                </a:prstGeom>
+                <a:noFill/>
+              </p:spPr>
+              <p:txBody>
+                <a:bodyPr wrap="square" lIns="108000" tIns="54000" rIns="108000" bIns="54000" rtlCol="0" anchor="ctr">
+                  <a:spAutoFit/>
+                </a:bodyPr>
+                <a:lstStyle/>
+                <a:p>
+                  <a:pPr algn="ctr">
+                    <a:lnSpc>
+                      <a:spcPct val="130000"/>
+                    </a:lnSpc>
+                  </a:pPr>
+                  <a:r>
+                    <a:rPr lang="ko-KR" altLang="en-US" sz="1000" dirty="0">
+                      <a:latin typeface="Pretendard SemiBold" panose="02000703000000020004" pitchFamily="2" charset="-127"/>
+                      <a:ea typeface="Pretendard SemiBold" panose="02000703000000020004" pitchFamily="2" charset="-127"/>
+                      <a:cs typeface="Pretendard SemiBold" panose="02000703000000020004" pitchFamily="2" charset="-127"/>
+                    </a:rPr>
+                    <a:t>전략적인 자원 활용</a:t>
+                  </a:r>
+                  <a:r>
+                    <a:rPr lang="ko-KR" altLang="en-US" sz="1000" dirty="0">
+                      <a:latin typeface="Pretendard" panose="02000503000000020004" pitchFamily="2" charset="-127"/>
+                      <a:ea typeface="Pretendard" panose="02000503000000020004" pitchFamily="2" charset="-127"/>
+                      <a:cs typeface="Pretendard" panose="02000503000000020004" pitchFamily="2" charset="-127"/>
+                    </a:rPr>
+                    <a:t>으로 공격의 </a:t>
+                  </a:r>
+                  <a:r>
+                    <a:rPr lang="ko-KR" altLang="en-US" sz="1000" dirty="0">
+                      <a:latin typeface="Pretendard SemiBold" panose="02000703000000020004" pitchFamily="2" charset="-127"/>
+                      <a:ea typeface="Pretendard SemiBold" panose="02000703000000020004" pitchFamily="2" charset="-127"/>
+                      <a:cs typeface="Pretendard SemiBold" panose="02000703000000020004" pitchFamily="2" charset="-127"/>
+                    </a:rPr>
+                    <a:t>템포를 조절</a:t>
+                  </a:r>
+                  <a:r>
+                    <a:rPr lang="ko-KR" altLang="en-US" sz="1000" dirty="0">
+                      <a:latin typeface="Pretendard" panose="02000503000000020004" pitchFamily="2" charset="-127"/>
+                      <a:ea typeface="Pretendard" panose="02000503000000020004" pitchFamily="2" charset="-127"/>
+                      <a:cs typeface="Pretendard" panose="02000503000000020004" pitchFamily="2" charset="-127"/>
+                    </a:rPr>
+                    <a:t>하는 </a:t>
+                  </a:r>
+                  <a:r>
+                    <a:rPr lang="ko-KR" altLang="en-US" sz="1000" dirty="0">
+                      <a:latin typeface="Pretendard SemiBold" panose="02000703000000020004" pitchFamily="2" charset="-127"/>
+                      <a:ea typeface="Pretendard SemiBold" panose="02000703000000020004" pitchFamily="2" charset="-127"/>
+                      <a:cs typeface="Pretendard SemiBold" panose="02000703000000020004" pitchFamily="2" charset="-127"/>
+                    </a:rPr>
+                    <a:t>능동적인 전투</a:t>
+                  </a:r>
+                  <a:endParaRPr lang="en-US" altLang="ko-KR" sz="1000" dirty="0">
+                    <a:latin typeface="Pretendard SemiBold" panose="02000703000000020004" pitchFamily="2" charset="-127"/>
+                    <a:ea typeface="Pretendard SemiBold" panose="02000703000000020004" pitchFamily="2" charset="-127"/>
+                    <a:cs typeface="Pretendard SemiBold" panose="02000703000000020004" pitchFamily="2" charset="-127"/>
+                  </a:endParaRPr>
+                </a:p>
+                <a:p>
+                  <a:pPr algn="ctr">
+                    <a:lnSpc>
+                      <a:spcPct val="130000"/>
+                    </a:lnSpc>
+                  </a:pPr>
+                  <a:r>
+                    <a:rPr lang="en-US" altLang="ko-KR" sz="1000" dirty="0">
+                      <a:latin typeface="Pretendard" panose="02000503000000020004" pitchFamily="2" charset="-127"/>
+                      <a:ea typeface="Pretendard" panose="02000503000000020004" pitchFamily="2" charset="-127"/>
+                      <a:cs typeface="Pretendard" panose="02000503000000020004" pitchFamily="2" charset="-127"/>
+                    </a:rPr>
+                    <a:t>(</a:t>
+                  </a:r>
+                  <a:r>
+                    <a:rPr lang="ko-KR" altLang="en-US" sz="1000" dirty="0">
+                      <a:latin typeface="Pretendard" panose="02000503000000020004" pitchFamily="2" charset="-127"/>
+                      <a:ea typeface="Pretendard" panose="02000503000000020004" pitchFamily="2" charset="-127"/>
+                      <a:cs typeface="Pretendard" panose="02000503000000020004" pitchFamily="2" charset="-127"/>
+                    </a:rPr>
+                    <a:t>현자 전용 전투 자원 </a:t>
+                  </a:r>
+                  <a:r>
+                    <a:rPr lang="en-US" altLang="ko-KR" sz="1000" dirty="0">
+                      <a:latin typeface="Pretendard" panose="02000503000000020004" pitchFamily="2" charset="-127"/>
+                      <a:ea typeface="Pretendard" panose="02000503000000020004" pitchFamily="2" charset="-127"/>
+                      <a:cs typeface="Pretendard" panose="02000503000000020004" pitchFamily="2" charset="-127"/>
+                    </a:rPr>
+                    <a:t>= </a:t>
+                  </a:r>
+                  <a:r>
+                    <a:rPr lang="ko-KR" altLang="en-US" sz="1000" dirty="0">
+                      <a:latin typeface="Pretendard" panose="02000503000000020004" pitchFamily="2" charset="-127"/>
+                      <a:ea typeface="Pretendard" panose="02000503000000020004" pitchFamily="2" charset="-127"/>
+                      <a:cs typeface="Pretendard" panose="02000503000000020004" pitchFamily="2" charset="-127"/>
+                    </a:rPr>
+                    <a:t>인과</a:t>
+                  </a:r>
+                  <a:r>
+                    <a:rPr lang="en-US" altLang="ko-KR" sz="1000" dirty="0">
+                      <a:latin typeface="Pretendard" panose="02000503000000020004" pitchFamily="2" charset="-127"/>
+                      <a:ea typeface="Pretendard" panose="02000503000000020004" pitchFamily="2" charset="-127"/>
+                      <a:cs typeface="Pretendard" panose="02000503000000020004" pitchFamily="2" charset="-127"/>
+                    </a:rPr>
+                    <a:t>)</a:t>
+                  </a:r>
+                </a:p>
+              </p:txBody>
+            </p:sp>
+          </p:grpSp>
           <p:sp>
             <p:nvSpPr>
-              <p:cNvPr id="50" name="직사각형 49">
+              <p:cNvPr id="79" name="타원 78">
                 <a:extLst>
                   <a:ext uri="{FF2B5EF4-FFF2-40B4-BE49-F238E27FC236}">
-                    <a16:creationId xmlns:a16="http://schemas.microsoft.com/office/drawing/2014/main" id="{4970FD59-0D76-AF32-2413-3D1F133C4F2F}"/>
+                    <a16:creationId xmlns:a16="http://schemas.microsoft.com/office/drawing/2014/main" id="{E619B105-D408-57C3-9CDE-C04E30DD5D33}"/>
                   </a:ext>
                 </a:extLst>
               </p:cNvPr>
@@ -6177,23 +6553,31 @@
             </p:nvSpPr>
             <p:spPr>
               <a:xfrm>
-                <a:off x="379243" y="1752288"/>
-                <a:ext cx="3486176" cy="662611"/>
+                <a:off x="7480184" y="3407866"/>
+                <a:ext cx="108000" cy="108000"/>
               </a:xfrm>
-              <a:prstGeom prst="rect">
+              <a:prstGeom prst="ellipse">
                 <a:avLst/>
               </a:prstGeom>
               <a:solidFill>
-                <a:srgbClr val="EEFAFE"/>
+                <a:schemeClr val="bg1">
+                  <a:lumMod val="95000"/>
+                </a:schemeClr>
               </a:solidFill>
               <a:ln w="12700">
                 <a:solidFill>
-                  <a:schemeClr val="accent4">
-                    <a:lumMod val="40000"/>
-                    <a:lumOff val="60000"/>
+                  <a:schemeClr val="bg1">
+                    <a:lumMod val="50000"/>
                   </a:schemeClr>
                 </a:solidFill>
               </a:ln>
+              <a:effectLst>
+                <a:glow rad="38100">
+                  <a:schemeClr val="bg1">
+                    <a:alpha val="61000"/>
+                  </a:schemeClr>
+                </a:glow>
+              </a:effectLst>
             </p:spPr>
             <p:style>
               <a:lnRef idx="2">
@@ -6220,12 +6604,80 @@
               </a:p>
             </p:txBody>
           </p:sp>
+          <p:cxnSp>
+            <p:nvCxnSpPr>
+              <p:cNvPr id="80" name="직선 연결선 79">
+                <a:extLst>
+                  <a:ext uri="{FF2B5EF4-FFF2-40B4-BE49-F238E27FC236}">
+                    <a16:creationId xmlns:a16="http://schemas.microsoft.com/office/drawing/2014/main" id="{2C48D7EB-6B8D-D946-5AB0-E785B73652AA}"/>
+                  </a:ext>
+                </a:extLst>
+              </p:cNvPr>
+              <p:cNvCxnSpPr>
+                <a:cxnSpLocks/>
+                <a:stCxn id="79" idx="6"/>
+                <a:endCxn id="82" idx="1"/>
+              </p:cNvCxnSpPr>
+              <p:nvPr/>
+            </p:nvCxnSpPr>
+            <p:spPr>
+              <a:xfrm>
+                <a:off x="7588184" y="3461866"/>
+                <a:ext cx="654945" cy="0"/>
+              </a:xfrm>
+              <a:prstGeom prst="line">
+                <a:avLst/>
+              </a:prstGeom>
+              <a:ln w="12700">
+                <a:solidFill>
+                  <a:schemeClr val="bg1">
+                    <a:lumMod val="50000"/>
+                  </a:schemeClr>
+                </a:solidFill>
+              </a:ln>
+            </p:spPr>
+            <p:style>
+              <a:lnRef idx="2">
+                <a:schemeClr val="accent1"/>
+              </a:lnRef>
+              <a:fillRef idx="0">
+                <a:schemeClr val="accent1"/>
+              </a:fillRef>
+              <a:effectRef idx="1">
+                <a:schemeClr val="accent1"/>
+              </a:effectRef>
+              <a:fontRef idx="minor">
+                <a:schemeClr val="tx1"/>
+              </a:fontRef>
+            </p:style>
+          </p:cxnSp>
+        </p:grpSp>
+        <p:grpSp>
+          <p:nvGrpSpPr>
+            <p:cNvPr id="45" name="그룹 44">
+              <a:extLst>
+                <a:ext uri="{FF2B5EF4-FFF2-40B4-BE49-F238E27FC236}">
+                  <a16:creationId xmlns:a16="http://schemas.microsoft.com/office/drawing/2014/main" id="{DEB304E9-B7CF-6E2C-2014-DAC99492B0F4}"/>
+                </a:ext>
+              </a:extLst>
+            </p:cNvPr>
+            <p:cNvGrpSpPr/>
+            <p:nvPr/>
+          </p:nvGrpSpPr>
+          <p:grpSpPr>
+            <a:xfrm>
+              <a:off x="8091523" y="2841580"/>
+              <a:ext cx="1962745" cy="262943"/>
+              <a:chOff x="8091523" y="2841580"/>
+              <a:chExt cx="1962745" cy="262943"/>
+            </a:xfrm>
+          </p:grpSpPr>
           <p:sp>
             <p:nvSpPr>
-              <p:cNvPr id="51" name="TextBox 50">
+              <p:cNvPr id="83" name="TextBox 82">
                 <a:extLst>
                   <a:ext uri="{FF2B5EF4-FFF2-40B4-BE49-F238E27FC236}">
-                    <a16:creationId xmlns:a16="http://schemas.microsoft.com/office/drawing/2014/main" id="{50457E94-75D0-1A1C-CB2E-00B525A6DC4F}"/>
+                    <a16:creationId xmlns:a16="http://schemas.microsoft.com/office/drawing/2014/main" id="{3DEA9344-6F07-B8E2-F0C6-6E8CDCE82741}"/>
                   </a:ext>
                 </a:extLst>
               </p:cNvPr>
@@ -6234,8 +6686,8 @@
             </p:nvSpPr>
             <p:spPr>
               <a:xfrm>
-                <a:off x="700480" y="1891233"/>
-                <a:ext cx="2843728" cy="384721"/>
+                <a:off x="8091523" y="2841580"/>
+                <a:ext cx="1014234" cy="262943"/>
               </a:xfrm>
               <a:prstGeom prst="rect">
                 <a:avLst/>
@@ -6243,101 +6695,124 @@
               <a:noFill/>
             </p:spPr>
             <p:txBody>
-              <a:bodyPr wrap="none" lIns="0" tIns="0" rIns="0" bIns="0" rtlCol="0" anchor="ctr">
+              <a:bodyPr wrap="none" lIns="72000" tIns="54000" rIns="72000" bIns="54000" rtlCol="0">
                 <a:spAutoFit/>
               </a:bodyPr>
               <a:lstStyle/>
               <a:p>
-                <a:pPr algn="ctr">
-                  <a:spcAft>
-                    <a:spcPts val="600"/>
-                  </a:spcAft>
-                </a:pPr>
-                <a:r>
-                  <a:rPr lang="ko-KR" altLang="en-US" sz="1000" dirty="0">
-                    <a:latin typeface="Pretendard" panose="02000503000000020004" pitchFamily="2" charset="-127"/>
-                    <a:ea typeface="Pretendard" panose="02000503000000020004" pitchFamily="2" charset="-127"/>
-                    <a:cs typeface="Pretendard" panose="02000503000000020004" pitchFamily="2" charset="-127"/>
-                  </a:rPr>
-                  <a:t>동양풍 선비</a:t>
-                </a:r>
                 <a:r>
                   <a:rPr lang="en-US" altLang="ko-KR" sz="1000" dirty="0">
-                    <a:latin typeface="Pretendard" panose="02000503000000020004" pitchFamily="2" charset="-127"/>
-                    <a:ea typeface="Pretendard" panose="02000503000000020004" pitchFamily="2" charset="-127"/>
-                    <a:cs typeface="Pretendard" panose="02000503000000020004" pitchFamily="2" charset="-127"/>
-                  </a:rPr>
-                  <a:t>/</a:t>
-                </a:r>
-                <a:r>
-                  <a:rPr lang="ko-KR" altLang="en-US" sz="1000" dirty="0">
-                    <a:latin typeface="Pretendard" panose="02000503000000020004" pitchFamily="2" charset="-127"/>
-                    <a:ea typeface="Pretendard" panose="02000503000000020004" pitchFamily="2" charset="-127"/>
-                    <a:cs typeface="Pretendard" panose="02000503000000020004" pitchFamily="2" charset="-127"/>
-                  </a:rPr>
-                  <a:t>한량 컨셉의 </a:t>
-                </a:r>
-                <a:r>
-                  <a:rPr lang="ko-KR" altLang="en-US" sz="1000" dirty="0">
                     <a:latin typeface="Pretendard SemiBold" panose="02000703000000020004" pitchFamily="2" charset="-127"/>
                     <a:ea typeface="Pretendard SemiBold" panose="02000703000000020004" pitchFamily="2" charset="-127"/>
                     <a:cs typeface="Pretendard SemiBold" panose="02000703000000020004" pitchFamily="2" charset="-127"/>
                   </a:rPr>
-                  <a:t>여유롭고 절제된 동작</a:t>
+                  <a:t>#</a:t>
                 </a:r>
                 <a:r>
-                  <a:rPr lang="ko-KR" altLang="en-US" sz="1000" dirty="0">
-                    <a:latin typeface="Pretendard" panose="02000503000000020004" pitchFamily="2" charset="-127"/>
-                    <a:ea typeface="Pretendard" panose="02000503000000020004" pitchFamily="2" charset="-127"/>
-                    <a:cs typeface="Pretendard" panose="02000503000000020004" pitchFamily="2" charset="-127"/>
+                  <a:rPr lang="ko-KR" altLang="en-US" sz="1000" u="sng" dirty="0">
+                    <a:latin typeface="Pretendard SemiBold" panose="02000703000000020004" pitchFamily="2" charset="-127"/>
+                    <a:ea typeface="Pretendard SemiBold" panose="02000703000000020004" pitchFamily="2" charset="-127"/>
+                    <a:cs typeface="Pretendard SemiBold" panose="02000703000000020004" pitchFamily="2" charset="-127"/>
                   </a:rPr>
-                  <a:t>과 </a:t>
+                  <a:t>자원</a:t>
                 </a:r>
-                <a:endParaRPr lang="en-US" altLang="ko-KR" sz="1000" dirty="0">
+                <a:r>
+                  <a:rPr lang="en-US" altLang="ko-KR" sz="1000" u="sng" dirty="0">
+                    <a:latin typeface="Pretendard SemiBold" panose="02000703000000020004" pitchFamily="2" charset="-127"/>
+                    <a:ea typeface="Pretendard SemiBold" panose="02000703000000020004" pitchFamily="2" charset="-127"/>
+                    <a:cs typeface="Pretendard SemiBold" panose="02000703000000020004" pitchFamily="2" charset="-127"/>
+                  </a:rPr>
+                  <a:t>(</a:t>
+                </a:r>
+                <a:r>
+                  <a:rPr lang="ko-KR" altLang="en-US" sz="1000" u="sng" dirty="0">
+                    <a:latin typeface="Pretendard SemiBold" panose="02000703000000020004" pitchFamily="2" charset="-127"/>
+                    <a:ea typeface="Pretendard SemiBold" panose="02000703000000020004" pitchFamily="2" charset="-127"/>
+                    <a:cs typeface="Pretendard SemiBold" panose="02000703000000020004" pitchFamily="2" charset="-127"/>
+                  </a:rPr>
+                  <a:t>인과</a:t>
+                </a:r>
+                <a:r>
+                  <a:rPr lang="en-US" altLang="ko-KR" sz="1000" u="sng" dirty="0">
+                    <a:latin typeface="Pretendard SemiBold" panose="02000703000000020004" pitchFamily="2" charset="-127"/>
+                    <a:ea typeface="Pretendard SemiBold" panose="02000703000000020004" pitchFamily="2" charset="-127"/>
+                    <a:cs typeface="Pretendard SemiBold" panose="02000703000000020004" pitchFamily="2" charset="-127"/>
+                  </a:rPr>
+                  <a:t>)</a:t>
+                </a:r>
+                <a:r>
+                  <a:rPr lang="ko-KR" altLang="en-US" sz="1000" u="sng" dirty="0">
+                    <a:latin typeface="Pretendard SemiBold" panose="02000703000000020004" pitchFamily="2" charset="-127"/>
+                    <a:ea typeface="Pretendard SemiBold" panose="02000703000000020004" pitchFamily="2" charset="-127"/>
+                    <a:cs typeface="Pretendard SemiBold" panose="02000703000000020004" pitchFamily="2" charset="-127"/>
+                  </a:rPr>
+                  <a:t> 활용</a:t>
+                </a:r>
+                <a:endParaRPr lang="en-US" altLang="ko-KR" sz="800" u="sng" dirty="0">
+                  <a:solidFill>
+                    <a:schemeClr val="tx1">
+                      <a:lumMod val="65000"/>
+                      <a:lumOff val="35000"/>
+                    </a:schemeClr>
+                  </a:solidFill>
                   <a:latin typeface="Pretendard" panose="02000503000000020004" pitchFamily="2" charset="-127"/>
                   <a:ea typeface="Pretendard" panose="02000503000000020004" pitchFamily="2" charset="-127"/>
                   <a:cs typeface="Pretendard" panose="02000503000000020004" pitchFamily="2" charset="-127"/>
                 </a:endParaRPr>
               </a:p>
+            </p:txBody>
+          </p:sp>
+          <p:sp>
+            <p:nvSpPr>
+              <p:cNvPr id="42" name="TextBox 41">
+                <a:extLst>
+                  <a:ext uri="{FF2B5EF4-FFF2-40B4-BE49-F238E27FC236}">
+                    <a16:creationId xmlns:a16="http://schemas.microsoft.com/office/drawing/2014/main" id="{217CBDBB-14CA-5995-FC99-3A76CE1A22FB}"/>
+                  </a:ext>
+                </a:extLst>
+              </p:cNvPr>
+              <p:cNvSpPr txBox="1"/>
+              <p:nvPr/>
+            </p:nvSpPr>
+            <p:spPr>
+              <a:xfrm>
+                <a:off x="9105757" y="2841580"/>
+                <a:ext cx="948511" cy="262943"/>
+              </a:xfrm>
+              <a:prstGeom prst="rect">
+                <a:avLst/>
+              </a:prstGeom>
+              <a:noFill/>
+            </p:spPr>
+            <p:txBody>
+              <a:bodyPr wrap="none" lIns="72000" tIns="54000" rIns="72000" bIns="54000" rtlCol="0">
+                <a:spAutoFit/>
+              </a:bodyPr>
+              <a:lstStyle/>
               <a:p>
-                <a:pPr algn="ctr">
-                  <a:spcAft>
-                    <a:spcPts val="600"/>
-                  </a:spcAft>
-                </a:pPr>
-                <a:r>
-                  <a:rPr lang="ko-KR" altLang="en-US" sz="1000" dirty="0">
-                    <a:latin typeface="Pretendard" panose="02000503000000020004" pitchFamily="2" charset="-127"/>
-                    <a:ea typeface="Pretendard" panose="02000503000000020004" pitchFamily="2" charset="-127"/>
-                    <a:cs typeface="Pretendard" panose="02000503000000020004" pitchFamily="2" charset="-127"/>
-                  </a:rPr>
-                  <a:t>이에 대비되는</a:t>
-                </a:r>
                 <a:r>
                   <a:rPr lang="en-US" altLang="ko-KR" sz="1000" dirty="0">
-                    <a:latin typeface="Pretendard" panose="02000503000000020004" pitchFamily="2" charset="-127"/>
-                    <a:ea typeface="Pretendard" panose="02000503000000020004" pitchFamily="2" charset="-127"/>
-                    <a:cs typeface="Pretendard" panose="02000503000000020004" pitchFamily="2" charset="-127"/>
-                  </a:rPr>
-                  <a:t> </a:t>
-                </a:r>
-                <a:r>
-                  <a:rPr lang="ko-KR" altLang="en-US" sz="1000" dirty="0">
                     <a:latin typeface="Pretendard SemiBold" panose="02000703000000020004" pitchFamily="2" charset="-127"/>
                     <a:ea typeface="Pretendard SemiBold" panose="02000703000000020004" pitchFamily="2" charset="-127"/>
                     <a:cs typeface="Pretendard SemiBold" panose="02000703000000020004" pitchFamily="2" charset="-127"/>
                   </a:rPr>
-                  <a:t>강렬하고 파괴적인 전투</a:t>
+                  <a:t>#</a:t>
                 </a:r>
                 <a:r>
-                  <a:rPr lang="ko-KR" altLang="en-US" sz="1000" dirty="0">
-                    <a:latin typeface="Pretendard" panose="02000503000000020004" pitchFamily="2" charset="-127"/>
-                    <a:ea typeface="Pretendard" panose="02000503000000020004" pitchFamily="2" charset="-127"/>
-                    <a:cs typeface="Pretendard" panose="02000503000000020004" pitchFamily="2" charset="-127"/>
+                  <a:rPr lang="ko-KR" altLang="en-US" sz="1000" u="sng" dirty="0">
+                    <a:latin typeface="Pretendard SemiBold" panose="02000703000000020004" pitchFamily="2" charset="-127"/>
+                    <a:ea typeface="Pretendard SemiBold" panose="02000703000000020004" pitchFamily="2" charset="-127"/>
+                    <a:cs typeface="Pretendard SemiBold" panose="02000703000000020004" pitchFamily="2" charset="-127"/>
                   </a:rPr>
-                  <a:t>를 보여주는 캐릭터</a:t>
+                  <a:t>공격 템포 조절</a:t>
                 </a:r>
-                <a:endParaRPr lang="en-US" altLang="ko-KR" sz="1000" dirty="0">
+                <a:endParaRPr lang="en-US" altLang="ko-KR" sz="800" u="sng" dirty="0">
+                  <a:solidFill>
+                    <a:schemeClr val="tx1">
+                      <a:lumMod val="65000"/>
+                      <a:lumOff val="35000"/>
+                    </a:schemeClr>
+                  </a:solidFill>
                   <a:latin typeface="Pretendard" panose="02000503000000020004" pitchFamily="2" charset="-127"/>
                   <a:ea typeface="Pretendard" panose="02000503000000020004" pitchFamily="2" charset="-127"/>
                   <a:cs typeface="Pretendard" panose="02000503000000020004" pitchFamily="2" charset="-127"/>
@@ -6346,124 +6821,11 @@
             </p:txBody>
           </p:sp>
         </p:grpSp>
-        <p:sp>
-          <p:nvSpPr>
-            <p:cNvPr id="48" name="타원 47">
-              <a:extLst>
-                <a:ext uri="{FF2B5EF4-FFF2-40B4-BE49-F238E27FC236}">
-                  <a16:creationId xmlns:a16="http://schemas.microsoft.com/office/drawing/2014/main" id="{4D9C14C9-185B-3406-985A-53F104968315}"/>
-                </a:ext>
-              </a:extLst>
-            </p:cNvPr>
-            <p:cNvSpPr/>
-            <p:nvPr/>
-          </p:nvSpPr>
-          <p:spPr>
-            <a:xfrm>
-              <a:off x="6165920" y="5290528"/>
-              <a:ext cx="108000" cy="108000"/>
-            </a:xfrm>
-            <a:prstGeom prst="ellipse">
-              <a:avLst/>
-            </a:prstGeom>
-            <a:solidFill>
-              <a:schemeClr val="accent4">
-                <a:lumMod val="20000"/>
-                <a:lumOff val="80000"/>
-              </a:schemeClr>
-            </a:solidFill>
-            <a:ln w="12700">
-              <a:solidFill>
-                <a:schemeClr val="accent4">
-                  <a:lumMod val="60000"/>
-                  <a:lumOff val="40000"/>
-                </a:schemeClr>
-              </a:solidFill>
-            </a:ln>
-            <a:effectLst>
-              <a:glow rad="50800">
-                <a:srgbClr val="FAFCBC"/>
-              </a:glow>
-            </a:effectLst>
-          </p:spPr>
-          <p:style>
-            <a:lnRef idx="2">
-              <a:schemeClr val="accent1">
-                <a:shade val="15000"/>
-              </a:schemeClr>
-            </a:lnRef>
-            <a:fillRef idx="1">
-              <a:schemeClr val="accent1"/>
-            </a:fillRef>
-            <a:effectRef idx="0">
-              <a:schemeClr val="accent1"/>
-            </a:effectRef>
-            <a:fontRef idx="minor">
-              <a:schemeClr val="lt1"/>
-            </a:fontRef>
-          </p:style>
-          <p:txBody>
-            <a:bodyPr rtlCol="0" anchor="ctr"/>
-            <a:lstStyle/>
-            <a:p>
-              <a:pPr algn="ctr"/>
-              <a:endParaRPr lang="ko-KR" altLang="en-US" dirty="0"/>
-            </a:p>
-          </p:txBody>
-        </p:sp>
-        <p:cxnSp>
-          <p:nvCxnSpPr>
-            <p:cNvPr id="49" name="직선 연결선 48">
-              <a:extLst>
-                <a:ext uri="{FF2B5EF4-FFF2-40B4-BE49-F238E27FC236}">
-                  <a16:creationId xmlns:a16="http://schemas.microsoft.com/office/drawing/2014/main" id="{31E165CC-53E5-E6F4-E406-1F90F9C1CB00}"/>
-                </a:ext>
-              </a:extLst>
-            </p:cNvPr>
-            <p:cNvCxnSpPr>
-              <a:cxnSpLocks/>
-              <a:stCxn id="48" idx="6"/>
-              <a:endCxn id="50" idx="1"/>
-            </p:cNvCxnSpPr>
-            <p:nvPr/>
-          </p:nvCxnSpPr>
-          <p:spPr>
-            <a:xfrm>
-              <a:off x="6273920" y="5344528"/>
-              <a:ext cx="1160281" cy="1"/>
-            </a:xfrm>
-            <a:prstGeom prst="line">
-              <a:avLst/>
-            </a:prstGeom>
-            <a:ln w="12700">
-              <a:solidFill>
-                <a:schemeClr val="accent4">
-                  <a:lumMod val="40000"/>
-                  <a:lumOff val="60000"/>
-                </a:schemeClr>
-              </a:solidFill>
-            </a:ln>
-          </p:spPr>
-          <p:style>
-            <a:lnRef idx="2">
-              <a:schemeClr val="accent1"/>
-            </a:lnRef>
-            <a:fillRef idx="0">
-              <a:schemeClr val="accent1"/>
-            </a:fillRef>
-            <a:effectRef idx="1">
-              <a:schemeClr val="accent1"/>
-            </a:effectRef>
-            <a:fontRef idx="minor">
-              <a:schemeClr val="tx1"/>
-            </a:fontRef>
-          </p:style>
-        </p:cxnSp>
       </p:grpSp>
     </p:spTree>
     <p:extLst>
       <p:ext uri="{BB962C8B-B14F-4D97-AF65-F5344CB8AC3E}">
-        <p14:creationId xmlns:p14="http://schemas.microsoft.com/office/powerpoint/2010/main" val="1631885949"/>
+        <p14:creationId xmlns:p14="http://schemas.microsoft.com/office/powerpoint/2010/main" val="109428847"/>
       </p:ext>
     </p:extLst>
   </p:cSld>
@@ -6474,2242 +6836,6 @@
 </file>
 
 <file path=ppt/slides/slide4.xml><?xml version="1.0" encoding="utf-8"?>
-<p:sld xmlns:a="http://schemas.openxmlformats.org/drawingml/2006/main" xmlns:r="http://schemas.openxmlformats.org/officeDocument/2006/relationships" xmlns:p="http://schemas.openxmlformats.org/presentationml/2006/main">
-  <p:cSld>
-    <p:spTree>
-      <p:nvGrpSpPr>
-        <p:cNvPr id="1" name="">
-          <a:extLst>
-            <a:ext uri="{FF2B5EF4-FFF2-40B4-BE49-F238E27FC236}">
-              <a16:creationId xmlns:a16="http://schemas.microsoft.com/office/drawing/2014/main" id="{0CE8F52C-4406-4CF3-632D-AD8F81806DC0}"/>
-            </a:ext>
-          </a:extLst>
-        </p:cNvPr>
-        <p:cNvGrpSpPr/>
-        <p:nvPr/>
-      </p:nvGrpSpPr>
-      <p:grpSpPr>
-        <a:xfrm>
-          <a:off x="0" y="0"/>
-          <a:ext cx="0" cy="0"/>
-          <a:chOff x="0" y="0"/>
-          <a:chExt cx="0" cy="0"/>
-        </a:xfrm>
-      </p:grpSpPr>
-      <p:cxnSp>
-        <p:nvCxnSpPr>
-          <p:cNvPr id="25" name="직선 연결선 24">
-            <a:extLst>
-              <a:ext uri="{FF2B5EF4-FFF2-40B4-BE49-F238E27FC236}">
-                <a16:creationId xmlns:a16="http://schemas.microsoft.com/office/drawing/2014/main" id="{53AB13EF-479B-2BEC-E5E6-43139633F6CC}"/>
-              </a:ext>
-            </a:extLst>
-          </p:cNvPr>
-          <p:cNvCxnSpPr>
-            <a:cxnSpLocks/>
-            <a:stCxn id="10" idx="2"/>
-          </p:cNvCxnSpPr>
-          <p:nvPr/>
-        </p:nvCxnSpPr>
-        <p:spPr>
-          <a:xfrm>
-            <a:off x="1121638" y="1545825"/>
-            <a:ext cx="4023610" cy="0"/>
-          </a:xfrm>
-          <a:prstGeom prst="line">
-            <a:avLst/>
-          </a:prstGeom>
-          <a:ln w="6350">
-            <a:solidFill>
-              <a:srgbClr val="212227"/>
-            </a:solidFill>
-          </a:ln>
-        </p:spPr>
-        <p:style>
-          <a:lnRef idx="2">
-            <a:schemeClr val="accent1"/>
-          </a:lnRef>
-          <a:fillRef idx="0">
-            <a:schemeClr val="accent1"/>
-          </a:fillRef>
-          <a:effectRef idx="1">
-            <a:schemeClr val="accent1"/>
-          </a:effectRef>
-          <a:fontRef idx="minor">
-            <a:schemeClr val="tx1"/>
-          </a:fontRef>
-        </p:style>
-      </p:cxnSp>
-      <p:sp>
-        <p:nvSpPr>
-          <p:cNvPr id="33" name="TextBox 32">
-            <a:extLst>
-              <a:ext uri="{FF2B5EF4-FFF2-40B4-BE49-F238E27FC236}">
-                <a16:creationId xmlns:a16="http://schemas.microsoft.com/office/drawing/2014/main" id="{FDA8C272-3C0C-51F3-5CFF-905350BA9090}"/>
-              </a:ext>
-            </a:extLst>
-          </p:cNvPr>
-          <p:cNvSpPr txBox="1"/>
-          <p:nvPr/>
-        </p:nvSpPr>
-        <p:spPr>
-          <a:xfrm>
-            <a:off x="1249438" y="4170445"/>
-            <a:ext cx="2454816" cy="261610"/>
-          </a:xfrm>
-          <a:prstGeom prst="rect">
-            <a:avLst/>
-          </a:prstGeom>
-          <a:noFill/>
-        </p:spPr>
-        <p:txBody>
-          <a:bodyPr wrap="none" lIns="180000" rIns="0" rtlCol="0">
-            <a:spAutoFit/>
-          </a:bodyPr>
-          <a:lstStyle>
-            <a:defPPr>
-              <a:defRPr lang="ko-KR"/>
-            </a:defPPr>
-            <a:lvl1pPr>
-              <a:defRPr sz="1100">
-                <a:latin typeface="Pretendard SemiBold" panose="02000703000000020004" pitchFamily="2" charset="-127"/>
-                <a:ea typeface="Pretendard SemiBold" panose="02000703000000020004" pitchFamily="2" charset="-127"/>
-                <a:cs typeface="Pretendard SemiBold" panose="02000703000000020004" pitchFamily="2" charset="-127"/>
-              </a:defRPr>
-            </a:lvl1pPr>
-          </a:lstStyle>
-          <a:p>
-            <a:r>
-              <a:rPr lang="ko-KR" altLang="en-US" dirty="0"/>
-              <a:t>숙련도 상승에 따른 성장 체감이 </a:t>
-            </a:r>
-            <a:r>
-              <a:rPr lang="ko-KR" altLang="en-US"/>
-              <a:t>큰 클래스</a:t>
-            </a:r>
-            <a:endParaRPr lang="en-US" altLang="ko-KR" dirty="0"/>
-          </a:p>
-        </p:txBody>
-      </p:sp>
-      <p:sp>
-        <p:nvSpPr>
-          <p:cNvPr id="8" name="TextBox 7">
-            <a:extLst>
-              <a:ext uri="{FF2B5EF4-FFF2-40B4-BE49-F238E27FC236}">
-                <a16:creationId xmlns:a16="http://schemas.microsoft.com/office/drawing/2014/main" id="{5690F4D8-FC7C-2197-86AE-27CECDAF2BAB}"/>
-              </a:ext>
-            </a:extLst>
-          </p:cNvPr>
-          <p:cNvSpPr txBox="1"/>
-          <p:nvPr/>
-        </p:nvSpPr>
-        <p:spPr>
-          <a:xfrm>
-            <a:off x="7808006" y="2596908"/>
-            <a:ext cx="2250616" cy="253916"/>
-          </a:xfrm>
-          <a:prstGeom prst="rect">
-            <a:avLst/>
-          </a:prstGeom>
-          <a:noFill/>
-        </p:spPr>
-        <p:txBody>
-          <a:bodyPr wrap="none" lIns="0" rIns="0" rtlCol="0">
-            <a:spAutoFit/>
-          </a:bodyPr>
-          <a:lstStyle/>
-          <a:p>
-            <a:pPr algn="ctr"/>
-            <a:r>
-              <a:rPr lang="ko-KR" altLang="en-US" sz="1050" dirty="0">
-                <a:latin typeface="Pretendard SemiBold" panose="02000703000000020004" pitchFamily="2" charset="-127"/>
-                <a:ea typeface="Pretendard SemiBold" panose="02000703000000020004" pitchFamily="2" charset="-127"/>
-                <a:cs typeface="Pretendard SemiBold" panose="02000703000000020004" pitchFamily="2" charset="-127"/>
-              </a:rPr>
-              <a:t>공격적</a:t>
-            </a:r>
-            <a:r>
-              <a:rPr lang="en-US" altLang="ko-KR" sz="1050" dirty="0">
-                <a:latin typeface="Pretendard SemiBold" panose="02000703000000020004" pitchFamily="2" charset="-127"/>
-                <a:ea typeface="Pretendard SemiBold" panose="02000703000000020004" pitchFamily="2" charset="-127"/>
-                <a:cs typeface="Pretendard SemiBold" panose="02000703000000020004" pitchFamily="2" charset="-127"/>
-              </a:rPr>
-              <a:t>/</a:t>
-            </a:r>
-            <a:r>
-              <a:rPr lang="ko-KR" altLang="en-US" sz="1050" dirty="0">
-                <a:latin typeface="Pretendard SemiBold" panose="02000703000000020004" pitchFamily="2" charset="-127"/>
-                <a:ea typeface="Pretendard SemiBold" panose="02000703000000020004" pitchFamily="2" charset="-127"/>
-                <a:cs typeface="Pretendard SemiBold" panose="02000703000000020004" pitchFamily="2" charset="-127"/>
-              </a:rPr>
-              <a:t>능동적으로 전투를 이어가는 클래스</a:t>
-            </a:r>
-            <a:endParaRPr lang="en-US" altLang="ko-KR" sz="1050" dirty="0">
-              <a:latin typeface="Pretendard SemiBold" panose="02000703000000020004" pitchFamily="2" charset="-127"/>
-              <a:ea typeface="Pretendard SemiBold" panose="02000703000000020004" pitchFamily="2" charset="-127"/>
-              <a:cs typeface="Pretendard SemiBold" panose="02000703000000020004" pitchFamily="2" charset="-127"/>
-            </a:endParaRPr>
-          </a:p>
-        </p:txBody>
-      </p:sp>
-      <p:sp>
-        <p:nvSpPr>
-          <p:cNvPr id="52" name="TextBox 51">
-            <a:extLst>
-              <a:ext uri="{FF2B5EF4-FFF2-40B4-BE49-F238E27FC236}">
-                <a16:creationId xmlns:a16="http://schemas.microsoft.com/office/drawing/2014/main" id="{C32C7068-C987-0E9C-A340-812081FA04FD}"/>
-              </a:ext>
-            </a:extLst>
-          </p:cNvPr>
-          <p:cNvSpPr txBox="1"/>
-          <p:nvPr/>
-        </p:nvSpPr>
-        <p:spPr>
-          <a:xfrm>
-            <a:off x="7558798" y="4158048"/>
-            <a:ext cx="2942129" cy="261610"/>
-          </a:xfrm>
-          <a:prstGeom prst="rect">
-            <a:avLst/>
-          </a:prstGeom>
-          <a:noFill/>
-        </p:spPr>
-        <p:txBody>
-          <a:bodyPr wrap="none" lIns="180000" rIns="0" rtlCol="0">
-            <a:spAutoFit/>
-          </a:bodyPr>
-          <a:lstStyle>
-            <a:defPPr>
-              <a:defRPr lang="ko-KR"/>
-            </a:defPPr>
-            <a:lvl1pPr>
-              <a:defRPr sz="1100">
-                <a:latin typeface="Pretendard SemiBold" panose="02000703000000020004" pitchFamily="2" charset="-127"/>
-                <a:ea typeface="Pretendard SemiBold" panose="02000703000000020004" pitchFamily="2" charset="-127"/>
-                <a:cs typeface="Pretendard SemiBold" panose="02000703000000020004" pitchFamily="2" charset="-127"/>
-              </a:defRPr>
-            </a:lvl1pPr>
-          </a:lstStyle>
-          <a:p>
-            <a:r>
-              <a:rPr lang="ko-KR" altLang="en-US" dirty="0"/>
-              <a:t>익숙함과 함께 강력한 존재라는 느낌이 </a:t>
-            </a:r>
-            <a:r>
-              <a:rPr lang="ko-KR" altLang="en-US"/>
-              <a:t>드는 클래스</a:t>
-            </a:r>
-            <a:endParaRPr lang="en-US" altLang="ko-KR" dirty="0"/>
-          </a:p>
-        </p:txBody>
-      </p:sp>
-      <p:sp>
-        <p:nvSpPr>
-          <p:cNvPr id="32" name="TextBox 31">
-            <a:extLst>
-              <a:ext uri="{FF2B5EF4-FFF2-40B4-BE49-F238E27FC236}">
-                <a16:creationId xmlns:a16="http://schemas.microsoft.com/office/drawing/2014/main" id="{0EF33F60-C4AA-9B1F-61C9-819A2929AF68}"/>
-              </a:ext>
-            </a:extLst>
-          </p:cNvPr>
-          <p:cNvSpPr txBox="1"/>
-          <p:nvPr/>
-        </p:nvSpPr>
-        <p:spPr>
-          <a:xfrm>
-            <a:off x="1249438" y="1288062"/>
-            <a:ext cx="1518662" cy="261610"/>
-          </a:xfrm>
-          <a:prstGeom prst="rect">
-            <a:avLst/>
-          </a:prstGeom>
-          <a:noFill/>
-        </p:spPr>
-        <p:txBody>
-          <a:bodyPr wrap="none" lIns="180000" rIns="0" rtlCol="0">
-            <a:spAutoFit/>
-          </a:bodyPr>
-          <a:lstStyle/>
-          <a:p>
-            <a:r>
-              <a:rPr lang="ko-KR" altLang="en-US" sz="1100" dirty="0">
-                <a:latin typeface="Pretendard SemiBold" panose="02000703000000020004" pitchFamily="2" charset="-127"/>
-                <a:ea typeface="Pretendard SemiBold" panose="02000703000000020004" pitchFamily="2" charset="-127"/>
-                <a:cs typeface="Pretendard SemiBold" panose="02000703000000020004" pitchFamily="2" charset="-127"/>
-              </a:rPr>
-              <a:t>선</a:t>
-            </a:r>
-            <a:r>
-              <a:rPr lang="en-US" altLang="ko-KR" sz="1100" dirty="0">
-                <a:latin typeface="Pretendard SemiBold" panose="02000703000000020004" pitchFamily="2" charset="-127"/>
-                <a:ea typeface="Pretendard SemiBold" panose="02000703000000020004" pitchFamily="2" charset="-127"/>
-                <a:cs typeface="Pretendard SemiBold" panose="02000703000000020004" pitchFamily="2" charset="-127"/>
-              </a:rPr>
-              <a:t>/</a:t>
-            </a:r>
-            <a:r>
-              <a:rPr lang="ko-KR" altLang="en-US" sz="1100" dirty="0" err="1">
-                <a:latin typeface="Pretendard SemiBold" panose="02000703000000020004" pitchFamily="2" charset="-127"/>
-                <a:ea typeface="Pretendard SemiBold" panose="02000703000000020004" pitchFamily="2" charset="-127"/>
-                <a:cs typeface="Pretendard SemiBold" panose="02000703000000020004" pitchFamily="2" charset="-127"/>
-              </a:rPr>
-              <a:t>후딜레이가</a:t>
-            </a:r>
-            <a:r>
-              <a:rPr lang="ko-KR" altLang="en-US" sz="1100" dirty="0">
-                <a:latin typeface="Pretendard SemiBold" panose="02000703000000020004" pitchFamily="2" charset="-127"/>
-                <a:ea typeface="Pretendard SemiBold" panose="02000703000000020004" pitchFamily="2" charset="-127"/>
-                <a:cs typeface="Pretendard SemiBold" panose="02000703000000020004" pitchFamily="2" charset="-127"/>
-              </a:rPr>
-              <a:t> 짧은 스킬</a:t>
-            </a:r>
-            <a:endParaRPr lang="en-US" altLang="ko-KR" sz="1100" dirty="0">
-              <a:latin typeface="Pretendard SemiBold" panose="02000703000000020004" pitchFamily="2" charset="-127"/>
-              <a:ea typeface="Pretendard SemiBold" panose="02000703000000020004" pitchFamily="2" charset="-127"/>
-              <a:cs typeface="Pretendard SemiBold" panose="02000703000000020004" pitchFamily="2" charset="-127"/>
-            </a:endParaRPr>
-          </a:p>
-        </p:txBody>
-      </p:sp>
-      <p:sp>
-        <p:nvSpPr>
-          <p:cNvPr id="23" name="TextBox 22">
-            <a:extLst>
-              <a:ext uri="{FF2B5EF4-FFF2-40B4-BE49-F238E27FC236}">
-                <a16:creationId xmlns:a16="http://schemas.microsoft.com/office/drawing/2014/main" id="{7EF2BAFF-4E8E-DE64-EB6A-625E6F3A58F5}"/>
-              </a:ext>
-            </a:extLst>
-          </p:cNvPr>
-          <p:cNvSpPr txBox="1"/>
-          <p:nvPr/>
-        </p:nvSpPr>
-        <p:spPr>
-          <a:xfrm>
-            <a:off x="993838" y="1706686"/>
-            <a:ext cx="4631979" cy="473528"/>
-          </a:xfrm>
-          <a:prstGeom prst="rect">
-            <a:avLst/>
-          </a:prstGeom>
-          <a:noFill/>
-        </p:spPr>
-        <p:txBody>
-          <a:bodyPr wrap="square" lIns="144000" rIns="144000" rtlCol="0">
-            <a:spAutoFit/>
-          </a:bodyPr>
-          <a:lstStyle>
-            <a:defPPr>
-              <a:defRPr lang="ko-KR"/>
-            </a:defPPr>
-            <a:lvl1pPr>
-              <a:defRPr sz="1000">
-                <a:latin typeface="Pretendard" panose="02000503000000020004" pitchFamily="2" charset="-127"/>
-                <a:ea typeface="Pretendard" panose="02000503000000020004" pitchFamily="2" charset="-127"/>
-                <a:cs typeface="Pretendard" panose="02000503000000020004" pitchFamily="2" charset="-127"/>
-              </a:defRPr>
-            </a:lvl1pPr>
-          </a:lstStyle>
-          <a:p>
-            <a:pPr>
-              <a:lnSpc>
-                <a:spcPct val="130000"/>
-              </a:lnSpc>
-            </a:pPr>
-            <a:r>
-              <a:rPr lang="ko-KR" altLang="en-US" dirty="0"/>
-              <a:t>현자는 원리와 법칙을 파악하여 최고의 효율을 찾아내는 컨셉의 클래스입니다</a:t>
-            </a:r>
-            <a:r>
-              <a:rPr lang="en-US" altLang="ko-KR" dirty="0"/>
-              <a:t>.</a:t>
-            </a:r>
-          </a:p>
-          <a:p>
-            <a:pPr>
-              <a:lnSpc>
-                <a:spcPct val="130000"/>
-              </a:lnSpc>
-            </a:pPr>
-            <a:r>
-              <a:rPr lang="ko-KR" altLang="en-US" dirty="0"/>
-              <a:t>따라서</a:t>
-            </a:r>
-            <a:r>
-              <a:rPr lang="en-US" altLang="ko-KR" dirty="0"/>
-              <a:t>, </a:t>
-            </a:r>
-            <a:r>
-              <a:rPr lang="ko-KR" altLang="en-US" dirty="0"/>
-              <a:t>이들이 사용하는 스킬은 최소한의 움직임으로 최대의 결과를 </a:t>
-            </a:r>
-            <a:r>
-              <a:rPr lang="ko-KR" altLang="en-US" dirty="0" err="1"/>
-              <a:t>이루어냅니다</a:t>
-            </a:r>
-            <a:r>
-              <a:rPr lang="en-US" altLang="ko-KR" dirty="0"/>
-              <a:t>.</a:t>
-            </a:r>
-          </a:p>
-        </p:txBody>
-      </p:sp>
-      <p:sp>
-        <p:nvSpPr>
-          <p:cNvPr id="27" name="TextBox 26">
-            <a:extLst>
-              <a:ext uri="{FF2B5EF4-FFF2-40B4-BE49-F238E27FC236}">
-                <a16:creationId xmlns:a16="http://schemas.microsoft.com/office/drawing/2014/main" id="{F11CB673-AABB-2446-F734-017288F1378E}"/>
-              </a:ext>
-            </a:extLst>
-          </p:cNvPr>
-          <p:cNvSpPr txBox="1"/>
-          <p:nvPr/>
-        </p:nvSpPr>
-        <p:spPr>
-          <a:xfrm>
-            <a:off x="442913" y="4569343"/>
-            <a:ext cx="5182904" cy="873637"/>
-          </a:xfrm>
-          <a:prstGeom prst="rect">
-            <a:avLst/>
-          </a:prstGeom>
-          <a:noFill/>
-        </p:spPr>
-        <p:txBody>
-          <a:bodyPr wrap="square" lIns="144000" rIns="144000" rtlCol="0">
-            <a:spAutoFit/>
-          </a:bodyPr>
-          <a:lstStyle>
-            <a:defPPr>
-              <a:defRPr lang="ko-KR"/>
-            </a:defPPr>
-            <a:lvl1pPr>
-              <a:defRPr sz="1000">
-                <a:latin typeface="Pretendard" panose="02000503000000020004" pitchFamily="2" charset="-127"/>
-                <a:ea typeface="Pretendard" panose="02000503000000020004" pitchFamily="2" charset="-127"/>
-                <a:cs typeface="Pretendard" panose="02000503000000020004" pitchFamily="2" charset="-127"/>
-              </a:defRPr>
-            </a:lvl1pPr>
-          </a:lstStyle>
-          <a:p>
-            <a:pPr algn="ctr">
-              <a:lnSpc>
-                <a:spcPct val="130000"/>
-              </a:lnSpc>
-            </a:pPr>
-            <a:r>
-              <a:rPr lang="ko-KR" altLang="en-US" dirty="0"/>
-              <a:t>하지만</a:t>
-            </a:r>
-            <a:r>
-              <a:rPr lang="en-US" altLang="ko-KR" dirty="0"/>
-              <a:t>, </a:t>
-            </a:r>
-            <a:r>
-              <a:rPr lang="ko-KR" altLang="en-US" dirty="0"/>
-              <a:t>스킬이 최고의 성능을 발휘하기 위해서는 험난한 과정이 필요합니다</a:t>
-            </a:r>
-            <a:r>
-              <a:rPr lang="en-US" altLang="ko-KR" dirty="0"/>
-              <a:t>.</a:t>
-            </a:r>
-          </a:p>
-          <a:p>
-            <a:pPr algn="ctr">
-              <a:lnSpc>
-                <a:spcPct val="130000"/>
-              </a:lnSpc>
-            </a:pPr>
-            <a:r>
-              <a:rPr lang="ko-KR" altLang="en-US" dirty="0"/>
-              <a:t>적과의 일정 거리를 유지해야 하면서</a:t>
-            </a:r>
-            <a:r>
-              <a:rPr lang="en-US" altLang="ko-KR" dirty="0"/>
-              <a:t> </a:t>
-            </a:r>
-            <a:r>
-              <a:rPr lang="ko-KR" altLang="en-US" dirty="0"/>
-              <a:t>지속적으로 적을 공격하는 등 </a:t>
-            </a:r>
-            <a:endParaRPr lang="en-US" altLang="ko-KR" dirty="0"/>
-          </a:p>
-          <a:p>
-            <a:pPr algn="ctr">
-              <a:lnSpc>
-                <a:spcPct val="130000"/>
-              </a:lnSpc>
-            </a:pPr>
-            <a:endParaRPr lang="en-US" altLang="ko-KR" dirty="0"/>
-          </a:p>
-          <a:p>
-            <a:pPr algn="ctr">
-              <a:lnSpc>
-                <a:spcPct val="130000"/>
-              </a:lnSpc>
-            </a:pPr>
-            <a:r>
-              <a:rPr lang="ko-KR" altLang="en-US" dirty="0"/>
-              <a:t>자칫 잘못하면 처음부터 다시 진행해야 하거나</a:t>
-            </a:r>
-            <a:r>
-              <a:rPr lang="en-US" altLang="ko-KR" dirty="0"/>
-              <a:t>,</a:t>
-            </a:r>
-            <a:r>
-              <a:rPr lang="ko-KR" altLang="en-US" dirty="0"/>
-              <a:t> 최고의 성능을 발휘하기 위해 시간이 필요합니다</a:t>
-            </a:r>
-            <a:r>
-              <a:rPr lang="en-US" altLang="ko-KR" dirty="0"/>
-              <a:t>.</a:t>
-            </a:r>
-          </a:p>
-        </p:txBody>
-      </p:sp>
-      <p:pic>
-        <p:nvPicPr>
-          <p:cNvPr id="13" name="그림 12" descr="포유류, 가상의 캐릭터, 만화 영화, 조각상이(가) 표시된 사진&#10;&#10;AI 생성 콘텐츠는 정확하지 않을 수 있습니다.">
-            <a:extLst>
-              <a:ext uri="{FF2B5EF4-FFF2-40B4-BE49-F238E27FC236}">
-                <a16:creationId xmlns:a16="http://schemas.microsoft.com/office/drawing/2014/main" id="{15897F36-0FF6-E56E-D8EE-9FFBC791ECCE}"/>
-              </a:ext>
-            </a:extLst>
-          </p:cNvPr>
-          <p:cNvPicPr>
-            <a:picLocks noChangeAspect="1"/>
-          </p:cNvPicPr>
-          <p:nvPr/>
-        </p:nvPicPr>
-        <p:blipFill>
-          <a:blip r:embed="rId2">
-            <a:extLst>
-              <a:ext uri="{28A0092B-C50C-407E-A947-70E740481C1C}">
-                <a14:useLocalDpi xmlns:a14="http://schemas.microsoft.com/office/drawing/2010/main" val="0"/>
-              </a:ext>
-            </a:extLst>
-          </a:blip>
-          <a:stretch>
-            <a:fillRect/>
-          </a:stretch>
-        </p:blipFill>
-        <p:spPr>
-          <a:xfrm>
-            <a:off x="8868144" y="4822935"/>
-            <a:ext cx="946120" cy="1261494"/>
-          </a:xfrm>
-          <a:prstGeom prst="rect">
-            <a:avLst/>
-          </a:prstGeom>
-        </p:spPr>
-      </p:pic>
-      <p:pic>
-        <p:nvPicPr>
-          <p:cNvPr id="15" name="그림 14" descr="인간의 얼굴, 사람, 인간의 수염, 콧수염이(가) 표시된 사진&#10;&#10;AI 생성 콘텐츠는 정확하지 않을 수 있습니다.">
-            <a:extLst>
-              <a:ext uri="{FF2B5EF4-FFF2-40B4-BE49-F238E27FC236}">
-                <a16:creationId xmlns:a16="http://schemas.microsoft.com/office/drawing/2014/main" id="{15AFBF0B-5488-9CFD-A10A-81A7B0276524}"/>
-              </a:ext>
-            </a:extLst>
-          </p:cNvPr>
-          <p:cNvPicPr>
-            <a:picLocks noChangeAspect="1"/>
-          </p:cNvPicPr>
-          <p:nvPr/>
-        </p:nvPicPr>
-        <p:blipFill>
-          <a:blip r:embed="rId3">
-            <a:extLst>
-              <a:ext uri="{28A0092B-C50C-407E-A947-70E740481C1C}">
-                <a14:useLocalDpi xmlns:a14="http://schemas.microsoft.com/office/drawing/2010/main" val="0"/>
-              </a:ext>
-            </a:extLst>
-          </a:blip>
-          <a:stretch>
-            <a:fillRect/>
-          </a:stretch>
-        </p:blipFill>
-        <p:spPr>
-          <a:xfrm>
-            <a:off x="6795456" y="4822935"/>
-            <a:ext cx="1700050" cy="1052412"/>
-          </a:xfrm>
-          <a:prstGeom prst="rect">
-            <a:avLst/>
-          </a:prstGeom>
-        </p:spPr>
-      </p:pic>
-      <p:sp>
-        <p:nvSpPr>
-          <p:cNvPr id="16" name="TextBox 15">
-            <a:extLst>
-              <a:ext uri="{FF2B5EF4-FFF2-40B4-BE49-F238E27FC236}">
-                <a16:creationId xmlns:a16="http://schemas.microsoft.com/office/drawing/2014/main" id="{FDE1B234-8D41-5916-1AAA-36909911D618}"/>
-              </a:ext>
-            </a:extLst>
-          </p:cNvPr>
-          <p:cNvSpPr txBox="1"/>
-          <p:nvPr/>
-        </p:nvSpPr>
-        <p:spPr>
-          <a:xfrm>
-            <a:off x="442913" y="6943084"/>
-            <a:ext cx="5182904" cy="1073692"/>
-          </a:xfrm>
-          <a:prstGeom prst="rect">
-            <a:avLst/>
-          </a:prstGeom>
-          <a:noFill/>
-        </p:spPr>
-        <p:txBody>
-          <a:bodyPr wrap="square" lIns="144000" rIns="144000" rtlCol="0">
-            <a:spAutoFit/>
-          </a:bodyPr>
-          <a:lstStyle>
-            <a:defPPr>
-              <a:defRPr lang="ko-KR"/>
-            </a:defPPr>
-            <a:lvl1pPr>
-              <a:defRPr sz="1000">
-                <a:latin typeface="Pretendard" panose="02000503000000020004" pitchFamily="2" charset="-127"/>
-                <a:ea typeface="Pretendard" panose="02000503000000020004" pitchFamily="2" charset="-127"/>
-                <a:cs typeface="Pretendard" panose="02000503000000020004" pitchFamily="2" charset="-127"/>
-              </a:defRPr>
-            </a:lvl1pPr>
-          </a:lstStyle>
-          <a:p>
-            <a:pPr algn="ctr">
-              <a:lnSpc>
-                <a:spcPct val="130000"/>
-              </a:lnSpc>
-            </a:pPr>
-            <a:r>
-              <a:rPr lang="ko-KR" altLang="en-US" dirty="0"/>
-              <a:t>이 캐릭터를 왜 만들어야 해</a:t>
-            </a:r>
-            <a:r>
-              <a:rPr lang="en-US" altLang="ko-KR" dirty="0"/>
-              <a:t>?</a:t>
-            </a:r>
-          </a:p>
-          <a:p>
-            <a:pPr algn="ctr">
-              <a:lnSpc>
-                <a:spcPct val="130000"/>
-              </a:lnSpc>
-            </a:pPr>
-            <a:r>
-              <a:rPr lang="ko-KR" altLang="en-US" dirty="0"/>
-              <a:t>어떤 재미를 주는 데</a:t>
-            </a:r>
-            <a:r>
-              <a:rPr lang="en-US" altLang="ko-KR" dirty="0"/>
-              <a:t>?</a:t>
-            </a:r>
-          </a:p>
-          <a:p>
-            <a:pPr algn="ctr">
-              <a:lnSpc>
-                <a:spcPct val="130000"/>
-              </a:lnSpc>
-            </a:pPr>
-            <a:r>
-              <a:rPr lang="ko-KR" altLang="en-US" dirty="0"/>
-              <a:t>다른 캐릭터와 차이점은 </a:t>
-            </a:r>
-            <a:r>
-              <a:rPr lang="ko-KR" altLang="en-US" dirty="0" err="1"/>
-              <a:t>뭔데</a:t>
-            </a:r>
-            <a:r>
-              <a:rPr lang="en-US" altLang="ko-KR" dirty="0"/>
-              <a:t>?</a:t>
-            </a:r>
-          </a:p>
-          <a:p>
-            <a:pPr algn="ctr">
-              <a:lnSpc>
-                <a:spcPct val="130000"/>
-              </a:lnSpc>
-            </a:pPr>
-            <a:r>
-              <a:rPr lang="ko-KR" altLang="en-US" dirty="0"/>
-              <a:t>등등</a:t>
-            </a:r>
-            <a:endParaRPr lang="en-US" altLang="ko-KR" dirty="0"/>
-          </a:p>
-          <a:p>
-            <a:pPr algn="ctr">
-              <a:lnSpc>
-                <a:spcPct val="130000"/>
-              </a:lnSpc>
-            </a:pPr>
-            <a:endParaRPr lang="en-US" altLang="ko-KR" dirty="0"/>
-          </a:p>
-        </p:txBody>
-      </p:sp>
-      <p:sp>
-        <p:nvSpPr>
-          <p:cNvPr id="10" name="TextBox 9">
-            <a:extLst>
-              <a:ext uri="{FF2B5EF4-FFF2-40B4-BE49-F238E27FC236}">
-                <a16:creationId xmlns:a16="http://schemas.microsoft.com/office/drawing/2014/main" id="{E52CB667-5909-80B2-89E8-C11D6B2F779E}"/>
-              </a:ext>
-            </a:extLst>
-          </p:cNvPr>
-          <p:cNvSpPr txBox="1"/>
-          <p:nvPr/>
-        </p:nvSpPr>
-        <p:spPr>
-          <a:xfrm>
-            <a:off x="993838" y="1291909"/>
-            <a:ext cx="255600" cy="253916"/>
-          </a:xfrm>
-          <a:prstGeom prst="rect">
-            <a:avLst/>
-          </a:prstGeom>
-          <a:solidFill>
-            <a:srgbClr val="212227"/>
-          </a:solidFill>
-          <a:ln w="6350">
-            <a:solidFill>
-              <a:srgbClr val="212227"/>
-            </a:solidFill>
-          </a:ln>
-        </p:spPr>
-        <p:txBody>
-          <a:bodyPr wrap="square" lIns="0" tIns="0" rIns="0" bIns="0" rtlCol="0" anchor="ctr">
-            <a:noAutofit/>
-          </a:bodyPr>
-          <a:lstStyle/>
-          <a:p>
-            <a:pPr algn="ctr"/>
-            <a:r>
-              <a:rPr lang="en-US" altLang="ko-KR" sz="1100" dirty="0">
-                <a:ln w="0"/>
-                <a:solidFill>
-                  <a:schemeClr val="bg1"/>
-                </a:solidFill>
-                <a:effectLst>
-                  <a:outerShdw blurRad="38100" dist="19050" dir="2700000" algn="tl" rotWithShape="0">
-                    <a:schemeClr val="dk1">
-                      <a:alpha val="40000"/>
-                    </a:schemeClr>
-                  </a:outerShdw>
-                </a:effectLst>
-                <a:latin typeface="Pretendard ExtraBold" panose="02000903000000020004" pitchFamily="2" charset="-127"/>
-                <a:ea typeface="Pretendard ExtraBold" panose="02000903000000020004" pitchFamily="2" charset="-127"/>
-                <a:cs typeface="Pretendard ExtraBold" panose="02000903000000020004" pitchFamily="2" charset="-127"/>
-              </a:rPr>
-              <a:t>1</a:t>
-            </a:r>
-          </a:p>
-        </p:txBody>
-      </p:sp>
-      <p:sp>
-        <p:nvSpPr>
-          <p:cNvPr id="11" name="TextBox 10">
-            <a:extLst>
-              <a:ext uri="{FF2B5EF4-FFF2-40B4-BE49-F238E27FC236}">
-                <a16:creationId xmlns:a16="http://schemas.microsoft.com/office/drawing/2014/main" id="{BD749375-E8F8-FA78-8FFF-801B964CB1F9}"/>
-              </a:ext>
-            </a:extLst>
-          </p:cNvPr>
-          <p:cNvSpPr txBox="1"/>
-          <p:nvPr/>
-        </p:nvSpPr>
-        <p:spPr>
-          <a:xfrm>
-            <a:off x="7349292" y="2832821"/>
-            <a:ext cx="255600" cy="253916"/>
-          </a:xfrm>
-          <a:prstGeom prst="rect">
-            <a:avLst/>
-          </a:prstGeom>
-          <a:solidFill>
-            <a:srgbClr val="212227"/>
-          </a:solidFill>
-        </p:spPr>
-        <p:txBody>
-          <a:bodyPr wrap="square" lIns="0" tIns="0" rIns="0" bIns="0" rtlCol="0" anchor="ctr">
-            <a:noAutofit/>
-          </a:bodyPr>
-          <a:lstStyle/>
-          <a:p>
-            <a:pPr algn="ctr"/>
-            <a:r>
-              <a:rPr lang="en-US" altLang="ko-KR" sz="1100" dirty="0">
-                <a:ln w="0"/>
-                <a:solidFill>
-                  <a:schemeClr val="bg1"/>
-                </a:solidFill>
-                <a:effectLst>
-                  <a:outerShdw blurRad="38100" dist="19050" dir="2700000" algn="tl" rotWithShape="0">
-                    <a:schemeClr val="dk1">
-                      <a:alpha val="40000"/>
-                    </a:schemeClr>
-                  </a:outerShdw>
-                </a:effectLst>
-                <a:latin typeface="Pretendard ExtraBold" panose="02000903000000020004" pitchFamily="2" charset="-127"/>
-                <a:ea typeface="Pretendard ExtraBold" panose="02000903000000020004" pitchFamily="2" charset="-127"/>
-                <a:cs typeface="Pretendard ExtraBold" panose="02000903000000020004" pitchFamily="2" charset="-127"/>
-              </a:rPr>
-              <a:t>2</a:t>
-            </a:r>
-          </a:p>
-        </p:txBody>
-      </p:sp>
-      <p:sp>
-        <p:nvSpPr>
-          <p:cNvPr id="14" name="TextBox 13">
-            <a:extLst>
-              <a:ext uri="{FF2B5EF4-FFF2-40B4-BE49-F238E27FC236}">
-                <a16:creationId xmlns:a16="http://schemas.microsoft.com/office/drawing/2014/main" id="{C33ED600-A15C-A5ED-DA02-3425BD25B947}"/>
-              </a:ext>
-            </a:extLst>
-          </p:cNvPr>
-          <p:cNvSpPr txBox="1"/>
-          <p:nvPr/>
-        </p:nvSpPr>
-        <p:spPr>
-          <a:xfrm>
-            <a:off x="993838" y="4174292"/>
-            <a:ext cx="255600" cy="253916"/>
-          </a:xfrm>
-          <a:prstGeom prst="rect">
-            <a:avLst/>
-          </a:prstGeom>
-          <a:solidFill>
-            <a:srgbClr val="212227"/>
-          </a:solidFill>
-        </p:spPr>
-        <p:txBody>
-          <a:bodyPr wrap="square" lIns="0" tIns="0" rIns="0" bIns="0" rtlCol="0" anchor="ctr">
-            <a:noAutofit/>
-          </a:bodyPr>
-          <a:lstStyle/>
-          <a:p>
-            <a:pPr algn="ctr"/>
-            <a:r>
-              <a:rPr lang="en-US" altLang="ko-KR" sz="1100" dirty="0">
-                <a:ln w="0"/>
-                <a:solidFill>
-                  <a:schemeClr val="bg1"/>
-                </a:solidFill>
-                <a:effectLst>
-                  <a:outerShdw blurRad="38100" dist="19050" dir="2700000" algn="tl" rotWithShape="0">
-                    <a:schemeClr val="dk1">
-                      <a:alpha val="40000"/>
-                    </a:schemeClr>
-                  </a:outerShdw>
-                </a:effectLst>
-                <a:latin typeface="Pretendard ExtraBold" panose="02000903000000020004" pitchFamily="2" charset="-127"/>
-                <a:ea typeface="Pretendard ExtraBold" panose="02000903000000020004" pitchFamily="2" charset="-127"/>
-                <a:cs typeface="Pretendard ExtraBold" panose="02000903000000020004" pitchFamily="2" charset="-127"/>
-              </a:rPr>
-              <a:t>3</a:t>
-            </a:r>
-          </a:p>
-        </p:txBody>
-      </p:sp>
-      <p:sp>
-        <p:nvSpPr>
-          <p:cNvPr id="20" name="TextBox 19">
-            <a:extLst>
-              <a:ext uri="{FF2B5EF4-FFF2-40B4-BE49-F238E27FC236}">
-                <a16:creationId xmlns:a16="http://schemas.microsoft.com/office/drawing/2014/main" id="{DDCB2E01-1BC9-1929-BC1F-CADF0D3D634D}"/>
-              </a:ext>
-            </a:extLst>
-          </p:cNvPr>
-          <p:cNvSpPr txBox="1"/>
-          <p:nvPr/>
-        </p:nvSpPr>
-        <p:spPr>
-          <a:xfrm>
-            <a:off x="7303198" y="4165742"/>
-            <a:ext cx="255600" cy="253916"/>
-          </a:xfrm>
-          <a:prstGeom prst="rect">
-            <a:avLst/>
-          </a:prstGeom>
-          <a:solidFill>
-            <a:srgbClr val="212227"/>
-          </a:solidFill>
-        </p:spPr>
-        <p:txBody>
-          <a:bodyPr wrap="square" lIns="0" tIns="0" rIns="0" bIns="0" rtlCol="0" anchor="ctr">
-            <a:noAutofit/>
-          </a:bodyPr>
-          <a:lstStyle/>
-          <a:p>
-            <a:pPr algn="ctr"/>
-            <a:r>
-              <a:rPr lang="en-US" altLang="ko-KR" sz="1100" dirty="0">
-                <a:ln w="0"/>
-                <a:solidFill>
-                  <a:schemeClr val="bg1"/>
-                </a:solidFill>
-                <a:effectLst>
-                  <a:outerShdw blurRad="38100" dist="19050" dir="2700000" algn="tl" rotWithShape="0">
-                    <a:schemeClr val="dk1">
-                      <a:alpha val="40000"/>
-                    </a:schemeClr>
-                  </a:outerShdw>
-                </a:effectLst>
-                <a:latin typeface="Pretendard ExtraBold" panose="02000903000000020004" pitchFamily="2" charset="-127"/>
-                <a:ea typeface="Pretendard ExtraBold" panose="02000903000000020004" pitchFamily="2" charset="-127"/>
-                <a:cs typeface="Pretendard ExtraBold" panose="02000903000000020004" pitchFamily="2" charset="-127"/>
-              </a:rPr>
-              <a:t>4</a:t>
-            </a:r>
-          </a:p>
-        </p:txBody>
-      </p:sp>
-      <p:cxnSp>
-        <p:nvCxnSpPr>
-          <p:cNvPr id="26" name="직선 연결선 25">
-            <a:extLst>
-              <a:ext uri="{FF2B5EF4-FFF2-40B4-BE49-F238E27FC236}">
-                <a16:creationId xmlns:a16="http://schemas.microsoft.com/office/drawing/2014/main" id="{01806D01-5416-5D2B-DFB8-5904847EE4F4}"/>
-              </a:ext>
-            </a:extLst>
-          </p:cNvPr>
-          <p:cNvCxnSpPr>
-            <a:stCxn id="30" idx="2"/>
-          </p:cNvCxnSpPr>
-          <p:nvPr/>
-        </p:nvCxnSpPr>
-        <p:spPr>
-          <a:xfrm>
-            <a:off x="6679954" y="1541978"/>
-            <a:ext cx="4131082" cy="0"/>
-          </a:xfrm>
-          <a:prstGeom prst="line">
-            <a:avLst/>
-          </a:prstGeom>
-          <a:ln w="6350">
-            <a:solidFill>
-              <a:srgbClr val="212227"/>
-            </a:solidFill>
-          </a:ln>
-        </p:spPr>
-        <p:style>
-          <a:lnRef idx="2">
-            <a:schemeClr val="accent1"/>
-          </a:lnRef>
-          <a:fillRef idx="0">
-            <a:schemeClr val="accent1"/>
-          </a:fillRef>
-          <a:effectRef idx="1">
-            <a:schemeClr val="accent1"/>
-          </a:effectRef>
-          <a:fontRef idx="minor">
-            <a:schemeClr val="tx1"/>
-          </a:fontRef>
-        </p:style>
-      </p:cxnSp>
-      <p:sp>
-        <p:nvSpPr>
-          <p:cNvPr id="28" name="TextBox 27">
-            <a:extLst>
-              <a:ext uri="{FF2B5EF4-FFF2-40B4-BE49-F238E27FC236}">
-                <a16:creationId xmlns:a16="http://schemas.microsoft.com/office/drawing/2014/main" id="{2253BFB4-FECD-9108-A4F4-12367C7E856D}"/>
-              </a:ext>
-            </a:extLst>
-          </p:cNvPr>
-          <p:cNvSpPr txBox="1"/>
-          <p:nvPr/>
-        </p:nvSpPr>
-        <p:spPr>
-          <a:xfrm>
-            <a:off x="6807754" y="1288062"/>
-            <a:ext cx="2526952" cy="261610"/>
-          </a:xfrm>
-          <a:prstGeom prst="rect">
-            <a:avLst/>
-          </a:prstGeom>
-          <a:noFill/>
-        </p:spPr>
-        <p:txBody>
-          <a:bodyPr wrap="none" lIns="180000" rIns="0" rtlCol="0">
-            <a:spAutoFit/>
-          </a:bodyPr>
-          <a:lstStyle>
-            <a:defPPr>
-              <a:defRPr lang="ko-KR"/>
-            </a:defPPr>
-            <a:lvl1pPr>
-              <a:defRPr sz="1100">
-                <a:latin typeface="Pretendard SemiBold" panose="02000703000000020004" pitchFamily="2" charset="-127"/>
-                <a:ea typeface="Pretendard SemiBold" panose="02000703000000020004" pitchFamily="2" charset="-127"/>
-                <a:cs typeface="Pretendard SemiBold" panose="02000703000000020004" pitchFamily="2" charset="-127"/>
-              </a:defRPr>
-            </a:lvl1pPr>
-          </a:lstStyle>
-          <a:p>
-            <a:r>
-              <a:rPr lang="ko-KR" altLang="en-US"/>
-              <a:t>공격적</a:t>
-            </a:r>
-            <a:r>
-              <a:rPr lang="en-US" altLang="ko-KR" dirty="0"/>
-              <a:t>/</a:t>
-            </a:r>
-            <a:r>
-              <a:rPr lang="ko-KR" altLang="en-US" dirty="0"/>
-              <a:t>능동적으로 전투를 이어가는 클래스</a:t>
-            </a:r>
-          </a:p>
-        </p:txBody>
-      </p:sp>
-      <p:sp>
-        <p:nvSpPr>
-          <p:cNvPr id="29" name="TextBox 28">
-            <a:extLst>
-              <a:ext uri="{FF2B5EF4-FFF2-40B4-BE49-F238E27FC236}">
-                <a16:creationId xmlns:a16="http://schemas.microsoft.com/office/drawing/2014/main" id="{6EBCA06B-3123-DABD-D4D0-1484D4C55782}"/>
-              </a:ext>
-            </a:extLst>
-          </p:cNvPr>
-          <p:cNvSpPr txBox="1"/>
-          <p:nvPr/>
-        </p:nvSpPr>
-        <p:spPr>
-          <a:xfrm>
-            <a:off x="6552154" y="1706686"/>
-            <a:ext cx="4631979" cy="473528"/>
-          </a:xfrm>
-          <a:prstGeom prst="rect">
-            <a:avLst/>
-          </a:prstGeom>
-          <a:noFill/>
-        </p:spPr>
-        <p:txBody>
-          <a:bodyPr wrap="square" lIns="144000" rIns="144000" rtlCol="0">
-            <a:spAutoFit/>
-          </a:bodyPr>
-          <a:lstStyle>
-            <a:defPPr>
-              <a:defRPr lang="ko-KR"/>
-            </a:defPPr>
-            <a:lvl1pPr>
-              <a:defRPr sz="1000">
-                <a:latin typeface="Pretendard" panose="02000503000000020004" pitchFamily="2" charset="-127"/>
-                <a:ea typeface="Pretendard" panose="02000503000000020004" pitchFamily="2" charset="-127"/>
-                <a:cs typeface="Pretendard" panose="02000503000000020004" pitchFamily="2" charset="-127"/>
-              </a:defRPr>
-            </a:lvl1pPr>
-          </a:lstStyle>
-          <a:p>
-            <a:pPr>
-              <a:lnSpc>
-                <a:spcPct val="130000"/>
-              </a:lnSpc>
-            </a:pPr>
-            <a:r>
-              <a:rPr lang="ko-KR" altLang="en-US" dirty="0"/>
-              <a:t>현자는 원리와 법칙을 파악하여 최고의 효율을 찾아내는 컨셉의 클래스입니다</a:t>
-            </a:r>
-            <a:r>
-              <a:rPr lang="en-US" altLang="ko-KR" dirty="0"/>
-              <a:t>.</a:t>
-            </a:r>
-          </a:p>
-          <a:p>
-            <a:pPr>
-              <a:lnSpc>
-                <a:spcPct val="130000"/>
-              </a:lnSpc>
-            </a:pPr>
-            <a:r>
-              <a:rPr lang="ko-KR" altLang="en-US" dirty="0"/>
-              <a:t>따라서</a:t>
-            </a:r>
-            <a:r>
-              <a:rPr lang="en-US" altLang="ko-KR" dirty="0"/>
-              <a:t>, </a:t>
-            </a:r>
-            <a:r>
-              <a:rPr lang="ko-KR" altLang="en-US" dirty="0"/>
-              <a:t>이들이 사용하는 스킬은 최소한의 움직임으로 최대의 결과를 </a:t>
-            </a:r>
-            <a:r>
-              <a:rPr lang="ko-KR" altLang="en-US" dirty="0" err="1"/>
-              <a:t>이루어냅니다</a:t>
-            </a:r>
-            <a:r>
-              <a:rPr lang="en-US" altLang="ko-KR" dirty="0"/>
-              <a:t>.</a:t>
-            </a:r>
-          </a:p>
-        </p:txBody>
-      </p:sp>
-      <p:sp>
-        <p:nvSpPr>
-          <p:cNvPr id="30" name="TextBox 29">
-            <a:extLst>
-              <a:ext uri="{FF2B5EF4-FFF2-40B4-BE49-F238E27FC236}">
-                <a16:creationId xmlns:a16="http://schemas.microsoft.com/office/drawing/2014/main" id="{31844E7F-61B1-3F86-1CAF-96625B00599B}"/>
-              </a:ext>
-            </a:extLst>
-          </p:cNvPr>
-          <p:cNvSpPr txBox="1"/>
-          <p:nvPr/>
-        </p:nvSpPr>
-        <p:spPr>
-          <a:xfrm>
-            <a:off x="6552154" y="1288062"/>
-            <a:ext cx="255600" cy="253916"/>
-          </a:xfrm>
-          <a:prstGeom prst="rect">
-            <a:avLst/>
-          </a:prstGeom>
-          <a:solidFill>
-            <a:srgbClr val="212227"/>
-          </a:solidFill>
-          <a:ln w="6350">
-            <a:solidFill>
-              <a:srgbClr val="212227"/>
-            </a:solidFill>
-          </a:ln>
-        </p:spPr>
-        <p:txBody>
-          <a:bodyPr wrap="square" lIns="0" tIns="0" rIns="0" bIns="0" rtlCol="0" anchor="ctr">
-            <a:noAutofit/>
-          </a:bodyPr>
-          <a:lstStyle/>
-          <a:p>
-            <a:pPr algn="ctr"/>
-            <a:r>
-              <a:rPr lang="en-US" altLang="ko-KR" sz="1100" dirty="0">
-                <a:ln w="0"/>
-                <a:solidFill>
-                  <a:schemeClr val="bg1"/>
-                </a:solidFill>
-                <a:effectLst>
-                  <a:outerShdw blurRad="38100" dist="19050" dir="2700000" algn="tl" rotWithShape="0">
-                    <a:schemeClr val="dk1">
-                      <a:alpha val="40000"/>
-                    </a:schemeClr>
-                  </a:outerShdw>
-                </a:effectLst>
-                <a:latin typeface="Pretendard ExtraBold" panose="02000903000000020004" pitchFamily="2" charset="-127"/>
-                <a:ea typeface="Pretendard ExtraBold" panose="02000903000000020004" pitchFamily="2" charset="-127"/>
-                <a:cs typeface="Pretendard ExtraBold" panose="02000903000000020004" pitchFamily="2" charset="-127"/>
-              </a:rPr>
-              <a:t>2</a:t>
-            </a:r>
-          </a:p>
-        </p:txBody>
-      </p:sp>
-      <p:sp>
-        <p:nvSpPr>
-          <p:cNvPr id="36" name="TextBox 35">
-            <a:extLst>
-              <a:ext uri="{FF2B5EF4-FFF2-40B4-BE49-F238E27FC236}">
-                <a16:creationId xmlns:a16="http://schemas.microsoft.com/office/drawing/2014/main" id="{6A5FCB7B-9EB6-1B01-FB67-F725B49EC9DB}"/>
-              </a:ext>
-            </a:extLst>
-          </p:cNvPr>
-          <p:cNvSpPr txBox="1"/>
-          <p:nvPr/>
-        </p:nvSpPr>
-        <p:spPr>
-          <a:xfrm>
-            <a:off x="1291470" y="98563"/>
-            <a:ext cx="890803" cy="261610"/>
-          </a:xfrm>
-          <a:prstGeom prst="rect">
-            <a:avLst/>
-          </a:prstGeom>
-          <a:noFill/>
-        </p:spPr>
-        <p:txBody>
-          <a:bodyPr wrap="none" lIns="144000" rIns="0" rtlCol="0" anchor="b">
-            <a:spAutoFit/>
-          </a:bodyPr>
-          <a:lstStyle/>
-          <a:p>
-            <a:r>
-              <a:rPr lang="en-US" altLang="ko-KR" sz="1100" dirty="0">
-                <a:solidFill>
-                  <a:schemeClr val="bg1">
-                    <a:lumMod val="85000"/>
-                  </a:schemeClr>
-                </a:solidFill>
-                <a:latin typeface="Pretendard SemiBold" panose="02000703000000020004" pitchFamily="2" charset="-127"/>
-                <a:ea typeface="Pretendard SemiBold" panose="02000703000000020004" pitchFamily="2" charset="-127"/>
-                <a:cs typeface="Pretendard SemiBold" panose="02000703000000020004" pitchFamily="2" charset="-127"/>
-              </a:rPr>
-              <a:t>(2) </a:t>
-            </a:r>
-            <a:r>
-              <a:rPr lang="ko-KR" altLang="en-US" sz="1100" dirty="0">
-                <a:solidFill>
-                  <a:schemeClr val="bg1">
-                    <a:lumMod val="85000"/>
-                  </a:schemeClr>
-                </a:solidFill>
-                <a:latin typeface="Pretendard SemiBold" panose="02000703000000020004" pitchFamily="2" charset="-127"/>
-                <a:ea typeface="Pretendard SemiBold" panose="02000703000000020004" pitchFamily="2" charset="-127"/>
-                <a:cs typeface="Pretendard SemiBold" panose="02000703000000020004" pitchFamily="2" charset="-127"/>
-              </a:rPr>
-              <a:t>기획 의도</a:t>
-            </a:r>
-            <a:endParaRPr lang="en-US" altLang="ko-KR" sz="1100" dirty="0">
-              <a:solidFill>
-                <a:schemeClr val="bg1">
-                  <a:lumMod val="85000"/>
-                </a:schemeClr>
-              </a:solidFill>
-              <a:latin typeface="Pretendard SemiBold" panose="02000703000000020004" pitchFamily="2" charset="-127"/>
-              <a:ea typeface="Pretendard SemiBold" panose="02000703000000020004" pitchFamily="2" charset="-127"/>
-              <a:cs typeface="Pretendard SemiBold" panose="02000703000000020004" pitchFamily="2" charset="-127"/>
-            </a:endParaRPr>
-          </a:p>
-        </p:txBody>
-      </p:sp>
-    </p:spTree>
-    <p:extLst>
-      <p:ext uri="{BB962C8B-B14F-4D97-AF65-F5344CB8AC3E}">
-        <p14:creationId xmlns:p14="http://schemas.microsoft.com/office/powerpoint/2010/main" val="597689939"/>
-      </p:ext>
-    </p:extLst>
-  </p:cSld>
-  <p:clrMapOvr>
-    <a:masterClrMapping/>
-  </p:clrMapOvr>
-</p:sld>
-</file>
-
-<file path=ppt/slides/slide5.xml><?xml version="1.0" encoding="utf-8"?>
-<p:sld xmlns:a="http://schemas.openxmlformats.org/drawingml/2006/main" xmlns:r="http://schemas.openxmlformats.org/officeDocument/2006/relationships" xmlns:p="http://schemas.openxmlformats.org/presentationml/2006/main">
-  <p:cSld>
-    <p:spTree>
-      <p:nvGrpSpPr>
-        <p:cNvPr id="1" name="">
-          <a:extLst>
-            <a:ext uri="{FF2B5EF4-FFF2-40B4-BE49-F238E27FC236}">
-              <a16:creationId xmlns:a16="http://schemas.microsoft.com/office/drawing/2014/main" id="{D8DFADD1-E9DC-0309-B95B-354143F56E38}"/>
-            </a:ext>
-          </a:extLst>
-        </p:cNvPr>
-        <p:cNvGrpSpPr/>
-        <p:nvPr/>
-      </p:nvGrpSpPr>
-      <p:grpSpPr>
-        <a:xfrm>
-          <a:off x="0" y="0"/>
-          <a:ext cx="0" cy="0"/>
-          <a:chOff x="0" y="0"/>
-          <a:chExt cx="0" cy="0"/>
-        </a:xfrm>
-      </p:grpSpPr>
-      <p:sp>
-        <p:nvSpPr>
-          <p:cNvPr id="33" name="TextBox 32">
-            <a:extLst>
-              <a:ext uri="{FF2B5EF4-FFF2-40B4-BE49-F238E27FC236}">
-                <a16:creationId xmlns:a16="http://schemas.microsoft.com/office/drawing/2014/main" id="{7A7E9706-FA24-F44E-1DA6-28105C17C3BF}"/>
-              </a:ext>
-            </a:extLst>
-          </p:cNvPr>
-          <p:cNvSpPr txBox="1"/>
-          <p:nvPr/>
-        </p:nvSpPr>
-        <p:spPr>
-          <a:xfrm>
-            <a:off x="1249438" y="4170445"/>
-            <a:ext cx="2454816" cy="261610"/>
-          </a:xfrm>
-          <a:prstGeom prst="rect">
-            <a:avLst/>
-          </a:prstGeom>
-          <a:noFill/>
-        </p:spPr>
-        <p:txBody>
-          <a:bodyPr wrap="none" lIns="180000" rIns="0" rtlCol="0">
-            <a:spAutoFit/>
-          </a:bodyPr>
-          <a:lstStyle>
-            <a:defPPr>
-              <a:defRPr lang="ko-KR"/>
-            </a:defPPr>
-            <a:lvl1pPr>
-              <a:defRPr sz="1100">
-                <a:latin typeface="Pretendard SemiBold" panose="02000703000000020004" pitchFamily="2" charset="-127"/>
-                <a:ea typeface="Pretendard SemiBold" panose="02000703000000020004" pitchFamily="2" charset="-127"/>
-                <a:cs typeface="Pretendard SemiBold" panose="02000703000000020004" pitchFamily="2" charset="-127"/>
-              </a:defRPr>
-            </a:lvl1pPr>
-          </a:lstStyle>
-          <a:p>
-            <a:r>
-              <a:rPr lang="ko-KR" altLang="en-US" dirty="0"/>
-              <a:t>숙련도 상승에 따른 성장 체감이 </a:t>
-            </a:r>
-            <a:r>
-              <a:rPr lang="ko-KR" altLang="en-US"/>
-              <a:t>큰 클래스</a:t>
-            </a:r>
-            <a:endParaRPr lang="en-US" altLang="ko-KR" dirty="0"/>
-          </a:p>
-        </p:txBody>
-      </p:sp>
-      <p:sp>
-        <p:nvSpPr>
-          <p:cNvPr id="32" name="TextBox 31">
-            <a:extLst>
-              <a:ext uri="{FF2B5EF4-FFF2-40B4-BE49-F238E27FC236}">
-                <a16:creationId xmlns:a16="http://schemas.microsoft.com/office/drawing/2014/main" id="{4F2AA167-D809-CBAA-3494-830A6B155F69}"/>
-              </a:ext>
-            </a:extLst>
-          </p:cNvPr>
-          <p:cNvSpPr txBox="1"/>
-          <p:nvPr/>
-        </p:nvSpPr>
-        <p:spPr>
-          <a:xfrm>
-            <a:off x="1249438" y="1302057"/>
-            <a:ext cx="1518662" cy="261610"/>
-          </a:xfrm>
-          <a:prstGeom prst="rect">
-            <a:avLst/>
-          </a:prstGeom>
-          <a:noFill/>
-        </p:spPr>
-        <p:txBody>
-          <a:bodyPr wrap="none" lIns="180000" rIns="0" rtlCol="0">
-            <a:spAutoFit/>
-          </a:bodyPr>
-          <a:lstStyle>
-            <a:defPPr>
-              <a:defRPr lang="ko-KR"/>
-            </a:defPPr>
-            <a:lvl1pPr>
-              <a:defRPr sz="1100">
-                <a:latin typeface="Pretendard SemiBold" panose="02000703000000020004" pitchFamily="2" charset="-127"/>
-                <a:ea typeface="Pretendard SemiBold" panose="02000703000000020004" pitchFamily="2" charset="-127"/>
-                <a:cs typeface="Pretendard SemiBold" panose="02000703000000020004" pitchFamily="2" charset="-127"/>
-              </a:defRPr>
-            </a:lvl1pPr>
-          </a:lstStyle>
-          <a:p>
-            <a:r>
-              <a:rPr lang="ko-KR" altLang="en-US"/>
-              <a:t>선</a:t>
-            </a:r>
-            <a:r>
-              <a:rPr lang="en-US" altLang="ko-KR" dirty="0"/>
-              <a:t>/</a:t>
-            </a:r>
-            <a:r>
-              <a:rPr lang="ko-KR" altLang="en-US" dirty="0" err="1"/>
-              <a:t>후딜레이가</a:t>
-            </a:r>
-            <a:r>
-              <a:rPr lang="ko-KR" altLang="en-US" dirty="0"/>
-              <a:t> </a:t>
-            </a:r>
-            <a:r>
-              <a:rPr lang="ko-KR" altLang="en-US"/>
-              <a:t>짧은 스킬</a:t>
-            </a:r>
-            <a:endParaRPr lang="en-US" altLang="ko-KR" dirty="0"/>
-          </a:p>
-        </p:txBody>
-      </p:sp>
-      <p:sp>
-        <p:nvSpPr>
-          <p:cNvPr id="23" name="TextBox 22">
-            <a:extLst>
-              <a:ext uri="{FF2B5EF4-FFF2-40B4-BE49-F238E27FC236}">
-                <a16:creationId xmlns:a16="http://schemas.microsoft.com/office/drawing/2014/main" id="{69B5B252-CCEB-BFB8-701C-D6D0383071D4}"/>
-              </a:ext>
-            </a:extLst>
-          </p:cNvPr>
-          <p:cNvSpPr txBox="1"/>
-          <p:nvPr/>
-        </p:nvSpPr>
-        <p:spPr>
-          <a:xfrm>
-            <a:off x="993838" y="1623513"/>
-            <a:ext cx="4631979" cy="473528"/>
-          </a:xfrm>
-          <a:prstGeom prst="rect">
-            <a:avLst/>
-          </a:prstGeom>
-          <a:noFill/>
-        </p:spPr>
-        <p:txBody>
-          <a:bodyPr wrap="square" lIns="36000" rIns="36000" rtlCol="0">
-            <a:spAutoFit/>
-          </a:bodyPr>
-          <a:lstStyle>
-            <a:defPPr>
-              <a:defRPr lang="ko-KR"/>
-            </a:defPPr>
-            <a:lvl1pPr>
-              <a:defRPr sz="1000">
-                <a:latin typeface="Pretendard" panose="02000503000000020004" pitchFamily="2" charset="-127"/>
-                <a:ea typeface="Pretendard" panose="02000503000000020004" pitchFamily="2" charset="-127"/>
-                <a:cs typeface="Pretendard" panose="02000503000000020004" pitchFamily="2" charset="-127"/>
-              </a:defRPr>
-            </a:lvl1pPr>
-          </a:lstStyle>
-          <a:p>
-            <a:pPr>
-              <a:lnSpc>
-                <a:spcPct val="130000"/>
-              </a:lnSpc>
-            </a:pPr>
-            <a:r>
-              <a:rPr lang="ko-KR" altLang="en-US" dirty="0">
-                <a:solidFill>
-                  <a:srgbClr val="212227"/>
-                </a:solidFill>
-              </a:rPr>
-              <a:t>현자는 원리와 법칙을 파악하여 최고의 효율을 찾아내는 컨셉의 클래스입니다</a:t>
-            </a:r>
-            <a:r>
-              <a:rPr lang="en-US" altLang="ko-KR" dirty="0">
-                <a:solidFill>
-                  <a:srgbClr val="212227"/>
-                </a:solidFill>
-              </a:rPr>
-              <a:t>.</a:t>
-            </a:r>
-          </a:p>
-          <a:p>
-            <a:pPr>
-              <a:lnSpc>
-                <a:spcPct val="130000"/>
-              </a:lnSpc>
-            </a:pPr>
-            <a:r>
-              <a:rPr lang="ko-KR" altLang="en-US" dirty="0">
-                <a:solidFill>
-                  <a:srgbClr val="212227"/>
-                </a:solidFill>
-              </a:rPr>
-              <a:t>따라서</a:t>
-            </a:r>
-            <a:r>
-              <a:rPr lang="en-US" altLang="ko-KR" dirty="0">
-                <a:solidFill>
-                  <a:srgbClr val="212227"/>
-                </a:solidFill>
-              </a:rPr>
-              <a:t>, </a:t>
-            </a:r>
-            <a:r>
-              <a:rPr lang="ko-KR" altLang="en-US" dirty="0">
-                <a:solidFill>
-                  <a:srgbClr val="212227"/>
-                </a:solidFill>
-              </a:rPr>
-              <a:t>이들이 사용하는 스킬은 최소한의 움직임으로 최대의 결과를 </a:t>
-            </a:r>
-            <a:r>
-              <a:rPr lang="ko-KR" altLang="en-US" dirty="0" err="1">
-                <a:solidFill>
-                  <a:srgbClr val="212227"/>
-                </a:solidFill>
-              </a:rPr>
-              <a:t>이루어냅니다</a:t>
-            </a:r>
-            <a:r>
-              <a:rPr lang="en-US" altLang="ko-KR" dirty="0">
-                <a:solidFill>
-                  <a:srgbClr val="212227"/>
-                </a:solidFill>
-              </a:rPr>
-              <a:t>.</a:t>
-            </a:r>
-          </a:p>
-        </p:txBody>
-      </p:sp>
-      <p:sp>
-        <p:nvSpPr>
-          <p:cNvPr id="27" name="TextBox 26">
-            <a:extLst>
-              <a:ext uri="{FF2B5EF4-FFF2-40B4-BE49-F238E27FC236}">
-                <a16:creationId xmlns:a16="http://schemas.microsoft.com/office/drawing/2014/main" id="{234FA026-350F-8CB9-9B35-F134BAA5859F}"/>
-              </a:ext>
-            </a:extLst>
-          </p:cNvPr>
-          <p:cNvSpPr txBox="1"/>
-          <p:nvPr/>
-        </p:nvSpPr>
-        <p:spPr>
-          <a:xfrm>
-            <a:off x="442913" y="4569343"/>
-            <a:ext cx="5182904" cy="873637"/>
-          </a:xfrm>
-          <a:prstGeom prst="rect">
-            <a:avLst/>
-          </a:prstGeom>
-          <a:noFill/>
-        </p:spPr>
-        <p:txBody>
-          <a:bodyPr wrap="square" lIns="144000" rIns="144000" rtlCol="0">
-            <a:spAutoFit/>
-          </a:bodyPr>
-          <a:lstStyle>
-            <a:defPPr>
-              <a:defRPr lang="ko-KR"/>
-            </a:defPPr>
-            <a:lvl1pPr>
-              <a:defRPr sz="1000">
-                <a:latin typeface="Pretendard" panose="02000503000000020004" pitchFamily="2" charset="-127"/>
-                <a:ea typeface="Pretendard" panose="02000503000000020004" pitchFamily="2" charset="-127"/>
-                <a:cs typeface="Pretendard" panose="02000503000000020004" pitchFamily="2" charset="-127"/>
-              </a:defRPr>
-            </a:lvl1pPr>
-          </a:lstStyle>
-          <a:p>
-            <a:pPr algn="ctr">
-              <a:lnSpc>
-                <a:spcPct val="130000"/>
-              </a:lnSpc>
-            </a:pPr>
-            <a:r>
-              <a:rPr lang="ko-KR" altLang="en-US" dirty="0"/>
-              <a:t>하지만</a:t>
-            </a:r>
-            <a:r>
-              <a:rPr lang="en-US" altLang="ko-KR" dirty="0"/>
-              <a:t>, </a:t>
-            </a:r>
-            <a:r>
-              <a:rPr lang="ko-KR" altLang="en-US" dirty="0"/>
-              <a:t>스킬이 최고의 성능을 발휘하기 위해서는 험난한 과정이 필요합니다</a:t>
-            </a:r>
-            <a:r>
-              <a:rPr lang="en-US" altLang="ko-KR" dirty="0"/>
-              <a:t>.</a:t>
-            </a:r>
-          </a:p>
-          <a:p>
-            <a:pPr algn="ctr">
-              <a:lnSpc>
-                <a:spcPct val="130000"/>
-              </a:lnSpc>
-            </a:pPr>
-            <a:r>
-              <a:rPr lang="ko-KR" altLang="en-US" dirty="0"/>
-              <a:t>적과의 일정 거리를 유지해야 하면서</a:t>
-            </a:r>
-            <a:r>
-              <a:rPr lang="en-US" altLang="ko-KR" dirty="0"/>
-              <a:t> </a:t>
-            </a:r>
-            <a:r>
-              <a:rPr lang="ko-KR" altLang="en-US" dirty="0"/>
-              <a:t>지속적으로 적을 공격하는 등 </a:t>
-            </a:r>
-            <a:endParaRPr lang="en-US" altLang="ko-KR" dirty="0"/>
-          </a:p>
-          <a:p>
-            <a:pPr algn="ctr">
-              <a:lnSpc>
-                <a:spcPct val="130000"/>
-              </a:lnSpc>
-            </a:pPr>
-            <a:endParaRPr lang="en-US" altLang="ko-KR" dirty="0"/>
-          </a:p>
-          <a:p>
-            <a:pPr algn="ctr">
-              <a:lnSpc>
-                <a:spcPct val="130000"/>
-              </a:lnSpc>
-            </a:pPr>
-            <a:r>
-              <a:rPr lang="ko-KR" altLang="en-US" dirty="0"/>
-              <a:t>자칫 잘못하면 처음부터 다시 진행해야 하거나</a:t>
-            </a:r>
-            <a:r>
-              <a:rPr lang="en-US" altLang="ko-KR" dirty="0"/>
-              <a:t>,</a:t>
-            </a:r>
-            <a:r>
-              <a:rPr lang="ko-KR" altLang="en-US" dirty="0"/>
-              <a:t> 최고의 성능을 발휘하기 위해 시간이 필요합니다</a:t>
-            </a:r>
-            <a:r>
-              <a:rPr lang="en-US" altLang="ko-KR" dirty="0"/>
-              <a:t>.</a:t>
-            </a:r>
-          </a:p>
-        </p:txBody>
-      </p:sp>
-      <p:pic>
-        <p:nvPicPr>
-          <p:cNvPr id="13" name="그림 12" descr="포유류, 가상의 캐릭터, 만화 영화, 조각상이(가) 표시된 사진&#10;&#10;AI 생성 콘텐츠는 정확하지 않을 수 있습니다.">
-            <a:extLst>
-              <a:ext uri="{FF2B5EF4-FFF2-40B4-BE49-F238E27FC236}">
-                <a16:creationId xmlns:a16="http://schemas.microsoft.com/office/drawing/2014/main" id="{736DA0B2-4CC3-0B00-A187-2696930BF9EB}"/>
-              </a:ext>
-            </a:extLst>
-          </p:cNvPr>
-          <p:cNvPicPr>
-            <a:picLocks noChangeAspect="1"/>
-          </p:cNvPicPr>
-          <p:nvPr/>
-        </p:nvPicPr>
-        <p:blipFill>
-          <a:blip r:embed="rId2">
-            <a:extLst>
-              <a:ext uri="{28A0092B-C50C-407E-A947-70E740481C1C}">
-                <a14:useLocalDpi xmlns:a14="http://schemas.microsoft.com/office/drawing/2010/main" val="0"/>
-              </a:ext>
-            </a:extLst>
-          </a:blip>
-          <a:stretch>
-            <a:fillRect/>
-          </a:stretch>
-        </p:blipFill>
-        <p:spPr>
-          <a:xfrm>
-            <a:off x="8868144" y="4822935"/>
-            <a:ext cx="946120" cy="1261494"/>
-          </a:xfrm>
-          <a:prstGeom prst="rect">
-            <a:avLst/>
-          </a:prstGeom>
-        </p:spPr>
-      </p:pic>
-      <p:pic>
-        <p:nvPicPr>
-          <p:cNvPr id="15" name="그림 14" descr="인간의 얼굴, 사람, 인간의 수염, 콧수염이(가) 표시된 사진&#10;&#10;AI 생성 콘텐츠는 정확하지 않을 수 있습니다.">
-            <a:extLst>
-              <a:ext uri="{FF2B5EF4-FFF2-40B4-BE49-F238E27FC236}">
-                <a16:creationId xmlns:a16="http://schemas.microsoft.com/office/drawing/2014/main" id="{80D3F568-E781-3D91-4B1F-176036115F43}"/>
-              </a:ext>
-            </a:extLst>
-          </p:cNvPr>
-          <p:cNvPicPr>
-            <a:picLocks noChangeAspect="1"/>
-          </p:cNvPicPr>
-          <p:nvPr/>
-        </p:nvPicPr>
-        <p:blipFill>
-          <a:blip r:embed="rId3">
-            <a:extLst>
-              <a:ext uri="{28A0092B-C50C-407E-A947-70E740481C1C}">
-                <a14:useLocalDpi xmlns:a14="http://schemas.microsoft.com/office/drawing/2010/main" val="0"/>
-              </a:ext>
-            </a:extLst>
-          </a:blip>
-          <a:stretch>
-            <a:fillRect/>
-          </a:stretch>
-        </p:blipFill>
-        <p:spPr>
-          <a:xfrm>
-            <a:off x="6795456" y="4822935"/>
-            <a:ext cx="1700050" cy="1052412"/>
-          </a:xfrm>
-          <a:prstGeom prst="rect">
-            <a:avLst/>
-          </a:prstGeom>
-        </p:spPr>
-      </p:pic>
-      <p:sp>
-        <p:nvSpPr>
-          <p:cNvPr id="16" name="TextBox 15">
-            <a:extLst>
-              <a:ext uri="{FF2B5EF4-FFF2-40B4-BE49-F238E27FC236}">
-                <a16:creationId xmlns:a16="http://schemas.microsoft.com/office/drawing/2014/main" id="{85E7F4A5-7219-46DB-79D4-3E1663BDAD44}"/>
-              </a:ext>
-            </a:extLst>
-          </p:cNvPr>
-          <p:cNvSpPr txBox="1"/>
-          <p:nvPr/>
-        </p:nvSpPr>
-        <p:spPr>
-          <a:xfrm>
-            <a:off x="442913" y="6943084"/>
-            <a:ext cx="5182904" cy="1073692"/>
-          </a:xfrm>
-          <a:prstGeom prst="rect">
-            <a:avLst/>
-          </a:prstGeom>
-          <a:noFill/>
-        </p:spPr>
-        <p:txBody>
-          <a:bodyPr wrap="square" lIns="144000" rIns="144000" rtlCol="0">
-            <a:spAutoFit/>
-          </a:bodyPr>
-          <a:lstStyle>
-            <a:defPPr>
-              <a:defRPr lang="ko-KR"/>
-            </a:defPPr>
-            <a:lvl1pPr>
-              <a:defRPr sz="1000">
-                <a:latin typeface="Pretendard" panose="02000503000000020004" pitchFamily="2" charset="-127"/>
-                <a:ea typeface="Pretendard" panose="02000503000000020004" pitchFamily="2" charset="-127"/>
-                <a:cs typeface="Pretendard" panose="02000503000000020004" pitchFamily="2" charset="-127"/>
-              </a:defRPr>
-            </a:lvl1pPr>
-          </a:lstStyle>
-          <a:p>
-            <a:pPr algn="ctr">
-              <a:lnSpc>
-                <a:spcPct val="130000"/>
-              </a:lnSpc>
-            </a:pPr>
-            <a:r>
-              <a:rPr lang="ko-KR" altLang="en-US" dirty="0"/>
-              <a:t>이 캐릭터를 왜 만들어야 해</a:t>
-            </a:r>
-            <a:r>
-              <a:rPr lang="en-US" altLang="ko-KR" dirty="0"/>
-              <a:t>?</a:t>
-            </a:r>
-          </a:p>
-          <a:p>
-            <a:pPr algn="ctr">
-              <a:lnSpc>
-                <a:spcPct val="130000"/>
-              </a:lnSpc>
-            </a:pPr>
-            <a:r>
-              <a:rPr lang="ko-KR" altLang="en-US" dirty="0"/>
-              <a:t>어떤 재미를 주는 데</a:t>
-            </a:r>
-            <a:r>
-              <a:rPr lang="en-US" altLang="ko-KR" dirty="0"/>
-              <a:t>?</a:t>
-            </a:r>
-          </a:p>
-          <a:p>
-            <a:pPr algn="ctr">
-              <a:lnSpc>
-                <a:spcPct val="130000"/>
-              </a:lnSpc>
-            </a:pPr>
-            <a:r>
-              <a:rPr lang="ko-KR" altLang="en-US" dirty="0"/>
-              <a:t>다른 캐릭터와 차이점은 </a:t>
-            </a:r>
-            <a:r>
-              <a:rPr lang="ko-KR" altLang="en-US" dirty="0" err="1"/>
-              <a:t>뭔데</a:t>
-            </a:r>
-            <a:r>
-              <a:rPr lang="en-US" altLang="ko-KR" dirty="0"/>
-              <a:t>?</a:t>
-            </a:r>
-          </a:p>
-          <a:p>
-            <a:pPr algn="ctr">
-              <a:lnSpc>
-                <a:spcPct val="130000"/>
-              </a:lnSpc>
-            </a:pPr>
-            <a:r>
-              <a:rPr lang="ko-KR" altLang="en-US" dirty="0"/>
-              <a:t>등등</a:t>
-            </a:r>
-            <a:endParaRPr lang="en-US" altLang="ko-KR" dirty="0"/>
-          </a:p>
-          <a:p>
-            <a:pPr algn="ctr">
-              <a:lnSpc>
-                <a:spcPct val="130000"/>
-              </a:lnSpc>
-            </a:pPr>
-            <a:endParaRPr lang="en-US" altLang="ko-KR" dirty="0"/>
-          </a:p>
-        </p:txBody>
-      </p:sp>
-      <p:sp>
-        <p:nvSpPr>
-          <p:cNvPr id="10" name="TextBox 9">
-            <a:extLst>
-              <a:ext uri="{FF2B5EF4-FFF2-40B4-BE49-F238E27FC236}">
-                <a16:creationId xmlns:a16="http://schemas.microsoft.com/office/drawing/2014/main" id="{D2A1AA84-822C-9FBF-0CC2-AEB9A07B86BA}"/>
-              </a:ext>
-            </a:extLst>
-          </p:cNvPr>
-          <p:cNvSpPr txBox="1"/>
-          <p:nvPr/>
-        </p:nvSpPr>
-        <p:spPr>
-          <a:xfrm>
-            <a:off x="993838" y="1305904"/>
-            <a:ext cx="255600" cy="253916"/>
-          </a:xfrm>
-          <a:prstGeom prst="rect">
-            <a:avLst/>
-          </a:prstGeom>
-          <a:solidFill>
-            <a:srgbClr val="FF0000"/>
-          </a:solidFill>
-          <a:ln w="6350">
-            <a:solidFill>
-              <a:srgbClr val="D4CFC5"/>
-            </a:solidFill>
-          </a:ln>
-        </p:spPr>
-        <p:txBody>
-          <a:bodyPr wrap="square" lIns="0" tIns="0" rIns="0" bIns="0" rtlCol="0" anchor="ctr">
-            <a:noAutofit/>
-          </a:bodyPr>
-          <a:lstStyle/>
-          <a:p>
-            <a:pPr algn="ctr"/>
-            <a:r>
-              <a:rPr lang="en-US" altLang="ko-KR" sz="1200" dirty="0">
-                <a:ln w="0"/>
-                <a:solidFill>
-                  <a:schemeClr val="bg1"/>
-                </a:solidFill>
-                <a:effectLst>
-                  <a:outerShdw blurRad="38100" dist="19050" dir="2700000" algn="tl" rotWithShape="0">
-                    <a:schemeClr val="dk1">
-                      <a:alpha val="40000"/>
-                    </a:schemeClr>
-                  </a:outerShdw>
-                </a:effectLst>
-                <a:latin typeface="Pretendard ExtraBold" panose="02000903000000020004" pitchFamily="2" charset="-127"/>
-                <a:ea typeface="Pretendard ExtraBold" panose="02000903000000020004" pitchFamily="2" charset="-127"/>
-                <a:cs typeface="Pretendard ExtraBold" panose="02000903000000020004" pitchFamily="2" charset="-127"/>
-              </a:rPr>
-              <a:t>1</a:t>
-            </a:r>
-          </a:p>
-        </p:txBody>
-      </p:sp>
-      <p:sp>
-        <p:nvSpPr>
-          <p:cNvPr id="14" name="TextBox 13">
-            <a:extLst>
-              <a:ext uri="{FF2B5EF4-FFF2-40B4-BE49-F238E27FC236}">
-                <a16:creationId xmlns:a16="http://schemas.microsoft.com/office/drawing/2014/main" id="{8DB06CA7-1F41-E85D-F144-4BE780CEFC48}"/>
-              </a:ext>
-            </a:extLst>
-          </p:cNvPr>
-          <p:cNvSpPr txBox="1"/>
-          <p:nvPr/>
-        </p:nvSpPr>
-        <p:spPr>
-          <a:xfrm>
-            <a:off x="993838" y="4174292"/>
-            <a:ext cx="255600" cy="253916"/>
-          </a:xfrm>
-          <a:prstGeom prst="rect">
-            <a:avLst/>
-          </a:prstGeom>
-          <a:solidFill>
-            <a:srgbClr val="212227"/>
-          </a:solidFill>
-        </p:spPr>
-        <p:txBody>
-          <a:bodyPr wrap="square" lIns="0" tIns="0" rIns="0" bIns="0" rtlCol="0" anchor="ctr">
-            <a:noAutofit/>
-          </a:bodyPr>
-          <a:lstStyle/>
-          <a:p>
-            <a:pPr algn="ctr"/>
-            <a:r>
-              <a:rPr lang="en-US" altLang="ko-KR" sz="1100" dirty="0">
-                <a:ln w="0"/>
-                <a:solidFill>
-                  <a:schemeClr val="bg1"/>
-                </a:solidFill>
-                <a:effectLst>
-                  <a:outerShdw blurRad="38100" dist="19050" dir="2700000" algn="tl" rotWithShape="0">
-                    <a:schemeClr val="dk1">
-                      <a:alpha val="40000"/>
-                    </a:schemeClr>
-                  </a:outerShdw>
-                </a:effectLst>
-                <a:latin typeface="Pretendard ExtraBold" panose="02000903000000020004" pitchFamily="2" charset="-127"/>
-                <a:ea typeface="Pretendard ExtraBold" panose="02000903000000020004" pitchFamily="2" charset="-127"/>
-                <a:cs typeface="Pretendard ExtraBold" panose="02000903000000020004" pitchFamily="2" charset="-127"/>
-              </a:rPr>
-              <a:t>3</a:t>
-            </a:r>
-          </a:p>
-        </p:txBody>
-      </p:sp>
-      <p:sp>
-        <p:nvSpPr>
-          <p:cNvPr id="52" name="TextBox 51">
-            <a:extLst>
-              <a:ext uri="{FF2B5EF4-FFF2-40B4-BE49-F238E27FC236}">
-                <a16:creationId xmlns:a16="http://schemas.microsoft.com/office/drawing/2014/main" id="{131AFBB5-161F-C3DA-4916-E5FBC0DC4117}"/>
-              </a:ext>
-            </a:extLst>
-          </p:cNvPr>
-          <p:cNvSpPr txBox="1"/>
-          <p:nvPr/>
-        </p:nvSpPr>
-        <p:spPr>
-          <a:xfrm>
-            <a:off x="6807754" y="4161895"/>
-            <a:ext cx="2942129" cy="261610"/>
-          </a:xfrm>
-          <a:prstGeom prst="rect">
-            <a:avLst/>
-          </a:prstGeom>
-          <a:noFill/>
-        </p:spPr>
-        <p:txBody>
-          <a:bodyPr wrap="none" lIns="180000" rIns="0" rtlCol="0">
-            <a:spAutoFit/>
-          </a:bodyPr>
-          <a:lstStyle>
-            <a:defPPr>
-              <a:defRPr lang="ko-KR"/>
-            </a:defPPr>
-            <a:lvl1pPr>
-              <a:defRPr sz="1100">
-                <a:latin typeface="Pretendard SemiBold" panose="02000703000000020004" pitchFamily="2" charset="-127"/>
-                <a:ea typeface="Pretendard SemiBold" panose="02000703000000020004" pitchFamily="2" charset="-127"/>
-                <a:cs typeface="Pretendard SemiBold" panose="02000703000000020004" pitchFamily="2" charset="-127"/>
-              </a:defRPr>
-            </a:lvl1pPr>
-          </a:lstStyle>
-          <a:p>
-            <a:r>
-              <a:rPr lang="ko-KR" altLang="en-US" dirty="0"/>
-              <a:t>익숙함과 함께 강력한 존재라는 느낌이 드는 클래스</a:t>
-            </a:r>
-            <a:endParaRPr lang="en-US" altLang="ko-KR" dirty="0"/>
-          </a:p>
-        </p:txBody>
-      </p:sp>
-      <p:sp>
-        <p:nvSpPr>
-          <p:cNvPr id="20" name="TextBox 19">
-            <a:extLst>
-              <a:ext uri="{FF2B5EF4-FFF2-40B4-BE49-F238E27FC236}">
-                <a16:creationId xmlns:a16="http://schemas.microsoft.com/office/drawing/2014/main" id="{CF7CE682-8655-E55A-DE56-B321619C3AA4}"/>
-              </a:ext>
-            </a:extLst>
-          </p:cNvPr>
-          <p:cNvSpPr txBox="1"/>
-          <p:nvPr/>
-        </p:nvSpPr>
-        <p:spPr>
-          <a:xfrm>
-            <a:off x="6552154" y="4165742"/>
-            <a:ext cx="255600" cy="253916"/>
-          </a:xfrm>
-          <a:prstGeom prst="rect">
-            <a:avLst/>
-          </a:prstGeom>
-          <a:solidFill>
-            <a:srgbClr val="212227"/>
-          </a:solidFill>
-        </p:spPr>
-        <p:txBody>
-          <a:bodyPr wrap="square" lIns="0" tIns="0" rIns="0" bIns="0" rtlCol="0" anchor="ctr">
-            <a:noAutofit/>
-          </a:bodyPr>
-          <a:lstStyle/>
-          <a:p>
-            <a:pPr algn="ctr"/>
-            <a:r>
-              <a:rPr lang="en-US" altLang="ko-KR" sz="1100" dirty="0">
-                <a:ln w="0"/>
-                <a:solidFill>
-                  <a:schemeClr val="bg1"/>
-                </a:solidFill>
-                <a:effectLst>
-                  <a:outerShdw blurRad="38100" dist="19050" dir="2700000" algn="tl" rotWithShape="0">
-                    <a:schemeClr val="dk1">
-                      <a:alpha val="40000"/>
-                    </a:schemeClr>
-                  </a:outerShdw>
-                </a:effectLst>
-                <a:latin typeface="Pretendard ExtraBold" panose="02000903000000020004" pitchFamily="2" charset="-127"/>
-                <a:ea typeface="Pretendard ExtraBold" panose="02000903000000020004" pitchFamily="2" charset="-127"/>
-                <a:cs typeface="Pretendard ExtraBold" panose="02000903000000020004" pitchFamily="2" charset="-127"/>
-              </a:rPr>
-              <a:t>4</a:t>
-            </a:r>
-          </a:p>
-        </p:txBody>
-      </p:sp>
-      <p:sp>
-        <p:nvSpPr>
-          <p:cNvPr id="28" name="TextBox 27">
-            <a:extLst>
-              <a:ext uri="{FF2B5EF4-FFF2-40B4-BE49-F238E27FC236}">
-                <a16:creationId xmlns:a16="http://schemas.microsoft.com/office/drawing/2014/main" id="{64499FB4-AAA1-0379-75E4-E4C71FFAFF3E}"/>
-              </a:ext>
-            </a:extLst>
-          </p:cNvPr>
-          <p:cNvSpPr txBox="1"/>
-          <p:nvPr/>
-        </p:nvSpPr>
-        <p:spPr>
-          <a:xfrm>
-            <a:off x="6807754" y="1291909"/>
-            <a:ext cx="2526952" cy="261610"/>
-          </a:xfrm>
-          <a:prstGeom prst="rect">
-            <a:avLst/>
-          </a:prstGeom>
-          <a:noFill/>
-        </p:spPr>
-        <p:txBody>
-          <a:bodyPr wrap="none" lIns="180000" rIns="0" rtlCol="0">
-            <a:spAutoFit/>
-          </a:bodyPr>
-          <a:lstStyle>
-            <a:defPPr>
-              <a:defRPr lang="ko-KR"/>
-            </a:defPPr>
-            <a:lvl1pPr>
-              <a:defRPr sz="1100">
-                <a:latin typeface="Pretendard SemiBold" panose="02000703000000020004" pitchFamily="2" charset="-127"/>
-                <a:ea typeface="Pretendard SemiBold" panose="02000703000000020004" pitchFamily="2" charset="-127"/>
-                <a:cs typeface="Pretendard SemiBold" panose="02000703000000020004" pitchFamily="2" charset="-127"/>
-              </a:defRPr>
-            </a:lvl1pPr>
-          </a:lstStyle>
-          <a:p>
-            <a:r>
-              <a:rPr lang="ko-KR" altLang="en-US"/>
-              <a:t>공격적</a:t>
-            </a:r>
-            <a:r>
-              <a:rPr lang="en-US" altLang="ko-KR" dirty="0"/>
-              <a:t>/</a:t>
-            </a:r>
-            <a:r>
-              <a:rPr lang="ko-KR" altLang="en-US" dirty="0"/>
-              <a:t>능동적으로 전투를 이어가는 클래스</a:t>
-            </a:r>
-          </a:p>
-        </p:txBody>
-      </p:sp>
-      <p:sp>
-        <p:nvSpPr>
-          <p:cNvPr id="29" name="TextBox 28">
-            <a:extLst>
-              <a:ext uri="{FF2B5EF4-FFF2-40B4-BE49-F238E27FC236}">
-                <a16:creationId xmlns:a16="http://schemas.microsoft.com/office/drawing/2014/main" id="{EBAB9B36-9D87-B664-CA04-0C73330A7DFA}"/>
-              </a:ext>
-            </a:extLst>
-          </p:cNvPr>
-          <p:cNvSpPr txBox="1"/>
-          <p:nvPr/>
-        </p:nvSpPr>
-        <p:spPr>
-          <a:xfrm>
-            <a:off x="6552154" y="1706686"/>
-            <a:ext cx="4631979" cy="473528"/>
-          </a:xfrm>
-          <a:prstGeom prst="rect">
-            <a:avLst/>
-          </a:prstGeom>
-          <a:noFill/>
-        </p:spPr>
-        <p:txBody>
-          <a:bodyPr wrap="square" lIns="144000" rIns="144000" rtlCol="0">
-            <a:spAutoFit/>
-          </a:bodyPr>
-          <a:lstStyle>
-            <a:defPPr>
-              <a:defRPr lang="ko-KR"/>
-            </a:defPPr>
-            <a:lvl1pPr>
-              <a:defRPr sz="1000">
-                <a:latin typeface="Pretendard" panose="02000503000000020004" pitchFamily="2" charset="-127"/>
-                <a:ea typeface="Pretendard" panose="02000503000000020004" pitchFamily="2" charset="-127"/>
-                <a:cs typeface="Pretendard" panose="02000503000000020004" pitchFamily="2" charset="-127"/>
-              </a:defRPr>
-            </a:lvl1pPr>
-          </a:lstStyle>
-          <a:p>
-            <a:pPr>
-              <a:lnSpc>
-                <a:spcPct val="130000"/>
-              </a:lnSpc>
-            </a:pPr>
-            <a:r>
-              <a:rPr lang="ko-KR" altLang="en-US" dirty="0"/>
-              <a:t>현자는 원리와 법칙을 파악하여 최고의 효율을 찾아내는 컨셉의 클래스입니다</a:t>
-            </a:r>
-            <a:r>
-              <a:rPr lang="en-US" altLang="ko-KR" dirty="0"/>
-              <a:t>.</a:t>
-            </a:r>
-          </a:p>
-          <a:p>
-            <a:pPr>
-              <a:lnSpc>
-                <a:spcPct val="130000"/>
-              </a:lnSpc>
-            </a:pPr>
-            <a:r>
-              <a:rPr lang="ko-KR" altLang="en-US" dirty="0"/>
-              <a:t>따라서</a:t>
-            </a:r>
-            <a:r>
-              <a:rPr lang="en-US" altLang="ko-KR" dirty="0"/>
-              <a:t>, </a:t>
-            </a:r>
-            <a:r>
-              <a:rPr lang="ko-KR" altLang="en-US" dirty="0"/>
-              <a:t>이들이 사용하는 스킬은 최소한의 움직임으로 최대의 결과를 </a:t>
-            </a:r>
-            <a:r>
-              <a:rPr lang="ko-KR" altLang="en-US" dirty="0" err="1"/>
-              <a:t>이루어냅니다</a:t>
-            </a:r>
-            <a:r>
-              <a:rPr lang="en-US" altLang="ko-KR" dirty="0"/>
-              <a:t>.</a:t>
-            </a:r>
-          </a:p>
-        </p:txBody>
-      </p:sp>
-      <p:sp>
-        <p:nvSpPr>
-          <p:cNvPr id="30" name="TextBox 29">
-            <a:extLst>
-              <a:ext uri="{FF2B5EF4-FFF2-40B4-BE49-F238E27FC236}">
-                <a16:creationId xmlns:a16="http://schemas.microsoft.com/office/drawing/2014/main" id="{816A63F5-E465-3F38-3DC8-797E4CAC02F5}"/>
-              </a:ext>
-            </a:extLst>
-          </p:cNvPr>
-          <p:cNvSpPr txBox="1"/>
-          <p:nvPr/>
-        </p:nvSpPr>
-        <p:spPr>
-          <a:xfrm>
-            <a:off x="6552154" y="1291909"/>
-            <a:ext cx="255600" cy="253916"/>
-          </a:xfrm>
-          <a:prstGeom prst="rect">
-            <a:avLst/>
-          </a:prstGeom>
-          <a:solidFill>
-            <a:srgbClr val="212227"/>
-          </a:solidFill>
-          <a:ln w="6350">
-            <a:solidFill>
-              <a:srgbClr val="212227"/>
-            </a:solidFill>
-          </a:ln>
-        </p:spPr>
-        <p:txBody>
-          <a:bodyPr wrap="square" lIns="0" tIns="0" rIns="0" bIns="0" rtlCol="0" anchor="ctr">
-            <a:noAutofit/>
-          </a:bodyPr>
-          <a:lstStyle/>
-          <a:p>
-            <a:pPr algn="ctr"/>
-            <a:r>
-              <a:rPr lang="en-US" altLang="ko-KR" sz="1100" dirty="0">
-                <a:ln w="0"/>
-                <a:solidFill>
-                  <a:schemeClr val="bg1"/>
-                </a:solidFill>
-                <a:effectLst>
-                  <a:outerShdw blurRad="38100" dist="19050" dir="2700000" algn="tl" rotWithShape="0">
-                    <a:schemeClr val="dk1">
-                      <a:alpha val="40000"/>
-                    </a:schemeClr>
-                  </a:outerShdw>
-                </a:effectLst>
-                <a:latin typeface="Pretendard ExtraBold" panose="02000903000000020004" pitchFamily="2" charset="-127"/>
-                <a:ea typeface="Pretendard ExtraBold" panose="02000903000000020004" pitchFamily="2" charset="-127"/>
-                <a:cs typeface="Pretendard ExtraBold" panose="02000903000000020004" pitchFamily="2" charset="-127"/>
-              </a:rPr>
-              <a:t>2</a:t>
-            </a:r>
-          </a:p>
-        </p:txBody>
-      </p:sp>
-      <p:sp>
-        <p:nvSpPr>
-          <p:cNvPr id="6" name="TextBox 5">
-            <a:extLst>
-              <a:ext uri="{FF2B5EF4-FFF2-40B4-BE49-F238E27FC236}">
-                <a16:creationId xmlns:a16="http://schemas.microsoft.com/office/drawing/2014/main" id="{E27F8226-ABB8-6931-ECEA-59F9D65DD1B3}"/>
-              </a:ext>
-            </a:extLst>
-          </p:cNvPr>
-          <p:cNvSpPr txBox="1"/>
-          <p:nvPr/>
-        </p:nvSpPr>
-        <p:spPr>
-          <a:xfrm>
-            <a:off x="1291470" y="98563"/>
-            <a:ext cx="890803" cy="261610"/>
-          </a:xfrm>
-          <a:prstGeom prst="rect">
-            <a:avLst/>
-          </a:prstGeom>
-          <a:noFill/>
-        </p:spPr>
-        <p:txBody>
-          <a:bodyPr wrap="none" lIns="144000" rIns="0" rtlCol="0" anchor="b">
-            <a:spAutoFit/>
-          </a:bodyPr>
-          <a:lstStyle/>
-          <a:p>
-            <a:r>
-              <a:rPr lang="en-US" altLang="ko-KR" sz="1100" dirty="0">
-                <a:solidFill>
-                  <a:schemeClr val="bg1">
-                    <a:lumMod val="85000"/>
-                  </a:schemeClr>
-                </a:solidFill>
-                <a:latin typeface="Pretendard SemiBold" panose="02000703000000020004" pitchFamily="2" charset="-127"/>
-                <a:ea typeface="Pretendard SemiBold" panose="02000703000000020004" pitchFamily="2" charset="-127"/>
-                <a:cs typeface="Pretendard SemiBold" panose="02000703000000020004" pitchFamily="2" charset="-127"/>
-              </a:rPr>
-              <a:t>(2) </a:t>
-            </a:r>
-            <a:r>
-              <a:rPr lang="ko-KR" altLang="en-US" sz="1100" dirty="0">
-                <a:solidFill>
-                  <a:schemeClr val="bg1">
-                    <a:lumMod val="85000"/>
-                  </a:schemeClr>
-                </a:solidFill>
-                <a:latin typeface="Pretendard SemiBold" panose="02000703000000020004" pitchFamily="2" charset="-127"/>
-                <a:ea typeface="Pretendard SemiBold" panose="02000703000000020004" pitchFamily="2" charset="-127"/>
-                <a:cs typeface="Pretendard SemiBold" panose="02000703000000020004" pitchFamily="2" charset="-127"/>
-              </a:rPr>
-              <a:t>기획 의도</a:t>
-            </a:r>
-            <a:endParaRPr lang="en-US" altLang="ko-KR" sz="1100" dirty="0">
-              <a:solidFill>
-                <a:schemeClr val="bg1">
-                  <a:lumMod val="85000"/>
-                </a:schemeClr>
-              </a:solidFill>
-              <a:latin typeface="Pretendard SemiBold" panose="02000703000000020004" pitchFamily="2" charset="-127"/>
-              <a:ea typeface="Pretendard SemiBold" panose="02000703000000020004" pitchFamily="2" charset="-127"/>
-              <a:cs typeface="Pretendard SemiBold" panose="02000703000000020004" pitchFamily="2" charset="-127"/>
-            </a:endParaRPr>
-          </a:p>
-        </p:txBody>
-      </p:sp>
-    </p:spTree>
-    <p:extLst>
-      <p:ext uri="{BB962C8B-B14F-4D97-AF65-F5344CB8AC3E}">
-        <p14:creationId xmlns:p14="http://schemas.microsoft.com/office/powerpoint/2010/main" val="499531262"/>
-      </p:ext>
-    </p:extLst>
-  </p:cSld>
-  <p:clrMapOvr>
-    <a:masterClrMapping/>
-  </p:clrMapOvr>
-</p:sld>
-</file>
-
-<file path=ppt/slides/slide6.xml><?xml version="1.0" encoding="utf-8"?>
 <p:sld xmlns:a="http://schemas.openxmlformats.org/drawingml/2006/main" xmlns:r="http://schemas.openxmlformats.org/officeDocument/2006/relationships" xmlns:p="http://schemas.openxmlformats.org/presentationml/2006/main">
   <p:cSld>
     <p:spTree>
@@ -8801,58 +6927,6 @@
       </p:sp>
       <p:sp>
         <p:nvSpPr>
-          <p:cNvPr id="20" name="직사각형 19">
-            <a:extLst>
-              <a:ext uri="{FF2B5EF4-FFF2-40B4-BE49-F238E27FC236}">
-                <a16:creationId xmlns:a16="http://schemas.microsoft.com/office/drawing/2014/main" id="{324E9D41-C137-446C-FE90-5F8F9A63ED15}"/>
-              </a:ext>
-            </a:extLst>
-          </p:cNvPr>
-          <p:cNvSpPr/>
-          <p:nvPr/>
-        </p:nvSpPr>
-        <p:spPr>
-          <a:xfrm>
-            <a:off x="442913" y="441325"/>
-            <a:ext cx="11306175" cy="6156325"/>
-          </a:xfrm>
-          <a:prstGeom prst="rect">
-            <a:avLst/>
-          </a:prstGeom>
-          <a:noFill/>
-          <a:ln>
-            <a:solidFill>
-              <a:srgbClr val="FFFF00"/>
-            </a:solidFill>
-          </a:ln>
-        </p:spPr>
-        <p:style>
-          <a:lnRef idx="2">
-            <a:schemeClr val="accent1">
-              <a:shade val="15000"/>
-            </a:schemeClr>
-          </a:lnRef>
-          <a:fillRef idx="1">
-            <a:schemeClr val="accent1"/>
-          </a:fillRef>
-          <a:effectRef idx="0">
-            <a:schemeClr val="accent1"/>
-          </a:effectRef>
-          <a:fontRef idx="minor">
-            <a:schemeClr val="lt1"/>
-          </a:fontRef>
-        </p:style>
-        <p:txBody>
-          <a:bodyPr rtlCol="0" anchor="ctr"/>
-          <a:lstStyle/>
-          <a:p>
-            <a:pPr algn="ctr"/>
-            <a:endParaRPr lang="ko-KR" altLang="en-US"/>
-          </a:p>
-        </p:txBody>
-      </p:sp>
-      <p:sp>
-        <p:nvSpPr>
           <p:cNvPr id="22" name="TextBox 21">
             <a:extLst>
               <a:ext uri="{FF2B5EF4-FFF2-40B4-BE49-F238E27FC236}">
@@ -8865,7 +6939,7 @@
         </p:nvSpPr>
         <p:spPr>
           <a:xfrm>
-            <a:off x="1107171" y="610816"/>
+            <a:off x="837007" y="781840"/>
             <a:ext cx="6065789" cy="631263"/>
           </a:xfrm>
           <a:prstGeom prst="rect">
@@ -9054,7 +7128,7 @@
         </p:nvSpPr>
         <p:spPr>
           <a:xfrm>
-            <a:off x="7439777" y="911272"/>
+            <a:off x="837007" y="1732154"/>
             <a:ext cx="6065789" cy="1000595"/>
           </a:xfrm>
           <a:prstGeom prst="rect">
@@ -9184,7 +7258,7 @@
 </p:sld>
 </file>
 
-<file path=ppt/slides/slide7.xml><?xml version="1.0" encoding="utf-8"?>
+<file path=ppt/slides/slide5.xml><?xml version="1.0" encoding="utf-8"?>
 <p:sld xmlns:a="http://schemas.openxmlformats.org/drawingml/2006/main" xmlns:r="http://schemas.openxmlformats.org/officeDocument/2006/relationships" xmlns:p="http://schemas.openxmlformats.org/presentationml/2006/main">
   <p:cSld>
     <p:spTree>
@@ -9281,7 +7355,7 @@
 </p:sld>
 </file>
 
-<file path=ppt/slides/slide8.xml><?xml version="1.0" encoding="utf-8"?>
+<file path=ppt/slides/slide6.xml><?xml version="1.0" encoding="utf-8"?>
 <p:sld xmlns:a="http://schemas.openxmlformats.org/drawingml/2006/main" xmlns:r="http://schemas.openxmlformats.org/officeDocument/2006/relationships" xmlns:p="http://schemas.openxmlformats.org/presentationml/2006/main">
   <p:cSld>
     <p:bg>
@@ -10977,8 +9051,8 @@
                     </p:nvSpPr>
                     <p:spPr>
                       <a:xfrm>
-                        <a:off x="6585169" y="5215049"/>
-                        <a:ext cx="435500" cy="253916"/>
+                        <a:off x="6651693" y="5215049"/>
+                        <a:ext cx="302451" cy="253916"/>
                       </a:xfrm>
                       <a:prstGeom prst="rect">
                         <a:avLst/>
@@ -11007,8 +9081,8 @@
                       <a:p>
                         <a:pPr algn="ctr"/>
                         <a:r>
-                          <a:rPr lang="ko-KR" altLang="en-US" sz="1050" dirty="0"/>
-                          <a:t>혼천의</a:t>
+                          <a:rPr lang="ko-KR" altLang="en-US" sz="1050" dirty="0" err="1"/>
+                          <a:t>성반</a:t>
                         </a:r>
                         <a:endParaRPr lang="en-US" altLang="ko-KR" sz="1050" dirty="0"/>
                       </a:p>
@@ -11336,7 +9410,7 @@
 </p:sld>
 </file>
 
-<file path=ppt/slides/slide9.xml><?xml version="1.0" encoding="utf-8"?>
+<file path=ppt/slides/slide7.xml><?xml version="1.0" encoding="utf-8"?>
 <p:sld xmlns:a="http://schemas.openxmlformats.org/drawingml/2006/main" xmlns:r="http://schemas.openxmlformats.org/officeDocument/2006/relationships" xmlns:p="http://schemas.openxmlformats.org/presentationml/2006/main">
   <p:cSld>
     <p:bg>

--- a/크로노오디세이_전투기획자/사전과제/[과제전형] [Chrono Odyssey] 캐릭터 전투 기획자 모집 _ 홍진선 과제 제출.pptx
+++ b/크로노오디세이_전투기획자/사전과제/[과제전형] [Chrono Odyssey] 캐릭터 전투 기획자 모집 _ 홍진선 과제 제출.pptx
@@ -5,16 +5,19 @@
     <p:sldMasterId id="2147483648" r:id="rId1"/>
   </p:sldMasterIdLst>
   <p:notesMasterIdLst>
-    <p:notesMasterId r:id="rId9"/>
+    <p:notesMasterId r:id="rId12"/>
   </p:notesMasterIdLst>
   <p:sldIdLst>
     <p:sldId id="262" r:id="rId2"/>
     <p:sldId id="269" r:id="rId3"/>
     <p:sldId id="281" r:id="rId4"/>
-    <p:sldId id="279" r:id="rId5"/>
-    <p:sldId id="278" r:id="rId6"/>
-    <p:sldId id="263" r:id="rId7"/>
-    <p:sldId id="266" r:id="rId8"/>
+    <p:sldId id="284" r:id="rId5"/>
+    <p:sldId id="283" r:id="rId6"/>
+    <p:sldId id="285" r:id="rId7"/>
+    <p:sldId id="282" r:id="rId8"/>
+    <p:sldId id="278" r:id="rId9"/>
+    <p:sldId id="263" r:id="rId10"/>
+    <p:sldId id="266" r:id="rId11"/>
   </p:sldIdLst>
   <p:sldSz cx="12192000" cy="6858000"/>
   <p:notesSz cx="6858000" cy="9144000"/>
@@ -806,7 +809,7 @@
           <a:p>
             <a:fld id="{40E134C8-DE01-4967-8504-92E88DCF6C0A}" type="slidenum">
               <a:rPr lang="ko-KR" altLang="en-US" smtClean="0"/>
-              <a:t>7</a:t>
+              <a:t>10</a:t>
             </a:fld>
             <a:endParaRPr lang="ko-KR" altLang="en-US"/>
           </a:p>
@@ -3372,7 +3375,7 @@
               <a:rPr lang="en-US" altLang="ko-KR" sz="1200" dirty="0">
                 <a:solidFill>
                   <a:schemeClr val="bg1">
-                    <a:lumMod val="85000"/>
+                    <a:lumMod val="75000"/>
                   </a:schemeClr>
                 </a:solidFill>
                 <a:effectLst/>
@@ -3386,7 +3389,7 @@
               <a:rPr lang="ko-KR" altLang="en-US" sz="1200" dirty="0">
                 <a:solidFill>
                   <a:schemeClr val="bg1">
-                    <a:lumMod val="85000"/>
+                    <a:lumMod val="75000"/>
                   </a:schemeClr>
                 </a:solidFill>
                 <a:effectLst/>
@@ -3400,7 +3403,7 @@
               <a:rPr lang="en-US" altLang="ko-KR" sz="1200" dirty="0">
                 <a:solidFill>
                   <a:schemeClr val="bg1">
-                    <a:lumMod val="85000"/>
+                    <a:lumMod val="75000"/>
                   </a:schemeClr>
                 </a:solidFill>
                 <a:effectLst/>
@@ -3413,7 +3416,7 @@
             <a:endParaRPr lang="ko-KR" altLang="en-US" sz="1200" dirty="0">
               <a:solidFill>
                 <a:schemeClr val="bg1">
-                  <a:lumMod val="85000"/>
+                  <a:lumMod val="75000"/>
                 </a:schemeClr>
               </a:solidFill>
               <a:effectLst/>
@@ -3428,6 +3431,189 @@
     <p:extLst>
       <p:ext uri="{BB962C8B-B14F-4D97-AF65-F5344CB8AC3E}">
         <p14:creationId xmlns:p14="http://schemas.microsoft.com/office/powerpoint/2010/main" val="3869962835"/>
+      </p:ext>
+    </p:extLst>
+  </p:cSld>
+  <p:clrMapOvr>
+    <a:masterClrMapping/>
+  </p:clrMapOvr>
+</p:sld>
+</file>
+
+<file path=ppt/slides/slide10.xml><?xml version="1.0" encoding="utf-8"?>
+<p:sld xmlns:a="http://schemas.openxmlformats.org/drawingml/2006/main" xmlns:r="http://schemas.openxmlformats.org/officeDocument/2006/relationships" xmlns:p="http://schemas.openxmlformats.org/presentationml/2006/main">
+  <p:cSld>
+    <p:bg>
+      <p:bgPr>
+        <a:solidFill>
+          <a:srgbClr val="212227"/>
+        </a:solidFill>
+        <a:effectLst/>
+      </p:bgPr>
+    </p:bg>
+    <p:spTree>
+      <p:nvGrpSpPr>
+        <p:cNvPr id="1" name="">
+          <a:extLst>
+            <a:ext uri="{FF2B5EF4-FFF2-40B4-BE49-F238E27FC236}">
+              <a16:creationId xmlns:a16="http://schemas.microsoft.com/office/drawing/2014/main" id="{15DF0197-B1A3-7F6D-7628-560394A7B730}"/>
+            </a:ext>
+          </a:extLst>
+        </p:cNvPr>
+        <p:cNvGrpSpPr/>
+        <p:nvPr/>
+      </p:nvGrpSpPr>
+      <p:grpSpPr>
+        <a:xfrm>
+          <a:off x="0" y="0"/>
+          <a:ext cx="0" cy="0"/>
+          <a:chOff x="0" y="0"/>
+          <a:chExt cx="0" cy="0"/>
+        </a:xfrm>
+      </p:grpSpPr>
+      <p:pic>
+        <p:nvPicPr>
+          <p:cNvPr id="12" name="그림 11" descr="폰트, 타이포그래피, 텍스트, 그래픽이(가) 표시된 사진&#10;&#10;AI 생성 콘텐츠는 정확하지 않을 수 있습니다.">
+            <a:extLst>
+              <a:ext uri="{FF2B5EF4-FFF2-40B4-BE49-F238E27FC236}">
+                <a16:creationId xmlns:a16="http://schemas.microsoft.com/office/drawing/2014/main" id="{A8416A4B-E61A-521F-76BE-F92B8C0FE27D}"/>
+              </a:ext>
+            </a:extLst>
+          </p:cNvPr>
+          <p:cNvPicPr>
+            <a:picLocks noChangeAspect="1"/>
+          </p:cNvPicPr>
+          <p:nvPr/>
+        </p:nvPicPr>
+        <p:blipFill>
+          <a:blip r:embed="rId3">
+            <a:extLst>
+              <a:ext uri="{28A0092B-C50C-407E-A947-70E740481C1C}">
+                <a14:useLocalDpi xmlns:a14="http://schemas.microsoft.com/office/drawing/2010/main" val="0"/>
+              </a:ext>
+            </a:extLst>
+          </a:blip>
+          <a:stretch>
+            <a:fillRect/>
+          </a:stretch>
+        </p:blipFill>
+        <p:spPr>
+          <a:xfrm>
+            <a:off x="5511945" y="6253641"/>
+            <a:ext cx="1168111" cy="327508"/>
+          </a:xfrm>
+          <a:prstGeom prst="rect">
+            <a:avLst/>
+          </a:prstGeom>
+          <a:effectLst/>
+        </p:spPr>
+      </p:pic>
+      <p:sp>
+        <p:nvSpPr>
+          <p:cNvPr id="5" name="TextBox 4">
+            <a:extLst>
+              <a:ext uri="{FF2B5EF4-FFF2-40B4-BE49-F238E27FC236}">
+                <a16:creationId xmlns:a16="http://schemas.microsoft.com/office/drawing/2014/main" id="{A5B15EF4-E8E4-73D0-5310-4B25054C26EB}"/>
+              </a:ext>
+            </a:extLst>
+          </p:cNvPr>
+          <p:cNvSpPr txBox="1"/>
+          <p:nvPr/>
+        </p:nvSpPr>
+        <p:spPr>
+          <a:xfrm>
+            <a:off x="3557485" y="2659559"/>
+            <a:ext cx="5077031" cy="769441"/>
+          </a:xfrm>
+          <a:prstGeom prst="rect">
+            <a:avLst/>
+          </a:prstGeom>
+          <a:noFill/>
+        </p:spPr>
+        <p:txBody>
+          <a:bodyPr wrap="none" rtlCol="0">
+            <a:spAutoFit/>
+          </a:bodyPr>
+          <a:lstStyle/>
+          <a:p>
+            <a:r>
+              <a:rPr lang="en-US" altLang="ko-KR" sz="4400" dirty="0">
+                <a:solidFill>
+                  <a:schemeClr val="bg1"/>
+                </a:solidFill>
+                <a:effectLst/>
+                <a:latin typeface="빛의 계승자 Bold" panose="020B0600000101010101" pitchFamily="50" charset="-127"/>
+                <a:ea typeface="빛의 계승자 Bold" panose="020B0600000101010101" pitchFamily="50" charset="-127"/>
+              </a:rPr>
+              <a:t>End Of Document</a:t>
+            </a:r>
+            <a:endParaRPr lang="ko-KR" altLang="en-US" sz="4400" dirty="0">
+              <a:solidFill>
+                <a:schemeClr val="bg1"/>
+              </a:solidFill>
+              <a:effectLst/>
+              <a:latin typeface="빛의 계승자 Bold" panose="020B0600000101010101" pitchFamily="50" charset="-127"/>
+              <a:ea typeface="빛의 계승자 Bold" panose="020B0600000101010101" pitchFamily="50" charset="-127"/>
+            </a:endParaRPr>
+          </a:p>
+        </p:txBody>
+      </p:sp>
+      <p:sp>
+        <p:nvSpPr>
+          <p:cNvPr id="2" name="직사각형 1">
+            <a:extLst>
+              <a:ext uri="{FF2B5EF4-FFF2-40B4-BE49-F238E27FC236}">
+                <a16:creationId xmlns:a16="http://schemas.microsoft.com/office/drawing/2014/main" id="{8268BBD3-B8DB-F77F-80D3-E0B343FD0996}"/>
+              </a:ext>
+            </a:extLst>
+          </p:cNvPr>
+          <p:cNvSpPr/>
+          <p:nvPr/>
+        </p:nvSpPr>
+        <p:spPr>
+          <a:xfrm>
+            <a:off x="442913" y="441325"/>
+            <a:ext cx="11306175" cy="6156325"/>
+          </a:xfrm>
+          <a:prstGeom prst="rect">
+            <a:avLst/>
+          </a:prstGeom>
+          <a:noFill/>
+          <a:ln>
+            <a:solidFill>
+              <a:srgbClr val="FFFF00"/>
+            </a:solidFill>
+          </a:ln>
+        </p:spPr>
+        <p:style>
+          <a:lnRef idx="2">
+            <a:schemeClr val="accent1">
+              <a:shade val="15000"/>
+            </a:schemeClr>
+          </a:lnRef>
+          <a:fillRef idx="1">
+            <a:schemeClr val="accent1"/>
+          </a:fillRef>
+          <a:effectRef idx="0">
+            <a:schemeClr val="accent1"/>
+          </a:effectRef>
+          <a:fontRef idx="minor">
+            <a:schemeClr val="lt1"/>
+          </a:fontRef>
+        </p:style>
+        <p:txBody>
+          <a:bodyPr rtlCol="0" anchor="ctr"/>
+          <a:lstStyle/>
+          <a:p>
+            <a:pPr algn="ctr"/>
+            <a:endParaRPr lang="ko-KR" altLang="en-US"/>
+          </a:p>
+        </p:txBody>
+      </p:sp>
+    </p:spTree>
+    <p:extLst>
+      <p:ext uri="{BB962C8B-B14F-4D97-AF65-F5344CB8AC3E}">
+        <p14:creationId xmlns:p14="http://schemas.microsoft.com/office/powerpoint/2010/main" val="2894142246"/>
       </p:ext>
     </p:extLst>
   </p:cSld>
@@ -5519,19 +5705,11 @@
                   </a:r>
                   <a:r>
                     <a:rPr lang="ko-KR" altLang="en-US" sz="1000" dirty="0">
-                      <a:latin typeface="Pretendard" panose="02000503000000020004" pitchFamily="2" charset="-127"/>
-                      <a:ea typeface="Pretendard" panose="02000503000000020004" pitchFamily="2" charset="-127"/>
-                      <a:cs typeface="Pretendard" panose="02000503000000020004" pitchFamily="2" charset="-127"/>
-                    </a:rPr>
-                    <a:t>전장에 </a:t>
-                  </a:r>
-                  <a:r>
-                    <a:rPr lang="ko-KR" altLang="en-US" sz="1000" dirty="0">
                       <a:latin typeface="Pretendard SemiBold" panose="02000703000000020004" pitchFamily="2" charset="-127"/>
                       <a:ea typeface="Pretendard SemiBold" panose="02000703000000020004" pitchFamily="2" charset="-127"/>
                       <a:cs typeface="Pretendard SemiBold" panose="02000703000000020004" pitchFamily="2" charset="-127"/>
                     </a:rPr>
-                    <a:t>재구성</a:t>
+                    <a:t>전장에 구현</a:t>
                   </a:r>
                   <a:r>
                     <a:rPr lang="ko-KR" altLang="en-US" sz="1000" dirty="0">
@@ -5554,7 +5732,7 @@
                     </a:lnSpc>
                   </a:pPr>
                   <a:r>
-                    <a:rPr lang="ko-KR" altLang="en-US" sz="1000" dirty="0">
+                    <a:rPr lang="ko-KR" altLang="en-US" sz="1000" dirty="0" err="1">
                       <a:latin typeface="Pretendard SemiBold" panose="02000703000000020004" pitchFamily="2" charset="-127"/>
                       <a:ea typeface="Pretendard SemiBold" panose="02000703000000020004" pitchFamily="2" charset="-127"/>
                       <a:cs typeface="Pretendard SemiBold" panose="02000703000000020004" pitchFamily="2" charset="-127"/>
@@ -5562,28 +5740,12 @@
                     <a:t>점성술사</a:t>
                   </a:r>
                   <a:r>
-                    <a:rPr lang="en-US" altLang="ko-KR" sz="1000" dirty="0">
+                    <a:rPr lang="ko-KR" altLang="en-US" sz="1000" dirty="0" err="1">
                       <a:latin typeface="Pretendard" panose="02000503000000020004" pitchFamily="2" charset="-127"/>
                       <a:ea typeface="Pretendard" panose="02000503000000020004" pitchFamily="2" charset="-127"/>
                       <a:cs typeface="Pretendard" panose="02000503000000020004" pitchFamily="2" charset="-127"/>
                     </a:rPr>
-                    <a:t> /</a:t>
-                  </a:r>
-                  <a:r>
-                    <a:rPr lang="en-US" altLang="ko-KR" sz="1000" dirty="0">
-                      <a:latin typeface="Pretendard SemiBold" panose="02000703000000020004" pitchFamily="2" charset="-127"/>
-                      <a:ea typeface="Pretendard SemiBold" panose="02000703000000020004" pitchFamily="2" charset="-127"/>
-                      <a:cs typeface="Pretendard SemiBold" panose="02000703000000020004" pitchFamily="2" charset="-127"/>
-                    </a:rPr>
-                    <a:t> </a:t>
-                  </a:r>
-                  <a:r>
-                    <a:rPr lang="ko-KR" altLang="en-US" sz="1000" dirty="0">
-                      <a:latin typeface="Pretendard SemiBold" panose="02000703000000020004" pitchFamily="2" charset="-127"/>
-                      <a:ea typeface="Pretendard SemiBold" panose="02000703000000020004" pitchFamily="2" charset="-127"/>
-                      <a:cs typeface="Pretendard SemiBold" panose="02000703000000020004" pitchFamily="2" charset="-127"/>
-                    </a:rPr>
-                    <a:t>천문학자</a:t>
+                    <a:t>컨셉의</a:t>
                   </a:r>
                   <a:r>
                     <a:rPr lang="ko-KR" altLang="en-US" sz="1000" dirty="0">
@@ -5591,7 +5753,7 @@
                       <a:ea typeface="Pretendard" panose="02000503000000020004" pitchFamily="2" charset="-127"/>
                       <a:cs typeface="Pretendard" panose="02000503000000020004" pitchFamily="2" charset="-127"/>
                     </a:rPr>
-                    <a:t> 컨셉의 클래스</a:t>
+                    <a:t> 클래스</a:t>
                   </a:r>
                   <a:endParaRPr lang="en-US" altLang="ko-KR" sz="1000" dirty="0">
                     <a:latin typeface="Pretendard" panose="02000503000000020004" pitchFamily="2" charset="-127"/>
@@ -5730,9 +5892,9 @@
           <p:grpSpPr>
             <a:xfrm>
               <a:off x="608532" y="3918497"/>
-              <a:ext cx="1332766" cy="262943"/>
+              <a:ext cx="1614894" cy="262943"/>
               <a:chOff x="608532" y="5323103"/>
-              <a:chExt cx="1332766" cy="262943"/>
+              <a:chExt cx="1614894" cy="262943"/>
             </a:xfrm>
           </p:grpSpPr>
           <p:sp>
@@ -5808,7 +5970,7 @@
             <p:spPr>
               <a:xfrm>
                 <a:off x="1274915" y="5323103"/>
-                <a:ext cx="666383" cy="262943"/>
+                <a:ext cx="948511" cy="262943"/>
               </a:xfrm>
               <a:prstGeom prst="rect">
                 <a:avLst/>
@@ -5835,7 +5997,7 @@
                     <a:ea typeface="Pretendard SemiBold" panose="02000703000000020004" pitchFamily="2" charset="-127"/>
                     <a:cs typeface="Pretendard SemiBold" panose="02000703000000020004" pitchFamily="2" charset="-127"/>
                   </a:rPr>
-                  <a:t>천문학자</a:t>
+                  <a:t>천문 현상 구현</a:t>
                 </a:r>
                 <a:endParaRPr lang="en-US" altLang="ko-KR" sz="800" u="sng" dirty="0">
                   <a:solidFill>
@@ -6843,7 +7005,7 @@
         <p:cNvPr id="1" name="">
           <a:extLst>
             <a:ext uri="{FF2B5EF4-FFF2-40B4-BE49-F238E27FC236}">
-              <a16:creationId xmlns:a16="http://schemas.microsoft.com/office/drawing/2014/main" id="{46B793F1-E0B9-0497-DBE5-88973BFF6486}"/>
+              <a16:creationId xmlns:a16="http://schemas.microsoft.com/office/drawing/2014/main" id="{68278DBC-2B46-B9B2-55A8-1C53BDCD8FB7}"/>
             </a:ext>
           </a:extLst>
         </p:cNvPr>
@@ -6863,7 +7025,7 @@
           <p:cNvPr id="15" name="TextBox 14">
             <a:extLst>
               <a:ext uri="{FF2B5EF4-FFF2-40B4-BE49-F238E27FC236}">
-                <a16:creationId xmlns:a16="http://schemas.microsoft.com/office/drawing/2014/main" id="{69EE3F03-7E54-4A07-B024-B745C126BE41}"/>
+                <a16:creationId xmlns:a16="http://schemas.microsoft.com/office/drawing/2014/main" id="{75A4D12E-981E-F579-DEBA-91D25CE841BC}"/>
               </a:ext>
             </a:extLst>
           </p:cNvPr>
@@ -6910,7 +7072,4358 @@
                 <a:ea typeface="Pretendard SemiBold" panose="02000703000000020004" pitchFamily="2" charset="-127"/>
                 <a:cs typeface="Pretendard SemiBold" panose="02000703000000020004" pitchFamily="2" charset="-127"/>
               </a:rPr>
-              <a:t>클래스 컨셉</a:t>
+              <a:t>클래스 소개</a:t>
+            </a:r>
+            <a:endParaRPr lang="en-US" altLang="ko-KR" sz="1100" dirty="0">
+              <a:solidFill>
+                <a:schemeClr val="bg1">
+                  <a:lumMod val="85000"/>
+                </a:schemeClr>
+              </a:solidFill>
+              <a:latin typeface="Pretendard SemiBold" panose="02000703000000020004" pitchFamily="2" charset="-127"/>
+              <a:ea typeface="Pretendard SemiBold" panose="02000703000000020004" pitchFamily="2" charset="-127"/>
+              <a:cs typeface="Pretendard SemiBold" panose="02000703000000020004" pitchFamily="2" charset="-127"/>
+            </a:endParaRPr>
+          </a:p>
+        </p:txBody>
+      </p:sp>
+      <p:grpSp>
+        <p:nvGrpSpPr>
+          <p:cNvPr id="118" name="그룹 117">
+            <a:extLst>
+              <a:ext uri="{FF2B5EF4-FFF2-40B4-BE49-F238E27FC236}">
+                <a16:creationId xmlns:a16="http://schemas.microsoft.com/office/drawing/2014/main" id="{105A45A7-0F9F-7C2B-CB6B-EE6EF7D611F2}"/>
+              </a:ext>
+            </a:extLst>
+          </p:cNvPr>
+          <p:cNvGrpSpPr/>
+          <p:nvPr/>
+        </p:nvGrpSpPr>
+        <p:grpSpPr>
+          <a:xfrm>
+            <a:off x="8040601" y="1269000"/>
+            <a:ext cx="3708487" cy="4320000"/>
+            <a:chOff x="6468254" y="982979"/>
+            <a:chExt cx="3708487" cy="4320000"/>
+          </a:xfrm>
+        </p:grpSpPr>
+        <p:pic>
+          <p:nvPicPr>
+            <p:cNvPr id="3" name="그림 2" descr="의류, 덮개, 의상 디자인, 인간의 얼굴이(가) 표시된 사진&#10;&#10;AI 생성 콘텐츠는 정확하지 않을 수 있습니다.">
+              <a:extLst>
+                <a:ext uri="{FF2B5EF4-FFF2-40B4-BE49-F238E27FC236}">
+                  <a16:creationId xmlns:a16="http://schemas.microsoft.com/office/drawing/2014/main" id="{2D77DE8C-C710-15D4-731B-D039D990BE58}"/>
+                </a:ext>
+              </a:extLst>
+            </p:cNvPr>
+            <p:cNvPicPr>
+              <a:picLocks noChangeAspect="1"/>
+            </p:cNvPicPr>
+            <p:nvPr/>
+          </p:nvPicPr>
+          <p:blipFill>
+            <a:blip r:embed="rId2">
+              <a:extLst>
+                <a:ext uri="{28A0092B-C50C-407E-A947-70E740481C1C}">
+                  <a14:useLocalDpi xmlns:a14="http://schemas.microsoft.com/office/drawing/2010/main" val="0"/>
+                </a:ext>
+              </a:extLst>
+            </a:blip>
+            <a:srcRect t="1484"/>
+            <a:stretch>
+              <a:fillRect/>
+            </a:stretch>
+          </p:blipFill>
+          <p:spPr>
+            <a:xfrm>
+              <a:off x="6746242" y="982979"/>
+              <a:ext cx="1936161" cy="4320000"/>
+            </a:xfrm>
+            <a:prstGeom prst="rect">
+              <a:avLst/>
+            </a:prstGeom>
+          </p:spPr>
+        </p:pic>
+        <p:pic>
+          <p:nvPicPr>
+            <p:cNvPr id="5" name="그림 4" descr="금속, 나선, 금이(가) 표시된 사진&#10;&#10;AI 생성 콘텐츠는 정확하지 않을 수 있습니다.">
+              <a:extLst>
+                <a:ext uri="{FF2B5EF4-FFF2-40B4-BE49-F238E27FC236}">
+                  <a16:creationId xmlns:a16="http://schemas.microsoft.com/office/drawing/2014/main" id="{BF5C2689-2F47-721E-E3C4-11A09226A861}"/>
+                </a:ext>
+              </a:extLst>
+            </p:cNvPr>
+            <p:cNvPicPr>
+              <a:picLocks noChangeAspect="1"/>
+            </p:cNvPicPr>
+            <p:nvPr/>
+          </p:nvPicPr>
+          <p:blipFill>
+            <a:blip r:embed="rId3">
+              <a:extLst>
+                <a:ext uri="{28A0092B-C50C-407E-A947-70E740481C1C}">
+                  <a14:useLocalDpi xmlns:a14="http://schemas.microsoft.com/office/drawing/2010/main" val="0"/>
+                </a:ext>
+              </a:extLst>
+            </a:blip>
+            <a:srcRect l="11735" t="4475" r="14303" b="3598"/>
+            <a:stretch>
+              <a:fillRect/>
+            </a:stretch>
+          </p:blipFill>
+          <p:spPr>
+            <a:xfrm>
+              <a:off x="8816118" y="982980"/>
+              <a:ext cx="842007" cy="970042"/>
+            </a:xfrm>
+            <a:prstGeom prst="rect">
+              <a:avLst/>
+            </a:prstGeom>
+          </p:spPr>
+        </p:pic>
+        <p:cxnSp>
+          <p:nvCxnSpPr>
+            <p:cNvPr id="8" name="직선 연결선 7">
+              <a:extLst>
+                <a:ext uri="{FF2B5EF4-FFF2-40B4-BE49-F238E27FC236}">
+                  <a16:creationId xmlns:a16="http://schemas.microsoft.com/office/drawing/2014/main" id="{554E1F5F-4A3E-8B2A-0552-DF15A4FEE0B9}"/>
+                </a:ext>
+              </a:extLst>
+            </p:cNvPr>
+            <p:cNvCxnSpPr>
+              <a:cxnSpLocks/>
+            </p:cNvCxnSpPr>
+            <p:nvPr/>
+          </p:nvCxnSpPr>
+          <p:spPr>
+            <a:xfrm flipV="1">
+              <a:off x="6657951" y="982979"/>
+              <a:ext cx="0" cy="4320000"/>
+            </a:xfrm>
+            <a:prstGeom prst="line">
+              <a:avLst/>
+            </a:prstGeom>
+            <a:ln w="9525">
+              <a:solidFill>
+                <a:schemeClr val="tx1">
+                  <a:lumMod val="75000"/>
+                  <a:lumOff val="25000"/>
+                </a:schemeClr>
+              </a:solidFill>
+              <a:headEnd type="triangle"/>
+              <a:tailEnd type="triangle"/>
+            </a:ln>
+          </p:spPr>
+          <p:style>
+            <a:lnRef idx="2">
+              <a:schemeClr val="accent1"/>
+            </a:lnRef>
+            <a:fillRef idx="0">
+              <a:schemeClr val="accent1"/>
+            </a:fillRef>
+            <a:effectRef idx="1">
+              <a:schemeClr val="accent1"/>
+            </a:effectRef>
+            <a:fontRef idx="minor">
+              <a:schemeClr val="tx1"/>
+            </a:fontRef>
+          </p:style>
+        </p:cxnSp>
+        <p:cxnSp>
+          <p:nvCxnSpPr>
+            <p:cNvPr id="9" name="직선 연결선 8">
+              <a:extLst>
+                <a:ext uri="{FF2B5EF4-FFF2-40B4-BE49-F238E27FC236}">
+                  <a16:creationId xmlns:a16="http://schemas.microsoft.com/office/drawing/2014/main" id="{0486F5AE-DDAF-8705-FC2F-5415E4C5D6BF}"/>
+                </a:ext>
+              </a:extLst>
+            </p:cNvPr>
+            <p:cNvCxnSpPr>
+              <a:cxnSpLocks/>
+            </p:cNvCxnSpPr>
+            <p:nvPr/>
+          </p:nvCxnSpPr>
+          <p:spPr>
+            <a:xfrm flipH="1">
+              <a:off x="6492018" y="982980"/>
+              <a:ext cx="3600672" cy="0"/>
+            </a:xfrm>
+            <a:prstGeom prst="line">
+              <a:avLst/>
+            </a:prstGeom>
+            <a:ln w="12700">
+              <a:solidFill>
+                <a:srgbClr val="FF0000"/>
+              </a:solidFill>
+              <a:prstDash val="solid"/>
+            </a:ln>
+          </p:spPr>
+          <p:style>
+            <a:lnRef idx="2">
+              <a:schemeClr val="accent1"/>
+            </a:lnRef>
+            <a:fillRef idx="0">
+              <a:schemeClr val="accent1"/>
+            </a:fillRef>
+            <a:effectRef idx="1">
+              <a:schemeClr val="accent1"/>
+            </a:effectRef>
+            <a:fontRef idx="minor">
+              <a:schemeClr val="tx1"/>
+            </a:fontRef>
+          </p:style>
+        </p:cxnSp>
+        <p:cxnSp>
+          <p:nvCxnSpPr>
+            <p:cNvPr id="12" name="직선 연결선 11">
+              <a:extLst>
+                <a:ext uri="{FF2B5EF4-FFF2-40B4-BE49-F238E27FC236}">
+                  <a16:creationId xmlns:a16="http://schemas.microsoft.com/office/drawing/2014/main" id="{69A7EF69-A60E-D764-AD93-DCB98BA66E07}"/>
+                </a:ext>
+              </a:extLst>
+            </p:cNvPr>
+            <p:cNvCxnSpPr>
+              <a:cxnSpLocks/>
+            </p:cNvCxnSpPr>
+            <p:nvPr/>
+          </p:nvCxnSpPr>
+          <p:spPr>
+            <a:xfrm flipH="1">
+              <a:off x="6492018" y="5302979"/>
+              <a:ext cx="1351502" cy="0"/>
+            </a:xfrm>
+            <a:prstGeom prst="line">
+              <a:avLst/>
+            </a:prstGeom>
+            <a:ln w="12700">
+              <a:solidFill>
+                <a:srgbClr val="FF0000"/>
+              </a:solidFill>
+              <a:prstDash val="solid"/>
+            </a:ln>
+          </p:spPr>
+          <p:style>
+            <a:lnRef idx="2">
+              <a:schemeClr val="accent1"/>
+            </a:lnRef>
+            <a:fillRef idx="0">
+              <a:schemeClr val="accent1"/>
+            </a:fillRef>
+            <a:effectRef idx="1">
+              <a:schemeClr val="accent1"/>
+            </a:effectRef>
+            <a:fontRef idx="minor">
+              <a:schemeClr val="tx1"/>
+            </a:fontRef>
+          </p:style>
+        </p:cxnSp>
+        <p:cxnSp>
+          <p:nvCxnSpPr>
+            <p:cNvPr id="13" name="직선 연결선 12">
+              <a:extLst>
+                <a:ext uri="{FF2B5EF4-FFF2-40B4-BE49-F238E27FC236}">
+                  <a16:creationId xmlns:a16="http://schemas.microsoft.com/office/drawing/2014/main" id="{374DD325-06C8-1890-26E4-B8B332D9ADDC}"/>
+                </a:ext>
+              </a:extLst>
+            </p:cNvPr>
+            <p:cNvCxnSpPr>
+              <a:cxnSpLocks/>
+            </p:cNvCxnSpPr>
+            <p:nvPr/>
+          </p:nvCxnSpPr>
+          <p:spPr>
+            <a:xfrm flipH="1">
+              <a:off x="8816118" y="1953022"/>
+              <a:ext cx="1248267" cy="0"/>
+            </a:xfrm>
+            <a:prstGeom prst="line">
+              <a:avLst/>
+            </a:prstGeom>
+            <a:ln w="12700">
+              <a:solidFill>
+                <a:srgbClr val="FF0000"/>
+              </a:solidFill>
+              <a:prstDash val="solid"/>
+            </a:ln>
+          </p:spPr>
+          <p:style>
+            <a:lnRef idx="2">
+              <a:schemeClr val="accent1"/>
+            </a:lnRef>
+            <a:fillRef idx="0">
+              <a:schemeClr val="accent1"/>
+            </a:fillRef>
+            <a:effectRef idx="1">
+              <a:schemeClr val="accent1"/>
+            </a:effectRef>
+            <a:fontRef idx="minor">
+              <a:schemeClr val="tx1"/>
+            </a:fontRef>
+          </p:style>
+        </p:cxnSp>
+        <p:cxnSp>
+          <p:nvCxnSpPr>
+            <p:cNvPr id="16" name="직선 연결선 15">
+              <a:extLst>
+                <a:ext uri="{FF2B5EF4-FFF2-40B4-BE49-F238E27FC236}">
+                  <a16:creationId xmlns:a16="http://schemas.microsoft.com/office/drawing/2014/main" id="{78D0F44C-7088-DB7F-A277-D9F407CB7644}"/>
+                </a:ext>
+              </a:extLst>
+            </p:cNvPr>
+            <p:cNvCxnSpPr>
+              <a:cxnSpLocks/>
+            </p:cNvCxnSpPr>
+            <p:nvPr/>
+          </p:nvCxnSpPr>
+          <p:spPr>
+            <a:xfrm flipV="1">
+              <a:off x="9945366" y="982980"/>
+              <a:ext cx="0" cy="970042"/>
+            </a:xfrm>
+            <a:prstGeom prst="line">
+              <a:avLst/>
+            </a:prstGeom>
+            <a:ln w="9525">
+              <a:solidFill>
+                <a:schemeClr val="tx1">
+                  <a:lumMod val="75000"/>
+                  <a:lumOff val="25000"/>
+                </a:schemeClr>
+              </a:solidFill>
+              <a:headEnd type="triangle"/>
+              <a:tailEnd type="triangle"/>
+            </a:ln>
+          </p:spPr>
+          <p:style>
+            <a:lnRef idx="2">
+              <a:schemeClr val="accent1"/>
+            </a:lnRef>
+            <a:fillRef idx="0">
+              <a:schemeClr val="accent1"/>
+            </a:fillRef>
+            <a:effectRef idx="1">
+              <a:schemeClr val="accent1"/>
+            </a:effectRef>
+            <a:fontRef idx="minor">
+              <a:schemeClr val="tx1"/>
+            </a:fontRef>
+          </p:style>
+        </p:cxnSp>
+        <p:sp>
+          <p:nvSpPr>
+            <p:cNvPr id="23" name="TextBox 22">
+              <a:extLst>
+                <a:ext uri="{FF2B5EF4-FFF2-40B4-BE49-F238E27FC236}">
+                  <a16:creationId xmlns:a16="http://schemas.microsoft.com/office/drawing/2014/main" id="{EC3A43FD-CE19-C19A-98EB-D8DCA15D2005}"/>
+                </a:ext>
+              </a:extLst>
+            </p:cNvPr>
+            <p:cNvSpPr txBox="1"/>
+            <p:nvPr/>
+          </p:nvSpPr>
+          <p:spPr>
+            <a:xfrm>
+              <a:off x="9713991" y="1345500"/>
+              <a:ext cx="462750" cy="245003"/>
+            </a:xfrm>
+            <a:prstGeom prst="rect">
+              <a:avLst/>
+            </a:prstGeom>
+            <a:solidFill>
+              <a:schemeClr val="bg1"/>
+            </a:solidFill>
+          </p:spPr>
+          <p:txBody>
+            <a:bodyPr wrap="none" lIns="18000" rIns="18000" rtlCol="0">
+              <a:spAutoFit/>
+            </a:bodyPr>
+            <a:lstStyle/>
+            <a:p>
+              <a:pPr latinLnBrk="0">
+                <a:lnSpc>
+                  <a:spcPct val="120000"/>
+                </a:lnSpc>
+              </a:pPr>
+              <a:r>
+                <a:rPr lang="ko-KR" altLang="en-US" sz="900" dirty="0">
+                  <a:latin typeface="Pretendard" panose="02000503000000020004" pitchFamily="2" charset="-127"/>
+                  <a:ea typeface="Pretendard" panose="02000503000000020004" pitchFamily="2" charset="-127"/>
+                  <a:cs typeface="Pretendard" panose="02000503000000020004" pitchFamily="2" charset="-127"/>
+                </a:rPr>
+                <a:t>약 </a:t>
+              </a:r>
+              <a:r>
+                <a:rPr lang="en-US" altLang="ko-KR" sz="900" dirty="0">
+                  <a:effectLst/>
+                  <a:latin typeface="Pretendard" panose="02000503000000020004" pitchFamily="2" charset="-127"/>
+                  <a:ea typeface="Pretendard" panose="02000503000000020004" pitchFamily="2" charset="-127"/>
+                  <a:cs typeface="Pretendard" panose="02000503000000020004" pitchFamily="2" charset="-127"/>
+                </a:rPr>
+                <a:t>40</a:t>
+              </a:r>
+              <a:r>
+                <a:rPr lang="en-US" altLang="ko-KR" sz="900" dirty="0">
+                  <a:latin typeface="Pretendard" panose="02000503000000020004" pitchFamily="2" charset="-127"/>
+                  <a:ea typeface="Pretendard" panose="02000503000000020004" pitchFamily="2" charset="-127"/>
+                  <a:cs typeface="Pretendard" panose="02000503000000020004" pitchFamily="2" charset="-127"/>
+                </a:rPr>
+                <a:t>cm</a:t>
+              </a:r>
+              <a:endParaRPr lang="en-US" altLang="ko-KR" sz="900" dirty="0">
+                <a:effectLst/>
+                <a:latin typeface="Pretendard" panose="02000503000000020004" pitchFamily="2" charset="-127"/>
+                <a:ea typeface="Pretendard" panose="02000503000000020004" pitchFamily="2" charset="-127"/>
+                <a:cs typeface="Pretendard" panose="02000503000000020004" pitchFamily="2" charset="-127"/>
+              </a:endParaRPr>
+            </a:p>
+          </p:txBody>
+        </p:sp>
+        <p:sp>
+          <p:nvSpPr>
+            <p:cNvPr id="21" name="TextBox 20">
+              <a:extLst>
+                <a:ext uri="{FF2B5EF4-FFF2-40B4-BE49-F238E27FC236}">
+                  <a16:creationId xmlns:a16="http://schemas.microsoft.com/office/drawing/2014/main" id="{774E9460-300D-DEF5-D6D4-9B6F319F51B0}"/>
+                </a:ext>
+              </a:extLst>
+            </p:cNvPr>
+            <p:cNvSpPr txBox="1"/>
+            <p:nvPr/>
+          </p:nvSpPr>
+          <p:spPr>
+            <a:xfrm>
+              <a:off x="6468254" y="3020478"/>
+              <a:ext cx="379394" cy="245003"/>
+            </a:xfrm>
+            <a:prstGeom prst="rect">
+              <a:avLst/>
+            </a:prstGeom>
+            <a:solidFill>
+              <a:schemeClr val="bg1"/>
+            </a:solidFill>
+          </p:spPr>
+          <p:txBody>
+            <a:bodyPr wrap="none" lIns="18000" rIns="18000" rtlCol="0">
+              <a:spAutoFit/>
+            </a:bodyPr>
+            <a:lstStyle/>
+            <a:p>
+              <a:pPr latinLnBrk="0">
+                <a:lnSpc>
+                  <a:spcPct val="120000"/>
+                </a:lnSpc>
+              </a:pPr>
+              <a:r>
+                <a:rPr lang="en-US" altLang="ko-KR" sz="900" dirty="0">
+                  <a:effectLst/>
+                  <a:latin typeface="Pretendard" panose="02000503000000020004" pitchFamily="2" charset="-127"/>
+                  <a:ea typeface="Pretendard" panose="02000503000000020004" pitchFamily="2" charset="-127"/>
+                  <a:cs typeface="Pretendard" panose="02000503000000020004" pitchFamily="2" charset="-127"/>
+                </a:rPr>
+                <a:t>176</a:t>
+              </a:r>
+              <a:r>
+                <a:rPr lang="en-US" altLang="ko-KR" sz="900" dirty="0">
+                  <a:latin typeface="Pretendard" panose="02000503000000020004" pitchFamily="2" charset="-127"/>
+                  <a:ea typeface="Pretendard" panose="02000503000000020004" pitchFamily="2" charset="-127"/>
+                  <a:cs typeface="Pretendard" panose="02000503000000020004" pitchFamily="2" charset="-127"/>
+                </a:rPr>
+                <a:t>cm</a:t>
+              </a:r>
+              <a:endParaRPr lang="en-US" altLang="ko-KR" sz="900" dirty="0">
+                <a:effectLst/>
+                <a:latin typeface="Pretendard" panose="02000503000000020004" pitchFamily="2" charset="-127"/>
+                <a:ea typeface="Pretendard" panose="02000503000000020004" pitchFamily="2" charset="-127"/>
+                <a:cs typeface="Pretendard" panose="02000503000000020004" pitchFamily="2" charset="-127"/>
+              </a:endParaRPr>
+            </a:p>
+          </p:txBody>
+        </p:sp>
+      </p:grpSp>
+      <p:graphicFrame>
+        <p:nvGraphicFramePr>
+          <p:cNvPr id="113" name="표 112">
+            <a:extLst>
+              <a:ext uri="{FF2B5EF4-FFF2-40B4-BE49-F238E27FC236}">
+                <a16:creationId xmlns:a16="http://schemas.microsoft.com/office/drawing/2014/main" id="{3CA1A905-F0B2-677F-6D1C-5C275F2749BF}"/>
+              </a:ext>
+            </a:extLst>
+          </p:cNvPr>
+          <p:cNvGraphicFramePr>
+            <a:graphicFrameLocks noGrp="1"/>
+          </p:cNvGraphicFramePr>
+          <p:nvPr>
+            <p:extLst>
+              <p:ext uri="{D42A27DB-BD31-4B8C-83A1-F6EECF244321}">
+                <p14:modId xmlns:p14="http://schemas.microsoft.com/office/powerpoint/2010/main" val="3213409305"/>
+              </p:ext>
+            </p:extLst>
+          </p:nvPr>
+        </p:nvGraphicFramePr>
+        <p:xfrm>
+          <a:off x="442913" y="2213700"/>
+          <a:ext cx="7393148" cy="2430600"/>
+        </p:xfrm>
+        <a:graphic>
+          <a:graphicData uri="http://schemas.openxmlformats.org/drawingml/2006/table">
+            <a:tbl>
+              <a:tblPr firstRow="1" bandRow="1">
+                <a:tableStyleId>{5C22544A-7EE6-4342-B048-85BDC9FD1C3A}</a:tableStyleId>
+              </a:tblPr>
+              <a:tblGrid>
+                <a:gridCol w="1009967">
+                  <a:extLst>
+                    <a:ext uri="{9D8B030D-6E8A-4147-A177-3AD203B41FA5}">
+                      <a16:colId xmlns:a16="http://schemas.microsoft.com/office/drawing/2014/main" val="1784549110"/>
+                    </a:ext>
+                  </a:extLst>
+                </a:gridCol>
+                <a:gridCol w="6383181">
+                  <a:extLst>
+                    <a:ext uri="{9D8B030D-6E8A-4147-A177-3AD203B41FA5}">
+                      <a16:colId xmlns:a16="http://schemas.microsoft.com/office/drawing/2014/main" val="1689322164"/>
+                    </a:ext>
+                  </a:extLst>
+                </a:gridCol>
+              </a:tblGrid>
+              <a:tr h="370840">
+                <a:tc>
+                  <a:txBody>
+                    <a:bodyPr/>
+                    <a:lstStyle/>
+                    <a:p>
+                      <a:pPr algn="ctr" latinLnBrk="1"/>
+                      <a:r>
+                        <a:rPr lang="ko-KR" altLang="en-US" sz="1000" b="0" dirty="0">
+                          <a:solidFill>
+                            <a:schemeClr val="bg1">
+                              <a:lumMod val="95000"/>
+                            </a:schemeClr>
+                          </a:solidFill>
+                          <a:latin typeface="Pretendard SemiBold" panose="02000703000000020004" pitchFamily="2" charset="-127"/>
+                          <a:ea typeface="Pretendard SemiBold" panose="02000703000000020004" pitchFamily="2" charset="-127"/>
+                          <a:cs typeface="Pretendard SemiBold" panose="02000703000000020004" pitchFamily="2" charset="-127"/>
+                        </a:rPr>
+                        <a:t>클래스명</a:t>
+                      </a:r>
+                    </a:p>
+                  </a:txBody>
+                  <a:tcPr marL="144000" marR="144000" marT="72000" marB="72000" anchor="ctr">
+                    <a:lnL w="12700" cap="flat" cmpd="sng" algn="ctr">
+                      <a:solidFill>
+                        <a:schemeClr val="bg1">
+                          <a:lumMod val="50000"/>
+                        </a:schemeClr>
+                      </a:solidFill>
+                      <a:prstDash val="solid"/>
+                      <a:round/>
+                      <a:headEnd type="none" w="med" len="med"/>
+                      <a:tailEnd type="none" w="med" len="med"/>
+                    </a:lnL>
+                    <a:lnR w="6350" cap="flat" cmpd="sng" algn="ctr">
+                      <a:solidFill>
+                        <a:schemeClr val="bg1">
+                          <a:lumMod val="75000"/>
+                        </a:schemeClr>
+                      </a:solidFill>
+                      <a:prstDash val="solid"/>
+                      <a:round/>
+                      <a:headEnd type="none" w="med" len="med"/>
+                      <a:tailEnd type="none" w="med" len="med"/>
+                    </a:lnR>
+                    <a:lnT w="12700" cap="flat" cmpd="sng" algn="ctr">
+                      <a:solidFill>
+                        <a:schemeClr val="bg1">
+                          <a:lumMod val="50000"/>
+                        </a:schemeClr>
+                      </a:solidFill>
+                      <a:prstDash val="solid"/>
+                      <a:round/>
+                      <a:headEnd type="none" w="med" len="med"/>
+                      <a:tailEnd type="none" w="med" len="med"/>
+                    </a:lnT>
+                    <a:lnB w="6350" cap="flat" cmpd="sng" algn="ctr">
+                      <a:solidFill>
+                        <a:schemeClr val="bg1">
+                          <a:lumMod val="75000"/>
+                        </a:schemeClr>
+                      </a:solidFill>
+                      <a:prstDash val="solid"/>
+                      <a:round/>
+                      <a:headEnd type="none" w="med" len="med"/>
+                      <a:tailEnd type="none" w="med" len="med"/>
+                    </a:lnB>
+                    <a:solidFill>
+                      <a:srgbClr val="212227"/>
+                    </a:solidFill>
+                  </a:tcPr>
+                </a:tc>
+                <a:tc>
+                  <a:txBody>
+                    <a:bodyPr/>
+                    <a:lstStyle/>
+                    <a:p>
+                      <a:pPr algn="l" latinLnBrk="1">
+                        <a:lnSpc>
+                          <a:spcPct val="100000"/>
+                        </a:lnSpc>
+                      </a:pPr>
+                      <a:r>
+                        <a:rPr lang="ko-KR" altLang="en-US" sz="1000" b="0" dirty="0">
+                          <a:solidFill>
+                            <a:schemeClr val="tx1"/>
+                          </a:solidFill>
+                          <a:latin typeface="Pretendard" panose="02000503000000020004" pitchFamily="2" charset="-127"/>
+                          <a:ea typeface="Pretendard" panose="02000503000000020004" pitchFamily="2" charset="-127"/>
+                          <a:cs typeface="Pretendard" panose="02000503000000020004" pitchFamily="2" charset="-127"/>
+                        </a:rPr>
+                        <a:t>현자 </a:t>
+                      </a:r>
+                      <a:r>
+                        <a:rPr lang="en-US" altLang="ko-KR" sz="1000" b="0" dirty="0">
+                          <a:solidFill>
+                            <a:schemeClr val="tx1"/>
+                          </a:solidFill>
+                          <a:latin typeface="Pretendard" panose="02000503000000020004" pitchFamily="2" charset="-127"/>
+                          <a:ea typeface="Pretendard" panose="02000503000000020004" pitchFamily="2" charset="-127"/>
+                          <a:cs typeface="Pretendard" panose="02000503000000020004" pitchFamily="2" charset="-127"/>
+                        </a:rPr>
+                        <a:t>(Sage)</a:t>
+                      </a:r>
+                      <a:endParaRPr lang="ko-KR" altLang="en-US" sz="1000" b="0" dirty="0">
+                        <a:solidFill>
+                          <a:schemeClr val="tx1"/>
+                        </a:solidFill>
+                        <a:latin typeface="Pretendard" panose="02000503000000020004" pitchFamily="2" charset="-127"/>
+                        <a:ea typeface="Pretendard" panose="02000503000000020004" pitchFamily="2" charset="-127"/>
+                        <a:cs typeface="Pretendard" panose="02000503000000020004" pitchFamily="2" charset="-127"/>
+                      </a:endParaRPr>
+                    </a:p>
+                  </a:txBody>
+                  <a:tcPr marL="144000" marR="144000" marT="144000" marB="144000" anchor="ctr">
+                    <a:lnL w="6350" cap="flat" cmpd="sng" algn="ctr">
+                      <a:solidFill>
+                        <a:schemeClr val="bg1">
+                          <a:lumMod val="75000"/>
+                        </a:schemeClr>
+                      </a:solidFill>
+                      <a:prstDash val="solid"/>
+                      <a:round/>
+                      <a:headEnd type="none" w="med" len="med"/>
+                      <a:tailEnd type="none" w="med" len="med"/>
+                    </a:lnL>
+                    <a:lnR w="12700" cap="flat" cmpd="sng" algn="ctr">
+                      <a:solidFill>
+                        <a:schemeClr val="bg1">
+                          <a:lumMod val="50000"/>
+                        </a:schemeClr>
+                      </a:solidFill>
+                      <a:prstDash val="solid"/>
+                      <a:round/>
+                      <a:headEnd type="none" w="med" len="med"/>
+                      <a:tailEnd type="none" w="med" len="med"/>
+                    </a:lnR>
+                    <a:lnT w="12700" cap="flat" cmpd="sng" algn="ctr">
+                      <a:solidFill>
+                        <a:schemeClr val="bg1">
+                          <a:lumMod val="50000"/>
+                        </a:schemeClr>
+                      </a:solidFill>
+                      <a:prstDash val="solid"/>
+                      <a:round/>
+                      <a:headEnd type="none" w="med" len="med"/>
+                      <a:tailEnd type="none" w="med" len="med"/>
+                    </a:lnT>
+                    <a:lnB w="6350" cap="flat" cmpd="sng" algn="ctr">
+                      <a:solidFill>
+                        <a:schemeClr val="bg1">
+                          <a:lumMod val="75000"/>
+                        </a:schemeClr>
+                      </a:solidFill>
+                      <a:prstDash val="solid"/>
+                      <a:round/>
+                      <a:headEnd type="none" w="med" len="med"/>
+                      <a:tailEnd type="none" w="med" len="med"/>
+                    </a:lnB>
+                    <a:solidFill>
+                      <a:schemeClr val="bg1"/>
+                    </a:solidFill>
+                  </a:tcPr>
+                </a:tc>
+                <a:extLst>
+                  <a:ext uri="{0D108BD9-81ED-4DB2-BD59-A6C34878D82A}">
+                    <a16:rowId xmlns:a16="http://schemas.microsoft.com/office/drawing/2014/main" val="635523113"/>
+                  </a:ext>
+                </a:extLst>
+              </a:tr>
+              <a:tr h="370840">
+                <a:tc>
+                  <a:txBody>
+                    <a:bodyPr/>
+                    <a:lstStyle/>
+                    <a:p>
+                      <a:pPr algn="ctr" latinLnBrk="1"/>
+                      <a:r>
+                        <a:rPr lang="ko-KR" altLang="en-US" sz="1000" b="0" dirty="0">
+                          <a:solidFill>
+                            <a:schemeClr val="bg1">
+                              <a:lumMod val="95000"/>
+                            </a:schemeClr>
+                          </a:solidFill>
+                          <a:latin typeface="Pretendard SemiBold" panose="02000703000000020004" pitchFamily="2" charset="-127"/>
+                          <a:ea typeface="Pretendard SemiBold" panose="02000703000000020004" pitchFamily="2" charset="-127"/>
+                          <a:cs typeface="Pretendard SemiBold" panose="02000703000000020004" pitchFamily="2" charset="-127"/>
+                        </a:rPr>
+                        <a:t>컨셉 및 특징</a:t>
+                      </a:r>
+                    </a:p>
+                  </a:txBody>
+                  <a:tcPr marL="144000" marR="144000" marT="72000" marB="72000" anchor="ctr">
+                    <a:lnL w="12700" cap="flat" cmpd="sng" algn="ctr">
+                      <a:solidFill>
+                        <a:schemeClr val="bg1">
+                          <a:lumMod val="50000"/>
+                        </a:schemeClr>
+                      </a:solidFill>
+                      <a:prstDash val="solid"/>
+                      <a:round/>
+                      <a:headEnd type="none" w="med" len="med"/>
+                      <a:tailEnd type="none" w="med" len="med"/>
+                    </a:lnL>
+                    <a:lnR w="6350" cap="flat" cmpd="sng" algn="ctr">
+                      <a:solidFill>
+                        <a:schemeClr val="bg1">
+                          <a:lumMod val="75000"/>
+                        </a:schemeClr>
+                      </a:solidFill>
+                      <a:prstDash val="solid"/>
+                      <a:round/>
+                      <a:headEnd type="none" w="med" len="med"/>
+                      <a:tailEnd type="none" w="med" len="med"/>
+                    </a:lnR>
+                    <a:lnT w="6350" cap="flat" cmpd="sng" algn="ctr">
+                      <a:solidFill>
+                        <a:schemeClr val="bg1">
+                          <a:lumMod val="75000"/>
+                        </a:schemeClr>
+                      </a:solidFill>
+                      <a:prstDash val="solid"/>
+                      <a:round/>
+                      <a:headEnd type="none" w="med" len="med"/>
+                      <a:tailEnd type="none" w="med" len="med"/>
+                    </a:lnT>
+                    <a:lnB w="6350" cap="flat" cmpd="sng" algn="ctr">
+                      <a:solidFill>
+                        <a:schemeClr val="bg1">
+                          <a:lumMod val="75000"/>
+                        </a:schemeClr>
+                      </a:solidFill>
+                      <a:prstDash val="solid"/>
+                      <a:round/>
+                      <a:headEnd type="none" w="med" len="med"/>
+                      <a:tailEnd type="none" w="med" len="med"/>
+                    </a:lnB>
+                    <a:solidFill>
+                      <a:srgbClr val="212227"/>
+                    </a:solidFill>
+                  </a:tcPr>
+                </a:tc>
+                <a:tc>
+                  <a:txBody>
+                    <a:bodyPr/>
+                    <a:lstStyle/>
+                    <a:p>
+                      <a:pPr algn="l" latinLnBrk="1">
+                        <a:lnSpc>
+                          <a:spcPct val="100000"/>
+                        </a:lnSpc>
+                        <a:spcAft>
+                          <a:spcPts val="600"/>
+                        </a:spcAft>
+                      </a:pPr>
+                      <a:r>
+                        <a:rPr lang="ko-KR" altLang="en-US" sz="1000" b="0" dirty="0">
+                          <a:solidFill>
+                            <a:schemeClr val="tx1"/>
+                          </a:solidFill>
+                          <a:latin typeface="Pretendard" panose="02000503000000020004" pitchFamily="2" charset="-127"/>
+                          <a:ea typeface="Pretendard" panose="02000503000000020004" pitchFamily="2" charset="-127"/>
+                          <a:cs typeface="Pretendard" panose="02000503000000020004" pitchFamily="2" charset="-127"/>
+                        </a:rPr>
+                        <a:t>현자는 점성술사 컨셉으로</a:t>
+                      </a:r>
+                      <a:r>
+                        <a:rPr lang="en-US" altLang="ko-KR" sz="1000" b="0" dirty="0">
+                          <a:solidFill>
+                            <a:schemeClr val="tx1"/>
+                          </a:solidFill>
+                          <a:latin typeface="Pretendard" panose="02000503000000020004" pitchFamily="2" charset="-127"/>
+                          <a:ea typeface="Pretendard" panose="02000503000000020004" pitchFamily="2" charset="-127"/>
+                          <a:cs typeface="Pretendard" panose="02000503000000020004" pitchFamily="2" charset="-127"/>
+                        </a:rPr>
+                        <a:t>, </a:t>
+                      </a:r>
+                      <a:r>
+                        <a:rPr lang="ko-KR" altLang="en-US" sz="1000" b="0" dirty="0">
+                          <a:solidFill>
+                            <a:schemeClr val="tx1"/>
+                          </a:solidFill>
+                          <a:latin typeface="Pretendard" panose="02000503000000020004" pitchFamily="2" charset="-127"/>
+                          <a:ea typeface="Pretendard" panose="02000503000000020004" pitchFamily="2" charset="-127"/>
+                          <a:cs typeface="Pretendard" panose="02000503000000020004" pitchFamily="2" charset="-127"/>
+                        </a:rPr>
+                        <a:t>우주의 신비로운 현상들을 관측하고 그 원리와 법칙을 파악하여 현실로 구현하는 클래스입니다</a:t>
+                      </a:r>
+                      <a:r>
+                        <a:rPr lang="en-US" altLang="ko-KR" sz="1000" b="0" dirty="0">
+                          <a:solidFill>
+                            <a:schemeClr val="tx1"/>
+                          </a:solidFill>
+                          <a:latin typeface="Pretendard" panose="02000503000000020004" pitchFamily="2" charset="-127"/>
+                          <a:ea typeface="Pretendard" panose="02000503000000020004" pitchFamily="2" charset="-127"/>
+                          <a:cs typeface="Pretendard" panose="02000503000000020004" pitchFamily="2" charset="-127"/>
+                        </a:rPr>
+                        <a:t>.</a:t>
+                      </a:r>
+                    </a:p>
+                    <a:p>
+                      <a:pPr algn="l" latinLnBrk="1">
+                        <a:lnSpc>
+                          <a:spcPct val="100000"/>
+                        </a:lnSpc>
+                        <a:spcAft>
+                          <a:spcPts val="600"/>
+                        </a:spcAft>
+                      </a:pPr>
+                      <a:r>
+                        <a:rPr lang="ko-KR" altLang="en-US" sz="1000" b="0" dirty="0">
+                          <a:solidFill>
+                            <a:schemeClr val="tx1"/>
+                          </a:solidFill>
+                          <a:latin typeface="Pretendard" panose="02000503000000020004" pitchFamily="2" charset="-127"/>
+                          <a:ea typeface="Pretendard" panose="02000503000000020004" pitchFamily="2" charset="-127"/>
+                          <a:cs typeface="Pretendard" panose="02000503000000020004" pitchFamily="2" charset="-127"/>
+                        </a:rPr>
+                        <a:t>이들은 효율을 추구하며 최소한의 과정으로 최대의 결과를 내기위해 끝없이 노력합니다</a:t>
+                      </a:r>
+                      <a:r>
+                        <a:rPr lang="en-US" altLang="ko-KR" sz="1000" b="0" dirty="0">
+                          <a:solidFill>
+                            <a:schemeClr val="tx1"/>
+                          </a:solidFill>
+                          <a:latin typeface="Pretendard" panose="02000503000000020004" pitchFamily="2" charset="-127"/>
+                          <a:ea typeface="Pretendard" panose="02000503000000020004" pitchFamily="2" charset="-127"/>
+                          <a:cs typeface="Pretendard" panose="02000503000000020004" pitchFamily="2" charset="-127"/>
+                        </a:rPr>
+                        <a:t>.</a:t>
+                      </a:r>
+                      <a:endParaRPr lang="ko-KR" altLang="en-US" sz="1000" b="0" dirty="0">
+                        <a:solidFill>
+                          <a:schemeClr val="tx1"/>
+                        </a:solidFill>
+                        <a:latin typeface="Pretendard" panose="02000503000000020004" pitchFamily="2" charset="-127"/>
+                        <a:ea typeface="Pretendard" panose="02000503000000020004" pitchFamily="2" charset="-127"/>
+                        <a:cs typeface="Pretendard" panose="02000503000000020004" pitchFamily="2" charset="-127"/>
+                      </a:endParaRPr>
+                    </a:p>
+                  </a:txBody>
+                  <a:tcPr marL="144000" marR="144000" marT="144000" marB="144000" anchor="ctr">
+                    <a:lnL w="6350" cap="flat" cmpd="sng" algn="ctr">
+                      <a:solidFill>
+                        <a:schemeClr val="bg1">
+                          <a:lumMod val="75000"/>
+                        </a:schemeClr>
+                      </a:solidFill>
+                      <a:prstDash val="solid"/>
+                      <a:round/>
+                      <a:headEnd type="none" w="med" len="med"/>
+                      <a:tailEnd type="none" w="med" len="med"/>
+                    </a:lnL>
+                    <a:lnR w="12700" cap="flat" cmpd="sng" algn="ctr">
+                      <a:solidFill>
+                        <a:schemeClr val="bg1">
+                          <a:lumMod val="50000"/>
+                        </a:schemeClr>
+                      </a:solidFill>
+                      <a:prstDash val="solid"/>
+                      <a:round/>
+                      <a:headEnd type="none" w="med" len="med"/>
+                      <a:tailEnd type="none" w="med" len="med"/>
+                    </a:lnR>
+                    <a:lnT w="6350" cap="flat" cmpd="sng" algn="ctr">
+                      <a:solidFill>
+                        <a:schemeClr val="bg1">
+                          <a:lumMod val="75000"/>
+                        </a:schemeClr>
+                      </a:solidFill>
+                      <a:prstDash val="solid"/>
+                      <a:round/>
+                      <a:headEnd type="none" w="med" len="med"/>
+                      <a:tailEnd type="none" w="med" len="med"/>
+                    </a:lnT>
+                    <a:lnB w="6350" cap="flat" cmpd="sng" algn="ctr">
+                      <a:solidFill>
+                        <a:schemeClr val="bg1">
+                          <a:lumMod val="75000"/>
+                        </a:schemeClr>
+                      </a:solidFill>
+                      <a:prstDash val="solid"/>
+                      <a:round/>
+                      <a:headEnd type="none" w="med" len="med"/>
+                      <a:tailEnd type="none" w="med" len="med"/>
+                    </a:lnB>
+                    <a:solidFill>
+                      <a:schemeClr val="bg1"/>
+                    </a:solidFill>
+                  </a:tcPr>
+                </a:tc>
+                <a:extLst>
+                  <a:ext uri="{0D108BD9-81ED-4DB2-BD59-A6C34878D82A}">
+                    <a16:rowId xmlns:a16="http://schemas.microsoft.com/office/drawing/2014/main" val="563164281"/>
+                  </a:ext>
+                </a:extLst>
+              </a:tr>
+              <a:tr h="370800">
+                <a:tc>
+                  <a:txBody>
+                    <a:bodyPr/>
+                    <a:lstStyle/>
+                    <a:p>
+                      <a:pPr algn="ctr" latinLnBrk="1"/>
+                      <a:r>
+                        <a:rPr lang="ko-KR" altLang="en-US" sz="1000" dirty="0">
+                          <a:solidFill>
+                            <a:schemeClr val="bg1">
+                              <a:lumMod val="95000"/>
+                            </a:schemeClr>
+                          </a:solidFill>
+                          <a:latin typeface="Pretendard SemiBold" panose="02000703000000020004" pitchFamily="2" charset="-127"/>
+                          <a:ea typeface="Pretendard SemiBold" panose="02000703000000020004" pitchFamily="2" charset="-127"/>
+                          <a:cs typeface="Pretendard SemiBold" panose="02000703000000020004" pitchFamily="2" charset="-127"/>
+                        </a:rPr>
+                        <a:t>사용 무기</a:t>
+                      </a:r>
+                    </a:p>
+                  </a:txBody>
+                  <a:tcPr marL="144000" marR="144000" marT="72000" marB="72000" anchor="ctr">
+                    <a:lnL w="12700" cap="flat" cmpd="sng" algn="ctr">
+                      <a:solidFill>
+                        <a:schemeClr val="bg1">
+                          <a:lumMod val="50000"/>
+                        </a:schemeClr>
+                      </a:solidFill>
+                      <a:prstDash val="solid"/>
+                      <a:round/>
+                      <a:headEnd type="none" w="med" len="med"/>
+                      <a:tailEnd type="none" w="med" len="med"/>
+                    </a:lnL>
+                    <a:lnR w="6350" cap="flat" cmpd="sng" algn="ctr">
+                      <a:solidFill>
+                        <a:schemeClr val="bg1">
+                          <a:lumMod val="75000"/>
+                        </a:schemeClr>
+                      </a:solidFill>
+                      <a:prstDash val="solid"/>
+                      <a:round/>
+                      <a:headEnd type="none" w="med" len="med"/>
+                      <a:tailEnd type="none" w="med" len="med"/>
+                    </a:lnR>
+                    <a:lnT w="6350" cap="flat" cmpd="sng" algn="ctr">
+                      <a:solidFill>
+                        <a:schemeClr val="bg1">
+                          <a:lumMod val="75000"/>
+                        </a:schemeClr>
+                      </a:solidFill>
+                      <a:prstDash val="solid"/>
+                      <a:round/>
+                      <a:headEnd type="none" w="med" len="med"/>
+                      <a:tailEnd type="none" w="med" len="med"/>
+                    </a:lnT>
+                    <a:lnB w="6350" cap="flat" cmpd="sng" algn="ctr">
+                      <a:solidFill>
+                        <a:schemeClr val="bg1">
+                          <a:lumMod val="75000"/>
+                        </a:schemeClr>
+                      </a:solidFill>
+                      <a:prstDash val="solid"/>
+                      <a:round/>
+                      <a:headEnd type="none" w="med" len="med"/>
+                      <a:tailEnd type="none" w="med" len="med"/>
+                    </a:lnB>
+                    <a:solidFill>
+                      <a:srgbClr val="212227"/>
+                    </a:solidFill>
+                  </a:tcPr>
+                </a:tc>
+                <a:tc>
+                  <a:txBody>
+                    <a:bodyPr/>
+                    <a:lstStyle/>
+                    <a:p>
+                      <a:pPr algn="l" latinLnBrk="1">
+                        <a:lnSpc>
+                          <a:spcPct val="100000"/>
+                        </a:lnSpc>
+                      </a:pPr>
+                      <a:r>
+                        <a:rPr lang="ko-KR" altLang="en-US" sz="1000" dirty="0" err="1">
+                          <a:solidFill>
+                            <a:schemeClr val="tx1"/>
+                          </a:solidFill>
+                          <a:latin typeface="Pretendard" panose="02000503000000020004" pitchFamily="2" charset="-127"/>
+                          <a:ea typeface="Pretendard" panose="02000503000000020004" pitchFamily="2" charset="-127"/>
+                          <a:cs typeface="Pretendard" panose="02000503000000020004" pitchFamily="2" charset="-127"/>
+                        </a:rPr>
+                        <a:t>성반</a:t>
+                      </a:r>
+                      <a:r>
+                        <a:rPr lang="ko-KR" altLang="en-US" sz="1000" dirty="0">
+                          <a:solidFill>
+                            <a:schemeClr val="tx1"/>
+                          </a:solidFill>
+                          <a:latin typeface="Pretendard" panose="02000503000000020004" pitchFamily="2" charset="-127"/>
+                          <a:ea typeface="Pretendard" panose="02000503000000020004" pitchFamily="2" charset="-127"/>
+                          <a:cs typeface="Pretendard" panose="02000503000000020004" pitchFamily="2" charset="-127"/>
+                        </a:rPr>
+                        <a:t> </a:t>
+                      </a:r>
+                      <a:r>
+                        <a:rPr lang="en-US" altLang="ko-KR" sz="1000" dirty="0">
+                          <a:solidFill>
+                            <a:schemeClr val="tx1"/>
+                          </a:solidFill>
+                          <a:latin typeface="Pretendard" panose="02000503000000020004" pitchFamily="2" charset="-127"/>
+                          <a:ea typeface="Pretendard" panose="02000503000000020004" pitchFamily="2" charset="-127"/>
+                          <a:cs typeface="Pretendard" panose="02000503000000020004" pitchFamily="2" charset="-127"/>
+                        </a:rPr>
+                        <a:t>/ Astrolabe</a:t>
+                      </a:r>
+                      <a:endParaRPr lang="en-US" altLang="ko-KR" sz="300" dirty="0">
+                        <a:solidFill>
+                          <a:schemeClr val="tx1"/>
+                        </a:solidFill>
+                        <a:latin typeface="Pretendard" panose="02000503000000020004" pitchFamily="2" charset="-127"/>
+                        <a:ea typeface="Pretendard" panose="02000503000000020004" pitchFamily="2" charset="-127"/>
+                        <a:cs typeface="Pretendard" panose="02000503000000020004" pitchFamily="2" charset="-127"/>
+                      </a:endParaRPr>
+                    </a:p>
+                  </a:txBody>
+                  <a:tcPr marL="144000" marR="144000" marT="144000" marB="144000" anchor="ctr">
+                    <a:lnL w="6350" cap="flat" cmpd="sng" algn="ctr">
+                      <a:solidFill>
+                        <a:schemeClr val="bg1">
+                          <a:lumMod val="75000"/>
+                        </a:schemeClr>
+                      </a:solidFill>
+                      <a:prstDash val="solid"/>
+                      <a:round/>
+                      <a:headEnd type="none" w="med" len="med"/>
+                      <a:tailEnd type="none" w="med" len="med"/>
+                    </a:lnL>
+                    <a:lnR w="12700" cap="flat" cmpd="sng" algn="ctr">
+                      <a:solidFill>
+                        <a:schemeClr val="bg1">
+                          <a:lumMod val="50000"/>
+                        </a:schemeClr>
+                      </a:solidFill>
+                      <a:prstDash val="solid"/>
+                      <a:round/>
+                      <a:headEnd type="none" w="med" len="med"/>
+                      <a:tailEnd type="none" w="med" len="med"/>
+                    </a:lnR>
+                    <a:lnT w="6350" cap="flat" cmpd="sng" algn="ctr">
+                      <a:solidFill>
+                        <a:schemeClr val="bg1">
+                          <a:lumMod val="75000"/>
+                        </a:schemeClr>
+                      </a:solidFill>
+                      <a:prstDash val="solid"/>
+                      <a:round/>
+                      <a:headEnd type="none" w="med" len="med"/>
+                      <a:tailEnd type="none" w="med" len="med"/>
+                    </a:lnT>
+                    <a:lnB w="6350" cap="flat" cmpd="sng" algn="ctr">
+                      <a:solidFill>
+                        <a:schemeClr val="bg1">
+                          <a:lumMod val="75000"/>
+                        </a:schemeClr>
+                      </a:solidFill>
+                      <a:prstDash val="solid"/>
+                      <a:round/>
+                      <a:headEnd type="none" w="med" len="med"/>
+                      <a:tailEnd type="none" w="med" len="med"/>
+                    </a:lnB>
+                    <a:solidFill>
+                      <a:schemeClr val="bg1"/>
+                    </a:solidFill>
+                  </a:tcPr>
+                </a:tc>
+                <a:extLst>
+                  <a:ext uri="{0D108BD9-81ED-4DB2-BD59-A6C34878D82A}">
+                    <a16:rowId xmlns:a16="http://schemas.microsoft.com/office/drawing/2014/main" val="3976752510"/>
+                  </a:ext>
+                </a:extLst>
+              </a:tr>
+              <a:tr h="370840">
+                <a:tc>
+                  <a:txBody>
+                    <a:bodyPr/>
+                    <a:lstStyle/>
+                    <a:p>
+                      <a:pPr algn="ctr" latinLnBrk="1"/>
+                      <a:r>
+                        <a:rPr lang="ko-KR" altLang="en-US" sz="1000" dirty="0">
+                          <a:solidFill>
+                            <a:schemeClr val="bg1">
+                              <a:lumMod val="95000"/>
+                            </a:schemeClr>
+                          </a:solidFill>
+                          <a:latin typeface="Pretendard SemiBold" panose="02000703000000020004" pitchFamily="2" charset="-127"/>
+                          <a:ea typeface="Pretendard SemiBold" panose="02000703000000020004" pitchFamily="2" charset="-127"/>
+                          <a:cs typeface="Pretendard SemiBold" panose="02000703000000020004" pitchFamily="2" charset="-127"/>
+                        </a:rPr>
+                        <a:t>주력 스탯</a:t>
+                      </a:r>
+                      <a:endParaRPr lang="en-US" altLang="ko-KR" sz="1000" dirty="0">
+                        <a:solidFill>
+                          <a:schemeClr val="bg1">
+                            <a:lumMod val="95000"/>
+                          </a:schemeClr>
+                        </a:solidFill>
+                        <a:latin typeface="Pretendard SemiBold" panose="02000703000000020004" pitchFamily="2" charset="-127"/>
+                        <a:ea typeface="Pretendard SemiBold" panose="02000703000000020004" pitchFamily="2" charset="-127"/>
+                        <a:cs typeface="Pretendard SemiBold" panose="02000703000000020004" pitchFamily="2" charset="-127"/>
+                      </a:endParaRPr>
+                    </a:p>
+                  </a:txBody>
+                  <a:tcPr marL="144000" marR="144000" marT="72000" marB="72000" anchor="ctr">
+                    <a:lnL w="12700" cap="flat" cmpd="sng" algn="ctr">
+                      <a:solidFill>
+                        <a:schemeClr val="bg1">
+                          <a:lumMod val="50000"/>
+                        </a:schemeClr>
+                      </a:solidFill>
+                      <a:prstDash val="solid"/>
+                      <a:round/>
+                      <a:headEnd type="none" w="med" len="med"/>
+                      <a:tailEnd type="none" w="med" len="med"/>
+                    </a:lnL>
+                    <a:lnR w="6350" cap="flat" cmpd="sng" algn="ctr">
+                      <a:solidFill>
+                        <a:schemeClr val="bg1">
+                          <a:lumMod val="75000"/>
+                        </a:schemeClr>
+                      </a:solidFill>
+                      <a:prstDash val="solid"/>
+                      <a:round/>
+                      <a:headEnd type="none" w="med" len="med"/>
+                      <a:tailEnd type="none" w="med" len="med"/>
+                    </a:lnR>
+                    <a:lnT w="6350" cap="flat" cmpd="sng" algn="ctr">
+                      <a:solidFill>
+                        <a:schemeClr val="bg1">
+                          <a:lumMod val="75000"/>
+                        </a:schemeClr>
+                      </a:solidFill>
+                      <a:prstDash val="solid"/>
+                      <a:round/>
+                      <a:headEnd type="none" w="med" len="med"/>
+                      <a:tailEnd type="none" w="med" len="med"/>
+                    </a:lnT>
+                    <a:lnB w="6350" cap="flat" cmpd="sng" algn="ctr">
+                      <a:solidFill>
+                        <a:schemeClr val="bg1">
+                          <a:lumMod val="75000"/>
+                        </a:schemeClr>
+                      </a:solidFill>
+                      <a:prstDash val="solid"/>
+                      <a:round/>
+                      <a:headEnd type="none" w="med" len="med"/>
+                      <a:tailEnd type="none" w="med" len="med"/>
+                    </a:lnB>
+                    <a:solidFill>
+                      <a:srgbClr val="212227"/>
+                    </a:solidFill>
+                  </a:tcPr>
+                </a:tc>
+                <a:tc>
+                  <a:txBody>
+                    <a:bodyPr/>
+                    <a:lstStyle/>
+                    <a:p>
+                      <a:pPr algn="l" latinLnBrk="1">
+                        <a:lnSpc>
+                          <a:spcPct val="100000"/>
+                        </a:lnSpc>
+                      </a:pPr>
+                      <a:r>
+                        <a:rPr lang="ko-KR" altLang="en-US" sz="1000" dirty="0">
+                          <a:solidFill>
+                            <a:schemeClr val="tx1"/>
+                          </a:solidFill>
+                          <a:latin typeface="Pretendard" panose="02000503000000020004" pitchFamily="2" charset="-127"/>
+                          <a:ea typeface="Pretendard" panose="02000503000000020004" pitchFamily="2" charset="-127"/>
+                          <a:cs typeface="Pretendard" panose="02000503000000020004" pitchFamily="2" charset="-127"/>
+                        </a:rPr>
+                        <a:t>지능</a:t>
+                      </a:r>
+                    </a:p>
+                  </a:txBody>
+                  <a:tcPr marL="144000" marR="144000" marT="144000" marB="144000" anchor="ctr">
+                    <a:lnL w="6350" cap="flat" cmpd="sng" algn="ctr">
+                      <a:solidFill>
+                        <a:schemeClr val="bg1">
+                          <a:lumMod val="75000"/>
+                        </a:schemeClr>
+                      </a:solidFill>
+                      <a:prstDash val="solid"/>
+                      <a:round/>
+                      <a:headEnd type="none" w="med" len="med"/>
+                      <a:tailEnd type="none" w="med" len="med"/>
+                    </a:lnL>
+                    <a:lnR w="12700" cap="flat" cmpd="sng" algn="ctr">
+                      <a:solidFill>
+                        <a:schemeClr val="bg1">
+                          <a:lumMod val="50000"/>
+                        </a:schemeClr>
+                      </a:solidFill>
+                      <a:prstDash val="solid"/>
+                      <a:round/>
+                      <a:headEnd type="none" w="med" len="med"/>
+                      <a:tailEnd type="none" w="med" len="med"/>
+                    </a:lnR>
+                    <a:lnT w="6350" cap="flat" cmpd="sng" algn="ctr">
+                      <a:solidFill>
+                        <a:schemeClr val="bg1">
+                          <a:lumMod val="75000"/>
+                        </a:schemeClr>
+                      </a:solidFill>
+                      <a:prstDash val="solid"/>
+                      <a:round/>
+                      <a:headEnd type="none" w="med" len="med"/>
+                      <a:tailEnd type="none" w="med" len="med"/>
+                    </a:lnT>
+                    <a:lnB w="6350" cap="flat" cmpd="sng" algn="ctr">
+                      <a:solidFill>
+                        <a:schemeClr val="bg1">
+                          <a:lumMod val="75000"/>
+                        </a:schemeClr>
+                      </a:solidFill>
+                      <a:prstDash val="solid"/>
+                      <a:round/>
+                      <a:headEnd type="none" w="med" len="med"/>
+                      <a:tailEnd type="none" w="med" len="med"/>
+                    </a:lnB>
+                    <a:solidFill>
+                      <a:schemeClr val="bg1"/>
+                    </a:solidFill>
+                  </a:tcPr>
+                </a:tc>
+                <a:extLst>
+                  <a:ext uri="{0D108BD9-81ED-4DB2-BD59-A6C34878D82A}">
+                    <a16:rowId xmlns:a16="http://schemas.microsoft.com/office/drawing/2014/main" val="2989636424"/>
+                  </a:ext>
+                </a:extLst>
+              </a:tr>
+              <a:tr h="370840">
+                <a:tc>
+                  <a:txBody>
+                    <a:bodyPr/>
+                    <a:lstStyle/>
+                    <a:p>
+                      <a:pPr algn="ctr" latinLnBrk="1"/>
+                      <a:r>
+                        <a:rPr lang="ko-KR" altLang="en-US" sz="1000" dirty="0">
+                          <a:solidFill>
+                            <a:schemeClr val="bg1">
+                              <a:lumMod val="95000"/>
+                            </a:schemeClr>
+                          </a:solidFill>
+                          <a:latin typeface="Pretendard SemiBold" panose="02000703000000020004" pitchFamily="2" charset="-127"/>
+                          <a:ea typeface="Pretendard SemiBold" panose="02000703000000020004" pitchFamily="2" charset="-127"/>
+                          <a:cs typeface="Pretendard SemiBold" panose="02000703000000020004" pitchFamily="2" charset="-127"/>
+                        </a:rPr>
+                        <a:t>전투 스타일</a:t>
+                      </a:r>
+                      <a:endParaRPr lang="en-US" altLang="ko-KR" sz="1000" dirty="0">
+                        <a:solidFill>
+                          <a:schemeClr val="bg1">
+                            <a:lumMod val="95000"/>
+                          </a:schemeClr>
+                        </a:solidFill>
+                        <a:latin typeface="Pretendard SemiBold" panose="02000703000000020004" pitchFamily="2" charset="-127"/>
+                        <a:ea typeface="Pretendard SemiBold" panose="02000703000000020004" pitchFamily="2" charset="-127"/>
+                        <a:cs typeface="Pretendard SemiBold" panose="02000703000000020004" pitchFamily="2" charset="-127"/>
+                      </a:endParaRPr>
+                    </a:p>
+                  </a:txBody>
+                  <a:tcPr marL="144000" marR="144000" marT="72000" marB="72000" anchor="ctr">
+                    <a:lnL w="12700" cap="flat" cmpd="sng" algn="ctr">
+                      <a:solidFill>
+                        <a:schemeClr val="bg1">
+                          <a:lumMod val="50000"/>
+                        </a:schemeClr>
+                      </a:solidFill>
+                      <a:prstDash val="solid"/>
+                      <a:round/>
+                      <a:headEnd type="none" w="med" len="med"/>
+                      <a:tailEnd type="none" w="med" len="med"/>
+                    </a:lnL>
+                    <a:lnR w="6350" cap="flat" cmpd="sng" algn="ctr">
+                      <a:solidFill>
+                        <a:schemeClr val="bg1">
+                          <a:lumMod val="75000"/>
+                        </a:schemeClr>
+                      </a:solidFill>
+                      <a:prstDash val="solid"/>
+                      <a:round/>
+                      <a:headEnd type="none" w="med" len="med"/>
+                      <a:tailEnd type="none" w="med" len="med"/>
+                    </a:lnR>
+                    <a:lnT w="6350" cap="flat" cmpd="sng" algn="ctr">
+                      <a:solidFill>
+                        <a:schemeClr val="bg1">
+                          <a:lumMod val="75000"/>
+                        </a:schemeClr>
+                      </a:solidFill>
+                      <a:prstDash val="solid"/>
+                      <a:round/>
+                      <a:headEnd type="none" w="med" len="med"/>
+                      <a:tailEnd type="none" w="med" len="med"/>
+                    </a:lnT>
+                    <a:lnB w="12700" cap="flat" cmpd="sng" algn="ctr">
+                      <a:solidFill>
+                        <a:schemeClr val="bg1">
+                          <a:lumMod val="50000"/>
+                        </a:schemeClr>
+                      </a:solidFill>
+                      <a:prstDash val="solid"/>
+                      <a:round/>
+                      <a:headEnd type="none" w="med" len="med"/>
+                      <a:tailEnd type="none" w="med" len="med"/>
+                    </a:lnB>
+                    <a:solidFill>
+                      <a:srgbClr val="212227"/>
+                    </a:solidFill>
+                  </a:tcPr>
+                </a:tc>
+                <a:tc>
+                  <a:txBody>
+                    <a:bodyPr/>
+                    <a:lstStyle/>
+                    <a:p>
+                      <a:pPr algn="l" latinLnBrk="1">
+                        <a:lnSpc>
+                          <a:spcPct val="100000"/>
+                        </a:lnSpc>
+                      </a:pPr>
+                      <a:r>
+                        <a:rPr lang="ko-KR" altLang="en-US" sz="1000" dirty="0" err="1">
+                          <a:solidFill>
+                            <a:schemeClr val="tx1"/>
+                          </a:solidFill>
+                          <a:latin typeface="Pretendard" panose="02000503000000020004" pitchFamily="2" charset="-127"/>
+                          <a:ea typeface="Pretendard" panose="02000503000000020004" pitchFamily="2" charset="-127"/>
+                          <a:cs typeface="Pretendard" panose="02000503000000020004" pitchFamily="2" charset="-127"/>
+                        </a:rPr>
+                        <a:t>성반</a:t>
+                      </a:r>
+                      <a:r>
+                        <a:rPr lang="ko-KR" altLang="en-US" sz="1000" dirty="0">
+                          <a:solidFill>
+                            <a:schemeClr val="tx1"/>
+                          </a:solidFill>
+                          <a:latin typeface="Pretendard" panose="02000503000000020004" pitchFamily="2" charset="-127"/>
+                          <a:ea typeface="Pretendard" panose="02000503000000020004" pitchFamily="2" charset="-127"/>
+                          <a:cs typeface="Pretendard" panose="02000503000000020004" pitchFamily="2" charset="-127"/>
+                        </a:rPr>
+                        <a:t> 고리를 통해 스킬의 시전을 보조하고</a:t>
+                      </a:r>
+                      <a:r>
+                        <a:rPr lang="en-US" altLang="ko-KR" sz="1000" dirty="0">
+                          <a:solidFill>
+                            <a:schemeClr val="tx1"/>
+                          </a:solidFill>
+                          <a:latin typeface="Pretendard" panose="02000503000000020004" pitchFamily="2" charset="-127"/>
+                          <a:ea typeface="Pretendard" panose="02000503000000020004" pitchFamily="2" charset="-127"/>
+                          <a:cs typeface="Pretendard" panose="02000503000000020004" pitchFamily="2" charset="-127"/>
+                        </a:rPr>
+                        <a:t>, </a:t>
+                      </a:r>
+                      <a:r>
+                        <a:rPr lang="ko-KR" altLang="en-US" sz="1000" dirty="0">
+                          <a:solidFill>
+                            <a:schemeClr val="tx1"/>
+                          </a:solidFill>
+                          <a:latin typeface="Pretendard" panose="02000503000000020004" pitchFamily="2" charset="-127"/>
+                          <a:ea typeface="Pretendard" panose="02000503000000020004" pitchFamily="2" charset="-127"/>
+                          <a:cs typeface="Pretendard" panose="02000503000000020004" pitchFamily="2" charset="-127"/>
+                        </a:rPr>
+                        <a:t>인과의 전략적 활용으로 공격의 템포를 조절하는 근</a:t>
+                      </a:r>
+                      <a:r>
+                        <a:rPr lang="en-US" altLang="ko-KR" sz="1000" dirty="0">
+                          <a:solidFill>
+                            <a:schemeClr val="tx1"/>
+                          </a:solidFill>
+                          <a:latin typeface="Pretendard" panose="02000503000000020004" pitchFamily="2" charset="-127"/>
+                          <a:ea typeface="Pretendard" panose="02000503000000020004" pitchFamily="2" charset="-127"/>
+                          <a:cs typeface="Pretendard" panose="02000503000000020004" pitchFamily="2" charset="-127"/>
+                        </a:rPr>
+                        <a:t>/</a:t>
+                      </a:r>
+                      <a:r>
+                        <a:rPr lang="ko-KR" altLang="en-US" sz="1000" dirty="0">
+                          <a:solidFill>
+                            <a:schemeClr val="tx1"/>
+                          </a:solidFill>
+                          <a:latin typeface="Pretendard" panose="02000503000000020004" pitchFamily="2" charset="-127"/>
+                          <a:ea typeface="Pretendard" panose="02000503000000020004" pitchFamily="2" charset="-127"/>
+                          <a:cs typeface="Pretendard" panose="02000503000000020004" pitchFamily="2" charset="-127"/>
+                        </a:rPr>
+                        <a:t>중거리 마법사</a:t>
+                      </a:r>
+                    </a:p>
+                  </a:txBody>
+                  <a:tcPr marL="144000" marR="144000" marT="144000" marB="144000" anchor="ctr">
+                    <a:lnL w="6350" cap="flat" cmpd="sng" algn="ctr">
+                      <a:solidFill>
+                        <a:schemeClr val="bg1">
+                          <a:lumMod val="75000"/>
+                        </a:schemeClr>
+                      </a:solidFill>
+                      <a:prstDash val="solid"/>
+                      <a:round/>
+                      <a:headEnd type="none" w="med" len="med"/>
+                      <a:tailEnd type="none" w="med" len="med"/>
+                    </a:lnL>
+                    <a:lnR w="12700" cap="flat" cmpd="sng" algn="ctr">
+                      <a:solidFill>
+                        <a:schemeClr val="bg1">
+                          <a:lumMod val="50000"/>
+                        </a:schemeClr>
+                      </a:solidFill>
+                      <a:prstDash val="solid"/>
+                      <a:round/>
+                      <a:headEnd type="none" w="med" len="med"/>
+                      <a:tailEnd type="none" w="med" len="med"/>
+                    </a:lnR>
+                    <a:lnT w="6350" cap="flat" cmpd="sng" algn="ctr">
+                      <a:solidFill>
+                        <a:schemeClr val="bg1">
+                          <a:lumMod val="75000"/>
+                        </a:schemeClr>
+                      </a:solidFill>
+                      <a:prstDash val="solid"/>
+                      <a:round/>
+                      <a:headEnd type="none" w="med" len="med"/>
+                      <a:tailEnd type="none" w="med" len="med"/>
+                    </a:lnT>
+                    <a:lnB w="12700" cap="flat" cmpd="sng" algn="ctr">
+                      <a:solidFill>
+                        <a:schemeClr val="bg1">
+                          <a:lumMod val="50000"/>
+                        </a:schemeClr>
+                      </a:solidFill>
+                      <a:prstDash val="solid"/>
+                      <a:round/>
+                      <a:headEnd type="none" w="med" len="med"/>
+                      <a:tailEnd type="none" w="med" len="med"/>
+                    </a:lnB>
+                    <a:solidFill>
+                      <a:schemeClr val="bg1"/>
+                    </a:solidFill>
+                  </a:tcPr>
+                </a:tc>
+                <a:extLst>
+                  <a:ext uri="{0D108BD9-81ED-4DB2-BD59-A6C34878D82A}">
+                    <a16:rowId xmlns:a16="http://schemas.microsoft.com/office/drawing/2014/main" val="3436986118"/>
+                  </a:ext>
+                </a:extLst>
+              </a:tr>
+            </a:tbl>
+          </a:graphicData>
+        </a:graphic>
+      </p:graphicFrame>
+      <p:sp>
+        <p:nvSpPr>
+          <p:cNvPr id="114" name="직사각형 113">
+            <a:extLst>
+              <a:ext uri="{FF2B5EF4-FFF2-40B4-BE49-F238E27FC236}">
+                <a16:creationId xmlns:a16="http://schemas.microsoft.com/office/drawing/2014/main" id="{F3A96C9D-5B67-9FD4-1657-E4CA06B3EB5B}"/>
+              </a:ext>
+            </a:extLst>
+          </p:cNvPr>
+          <p:cNvSpPr/>
+          <p:nvPr/>
+        </p:nvSpPr>
+        <p:spPr>
+          <a:xfrm>
+            <a:off x="442913" y="441325"/>
+            <a:ext cx="11306175" cy="6156325"/>
+          </a:xfrm>
+          <a:prstGeom prst="rect">
+            <a:avLst/>
+          </a:prstGeom>
+          <a:noFill/>
+          <a:ln>
+            <a:noFill/>
+          </a:ln>
+        </p:spPr>
+        <p:style>
+          <a:lnRef idx="2">
+            <a:schemeClr val="accent1">
+              <a:shade val="15000"/>
+            </a:schemeClr>
+          </a:lnRef>
+          <a:fillRef idx="1">
+            <a:schemeClr val="accent1"/>
+          </a:fillRef>
+          <a:effectRef idx="0">
+            <a:schemeClr val="accent1"/>
+          </a:effectRef>
+          <a:fontRef idx="minor">
+            <a:schemeClr val="lt1"/>
+          </a:fontRef>
+        </p:style>
+        <p:txBody>
+          <a:bodyPr rtlCol="0" anchor="ctr"/>
+          <a:lstStyle/>
+          <a:p>
+            <a:pPr algn="ctr"/>
+            <a:endParaRPr lang="ko-KR" altLang="en-US"/>
+          </a:p>
+        </p:txBody>
+      </p:sp>
+    </p:spTree>
+    <p:extLst>
+      <p:ext uri="{BB962C8B-B14F-4D97-AF65-F5344CB8AC3E}">
+        <p14:creationId xmlns:p14="http://schemas.microsoft.com/office/powerpoint/2010/main" val="2253439780"/>
+      </p:ext>
+    </p:extLst>
+  </p:cSld>
+  <p:clrMapOvr>
+    <a:masterClrMapping/>
+  </p:clrMapOvr>
+</p:sld>
+</file>
+
+<file path=ppt/slides/slide5.xml><?xml version="1.0" encoding="utf-8"?>
+<p:sld xmlns:a="http://schemas.openxmlformats.org/drawingml/2006/main" xmlns:r="http://schemas.openxmlformats.org/officeDocument/2006/relationships" xmlns:p="http://schemas.openxmlformats.org/presentationml/2006/main">
+  <p:cSld>
+    <p:spTree>
+      <p:nvGrpSpPr>
+        <p:cNvPr id="1" name=""/>
+        <p:cNvGrpSpPr/>
+        <p:nvPr/>
+      </p:nvGrpSpPr>
+      <p:grpSpPr>
+        <a:xfrm>
+          <a:off x="0" y="0"/>
+          <a:ext cx="0" cy="0"/>
+          <a:chOff x="0" y="0"/>
+          <a:chExt cx="0" cy="0"/>
+        </a:xfrm>
+      </p:grpSpPr>
+      <p:sp>
+        <p:nvSpPr>
+          <p:cNvPr id="22" name="TextBox 21">
+            <a:extLst>
+              <a:ext uri="{FF2B5EF4-FFF2-40B4-BE49-F238E27FC236}">
+                <a16:creationId xmlns:a16="http://schemas.microsoft.com/office/drawing/2014/main" id="{59E7C6AC-C013-0630-8BB5-4F0869DDC64D}"/>
+              </a:ext>
+            </a:extLst>
+          </p:cNvPr>
+          <p:cNvSpPr txBox="1"/>
+          <p:nvPr/>
+        </p:nvSpPr>
+        <p:spPr>
+          <a:xfrm>
+            <a:off x="577450" y="1007534"/>
+            <a:ext cx="4869406" cy="631263"/>
+          </a:xfrm>
+          <a:prstGeom prst="rect">
+            <a:avLst/>
+          </a:prstGeom>
+          <a:noFill/>
+        </p:spPr>
+        <p:txBody>
+          <a:bodyPr wrap="none" lIns="18000" rIns="18000" rtlCol="0">
+            <a:spAutoFit/>
+          </a:bodyPr>
+          <a:lstStyle/>
+          <a:p>
+            <a:pPr marL="171450" indent="-171450">
+              <a:lnSpc>
+                <a:spcPct val="120000"/>
+              </a:lnSpc>
+              <a:buFont typeface="Arial" panose="020B0604020202020204" pitchFamily="34" charset="0"/>
+              <a:buChar char="•"/>
+            </a:pPr>
+            <a:r>
+              <a:rPr lang="ko-KR" altLang="en-US" sz="1000" dirty="0">
+                <a:latin typeface="Pretendard" panose="02000503000000020004" pitchFamily="2" charset="-127"/>
+                <a:ea typeface="Pretendard" panose="02000503000000020004" pitchFamily="2" charset="-127"/>
+                <a:cs typeface="Pretendard" panose="02000503000000020004" pitchFamily="2" charset="-127"/>
+              </a:rPr>
+              <a:t>중심부의 </a:t>
+            </a:r>
+            <a:r>
+              <a:rPr lang="en-US" altLang="ko-KR" sz="1000" dirty="0">
+                <a:latin typeface="Pretendard" panose="02000503000000020004" pitchFamily="2" charset="-127"/>
+                <a:ea typeface="Pretendard" panose="02000503000000020004" pitchFamily="2" charset="-127"/>
+                <a:cs typeface="Pretendard" panose="02000503000000020004" pitchFamily="2" charset="-127"/>
+              </a:rPr>
+              <a:t>‘</a:t>
+            </a:r>
+            <a:r>
+              <a:rPr lang="ko-KR" altLang="en-US" sz="1000" dirty="0" err="1">
+                <a:latin typeface="Pretendard" panose="02000503000000020004" pitchFamily="2" charset="-127"/>
+                <a:ea typeface="Pretendard" panose="02000503000000020004" pitchFamily="2" charset="-127"/>
+                <a:cs typeface="Pretendard" panose="02000503000000020004" pitchFamily="2" charset="-127"/>
+              </a:rPr>
+              <a:t>성반</a:t>
+            </a:r>
+            <a:r>
+              <a:rPr lang="en-US" altLang="ko-KR" sz="1000" dirty="0">
+                <a:latin typeface="Pretendard" panose="02000503000000020004" pitchFamily="2" charset="-127"/>
+                <a:ea typeface="Pretendard" panose="02000503000000020004" pitchFamily="2" charset="-127"/>
+                <a:cs typeface="Pretendard" panose="02000503000000020004" pitchFamily="2" charset="-127"/>
+              </a:rPr>
+              <a:t>’</a:t>
+            </a:r>
+            <a:r>
+              <a:rPr lang="ko-KR" altLang="en-US" sz="1000" dirty="0">
+                <a:latin typeface="Pretendard" panose="02000503000000020004" pitchFamily="2" charset="-127"/>
+                <a:ea typeface="Pretendard" panose="02000503000000020004" pitchFamily="2" charset="-127"/>
+                <a:cs typeface="Pretendard" panose="02000503000000020004" pitchFamily="2" charset="-127"/>
+              </a:rPr>
+              <a:t>과 외곽의 </a:t>
+            </a:r>
+            <a:r>
+              <a:rPr lang="en-US" altLang="ko-KR" sz="1000" dirty="0">
+                <a:latin typeface="Pretendard" panose="02000503000000020004" pitchFamily="2" charset="-127"/>
+                <a:ea typeface="Pretendard" panose="02000503000000020004" pitchFamily="2" charset="-127"/>
+                <a:cs typeface="Pretendard" panose="02000503000000020004" pitchFamily="2" charset="-127"/>
+              </a:rPr>
+              <a:t>‘</a:t>
+            </a:r>
+            <a:r>
+              <a:rPr lang="ko-KR" altLang="en-US" sz="1000" dirty="0">
+                <a:latin typeface="Pretendard" panose="02000503000000020004" pitchFamily="2" charset="-127"/>
+                <a:ea typeface="Pretendard" panose="02000503000000020004" pitchFamily="2" charset="-127"/>
+                <a:cs typeface="Pretendard" panose="02000503000000020004" pitchFamily="2" charset="-127"/>
+              </a:rPr>
+              <a:t>고리</a:t>
+            </a:r>
+            <a:r>
+              <a:rPr lang="en-US" altLang="ko-KR" sz="1000" dirty="0">
+                <a:latin typeface="Pretendard" panose="02000503000000020004" pitchFamily="2" charset="-127"/>
+                <a:ea typeface="Pretendard" panose="02000503000000020004" pitchFamily="2" charset="-127"/>
+                <a:cs typeface="Pretendard" panose="02000503000000020004" pitchFamily="2" charset="-127"/>
+              </a:rPr>
+              <a:t>’</a:t>
+            </a:r>
+            <a:r>
+              <a:rPr lang="ko-KR" altLang="en-US" sz="1000" dirty="0">
+                <a:latin typeface="Pretendard" panose="02000503000000020004" pitchFamily="2" charset="-127"/>
+                <a:ea typeface="Pretendard" panose="02000503000000020004" pitchFamily="2" charset="-127"/>
+                <a:cs typeface="Pretendard" panose="02000503000000020004" pitchFamily="2" charset="-127"/>
+              </a:rPr>
+              <a:t>로 구성</a:t>
+            </a:r>
+            <a:endParaRPr lang="en-US" altLang="ko-KR" sz="1000" dirty="0">
+              <a:latin typeface="Pretendard" panose="02000503000000020004" pitchFamily="2" charset="-127"/>
+              <a:ea typeface="Pretendard" panose="02000503000000020004" pitchFamily="2" charset="-127"/>
+              <a:cs typeface="Pretendard" panose="02000503000000020004" pitchFamily="2" charset="-127"/>
+            </a:endParaRPr>
+          </a:p>
+          <a:p>
+            <a:pPr marL="171450" indent="-171450">
+              <a:lnSpc>
+                <a:spcPct val="120000"/>
+              </a:lnSpc>
+              <a:buFont typeface="Arial" panose="020B0604020202020204" pitchFamily="34" charset="0"/>
+              <a:buChar char="•"/>
+            </a:pPr>
+            <a:r>
+              <a:rPr lang="ko-KR" altLang="en-US" sz="1000" dirty="0">
+                <a:latin typeface="Pretendard" panose="02000503000000020004" pitchFamily="2" charset="-127"/>
+                <a:ea typeface="Pretendard" panose="02000503000000020004" pitchFamily="2" charset="-127"/>
+                <a:cs typeface="Pretendard" panose="02000503000000020004" pitchFamily="2" charset="-127"/>
+              </a:rPr>
+              <a:t>평화 상태 </a:t>
+            </a:r>
+            <a:r>
+              <a:rPr lang="en-US" altLang="ko-KR" sz="1000" dirty="0">
+                <a:latin typeface="Pretendard" panose="02000503000000020004" pitchFamily="2" charset="-127"/>
+                <a:ea typeface="Pretendard" panose="02000503000000020004" pitchFamily="2" charset="-127"/>
+                <a:cs typeface="Pretendard" panose="02000503000000020004" pitchFamily="2" charset="-127"/>
+              </a:rPr>
+              <a:t>: </a:t>
+            </a:r>
+            <a:r>
+              <a:rPr lang="ko-KR" altLang="en-US" sz="1000" dirty="0" err="1">
+                <a:latin typeface="Pretendard" panose="02000503000000020004" pitchFamily="2" charset="-127"/>
+                <a:ea typeface="Pretendard" panose="02000503000000020004" pitchFamily="2" charset="-127"/>
+                <a:cs typeface="Pretendard" panose="02000503000000020004" pitchFamily="2" charset="-127"/>
+              </a:rPr>
+              <a:t>성반과</a:t>
+            </a:r>
+            <a:r>
+              <a:rPr lang="ko-KR" altLang="en-US" sz="1000" dirty="0">
+                <a:latin typeface="Pretendard" panose="02000503000000020004" pitchFamily="2" charset="-127"/>
+                <a:ea typeface="Pretendard" panose="02000503000000020004" pitchFamily="2" charset="-127"/>
+                <a:cs typeface="Pretendard" panose="02000503000000020004" pitchFamily="2" charset="-127"/>
+              </a:rPr>
+              <a:t> 고리가 평평하게 맞물려 있음</a:t>
+            </a:r>
+            <a:endParaRPr lang="en-US" altLang="ko-KR" sz="1000" dirty="0">
+              <a:latin typeface="Pretendard" panose="02000503000000020004" pitchFamily="2" charset="-127"/>
+              <a:ea typeface="Pretendard" panose="02000503000000020004" pitchFamily="2" charset="-127"/>
+              <a:cs typeface="Pretendard" panose="02000503000000020004" pitchFamily="2" charset="-127"/>
+            </a:endParaRPr>
+          </a:p>
+          <a:p>
+            <a:pPr marL="171450" indent="-171450">
+              <a:lnSpc>
+                <a:spcPct val="120000"/>
+              </a:lnSpc>
+              <a:buFont typeface="Arial" panose="020B0604020202020204" pitchFamily="34" charset="0"/>
+              <a:buChar char="•"/>
+            </a:pPr>
+            <a:r>
+              <a:rPr lang="ko-KR" altLang="en-US" sz="1000" dirty="0">
+                <a:latin typeface="Pretendard" panose="02000503000000020004" pitchFamily="2" charset="-127"/>
+                <a:ea typeface="Pretendard" panose="02000503000000020004" pitchFamily="2" charset="-127"/>
+                <a:cs typeface="Pretendard" panose="02000503000000020004" pitchFamily="2" charset="-127"/>
+              </a:rPr>
+              <a:t>전투 상태 </a:t>
+            </a:r>
+            <a:r>
+              <a:rPr lang="en-US" altLang="ko-KR" sz="1000" dirty="0">
+                <a:latin typeface="Pretendard" panose="02000503000000020004" pitchFamily="2" charset="-127"/>
+                <a:ea typeface="Pretendard" panose="02000503000000020004" pitchFamily="2" charset="-127"/>
+                <a:cs typeface="Pretendard" panose="02000503000000020004" pitchFamily="2" charset="-127"/>
+              </a:rPr>
+              <a:t>: </a:t>
+            </a:r>
+            <a:r>
+              <a:rPr lang="ko-KR" altLang="en-US" sz="1000" dirty="0">
+                <a:latin typeface="Pretendard" panose="02000503000000020004" pitchFamily="2" charset="-127"/>
+                <a:ea typeface="Pretendard" panose="02000503000000020004" pitchFamily="2" charset="-127"/>
+                <a:cs typeface="Pretendard" panose="02000503000000020004" pitchFamily="2" charset="-127"/>
+              </a:rPr>
+              <a:t>고리가 분리되어 캐릭터의 손목에 걸려 있음 </a:t>
+            </a:r>
+            <a:r>
+              <a:rPr lang="en-US" altLang="ko-KR" sz="1000" dirty="0">
+                <a:latin typeface="Pretendard" panose="02000503000000020004" pitchFamily="2" charset="-127"/>
+                <a:ea typeface="Pretendard" panose="02000503000000020004" pitchFamily="2" charset="-127"/>
+                <a:cs typeface="Pretendard" panose="02000503000000020004" pitchFamily="2" charset="-127"/>
+              </a:rPr>
+              <a:t>(</a:t>
+            </a:r>
+            <a:r>
+              <a:rPr lang="ko-KR" altLang="en-US" sz="1000" dirty="0">
+                <a:latin typeface="Pretendard" panose="02000503000000020004" pitchFamily="2" charset="-127"/>
+                <a:ea typeface="Pretendard" panose="02000503000000020004" pitchFamily="2" charset="-127"/>
+                <a:cs typeface="Pretendard" panose="02000503000000020004" pitchFamily="2" charset="-127"/>
+              </a:rPr>
+              <a:t>양 손에 </a:t>
+            </a:r>
+            <a:r>
+              <a:rPr lang="en-US" altLang="ko-KR" sz="1000" dirty="0">
+                <a:latin typeface="Pretendard" panose="02000503000000020004" pitchFamily="2" charset="-127"/>
+                <a:ea typeface="Pretendard" panose="02000503000000020004" pitchFamily="2" charset="-127"/>
+                <a:cs typeface="Pretendard" panose="02000503000000020004" pitchFamily="2" charset="-127"/>
+              </a:rPr>
+              <a:t>2</a:t>
+            </a:r>
+            <a:r>
+              <a:rPr lang="ko-KR" altLang="en-US" sz="1000" dirty="0">
+                <a:latin typeface="Pretendard" panose="02000503000000020004" pitchFamily="2" charset="-127"/>
+                <a:ea typeface="Pretendard" panose="02000503000000020004" pitchFamily="2" charset="-127"/>
+                <a:cs typeface="Pretendard" panose="02000503000000020004" pitchFamily="2" charset="-127"/>
+              </a:rPr>
+              <a:t>개씩</a:t>
+            </a:r>
+            <a:r>
+              <a:rPr lang="en-US" altLang="ko-KR" sz="1000" dirty="0">
+                <a:latin typeface="Pretendard" panose="02000503000000020004" pitchFamily="2" charset="-127"/>
+                <a:ea typeface="Pretendard" panose="02000503000000020004" pitchFamily="2" charset="-127"/>
+                <a:cs typeface="Pretendard" panose="02000503000000020004" pitchFamily="2" charset="-127"/>
+              </a:rPr>
+              <a:t>, </a:t>
+            </a:r>
+            <a:r>
+              <a:rPr lang="ko-KR" altLang="en-US" sz="1000" dirty="0">
+                <a:latin typeface="Pretendard" panose="02000503000000020004" pitchFamily="2" charset="-127"/>
+                <a:ea typeface="Pretendard" panose="02000503000000020004" pitchFamily="2" charset="-127"/>
+                <a:cs typeface="Pretendard" panose="02000503000000020004" pitchFamily="2" charset="-127"/>
+              </a:rPr>
+              <a:t>총 </a:t>
+            </a:r>
+            <a:r>
+              <a:rPr lang="en-US" altLang="ko-KR" sz="1000" dirty="0">
+                <a:latin typeface="Pretendard" panose="02000503000000020004" pitchFamily="2" charset="-127"/>
+                <a:ea typeface="Pretendard" panose="02000503000000020004" pitchFamily="2" charset="-127"/>
+                <a:cs typeface="Pretendard" panose="02000503000000020004" pitchFamily="2" charset="-127"/>
+              </a:rPr>
+              <a:t>4</a:t>
+            </a:r>
+            <a:r>
+              <a:rPr lang="ko-KR" altLang="en-US" sz="1000" dirty="0">
+                <a:latin typeface="Pretendard" panose="02000503000000020004" pitchFamily="2" charset="-127"/>
+                <a:ea typeface="Pretendard" panose="02000503000000020004" pitchFamily="2" charset="-127"/>
+                <a:cs typeface="Pretendard" panose="02000503000000020004" pitchFamily="2" charset="-127"/>
+              </a:rPr>
+              <a:t>개의 고리로 분리</a:t>
+            </a:r>
+            <a:r>
+              <a:rPr lang="en-US" altLang="ko-KR" sz="1000" dirty="0">
+                <a:latin typeface="Pretendard" panose="02000503000000020004" pitchFamily="2" charset="-127"/>
+                <a:ea typeface="Pretendard" panose="02000503000000020004" pitchFamily="2" charset="-127"/>
+                <a:cs typeface="Pretendard" panose="02000503000000020004" pitchFamily="2" charset="-127"/>
+              </a:rPr>
+              <a:t>)</a:t>
+            </a:r>
+          </a:p>
+        </p:txBody>
+      </p:sp>
+      <p:cxnSp>
+        <p:nvCxnSpPr>
+          <p:cNvPr id="121" name="직선 연결선 120">
+            <a:extLst>
+              <a:ext uri="{FF2B5EF4-FFF2-40B4-BE49-F238E27FC236}">
+                <a16:creationId xmlns:a16="http://schemas.microsoft.com/office/drawing/2014/main" id="{84A044D1-8C1C-F88A-B6CA-712F40248250}"/>
+              </a:ext>
+            </a:extLst>
+          </p:cNvPr>
+          <p:cNvCxnSpPr>
+            <a:cxnSpLocks/>
+          </p:cNvCxnSpPr>
+          <p:nvPr/>
+        </p:nvCxnSpPr>
+        <p:spPr>
+          <a:xfrm>
+            <a:off x="442913" y="922020"/>
+            <a:ext cx="827087" cy="0"/>
+          </a:xfrm>
+          <a:prstGeom prst="line">
+            <a:avLst/>
+          </a:prstGeom>
+          <a:ln w="12700">
+            <a:solidFill>
+              <a:srgbClr val="212227"/>
+            </a:solidFill>
+          </a:ln>
+        </p:spPr>
+        <p:style>
+          <a:lnRef idx="2">
+            <a:schemeClr val="accent1"/>
+          </a:lnRef>
+          <a:fillRef idx="0">
+            <a:schemeClr val="accent1"/>
+          </a:fillRef>
+          <a:effectRef idx="1">
+            <a:schemeClr val="accent1"/>
+          </a:effectRef>
+          <a:fontRef idx="minor">
+            <a:schemeClr val="tx1"/>
+          </a:fontRef>
+        </p:style>
+      </p:cxnSp>
+      <p:sp>
+        <p:nvSpPr>
+          <p:cNvPr id="122" name="TextBox 121">
+            <a:extLst>
+              <a:ext uri="{FF2B5EF4-FFF2-40B4-BE49-F238E27FC236}">
+                <a16:creationId xmlns:a16="http://schemas.microsoft.com/office/drawing/2014/main" id="{A598DB8A-7A11-7553-F806-2AE69CF8477F}"/>
+              </a:ext>
+            </a:extLst>
+          </p:cNvPr>
+          <p:cNvSpPr txBox="1"/>
+          <p:nvPr/>
+        </p:nvSpPr>
+        <p:spPr>
+          <a:xfrm>
+            <a:off x="442913" y="639109"/>
+            <a:ext cx="762563" cy="270459"/>
+          </a:xfrm>
+          <a:prstGeom prst="rect">
+            <a:avLst/>
+          </a:prstGeom>
+          <a:noFill/>
+        </p:spPr>
+        <p:txBody>
+          <a:bodyPr wrap="none" lIns="72000" rIns="72000" rtlCol="0">
+            <a:spAutoFit/>
+          </a:bodyPr>
+          <a:lstStyle/>
+          <a:p>
+            <a:pPr latinLnBrk="0">
+              <a:lnSpc>
+                <a:spcPct val="120000"/>
+              </a:lnSpc>
+            </a:pPr>
+            <a:r>
+              <a:rPr lang="ko-KR" altLang="en-US" sz="1050" dirty="0" err="1">
+                <a:latin typeface="Pretendard SemiBold" panose="02000703000000020004" pitchFamily="2" charset="-127"/>
+                <a:ea typeface="Pretendard SemiBold" panose="02000703000000020004" pitchFamily="2" charset="-127"/>
+                <a:cs typeface="Pretendard SemiBold" panose="02000703000000020004" pitchFamily="2" charset="-127"/>
+              </a:rPr>
+              <a:t>성반의</a:t>
+            </a:r>
+            <a:r>
+              <a:rPr lang="ko-KR" altLang="en-US" sz="1050" dirty="0">
+                <a:latin typeface="Pretendard SemiBold" panose="02000703000000020004" pitchFamily="2" charset="-127"/>
+                <a:ea typeface="Pretendard SemiBold" panose="02000703000000020004" pitchFamily="2" charset="-127"/>
+                <a:cs typeface="Pretendard SemiBold" panose="02000703000000020004" pitchFamily="2" charset="-127"/>
+              </a:rPr>
+              <a:t> 구조</a:t>
+            </a:r>
+            <a:endParaRPr lang="en-US" altLang="ko-KR" sz="1050" dirty="0">
+              <a:latin typeface="Pretendard SemiBold" panose="02000703000000020004" pitchFamily="2" charset="-127"/>
+              <a:ea typeface="Pretendard SemiBold" panose="02000703000000020004" pitchFamily="2" charset="-127"/>
+              <a:cs typeface="Pretendard SemiBold" panose="02000703000000020004" pitchFamily="2" charset="-127"/>
+            </a:endParaRPr>
+          </a:p>
+        </p:txBody>
+      </p:sp>
+      <p:grpSp>
+        <p:nvGrpSpPr>
+          <p:cNvPr id="2" name="그룹 1">
+            <a:extLst>
+              <a:ext uri="{FF2B5EF4-FFF2-40B4-BE49-F238E27FC236}">
+                <a16:creationId xmlns:a16="http://schemas.microsoft.com/office/drawing/2014/main" id="{891208BD-F25C-8088-DBC0-C5269EC7A60C}"/>
+              </a:ext>
+            </a:extLst>
+          </p:cNvPr>
+          <p:cNvGrpSpPr/>
+          <p:nvPr/>
+        </p:nvGrpSpPr>
+        <p:grpSpPr>
+          <a:xfrm>
+            <a:off x="442913" y="3546142"/>
+            <a:ext cx="980571" cy="282911"/>
+            <a:chOff x="1503117" y="639109"/>
+            <a:chExt cx="980571" cy="282911"/>
+          </a:xfrm>
+        </p:grpSpPr>
+        <p:cxnSp>
+          <p:nvCxnSpPr>
+            <p:cNvPr id="125" name="직선 연결선 124">
+              <a:extLst>
+                <a:ext uri="{FF2B5EF4-FFF2-40B4-BE49-F238E27FC236}">
+                  <a16:creationId xmlns:a16="http://schemas.microsoft.com/office/drawing/2014/main" id="{F3FC34BB-336B-935D-3845-D5010D0B0C5E}"/>
+                </a:ext>
+              </a:extLst>
+            </p:cNvPr>
+            <p:cNvCxnSpPr>
+              <a:cxnSpLocks/>
+            </p:cNvCxnSpPr>
+            <p:nvPr/>
+          </p:nvCxnSpPr>
+          <p:spPr>
+            <a:xfrm>
+              <a:off x="1503117" y="922020"/>
+              <a:ext cx="980571" cy="0"/>
+            </a:xfrm>
+            <a:prstGeom prst="line">
+              <a:avLst/>
+            </a:prstGeom>
+            <a:ln w="12700">
+              <a:solidFill>
+                <a:srgbClr val="212227"/>
+              </a:solidFill>
+            </a:ln>
+          </p:spPr>
+          <p:style>
+            <a:lnRef idx="2">
+              <a:schemeClr val="accent1"/>
+            </a:lnRef>
+            <a:fillRef idx="0">
+              <a:schemeClr val="accent1"/>
+            </a:fillRef>
+            <a:effectRef idx="1">
+              <a:schemeClr val="accent1"/>
+            </a:effectRef>
+            <a:fontRef idx="minor">
+              <a:schemeClr val="tx1"/>
+            </a:fontRef>
+          </p:style>
+        </p:cxnSp>
+        <p:sp>
+          <p:nvSpPr>
+            <p:cNvPr id="126" name="TextBox 125">
+              <a:extLst>
+                <a:ext uri="{FF2B5EF4-FFF2-40B4-BE49-F238E27FC236}">
+                  <a16:creationId xmlns:a16="http://schemas.microsoft.com/office/drawing/2014/main" id="{A92B8AC0-4006-EC07-F877-D7528DC8AA4E}"/>
+                </a:ext>
+              </a:extLst>
+            </p:cNvPr>
+            <p:cNvSpPr txBox="1"/>
+            <p:nvPr/>
+          </p:nvSpPr>
+          <p:spPr>
+            <a:xfrm>
+              <a:off x="1503117" y="639109"/>
+              <a:ext cx="980571" cy="270459"/>
+            </a:xfrm>
+            <a:prstGeom prst="rect">
+              <a:avLst/>
+            </a:prstGeom>
+            <a:noFill/>
+          </p:spPr>
+          <p:txBody>
+            <a:bodyPr wrap="none" lIns="72000" rIns="72000" rtlCol="0">
+              <a:spAutoFit/>
+            </a:bodyPr>
+            <a:lstStyle/>
+            <a:p>
+              <a:pPr latinLnBrk="0">
+                <a:lnSpc>
+                  <a:spcPct val="120000"/>
+                </a:lnSpc>
+              </a:pPr>
+              <a:r>
+                <a:rPr lang="ko-KR" altLang="en-US" sz="1050" dirty="0">
+                  <a:latin typeface="Pretendard SemiBold" panose="02000703000000020004" pitchFamily="2" charset="-127"/>
+                  <a:ea typeface="Pretendard SemiBold" panose="02000703000000020004" pitchFamily="2" charset="-127"/>
+                  <a:cs typeface="Pretendard SemiBold" panose="02000703000000020004" pitchFamily="2" charset="-127"/>
+                </a:rPr>
+                <a:t>전투 자원 </a:t>
+              </a:r>
+              <a:r>
+                <a:rPr lang="en-US" altLang="ko-KR" sz="1050" dirty="0">
+                  <a:latin typeface="Pretendard SemiBold" panose="02000703000000020004" pitchFamily="2" charset="-127"/>
+                  <a:ea typeface="Pretendard SemiBold" panose="02000703000000020004" pitchFamily="2" charset="-127"/>
+                  <a:cs typeface="Pretendard SemiBold" panose="02000703000000020004" pitchFamily="2" charset="-127"/>
+                </a:rPr>
+                <a:t>: </a:t>
+              </a:r>
+              <a:r>
+                <a:rPr lang="ko-KR" altLang="en-US" sz="1050" dirty="0">
+                  <a:latin typeface="Pretendard SemiBold" panose="02000703000000020004" pitchFamily="2" charset="-127"/>
+                  <a:ea typeface="Pretendard SemiBold" panose="02000703000000020004" pitchFamily="2" charset="-127"/>
+                  <a:cs typeface="Pretendard SemiBold" panose="02000703000000020004" pitchFamily="2" charset="-127"/>
+                </a:rPr>
+                <a:t>인과</a:t>
+              </a:r>
+              <a:endParaRPr lang="en-US" altLang="ko-KR" sz="1050" dirty="0">
+                <a:latin typeface="Pretendard SemiBold" panose="02000703000000020004" pitchFamily="2" charset="-127"/>
+                <a:ea typeface="Pretendard SemiBold" panose="02000703000000020004" pitchFamily="2" charset="-127"/>
+                <a:cs typeface="Pretendard SemiBold" panose="02000703000000020004" pitchFamily="2" charset="-127"/>
+              </a:endParaRPr>
+            </a:p>
+          </p:txBody>
+        </p:sp>
+      </p:grpSp>
+      <p:sp>
+        <p:nvSpPr>
+          <p:cNvPr id="3" name="TextBox 2">
+            <a:extLst>
+              <a:ext uri="{FF2B5EF4-FFF2-40B4-BE49-F238E27FC236}">
+                <a16:creationId xmlns:a16="http://schemas.microsoft.com/office/drawing/2014/main" id="{AF43FF71-CBCE-22A1-91F3-BEE0177B8EA1}"/>
+              </a:ext>
+            </a:extLst>
+          </p:cNvPr>
+          <p:cNvSpPr txBox="1"/>
+          <p:nvPr/>
+        </p:nvSpPr>
+        <p:spPr>
+          <a:xfrm>
+            <a:off x="1291470" y="98563"/>
+            <a:ext cx="1012631" cy="261610"/>
+          </a:xfrm>
+          <a:prstGeom prst="rect">
+            <a:avLst/>
+          </a:prstGeom>
+          <a:noFill/>
+        </p:spPr>
+        <p:txBody>
+          <a:bodyPr wrap="none" lIns="144000" rIns="0" rtlCol="0" anchor="b">
+            <a:spAutoFit/>
+          </a:bodyPr>
+          <a:lstStyle/>
+          <a:p>
+            <a:r>
+              <a:rPr lang="en-US" altLang="ko-KR" sz="1100" dirty="0">
+                <a:solidFill>
+                  <a:schemeClr val="bg1">
+                    <a:lumMod val="85000"/>
+                  </a:schemeClr>
+                </a:solidFill>
+                <a:latin typeface="Pretendard SemiBold" panose="02000703000000020004" pitchFamily="2" charset="-127"/>
+                <a:ea typeface="Pretendard SemiBold" panose="02000703000000020004" pitchFamily="2" charset="-127"/>
+                <a:cs typeface="Pretendard SemiBold" panose="02000703000000020004" pitchFamily="2" charset="-127"/>
+              </a:rPr>
+              <a:t>(2) </a:t>
+            </a:r>
+            <a:r>
+              <a:rPr lang="ko-KR" altLang="en-US" sz="1100" dirty="0">
+                <a:solidFill>
+                  <a:schemeClr val="bg1">
+                    <a:lumMod val="85000"/>
+                  </a:schemeClr>
+                </a:solidFill>
+                <a:latin typeface="Pretendard SemiBold" panose="02000703000000020004" pitchFamily="2" charset="-127"/>
+                <a:ea typeface="Pretendard SemiBold" panose="02000703000000020004" pitchFamily="2" charset="-127"/>
+                <a:cs typeface="Pretendard SemiBold" panose="02000703000000020004" pitchFamily="2" charset="-127"/>
+              </a:rPr>
+              <a:t>클래스 소개</a:t>
+            </a:r>
+            <a:endParaRPr lang="en-US" altLang="ko-KR" sz="1100" dirty="0">
+              <a:solidFill>
+                <a:schemeClr val="bg1">
+                  <a:lumMod val="85000"/>
+                </a:schemeClr>
+              </a:solidFill>
+              <a:latin typeface="Pretendard SemiBold" panose="02000703000000020004" pitchFamily="2" charset="-127"/>
+              <a:ea typeface="Pretendard SemiBold" panose="02000703000000020004" pitchFamily="2" charset="-127"/>
+              <a:cs typeface="Pretendard SemiBold" panose="02000703000000020004" pitchFamily="2" charset="-127"/>
+            </a:endParaRPr>
+          </a:p>
+        </p:txBody>
+      </p:sp>
+    </p:spTree>
+    <p:extLst>
+      <p:ext uri="{BB962C8B-B14F-4D97-AF65-F5344CB8AC3E}">
+        <p14:creationId xmlns:p14="http://schemas.microsoft.com/office/powerpoint/2010/main" val="25534549"/>
+      </p:ext>
+    </p:extLst>
+  </p:cSld>
+  <p:clrMapOvr>
+    <a:masterClrMapping/>
+  </p:clrMapOvr>
+</p:sld>
+</file>
+
+<file path=ppt/slides/slide6.xml><?xml version="1.0" encoding="utf-8"?>
+<p:sld xmlns:a="http://schemas.openxmlformats.org/drawingml/2006/main" xmlns:r="http://schemas.openxmlformats.org/officeDocument/2006/relationships" xmlns:p="http://schemas.openxmlformats.org/presentationml/2006/main">
+  <p:cSld>
+    <p:spTree>
+      <p:nvGrpSpPr>
+        <p:cNvPr id="1" name="">
+          <a:extLst>
+            <a:ext uri="{FF2B5EF4-FFF2-40B4-BE49-F238E27FC236}">
+              <a16:creationId xmlns:a16="http://schemas.microsoft.com/office/drawing/2014/main" id="{D46FB9B5-164C-7379-686F-635CDF5EC4D1}"/>
+            </a:ext>
+          </a:extLst>
+        </p:cNvPr>
+        <p:cNvGrpSpPr/>
+        <p:nvPr/>
+      </p:nvGrpSpPr>
+      <p:grpSpPr>
+        <a:xfrm>
+          <a:off x="0" y="0"/>
+          <a:ext cx="0" cy="0"/>
+          <a:chOff x="0" y="0"/>
+          <a:chExt cx="0" cy="0"/>
+        </a:xfrm>
+      </p:grpSpPr>
+      <p:sp>
+        <p:nvSpPr>
+          <p:cNvPr id="15" name="TextBox 14">
+            <a:extLst>
+              <a:ext uri="{FF2B5EF4-FFF2-40B4-BE49-F238E27FC236}">
+                <a16:creationId xmlns:a16="http://schemas.microsoft.com/office/drawing/2014/main" id="{9FA83C56-F173-21D2-132C-54BE3F3DDE65}"/>
+              </a:ext>
+            </a:extLst>
+          </p:cNvPr>
+          <p:cNvSpPr txBox="1"/>
+          <p:nvPr/>
+        </p:nvSpPr>
+        <p:spPr>
+          <a:xfrm>
+            <a:off x="1291470" y="98563"/>
+            <a:ext cx="1012631" cy="261610"/>
+          </a:xfrm>
+          <a:prstGeom prst="rect">
+            <a:avLst/>
+          </a:prstGeom>
+          <a:noFill/>
+        </p:spPr>
+        <p:txBody>
+          <a:bodyPr wrap="none" lIns="144000" rIns="0" rtlCol="0" anchor="b">
+            <a:spAutoFit/>
+          </a:bodyPr>
+          <a:lstStyle/>
+          <a:p>
+            <a:r>
+              <a:rPr lang="en-US" altLang="ko-KR" sz="1100" dirty="0">
+                <a:solidFill>
+                  <a:schemeClr val="bg1">
+                    <a:lumMod val="85000"/>
+                  </a:schemeClr>
+                </a:solidFill>
+                <a:latin typeface="Pretendard SemiBold" panose="02000703000000020004" pitchFamily="2" charset="-127"/>
+                <a:ea typeface="Pretendard SemiBold" panose="02000703000000020004" pitchFamily="2" charset="-127"/>
+                <a:cs typeface="Pretendard SemiBold" panose="02000703000000020004" pitchFamily="2" charset="-127"/>
+              </a:rPr>
+              <a:t>(2) </a:t>
+            </a:r>
+            <a:r>
+              <a:rPr lang="ko-KR" altLang="en-US" sz="1100" dirty="0">
+                <a:solidFill>
+                  <a:schemeClr val="bg1">
+                    <a:lumMod val="85000"/>
+                  </a:schemeClr>
+                </a:solidFill>
+                <a:latin typeface="Pretendard SemiBold" panose="02000703000000020004" pitchFamily="2" charset="-127"/>
+                <a:ea typeface="Pretendard SemiBold" panose="02000703000000020004" pitchFamily="2" charset="-127"/>
+                <a:cs typeface="Pretendard SemiBold" panose="02000703000000020004" pitchFamily="2" charset="-127"/>
+              </a:rPr>
+              <a:t>클래스 소개</a:t>
+            </a:r>
+            <a:endParaRPr lang="en-US" altLang="ko-KR" sz="1100" dirty="0">
+              <a:solidFill>
+                <a:schemeClr val="bg1">
+                  <a:lumMod val="85000"/>
+                </a:schemeClr>
+              </a:solidFill>
+              <a:latin typeface="Pretendard SemiBold" panose="02000703000000020004" pitchFamily="2" charset="-127"/>
+              <a:ea typeface="Pretendard SemiBold" panose="02000703000000020004" pitchFamily="2" charset="-127"/>
+              <a:cs typeface="Pretendard SemiBold" panose="02000703000000020004" pitchFamily="2" charset="-127"/>
+            </a:endParaRPr>
+          </a:p>
+        </p:txBody>
+      </p:sp>
+      <p:grpSp>
+        <p:nvGrpSpPr>
+          <p:cNvPr id="118" name="그룹 117">
+            <a:extLst>
+              <a:ext uri="{FF2B5EF4-FFF2-40B4-BE49-F238E27FC236}">
+                <a16:creationId xmlns:a16="http://schemas.microsoft.com/office/drawing/2014/main" id="{52145801-A624-1D48-B803-366B05593C7C}"/>
+              </a:ext>
+            </a:extLst>
+          </p:cNvPr>
+          <p:cNvGrpSpPr/>
+          <p:nvPr/>
+        </p:nvGrpSpPr>
+        <p:grpSpPr>
+          <a:xfrm>
+            <a:off x="442913" y="743715"/>
+            <a:ext cx="3708487" cy="4320000"/>
+            <a:chOff x="6468254" y="982979"/>
+            <a:chExt cx="3708487" cy="4320000"/>
+          </a:xfrm>
+        </p:grpSpPr>
+        <p:pic>
+          <p:nvPicPr>
+            <p:cNvPr id="3" name="그림 2" descr="의류, 덮개, 의상 디자인, 인간의 얼굴이(가) 표시된 사진&#10;&#10;AI 생성 콘텐츠는 정확하지 않을 수 있습니다.">
+              <a:extLst>
+                <a:ext uri="{FF2B5EF4-FFF2-40B4-BE49-F238E27FC236}">
+                  <a16:creationId xmlns:a16="http://schemas.microsoft.com/office/drawing/2014/main" id="{E069683D-3736-65D1-317B-A4769D58BEA8}"/>
+                </a:ext>
+              </a:extLst>
+            </p:cNvPr>
+            <p:cNvPicPr>
+              <a:picLocks noChangeAspect="1"/>
+            </p:cNvPicPr>
+            <p:nvPr/>
+          </p:nvPicPr>
+          <p:blipFill>
+            <a:blip r:embed="rId2">
+              <a:extLst>
+                <a:ext uri="{28A0092B-C50C-407E-A947-70E740481C1C}">
+                  <a14:useLocalDpi xmlns:a14="http://schemas.microsoft.com/office/drawing/2010/main" val="0"/>
+                </a:ext>
+              </a:extLst>
+            </a:blip>
+            <a:srcRect t="1484"/>
+            <a:stretch>
+              <a:fillRect/>
+            </a:stretch>
+          </p:blipFill>
+          <p:spPr>
+            <a:xfrm>
+              <a:off x="6746242" y="982979"/>
+              <a:ext cx="1936161" cy="4320000"/>
+            </a:xfrm>
+            <a:prstGeom prst="rect">
+              <a:avLst/>
+            </a:prstGeom>
+          </p:spPr>
+        </p:pic>
+        <p:pic>
+          <p:nvPicPr>
+            <p:cNvPr id="5" name="그림 4" descr="금속, 나선, 금이(가) 표시된 사진&#10;&#10;AI 생성 콘텐츠는 정확하지 않을 수 있습니다.">
+              <a:extLst>
+                <a:ext uri="{FF2B5EF4-FFF2-40B4-BE49-F238E27FC236}">
+                  <a16:creationId xmlns:a16="http://schemas.microsoft.com/office/drawing/2014/main" id="{608C202C-692A-ACEF-16A1-E730758F3B92}"/>
+                </a:ext>
+              </a:extLst>
+            </p:cNvPr>
+            <p:cNvPicPr>
+              <a:picLocks noChangeAspect="1"/>
+            </p:cNvPicPr>
+            <p:nvPr/>
+          </p:nvPicPr>
+          <p:blipFill>
+            <a:blip r:embed="rId3">
+              <a:extLst>
+                <a:ext uri="{28A0092B-C50C-407E-A947-70E740481C1C}">
+                  <a14:useLocalDpi xmlns:a14="http://schemas.microsoft.com/office/drawing/2010/main" val="0"/>
+                </a:ext>
+              </a:extLst>
+            </a:blip>
+            <a:srcRect l="11735" t="4475" r="14303" b="3598"/>
+            <a:stretch>
+              <a:fillRect/>
+            </a:stretch>
+          </p:blipFill>
+          <p:spPr>
+            <a:xfrm>
+              <a:off x="8816118" y="982980"/>
+              <a:ext cx="842007" cy="970042"/>
+            </a:xfrm>
+            <a:prstGeom prst="rect">
+              <a:avLst/>
+            </a:prstGeom>
+          </p:spPr>
+        </p:pic>
+        <p:cxnSp>
+          <p:nvCxnSpPr>
+            <p:cNvPr id="8" name="직선 연결선 7">
+              <a:extLst>
+                <a:ext uri="{FF2B5EF4-FFF2-40B4-BE49-F238E27FC236}">
+                  <a16:creationId xmlns:a16="http://schemas.microsoft.com/office/drawing/2014/main" id="{1D1E757D-13E4-B4EF-1315-9AFB7599047E}"/>
+                </a:ext>
+              </a:extLst>
+            </p:cNvPr>
+            <p:cNvCxnSpPr>
+              <a:cxnSpLocks/>
+            </p:cNvCxnSpPr>
+            <p:nvPr/>
+          </p:nvCxnSpPr>
+          <p:spPr>
+            <a:xfrm flipV="1">
+              <a:off x="6657951" y="982979"/>
+              <a:ext cx="0" cy="4320000"/>
+            </a:xfrm>
+            <a:prstGeom prst="line">
+              <a:avLst/>
+            </a:prstGeom>
+            <a:ln w="9525">
+              <a:solidFill>
+                <a:schemeClr val="tx1">
+                  <a:lumMod val="75000"/>
+                  <a:lumOff val="25000"/>
+                </a:schemeClr>
+              </a:solidFill>
+              <a:headEnd type="triangle"/>
+              <a:tailEnd type="triangle"/>
+            </a:ln>
+          </p:spPr>
+          <p:style>
+            <a:lnRef idx="2">
+              <a:schemeClr val="accent1"/>
+            </a:lnRef>
+            <a:fillRef idx="0">
+              <a:schemeClr val="accent1"/>
+            </a:fillRef>
+            <a:effectRef idx="1">
+              <a:schemeClr val="accent1"/>
+            </a:effectRef>
+            <a:fontRef idx="minor">
+              <a:schemeClr val="tx1"/>
+            </a:fontRef>
+          </p:style>
+        </p:cxnSp>
+        <p:cxnSp>
+          <p:nvCxnSpPr>
+            <p:cNvPr id="9" name="직선 연결선 8">
+              <a:extLst>
+                <a:ext uri="{FF2B5EF4-FFF2-40B4-BE49-F238E27FC236}">
+                  <a16:creationId xmlns:a16="http://schemas.microsoft.com/office/drawing/2014/main" id="{EAFC514E-194B-B902-D488-095E0C1B1A4A}"/>
+                </a:ext>
+              </a:extLst>
+            </p:cNvPr>
+            <p:cNvCxnSpPr>
+              <a:cxnSpLocks/>
+            </p:cNvCxnSpPr>
+            <p:nvPr/>
+          </p:nvCxnSpPr>
+          <p:spPr>
+            <a:xfrm flipH="1">
+              <a:off x="6492018" y="982980"/>
+              <a:ext cx="3600672" cy="0"/>
+            </a:xfrm>
+            <a:prstGeom prst="line">
+              <a:avLst/>
+            </a:prstGeom>
+            <a:ln w="12700">
+              <a:solidFill>
+                <a:srgbClr val="FF0000"/>
+              </a:solidFill>
+              <a:prstDash val="solid"/>
+            </a:ln>
+          </p:spPr>
+          <p:style>
+            <a:lnRef idx="2">
+              <a:schemeClr val="accent1"/>
+            </a:lnRef>
+            <a:fillRef idx="0">
+              <a:schemeClr val="accent1"/>
+            </a:fillRef>
+            <a:effectRef idx="1">
+              <a:schemeClr val="accent1"/>
+            </a:effectRef>
+            <a:fontRef idx="minor">
+              <a:schemeClr val="tx1"/>
+            </a:fontRef>
+          </p:style>
+        </p:cxnSp>
+        <p:cxnSp>
+          <p:nvCxnSpPr>
+            <p:cNvPr id="12" name="직선 연결선 11">
+              <a:extLst>
+                <a:ext uri="{FF2B5EF4-FFF2-40B4-BE49-F238E27FC236}">
+                  <a16:creationId xmlns:a16="http://schemas.microsoft.com/office/drawing/2014/main" id="{8AB86971-DF74-CCC6-E65C-A2664552AE86}"/>
+                </a:ext>
+              </a:extLst>
+            </p:cNvPr>
+            <p:cNvCxnSpPr>
+              <a:cxnSpLocks/>
+            </p:cNvCxnSpPr>
+            <p:nvPr/>
+          </p:nvCxnSpPr>
+          <p:spPr>
+            <a:xfrm flipH="1">
+              <a:off x="6492018" y="5302979"/>
+              <a:ext cx="1351502" cy="0"/>
+            </a:xfrm>
+            <a:prstGeom prst="line">
+              <a:avLst/>
+            </a:prstGeom>
+            <a:ln w="12700">
+              <a:solidFill>
+                <a:srgbClr val="FF0000"/>
+              </a:solidFill>
+              <a:prstDash val="solid"/>
+            </a:ln>
+          </p:spPr>
+          <p:style>
+            <a:lnRef idx="2">
+              <a:schemeClr val="accent1"/>
+            </a:lnRef>
+            <a:fillRef idx="0">
+              <a:schemeClr val="accent1"/>
+            </a:fillRef>
+            <a:effectRef idx="1">
+              <a:schemeClr val="accent1"/>
+            </a:effectRef>
+            <a:fontRef idx="minor">
+              <a:schemeClr val="tx1"/>
+            </a:fontRef>
+          </p:style>
+        </p:cxnSp>
+        <p:cxnSp>
+          <p:nvCxnSpPr>
+            <p:cNvPr id="13" name="직선 연결선 12">
+              <a:extLst>
+                <a:ext uri="{FF2B5EF4-FFF2-40B4-BE49-F238E27FC236}">
+                  <a16:creationId xmlns:a16="http://schemas.microsoft.com/office/drawing/2014/main" id="{93BF4C7F-185D-55EB-144D-EB9AFEE5E7FA}"/>
+                </a:ext>
+              </a:extLst>
+            </p:cNvPr>
+            <p:cNvCxnSpPr>
+              <a:cxnSpLocks/>
+            </p:cNvCxnSpPr>
+            <p:nvPr/>
+          </p:nvCxnSpPr>
+          <p:spPr>
+            <a:xfrm flipH="1">
+              <a:off x="8816118" y="1953022"/>
+              <a:ext cx="1248267" cy="0"/>
+            </a:xfrm>
+            <a:prstGeom prst="line">
+              <a:avLst/>
+            </a:prstGeom>
+            <a:ln w="12700">
+              <a:solidFill>
+                <a:srgbClr val="FF0000"/>
+              </a:solidFill>
+              <a:prstDash val="solid"/>
+            </a:ln>
+          </p:spPr>
+          <p:style>
+            <a:lnRef idx="2">
+              <a:schemeClr val="accent1"/>
+            </a:lnRef>
+            <a:fillRef idx="0">
+              <a:schemeClr val="accent1"/>
+            </a:fillRef>
+            <a:effectRef idx="1">
+              <a:schemeClr val="accent1"/>
+            </a:effectRef>
+            <a:fontRef idx="minor">
+              <a:schemeClr val="tx1"/>
+            </a:fontRef>
+          </p:style>
+        </p:cxnSp>
+        <p:cxnSp>
+          <p:nvCxnSpPr>
+            <p:cNvPr id="16" name="직선 연결선 15">
+              <a:extLst>
+                <a:ext uri="{FF2B5EF4-FFF2-40B4-BE49-F238E27FC236}">
+                  <a16:creationId xmlns:a16="http://schemas.microsoft.com/office/drawing/2014/main" id="{48765F3D-1D84-7611-C33C-3D644B4D70CE}"/>
+                </a:ext>
+              </a:extLst>
+            </p:cNvPr>
+            <p:cNvCxnSpPr>
+              <a:cxnSpLocks/>
+            </p:cNvCxnSpPr>
+            <p:nvPr/>
+          </p:nvCxnSpPr>
+          <p:spPr>
+            <a:xfrm flipV="1">
+              <a:off x="9945366" y="982980"/>
+              <a:ext cx="0" cy="970042"/>
+            </a:xfrm>
+            <a:prstGeom prst="line">
+              <a:avLst/>
+            </a:prstGeom>
+            <a:ln w="9525">
+              <a:solidFill>
+                <a:schemeClr val="tx1">
+                  <a:lumMod val="75000"/>
+                  <a:lumOff val="25000"/>
+                </a:schemeClr>
+              </a:solidFill>
+              <a:headEnd type="triangle"/>
+              <a:tailEnd type="triangle"/>
+            </a:ln>
+          </p:spPr>
+          <p:style>
+            <a:lnRef idx="2">
+              <a:schemeClr val="accent1"/>
+            </a:lnRef>
+            <a:fillRef idx="0">
+              <a:schemeClr val="accent1"/>
+            </a:fillRef>
+            <a:effectRef idx="1">
+              <a:schemeClr val="accent1"/>
+            </a:effectRef>
+            <a:fontRef idx="minor">
+              <a:schemeClr val="tx1"/>
+            </a:fontRef>
+          </p:style>
+        </p:cxnSp>
+        <p:sp>
+          <p:nvSpPr>
+            <p:cNvPr id="23" name="TextBox 22">
+              <a:extLst>
+                <a:ext uri="{FF2B5EF4-FFF2-40B4-BE49-F238E27FC236}">
+                  <a16:creationId xmlns:a16="http://schemas.microsoft.com/office/drawing/2014/main" id="{8148D0D1-F646-9F65-8D4A-950C72DF7371}"/>
+                </a:ext>
+              </a:extLst>
+            </p:cNvPr>
+            <p:cNvSpPr txBox="1"/>
+            <p:nvPr/>
+          </p:nvSpPr>
+          <p:spPr>
+            <a:xfrm>
+              <a:off x="9713991" y="1345500"/>
+              <a:ext cx="462750" cy="245003"/>
+            </a:xfrm>
+            <a:prstGeom prst="rect">
+              <a:avLst/>
+            </a:prstGeom>
+            <a:solidFill>
+              <a:schemeClr val="bg1"/>
+            </a:solidFill>
+          </p:spPr>
+          <p:txBody>
+            <a:bodyPr wrap="none" lIns="18000" rIns="18000" rtlCol="0">
+              <a:spAutoFit/>
+            </a:bodyPr>
+            <a:lstStyle/>
+            <a:p>
+              <a:pPr latinLnBrk="0">
+                <a:lnSpc>
+                  <a:spcPct val="120000"/>
+                </a:lnSpc>
+              </a:pPr>
+              <a:r>
+                <a:rPr lang="ko-KR" altLang="en-US" sz="900" dirty="0">
+                  <a:latin typeface="Pretendard" panose="02000503000000020004" pitchFamily="2" charset="-127"/>
+                  <a:ea typeface="Pretendard" panose="02000503000000020004" pitchFamily="2" charset="-127"/>
+                  <a:cs typeface="Pretendard" panose="02000503000000020004" pitchFamily="2" charset="-127"/>
+                </a:rPr>
+                <a:t>약 </a:t>
+              </a:r>
+              <a:r>
+                <a:rPr lang="en-US" altLang="ko-KR" sz="900" dirty="0">
+                  <a:effectLst/>
+                  <a:latin typeface="Pretendard" panose="02000503000000020004" pitchFamily="2" charset="-127"/>
+                  <a:ea typeface="Pretendard" panose="02000503000000020004" pitchFamily="2" charset="-127"/>
+                  <a:cs typeface="Pretendard" panose="02000503000000020004" pitchFamily="2" charset="-127"/>
+                </a:rPr>
+                <a:t>40</a:t>
+              </a:r>
+              <a:r>
+                <a:rPr lang="en-US" altLang="ko-KR" sz="900" dirty="0">
+                  <a:latin typeface="Pretendard" panose="02000503000000020004" pitchFamily="2" charset="-127"/>
+                  <a:ea typeface="Pretendard" panose="02000503000000020004" pitchFamily="2" charset="-127"/>
+                  <a:cs typeface="Pretendard" panose="02000503000000020004" pitchFamily="2" charset="-127"/>
+                </a:rPr>
+                <a:t>cm</a:t>
+              </a:r>
+              <a:endParaRPr lang="en-US" altLang="ko-KR" sz="900" dirty="0">
+                <a:effectLst/>
+                <a:latin typeface="Pretendard" panose="02000503000000020004" pitchFamily="2" charset="-127"/>
+                <a:ea typeface="Pretendard" panose="02000503000000020004" pitchFamily="2" charset="-127"/>
+                <a:cs typeface="Pretendard" panose="02000503000000020004" pitchFamily="2" charset="-127"/>
+              </a:endParaRPr>
+            </a:p>
+          </p:txBody>
+        </p:sp>
+        <p:sp>
+          <p:nvSpPr>
+            <p:cNvPr id="21" name="TextBox 20">
+              <a:extLst>
+                <a:ext uri="{FF2B5EF4-FFF2-40B4-BE49-F238E27FC236}">
+                  <a16:creationId xmlns:a16="http://schemas.microsoft.com/office/drawing/2014/main" id="{57C092BB-BDFA-1B99-35D5-11C66A5EFBFC}"/>
+                </a:ext>
+              </a:extLst>
+            </p:cNvPr>
+            <p:cNvSpPr txBox="1"/>
+            <p:nvPr/>
+          </p:nvSpPr>
+          <p:spPr>
+            <a:xfrm>
+              <a:off x="6468254" y="3020478"/>
+              <a:ext cx="379394" cy="245003"/>
+            </a:xfrm>
+            <a:prstGeom prst="rect">
+              <a:avLst/>
+            </a:prstGeom>
+            <a:solidFill>
+              <a:schemeClr val="bg1"/>
+            </a:solidFill>
+          </p:spPr>
+          <p:txBody>
+            <a:bodyPr wrap="none" lIns="18000" rIns="18000" rtlCol="0">
+              <a:spAutoFit/>
+            </a:bodyPr>
+            <a:lstStyle/>
+            <a:p>
+              <a:pPr latinLnBrk="0">
+                <a:lnSpc>
+                  <a:spcPct val="120000"/>
+                </a:lnSpc>
+              </a:pPr>
+              <a:r>
+                <a:rPr lang="en-US" altLang="ko-KR" sz="900" dirty="0">
+                  <a:effectLst/>
+                  <a:latin typeface="Pretendard" panose="02000503000000020004" pitchFamily="2" charset="-127"/>
+                  <a:ea typeface="Pretendard" panose="02000503000000020004" pitchFamily="2" charset="-127"/>
+                  <a:cs typeface="Pretendard" panose="02000503000000020004" pitchFamily="2" charset="-127"/>
+                </a:rPr>
+                <a:t>176</a:t>
+              </a:r>
+              <a:r>
+                <a:rPr lang="en-US" altLang="ko-KR" sz="900" dirty="0">
+                  <a:latin typeface="Pretendard" panose="02000503000000020004" pitchFamily="2" charset="-127"/>
+                  <a:ea typeface="Pretendard" panose="02000503000000020004" pitchFamily="2" charset="-127"/>
+                  <a:cs typeface="Pretendard" panose="02000503000000020004" pitchFamily="2" charset="-127"/>
+                </a:rPr>
+                <a:t>cm</a:t>
+              </a:r>
+              <a:endParaRPr lang="en-US" altLang="ko-KR" sz="900" dirty="0">
+                <a:effectLst/>
+                <a:latin typeface="Pretendard" panose="02000503000000020004" pitchFamily="2" charset="-127"/>
+                <a:ea typeface="Pretendard" panose="02000503000000020004" pitchFamily="2" charset="-127"/>
+                <a:cs typeface="Pretendard" panose="02000503000000020004" pitchFamily="2" charset="-127"/>
+              </a:endParaRPr>
+            </a:p>
+          </p:txBody>
+        </p:sp>
+      </p:grpSp>
+      <p:graphicFrame>
+        <p:nvGraphicFramePr>
+          <p:cNvPr id="113" name="표 112">
+            <a:extLst>
+              <a:ext uri="{FF2B5EF4-FFF2-40B4-BE49-F238E27FC236}">
+                <a16:creationId xmlns:a16="http://schemas.microsoft.com/office/drawing/2014/main" id="{CC782666-2506-59A2-B3E0-EC6F664BE8B4}"/>
+              </a:ext>
+            </a:extLst>
+          </p:cNvPr>
+          <p:cNvGraphicFramePr>
+            <a:graphicFrameLocks noGrp="1"/>
+          </p:cNvGraphicFramePr>
+          <p:nvPr>
+            <p:extLst>
+              <p:ext uri="{D42A27DB-BD31-4B8C-83A1-F6EECF244321}">
+                <p14:modId xmlns:p14="http://schemas.microsoft.com/office/powerpoint/2010/main" val="3968964205"/>
+              </p:ext>
+            </p:extLst>
+          </p:nvPr>
+        </p:nvGraphicFramePr>
+        <p:xfrm>
+          <a:off x="4355940" y="743715"/>
+          <a:ext cx="7393148" cy="2871000"/>
+        </p:xfrm>
+        <a:graphic>
+          <a:graphicData uri="http://schemas.openxmlformats.org/drawingml/2006/table">
+            <a:tbl>
+              <a:tblPr firstRow="1" bandRow="1">
+                <a:tableStyleId>{5C22544A-7EE6-4342-B048-85BDC9FD1C3A}</a:tableStyleId>
+              </a:tblPr>
+              <a:tblGrid>
+                <a:gridCol w="1009967">
+                  <a:extLst>
+                    <a:ext uri="{9D8B030D-6E8A-4147-A177-3AD203B41FA5}">
+                      <a16:colId xmlns:a16="http://schemas.microsoft.com/office/drawing/2014/main" val="1784549110"/>
+                    </a:ext>
+                  </a:extLst>
+                </a:gridCol>
+                <a:gridCol w="6383181">
+                  <a:extLst>
+                    <a:ext uri="{9D8B030D-6E8A-4147-A177-3AD203B41FA5}">
+                      <a16:colId xmlns:a16="http://schemas.microsoft.com/office/drawing/2014/main" val="1689322164"/>
+                    </a:ext>
+                  </a:extLst>
+                </a:gridCol>
+              </a:tblGrid>
+              <a:tr h="370840">
+                <a:tc>
+                  <a:txBody>
+                    <a:bodyPr/>
+                    <a:lstStyle/>
+                    <a:p>
+                      <a:pPr algn="ctr" latinLnBrk="1"/>
+                      <a:r>
+                        <a:rPr lang="ko-KR" altLang="en-US" sz="1000" b="0" dirty="0">
+                          <a:solidFill>
+                            <a:schemeClr val="bg1">
+                              <a:lumMod val="95000"/>
+                            </a:schemeClr>
+                          </a:solidFill>
+                          <a:latin typeface="Pretendard SemiBold" panose="02000703000000020004" pitchFamily="2" charset="-127"/>
+                          <a:ea typeface="Pretendard SemiBold" panose="02000703000000020004" pitchFamily="2" charset="-127"/>
+                          <a:cs typeface="Pretendard SemiBold" panose="02000703000000020004" pitchFamily="2" charset="-127"/>
+                        </a:rPr>
+                        <a:t>클래스명</a:t>
+                      </a:r>
+                    </a:p>
+                  </a:txBody>
+                  <a:tcPr marL="144000" marR="144000" marT="72000" marB="72000" anchor="ctr">
+                    <a:lnL w="12700" cap="flat" cmpd="sng" algn="ctr">
+                      <a:solidFill>
+                        <a:schemeClr val="bg1">
+                          <a:lumMod val="50000"/>
+                        </a:schemeClr>
+                      </a:solidFill>
+                      <a:prstDash val="solid"/>
+                      <a:round/>
+                      <a:headEnd type="none" w="med" len="med"/>
+                      <a:tailEnd type="none" w="med" len="med"/>
+                    </a:lnL>
+                    <a:lnR w="6350" cap="flat" cmpd="sng" algn="ctr">
+                      <a:solidFill>
+                        <a:schemeClr val="bg1">
+                          <a:lumMod val="75000"/>
+                        </a:schemeClr>
+                      </a:solidFill>
+                      <a:prstDash val="solid"/>
+                      <a:round/>
+                      <a:headEnd type="none" w="med" len="med"/>
+                      <a:tailEnd type="none" w="med" len="med"/>
+                    </a:lnR>
+                    <a:lnT w="12700" cap="flat" cmpd="sng" algn="ctr">
+                      <a:solidFill>
+                        <a:schemeClr val="bg1">
+                          <a:lumMod val="50000"/>
+                        </a:schemeClr>
+                      </a:solidFill>
+                      <a:prstDash val="solid"/>
+                      <a:round/>
+                      <a:headEnd type="none" w="med" len="med"/>
+                      <a:tailEnd type="none" w="med" len="med"/>
+                    </a:lnT>
+                    <a:lnB w="6350" cap="flat" cmpd="sng" algn="ctr">
+                      <a:solidFill>
+                        <a:schemeClr val="bg1">
+                          <a:lumMod val="75000"/>
+                        </a:schemeClr>
+                      </a:solidFill>
+                      <a:prstDash val="solid"/>
+                      <a:round/>
+                      <a:headEnd type="none" w="med" len="med"/>
+                      <a:tailEnd type="none" w="med" len="med"/>
+                    </a:lnB>
+                    <a:solidFill>
+                      <a:srgbClr val="212227"/>
+                    </a:solidFill>
+                  </a:tcPr>
+                </a:tc>
+                <a:tc>
+                  <a:txBody>
+                    <a:bodyPr/>
+                    <a:lstStyle/>
+                    <a:p>
+                      <a:pPr algn="l" latinLnBrk="1">
+                        <a:lnSpc>
+                          <a:spcPct val="100000"/>
+                        </a:lnSpc>
+                      </a:pPr>
+                      <a:r>
+                        <a:rPr lang="ko-KR" altLang="en-US" sz="1000" b="0" dirty="0">
+                          <a:solidFill>
+                            <a:schemeClr val="tx1"/>
+                          </a:solidFill>
+                          <a:latin typeface="Pretendard" panose="02000503000000020004" pitchFamily="2" charset="-127"/>
+                          <a:ea typeface="Pretendard" panose="02000503000000020004" pitchFamily="2" charset="-127"/>
+                          <a:cs typeface="Pretendard" panose="02000503000000020004" pitchFamily="2" charset="-127"/>
+                        </a:rPr>
+                        <a:t>현자 </a:t>
+                      </a:r>
+                      <a:r>
+                        <a:rPr lang="en-US" altLang="ko-KR" sz="1000" b="0" dirty="0">
+                          <a:solidFill>
+                            <a:schemeClr val="tx1"/>
+                          </a:solidFill>
+                          <a:latin typeface="Pretendard" panose="02000503000000020004" pitchFamily="2" charset="-127"/>
+                          <a:ea typeface="Pretendard" panose="02000503000000020004" pitchFamily="2" charset="-127"/>
+                          <a:cs typeface="Pretendard" panose="02000503000000020004" pitchFamily="2" charset="-127"/>
+                        </a:rPr>
+                        <a:t>(Sage)</a:t>
+                      </a:r>
+                      <a:endParaRPr lang="ko-KR" altLang="en-US" sz="1000" b="0" dirty="0">
+                        <a:solidFill>
+                          <a:schemeClr val="tx1"/>
+                        </a:solidFill>
+                        <a:latin typeface="Pretendard" panose="02000503000000020004" pitchFamily="2" charset="-127"/>
+                        <a:ea typeface="Pretendard" panose="02000503000000020004" pitchFamily="2" charset="-127"/>
+                        <a:cs typeface="Pretendard" panose="02000503000000020004" pitchFamily="2" charset="-127"/>
+                      </a:endParaRPr>
+                    </a:p>
+                  </a:txBody>
+                  <a:tcPr marL="144000" marR="144000" marT="144000" marB="144000" anchor="ctr">
+                    <a:lnL w="6350" cap="flat" cmpd="sng" algn="ctr">
+                      <a:solidFill>
+                        <a:schemeClr val="bg1">
+                          <a:lumMod val="75000"/>
+                        </a:schemeClr>
+                      </a:solidFill>
+                      <a:prstDash val="solid"/>
+                      <a:round/>
+                      <a:headEnd type="none" w="med" len="med"/>
+                      <a:tailEnd type="none" w="med" len="med"/>
+                    </a:lnL>
+                    <a:lnR w="12700" cap="flat" cmpd="sng" algn="ctr">
+                      <a:solidFill>
+                        <a:schemeClr val="bg1">
+                          <a:lumMod val="50000"/>
+                        </a:schemeClr>
+                      </a:solidFill>
+                      <a:prstDash val="solid"/>
+                      <a:round/>
+                      <a:headEnd type="none" w="med" len="med"/>
+                      <a:tailEnd type="none" w="med" len="med"/>
+                    </a:lnR>
+                    <a:lnT w="12700" cap="flat" cmpd="sng" algn="ctr">
+                      <a:solidFill>
+                        <a:schemeClr val="bg1">
+                          <a:lumMod val="50000"/>
+                        </a:schemeClr>
+                      </a:solidFill>
+                      <a:prstDash val="solid"/>
+                      <a:round/>
+                      <a:headEnd type="none" w="med" len="med"/>
+                      <a:tailEnd type="none" w="med" len="med"/>
+                    </a:lnT>
+                    <a:lnB w="6350" cap="flat" cmpd="sng" algn="ctr">
+                      <a:solidFill>
+                        <a:schemeClr val="bg1">
+                          <a:lumMod val="75000"/>
+                        </a:schemeClr>
+                      </a:solidFill>
+                      <a:prstDash val="solid"/>
+                      <a:round/>
+                      <a:headEnd type="none" w="med" len="med"/>
+                      <a:tailEnd type="none" w="med" len="med"/>
+                    </a:lnB>
+                    <a:solidFill>
+                      <a:schemeClr val="bg1"/>
+                    </a:solidFill>
+                  </a:tcPr>
+                </a:tc>
+                <a:extLst>
+                  <a:ext uri="{0D108BD9-81ED-4DB2-BD59-A6C34878D82A}">
+                    <a16:rowId xmlns:a16="http://schemas.microsoft.com/office/drawing/2014/main" val="635523113"/>
+                  </a:ext>
+                </a:extLst>
+              </a:tr>
+              <a:tr h="370840">
+                <a:tc>
+                  <a:txBody>
+                    <a:bodyPr/>
+                    <a:lstStyle/>
+                    <a:p>
+                      <a:pPr algn="ctr" latinLnBrk="1"/>
+                      <a:r>
+                        <a:rPr lang="ko-KR" altLang="en-US" sz="1000" b="0" dirty="0">
+                          <a:solidFill>
+                            <a:schemeClr val="bg1">
+                              <a:lumMod val="95000"/>
+                            </a:schemeClr>
+                          </a:solidFill>
+                          <a:latin typeface="Pretendard SemiBold" panose="02000703000000020004" pitchFamily="2" charset="-127"/>
+                          <a:ea typeface="Pretendard SemiBold" panose="02000703000000020004" pitchFamily="2" charset="-127"/>
+                          <a:cs typeface="Pretendard SemiBold" panose="02000703000000020004" pitchFamily="2" charset="-127"/>
+                        </a:rPr>
+                        <a:t>컨셉 및 특징</a:t>
+                      </a:r>
+                    </a:p>
+                  </a:txBody>
+                  <a:tcPr marL="144000" marR="144000" marT="72000" marB="72000" anchor="ctr">
+                    <a:lnL w="12700" cap="flat" cmpd="sng" algn="ctr">
+                      <a:solidFill>
+                        <a:schemeClr val="bg1">
+                          <a:lumMod val="50000"/>
+                        </a:schemeClr>
+                      </a:solidFill>
+                      <a:prstDash val="solid"/>
+                      <a:round/>
+                      <a:headEnd type="none" w="med" len="med"/>
+                      <a:tailEnd type="none" w="med" len="med"/>
+                    </a:lnL>
+                    <a:lnR w="6350" cap="flat" cmpd="sng" algn="ctr">
+                      <a:solidFill>
+                        <a:schemeClr val="bg1">
+                          <a:lumMod val="75000"/>
+                        </a:schemeClr>
+                      </a:solidFill>
+                      <a:prstDash val="solid"/>
+                      <a:round/>
+                      <a:headEnd type="none" w="med" len="med"/>
+                      <a:tailEnd type="none" w="med" len="med"/>
+                    </a:lnR>
+                    <a:lnT w="6350" cap="flat" cmpd="sng" algn="ctr">
+                      <a:solidFill>
+                        <a:schemeClr val="bg1">
+                          <a:lumMod val="75000"/>
+                        </a:schemeClr>
+                      </a:solidFill>
+                      <a:prstDash val="solid"/>
+                      <a:round/>
+                      <a:headEnd type="none" w="med" len="med"/>
+                      <a:tailEnd type="none" w="med" len="med"/>
+                    </a:lnT>
+                    <a:lnB w="6350" cap="flat" cmpd="sng" algn="ctr">
+                      <a:solidFill>
+                        <a:schemeClr val="bg1">
+                          <a:lumMod val="75000"/>
+                        </a:schemeClr>
+                      </a:solidFill>
+                      <a:prstDash val="solid"/>
+                      <a:round/>
+                      <a:headEnd type="none" w="med" len="med"/>
+                      <a:tailEnd type="none" w="med" len="med"/>
+                    </a:lnB>
+                    <a:solidFill>
+                      <a:srgbClr val="212227"/>
+                    </a:solidFill>
+                  </a:tcPr>
+                </a:tc>
+                <a:tc>
+                  <a:txBody>
+                    <a:bodyPr/>
+                    <a:lstStyle/>
+                    <a:p>
+                      <a:pPr algn="l" latinLnBrk="1">
+                        <a:lnSpc>
+                          <a:spcPct val="100000"/>
+                        </a:lnSpc>
+                        <a:spcAft>
+                          <a:spcPts val="600"/>
+                        </a:spcAft>
+                      </a:pPr>
+                      <a:r>
+                        <a:rPr lang="ko-KR" altLang="en-US" sz="1000" b="0" dirty="0">
+                          <a:solidFill>
+                            <a:schemeClr val="tx1"/>
+                          </a:solidFill>
+                          <a:latin typeface="Pretendard" panose="02000503000000020004" pitchFamily="2" charset="-127"/>
+                          <a:ea typeface="Pretendard" panose="02000503000000020004" pitchFamily="2" charset="-127"/>
+                          <a:cs typeface="Pretendard" panose="02000503000000020004" pitchFamily="2" charset="-127"/>
+                        </a:rPr>
+                        <a:t>현자는 점성술사 컨셉으로</a:t>
+                      </a:r>
+                      <a:r>
+                        <a:rPr lang="en-US" altLang="ko-KR" sz="1000" b="0" dirty="0">
+                          <a:solidFill>
+                            <a:schemeClr val="tx1"/>
+                          </a:solidFill>
+                          <a:latin typeface="Pretendard" panose="02000503000000020004" pitchFamily="2" charset="-127"/>
+                          <a:ea typeface="Pretendard" panose="02000503000000020004" pitchFamily="2" charset="-127"/>
+                          <a:cs typeface="Pretendard" panose="02000503000000020004" pitchFamily="2" charset="-127"/>
+                        </a:rPr>
+                        <a:t>, </a:t>
+                      </a:r>
+                      <a:r>
+                        <a:rPr lang="ko-KR" altLang="en-US" sz="1000" b="0" dirty="0">
+                          <a:solidFill>
+                            <a:schemeClr val="tx1"/>
+                          </a:solidFill>
+                          <a:latin typeface="Pretendard" panose="02000503000000020004" pitchFamily="2" charset="-127"/>
+                          <a:ea typeface="Pretendard" panose="02000503000000020004" pitchFamily="2" charset="-127"/>
+                          <a:cs typeface="Pretendard" panose="02000503000000020004" pitchFamily="2" charset="-127"/>
+                        </a:rPr>
+                        <a:t>우주의 신비로운 현상들을 관측하고 그 원리와 법칙을 파악하여 현실로 구현하는 클래스입니다</a:t>
+                      </a:r>
+                      <a:r>
+                        <a:rPr lang="en-US" altLang="ko-KR" sz="1000" b="0" dirty="0">
+                          <a:solidFill>
+                            <a:schemeClr val="tx1"/>
+                          </a:solidFill>
+                          <a:latin typeface="Pretendard" panose="02000503000000020004" pitchFamily="2" charset="-127"/>
+                          <a:ea typeface="Pretendard" panose="02000503000000020004" pitchFamily="2" charset="-127"/>
+                          <a:cs typeface="Pretendard" panose="02000503000000020004" pitchFamily="2" charset="-127"/>
+                        </a:rPr>
+                        <a:t>.</a:t>
+                      </a:r>
+                    </a:p>
+                    <a:p>
+                      <a:pPr algn="l" latinLnBrk="1">
+                        <a:lnSpc>
+                          <a:spcPct val="100000"/>
+                        </a:lnSpc>
+                        <a:spcAft>
+                          <a:spcPts val="600"/>
+                        </a:spcAft>
+                      </a:pPr>
+                      <a:r>
+                        <a:rPr lang="ko-KR" altLang="en-US" sz="1000" b="0" dirty="0">
+                          <a:solidFill>
+                            <a:schemeClr val="tx1"/>
+                          </a:solidFill>
+                          <a:latin typeface="Pretendard" panose="02000503000000020004" pitchFamily="2" charset="-127"/>
+                          <a:ea typeface="Pretendard" panose="02000503000000020004" pitchFamily="2" charset="-127"/>
+                          <a:cs typeface="Pretendard" panose="02000503000000020004" pitchFamily="2" charset="-127"/>
+                        </a:rPr>
+                        <a:t>이들은 효율을 추구하며 최소한의 과정으로 최대의 결과를 내기위해 끝없이 노력합니다</a:t>
+                      </a:r>
+                      <a:r>
+                        <a:rPr lang="en-US" altLang="ko-KR" sz="1000" b="0" dirty="0">
+                          <a:solidFill>
+                            <a:schemeClr val="tx1"/>
+                          </a:solidFill>
+                          <a:latin typeface="Pretendard" panose="02000503000000020004" pitchFamily="2" charset="-127"/>
+                          <a:ea typeface="Pretendard" panose="02000503000000020004" pitchFamily="2" charset="-127"/>
+                          <a:cs typeface="Pretendard" panose="02000503000000020004" pitchFamily="2" charset="-127"/>
+                        </a:rPr>
+                        <a:t>.</a:t>
+                      </a:r>
+                      <a:endParaRPr lang="ko-KR" altLang="en-US" sz="1000" b="0" dirty="0">
+                        <a:solidFill>
+                          <a:schemeClr val="tx1"/>
+                        </a:solidFill>
+                        <a:latin typeface="Pretendard" panose="02000503000000020004" pitchFamily="2" charset="-127"/>
+                        <a:ea typeface="Pretendard" panose="02000503000000020004" pitchFamily="2" charset="-127"/>
+                        <a:cs typeface="Pretendard" panose="02000503000000020004" pitchFamily="2" charset="-127"/>
+                      </a:endParaRPr>
+                    </a:p>
+                  </a:txBody>
+                  <a:tcPr marL="144000" marR="144000" marT="144000" marB="144000" anchor="ctr">
+                    <a:lnL w="6350" cap="flat" cmpd="sng" algn="ctr">
+                      <a:solidFill>
+                        <a:schemeClr val="bg1">
+                          <a:lumMod val="75000"/>
+                        </a:schemeClr>
+                      </a:solidFill>
+                      <a:prstDash val="solid"/>
+                      <a:round/>
+                      <a:headEnd type="none" w="med" len="med"/>
+                      <a:tailEnd type="none" w="med" len="med"/>
+                    </a:lnL>
+                    <a:lnR w="12700" cap="flat" cmpd="sng" algn="ctr">
+                      <a:solidFill>
+                        <a:schemeClr val="bg1">
+                          <a:lumMod val="50000"/>
+                        </a:schemeClr>
+                      </a:solidFill>
+                      <a:prstDash val="solid"/>
+                      <a:round/>
+                      <a:headEnd type="none" w="med" len="med"/>
+                      <a:tailEnd type="none" w="med" len="med"/>
+                    </a:lnR>
+                    <a:lnT w="6350" cap="flat" cmpd="sng" algn="ctr">
+                      <a:solidFill>
+                        <a:schemeClr val="bg1">
+                          <a:lumMod val="75000"/>
+                        </a:schemeClr>
+                      </a:solidFill>
+                      <a:prstDash val="solid"/>
+                      <a:round/>
+                      <a:headEnd type="none" w="med" len="med"/>
+                      <a:tailEnd type="none" w="med" len="med"/>
+                    </a:lnT>
+                    <a:lnB w="6350" cap="flat" cmpd="sng" algn="ctr">
+                      <a:solidFill>
+                        <a:schemeClr val="bg1">
+                          <a:lumMod val="75000"/>
+                        </a:schemeClr>
+                      </a:solidFill>
+                      <a:prstDash val="solid"/>
+                      <a:round/>
+                      <a:headEnd type="none" w="med" len="med"/>
+                      <a:tailEnd type="none" w="med" len="med"/>
+                    </a:lnB>
+                    <a:solidFill>
+                      <a:schemeClr val="bg1"/>
+                    </a:solidFill>
+                  </a:tcPr>
+                </a:tc>
+                <a:extLst>
+                  <a:ext uri="{0D108BD9-81ED-4DB2-BD59-A6C34878D82A}">
+                    <a16:rowId xmlns:a16="http://schemas.microsoft.com/office/drawing/2014/main" val="563164281"/>
+                  </a:ext>
+                </a:extLst>
+              </a:tr>
+              <a:tr h="370840">
+                <a:tc>
+                  <a:txBody>
+                    <a:bodyPr/>
+                    <a:lstStyle/>
+                    <a:p>
+                      <a:pPr algn="ctr" latinLnBrk="1"/>
+                      <a:r>
+                        <a:rPr lang="ko-KR" altLang="en-US" sz="1000" dirty="0">
+                          <a:solidFill>
+                            <a:schemeClr val="bg1">
+                              <a:lumMod val="95000"/>
+                            </a:schemeClr>
+                          </a:solidFill>
+                          <a:latin typeface="Pretendard SemiBold" panose="02000703000000020004" pitchFamily="2" charset="-127"/>
+                          <a:ea typeface="Pretendard SemiBold" panose="02000703000000020004" pitchFamily="2" charset="-127"/>
+                          <a:cs typeface="Pretendard SemiBold" panose="02000703000000020004" pitchFamily="2" charset="-127"/>
+                        </a:rPr>
+                        <a:t>사용 무기</a:t>
+                      </a:r>
+                    </a:p>
+                  </a:txBody>
+                  <a:tcPr marL="144000" marR="144000" marT="72000" marB="72000" anchor="ctr">
+                    <a:lnL w="12700" cap="flat" cmpd="sng" algn="ctr">
+                      <a:solidFill>
+                        <a:schemeClr val="bg1">
+                          <a:lumMod val="50000"/>
+                        </a:schemeClr>
+                      </a:solidFill>
+                      <a:prstDash val="solid"/>
+                      <a:round/>
+                      <a:headEnd type="none" w="med" len="med"/>
+                      <a:tailEnd type="none" w="med" len="med"/>
+                    </a:lnL>
+                    <a:lnR w="6350" cap="flat" cmpd="sng" algn="ctr">
+                      <a:solidFill>
+                        <a:schemeClr val="bg1">
+                          <a:lumMod val="75000"/>
+                        </a:schemeClr>
+                      </a:solidFill>
+                      <a:prstDash val="solid"/>
+                      <a:round/>
+                      <a:headEnd type="none" w="med" len="med"/>
+                      <a:tailEnd type="none" w="med" len="med"/>
+                    </a:lnR>
+                    <a:lnT w="6350" cap="flat" cmpd="sng" algn="ctr">
+                      <a:solidFill>
+                        <a:schemeClr val="bg1">
+                          <a:lumMod val="75000"/>
+                        </a:schemeClr>
+                      </a:solidFill>
+                      <a:prstDash val="solid"/>
+                      <a:round/>
+                      <a:headEnd type="none" w="med" len="med"/>
+                      <a:tailEnd type="none" w="med" len="med"/>
+                    </a:lnT>
+                    <a:lnB w="6350" cap="flat" cmpd="sng" algn="ctr">
+                      <a:solidFill>
+                        <a:schemeClr val="bg1">
+                          <a:lumMod val="75000"/>
+                        </a:schemeClr>
+                      </a:solidFill>
+                      <a:prstDash val="solid"/>
+                      <a:round/>
+                      <a:headEnd type="none" w="med" len="med"/>
+                      <a:tailEnd type="none" w="med" len="med"/>
+                    </a:lnB>
+                    <a:solidFill>
+                      <a:srgbClr val="212227"/>
+                    </a:solidFill>
+                  </a:tcPr>
+                </a:tc>
+                <a:tc>
+                  <a:txBody>
+                    <a:bodyPr/>
+                    <a:lstStyle/>
+                    <a:p>
+                      <a:pPr algn="l" latinLnBrk="1">
+                        <a:lnSpc>
+                          <a:spcPct val="100000"/>
+                        </a:lnSpc>
+                      </a:pPr>
+                      <a:r>
+                        <a:rPr lang="ko-KR" altLang="en-US" sz="1000" dirty="0" err="1">
+                          <a:solidFill>
+                            <a:schemeClr val="tx1"/>
+                          </a:solidFill>
+                          <a:latin typeface="Pretendard" panose="02000503000000020004" pitchFamily="2" charset="-127"/>
+                          <a:ea typeface="Pretendard" panose="02000503000000020004" pitchFamily="2" charset="-127"/>
+                          <a:cs typeface="Pretendard" panose="02000503000000020004" pitchFamily="2" charset="-127"/>
+                        </a:rPr>
+                        <a:t>성반</a:t>
+                      </a:r>
+                      <a:r>
+                        <a:rPr lang="ko-KR" altLang="en-US" sz="1000" dirty="0">
+                          <a:solidFill>
+                            <a:schemeClr val="tx1"/>
+                          </a:solidFill>
+                          <a:latin typeface="Pretendard" panose="02000503000000020004" pitchFamily="2" charset="-127"/>
+                          <a:ea typeface="Pretendard" panose="02000503000000020004" pitchFamily="2" charset="-127"/>
+                          <a:cs typeface="Pretendard" panose="02000503000000020004" pitchFamily="2" charset="-127"/>
+                        </a:rPr>
+                        <a:t> </a:t>
+                      </a:r>
+                      <a:r>
+                        <a:rPr lang="en-US" altLang="ko-KR" sz="1000" dirty="0">
+                          <a:solidFill>
+                            <a:schemeClr val="tx1"/>
+                          </a:solidFill>
+                          <a:latin typeface="Pretendard" panose="02000503000000020004" pitchFamily="2" charset="-127"/>
+                          <a:ea typeface="Pretendard" panose="02000503000000020004" pitchFamily="2" charset="-127"/>
+                          <a:cs typeface="Pretendard" panose="02000503000000020004" pitchFamily="2" charset="-127"/>
+                        </a:rPr>
+                        <a:t>/ Astrolabe</a:t>
+                      </a:r>
+                      <a:endParaRPr lang="en-US" altLang="ko-KR" sz="300" dirty="0">
+                        <a:solidFill>
+                          <a:schemeClr val="tx1"/>
+                        </a:solidFill>
+                        <a:latin typeface="Pretendard" panose="02000503000000020004" pitchFamily="2" charset="-127"/>
+                        <a:ea typeface="Pretendard" panose="02000503000000020004" pitchFamily="2" charset="-127"/>
+                        <a:cs typeface="Pretendard" panose="02000503000000020004" pitchFamily="2" charset="-127"/>
+                      </a:endParaRPr>
+                    </a:p>
+                  </a:txBody>
+                  <a:tcPr marL="144000" marR="144000" marT="144000" marB="144000" anchor="ctr">
+                    <a:lnL w="6350" cap="flat" cmpd="sng" algn="ctr">
+                      <a:solidFill>
+                        <a:schemeClr val="bg1">
+                          <a:lumMod val="75000"/>
+                        </a:schemeClr>
+                      </a:solidFill>
+                      <a:prstDash val="solid"/>
+                      <a:round/>
+                      <a:headEnd type="none" w="med" len="med"/>
+                      <a:tailEnd type="none" w="med" len="med"/>
+                    </a:lnL>
+                    <a:lnR w="12700" cap="flat" cmpd="sng" algn="ctr">
+                      <a:solidFill>
+                        <a:schemeClr val="bg1">
+                          <a:lumMod val="50000"/>
+                        </a:schemeClr>
+                      </a:solidFill>
+                      <a:prstDash val="solid"/>
+                      <a:round/>
+                      <a:headEnd type="none" w="med" len="med"/>
+                      <a:tailEnd type="none" w="med" len="med"/>
+                    </a:lnR>
+                    <a:lnT w="6350" cap="flat" cmpd="sng" algn="ctr">
+                      <a:solidFill>
+                        <a:schemeClr val="bg1">
+                          <a:lumMod val="75000"/>
+                        </a:schemeClr>
+                      </a:solidFill>
+                      <a:prstDash val="solid"/>
+                      <a:round/>
+                      <a:headEnd type="none" w="med" len="med"/>
+                      <a:tailEnd type="none" w="med" len="med"/>
+                    </a:lnT>
+                    <a:lnB w="6350" cap="flat" cmpd="sng" algn="ctr">
+                      <a:solidFill>
+                        <a:schemeClr val="bg1">
+                          <a:lumMod val="75000"/>
+                        </a:schemeClr>
+                      </a:solidFill>
+                      <a:prstDash val="solid"/>
+                      <a:round/>
+                      <a:headEnd type="none" w="med" len="med"/>
+                      <a:tailEnd type="none" w="med" len="med"/>
+                    </a:lnB>
+                    <a:solidFill>
+                      <a:schemeClr val="bg1"/>
+                    </a:solidFill>
+                  </a:tcPr>
+                </a:tc>
+                <a:extLst>
+                  <a:ext uri="{0D108BD9-81ED-4DB2-BD59-A6C34878D82A}">
+                    <a16:rowId xmlns:a16="http://schemas.microsoft.com/office/drawing/2014/main" val="3329560221"/>
+                  </a:ext>
+                </a:extLst>
+              </a:tr>
+              <a:tr h="370800">
+                <a:tc>
+                  <a:txBody>
+                    <a:bodyPr/>
+                    <a:lstStyle/>
+                    <a:p>
+                      <a:pPr algn="ctr" latinLnBrk="1"/>
+                      <a:r>
+                        <a:rPr lang="ko-KR" altLang="en-US" sz="1000" dirty="0">
+                          <a:solidFill>
+                            <a:schemeClr val="bg1">
+                              <a:lumMod val="95000"/>
+                            </a:schemeClr>
+                          </a:solidFill>
+                          <a:latin typeface="Pretendard SemiBold" panose="02000703000000020004" pitchFamily="2" charset="-127"/>
+                          <a:ea typeface="Pretendard SemiBold" panose="02000703000000020004" pitchFamily="2" charset="-127"/>
+                          <a:cs typeface="Pretendard SemiBold" panose="02000703000000020004" pitchFamily="2" charset="-127"/>
+                        </a:rPr>
+                        <a:t>전투 자원</a:t>
+                      </a:r>
+                    </a:p>
+                  </a:txBody>
+                  <a:tcPr marL="144000" marR="144000" marT="72000" marB="72000" anchor="ctr">
+                    <a:lnL w="12700" cap="flat" cmpd="sng" algn="ctr">
+                      <a:solidFill>
+                        <a:schemeClr val="bg1">
+                          <a:lumMod val="50000"/>
+                        </a:schemeClr>
+                      </a:solidFill>
+                      <a:prstDash val="solid"/>
+                      <a:round/>
+                      <a:headEnd type="none" w="med" len="med"/>
+                      <a:tailEnd type="none" w="med" len="med"/>
+                    </a:lnL>
+                    <a:lnR w="6350" cap="flat" cmpd="sng" algn="ctr">
+                      <a:solidFill>
+                        <a:schemeClr val="bg1">
+                          <a:lumMod val="75000"/>
+                        </a:schemeClr>
+                      </a:solidFill>
+                      <a:prstDash val="solid"/>
+                      <a:round/>
+                      <a:headEnd type="none" w="med" len="med"/>
+                      <a:tailEnd type="none" w="med" len="med"/>
+                    </a:lnR>
+                    <a:lnT w="6350" cap="flat" cmpd="sng" algn="ctr">
+                      <a:solidFill>
+                        <a:schemeClr val="bg1">
+                          <a:lumMod val="75000"/>
+                        </a:schemeClr>
+                      </a:solidFill>
+                      <a:prstDash val="solid"/>
+                      <a:round/>
+                      <a:headEnd type="none" w="med" len="med"/>
+                      <a:tailEnd type="none" w="med" len="med"/>
+                    </a:lnT>
+                    <a:lnB w="6350" cap="flat" cmpd="sng" algn="ctr">
+                      <a:solidFill>
+                        <a:schemeClr val="bg1">
+                          <a:lumMod val="75000"/>
+                        </a:schemeClr>
+                      </a:solidFill>
+                      <a:prstDash val="solid"/>
+                      <a:round/>
+                      <a:headEnd type="none" w="med" len="med"/>
+                      <a:tailEnd type="none" w="med" len="med"/>
+                    </a:lnB>
+                    <a:solidFill>
+                      <a:srgbClr val="212227"/>
+                    </a:solidFill>
+                  </a:tcPr>
+                </a:tc>
+                <a:tc>
+                  <a:txBody>
+                    <a:bodyPr/>
+                    <a:lstStyle/>
+                    <a:p>
+                      <a:pPr marL="0" marR="0" lvl="0" indent="0" algn="l" defTabSz="914400" rtl="0" eaLnBrk="1" fontAlgn="auto" latinLnBrk="1" hangingPunct="1">
+                        <a:lnSpc>
+                          <a:spcPct val="100000"/>
+                        </a:lnSpc>
+                        <a:spcBef>
+                          <a:spcPts val="0"/>
+                        </a:spcBef>
+                        <a:spcAft>
+                          <a:spcPts val="0"/>
+                        </a:spcAft>
+                        <a:buClrTx/>
+                        <a:buSzTx/>
+                        <a:buFontTx/>
+                        <a:buNone/>
+                        <a:tabLst/>
+                        <a:defRPr/>
+                      </a:pPr>
+                      <a:r>
+                        <a:rPr lang="ko-KR" altLang="en-US" sz="1000" dirty="0">
+                          <a:solidFill>
+                            <a:srgbClr val="212227"/>
+                          </a:solidFill>
+                          <a:latin typeface="Pretendard" panose="02000503000000020004" pitchFamily="2" charset="-127"/>
+                          <a:ea typeface="Pretendard" panose="02000503000000020004" pitchFamily="2" charset="-127"/>
+                          <a:cs typeface="Pretendard" panose="02000503000000020004" pitchFamily="2" charset="-127"/>
+                        </a:rPr>
+                        <a:t>인과</a:t>
+                      </a:r>
+                      <a:endParaRPr lang="en-US" altLang="ko-KR" sz="1000" dirty="0">
+                        <a:solidFill>
+                          <a:srgbClr val="212227"/>
+                        </a:solidFill>
+                        <a:latin typeface="Pretendard" panose="02000503000000020004" pitchFamily="2" charset="-127"/>
+                        <a:ea typeface="Pretendard" panose="02000503000000020004" pitchFamily="2" charset="-127"/>
+                        <a:cs typeface="Pretendard" panose="02000503000000020004" pitchFamily="2" charset="-127"/>
+                      </a:endParaRPr>
+                    </a:p>
+                  </a:txBody>
+                  <a:tcPr marL="144000" marR="144000" marT="144000" marB="144000" anchor="ctr">
+                    <a:lnL w="6350" cap="flat" cmpd="sng" algn="ctr">
+                      <a:solidFill>
+                        <a:schemeClr val="bg1">
+                          <a:lumMod val="75000"/>
+                        </a:schemeClr>
+                      </a:solidFill>
+                      <a:prstDash val="solid"/>
+                      <a:round/>
+                      <a:headEnd type="none" w="med" len="med"/>
+                      <a:tailEnd type="none" w="med" len="med"/>
+                    </a:lnL>
+                    <a:lnR w="12700" cap="flat" cmpd="sng" algn="ctr">
+                      <a:solidFill>
+                        <a:schemeClr val="bg1">
+                          <a:lumMod val="50000"/>
+                        </a:schemeClr>
+                      </a:solidFill>
+                      <a:prstDash val="solid"/>
+                      <a:round/>
+                      <a:headEnd type="none" w="med" len="med"/>
+                      <a:tailEnd type="none" w="med" len="med"/>
+                    </a:lnR>
+                    <a:lnT w="6350" cap="flat" cmpd="sng" algn="ctr">
+                      <a:solidFill>
+                        <a:schemeClr val="bg1">
+                          <a:lumMod val="75000"/>
+                        </a:schemeClr>
+                      </a:solidFill>
+                      <a:prstDash val="solid"/>
+                      <a:round/>
+                      <a:headEnd type="none" w="med" len="med"/>
+                      <a:tailEnd type="none" w="med" len="med"/>
+                    </a:lnT>
+                    <a:lnB w="6350" cap="flat" cmpd="sng" algn="ctr">
+                      <a:solidFill>
+                        <a:schemeClr val="bg1">
+                          <a:lumMod val="75000"/>
+                        </a:schemeClr>
+                      </a:solidFill>
+                      <a:prstDash val="solid"/>
+                      <a:round/>
+                      <a:headEnd type="none" w="med" len="med"/>
+                      <a:tailEnd type="none" w="med" len="med"/>
+                    </a:lnB>
+                    <a:solidFill>
+                      <a:schemeClr val="bg1"/>
+                    </a:solidFill>
+                  </a:tcPr>
+                </a:tc>
+                <a:extLst>
+                  <a:ext uri="{0D108BD9-81ED-4DB2-BD59-A6C34878D82A}">
+                    <a16:rowId xmlns:a16="http://schemas.microsoft.com/office/drawing/2014/main" val="3976752510"/>
+                  </a:ext>
+                </a:extLst>
+              </a:tr>
+              <a:tr h="370840">
+                <a:tc>
+                  <a:txBody>
+                    <a:bodyPr/>
+                    <a:lstStyle/>
+                    <a:p>
+                      <a:pPr algn="ctr" latinLnBrk="1"/>
+                      <a:r>
+                        <a:rPr lang="ko-KR" altLang="en-US" sz="1000" dirty="0">
+                          <a:solidFill>
+                            <a:schemeClr val="bg1">
+                              <a:lumMod val="95000"/>
+                            </a:schemeClr>
+                          </a:solidFill>
+                          <a:latin typeface="Pretendard SemiBold" panose="02000703000000020004" pitchFamily="2" charset="-127"/>
+                          <a:ea typeface="Pretendard SemiBold" panose="02000703000000020004" pitchFamily="2" charset="-127"/>
+                          <a:cs typeface="Pretendard SemiBold" panose="02000703000000020004" pitchFamily="2" charset="-127"/>
+                        </a:rPr>
+                        <a:t>주력 스탯</a:t>
+                      </a:r>
+                      <a:endParaRPr lang="en-US" altLang="ko-KR" sz="1000" dirty="0">
+                        <a:solidFill>
+                          <a:schemeClr val="bg1">
+                            <a:lumMod val="95000"/>
+                          </a:schemeClr>
+                        </a:solidFill>
+                        <a:latin typeface="Pretendard SemiBold" panose="02000703000000020004" pitchFamily="2" charset="-127"/>
+                        <a:ea typeface="Pretendard SemiBold" panose="02000703000000020004" pitchFamily="2" charset="-127"/>
+                        <a:cs typeface="Pretendard SemiBold" panose="02000703000000020004" pitchFamily="2" charset="-127"/>
+                      </a:endParaRPr>
+                    </a:p>
+                  </a:txBody>
+                  <a:tcPr marL="144000" marR="144000" marT="72000" marB="72000" anchor="ctr">
+                    <a:lnL w="12700" cap="flat" cmpd="sng" algn="ctr">
+                      <a:solidFill>
+                        <a:schemeClr val="bg1">
+                          <a:lumMod val="50000"/>
+                        </a:schemeClr>
+                      </a:solidFill>
+                      <a:prstDash val="solid"/>
+                      <a:round/>
+                      <a:headEnd type="none" w="med" len="med"/>
+                      <a:tailEnd type="none" w="med" len="med"/>
+                    </a:lnL>
+                    <a:lnR w="6350" cap="flat" cmpd="sng" algn="ctr">
+                      <a:solidFill>
+                        <a:schemeClr val="bg1">
+                          <a:lumMod val="75000"/>
+                        </a:schemeClr>
+                      </a:solidFill>
+                      <a:prstDash val="solid"/>
+                      <a:round/>
+                      <a:headEnd type="none" w="med" len="med"/>
+                      <a:tailEnd type="none" w="med" len="med"/>
+                    </a:lnR>
+                    <a:lnT w="6350" cap="flat" cmpd="sng" algn="ctr">
+                      <a:solidFill>
+                        <a:schemeClr val="bg1">
+                          <a:lumMod val="75000"/>
+                        </a:schemeClr>
+                      </a:solidFill>
+                      <a:prstDash val="solid"/>
+                      <a:round/>
+                      <a:headEnd type="none" w="med" len="med"/>
+                      <a:tailEnd type="none" w="med" len="med"/>
+                    </a:lnT>
+                    <a:lnB w="6350" cap="flat" cmpd="sng" algn="ctr">
+                      <a:solidFill>
+                        <a:schemeClr val="bg1">
+                          <a:lumMod val="75000"/>
+                        </a:schemeClr>
+                      </a:solidFill>
+                      <a:prstDash val="solid"/>
+                      <a:round/>
+                      <a:headEnd type="none" w="med" len="med"/>
+                      <a:tailEnd type="none" w="med" len="med"/>
+                    </a:lnB>
+                    <a:solidFill>
+                      <a:srgbClr val="212227"/>
+                    </a:solidFill>
+                  </a:tcPr>
+                </a:tc>
+                <a:tc>
+                  <a:txBody>
+                    <a:bodyPr/>
+                    <a:lstStyle/>
+                    <a:p>
+                      <a:pPr algn="l" latinLnBrk="1">
+                        <a:lnSpc>
+                          <a:spcPct val="100000"/>
+                        </a:lnSpc>
+                      </a:pPr>
+                      <a:r>
+                        <a:rPr lang="ko-KR" altLang="en-US" sz="1000" dirty="0">
+                          <a:solidFill>
+                            <a:schemeClr val="tx1"/>
+                          </a:solidFill>
+                          <a:latin typeface="Pretendard" panose="02000503000000020004" pitchFamily="2" charset="-127"/>
+                          <a:ea typeface="Pretendard" panose="02000503000000020004" pitchFamily="2" charset="-127"/>
+                          <a:cs typeface="Pretendard" panose="02000503000000020004" pitchFamily="2" charset="-127"/>
+                        </a:rPr>
+                        <a:t>지능</a:t>
+                      </a:r>
+                    </a:p>
+                  </a:txBody>
+                  <a:tcPr marL="144000" marR="144000" marT="144000" marB="144000" anchor="ctr">
+                    <a:lnL w="6350" cap="flat" cmpd="sng" algn="ctr">
+                      <a:solidFill>
+                        <a:schemeClr val="bg1">
+                          <a:lumMod val="75000"/>
+                        </a:schemeClr>
+                      </a:solidFill>
+                      <a:prstDash val="solid"/>
+                      <a:round/>
+                      <a:headEnd type="none" w="med" len="med"/>
+                      <a:tailEnd type="none" w="med" len="med"/>
+                    </a:lnL>
+                    <a:lnR w="12700" cap="flat" cmpd="sng" algn="ctr">
+                      <a:solidFill>
+                        <a:schemeClr val="bg1">
+                          <a:lumMod val="50000"/>
+                        </a:schemeClr>
+                      </a:solidFill>
+                      <a:prstDash val="solid"/>
+                      <a:round/>
+                      <a:headEnd type="none" w="med" len="med"/>
+                      <a:tailEnd type="none" w="med" len="med"/>
+                    </a:lnR>
+                    <a:lnT w="6350" cap="flat" cmpd="sng" algn="ctr">
+                      <a:solidFill>
+                        <a:schemeClr val="bg1">
+                          <a:lumMod val="75000"/>
+                        </a:schemeClr>
+                      </a:solidFill>
+                      <a:prstDash val="solid"/>
+                      <a:round/>
+                      <a:headEnd type="none" w="med" len="med"/>
+                      <a:tailEnd type="none" w="med" len="med"/>
+                    </a:lnT>
+                    <a:lnB w="6350" cap="flat" cmpd="sng" algn="ctr">
+                      <a:solidFill>
+                        <a:schemeClr val="bg1">
+                          <a:lumMod val="75000"/>
+                        </a:schemeClr>
+                      </a:solidFill>
+                      <a:prstDash val="solid"/>
+                      <a:round/>
+                      <a:headEnd type="none" w="med" len="med"/>
+                      <a:tailEnd type="none" w="med" len="med"/>
+                    </a:lnB>
+                    <a:solidFill>
+                      <a:schemeClr val="bg1"/>
+                    </a:solidFill>
+                  </a:tcPr>
+                </a:tc>
+                <a:extLst>
+                  <a:ext uri="{0D108BD9-81ED-4DB2-BD59-A6C34878D82A}">
+                    <a16:rowId xmlns:a16="http://schemas.microsoft.com/office/drawing/2014/main" val="2989636424"/>
+                  </a:ext>
+                </a:extLst>
+              </a:tr>
+              <a:tr h="370840">
+                <a:tc>
+                  <a:txBody>
+                    <a:bodyPr/>
+                    <a:lstStyle/>
+                    <a:p>
+                      <a:pPr algn="ctr" latinLnBrk="1"/>
+                      <a:r>
+                        <a:rPr lang="ko-KR" altLang="en-US" sz="1000" dirty="0">
+                          <a:solidFill>
+                            <a:schemeClr val="bg1">
+                              <a:lumMod val="95000"/>
+                            </a:schemeClr>
+                          </a:solidFill>
+                          <a:latin typeface="Pretendard SemiBold" panose="02000703000000020004" pitchFamily="2" charset="-127"/>
+                          <a:ea typeface="Pretendard SemiBold" panose="02000703000000020004" pitchFamily="2" charset="-127"/>
+                          <a:cs typeface="Pretendard SemiBold" panose="02000703000000020004" pitchFamily="2" charset="-127"/>
+                        </a:rPr>
+                        <a:t>전투 스타일</a:t>
+                      </a:r>
+                      <a:endParaRPr lang="en-US" altLang="ko-KR" sz="1000" dirty="0">
+                        <a:solidFill>
+                          <a:schemeClr val="bg1">
+                            <a:lumMod val="95000"/>
+                          </a:schemeClr>
+                        </a:solidFill>
+                        <a:latin typeface="Pretendard SemiBold" panose="02000703000000020004" pitchFamily="2" charset="-127"/>
+                        <a:ea typeface="Pretendard SemiBold" panose="02000703000000020004" pitchFamily="2" charset="-127"/>
+                        <a:cs typeface="Pretendard SemiBold" panose="02000703000000020004" pitchFamily="2" charset="-127"/>
+                      </a:endParaRPr>
+                    </a:p>
+                  </a:txBody>
+                  <a:tcPr marL="144000" marR="144000" marT="72000" marB="72000" anchor="ctr">
+                    <a:lnL w="12700" cap="flat" cmpd="sng" algn="ctr">
+                      <a:solidFill>
+                        <a:schemeClr val="bg1">
+                          <a:lumMod val="50000"/>
+                        </a:schemeClr>
+                      </a:solidFill>
+                      <a:prstDash val="solid"/>
+                      <a:round/>
+                      <a:headEnd type="none" w="med" len="med"/>
+                      <a:tailEnd type="none" w="med" len="med"/>
+                    </a:lnL>
+                    <a:lnR w="6350" cap="flat" cmpd="sng" algn="ctr">
+                      <a:solidFill>
+                        <a:schemeClr val="bg1">
+                          <a:lumMod val="75000"/>
+                        </a:schemeClr>
+                      </a:solidFill>
+                      <a:prstDash val="solid"/>
+                      <a:round/>
+                      <a:headEnd type="none" w="med" len="med"/>
+                      <a:tailEnd type="none" w="med" len="med"/>
+                    </a:lnR>
+                    <a:lnT w="6350" cap="flat" cmpd="sng" algn="ctr">
+                      <a:solidFill>
+                        <a:schemeClr val="bg1">
+                          <a:lumMod val="75000"/>
+                        </a:schemeClr>
+                      </a:solidFill>
+                      <a:prstDash val="solid"/>
+                      <a:round/>
+                      <a:headEnd type="none" w="med" len="med"/>
+                      <a:tailEnd type="none" w="med" len="med"/>
+                    </a:lnT>
+                    <a:lnB w="12700" cap="flat" cmpd="sng" algn="ctr">
+                      <a:solidFill>
+                        <a:schemeClr val="bg1">
+                          <a:lumMod val="50000"/>
+                        </a:schemeClr>
+                      </a:solidFill>
+                      <a:prstDash val="solid"/>
+                      <a:round/>
+                      <a:headEnd type="none" w="med" len="med"/>
+                      <a:tailEnd type="none" w="med" len="med"/>
+                    </a:lnB>
+                    <a:solidFill>
+                      <a:srgbClr val="212227"/>
+                    </a:solidFill>
+                  </a:tcPr>
+                </a:tc>
+                <a:tc>
+                  <a:txBody>
+                    <a:bodyPr/>
+                    <a:lstStyle/>
+                    <a:p>
+                      <a:pPr algn="l" latinLnBrk="1">
+                        <a:lnSpc>
+                          <a:spcPct val="100000"/>
+                        </a:lnSpc>
+                      </a:pPr>
+                      <a:r>
+                        <a:rPr lang="ko-KR" altLang="en-US" sz="1000" dirty="0" err="1">
+                          <a:solidFill>
+                            <a:schemeClr val="tx1"/>
+                          </a:solidFill>
+                          <a:latin typeface="Pretendard" panose="02000503000000020004" pitchFamily="2" charset="-127"/>
+                          <a:ea typeface="Pretendard" panose="02000503000000020004" pitchFamily="2" charset="-127"/>
+                          <a:cs typeface="Pretendard" panose="02000503000000020004" pitchFamily="2" charset="-127"/>
+                        </a:rPr>
+                        <a:t>성반</a:t>
+                      </a:r>
+                      <a:r>
+                        <a:rPr lang="ko-KR" altLang="en-US" sz="1000" dirty="0">
+                          <a:solidFill>
+                            <a:schemeClr val="tx1"/>
+                          </a:solidFill>
+                          <a:latin typeface="Pretendard" panose="02000503000000020004" pitchFamily="2" charset="-127"/>
+                          <a:ea typeface="Pretendard" panose="02000503000000020004" pitchFamily="2" charset="-127"/>
+                          <a:cs typeface="Pretendard" panose="02000503000000020004" pitchFamily="2" charset="-127"/>
+                        </a:rPr>
+                        <a:t> 고리를 통해 스킬의 시전을 보조하고</a:t>
+                      </a:r>
+                      <a:r>
+                        <a:rPr lang="en-US" altLang="ko-KR" sz="1000" dirty="0">
+                          <a:solidFill>
+                            <a:schemeClr val="tx1"/>
+                          </a:solidFill>
+                          <a:latin typeface="Pretendard" panose="02000503000000020004" pitchFamily="2" charset="-127"/>
+                          <a:ea typeface="Pretendard" panose="02000503000000020004" pitchFamily="2" charset="-127"/>
+                          <a:cs typeface="Pretendard" panose="02000503000000020004" pitchFamily="2" charset="-127"/>
+                        </a:rPr>
+                        <a:t>, </a:t>
+                      </a:r>
+                      <a:r>
+                        <a:rPr lang="ko-KR" altLang="en-US" sz="1000" dirty="0">
+                          <a:solidFill>
+                            <a:schemeClr val="tx1"/>
+                          </a:solidFill>
+                          <a:latin typeface="Pretendard" panose="02000503000000020004" pitchFamily="2" charset="-127"/>
+                          <a:ea typeface="Pretendard" panose="02000503000000020004" pitchFamily="2" charset="-127"/>
+                          <a:cs typeface="Pretendard" panose="02000503000000020004" pitchFamily="2" charset="-127"/>
+                        </a:rPr>
+                        <a:t>인과의 전략적 활용으로 공격의 템포를 조절하는 근</a:t>
+                      </a:r>
+                      <a:r>
+                        <a:rPr lang="en-US" altLang="ko-KR" sz="1000" dirty="0">
+                          <a:solidFill>
+                            <a:schemeClr val="tx1"/>
+                          </a:solidFill>
+                          <a:latin typeface="Pretendard" panose="02000503000000020004" pitchFamily="2" charset="-127"/>
+                          <a:ea typeface="Pretendard" panose="02000503000000020004" pitchFamily="2" charset="-127"/>
+                          <a:cs typeface="Pretendard" panose="02000503000000020004" pitchFamily="2" charset="-127"/>
+                        </a:rPr>
+                        <a:t>/</a:t>
+                      </a:r>
+                      <a:r>
+                        <a:rPr lang="ko-KR" altLang="en-US" sz="1000" dirty="0">
+                          <a:solidFill>
+                            <a:schemeClr val="tx1"/>
+                          </a:solidFill>
+                          <a:latin typeface="Pretendard" panose="02000503000000020004" pitchFamily="2" charset="-127"/>
+                          <a:ea typeface="Pretendard" panose="02000503000000020004" pitchFamily="2" charset="-127"/>
+                          <a:cs typeface="Pretendard" panose="02000503000000020004" pitchFamily="2" charset="-127"/>
+                        </a:rPr>
+                        <a:t>중거리 마법사</a:t>
+                      </a:r>
+                    </a:p>
+                  </a:txBody>
+                  <a:tcPr marL="144000" marR="144000" marT="144000" marB="144000" anchor="ctr">
+                    <a:lnL w="6350" cap="flat" cmpd="sng" algn="ctr">
+                      <a:solidFill>
+                        <a:schemeClr val="bg1">
+                          <a:lumMod val="75000"/>
+                        </a:schemeClr>
+                      </a:solidFill>
+                      <a:prstDash val="solid"/>
+                      <a:round/>
+                      <a:headEnd type="none" w="med" len="med"/>
+                      <a:tailEnd type="none" w="med" len="med"/>
+                    </a:lnL>
+                    <a:lnR w="12700" cap="flat" cmpd="sng" algn="ctr">
+                      <a:solidFill>
+                        <a:schemeClr val="bg1">
+                          <a:lumMod val="50000"/>
+                        </a:schemeClr>
+                      </a:solidFill>
+                      <a:prstDash val="solid"/>
+                      <a:round/>
+                      <a:headEnd type="none" w="med" len="med"/>
+                      <a:tailEnd type="none" w="med" len="med"/>
+                    </a:lnR>
+                    <a:lnT w="6350" cap="flat" cmpd="sng" algn="ctr">
+                      <a:solidFill>
+                        <a:schemeClr val="bg1">
+                          <a:lumMod val="75000"/>
+                        </a:schemeClr>
+                      </a:solidFill>
+                      <a:prstDash val="solid"/>
+                      <a:round/>
+                      <a:headEnd type="none" w="med" len="med"/>
+                      <a:tailEnd type="none" w="med" len="med"/>
+                    </a:lnT>
+                    <a:lnB w="12700" cap="flat" cmpd="sng" algn="ctr">
+                      <a:solidFill>
+                        <a:schemeClr val="bg1">
+                          <a:lumMod val="50000"/>
+                        </a:schemeClr>
+                      </a:solidFill>
+                      <a:prstDash val="solid"/>
+                      <a:round/>
+                      <a:headEnd type="none" w="med" len="med"/>
+                      <a:tailEnd type="none" w="med" len="med"/>
+                    </a:lnB>
+                    <a:solidFill>
+                      <a:schemeClr val="bg1"/>
+                    </a:solidFill>
+                  </a:tcPr>
+                </a:tc>
+                <a:extLst>
+                  <a:ext uri="{0D108BD9-81ED-4DB2-BD59-A6C34878D82A}">
+                    <a16:rowId xmlns:a16="http://schemas.microsoft.com/office/drawing/2014/main" val="3436986118"/>
+                  </a:ext>
+                </a:extLst>
+              </a:tr>
+            </a:tbl>
+          </a:graphicData>
+        </a:graphic>
+      </p:graphicFrame>
+      <p:sp>
+        <p:nvSpPr>
+          <p:cNvPr id="114" name="직사각형 113">
+            <a:extLst>
+              <a:ext uri="{FF2B5EF4-FFF2-40B4-BE49-F238E27FC236}">
+                <a16:creationId xmlns:a16="http://schemas.microsoft.com/office/drawing/2014/main" id="{59636029-2C0F-F497-CC58-71B4A8A0E29E}"/>
+              </a:ext>
+            </a:extLst>
+          </p:cNvPr>
+          <p:cNvSpPr/>
+          <p:nvPr/>
+        </p:nvSpPr>
+        <p:spPr>
+          <a:xfrm>
+            <a:off x="442913" y="441325"/>
+            <a:ext cx="11306175" cy="6156325"/>
+          </a:xfrm>
+          <a:prstGeom prst="rect">
+            <a:avLst/>
+          </a:prstGeom>
+          <a:noFill/>
+          <a:ln>
+            <a:noFill/>
+          </a:ln>
+        </p:spPr>
+        <p:style>
+          <a:lnRef idx="2">
+            <a:schemeClr val="accent1">
+              <a:shade val="15000"/>
+            </a:schemeClr>
+          </a:lnRef>
+          <a:fillRef idx="1">
+            <a:schemeClr val="accent1"/>
+          </a:fillRef>
+          <a:effectRef idx="0">
+            <a:schemeClr val="accent1"/>
+          </a:effectRef>
+          <a:fontRef idx="minor">
+            <a:schemeClr val="lt1"/>
+          </a:fontRef>
+        </p:style>
+        <p:txBody>
+          <a:bodyPr rtlCol="0" anchor="ctr"/>
+          <a:lstStyle/>
+          <a:p>
+            <a:pPr algn="ctr"/>
+            <a:endParaRPr lang="ko-KR" altLang="en-US"/>
+          </a:p>
+        </p:txBody>
+      </p:sp>
+      <p:sp>
+        <p:nvSpPr>
+          <p:cNvPr id="2" name="TextBox 1">
+            <a:extLst>
+              <a:ext uri="{FF2B5EF4-FFF2-40B4-BE49-F238E27FC236}">
+                <a16:creationId xmlns:a16="http://schemas.microsoft.com/office/drawing/2014/main" id="{2C76CE6E-F00E-9AA5-4898-20C7E14BC323}"/>
+              </a:ext>
+            </a:extLst>
+          </p:cNvPr>
+          <p:cNvSpPr txBox="1"/>
+          <p:nvPr/>
+        </p:nvSpPr>
+        <p:spPr>
+          <a:xfrm>
+            <a:off x="4490477" y="4285530"/>
+            <a:ext cx="5122680" cy="631263"/>
+          </a:xfrm>
+          <a:prstGeom prst="rect">
+            <a:avLst/>
+          </a:prstGeom>
+          <a:noFill/>
+        </p:spPr>
+        <p:txBody>
+          <a:bodyPr wrap="none" lIns="18000" rIns="18000" rtlCol="0">
+            <a:spAutoFit/>
+          </a:bodyPr>
+          <a:lstStyle/>
+          <a:p>
+            <a:pPr marL="171450" indent="-171450">
+              <a:lnSpc>
+                <a:spcPct val="120000"/>
+              </a:lnSpc>
+              <a:buFont typeface="Arial" panose="020B0604020202020204" pitchFamily="34" charset="0"/>
+              <a:buChar char="•"/>
+            </a:pPr>
+            <a:r>
+              <a:rPr lang="ko-KR" altLang="en-US" sz="1000" dirty="0">
+                <a:latin typeface="Pretendard" panose="02000503000000020004" pitchFamily="2" charset="-127"/>
+                <a:ea typeface="Pretendard" panose="02000503000000020004" pitchFamily="2" charset="-127"/>
+                <a:cs typeface="Pretendard" panose="02000503000000020004" pitchFamily="2" charset="-127"/>
+              </a:rPr>
+              <a:t>중심부의 </a:t>
+            </a:r>
+            <a:r>
+              <a:rPr lang="en-US" altLang="ko-KR" sz="1000" dirty="0">
+                <a:latin typeface="Pretendard" panose="02000503000000020004" pitchFamily="2" charset="-127"/>
+                <a:ea typeface="Pretendard" panose="02000503000000020004" pitchFamily="2" charset="-127"/>
+                <a:cs typeface="Pretendard" panose="02000503000000020004" pitchFamily="2" charset="-127"/>
+              </a:rPr>
+              <a:t>‘</a:t>
+            </a:r>
+            <a:r>
+              <a:rPr lang="ko-KR" altLang="en-US" sz="1000" dirty="0" err="1">
+                <a:latin typeface="Pretendard" panose="02000503000000020004" pitchFamily="2" charset="-127"/>
+                <a:ea typeface="Pretendard" panose="02000503000000020004" pitchFamily="2" charset="-127"/>
+                <a:cs typeface="Pretendard" panose="02000503000000020004" pitchFamily="2" charset="-127"/>
+              </a:rPr>
+              <a:t>성반</a:t>
+            </a:r>
+            <a:r>
+              <a:rPr lang="en-US" altLang="ko-KR" sz="1000" dirty="0">
+                <a:latin typeface="Pretendard" panose="02000503000000020004" pitchFamily="2" charset="-127"/>
+                <a:ea typeface="Pretendard" panose="02000503000000020004" pitchFamily="2" charset="-127"/>
+                <a:cs typeface="Pretendard" panose="02000503000000020004" pitchFamily="2" charset="-127"/>
+              </a:rPr>
+              <a:t>’</a:t>
+            </a:r>
+            <a:r>
+              <a:rPr lang="ko-KR" altLang="en-US" sz="1000" dirty="0">
+                <a:latin typeface="Pretendard" panose="02000503000000020004" pitchFamily="2" charset="-127"/>
+                <a:ea typeface="Pretendard" panose="02000503000000020004" pitchFamily="2" charset="-127"/>
+                <a:cs typeface="Pretendard" panose="02000503000000020004" pitchFamily="2" charset="-127"/>
+              </a:rPr>
+              <a:t>과 외곽의 </a:t>
+            </a:r>
+            <a:r>
+              <a:rPr lang="en-US" altLang="ko-KR" sz="1000" dirty="0">
+                <a:latin typeface="Pretendard" panose="02000503000000020004" pitchFamily="2" charset="-127"/>
+                <a:ea typeface="Pretendard" panose="02000503000000020004" pitchFamily="2" charset="-127"/>
+                <a:cs typeface="Pretendard" panose="02000503000000020004" pitchFamily="2" charset="-127"/>
+              </a:rPr>
+              <a:t>‘</a:t>
+            </a:r>
+            <a:r>
+              <a:rPr lang="ko-KR" altLang="en-US" sz="1000" dirty="0">
+                <a:latin typeface="Pretendard" panose="02000503000000020004" pitchFamily="2" charset="-127"/>
+                <a:ea typeface="Pretendard" panose="02000503000000020004" pitchFamily="2" charset="-127"/>
+                <a:cs typeface="Pretendard" panose="02000503000000020004" pitchFamily="2" charset="-127"/>
+              </a:rPr>
+              <a:t>고리</a:t>
+            </a:r>
+            <a:r>
+              <a:rPr lang="en-US" altLang="ko-KR" sz="1000" dirty="0">
+                <a:latin typeface="Pretendard" panose="02000503000000020004" pitchFamily="2" charset="-127"/>
+                <a:ea typeface="Pretendard" panose="02000503000000020004" pitchFamily="2" charset="-127"/>
+                <a:cs typeface="Pretendard" panose="02000503000000020004" pitchFamily="2" charset="-127"/>
+              </a:rPr>
+              <a:t>’</a:t>
+            </a:r>
+            <a:r>
+              <a:rPr lang="ko-KR" altLang="en-US" sz="1000" dirty="0">
+                <a:latin typeface="Pretendard" panose="02000503000000020004" pitchFamily="2" charset="-127"/>
+                <a:ea typeface="Pretendard" panose="02000503000000020004" pitchFamily="2" charset="-127"/>
+                <a:cs typeface="Pretendard" panose="02000503000000020004" pitchFamily="2" charset="-127"/>
+              </a:rPr>
+              <a:t>로 구성</a:t>
+            </a:r>
+            <a:endParaRPr lang="en-US" altLang="ko-KR" sz="1000" dirty="0">
+              <a:latin typeface="Pretendard" panose="02000503000000020004" pitchFamily="2" charset="-127"/>
+              <a:ea typeface="Pretendard" panose="02000503000000020004" pitchFamily="2" charset="-127"/>
+              <a:cs typeface="Pretendard" panose="02000503000000020004" pitchFamily="2" charset="-127"/>
+            </a:endParaRPr>
+          </a:p>
+          <a:p>
+            <a:pPr marL="171450" indent="-171450">
+              <a:lnSpc>
+                <a:spcPct val="120000"/>
+              </a:lnSpc>
+              <a:buFont typeface="Arial" panose="020B0604020202020204" pitchFamily="34" charset="0"/>
+              <a:buChar char="•"/>
+            </a:pPr>
+            <a:r>
+              <a:rPr lang="ko-KR" altLang="en-US" sz="1000" dirty="0">
+                <a:latin typeface="Pretendard" panose="02000503000000020004" pitchFamily="2" charset="-127"/>
+                <a:ea typeface="Pretendard" panose="02000503000000020004" pitchFamily="2" charset="-127"/>
+                <a:cs typeface="Pretendard" panose="02000503000000020004" pitchFamily="2" charset="-127"/>
+              </a:rPr>
+              <a:t>평화 상태 </a:t>
+            </a:r>
+            <a:r>
+              <a:rPr lang="en-US" altLang="ko-KR" sz="1000" dirty="0">
+                <a:latin typeface="Pretendard" panose="02000503000000020004" pitchFamily="2" charset="-127"/>
+                <a:ea typeface="Pretendard" panose="02000503000000020004" pitchFamily="2" charset="-127"/>
+                <a:cs typeface="Pretendard" panose="02000503000000020004" pitchFamily="2" charset="-127"/>
+              </a:rPr>
+              <a:t>: </a:t>
+            </a:r>
+            <a:r>
+              <a:rPr lang="ko-KR" altLang="en-US" sz="1000" dirty="0" err="1">
+                <a:latin typeface="Pretendard" panose="02000503000000020004" pitchFamily="2" charset="-127"/>
+                <a:ea typeface="Pretendard" panose="02000503000000020004" pitchFamily="2" charset="-127"/>
+                <a:cs typeface="Pretendard" panose="02000503000000020004" pitchFamily="2" charset="-127"/>
+              </a:rPr>
+              <a:t>성반과</a:t>
+            </a:r>
+            <a:r>
+              <a:rPr lang="ko-KR" altLang="en-US" sz="1000" dirty="0">
+                <a:latin typeface="Pretendard" panose="02000503000000020004" pitchFamily="2" charset="-127"/>
+                <a:ea typeface="Pretendard" panose="02000503000000020004" pitchFamily="2" charset="-127"/>
+                <a:cs typeface="Pretendard" panose="02000503000000020004" pitchFamily="2" charset="-127"/>
+              </a:rPr>
+              <a:t> 고리가 평평하게 맞물려 있는 형태</a:t>
+            </a:r>
+            <a:endParaRPr lang="en-US" altLang="ko-KR" sz="1000" dirty="0">
+              <a:latin typeface="Pretendard" panose="02000503000000020004" pitchFamily="2" charset="-127"/>
+              <a:ea typeface="Pretendard" panose="02000503000000020004" pitchFamily="2" charset="-127"/>
+              <a:cs typeface="Pretendard" panose="02000503000000020004" pitchFamily="2" charset="-127"/>
+            </a:endParaRPr>
+          </a:p>
+          <a:p>
+            <a:pPr marL="171450" indent="-171450">
+              <a:lnSpc>
+                <a:spcPct val="120000"/>
+              </a:lnSpc>
+              <a:buFont typeface="Arial" panose="020B0604020202020204" pitchFamily="34" charset="0"/>
+              <a:buChar char="•"/>
+            </a:pPr>
+            <a:r>
+              <a:rPr lang="ko-KR" altLang="en-US" sz="1000" dirty="0">
+                <a:latin typeface="Pretendard" panose="02000503000000020004" pitchFamily="2" charset="-127"/>
+                <a:ea typeface="Pretendard" panose="02000503000000020004" pitchFamily="2" charset="-127"/>
+                <a:cs typeface="Pretendard" panose="02000503000000020004" pitchFamily="2" charset="-127"/>
+              </a:rPr>
+              <a:t>전투 상태 </a:t>
+            </a:r>
+            <a:r>
+              <a:rPr lang="en-US" altLang="ko-KR" sz="1000" dirty="0">
+                <a:latin typeface="Pretendard" panose="02000503000000020004" pitchFamily="2" charset="-127"/>
+                <a:ea typeface="Pretendard" panose="02000503000000020004" pitchFamily="2" charset="-127"/>
+                <a:cs typeface="Pretendard" panose="02000503000000020004" pitchFamily="2" charset="-127"/>
+              </a:rPr>
+              <a:t>: </a:t>
+            </a:r>
+            <a:r>
+              <a:rPr lang="ko-KR" altLang="en-US" sz="1000" dirty="0">
+                <a:latin typeface="Pretendard" panose="02000503000000020004" pitchFamily="2" charset="-127"/>
+                <a:ea typeface="Pretendard" panose="02000503000000020004" pitchFamily="2" charset="-127"/>
+                <a:cs typeface="Pretendard" panose="02000503000000020004" pitchFamily="2" charset="-127"/>
+              </a:rPr>
+              <a:t>고리가 분리되어 캐릭터의 손목에 걸려 있는 형태 </a:t>
+            </a:r>
+            <a:r>
+              <a:rPr lang="en-US" altLang="ko-KR" sz="1000" dirty="0">
+                <a:latin typeface="Pretendard" panose="02000503000000020004" pitchFamily="2" charset="-127"/>
+                <a:ea typeface="Pretendard" panose="02000503000000020004" pitchFamily="2" charset="-127"/>
+                <a:cs typeface="Pretendard" panose="02000503000000020004" pitchFamily="2" charset="-127"/>
+              </a:rPr>
+              <a:t>(</a:t>
+            </a:r>
+            <a:r>
+              <a:rPr lang="ko-KR" altLang="en-US" sz="1000" dirty="0">
+                <a:latin typeface="Pretendard" panose="02000503000000020004" pitchFamily="2" charset="-127"/>
+                <a:ea typeface="Pretendard" panose="02000503000000020004" pitchFamily="2" charset="-127"/>
+                <a:cs typeface="Pretendard" panose="02000503000000020004" pitchFamily="2" charset="-127"/>
+              </a:rPr>
+              <a:t>양 손에 </a:t>
+            </a:r>
+            <a:r>
+              <a:rPr lang="en-US" altLang="ko-KR" sz="1000" dirty="0">
+                <a:latin typeface="Pretendard" panose="02000503000000020004" pitchFamily="2" charset="-127"/>
+                <a:ea typeface="Pretendard" panose="02000503000000020004" pitchFamily="2" charset="-127"/>
+                <a:cs typeface="Pretendard" panose="02000503000000020004" pitchFamily="2" charset="-127"/>
+              </a:rPr>
+              <a:t>2</a:t>
+            </a:r>
+            <a:r>
+              <a:rPr lang="ko-KR" altLang="en-US" sz="1000" dirty="0">
+                <a:latin typeface="Pretendard" panose="02000503000000020004" pitchFamily="2" charset="-127"/>
+                <a:ea typeface="Pretendard" panose="02000503000000020004" pitchFamily="2" charset="-127"/>
+                <a:cs typeface="Pretendard" panose="02000503000000020004" pitchFamily="2" charset="-127"/>
+              </a:rPr>
+              <a:t>개씩</a:t>
+            </a:r>
+            <a:r>
+              <a:rPr lang="en-US" altLang="ko-KR" sz="1000" dirty="0">
+                <a:latin typeface="Pretendard" panose="02000503000000020004" pitchFamily="2" charset="-127"/>
+                <a:ea typeface="Pretendard" panose="02000503000000020004" pitchFamily="2" charset="-127"/>
+                <a:cs typeface="Pretendard" panose="02000503000000020004" pitchFamily="2" charset="-127"/>
+              </a:rPr>
+              <a:t>, </a:t>
+            </a:r>
+            <a:r>
+              <a:rPr lang="ko-KR" altLang="en-US" sz="1000" dirty="0">
+                <a:latin typeface="Pretendard" panose="02000503000000020004" pitchFamily="2" charset="-127"/>
+                <a:ea typeface="Pretendard" panose="02000503000000020004" pitchFamily="2" charset="-127"/>
+                <a:cs typeface="Pretendard" panose="02000503000000020004" pitchFamily="2" charset="-127"/>
+              </a:rPr>
+              <a:t>총 </a:t>
+            </a:r>
+            <a:r>
+              <a:rPr lang="en-US" altLang="ko-KR" sz="1000" dirty="0">
+                <a:latin typeface="Pretendard" panose="02000503000000020004" pitchFamily="2" charset="-127"/>
+                <a:ea typeface="Pretendard" panose="02000503000000020004" pitchFamily="2" charset="-127"/>
+                <a:cs typeface="Pretendard" panose="02000503000000020004" pitchFamily="2" charset="-127"/>
+              </a:rPr>
+              <a:t>4</a:t>
+            </a:r>
+            <a:r>
+              <a:rPr lang="ko-KR" altLang="en-US" sz="1000" dirty="0">
+                <a:latin typeface="Pretendard" panose="02000503000000020004" pitchFamily="2" charset="-127"/>
+                <a:ea typeface="Pretendard" panose="02000503000000020004" pitchFamily="2" charset="-127"/>
+                <a:cs typeface="Pretendard" panose="02000503000000020004" pitchFamily="2" charset="-127"/>
+              </a:rPr>
+              <a:t>개의 고리로 분리</a:t>
+            </a:r>
+            <a:r>
+              <a:rPr lang="en-US" altLang="ko-KR" sz="1000" dirty="0">
+                <a:latin typeface="Pretendard" panose="02000503000000020004" pitchFamily="2" charset="-127"/>
+                <a:ea typeface="Pretendard" panose="02000503000000020004" pitchFamily="2" charset="-127"/>
+                <a:cs typeface="Pretendard" panose="02000503000000020004" pitchFamily="2" charset="-127"/>
+              </a:rPr>
+              <a:t>)</a:t>
+            </a:r>
+          </a:p>
+        </p:txBody>
+      </p:sp>
+      <p:cxnSp>
+        <p:nvCxnSpPr>
+          <p:cNvPr id="4" name="직선 연결선 3">
+            <a:extLst>
+              <a:ext uri="{FF2B5EF4-FFF2-40B4-BE49-F238E27FC236}">
+                <a16:creationId xmlns:a16="http://schemas.microsoft.com/office/drawing/2014/main" id="{6E68966C-2B48-29DB-4396-101865B47788}"/>
+              </a:ext>
+            </a:extLst>
+          </p:cNvPr>
+          <p:cNvCxnSpPr>
+            <a:cxnSpLocks/>
+          </p:cNvCxnSpPr>
+          <p:nvPr/>
+        </p:nvCxnSpPr>
+        <p:spPr>
+          <a:xfrm>
+            <a:off x="4355940" y="4200016"/>
+            <a:ext cx="827087" cy="0"/>
+          </a:xfrm>
+          <a:prstGeom prst="line">
+            <a:avLst/>
+          </a:prstGeom>
+          <a:ln w="12700">
+            <a:solidFill>
+              <a:srgbClr val="212227"/>
+            </a:solidFill>
+          </a:ln>
+        </p:spPr>
+        <p:style>
+          <a:lnRef idx="2">
+            <a:schemeClr val="accent1"/>
+          </a:lnRef>
+          <a:fillRef idx="0">
+            <a:schemeClr val="accent1"/>
+          </a:fillRef>
+          <a:effectRef idx="1">
+            <a:schemeClr val="accent1"/>
+          </a:effectRef>
+          <a:fontRef idx="minor">
+            <a:schemeClr val="tx1"/>
+          </a:fontRef>
+        </p:style>
+      </p:cxnSp>
+      <p:sp>
+        <p:nvSpPr>
+          <p:cNvPr id="6" name="TextBox 5">
+            <a:extLst>
+              <a:ext uri="{FF2B5EF4-FFF2-40B4-BE49-F238E27FC236}">
+                <a16:creationId xmlns:a16="http://schemas.microsoft.com/office/drawing/2014/main" id="{13BD2465-1C08-9D0B-84D0-43E951D63E0C}"/>
+              </a:ext>
+            </a:extLst>
+          </p:cNvPr>
+          <p:cNvSpPr txBox="1"/>
+          <p:nvPr/>
+        </p:nvSpPr>
+        <p:spPr>
+          <a:xfrm>
+            <a:off x="4355940" y="3917105"/>
+            <a:ext cx="762563" cy="270459"/>
+          </a:xfrm>
+          <a:prstGeom prst="rect">
+            <a:avLst/>
+          </a:prstGeom>
+          <a:noFill/>
+        </p:spPr>
+        <p:txBody>
+          <a:bodyPr wrap="none" lIns="72000" rIns="72000" rtlCol="0">
+            <a:spAutoFit/>
+          </a:bodyPr>
+          <a:lstStyle/>
+          <a:p>
+            <a:pPr latinLnBrk="0">
+              <a:lnSpc>
+                <a:spcPct val="120000"/>
+              </a:lnSpc>
+            </a:pPr>
+            <a:r>
+              <a:rPr lang="ko-KR" altLang="en-US" sz="1050" dirty="0" err="1">
+                <a:latin typeface="Pretendard SemiBold" panose="02000703000000020004" pitchFamily="2" charset="-127"/>
+                <a:ea typeface="Pretendard SemiBold" panose="02000703000000020004" pitchFamily="2" charset="-127"/>
+                <a:cs typeface="Pretendard SemiBold" panose="02000703000000020004" pitchFamily="2" charset="-127"/>
+              </a:rPr>
+              <a:t>성반의</a:t>
+            </a:r>
+            <a:r>
+              <a:rPr lang="ko-KR" altLang="en-US" sz="1050" dirty="0">
+                <a:latin typeface="Pretendard SemiBold" panose="02000703000000020004" pitchFamily="2" charset="-127"/>
+                <a:ea typeface="Pretendard SemiBold" panose="02000703000000020004" pitchFamily="2" charset="-127"/>
+                <a:cs typeface="Pretendard SemiBold" panose="02000703000000020004" pitchFamily="2" charset="-127"/>
+              </a:rPr>
+              <a:t> 구조</a:t>
+            </a:r>
+            <a:endParaRPr lang="en-US" altLang="ko-KR" sz="1050" dirty="0">
+              <a:latin typeface="Pretendard SemiBold" panose="02000703000000020004" pitchFamily="2" charset="-127"/>
+              <a:ea typeface="Pretendard SemiBold" panose="02000703000000020004" pitchFamily="2" charset="-127"/>
+              <a:cs typeface="Pretendard SemiBold" panose="02000703000000020004" pitchFamily="2" charset="-127"/>
+            </a:endParaRPr>
+          </a:p>
+        </p:txBody>
+      </p:sp>
+    </p:spTree>
+    <p:extLst>
+      <p:ext uri="{BB962C8B-B14F-4D97-AF65-F5344CB8AC3E}">
+        <p14:creationId xmlns:p14="http://schemas.microsoft.com/office/powerpoint/2010/main" val="1509408109"/>
+      </p:ext>
+    </p:extLst>
+  </p:cSld>
+  <p:clrMapOvr>
+    <a:masterClrMapping/>
+  </p:clrMapOvr>
+</p:sld>
+</file>
+
+<file path=ppt/slides/slide7.xml><?xml version="1.0" encoding="utf-8"?>
+<p:sld xmlns:a="http://schemas.openxmlformats.org/drawingml/2006/main" xmlns:r="http://schemas.openxmlformats.org/officeDocument/2006/relationships" xmlns:p="http://schemas.openxmlformats.org/presentationml/2006/main">
+  <p:cSld>
+    <p:spTree>
+      <p:nvGrpSpPr>
+        <p:cNvPr id="1" name="">
+          <a:extLst>
+            <a:ext uri="{FF2B5EF4-FFF2-40B4-BE49-F238E27FC236}">
+              <a16:creationId xmlns:a16="http://schemas.microsoft.com/office/drawing/2014/main" id="{E29BD1EE-D26B-9DE5-6591-746226416F06}"/>
+            </a:ext>
+          </a:extLst>
+        </p:cNvPr>
+        <p:cNvGrpSpPr/>
+        <p:nvPr/>
+      </p:nvGrpSpPr>
+      <p:grpSpPr>
+        <a:xfrm>
+          <a:off x="0" y="0"/>
+          <a:ext cx="0" cy="0"/>
+          <a:chOff x="0" y="0"/>
+          <a:chExt cx="0" cy="0"/>
+        </a:xfrm>
+      </p:grpSpPr>
+      <p:sp>
+        <p:nvSpPr>
+          <p:cNvPr id="15" name="TextBox 14">
+            <a:extLst>
+              <a:ext uri="{FF2B5EF4-FFF2-40B4-BE49-F238E27FC236}">
+                <a16:creationId xmlns:a16="http://schemas.microsoft.com/office/drawing/2014/main" id="{6510111D-1F8F-1A46-335B-251C02E34552}"/>
+              </a:ext>
+            </a:extLst>
+          </p:cNvPr>
+          <p:cNvSpPr txBox="1"/>
+          <p:nvPr/>
+        </p:nvSpPr>
+        <p:spPr>
+          <a:xfrm>
+            <a:off x="1291470" y="98563"/>
+            <a:ext cx="1012631" cy="261610"/>
+          </a:xfrm>
+          <a:prstGeom prst="rect">
+            <a:avLst/>
+          </a:prstGeom>
+          <a:noFill/>
+        </p:spPr>
+        <p:txBody>
+          <a:bodyPr wrap="none" lIns="144000" rIns="0" rtlCol="0" anchor="b">
+            <a:spAutoFit/>
+          </a:bodyPr>
+          <a:lstStyle/>
+          <a:p>
+            <a:r>
+              <a:rPr lang="en-US" altLang="ko-KR" sz="1100" dirty="0">
+                <a:solidFill>
+                  <a:schemeClr val="bg1">
+                    <a:lumMod val="85000"/>
+                  </a:schemeClr>
+                </a:solidFill>
+                <a:latin typeface="Pretendard SemiBold" panose="02000703000000020004" pitchFamily="2" charset="-127"/>
+                <a:ea typeface="Pretendard SemiBold" panose="02000703000000020004" pitchFamily="2" charset="-127"/>
+                <a:cs typeface="Pretendard SemiBold" panose="02000703000000020004" pitchFamily="2" charset="-127"/>
+              </a:rPr>
+              <a:t>(2) </a:t>
+            </a:r>
+            <a:r>
+              <a:rPr lang="ko-KR" altLang="en-US" sz="1100" dirty="0">
+                <a:solidFill>
+                  <a:schemeClr val="bg1">
+                    <a:lumMod val="85000"/>
+                  </a:schemeClr>
+                </a:solidFill>
+                <a:latin typeface="Pretendard SemiBold" panose="02000703000000020004" pitchFamily="2" charset="-127"/>
+                <a:ea typeface="Pretendard SemiBold" panose="02000703000000020004" pitchFamily="2" charset="-127"/>
+                <a:cs typeface="Pretendard SemiBold" panose="02000703000000020004" pitchFamily="2" charset="-127"/>
+              </a:rPr>
+              <a:t>클래스 소개</a:t>
             </a:r>
             <a:endParaRPr lang="en-US" altLang="ko-KR" sz="1100" dirty="0">
               <a:solidFill>
@@ -6930,7 +11443,7 @@
           <p:cNvPr id="22" name="TextBox 21">
             <a:extLst>
               <a:ext uri="{FF2B5EF4-FFF2-40B4-BE49-F238E27FC236}">
-                <a16:creationId xmlns:a16="http://schemas.microsoft.com/office/drawing/2014/main" id="{59E7C6AC-C013-0630-8BB5-4F0869DDC64D}"/>
+                <a16:creationId xmlns:a16="http://schemas.microsoft.com/office/drawing/2014/main" id="{16AA1456-F656-C377-C4F7-5B2E9E70DAF0}"/>
               </a:ext>
             </a:extLst>
           </p:cNvPr>
@@ -7119,7 +11632,7 @@
           <p:cNvPr id="19" name="TextBox 18">
             <a:extLst>
               <a:ext uri="{FF2B5EF4-FFF2-40B4-BE49-F238E27FC236}">
-                <a16:creationId xmlns:a16="http://schemas.microsoft.com/office/drawing/2014/main" id="{DE062B43-9ADA-406D-2198-684E02F6D78C}"/>
+                <a16:creationId xmlns:a16="http://schemas.microsoft.com/office/drawing/2014/main" id="{BA0F768B-7A7C-D78B-EE9D-4DC5CAA10625}"/>
               </a:ext>
             </a:extLst>
           </p:cNvPr>
@@ -7245,10 +11758,82 @@
           </a:p>
         </p:txBody>
       </p:sp>
+      <p:pic>
+        <p:nvPicPr>
+          <p:cNvPr id="3" name="그림 2" descr="의류, 덮개, 의상 디자인, 인간의 얼굴이(가) 표시된 사진&#10;&#10;AI 생성 콘텐츠는 정확하지 않을 수 있습니다.">
+            <a:extLst>
+              <a:ext uri="{FF2B5EF4-FFF2-40B4-BE49-F238E27FC236}">
+                <a16:creationId xmlns:a16="http://schemas.microsoft.com/office/drawing/2014/main" id="{7FF16FA1-11F5-1508-776B-BF43679F02FC}"/>
+              </a:ext>
+            </a:extLst>
+          </p:cNvPr>
+          <p:cNvPicPr>
+            <a:picLocks noChangeAspect="1"/>
+          </p:cNvPicPr>
+          <p:nvPr/>
+        </p:nvPicPr>
+        <p:blipFill>
+          <a:blip r:embed="rId2">
+            <a:extLst>
+              <a:ext uri="{28A0092B-C50C-407E-A947-70E740481C1C}">
+                <a14:useLocalDpi xmlns:a14="http://schemas.microsoft.com/office/drawing/2010/main" val="0"/>
+              </a:ext>
+            </a:extLst>
+          </a:blip>
+          <a:stretch>
+            <a:fillRect/>
+          </a:stretch>
+        </p:blipFill>
+        <p:spPr>
+          <a:xfrm>
+            <a:off x="6533104" y="1588758"/>
+            <a:ext cx="1927399" cy="4365233"/>
+          </a:xfrm>
+          <a:prstGeom prst="rect">
+            <a:avLst/>
+          </a:prstGeom>
+        </p:spPr>
+      </p:pic>
+      <p:pic>
+        <p:nvPicPr>
+          <p:cNvPr id="5" name="그림 4" descr="금속, 나선, 금이(가) 표시된 사진&#10;&#10;AI 생성 콘텐츠는 정확하지 않을 수 있습니다.">
+            <a:extLst>
+              <a:ext uri="{FF2B5EF4-FFF2-40B4-BE49-F238E27FC236}">
+                <a16:creationId xmlns:a16="http://schemas.microsoft.com/office/drawing/2014/main" id="{42AC006E-1B19-3DC7-251E-91DF07F68F9A}"/>
+              </a:ext>
+            </a:extLst>
+          </p:cNvPr>
+          <p:cNvPicPr>
+            <a:picLocks noChangeAspect="1"/>
+          </p:cNvPicPr>
+          <p:nvPr/>
+        </p:nvPicPr>
+        <p:blipFill>
+          <a:blip r:embed="rId3">
+            <a:extLst>
+              <a:ext uri="{28A0092B-C50C-407E-A947-70E740481C1C}">
+                <a14:useLocalDpi xmlns:a14="http://schemas.microsoft.com/office/drawing/2010/main" val="0"/>
+              </a:ext>
+            </a:extLst>
+          </a:blip>
+          <a:stretch>
+            <a:fillRect/>
+          </a:stretch>
+        </p:blipFill>
+        <p:spPr>
+          <a:xfrm>
+            <a:off x="8568546" y="1413103"/>
+            <a:ext cx="1138416" cy="1055224"/>
+          </a:xfrm>
+          <a:prstGeom prst="rect">
+            <a:avLst/>
+          </a:prstGeom>
+        </p:spPr>
+      </p:pic>
     </p:spTree>
     <p:extLst>
       <p:ext uri="{BB962C8B-B14F-4D97-AF65-F5344CB8AC3E}">
-        <p14:creationId xmlns:p14="http://schemas.microsoft.com/office/powerpoint/2010/main" val="1249348822"/>
+        <p14:creationId xmlns:p14="http://schemas.microsoft.com/office/powerpoint/2010/main" val="2442291333"/>
       </p:ext>
     </p:extLst>
   </p:cSld>
@@ -7258,7 +11843,7 @@
 </p:sld>
 </file>
 
-<file path=ppt/slides/slide5.xml><?xml version="1.0" encoding="utf-8"?>
+<file path=ppt/slides/slide8.xml><?xml version="1.0" encoding="utf-8"?>
 <p:sld xmlns:a="http://schemas.openxmlformats.org/drawingml/2006/main" xmlns:r="http://schemas.openxmlformats.org/officeDocument/2006/relationships" xmlns:p="http://schemas.openxmlformats.org/presentationml/2006/main">
   <p:cSld>
     <p:spTree>
@@ -7355,7 +11940,7 @@
 </p:sld>
 </file>
 
-<file path=ppt/slides/slide6.xml><?xml version="1.0" encoding="utf-8"?>
+<file path=ppt/slides/slide9.xml><?xml version="1.0" encoding="utf-8"?>
 <p:sld xmlns:a="http://schemas.openxmlformats.org/drawingml/2006/main" xmlns:r="http://schemas.openxmlformats.org/officeDocument/2006/relationships" xmlns:p="http://schemas.openxmlformats.org/presentationml/2006/main">
   <p:cSld>
     <p:bg>
@@ -9410,189 +13995,6 @@
 </p:sld>
 </file>
 
-<file path=ppt/slides/slide7.xml><?xml version="1.0" encoding="utf-8"?>
-<p:sld xmlns:a="http://schemas.openxmlformats.org/drawingml/2006/main" xmlns:r="http://schemas.openxmlformats.org/officeDocument/2006/relationships" xmlns:p="http://schemas.openxmlformats.org/presentationml/2006/main">
-  <p:cSld>
-    <p:bg>
-      <p:bgPr>
-        <a:solidFill>
-          <a:srgbClr val="212227"/>
-        </a:solidFill>
-        <a:effectLst/>
-      </p:bgPr>
-    </p:bg>
-    <p:spTree>
-      <p:nvGrpSpPr>
-        <p:cNvPr id="1" name="">
-          <a:extLst>
-            <a:ext uri="{FF2B5EF4-FFF2-40B4-BE49-F238E27FC236}">
-              <a16:creationId xmlns:a16="http://schemas.microsoft.com/office/drawing/2014/main" id="{15DF0197-B1A3-7F6D-7628-560394A7B730}"/>
-            </a:ext>
-          </a:extLst>
-        </p:cNvPr>
-        <p:cNvGrpSpPr/>
-        <p:nvPr/>
-      </p:nvGrpSpPr>
-      <p:grpSpPr>
-        <a:xfrm>
-          <a:off x="0" y="0"/>
-          <a:ext cx="0" cy="0"/>
-          <a:chOff x="0" y="0"/>
-          <a:chExt cx="0" cy="0"/>
-        </a:xfrm>
-      </p:grpSpPr>
-      <p:pic>
-        <p:nvPicPr>
-          <p:cNvPr id="12" name="그림 11" descr="폰트, 타이포그래피, 텍스트, 그래픽이(가) 표시된 사진&#10;&#10;AI 생성 콘텐츠는 정확하지 않을 수 있습니다.">
-            <a:extLst>
-              <a:ext uri="{FF2B5EF4-FFF2-40B4-BE49-F238E27FC236}">
-                <a16:creationId xmlns:a16="http://schemas.microsoft.com/office/drawing/2014/main" id="{A8416A4B-E61A-521F-76BE-F92B8C0FE27D}"/>
-              </a:ext>
-            </a:extLst>
-          </p:cNvPr>
-          <p:cNvPicPr>
-            <a:picLocks noChangeAspect="1"/>
-          </p:cNvPicPr>
-          <p:nvPr/>
-        </p:nvPicPr>
-        <p:blipFill>
-          <a:blip r:embed="rId3">
-            <a:extLst>
-              <a:ext uri="{28A0092B-C50C-407E-A947-70E740481C1C}">
-                <a14:useLocalDpi xmlns:a14="http://schemas.microsoft.com/office/drawing/2010/main" val="0"/>
-              </a:ext>
-            </a:extLst>
-          </a:blip>
-          <a:stretch>
-            <a:fillRect/>
-          </a:stretch>
-        </p:blipFill>
-        <p:spPr>
-          <a:xfrm>
-            <a:off x="5511945" y="6253641"/>
-            <a:ext cx="1168111" cy="327508"/>
-          </a:xfrm>
-          <a:prstGeom prst="rect">
-            <a:avLst/>
-          </a:prstGeom>
-          <a:effectLst/>
-        </p:spPr>
-      </p:pic>
-      <p:sp>
-        <p:nvSpPr>
-          <p:cNvPr id="5" name="TextBox 4">
-            <a:extLst>
-              <a:ext uri="{FF2B5EF4-FFF2-40B4-BE49-F238E27FC236}">
-                <a16:creationId xmlns:a16="http://schemas.microsoft.com/office/drawing/2014/main" id="{A5B15EF4-E8E4-73D0-5310-4B25054C26EB}"/>
-              </a:ext>
-            </a:extLst>
-          </p:cNvPr>
-          <p:cNvSpPr txBox="1"/>
-          <p:nvPr/>
-        </p:nvSpPr>
-        <p:spPr>
-          <a:xfrm>
-            <a:off x="3557485" y="2659559"/>
-            <a:ext cx="5077031" cy="769441"/>
-          </a:xfrm>
-          <a:prstGeom prst="rect">
-            <a:avLst/>
-          </a:prstGeom>
-          <a:noFill/>
-        </p:spPr>
-        <p:txBody>
-          <a:bodyPr wrap="none" rtlCol="0">
-            <a:spAutoFit/>
-          </a:bodyPr>
-          <a:lstStyle/>
-          <a:p>
-            <a:r>
-              <a:rPr lang="en-US" altLang="ko-KR" sz="4400" dirty="0">
-                <a:solidFill>
-                  <a:schemeClr val="bg1"/>
-                </a:solidFill>
-                <a:effectLst/>
-                <a:latin typeface="빛의 계승자 Bold" panose="020B0600000101010101" pitchFamily="50" charset="-127"/>
-                <a:ea typeface="빛의 계승자 Bold" panose="020B0600000101010101" pitchFamily="50" charset="-127"/>
-              </a:rPr>
-              <a:t>End Of Document</a:t>
-            </a:r>
-            <a:endParaRPr lang="ko-KR" altLang="en-US" sz="4400" dirty="0">
-              <a:solidFill>
-                <a:schemeClr val="bg1"/>
-              </a:solidFill>
-              <a:effectLst/>
-              <a:latin typeface="빛의 계승자 Bold" panose="020B0600000101010101" pitchFamily="50" charset="-127"/>
-              <a:ea typeface="빛의 계승자 Bold" panose="020B0600000101010101" pitchFamily="50" charset="-127"/>
-            </a:endParaRPr>
-          </a:p>
-        </p:txBody>
-      </p:sp>
-      <p:sp>
-        <p:nvSpPr>
-          <p:cNvPr id="2" name="직사각형 1">
-            <a:extLst>
-              <a:ext uri="{FF2B5EF4-FFF2-40B4-BE49-F238E27FC236}">
-                <a16:creationId xmlns:a16="http://schemas.microsoft.com/office/drawing/2014/main" id="{8268BBD3-B8DB-F77F-80D3-E0B343FD0996}"/>
-              </a:ext>
-            </a:extLst>
-          </p:cNvPr>
-          <p:cNvSpPr/>
-          <p:nvPr/>
-        </p:nvSpPr>
-        <p:spPr>
-          <a:xfrm>
-            <a:off x="442913" y="441325"/>
-            <a:ext cx="11306175" cy="6156325"/>
-          </a:xfrm>
-          <a:prstGeom prst="rect">
-            <a:avLst/>
-          </a:prstGeom>
-          <a:noFill/>
-          <a:ln>
-            <a:solidFill>
-              <a:srgbClr val="FFFF00"/>
-            </a:solidFill>
-          </a:ln>
-        </p:spPr>
-        <p:style>
-          <a:lnRef idx="2">
-            <a:schemeClr val="accent1">
-              <a:shade val="15000"/>
-            </a:schemeClr>
-          </a:lnRef>
-          <a:fillRef idx="1">
-            <a:schemeClr val="accent1"/>
-          </a:fillRef>
-          <a:effectRef idx="0">
-            <a:schemeClr val="accent1"/>
-          </a:effectRef>
-          <a:fontRef idx="minor">
-            <a:schemeClr val="lt1"/>
-          </a:fontRef>
-        </p:style>
-        <p:txBody>
-          <a:bodyPr rtlCol="0" anchor="ctr"/>
-          <a:lstStyle/>
-          <a:p>
-            <a:pPr algn="ctr"/>
-            <a:endParaRPr lang="ko-KR" altLang="en-US"/>
-          </a:p>
-        </p:txBody>
-      </p:sp>
-    </p:spTree>
-    <p:extLst>
-      <p:ext uri="{BB962C8B-B14F-4D97-AF65-F5344CB8AC3E}">
-        <p14:creationId xmlns:p14="http://schemas.microsoft.com/office/powerpoint/2010/main" val="2894142246"/>
-      </p:ext>
-    </p:extLst>
-  </p:cSld>
-  <p:clrMapOvr>
-    <a:masterClrMapping/>
-  </p:clrMapOvr>
-</p:sld>
-</file>
-
 <file path=ppt/theme/theme1.xml><?xml version="1.0" encoding="utf-8"?>
 <a:theme xmlns:a="http://schemas.openxmlformats.org/drawingml/2006/main" name="Office 테마">
   <a:themeElements>
